--- a/course_data/presentations/practical_spring_boot_for_tdp_02.pptx
+++ b/course_data/presentations/practical_spring_boot_for_tdp_02.pptx
@@ -5,7 +5,7 @@
     <p:sldMasterId id="2147483648" r:id="rId4"/>
   </p:sldMasterIdLst>
   <p:notesMasterIdLst>
-    <p:notesMasterId r:id="rId56"/>
+    <p:notesMasterId r:id="rId68"/>
   </p:notesMasterIdLst>
   <p:sldIdLst>
     <p:sldId id="263" r:id="rId5"/>
@@ -59,6 +59,18 @@
     <p:sldId id="314" r:id="rId53"/>
     <p:sldId id="284" r:id="rId54"/>
     <p:sldId id="324" r:id="rId55"/>
+    <p:sldId id="292" r:id="rId56"/>
+    <p:sldId id="326" r:id="rId57"/>
+    <p:sldId id="327" r:id="rId58"/>
+    <p:sldId id="328" r:id="rId59"/>
+    <p:sldId id="329" r:id="rId60"/>
+    <p:sldId id="286" r:id="rId61"/>
+    <p:sldId id="330" r:id="rId62"/>
+    <p:sldId id="331" r:id="rId63"/>
+    <p:sldId id="332" r:id="rId64"/>
+    <p:sldId id="333" r:id="rId65"/>
+    <p:sldId id="334" r:id="rId66"/>
+    <p:sldId id="335" r:id="rId67"/>
   </p:sldIdLst>
   <p:sldSz cx="12192000" cy="6858000"/>
   <p:notesSz cx="6858000" cy="9144000"/>
@@ -913,6 +925,148 @@
     <p:extLst>
       <p:ext uri="{BB962C8B-B14F-4D97-AF65-F5344CB8AC3E}">
         <p14:creationId xmlns:p14="http://schemas.microsoft.com/office/powerpoint/2010/main" val="3667767236"/>
+      </p:ext>
+    </p:extLst>
+  </p:cSld>
+  <p:clrMapOvr>
+    <a:masterClrMapping/>
+  </p:clrMapOvr>
+</p:notes>
+</file>
+
+<file path=ppt/notesSlides/notesSlide13.xml><?xml version="1.0" encoding="utf-8"?>
+<p:notes xmlns:a="http://schemas.openxmlformats.org/drawingml/2006/main" xmlns:r="http://schemas.openxmlformats.org/officeDocument/2006/relationships" xmlns:p="http://schemas.openxmlformats.org/presentationml/2006/main">
+  <p:cSld>
+    <p:spTree>
+      <p:nvGrpSpPr>
+        <p:cNvPr id="1" name=""/>
+        <p:cNvGrpSpPr/>
+        <p:nvPr/>
+      </p:nvGrpSpPr>
+      <p:grpSpPr>
+        <a:xfrm>
+          <a:off x="0" y="0"/>
+          <a:ext cx="0" cy="0"/>
+          <a:chOff x="0" y="0"/>
+          <a:chExt cx="0" cy="0"/>
+        </a:xfrm>
+      </p:grpSpPr>
+      <p:sp>
+        <p:nvSpPr>
+          <p:cNvPr id="2" name="Slide Image Placeholder 1"/>
+          <p:cNvSpPr>
+            <a:spLocks noGrp="1" noRot="1" noChangeAspect="1"/>
+          </p:cNvSpPr>
+          <p:nvPr>
+            <p:ph type="sldImg"/>
+          </p:nvPr>
+        </p:nvSpPr>
+        <p:spPr/>
+      </p:sp>
+      <p:sp>
+        <p:nvSpPr>
+          <p:cNvPr id="3" name="Notes Placeholder 2"/>
+          <p:cNvSpPr>
+            <a:spLocks noGrp="1"/>
+          </p:cNvSpPr>
+          <p:nvPr>
+            <p:ph type="body" idx="1"/>
+          </p:nvPr>
+        </p:nvSpPr>
+        <p:spPr/>
+        <p:txBody>
+          <a:bodyPr/>
+          <a:lstStyle/>
+          <a:p>
+            <a:r>
+              <a:rPr lang="en-US" sz="1200" b="1" dirty="0">
+                <a:solidFill>
+                  <a:schemeClr val="tx1"/>
+                </a:solidFill>
+              </a:rPr>
+              <a:t>Note</a:t>
+            </a:r>
+            <a:r>
+              <a:rPr lang="en-US" sz="1200" dirty="0">
+                <a:solidFill>
+                  <a:schemeClr val="tx1"/>
+                </a:solidFill>
+              </a:rPr>
+              <a:t>:</a:t>
+            </a:r>
+          </a:p>
+          <a:p>
+            <a:pPr marL="457200" indent="-457200">
+              <a:buFont typeface="Arial" panose="020B0604020202020204" pitchFamily="34" charset="0"/>
+              <a:buChar char="•"/>
+            </a:pPr>
+            <a:r>
+              <a:rPr lang="en-US" sz="1200" dirty="0"/>
+              <a:t>Default is </a:t>
+            </a:r>
+            <a:r>
+              <a:rPr lang="en-US" sz="1200" dirty="0">
+                <a:solidFill>
+                  <a:srgbClr val="00B0F0"/>
+                </a:solidFill>
+              </a:rPr>
+              <a:t>false</a:t>
+            </a:r>
+          </a:p>
+          <a:p>
+            <a:pPr marL="457200" indent="-457200">
+              <a:buFont typeface="Arial" panose="020B0604020202020204" pitchFamily="34" charset="0"/>
+              <a:buChar char="•"/>
+            </a:pPr>
+            <a:r>
+              <a:rPr lang="en-US" sz="1200" dirty="0"/>
+              <a:t>In case the bean is needed for another non-lazy bean – it will still be created eagerly…</a:t>
+            </a:r>
+          </a:p>
+          <a:p>
+            <a:pPr marL="457200" indent="-457200">
+              <a:buFont typeface="Arial" panose="020B0604020202020204" pitchFamily="34" charset="0"/>
+              <a:buChar char="•"/>
+            </a:pPr>
+            <a:r>
+              <a:rPr lang="en-US" sz="1200" b="1" dirty="0"/>
+              <a:t>Prototype</a:t>
+            </a:r>
+            <a:r>
+              <a:rPr lang="en-US" sz="1200" dirty="0"/>
+              <a:t> beans are lazy by definition…</a:t>
+            </a:r>
+            <a:endParaRPr lang="he-IL" sz="1200" dirty="0"/>
+          </a:p>
+        </p:txBody>
+      </p:sp>
+      <p:sp>
+        <p:nvSpPr>
+          <p:cNvPr id="4" name="Slide Number Placeholder 3"/>
+          <p:cNvSpPr>
+            <a:spLocks noGrp="1"/>
+          </p:cNvSpPr>
+          <p:nvPr>
+            <p:ph type="sldNum" sz="quarter" idx="5"/>
+          </p:nvPr>
+        </p:nvSpPr>
+        <p:spPr/>
+        <p:txBody>
+          <a:bodyPr/>
+          <a:lstStyle/>
+          <a:p>
+            <a:fld id="{B5FEB3D3-3C4F-5E4D-9290-0C0B5A2442F8}" type="slidenum">
+              <a:rPr lang="en-IL" smtClean="0"/>
+              <a:t>62</a:t>
+            </a:fld>
+            <a:endParaRPr lang="en-IL"/>
+          </a:p>
+        </p:txBody>
+      </p:sp>
+    </p:spTree>
+    <p:extLst>
+      <p:ext uri="{BB962C8B-B14F-4D97-AF65-F5344CB8AC3E}">
+        <p14:creationId xmlns:p14="http://schemas.microsoft.com/office/powerpoint/2010/main" val="2335832351"/>
       </p:ext>
     </p:extLst>
   </p:cSld>
@@ -16817,7 +16971,12 @@
             <p:ph idx="1"/>
           </p:nvPr>
         </p:nvSpPr>
-        <p:spPr/>
+        <p:spPr>
+          <a:xfrm>
+            <a:off x="666183" y="1536121"/>
+            <a:ext cx="8596668" cy="3880773"/>
+          </a:xfrm>
+        </p:spPr>
         <p:txBody>
           <a:bodyPr/>
           <a:lstStyle/>
@@ -16861,25 +17020,25 @@
           <a:p>
             <a:r>
               <a:rPr lang="en-US" sz="2800" dirty="0"/>
-              <a:t>Java properties files,</a:t>
+              <a:t>Java properties files</a:t>
             </a:r>
           </a:p>
           <a:p>
             <a:r>
               <a:rPr lang="en-US" sz="2800" dirty="0"/>
-              <a:t>YAML files, </a:t>
+              <a:t>YAML files</a:t>
             </a:r>
           </a:p>
           <a:p>
             <a:r>
               <a:rPr lang="en-US" sz="2800" dirty="0"/>
-              <a:t>Environment variables, </a:t>
+              <a:t>Environment variables </a:t>
             </a:r>
           </a:p>
           <a:p>
             <a:r>
               <a:rPr lang="en-US" sz="2800" dirty="0"/>
-              <a:t>Command-line arguments...</a:t>
+              <a:t>Command-line arguments</a:t>
             </a:r>
           </a:p>
           <a:p>
@@ -27959,7 +28118,7 @@
         </p:blipFill>
         <p:spPr>
           <a:xfrm>
-            <a:off x="677334" y="2966395"/>
+            <a:off x="666183" y="3200571"/>
             <a:ext cx="9030786" cy="2636546"/>
           </a:xfrm>
           <a:prstGeom prst="rect">
@@ -29117,6 +29276,5252 @@
 </p:sld>
 </file>
 
+<file path=ppt/slides/slide52.xml><?xml version="1.0" encoding="utf-8"?>
+<p:sld xmlns:a="http://schemas.openxmlformats.org/drawingml/2006/main" xmlns:r="http://schemas.openxmlformats.org/officeDocument/2006/relationships" xmlns:p="http://schemas.openxmlformats.org/presentationml/2006/main">
+  <p:cSld>
+    <p:spTree>
+      <p:nvGrpSpPr>
+        <p:cNvPr id="1" name=""/>
+        <p:cNvGrpSpPr/>
+        <p:nvPr/>
+      </p:nvGrpSpPr>
+      <p:grpSpPr>
+        <a:xfrm>
+          <a:off x="0" y="0"/>
+          <a:ext cx="0" cy="0"/>
+          <a:chOff x="0" y="0"/>
+          <a:chExt cx="0" cy="0"/>
+        </a:xfrm>
+      </p:grpSpPr>
+      <p:sp>
+        <p:nvSpPr>
+          <p:cNvPr id="2" name="Title 1">
+            <a:extLst>
+              <a:ext uri="{FF2B5EF4-FFF2-40B4-BE49-F238E27FC236}">
+                <a16:creationId xmlns:a16="http://schemas.microsoft.com/office/drawing/2014/main" id="{E3901AC4-22EE-0388-2D40-7A83158EBAF3}"/>
+              </a:ext>
+            </a:extLst>
+          </p:cNvPr>
+          <p:cNvSpPr>
+            <a:spLocks noGrp="1"/>
+          </p:cNvSpPr>
+          <p:nvPr>
+            <p:ph type="title"/>
+          </p:nvPr>
+        </p:nvSpPr>
+        <p:spPr/>
+        <p:txBody>
+          <a:bodyPr/>
+          <a:lstStyle/>
+          <a:p>
+            <a:r>
+              <a:rPr lang="en-IL" dirty="0"/>
+              <a:t>Spring additional features</a:t>
+            </a:r>
+          </a:p>
+        </p:txBody>
+      </p:sp>
+      <p:sp>
+        <p:nvSpPr>
+          <p:cNvPr id="3" name="Content Placeholder 2">
+            <a:extLst>
+              <a:ext uri="{FF2B5EF4-FFF2-40B4-BE49-F238E27FC236}">
+                <a16:creationId xmlns:a16="http://schemas.microsoft.com/office/drawing/2014/main" id="{E222463F-1550-4AB6-EAE3-53B0230E1405}"/>
+              </a:ext>
+            </a:extLst>
+          </p:cNvPr>
+          <p:cNvSpPr>
+            <a:spLocks noGrp="1"/>
+          </p:cNvSpPr>
+          <p:nvPr>
+            <p:ph idx="1"/>
+          </p:nvPr>
+        </p:nvSpPr>
+        <p:spPr>
+          <a:xfrm>
+            <a:off x="688486" y="1636481"/>
+            <a:ext cx="8596668" cy="3880773"/>
+          </a:xfrm>
+        </p:spPr>
+        <p:txBody>
+          <a:bodyPr>
+            <a:normAutofit/>
+          </a:bodyPr>
+          <a:lstStyle/>
+          <a:p>
+            <a:r>
+              <a:rPr lang="en-IL" sz="3200" dirty="0"/>
+              <a:t>Beans Scope</a:t>
+            </a:r>
+          </a:p>
+          <a:p>
+            <a:r>
+              <a:rPr lang="en-IL" sz="3200" dirty="0"/>
+              <a:t>Collections</a:t>
+            </a:r>
+          </a:p>
+          <a:p>
+            <a:r>
+              <a:rPr lang="en-IL" sz="3200" dirty="0"/>
+              <a:t>Post Construct, PreDestroy annotations</a:t>
+            </a:r>
+          </a:p>
+          <a:p>
+            <a:r>
+              <a:rPr lang="en-IL" sz="3200" dirty="0"/>
+              <a:t>L</a:t>
+            </a:r>
+            <a:r>
+              <a:rPr lang="en-US" sz="3200" dirty="0"/>
+              <a:t>a</a:t>
+            </a:r>
+            <a:r>
+              <a:rPr lang="en-IL" sz="3200" dirty="0"/>
+              <a:t>zy Bean Initialization </a:t>
+            </a:r>
+          </a:p>
+        </p:txBody>
+      </p:sp>
+    </p:spTree>
+    <p:extLst>
+      <p:ext uri="{BB962C8B-B14F-4D97-AF65-F5344CB8AC3E}">
+        <p14:creationId xmlns:p14="http://schemas.microsoft.com/office/powerpoint/2010/main" val="348476005"/>
+      </p:ext>
+    </p:extLst>
+  </p:cSld>
+  <p:clrMapOvr>
+    <a:masterClrMapping/>
+  </p:clrMapOvr>
+</p:sld>
+</file>
+
+<file path=ppt/slides/slide53.xml><?xml version="1.0" encoding="utf-8"?>
+<p:sld xmlns:a="http://schemas.openxmlformats.org/drawingml/2006/main" xmlns:r="http://schemas.openxmlformats.org/officeDocument/2006/relationships" xmlns:p="http://schemas.openxmlformats.org/presentationml/2006/main">
+  <p:cSld>
+    <p:spTree>
+      <p:nvGrpSpPr>
+        <p:cNvPr id="1" name=""/>
+        <p:cNvGrpSpPr/>
+        <p:nvPr/>
+      </p:nvGrpSpPr>
+      <p:grpSpPr>
+        <a:xfrm>
+          <a:off x="0" y="0"/>
+          <a:ext cx="0" cy="0"/>
+          <a:chOff x="0" y="0"/>
+          <a:chExt cx="0" cy="0"/>
+        </a:xfrm>
+      </p:grpSpPr>
+      <p:sp>
+        <p:nvSpPr>
+          <p:cNvPr id="2" name="Title 1">
+            <a:extLst>
+              <a:ext uri="{FF2B5EF4-FFF2-40B4-BE49-F238E27FC236}">
+                <a16:creationId xmlns:a16="http://schemas.microsoft.com/office/drawing/2014/main" id="{9147551C-ABF5-B32D-11EC-36AA7C1BCFAA}"/>
+              </a:ext>
+            </a:extLst>
+          </p:cNvPr>
+          <p:cNvSpPr>
+            <a:spLocks noGrp="1"/>
+          </p:cNvSpPr>
+          <p:nvPr>
+            <p:ph type="title"/>
+          </p:nvPr>
+        </p:nvSpPr>
+        <p:spPr/>
+        <p:txBody>
+          <a:bodyPr/>
+          <a:lstStyle/>
+          <a:p>
+            <a:r>
+              <a:rPr lang="en-IL" dirty="0"/>
+              <a:t>Part 1: Beans Scope</a:t>
+            </a:r>
+          </a:p>
+        </p:txBody>
+      </p:sp>
+      <p:sp>
+        <p:nvSpPr>
+          <p:cNvPr id="4" name="Flowchart: Magnetic Disk 4">
+            <a:extLst>
+              <a:ext uri="{FF2B5EF4-FFF2-40B4-BE49-F238E27FC236}">
+                <a16:creationId xmlns:a16="http://schemas.microsoft.com/office/drawing/2014/main" id="{914664F1-3C1E-84ED-FEE8-81325AE1AE9B}"/>
+              </a:ext>
+            </a:extLst>
+          </p:cNvPr>
+          <p:cNvSpPr/>
+          <p:nvPr/>
+        </p:nvSpPr>
+        <p:spPr>
+          <a:xfrm>
+            <a:off x="1246907" y="2402098"/>
+            <a:ext cx="3138055" cy="2119745"/>
+          </a:xfrm>
+          <a:prstGeom prst="flowChartMagneticDisk">
+            <a:avLst/>
+          </a:prstGeom>
+          <a:solidFill>
+            <a:srgbClr val="008E40"/>
+          </a:solidFill>
+          <a:ln>
+            <a:solidFill>
+              <a:schemeClr val="tx1"/>
+            </a:solidFill>
+          </a:ln>
+        </p:spPr>
+        <p:style>
+          <a:lnRef idx="2">
+            <a:schemeClr val="accent1">
+              <a:shade val="50000"/>
+            </a:schemeClr>
+          </a:lnRef>
+          <a:fillRef idx="1">
+            <a:schemeClr val="accent1"/>
+          </a:fillRef>
+          <a:effectRef idx="0">
+            <a:schemeClr val="accent1"/>
+          </a:effectRef>
+          <a:fontRef idx="minor">
+            <a:schemeClr val="lt1"/>
+          </a:fontRef>
+        </p:style>
+        <p:txBody>
+          <a:bodyPr rtlCol="1" anchor="ctr"/>
+          <a:lstStyle/>
+          <a:p>
+            <a:pPr algn="ctr"/>
+            <a:endParaRPr lang="he-IL"/>
+          </a:p>
+        </p:txBody>
+      </p:sp>
+      <p:sp>
+        <p:nvSpPr>
+          <p:cNvPr id="5" name="Rectangle: Rounded Corners 5">
+            <a:extLst>
+              <a:ext uri="{FF2B5EF4-FFF2-40B4-BE49-F238E27FC236}">
+                <a16:creationId xmlns:a16="http://schemas.microsoft.com/office/drawing/2014/main" id="{31426964-E576-FA45-3693-322795139886}"/>
+              </a:ext>
+            </a:extLst>
+          </p:cNvPr>
+          <p:cNvSpPr/>
+          <p:nvPr/>
+        </p:nvSpPr>
+        <p:spPr>
+          <a:xfrm>
+            <a:off x="3346522" y="3384837"/>
+            <a:ext cx="758536" cy="727363"/>
+          </a:xfrm>
+          <a:prstGeom prst="roundRect">
+            <a:avLst/>
+          </a:prstGeom>
+          <a:solidFill>
+            <a:srgbClr val="0000FF"/>
+          </a:solidFill>
+          <a:ln>
+            <a:solidFill>
+              <a:schemeClr val="tx1"/>
+            </a:solidFill>
+          </a:ln>
+        </p:spPr>
+        <p:style>
+          <a:lnRef idx="2">
+            <a:schemeClr val="accent1">
+              <a:shade val="50000"/>
+            </a:schemeClr>
+          </a:lnRef>
+          <a:fillRef idx="1">
+            <a:schemeClr val="accent1"/>
+          </a:fillRef>
+          <a:effectRef idx="0">
+            <a:schemeClr val="accent1"/>
+          </a:effectRef>
+          <a:fontRef idx="minor">
+            <a:schemeClr val="lt1"/>
+          </a:fontRef>
+        </p:style>
+        <p:txBody>
+          <a:bodyPr rtlCol="1" anchor="ctr"/>
+          <a:lstStyle/>
+          <a:p>
+            <a:pPr algn="ctr"/>
+            <a:r>
+              <a:rPr lang="en-US" u="sng" dirty="0"/>
+              <a:t>Bean</a:t>
+            </a:r>
+          </a:p>
+          <a:p>
+            <a:pPr algn="ctr"/>
+            <a:r>
+              <a:rPr lang="en-US" dirty="0" err="1"/>
+              <a:t>xyz</a:t>
+            </a:r>
+            <a:endParaRPr lang="he-IL" dirty="0"/>
+          </a:p>
+        </p:txBody>
+      </p:sp>
+      <p:cxnSp>
+        <p:nvCxnSpPr>
+          <p:cNvPr id="6" name="Straight Arrow Connector 5">
+            <a:extLst>
+              <a:ext uri="{FF2B5EF4-FFF2-40B4-BE49-F238E27FC236}">
+                <a16:creationId xmlns:a16="http://schemas.microsoft.com/office/drawing/2014/main" id="{B8507F59-15AD-2C09-E555-63E602CFF502}"/>
+              </a:ext>
+            </a:extLst>
+          </p:cNvPr>
+          <p:cNvCxnSpPr>
+            <a:cxnSpLocks/>
+            <a:stCxn id="5" idx="3"/>
+            <a:endCxn id="14" idx="1"/>
+          </p:cNvCxnSpPr>
+          <p:nvPr/>
+        </p:nvCxnSpPr>
+        <p:spPr>
+          <a:xfrm flipV="1">
+            <a:off x="4105058" y="3026910"/>
+            <a:ext cx="1424204" cy="721609"/>
+          </a:xfrm>
+          <a:prstGeom prst="straightConnector1">
+            <a:avLst/>
+          </a:prstGeom>
+          <a:ln w="38100">
+            <a:solidFill>
+              <a:srgbClr val="FF0000"/>
+            </a:solidFill>
+            <a:prstDash val="dash"/>
+            <a:tailEnd type="triangle"/>
+          </a:ln>
+        </p:spPr>
+        <p:style>
+          <a:lnRef idx="1">
+            <a:schemeClr val="accent1"/>
+          </a:lnRef>
+          <a:fillRef idx="0">
+            <a:schemeClr val="accent1"/>
+          </a:fillRef>
+          <a:effectRef idx="0">
+            <a:schemeClr val="accent1"/>
+          </a:effectRef>
+          <a:fontRef idx="minor">
+            <a:schemeClr val="tx1"/>
+          </a:fontRef>
+        </p:style>
+      </p:cxnSp>
+      <p:sp>
+        <p:nvSpPr>
+          <p:cNvPr id="7" name="TextBox 6">
+            <a:extLst>
+              <a:ext uri="{FF2B5EF4-FFF2-40B4-BE49-F238E27FC236}">
+                <a16:creationId xmlns:a16="http://schemas.microsoft.com/office/drawing/2014/main" id="{12B381C2-AB32-EFDD-DDB0-0EE50A9158F3}"/>
+              </a:ext>
+            </a:extLst>
+          </p:cNvPr>
+          <p:cNvSpPr txBox="1"/>
+          <p:nvPr/>
+        </p:nvSpPr>
+        <p:spPr>
+          <a:xfrm>
+            <a:off x="1719694" y="2439473"/>
+            <a:ext cx="2192483" cy="584775"/>
+          </a:xfrm>
+          <a:prstGeom prst="rect">
+            <a:avLst/>
+          </a:prstGeom>
+          <a:noFill/>
+        </p:spPr>
+        <p:txBody>
+          <a:bodyPr wrap="square" rtlCol="1">
+            <a:spAutoFit/>
+          </a:bodyPr>
+          <a:lstStyle/>
+          <a:p>
+            <a:pPr algn="ctr"/>
+            <a:r>
+              <a:rPr lang="en-US" sz="1600" b="1" dirty="0"/>
+              <a:t>Application Context</a:t>
+            </a:r>
+          </a:p>
+          <a:p>
+            <a:pPr algn="ctr"/>
+            <a:r>
+              <a:rPr lang="en-US" sz="1600" b="1" dirty="0"/>
+              <a:t>(container)</a:t>
+            </a:r>
+            <a:endParaRPr lang="he-IL" sz="1600" b="1" dirty="0"/>
+          </a:p>
+        </p:txBody>
+      </p:sp>
+      <p:sp>
+        <p:nvSpPr>
+          <p:cNvPr id="8" name="Rectangle: Rounded Corners 11">
+            <a:extLst>
+              <a:ext uri="{FF2B5EF4-FFF2-40B4-BE49-F238E27FC236}">
+                <a16:creationId xmlns:a16="http://schemas.microsoft.com/office/drawing/2014/main" id="{24754504-606A-1DE1-5A32-FC4EC893AB3A}"/>
+              </a:ext>
+            </a:extLst>
+          </p:cNvPr>
+          <p:cNvSpPr/>
+          <p:nvPr/>
+        </p:nvSpPr>
+        <p:spPr>
+          <a:xfrm>
+            <a:off x="1719694" y="3120874"/>
+            <a:ext cx="501362" cy="346501"/>
+          </a:xfrm>
+          <a:prstGeom prst="roundRect">
+            <a:avLst/>
+          </a:prstGeom>
+          <a:solidFill>
+            <a:srgbClr val="0000FF"/>
+          </a:solidFill>
+          <a:ln>
+            <a:solidFill>
+              <a:schemeClr val="tx1"/>
+            </a:solidFill>
+          </a:ln>
+        </p:spPr>
+        <p:style>
+          <a:lnRef idx="2">
+            <a:schemeClr val="accent1">
+              <a:shade val="50000"/>
+            </a:schemeClr>
+          </a:lnRef>
+          <a:fillRef idx="1">
+            <a:schemeClr val="accent1"/>
+          </a:fillRef>
+          <a:effectRef idx="0">
+            <a:schemeClr val="accent1"/>
+          </a:effectRef>
+          <a:fontRef idx="minor">
+            <a:schemeClr val="lt1"/>
+          </a:fontRef>
+        </p:style>
+        <p:txBody>
+          <a:bodyPr rtlCol="1" anchor="ctr"/>
+          <a:lstStyle/>
+          <a:p>
+            <a:pPr algn="ctr"/>
+            <a:endParaRPr lang="he-IL" dirty="0"/>
+          </a:p>
+        </p:txBody>
+      </p:sp>
+      <p:sp>
+        <p:nvSpPr>
+          <p:cNvPr id="9" name="Rectangle: Rounded Corners 12">
+            <a:extLst>
+              <a:ext uri="{FF2B5EF4-FFF2-40B4-BE49-F238E27FC236}">
+                <a16:creationId xmlns:a16="http://schemas.microsoft.com/office/drawing/2014/main" id="{02022C73-00DB-929D-19E7-CD44AC048C94}"/>
+              </a:ext>
+            </a:extLst>
+          </p:cNvPr>
+          <p:cNvSpPr/>
+          <p:nvPr/>
+        </p:nvSpPr>
+        <p:spPr>
+          <a:xfrm>
+            <a:off x="2391207" y="3352766"/>
+            <a:ext cx="455902" cy="346500"/>
+          </a:xfrm>
+          <a:prstGeom prst="roundRect">
+            <a:avLst/>
+          </a:prstGeom>
+          <a:solidFill>
+            <a:srgbClr val="0000FF"/>
+          </a:solidFill>
+          <a:ln>
+            <a:solidFill>
+              <a:schemeClr val="tx1"/>
+            </a:solidFill>
+          </a:ln>
+        </p:spPr>
+        <p:style>
+          <a:lnRef idx="2">
+            <a:schemeClr val="accent1">
+              <a:shade val="50000"/>
+            </a:schemeClr>
+          </a:lnRef>
+          <a:fillRef idx="1">
+            <a:schemeClr val="accent1"/>
+          </a:fillRef>
+          <a:effectRef idx="0">
+            <a:schemeClr val="accent1"/>
+          </a:effectRef>
+          <a:fontRef idx="minor">
+            <a:schemeClr val="lt1"/>
+          </a:fontRef>
+        </p:style>
+        <p:txBody>
+          <a:bodyPr rtlCol="1" anchor="ctr"/>
+          <a:lstStyle/>
+          <a:p>
+            <a:pPr algn="ctr"/>
+            <a:endParaRPr lang="he-IL" dirty="0"/>
+          </a:p>
+        </p:txBody>
+      </p:sp>
+      <p:sp>
+        <p:nvSpPr>
+          <p:cNvPr id="10" name="Rectangle: Rounded Corners 13">
+            <a:extLst>
+              <a:ext uri="{FF2B5EF4-FFF2-40B4-BE49-F238E27FC236}">
+                <a16:creationId xmlns:a16="http://schemas.microsoft.com/office/drawing/2014/main" id="{93C38401-CB22-1CBD-4EE0-15C82B07B541}"/>
+              </a:ext>
+            </a:extLst>
+          </p:cNvPr>
+          <p:cNvSpPr/>
+          <p:nvPr/>
+        </p:nvSpPr>
+        <p:spPr>
+          <a:xfrm>
+            <a:off x="2800348" y="3983317"/>
+            <a:ext cx="455902" cy="346500"/>
+          </a:xfrm>
+          <a:prstGeom prst="roundRect">
+            <a:avLst/>
+          </a:prstGeom>
+          <a:solidFill>
+            <a:srgbClr val="0000FF"/>
+          </a:solidFill>
+          <a:ln>
+            <a:solidFill>
+              <a:schemeClr val="tx1"/>
+            </a:solidFill>
+          </a:ln>
+        </p:spPr>
+        <p:style>
+          <a:lnRef idx="2">
+            <a:schemeClr val="accent1">
+              <a:shade val="50000"/>
+            </a:schemeClr>
+          </a:lnRef>
+          <a:fillRef idx="1">
+            <a:schemeClr val="accent1"/>
+          </a:fillRef>
+          <a:effectRef idx="0">
+            <a:schemeClr val="accent1"/>
+          </a:effectRef>
+          <a:fontRef idx="minor">
+            <a:schemeClr val="lt1"/>
+          </a:fontRef>
+        </p:style>
+        <p:txBody>
+          <a:bodyPr rtlCol="1" anchor="ctr"/>
+          <a:lstStyle/>
+          <a:p>
+            <a:pPr algn="ctr"/>
+            <a:endParaRPr lang="he-IL" dirty="0"/>
+          </a:p>
+        </p:txBody>
+      </p:sp>
+      <p:sp>
+        <p:nvSpPr>
+          <p:cNvPr id="11" name="Rectangle: Rounded Corners 14">
+            <a:extLst>
+              <a:ext uri="{FF2B5EF4-FFF2-40B4-BE49-F238E27FC236}">
+                <a16:creationId xmlns:a16="http://schemas.microsoft.com/office/drawing/2014/main" id="{FE1645C6-0A16-F9AB-8F05-83A79CF4982C}"/>
+              </a:ext>
+            </a:extLst>
+          </p:cNvPr>
+          <p:cNvSpPr/>
+          <p:nvPr/>
+        </p:nvSpPr>
+        <p:spPr>
+          <a:xfrm>
+            <a:off x="1841788" y="3983317"/>
+            <a:ext cx="455902" cy="346500"/>
+          </a:xfrm>
+          <a:prstGeom prst="roundRect">
+            <a:avLst/>
+          </a:prstGeom>
+          <a:solidFill>
+            <a:srgbClr val="0000FF"/>
+          </a:solidFill>
+          <a:ln>
+            <a:solidFill>
+              <a:schemeClr val="tx1"/>
+            </a:solidFill>
+          </a:ln>
+        </p:spPr>
+        <p:style>
+          <a:lnRef idx="2">
+            <a:schemeClr val="accent1">
+              <a:shade val="50000"/>
+            </a:schemeClr>
+          </a:lnRef>
+          <a:fillRef idx="1">
+            <a:schemeClr val="accent1"/>
+          </a:fillRef>
+          <a:effectRef idx="0">
+            <a:schemeClr val="accent1"/>
+          </a:effectRef>
+          <a:fontRef idx="minor">
+            <a:schemeClr val="lt1"/>
+          </a:fontRef>
+        </p:style>
+        <p:txBody>
+          <a:bodyPr rtlCol="1" anchor="ctr"/>
+          <a:lstStyle/>
+          <a:p>
+            <a:pPr algn="ctr"/>
+            <a:endParaRPr lang="he-IL" dirty="0"/>
+          </a:p>
+        </p:txBody>
+      </p:sp>
+      <p:sp>
+        <p:nvSpPr>
+          <p:cNvPr id="12" name="Rectangle: Rounded Corners 15">
+            <a:extLst>
+              <a:ext uri="{FF2B5EF4-FFF2-40B4-BE49-F238E27FC236}">
+                <a16:creationId xmlns:a16="http://schemas.microsoft.com/office/drawing/2014/main" id="{B35727CB-BB51-6AAA-3487-F769208C5CA0}"/>
+              </a:ext>
+            </a:extLst>
+          </p:cNvPr>
+          <p:cNvSpPr/>
+          <p:nvPr/>
+        </p:nvSpPr>
+        <p:spPr>
+          <a:xfrm>
+            <a:off x="1462520" y="3566678"/>
+            <a:ext cx="455902" cy="346500"/>
+          </a:xfrm>
+          <a:prstGeom prst="roundRect">
+            <a:avLst/>
+          </a:prstGeom>
+          <a:solidFill>
+            <a:srgbClr val="0000FF"/>
+          </a:solidFill>
+          <a:ln>
+            <a:solidFill>
+              <a:schemeClr val="tx1"/>
+            </a:solidFill>
+          </a:ln>
+        </p:spPr>
+        <p:style>
+          <a:lnRef idx="2">
+            <a:schemeClr val="accent1">
+              <a:shade val="50000"/>
+            </a:schemeClr>
+          </a:lnRef>
+          <a:fillRef idx="1">
+            <a:schemeClr val="accent1"/>
+          </a:fillRef>
+          <a:effectRef idx="0">
+            <a:schemeClr val="accent1"/>
+          </a:effectRef>
+          <a:fontRef idx="minor">
+            <a:schemeClr val="lt1"/>
+          </a:fontRef>
+        </p:style>
+        <p:txBody>
+          <a:bodyPr rtlCol="1" anchor="ctr"/>
+          <a:lstStyle/>
+          <a:p>
+            <a:pPr algn="ctr"/>
+            <a:endParaRPr lang="he-IL" dirty="0"/>
+          </a:p>
+        </p:txBody>
+      </p:sp>
+      <p:grpSp>
+        <p:nvGrpSpPr>
+          <p:cNvPr id="13" name="Group 12">
+            <a:extLst>
+              <a:ext uri="{FF2B5EF4-FFF2-40B4-BE49-F238E27FC236}">
+                <a16:creationId xmlns:a16="http://schemas.microsoft.com/office/drawing/2014/main" id="{CBE18E2A-0BF8-AFA5-D3C5-E6D9C18C1255}"/>
+              </a:ext>
+            </a:extLst>
+          </p:cNvPr>
+          <p:cNvGrpSpPr/>
+          <p:nvPr/>
+        </p:nvGrpSpPr>
+        <p:grpSpPr>
+          <a:xfrm>
+            <a:off x="5529262" y="2586445"/>
+            <a:ext cx="3475401" cy="880929"/>
+            <a:chOff x="6477002" y="1652153"/>
+            <a:chExt cx="4132116" cy="1330037"/>
+          </a:xfrm>
+        </p:grpSpPr>
+        <p:sp>
+          <p:nvSpPr>
+            <p:cNvPr id="14" name="Rectangle: Rounded Corners 6">
+              <a:extLst>
+                <a:ext uri="{FF2B5EF4-FFF2-40B4-BE49-F238E27FC236}">
+                  <a16:creationId xmlns:a16="http://schemas.microsoft.com/office/drawing/2014/main" id="{79DBCD2B-0311-FB21-681F-F1F9D85237CE}"/>
+                </a:ext>
+              </a:extLst>
+            </p:cNvPr>
+            <p:cNvSpPr/>
+            <p:nvPr/>
+          </p:nvSpPr>
+          <p:spPr>
+            <a:xfrm>
+              <a:off x="6477002" y="1652153"/>
+              <a:ext cx="4132116" cy="1330037"/>
+            </a:xfrm>
+            <a:prstGeom prst="roundRect">
+              <a:avLst/>
+            </a:prstGeom>
+            <a:solidFill>
+              <a:schemeClr val="accent2">
+                <a:lumMod val="20000"/>
+                <a:lumOff val="80000"/>
+              </a:schemeClr>
+            </a:solidFill>
+            <a:ln>
+              <a:solidFill>
+                <a:schemeClr val="tx1"/>
+              </a:solidFill>
+            </a:ln>
+          </p:spPr>
+          <p:style>
+            <a:lnRef idx="2">
+              <a:schemeClr val="accent1">
+                <a:shade val="50000"/>
+              </a:schemeClr>
+            </a:lnRef>
+            <a:fillRef idx="1">
+              <a:schemeClr val="accent1"/>
+            </a:fillRef>
+            <a:effectRef idx="0">
+              <a:schemeClr val="accent1"/>
+            </a:effectRef>
+            <a:fontRef idx="minor">
+              <a:schemeClr val="lt1"/>
+            </a:fontRef>
+          </p:style>
+          <p:txBody>
+            <a:bodyPr rtlCol="1" anchor="ctr"/>
+            <a:lstStyle/>
+            <a:p>
+              <a:endParaRPr lang="en-US" dirty="0">
+                <a:solidFill>
+                  <a:sysClr val="windowText" lastClr="000000"/>
+                </a:solidFill>
+              </a:endParaRPr>
+            </a:p>
+            <a:p>
+              <a:r>
+                <a:rPr lang="en-US" sz="1600" dirty="0">
+                  <a:solidFill>
+                    <a:sysClr val="windowText" lastClr="000000"/>
+                  </a:solidFill>
+                </a:rPr>
+                <a:t>…</a:t>
+              </a:r>
+            </a:p>
+            <a:p>
+              <a:r>
+                <a:rPr lang="en-US" sz="1400" dirty="0" err="1">
+                  <a:solidFill>
+                    <a:sysClr val="windowText" lastClr="000000"/>
+                  </a:solidFill>
+                </a:rPr>
+                <a:t>Xyz</a:t>
+              </a:r>
+              <a:r>
+                <a:rPr lang="en-US" sz="1400" dirty="0">
+                  <a:solidFill>
+                    <a:sysClr val="windowText" lastClr="000000"/>
+                  </a:solidFill>
+                </a:rPr>
+                <a:t> </a:t>
+              </a:r>
+              <a:r>
+                <a:rPr lang="en-US" sz="1400" dirty="0" err="1">
+                  <a:solidFill>
+                    <a:sysClr val="windowText" lastClr="000000"/>
+                  </a:solidFill>
+                </a:rPr>
+                <a:t>xyz</a:t>
+              </a:r>
+              <a:r>
+                <a:rPr lang="en-US" sz="1400" dirty="0">
+                  <a:solidFill>
+                    <a:sysClr val="windowText" lastClr="000000"/>
+                  </a:solidFill>
+                </a:rPr>
+                <a:t> = </a:t>
+              </a:r>
+              <a:r>
+                <a:rPr lang="en-US" sz="1400" b="1" dirty="0" err="1">
+                  <a:solidFill>
+                    <a:srgbClr val="008E40"/>
+                  </a:solidFill>
+                </a:rPr>
+                <a:t>ctx</a:t>
+              </a:r>
+              <a:r>
+                <a:rPr lang="en-US" sz="1400" dirty="0" err="1">
+                  <a:solidFill>
+                    <a:sysClr val="windowText" lastClr="000000"/>
+                  </a:solidFill>
+                </a:rPr>
+                <a:t>.getBean</a:t>
+              </a:r>
+              <a:r>
+                <a:rPr lang="en-US" sz="1400" dirty="0">
+                  <a:solidFill>
+                    <a:sysClr val="windowText" lastClr="000000"/>
+                  </a:solidFill>
+                </a:rPr>
+                <a:t>(“</a:t>
+              </a:r>
+              <a:r>
+                <a:rPr lang="en-US" sz="1400" b="1" dirty="0" err="1">
+                  <a:solidFill>
+                    <a:srgbClr val="0000FF"/>
+                  </a:solidFill>
+                </a:rPr>
+                <a:t>xyz</a:t>
+              </a:r>
+              <a:r>
+                <a:rPr lang="en-US" sz="1400" dirty="0">
+                  <a:solidFill>
+                    <a:sysClr val="windowText" lastClr="000000"/>
+                  </a:solidFill>
+                </a:rPr>
+                <a:t>”, </a:t>
+              </a:r>
+              <a:r>
+                <a:rPr lang="en-US" sz="1400" dirty="0" err="1">
+                  <a:solidFill>
+                    <a:sysClr val="windowText" lastClr="000000"/>
+                  </a:solidFill>
+                </a:rPr>
+                <a:t>Xyz.class</a:t>
+              </a:r>
+              <a:r>
+                <a:rPr lang="en-US" sz="1400" dirty="0">
+                  <a:solidFill>
+                    <a:sysClr val="windowText" lastClr="000000"/>
+                  </a:solidFill>
+                </a:rPr>
+                <a:t>)</a:t>
+              </a:r>
+            </a:p>
+            <a:p>
+              <a:r>
+                <a:rPr lang="en-US" dirty="0">
+                  <a:solidFill>
+                    <a:sysClr val="windowText" lastClr="000000"/>
+                  </a:solidFill>
+                </a:rPr>
+                <a:t>…</a:t>
+              </a:r>
+              <a:endParaRPr lang="he-IL" dirty="0">
+                <a:solidFill>
+                  <a:sysClr val="windowText" lastClr="000000"/>
+                </a:solidFill>
+              </a:endParaRPr>
+            </a:p>
+          </p:txBody>
+        </p:sp>
+        <p:sp>
+          <p:nvSpPr>
+            <p:cNvPr id="15" name="TextBox 14">
+              <a:extLst>
+                <a:ext uri="{FF2B5EF4-FFF2-40B4-BE49-F238E27FC236}">
+                  <a16:creationId xmlns:a16="http://schemas.microsoft.com/office/drawing/2014/main" id="{811EB8CE-5939-40FB-6FF1-8250A7A41302}"/>
+                </a:ext>
+              </a:extLst>
+            </p:cNvPr>
+            <p:cNvSpPr txBox="1"/>
+            <p:nvPr/>
+          </p:nvSpPr>
+          <p:spPr>
+            <a:xfrm>
+              <a:off x="8286751" y="1652153"/>
+              <a:ext cx="512617" cy="369332"/>
+            </a:xfrm>
+            <a:prstGeom prst="rect">
+              <a:avLst/>
+            </a:prstGeom>
+            <a:noFill/>
+          </p:spPr>
+          <p:txBody>
+            <a:bodyPr wrap="square" rtlCol="1">
+              <a:spAutoFit/>
+            </a:bodyPr>
+            <a:lstStyle/>
+            <a:p>
+              <a:pPr algn="ctr"/>
+              <a:r>
+                <a:rPr lang="en-US" b="1" dirty="0"/>
+                <a:t>A</a:t>
+              </a:r>
+              <a:endParaRPr lang="he-IL" b="1" dirty="0"/>
+            </a:p>
+          </p:txBody>
+        </p:sp>
+      </p:grpSp>
+      <p:grpSp>
+        <p:nvGrpSpPr>
+          <p:cNvPr id="16" name="Group 15">
+            <a:extLst>
+              <a:ext uri="{FF2B5EF4-FFF2-40B4-BE49-F238E27FC236}">
+                <a16:creationId xmlns:a16="http://schemas.microsoft.com/office/drawing/2014/main" id="{33BBD2D4-5F82-F3E1-0399-102CF2042EBD}"/>
+              </a:ext>
+            </a:extLst>
+          </p:cNvPr>
+          <p:cNvGrpSpPr/>
+          <p:nvPr/>
+        </p:nvGrpSpPr>
+        <p:grpSpPr>
+          <a:xfrm>
+            <a:off x="5529262" y="4017792"/>
+            <a:ext cx="3475401" cy="880929"/>
+            <a:chOff x="6477002" y="1652153"/>
+            <a:chExt cx="4132116" cy="1330037"/>
+          </a:xfrm>
+        </p:grpSpPr>
+        <p:sp>
+          <p:nvSpPr>
+            <p:cNvPr id="17" name="Rectangle: Rounded Corners 23">
+              <a:extLst>
+                <a:ext uri="{FF2B5EF4-FFF2-40B4-BE49-F238E27FC236}">
+                  <a16:creationId xmlns:a16="http://schemas.microsoft.com/office/drawing/2014/main" id="{77BAFC8C-BDB0-041A-3E43-9A5A3CC7A257}"/>
+                </a:ext>
+              </a:extLst>
+            </p:cNvPr>
+            <p:cNvSpPr/>
+            <p:nvPr/>
+          </p:nvSpPr>
+          <p:spPr>
+            <a:xfrm>
+              <a:off x="6477002" y="1652153"/>
+              <a:ext cx="4132116" cy="1330037"/>
+            </a:xfrm>
+            <a:prstGeom prst="roundRect">
+              <a:avLst/>
+            </a:prstGeom>
+            <a:solidFill>
+              <a:schemeClr val="accent2">
+                <a:lumMod val="20000"/>
+                <a:lumOff val="80000"/>
+              </a:schemeClr>
+            </a:solidFill>
+            <a:ln>
+              <a:solidFill>
+                <a:schemeClr val="tx1"/>
+              </a:solidFill>
+            </a:ln>
+          </p:spPr>
+          <p:style>
+            <a:lnRef idx="2">
+              <a:schemeClr val="accent1">
+                <a:shade val="50000"/>
+              </a:schemeClr>
+            </a:lnRef>
+            <a:fillRef idx="1">
+              <a:schemeClr val="accent1"/>
+            </a:fillRef>
+            <a:effectRef idx="0">
+              <a:schemeClr val="accent1"/>
+            </a:effectRef>
+            <a:fontRef idx="minor">
+              <a:schemeClr val="lt1"/>
+            </a:fontRef>
+          </p:style>
+          <p:txBody>
+            <a:bodyPr rtlCol="1" anchor="ctr"/>
+            <a:lstStyle/>
+            <a:p>
+              <a:endParaRPr lang="en-US" dirty="0">
+                <a:solidFill>
+                  <a:sysClr val="windowText" lastClr="000000"/>
+                </a:solidFill>
+              </a:endParaRPr>
+            </a:p>
+            <a:p>
+              <a:r>
+                <a:rPr lang="en-US" dirty="0">
+                  <a:solidFill>
+                    <a:sysClr val="windowText" lastClr="000000"/>
+                  </a:solidFill>
+                </a:rPr>
+                <a:t>…</a:t>
+              </a:r>
+            </a:p>
+            <a:p>
+              <a:r>
+                <a:rPr lang="en-US" sz="1400" dirty="0" err="1">
+                  <a:solidFill>
+                    <a:sysClr val="windowText" lastClr="000000"/>
+                  </a:solidFill>
+                </a:rPr>
+                <a:t>Xyz</a:t>
+              </a:r>
+              <a:r>
+                <a:rPr lang="en-US" sz="1400" dirty="0">
+                  <a:solidFill>
+                    <a:sysClr val="windowText" lastClr="000000"/>
+                  </a:solidFill>
+                </a:rPr>
+                <a:t> </a:t>
+              </a:r>
+              <a:r>
+                <a:rPr lang="en-US" sz="1400" dirty="0" err="1">
+                  <a:solidFill>
+                    <a:sysClr val="windowText" lastClr="000000"/>
+                  </a:solidFill>
+                </a:rPr>
+                <a:t>xyz</a:t>
+              </a:r>
+              <a:r>
+                <a:rPr lang="en-US" sz="1400" dirty="0">
+                  <a:solidFill>
+                    <a:sysClr val="windowText" lastClr="000000"/>
+                  </a:solidFill>
+                </a:rPr>
+                <a:t> = </a:t>
+              </a:r>
+              <a:r>
+                <a:rPr lang="en-US" sz="1400" b="1" dirty="0" err="1">
+                  <a:solidFill>
+                    <a:srgbClr val="008E40"/>
+                  </a:solidFill>
+                </a:rPr>
+                <a:t>ctx</a:t>
+              </a:r>
+              <a:r>
+                <a:rPr lang="en-US" sz="1400" dirty="0" err="1">
+                  <a:solidFill>
+                    <a:sysClr val="windowText" lastClr="000000"/>
+                  </a:solidFill>
+                </a:rPr>
+                <a:t>.getBean</a:t>
+              </a:r>
+              <a:r>
+                <a:rPr lang="en-US" sz="1400" dirty="0">
+                  <a:solidFill>
+                    <a:sysClr val="windowText" lastClr="000000"/>
+                  </a:solidFill>
+                </a:rPr>
+                <a:t>(“</a:t>
+              </a:r>
+              <a:r>
+                <a:rPr lang="en-US" sz="1400" b="1" dirty="0" err="1">
+                  <a:solidFill>
+                    <a:srgbClr val="0000FF"/>
+                  </a:solidFill>
+                </a:rPr>
+                <a:t>xyz</a:t>
+              </a:r>
+              <a:r>
+                <a:rPr lang="en-US" sz="1400" dirty="0">
+                  <a:solidFill>
+                    <a:sysClr val="windowText" lastClr="000000"/>
+                  </a:solidFill>
+                </a:rPr>
+                <a:t>”, </a:t>
+              </a:r>
+              <a:r>
+                <a:rPr lang="en-US" sz="1400" dirty="0" err="1">
+                  <a:solidFill>
+                    <a:sysClr val="windowText" lastClr="000000"/>
+                  </a:solidFill>
+                </a:rPr>
+                <a:t>Xyz.class</a:t>
+              </a:r>
+              <a:r>
+                <a:rPr lang="en-US" sz="1400" dirty="0">
+                  <a:solidFill>
+                    <a:sysClr val="windowText" lastClr="000000"/>
+                  </a:solidFill>
+                </a:rPr>
+                <a:t>)</a:t>
+              </a:r>
+            </a:p>
+            <a:p>
+              <a:r>
+                <a:rPr lang="en-US" dirty="0">
+                  <a:solidFill>
+                    <a:sysClr val="windowText" lastClr="000000"/>
+                  </a:solidFill>
+                </a:rPr>
+                <a:t>…</a:t>
+              </a:r>
+              <a:endParaRPr lang="he-IL" dirty="0">
+                <a:solidFill>
+                  <a:sysClr val="windowText" lastClr="000000"/>
+                </a:solidFill>
+              </a:endParaRPr>
+            </a:p>
+          </p:txBody>
+        </p:sp>
+        <p:sp>
+          <p:nvSpPr>
+            <p:cNvPr id="18" name="TextBox 17">
+              <a:extLst>
+                <a:ext uri="{FF2B5EF4-FFF2-40B4-BE49-F238E27FC236}">
+                  <a16:creationId xmlns:a16="http://schemas.microsoft.com/office/drawing/2014/main" id="{E226309F-446C-71A7-42E4-2EE44B6EF967}"/>
+                </a:ext>
+              </a:extLst>
+            </p:cNvPr>
+            <p:cNvSpPr txBox="1"/>
+            <p:nvPr/>
+          </p:nvSpPr>
+          <p:spPr>
+            <a:xfrm>
+              <a:off x="8286751" y="1652153"/>
+              <a:ext cx="512617" cy="369332"/>
+            </a:xfrm>
+            <a:prstGeom prst="rect">
+              <a:avLst/>
+            </a:prstGeom>
+            <a:noFill/>
+          </p:spPr>
+          <p:txBody>
+            <a:bodyPr wrap="square" rtlCol="1">
+              <a:spAutoFit/>
+            </a:bodyPr>
+            <a:lstStyle/>
+            <a:p>
+              <a:pPr algn="ctr"/>
+              <a:r>
+                <a:rPr lang="en-US" b="1" dirty="0"/>
+                <a:t>B</a:t>
+              </a:r>
+              <a:endParaRPr lang="he-IL" b="1" dirty="0"/>
+            </a:p>
+          </p:txBody>
+        </p:sp>
+      </p:grpSp>
+      <p:grpSp>
+        <p:nvGrpSpPr>
+          <p:cNvPr id="19" name="Group 18">
+            <a:extLst>
+              <a:ext uri="{FF2B5EF4-FFF2-40B4-BE49-F238E27FC236}">
+                <a16:creationId xmlns:a16="http://schemas.microsoft.com/office/drawing/2014/main" id="{D2BB38E2-6D12-4187-8606-37D1AC916D82}"/>
+              </a:ext>
+            </a:extLst>
+          </p:cNvPr>
+          <p:cNvGrpSpPr/>
+          <p:nvPr/>
+        </p:nvGrpSpPr>
+        <p:grpSpPr>
+          <a:xfrm>
+            <a:off x="5529261" y="5449139"/>
+            <a:ext cx="3475401" cy="880929"/>
+            <a:chOff x="6477002" y="1652153"/>
+            <a:chExt cx="4132116" cy="1330037"/>
+          </a:xfrm>
+        </p:grpSpPr>
+        <p:sp>
+          <p:nvSpPr>
+            <p:cNvPr id="20" name="Rectangle: Rounded Corners 26">
+              <a:extLst>
+                <a:ext uri="{FF2B5EF4-FFF2-40B4-BE49-F238E27FC236}">
+                  <a16:creationId xmlns:a16="http://schemas.microsoft.com/office/drawing/2014/main" id="{62A282C8-9716-5E34-CA2C-443E8E959409}"/>
+                </a:ext>
+              </a:extLst>
+            </p:cNvPr>
+            <p:cNvSpPr/>
+            <p:nvPr/>
+          </p:nvSpPr>
+          <p:spPr>
+            <a:xfrm>
+              <a:off x="6477002" y="1652153"/>
+              <a:ext cx="4132116" cy="1330037"/>
+            </a:xfrm>
+            <a:prstGeom prst="roundRect">
+              <a:avLst/>
+            </a:prstGeom>
+            <a:solidFill>
+              <a:schemeClr val="accent2">
+                <a:lumMod val="20000"/>
+                <a:lumOff val="80000"/>
+              </a:schemeClr>
+            </a:solidFill>
+            <a:ln>
+              <a:solidFill>
+                <a:schemeClr val="tx1"/>
+              </a:solidFill>
+            </a:ln>
+          </p:spPr>
+          <p:style>
+            <a:lnRef idx="2">
+              <a:schemeClr val="accent1">
+                <a:shade val="50000"/>
+              </a:schemeClr>
+            </a:lnRef>
+            <a:fillRef idx="1">
+              <a:schemeClr val="accent1"/>
+            </a:fillRef>
+            <a:effectRef idx="0">
+              <a:schemeClr val="accent1"/>
+            </a:effectRef>
+            <a:fontRef idx="minor">
+              <a:schemeClr val="lt1"/>
+            </a:fontRef>
+          </p:style>
+          <p:txBody>
+            <a:bodyPr rtlCol="1" anchor="ctr"/>
+            <a:lstStyle/>
+            <a:p>
+              <a:endParaRPr lang="en-US" dirty="0">
+                <a:solidFill>
+                  <a:sysClr val="windowText" lastClr="000000"/>
+                </a:solidFill>
+              </a:endParaRPr>
+            </a:p>
+            <a:p>
+              <a:r>
+                <a:rPr lang="en-US" dirty="0">
+                  <a:solidFill>
+                    <a:sysClr val="windowText" lastClr="000000"/>
+                  </a:solidFill>
+                </a:rPr>
+                <a:t>…</a:t>
+              </a:r>
+            </a:p>
+            <a:p>
+              <a:r>
+                <a:rPr lang="en-US" sz="1400" dirty="0" err="1">
+                  <a:solidFill>
+                    <a:sysClr val="windowText" lastClr="000000"/>
+                  </a:solidFill>
+                </a:rPr>
+                <a:t>Xyz</a:t>
+              </a:r>
+              <a:r>
+                <a:rPr lang="en-US" sz="1400" dirty="0">
+                  <a:solidFill>
+                    <a:sysClr val="windowText" lastClr="000000"/>
+                  </a:solidFill>
+                </a:rPr>
+                <a:t> </a:t>
+              </a:r>
+              <a:r>
+                <a:rPr lang="en-US" sz="1400" dirty="0" err="1">
+                  <a:solidFill>
+                    <a:sysClr val="windowText" lastClr="000000"/>
+                  </a:solidFill>
+                </a:rPr>
+                <a:t>xyz</a:t>
+              </a:r>
+              <a:r>
+                <a:rPr lang="en-US" sz="1400" dirty="0">
+                  <a:solidFill>
+                    <a:sysClr val="windowText" lastClr="000000"/>
+                  </a:solidFill>
+                </a:rPr>
+                <a:t> = </a:t>
+              </a:r>
+              <a:r>
+                <a:rPr lang="en-US" sz="1400" b="1" dirty="0" err="1">
+                  <a:solidFill>
+                    <a:srgbClr val="008E40"/>
+                  </a:solidFill>
+                </a:rPr>
+                <a:t>ctx</a:t>
+              </a:r>
+              <a:r>
+                <a:rPr lang="en-US" sz="1400" dirty="0" err="1">
+                  <a:solidFill>
+                    <a:sysClr val="windowText" lastClr="000000"/>
+                  </a:solidFill>
+                </a:rPr>
+                <a:t>.getBean</a:t>
+              </a:r>
+              <a:r>
+                <a:rPr lang="en-US" sz="1400" dirty="0">
+                  <a:solidFill>
+                    <a:sysClr val="windowText" lastClr="000000"/>
+                  </a:solidFill>
+                </a:rPr>
+                <a:t>(“</a:t>
+              </a:r>
+              <a:r>
+                <a:rPr lang="en-US" sz="1400" b="1" dirty="0" err="1">
+                  <a:solidFill>
+                    <a:srgbClr val="0000FF"/>
+                  </a:solidFill>
+                </a:rPr>
+                <a:t>xyz</a:t>
+              </a:r>
+              <a:r>
+                <a:rPr lang="en-US" sz="1400" dirty="0">
+                  <a:solidFill>
+                    <a:sysClr val="windowText" lastClr="000000"/>
+                  </a:solidFill>
+                </a:rPr>
+                <a:t>”, </a:t>
+              </a:r>
+              <a:r>
+                <a:rPr lang="en-US" sz="1400" dirty="0" err="1">
+                  <a:solidFill>
+                    <a:sysClr val="windowText" lastClr="000000"/>
+                  </a:solidFill>
+                </a:rPr>
+                <a:t>Xyz.class</a:t>
+              </a:r>
+              <a:r>
+                <a:rPr lang="en-US" sz="1400" dirty="0">
+                  <a:solidFill>
+                    <a:sysClr val="windowText" lastClr="000000"/>
+                  </a:solidFill>
+                </a:rPr>
+                <a:t>)</a:t>
+              </a:r>
+            </a:p>
+            <a:p>
+              <a:r>
+                <a:rPr lang="en-US" dirty="0">
+                  <a:solidFill>
+                    <a:sysClr val="windowText" lastClr="000000"/>
+                  </a:solidFill>
+                </a:rPr>
+                <a:t>…</a:t>
+              </a:r>
+              <a:endParaRPr lang="he-IL" dirty="0">
+                <a:solidFill>
+                  <a:sysClr val="windowText" lastClr="000000"/>
+                </a:solidFill>
+              </a:endParaRPr>
+            </a:p>
+          </p:txBody>
+        </p:sp>
+        <p:sp>
+          <p:nvSpPr>
+            <p:cNvPr id="21" name="TextBox 20">
+              <a:extLst>
+                <a:ext uri="{FF2B5EF4-FFF2-40B4-BE49-F238E27FC236}">
+                  <a16:creationId xmlns:a16="http://schemas.microsoft.com/office/drawing/2014/main" id="{B74EB905-CC60-1BB3-6FA2-67803D50CAFF}"/>
+                </a:ext>
+              </a:extLst>
+            </p:cNvPr>
+            <p:cNvSpPr txBox="1"/>
+            <p:nvPr/>
+          </p:nvSpPr>
+          <p:spPr>
+            <a:xfrm>
+              <a:off x="8286751" y="1652153"/>
+              <a:ext cx="512617" cy="369332"/>
+            </a:xfrm>
+            <a:prstGeom prst="rect">
+              <a:avLst/>
+            </a:prstGeom>
+            <a:noFill/>
+          </p:spPr>
+          <p:txBody>
+            <a:bodyPr wrap="square" rtlCol="1">
+              <a:spAutoFit/>
+            </a:bodyPr>
+            <a:lstStyle/>
+            <a:p>
+              <a:pPr algn="ctr"/>
+              <a:r>
+                <a:rPr lang="en-US" b="1" dirty="0"/>
+                <a:t>C</a:t>
+              </a:r>
+              <a:endParaRPr lang="he-IL" b="1" dirty="0"/>
+            </a:p>
+          </p:txBody>
+        </p:sp>
+      </p:grpSp>
+      <p:cxnSp>
+        <p:nvCxnSpPr>
+          <p:cNvPr id="22" name="Straight Arrow Connector 21">
+            <a:extLst>
+              <a:ext uri="{FF2B5EF4-FFF2-40B4-BE49-F238E27FC236}">
+                <a16:creationId xmlns:a16="http://schemas.microsoft.com/office/drawing/2014/main" id="{29743A11-B4C0-0092-A919-C95584464674}"/>
+              </a:ext>
+            </a:extLst>
+          </p:cNvPr>
+          <p:cNvCxnSpPr>
+            <a:cxnSpLocks/>
+            <a:stCxn id="5" idx="3"/>
+            <a:endCxn id="17" idx="1"/>
+          </p:cNvCxnSpPr>
+          <p:nvPr/>
+        </p:nvCxnSpPr>
+        <p:spPr>
+          <a:xfrm>
+            <a:off x="4105058" y="3748519"/>
+            <a:ext cx="1424204" cy="709738"/>
+          </a:xfrm>
+          <a:prstGeom prst="straightConnector1">
+            <a:avLst/>
+          </a:prstGeom>
+          <a:ln w="38100">
+            <a:solidFill>
+              <a:srgbClr val="FF0000"/>
+            </a:solidFill>
+            <a:prstDash val="dash"/>
+            <a:tailEnd type="triangle"/>
+          </a:ln>
+        </p:spPr>
+        <p:style>
+          <a:lnRef idx="1">
+            <a:schemeClr val="accent1"/>
+          </a:lnRef>
+          <a:fillRef idx="0">
+            <a:schemeClr val="accent1"/>
+          </a:fillRef>
+          <a:effectRef idx="0">
+            <a:schemeClr val="accent1"/>
+          </a:effectRef>
+          <a:fontRef idx="minor">
+            <a:schemeClr val="tx1"/>
+          </a:fontRef>
+        </p:style>
+      </p:cxnSp>
+      <p:cxnSp>
+        <p:nvCxnSpPr>
+          <p:cNvPr id="23" name="Straight Arrow Connector 22">
+            <a:extLst>
+              <a:ext uri="{FF2B5EF4-FFF2-40B4-BE49-F238E27FC236}">
+                <a16:creationId xmlns:a16="http://schemas.microsoft.com/office/drawing/2014/main" id="{5ED78081-0C8B-B3AD-6020-1716AEB33CE6}"/>
+              </a:ext>
+            </a:extLst>
+          </p:cNvPr>
+          <p:cNvCxnSpPr>
+            <a:cxnSpLocks/>
+            <a:stCxn id="5" idx="3"/>
+            <a:endCxn id="20" idx="1"/>
+          </p:cNvCxnSpPr>
+          <p:nvPr/>
+        </p:nvCxnSpPr>
+        <p:spPr>
+          <a:xfrm>
+            <a:off x="4105058" y="3748519"/>
+            <a:ext cx="1424203" cy="2141085"/>
+          </a:xfrm>
+          <a:prstGeom prst="straightConnector1">
+            <a:avLst/>
+          </a:prstGeom>
+          <a:ln w="38100">
+            <a:solidFill>
+              <a:srgbClr val="FF0000"/>
+            </a:solidFill>
+            <a:prstDash val="dash"/>
+            <a:tailEnd type="triangle"/>
+          </a:ln>
+        </p:spPr>
+        <p:style>
+          <a:lnRef idx="1">
+            <a:schemeClr val="accent1"/>
+          </a:lnRef>
+          <a:fillRef idx="0">
+            <a:schemeClr val="accent1"/>
+          </a:fillRef>
+          <a:effectRef idx="0">
+            <a:schemeClr val="accent1"/>
+          </a:effectRef>
+          <a:fontRef idx="minor">
+            <a:schemeClr val="tx1"/>
+          </a:fontRef>
+        </p:style>
+      </p:cxnSp>
+    </p:spTree>
+    <p:extLst>
+      <p:ext uri="{BB962C8B-B14F-4D97-AF65-F5344CB8AC3E}">
+        <p14:creationId xmlns:p14="http://schemas.microsoft.com/office/powerpoint/2010/main" val="1608726456"/>
+      </p:ext>
+    </p:extLst>
+  </p:cSld>
+  <p:clrMapOvr>
+    <a:masterClrMapping/>
+  </p:clrMapOvr>
+  <p:timing>
+    <p:tnLst>
+      <p:par>
+        <p:cTn id="1" dur="indefinite" restart="never" nodeType="tmRoot">
+          <p:childTnLst>
+            <p:seq concurrent="1" nextAc="seek">
+              <p:cTn id="2" dur="indefinite" nodeType="mainSeq">
+                <p:childTnLst>
+                  <p:par>
+                    <p:cTn id="3" fill="hold">
+                      <p:stCondLst>
+                        <p:cond delay="indefinite"/>
+                      </p:stCondLst>
+                      <p:childTnLst>
+                        <p:par>
+                          <p:cTn id="4" fill="hold">
+                            <p:stCondLst>
+                              <p:cond delay="0"/>
+                            </p:stCondLst>
+                            <p:childTnLst>
+                              <p:par>
+                                <p:cTn id="5" presetID="10" presetClass="entr" presetSubtype="0" fill="hold" grpId="0" nodeType="clickEffect">
+                                  <p:stCondLst>
+                                    <p:cond delay="0"/>
+                                  </p:stCondLst>
+                                  <p:childTnLst>
+                                    <p:set>
+                                      <p:cBhvr>
+                                        <p:cTn id="6" dur="1" fill="hold">
+                                          <p:stCondLst>
+                                            <p:cond delay="0"/>
+                                          </p:stCondLst>
+                                        </p:cTn>
+                                        <p:tgtEl>
+                                          <p:spTgt spid="4"/>
+                                        </p:tgtEl>
+                                        <p:attrNameLst>
+                                          <p:attrName>style.visibility</p:attrName>
+                                        </p:attrNameLst>
+                                      </p:cBhvr>
+                                      <p:to>
+                                        <p:strVal val="visible"/>
+                                      </p:to>
+                                    </p:set>
+                                    <p:animEffect transition="in" filter="fade">
+                                      <p:cBhvr>
+                                        <p:cTn id="7" dur="500"/>
+                                        <p:tgtEl>
+                                          <p:spTgt spid="4"/>
+                                        </p:tgtEl>
+                                      </p:cBhvr>
+                                    </p:animEffect>
+                                  </p:childTnLst>
+                                </p:cTn>
+                              </p:par>
+                            </p:childTnLst>
+                          </p:cTn>
+                        </p:par>
+                        <p:par>
+                          <p:cTn id="8" fill="hold">
+                            <p:stCondLst>
+                              <p:cond delay="500"/>
+                            </p:stCondLst>
+                            <p:childTnLst>
+                              <p:par>
+                                <p:cTn id="9" presetID="1" presetClass="entr" presetSubtype="0" fill="hold" grpId="0" nodeType="afterEffect">
+                                  <p:stCondLst>
+                                    <p:cond delay="0"/>
+                                  </p:stCondLst>
+                                  <p:childTnLst>
+                                    <p:set>
+                                      <p:cBhvr>
+                                        <p:cTn id="10" dur="1" fill="hold">
+                                          <p:stCondLst>
+                                            <p:cond delay="0"/>
+                                          </p:stCondLst>
+                                        </p:cTn>
+                                        <p:tgtEl>
+                                          <p:spTgt spid="7"/>
+                                        </p:tgtEl>
+                                        <p:attrNameLst>
+                                          <p:attrName>style.visibility</p:attrName>
+                                        </p:attrNameLst>
+                                      </p:cBhvr>
+                                      <p:to>
+                                        <p:strVal val="visible"/>
+                                      </p:to>
+                                    </p:set>
+                                  </p:childTnLst>
+                                </p:cTn>
+                              </p:par>
+                            </p:childTnLst>
+                          </p:cTn>
+                        </p:par>
+                        <p:par>
+                          <p:cTn id="11" fill="hold">
+                            <p:stCondLst>
+                              <p:cond delay="500"/>
+                            </p:stCondLst>
+                            <p:childTnLst>
+                              <p:par>
+                                <p:cTn id="12" presetID="10" presetClass="entr" presetSubtype="0" fill="hold" grpId="0" nodeType="afterEffect">
+                                  <p:stCondLst>
+                                    <p:cond delay="0"/>
+                                  </p:stCondLst>
+                                  <p:childTnLst>
+                                    <p:set>
+                                      <p:cBhvr>
+                                        <p:cTn id="13" dur="1" fill="hold">
+                                          <p:stCondLst>
+                                            <p:cond delay="0"/>
+                                          </p:stCondLst>
+                                        </p:cTn>
+                                        <p:tgtEl>
+                                          <p:spTgt spid="8"/>
+                                        </p:tgtEl>
+                                        <p:attrNameLst>
+                                          <p:attrName>style.visibility</p:attrName>
+                                        </p:attrNameLst>
+                                      </p:cBhvr>
+                                      <p:to>
+                                        <p:strVal val="visible"/>
+                                      </p:to>
+                                    </p:set>
+                                    <p:animEffect transition="in" filter="fade">
+                                      <p:cBhvr>
+                                        <p:cTn id="14" dur="500"/>
+                                        <p:tgtEl>
+                                          <p:spTgt spid="8"/>
+                                        </p:tgtEl>
+                                      </p:cBhvr>
+                                    </p:animEffect>
+                                  </p:childTnLst>
+                                </p:cTn>
+                              </p:par>
+                            </p:childTnLst>
+                          </p:cTn>
+                        </p:par>
+                        <p:par>
+                          <p:cTn id="15" fill="hold">
+                            <p:stCondLst>
+                              <p:cond delay="1000"/>
+                            </p:stCondLst>
+                            <p:childTnLst>
+                              <p:par>
+                                <p:cTn id="16" presetID="10" presetClass="entr" presetSubtype="0" fill="hold" grpId="0" nodeType="afterEffect">
+                                  <p:stCondLst>
+                                    <p:cond delay="0"/>
+                                  </p:stCondLst>
+                                  <p:childTnLst>
+                                    <p:set>
+                                      <p:cBhvr>
+                                        <p:cTn id="17" dur="1" fill="hold">
+                                          <p:stCondLst>
+                                            <p:cond delay="0"/>
+                                          </p:stCondLst>
+                                        </p:cTn>
+                                        <p:tgtEl>
+                                          <p:spTgt spid="9"/>
+                                        </p:tgtEl>
+                                        <p:attrNameLst>
+                                          <p:attrName>style.visibility</p:attrName>
+                                        </p:attrNameLst>
+                                      </p:cBhvr>
+                                      <p:to>
+                                        <p:strVal val="visible"/>
+                                      </p:to>
+                                    </p:set>
+                                    <p:animEffect transition="in" filter="fade">
+                                      <p:cBhvr>
+                                        <p:cTn id="18" dur="500"/>
+                                        <p:tgtEl>
+                                          <p:spTgt spid="9"/>
+                                        </p:tgtEl>
+                                      </p:cBhvr>
+                                    </p:animEffect>
+                                  </p:childTnLst>
+                                </p:cTn>
+                              </p:par>
+                            </p:childTnLst>
+                          </p:cTn>
+                        </p:par>
+                        <p:par>
+                          <p:cTn id="19" fill="hold">
+                            <p:stCondLst>
+                              <p:cond delay="1500"/>
+                            </p:stCondLst>
+                            <p:childTnLst>
+                              <p:par>
+                                <p:cTn id="20" presetID="10" presetClass="entr" presetSubtype="0" fill="hold" grpId="0" nodeType="afterEffect">
+                                  <p:stCondLst>
+                                    <p:cond delay="0"/>
+                                  </p:stCondLst>
+                                  <p:childTnLst>
+                                    <p:set>
+                                      <p:cBhvr>
+                                        <p:cTn id="21" dur="1" fill="hold">
+                                          <p:stCondLst>
+                                            <p:cond delay="0"/>
+                                          </p:stCondLst>
+                                        </p:cTn>
+                                        <p:tgtEl>
+                                          <p:spTgt spid="10"/>
+                                        </p:tgtEl>
+                                        <p:attrNameLst>
+                                          <p:attrName>style.visibility</p:attrName>
+                                        </p:attrNameLst>
+                                      </p:cBhvr>
+                                      <p:to>
+                                        <p:strVal val="visible"/>
+                                      </p:to>
+                                    </p:set>
+                                    <p:animEffect transition="in" filter="fade">
+                                      <p:cBhvr>
+                                        <p:cTn id="22" dur="500"/>
+                                        <p:tgtEl>
+                                          <p:spTgt spid="10"/>
+                                        </p:tgtEl>
+                                      </p:cBhvr>
+                                    </p:animEffect>
+                                  </p:childTnLst>
+                                </p:cTn>
+                              </p:par>
+                            </p:childTnLst>
+                          </p:cTn>
+                        </p:par>
+                        <p:par>
+                          <p:cTn id="23" fill="hold">
+                            <p:stCondLst>
+                              <p:cond delay="2000"/>
+                            </p:stCondLst>
+                            <p:childTnLst>
+                              <p:par>
+                                <p:cTn id="24" presetID="10" presetClass="entr" presetSubtype="0" fill="hold" grpId="0" nodeType="afterEffect">
+                                  <p:stCondLst>
+                                    <p:cond delay="0"/>
+                                  </p:stCondLst>
+                                  <p:childTnLst>
+                                    <p:set>
+                                      <p:cBhvr>
+                                        <p:cTn id="25" dur="1" fill="hold">
+                                          <p:stCondLst>
+                                            <p:cond delay="0"/>
+                                          </p:stCondLst>
+                                        </p:cTn>
+                                        <p:tgtEl>
+                                          <p:spTgt spid="11"/>
+                                        </p:tgtEl>
+                                        <p:attrNameLst>
+                                          <p:attrName>style.visibility</p:attrName>
+                                        </p:attrNameLst>
+                                      </p:cBhvr>
+                                      <p:to>
+                                        <p:strVal val="visible"/>
+                                      </p:to>
+                                    </p:set>
+                                    <p:animEffect transition="in" filter="fade">
+                                      <p:cBhvr>
+                                        <p:cTn id="26" dur="500"/>
+                                        <p:tgtEl>
+                                          <p:spTgt spid="11"/>
+                                        </p:tgtEl>
+                                      </p:cBhvr>
+                                    </p:animEffect>
+                                  </p:childTnLst>
+                                </p:cTn>
+                              </p:par>
+                            </p:childTnLst>
+                          </p:cTn>
+                        </p:par>
+                        <p:par>
+                          <p:cTn id="27" fill="hold">
+                            <p:stCondLst>
+                              <p:cond delay="2500"/>
+                            </p:stCondLst>
+                            <p:childTnLst>
+                              <p:par>
+                                <p:cTn id="28" presetID="10" presetClass="entr" presetSubtype="0" fill="hold" grpId="0" nodeType="afterEffect">
+                                  <p:stCondLst>
+                                    <p:cond delay="0"/>
+                                  </p:stCondLst>
+                                  <p:childTnLst>
+                                    <p:set>
+                                      <p:cBhvr>
+                                        <p:cTn id="29" dur="1" fill="hold">
+                                          <p:stCondLst>
+                                            <p:cond delay="0"/>
+                                          </p:stCondLst>
+                                        </p:cTn>
+                                        <p:tgtEl>
+                                          <p:spTgt spid="12"/>
+                                        </p:tgtEl>
+                                        <p:attrNameLst>
+                                          <p:attrName>style.visibility</p:attrName>
+                                        </p:attrNameLst>
+                                      </p:cBhvr>
+                                      <p:to>
+                                        <p:strVal val="visible"/>
+                                      </p:to>
+                                    </p:set>
+                                    <p:animEffect transition="in" filter="fade">
+                                      <p:cBhvr>
+                                        <p:cTn id="30" dur="500"/>
+                                        <p:tgtEl>
+                                          <p:spTgt spid="12"/>
+                                        </p:tgtEl>
+                                      </p:cBhvr>
+                                    </p:animEffect>
+                                  </p:childTnLst>
+                                </p:cTn>
+                              </p:par>
+                            </p:childTnLst>
+                          </p:cTn>
+                        </p:par>
+                        <p:par>
+                          <p:cTn id="31" fill="hold">
+                            <p:stCondLst>
+                              <p:cond delay="3000"/>
+                            </p:stCondLst>
+                            <p:childTnLst>
+                              <p:par>
+                                <p:cTn id="32" presetID="10" presetClass="entr" presetSubtype="0" fill="hold" grpId="0" nodeType="afterEffect">
+                                  <p:stCondLst>
+                                    <p:cond delay="0"/>
+                                  </p:stCondLst>
+                                  <p:childTnLst>
+                                    <p:set>
+                                      <p:cBhvr>
+                                        <p:cTn id="33" dur="1" fill="hold">
+                                          <p:stCondLst>
+                                            <p:cond delay="0"/>
+                                          </p:stCondLst>
+                                        </p:cTn>
+                                        <p:tgtEl>
+                                          <p:spTgt spid="5"/>
+                                        </p:tgtEl>
+                                        <p:attrNameLst>
+                                          <p:attrName>style.visibility</p:attrName>
+                                        </p:attrNameLst>
+                                      </p:cBhvr>
+                                      <p:to>
+                                        <p:strVal val="visible"/>
+                                      </p:to>
+                                    </p:set>
+                                    <p:animEffect transition="in" filter="fade">
+                                      <p:cBhvr>
+                                        <p:cTn id="34" dur="500"/>
+                                        <p:tgtEl>
+                                          <p:spTgt spid="5"/>
+                                        </p:tgtEl>
+                                      </p:cBhvr>
+                                    </p:animEffect>
+                                  </p:childTnLst>
+                                </p:cTn>
+                              </p:par>
+                            </p:childTnLst>
+                          </p:cTn>
+                        </p:par>
+                      </p:childTnLst>
+                    </p:cTn>
+                  </p:par>
+                  <p:par>
+                    <p:cTn id="35" fill="hold">
+                      <p:stCondLst>
+                        <p:cond delay="indefinite"/>
+                      </p:stCondLst>
+                      <p:childTnLst>
+                        <p:par>
+                          <p:cTn id="36" fill="hold">
+                            <p:stCondLst>
+                              <p:cond delay="0"/>
+                            </p:stCondLst>
+                            <p:childTnLst>
+                              <p:par>
+                                <p:cTn id="37" presetID="2" presetClass="entr" presetSubtype="2" fill="hold" nodeType="clickEffect">
+                                  <p:stCondLst>
+                                    <p:cond delay="0"/>
+                                  </p:stCondLst>
+                                  <p:childTnLst>
+                                    <p:set>
+                                      <p:cBhvr>
+                                        <p:cTn id="38" dur="1" fill="hold">
+                                          <p:stCondLst>
+                                            <p:cond delay="0"/>
+                                          </p:stCondLst>
+                                        </p:cTn>
+                                        <p:tgtEl>
+                                          <p:spTgt spid="13"/>
+                                        </p:tgtEl>
+                                        <p:attrNameLst>
+                                          <p:attrName>style.visibility</p:attrName>
+                                        </p:attrNameLst>
+                                      </p:cBhvr>
+                                      <p:to>
+                                        <p:strVal val="visible"/>
+                                      </p:to>
+                                    </p:set>
+                                    <p:anim calcmode="lin" valueType="num">
+                                      <p:cBhvr additive="base">
+                                        <p:cTn id="39" dur="500" fill="hold"/>
+                                        <p:tgtEl>
+                                          <p:spTgt spid="13"/>
+                                        </p:tgtEl>
+                                        <p:attrNameLst>
+                                          <p:attrName>ppt_x</p:attrName>
+                                        </p:attrNameLst>
+                                      </p:cBhvr>
+                                      <p:tavLst>
+                                        <p:tav tm="0">
+                                          <p:val>
+                                            <p:strVal val="1+#ppt_w/2"/>
+                                          </p:val>
+                                        </p:tav>
+                                        <p:tav tm="100000">
+                                          <p:val>
+                                            <p:strVal val="#ppt_x"/>
+                                          </p:val>
+                                        </p:tav>
+                                      </p:tavLst>
+                                    </p:anim>
+                                    <p:anim calcmode="lin" valueType="num">
+                                      <p:cBhvr additive="base">
+                                        <p:cTn id="40" dur="500" fill="hold"/>
+                                        <p:tgtEl>
+                                          <p:spTgt spid="13"/>
+                                        </p:tgtEl>
+                                        <p:attrNameLst>
+                                          <p:attrName>ppt_y</p:attrName>
+                                        </p:attrNameLst>
+                                      </p:cBhvr>
+                                      <p:tavLst>
+                                        <p:tav tm="0">
+                                          <p:val>
+                                            <p:strVal val="#ppt_y"/>
+                                          </p:val>
+                                        </p:tav>
+                                        <p:tav tm="100000">
+                                          <p:val>
+                                            <p:strVal val="#ppt_y"/>
+                                          </p:val>
+                                        </p:tav>
+                                      </p:tavLst>
+                                    </p:anim>
+                                  </p:childTnLst>
+                                </p:cTn>
+                              </p:par>
+                            </p:childTnLst>
+                          </p:cTn>
+                        </p:par>
+                      </p:childTnLst>
+                    </p:cTn>
+                  </p:par>
+                  <p:par>
+                    <p:cTn id="41" fill="hold">
+                      <p:stCondLst>
+                        <p:cond delay="indefinite"/>
+                      </p:stCondLst>
+                      <p:childTnLst>
+                        <p:par>
+                          <p:cTn id="42" fill="hold">
+                            <p:stCondLst>
+                              <p:cond delay="0"/>
+                            </p:stCondLst>
+                            <p:childTnLst>
+                              <p:par>
+                                <p:cTn id="43" presetID="22" presetClass="entr" presetSubtype="8" fill="hold" nodeType="clickEffect">
+                                  <p:stCondLst>
+                                    <p:cond delay="0"/>
+                                  </p:stCondLst>
+                                  <p:childTnLst>
+                                    <p:set>
+                                      <p:cBhvr>
+                                        <p:cTn id="44" dur="1" fill="hold">
+                                          <p:stCondLst>
+                                            <p:cond delay="0"/>
+                                          </p:stCondLst>
+                                        </p:cTn>
+                                        <p:tgtEl>
+                                          <p:spTgt spid="6"/>
+                                        </p:tgtEl>
+                                        <p:attrNameLst>
+                                          <p:attrName>style.visibility</p:attrName>
+                                        </p:attrNameLst>
+                                      </p:cBhvr>
+                                      <p:to>
+                                        <p:strVal val="visible"/>
+                                      </p:to>
+                                    </p:set>
+                                    <p:animEffect transition="in" filter="wipe(left)">
+                                      <p:cBhvr>
+                                        <p:cTn id="45" dur="500"/>
+                                        <p:tgtEl>
+                                          <p:spTgt spid="6"/>
+                                        </p:tgtEl>
+                                      </p:cBhvr>
+                                    </p:animEffect>
+                                  </p:childTnLst>
+                                </p:cTn>
+                              </p:par>
+                            </p:childTnLst>
+                          </p:cTn>
+                        </p:par>
+                      </p:childTnLst>
+                    </p:cTn>
+                  </p:par>
+                  <p:par>
+                    <p:cTn id="46" fill="hold">
+                      <p:stCondLst>
+                        <p:cond delay="indefinite"/>
+                      </p:stCondLst>
+                      <p:childTnLst>
+                        <p:par>
+                          <p:cTn id="47" fill="hold">
+                            <p:stCondLst>
+                              <p:cond delay="0"/>
+                            </p:stCondLst>
+                            <p:childTnLst>
+                              <p:par>
+                                <p:cTn id="48" presetID="2" presetClass="entr" presetSubtype="2" fill="hold" nodeType="clickEffect">
+                                  <p:stCondLst>
+                                    <p:cond delay="0"/>
+                                  </p:stCondLst>
+                                  <p:childTnLst>
+                                    <p:set>
+                                      <p:cBhvr>
+                                        <p:cTn id="49" dur="1" fill="hold">
+                                          <p:stCondLst>
+                                            <p:cond delay="0"/>
+                                          </p:stCondLst>
+                                        </p:cTn>
+                                        <p:tgtEl>
+                                          <p:spTgt spid="16"/>
+                                        </p:tgtEl>
+                                        <p:attrNameLst>
+                                          <p:attrName>style.visibility</p:attrName>
+                                        </p:attrNameLst>
+                                      </p:cBhvr>
+                                      <p:to>
+                                        <p:strVal val="visible"/>
+                                      </p:to>
+                                    </p:set>
+                                    <p:anim calcmode="lin" valueType="num">
+                                      <p:cBhvr additive="base">
+                                        <p:cTn id="50" dur="500" fill="hold"/>
+                                        <p:tgtEl>
+                                          <p:spTgt spid="16"/>
+                                        </p:tgtEl>
+                                        <p:attrNameLst>
+                                          <p:attrName>ppt_x</p:attrName>
+                                        </p:attrNameLst>
+                                      </p:cBhvr>
+                                      <p:tavLst>
+                                        <p:tav tm="0">
+                                          <p:val>
+                                            <p:strVal val="1+#ppt_w/2"/>
+                                          </p:val>
+                                        </p:tav>
+                                        <p:tav tm="100000">
+                                          <p:val>
+                                            <p:strVal val="#ppt_x"/>
+                                          </p:val>
+                                        </p:tav>
+                                      </p:tavLst>
+                                    </p:anim>
+                                    <p:anim calcmode="lin" valueType="num">
+                                      <p:cBhvr additive="base">
+                                        <p:cTn id="51" dur="500" fill="hold"/>
+                                        <p:tgtEl>
+                                          <p:spTgt spid="16"/>
+                                        </p:tgtEl>
+                                        <p:attrNameLst>
+                                          <p:attrName>ppt_y</p:attrName>
+                                        </p:attrNameLst>
+                                      </p:cBhvr>
+                                      <p:tavLst>
+                                        <p:tav tm="0">
+                                          <p:val>
+                                            <p:strVal val="#ppt_y"/>
+                                          </p:val>
+                                        </p:tav>
+                                        <p:tav tm="100000">
+                                          <p:val>
+                                            <p:strVal val="#ppt_y"/>
+                                          </p:val>
+                                        </p:tav>
+                                      </p:tavLst>
+                                    </p:anim>
+                                  </p:childTnLst>
+                                </p:cTn>
+                              </p:par>
+                            </p:childTnLst>
+                          </p:cTn>
+                        </p:par>
+                      </p:childTnLst>
+                    </p:cTn>
+                  </p:par>
+                  <p:par>
+                    <p:cTn id="52" fill="hold">
+                      <p:stCondLst>
+                        <p:cond delay="indefinite"/>
+                      </p:stCondLst>
+                      <p:childTnLst>
+                        <p:par>
+                          <p:cTn id="53" fill="hold">
+                            <p:stCondLst>
+                              <p:cond delay="0"/>
+                            </p:stCondLst>
+                            <p:childTnLst>
+                              <p:par>
+                                <p:cTn id="54" presetID="22" presetClass="entr" presetSubtype="8" fill="hold" nodeType="clickEffect">
+                                  <p:stCondLst>
+                                    <p:cond delay="0"/>
+                                  </p:stCondLst>
+                                  <p:childTnLst>
+                                    <p:set>
+                                      <p:cBhvr>
+                                        <p:cTn id="55" dur="1" fill="hold">
+                                          <p:stCondLst>
+                                            <p:cond delay="0"/>
+                                          </p:stCondLst>
+                                        </p:cTn>
+                                        <p:tgtEl>
+                                          <p:spTgt spid="22"/>
+                                        </p:tgtEl>
+                                        <p:attrNameLst>
+                                          <p:attrName>style.visibility</p:attrName>
+                                        </p:attrNameLst>
+                                      </p:cBhvr>
+                                      <p:to>
+                                        <p:strVal val="visible"/>
+                                      </p:to>
+                                    </p:set>
+                                    <p:animEffect transition="in" filter="wipe(left)">
+                                      <p:cBhvr>
+                                        <p:cTn id="56" dur="500"/>
+                                        <p:tgtEl>
+                                          <p:spTgt spid="22"/>
+                                        </p:tgtEl>
+                                      </p:cBhvr>
+                                    </p:animEffect>
+                                  </p:childTnLst>
+                                </p:cTn>
+                              </p:par>
+                            </p:childTnLst>
+                          </p:cTn>
+                        </p:par>
+                      </p:childTnLst>
+                    </p:cTn>
+                  </p:par>
+                  <p:par>
+                    <p:cTn id="57" fill="hold">
+                      <p:stCondLst>
+                        <p:cond delay="indefinite"/>
+                      </p:stCondLst>
+                      <p:childTnLst>
+                        <p:par>
+                          <p:cTn id="58" fill="hold">
+                            <p:stCondLst>
+                              <p:cond delay="0"/>
+                            </p:stCondLst>
+                            <p:childTnLst>
+                              <p:par>
+                                <p:cTn id="59" presetID="2" presetClass="entr" presetSubtype="6" fill="hold" nodeType="clickEffect">
+                                  <p:stCondLst>
+                                    <p:cond delay="0"/>
+                                  </p:stCondLst>
+                                  <p:childTnLst>
+                                    <p:set>
+                                      <p:cBhvr>
+                                        <p:cTn id="60" dur="1" fill="hold">
+                                          <p:stCondLst>
+                                            <p:cond delay="0"/>
+                                          </p:stCondLst>
+                                        </p:cTn>
+                                        <p:tgtEl>
+                                          <p:spTgt spid="19"/>
+                                        </p:tgtEl>
+                                        <p:attrNameLst>
+                                          <p:attrName>style.visibility</p:attrName>
+                                        </p:attrNameLst>
+                                      </p:cBhvr>
+                                      <p:to>
+                                        <p:strVal val="visible"/>
+                                      </p:to>
+                                    </p:set>
+                                    <p:anim calcmode="lin" valueType="num">
+                                      <p:cBhvr additive="base">
+                                        <p:cTn id="61" dur="500" fill="hold"/>
+                                        <p:tgtEl>
+                                          <p:spTgt spid="19"/>
+                                        </p:tgtEl>
+                                        <p:attrNameLst>
+                                          <p:attrName>ppt_x</p:attrName>
+                                        </p:attrNameLst>
+                                      </p:cBhvr>
+                                      <p:tavLst>
+                                        <p:tav tm="0">
+                                          <p:val>
+                                            <p:strVal val="1+#ppt_w/2"/>
+                                          </p:val>
+                                        </p:tav>
+                                        <p:tav tm="100000">
+                                          <p:val>
+                                            <p:strVal val="#ppt_x"/>
+                                          </p:val>
+                                        </p:tav>
+                                      </p:tavLst>
+                                    </p:anim>
+                                    <p:anim calcmode="lin" valueType="num">
+                                      <p:cBhvr additive="base">
+                                        <p:cTn id="62" dur="500" fill="hold"/>
+                                        <p:tgtEl>
+                                          <p:spTgt spid="19"/>
+                                        </p:tgtEl>
+                                        <p:attrNameLst>
+                                          <p:attrName>ppt_y</p:attrName>
+                                        </p:attrNameLst>
+                                      </p:cBhvr>
+                                      <p:tavLst>
+                                        <p:tav tm="0">
+                                          <p:val>
+                                            <p:strVal val="1+#ppt_h/2"/>
+                                          </p:val>
+                                        </p:tav>
+                                        <p:tav tm="100000">
+                                          <p:val>
+                                            <p:strVal val="#ppt_y"/>
+                                          </p:val>
+                                        </p:tav>
+                                      </p:tavLst>
+                                    </p:anim>
+                                  </p:childTnLst>
+                                </p:cTn>
+                              </p:par>
+                            </p:childTnLst>
+                          </p:cTn>
+                        </p:par>
+                        <p:par>
+                          <p:cTn id="63" fill="hold">
+                            <p:stCondLst>
+                              <p:cond delay="500"/>
+                            </p:stCondLst>
+                            <p:childTnLst>
+                              <p:par>
+                                <p:cTn id="64" presetID="22" presetClass="entr" presetSubtype="8" fill="hold" nodeType="afterEffect">
+                                  <p:stCondLst>
+                                    <p:cond delay="0"/>
+                                  </p:stCondLst>
+                                  <p:childTnLst>
+                                    <p:set>
+                                      <p:cBhvr>
+                                        <p:cTn id="65" dur="1" fill="hold">
+                                          <p:stCondLst>
+                                            <p:cond delay="0"/>
+                                          </p:stCondLst>
+                                        </p:cTn>
+                                        <p:tgtEl>
+                                          <p:spTgt spid="23"/>
+                                        </p:tgtEl>
+                                        <p:attrNameLst>
+                                          <p:attrName>style.visibility</p:attrName>
+                                        </p:attrNameLst>
+                                      </p:cBhvr>
+                                      <p:to>
+                                        <p:strVal val="visible"/>
+                                      </p:to>
+                                    </p:set>
+                                    <p:animEffect transition="in" filter="wipe(left)">
+                                      <p:cBhvr>
+                                        <p:cTn id="66" dur="500"/>
+                                        <p:tgtEl>
+                                          <p:spTgt spid="23"/>
+                                        </p:tgtEl>
+                                      </p:cBhvr>
+                                    </p:animEffect>
+                                  </p:childTnLst>
+                                </p:cTn>
+                              </p:par>
+                            </p:childTnLst>
+                          </p:cTn>
+                        </p:par>
+                      </p:childTnLst>
+                    </p:cTn>
+                  </p:par>
+                </p:childTnLst>
+              </p:cTn>
+              <p:prevCondLst>
+                <p:cond evt="onPrev" delay="0">
+                  <p:tgtEl>
+                    <p:sldTgt/>
+                  </p:tgtEl>
+                </p:cond>
+              </p:prevCondLst>
+              <p:nextCondLst>
+                <p:cond evt="onNext" delay="0">
+                  <p:tgtEl>
+                    <p:sldTgt/>
+                  </p:tgtEl>
+                </p:cond>
+              </p:nextCondLst>
+            </p:seq>
+          </p:childTnLst>
+        </p:cTn>
+      </p:par>
+    </p:tnLst>
+    <p:bldLst>
+      <p:bldP spid="4" grpId="0" animBg="1"/>
+      <p:bldP spid="5" grpId="0" animBg="1"/>
+      <p:bldP spid="7" grpId="0"/>
+      <p:bldP spid="8" grpId="0" animBg="1"/>
+      <p:bldP spid="9" grpId="0" animBg="1"/>
+      <p:bldP spid="10" grpId="0" animBg="1"/>
+      <p:bldP spid="11" grpId="0" animBg="1"/>
+      <p:bldP spid="12" grpId="0" animBg="1"/>
+    </p:bldLst>
+  </p:timing>
+</p:sld>
+</file>
+
+<file path=ppt/slides/slide54.xml><?xml version="1.0" encoding="utf-8"?>
+<p:sld xmlns:a="http://schemas.openxmlformats.org/drawingml/2006/main" xmlns:r="http://schemas.openxmlformats.org/officeDocument/2006/relationships" xmlns:p="http://schemas.openxmlformats.org/presentationml/2006/main">
+  <p:cSld>
+    <p:spTree>
+      <p:nvGrpSpPr>
+        <p:cNvPr id="1" name=""/>
+        <p:cNvGrpSpPr/>
+        <p:nvPr/>
+      </p:nvGrpSpPr>
+      <p:grpSpPr>
+        <a:xfrm>
+          <a:off x="0" y="0"/>
+          <a:ext cx="0" cy="0"/>
+          <a:chOff x="0" y="0"/>
+          <a:chExt cx="0" cy="0"/>
+        </a:xfrm>
+      </p:grpSpPr>
+      <p:sp>
+        <p:nvSpPr>
+          <p:cNvPr id="2" name="Title 1">
+            <a:extLst>
+              <a:ext uri="{FF2B5EF4-FFF2-40B4-BE49-F238E27FC236}">
+                <a16:creationId xmlns:a16="http://schemas.microsoft.com/office/drawing/2014/main" id="{B41968FE-5CE8-7245-DF2E-0A434E510B32}"/>
+              </a:ext>
+            </a:extLst>
+          </p:cNvPr>
+          <p:cNvSpPr>
+            <a:spLocks noGrp="1"/>
+          </p:cNvSpPr>
+          <p:nvPr>
+            <p:ph type="title"/>
+          </p:nvPr>
+        </p:nvSpPr>
+        <p:spPr/>
+        <p:txBody>
+          <a:bodyPr/>
+          <a:lstStyle/>
+          <a:p>
+            <a:r>
+              <a:rPr lang="en-IL" dirty="0"/>
+              <a:t>Beans Scope</a:t>
+            </a:r>
+          </a:p>
+        </p:txBody>
+      </p:sp>
+      <p:sp>
+        <p:nvSpPr>
+          <p:cNvPr id="3" name="Content Placeholder 2">
+            <a:extLst>
+              <a:ext uri="{FF2B5EF4-FFF2-40B4-BE49-F238E27FC236}">
+                <a16:creationId xmlns:a16="http://schemas.microsoft.com/office/drawing/2014/main" id="{D99B03CD-D990-D185-70D3-131DF36E3879}"/>
+              </a:ext>
+            </a:extLst>
+          </p:cNvPr>
+          <p:cNvSpPr>
+            <a:spLocks noGrp="1"/>
+          </p:cNvSpPr>
+          <p:nvPr>
+            <p:ph idx="1"/>
+          </p:nvPr>
+        </p:nvSpPr>
+        <p:spPr>
+          <a:xfrm>
+            <a:off x="677334" y="1576251"/>
+            <a:ext cx="8596668" cy="4465111"/>
+          </a:xfrm>
+        </p:spPr>
+        <p:txBody>
+          <a:bodyPr>
+            <a:normAutofit lnSpcReduction="10000"/>
+          </a:bodyPr>
+          <a:lstStyle/>
+          <a:p>
+            <a:r>
+              <a:rPr lang="en-US" sz="2000" dirty="0">
+                <a:solidFill>
+                  <a:srgbClr val="FD2DFF"/>
+                </a:solidFill>
+              </a:rPr>
+              <a:t>Scope</a:t>
+            </a:r>
+            <a:r>
+              <a:rPr lang="en-US" sz="2000" dirty="0"/>
+              <a:t> of a bean describes how many instances should the container manage</a:t>
+            </a:r>
+          </a:p>
+          <a:p>
+            <a:r>
+              <a:rPr lang="en-IL" sz="2000" dirty="0"/>
+              <a:t>There are 6 types of beans scope. The most popular are:</a:t>
+            </a:r>
+          </a:p>
+          <a:p>
+            <a:pPr lvl="1">
+              <a:buFont typeface="+mj-lt"/>
+              <a:buAutoNum type="arabicPeriod"/>
+            </a:pPr>
+            <a:r>
+              <a:rPr lang="en-US" sz="1800" dirty="0">
+                <a:solidFill>
+                  <a:srgbClr val="FD2DFF"/>
+                </a:solidFill>
+              </a:rPr>
+              <a:t>Singleton</a:t>
+            </a:r>
+            <a:r>
+              <a:rPr lang="en-US" sz="1800" dirty="0"/>
+              <a:t> (default) – the bean’s instance is created </a:t>
+            </a:r>
+            <a:r>
+              <a:rPr lang="en-US" sz="1800" b="1" u="sng" dirty="0"/>
+              <a:t>exactly once</a:t>
+            </a:r>
+            <a:r>
+              <a:rPr lang="en-US" sz="1800" dirty="0"/>
+              <a:t>, and the </a:t>
+            </a:r>
+            <a:r>
+              <a:rPr lang="en-US" sz="1800" u="sng" dirty="0"/>
+              <a:t>same</a:t>
+            </a:r>
+            <a:r>
+              <a:rPr lang="en-US" sz="1800" dirty="0"/>
+              <a:t> instance will be injected and used whenever it is requested</a:t>
+            </a:r>
+          </a:p>
+          <a:p>
+            <a:pPr lvl="1">
+              <a:buFont typeface="+mj-lt"/>
+              <a:buAutoNum type="arabicPeriod"/>
+            </a:pPr>
+            <a:r>
+              <a:rPr lang="en-US" sz="1800" dirty="0">
+                <a:solidFill>
+                  <a:srgbClr val="FD2DFF"/>
+                </a:solidFill>
+              </a:rPr>
+              <a:t>Prototype</a:t>
+            </a:r>
+            <a:r>
+              <a:rPr lang="en-US" sz="1800" dirty="0"/>
+              <a:t> – whenever an instance of a certain bean is requested – a </a:t>
+            </a:r>
+            <a:r>
+              <a:rPr lang="en-US" sz="1800" u="sng" dirty="0"/>
+              <a:t>new</a:t>
+            </a:r>
+            <a:r>
+              <a:rPr lang="en-US" sz="1800" dirty="0"/>
+              <a:t> instance of it will be created</a:t>
+            </a:r>
+          </a:p>
+          <a:p>
+            <a:pPr marL="457200" lvl="1" indent="0">
+              <a:buNone/>
+            </a:pPr>
+            <a:r>
+              <a:rPr lang="en-US" sz="1800" dirty="0"/>
+              <a:t>The last four scopes are only available in a web-aware application:</a:t>
+            </a:r>
+          </a:p>
+          <a:p>
+            <a:pPr marL="800100" lvl="1" indent="-342900">
+              <a:buFont typeface="+mj-lt"/>
+              <a:buAutoNum type="arabicPeriod" startAt="3"/>
+            </a:pPr>
+            <a:r>
+              <a:rPr lang="en-US" sz="1800" dirty="0">
+                <a:solidFill>
+                  <a:srgbClr val="FD2DFF"/>
+                </a:solidFill>
+              </a:rPr>
+              <a:t>Request</a:t>
+            </a:r>
+            <a:r>
+              <a:rPr lang="en-US" sz="1800" dirty="0"/>
+              <a:t> – per Http call</a:t>
+            </a:r>
+            <a:endParaRPr lang="ru-RU" sz="1800" dirty="0"/>
+          </a:p>
+          <a:p>
+            <a:pPr lvl="1">
+              <a:buFont typeface="+mj-lt"/>
+              <a:buAutoNum type="arabicPeriod" startAt="3"/>
+            </a:pPr>
+            <a:r>
+              <a:rPr lang="en-US" sz="1800" dirty="0">
+                <a:solidFill>
+                  <a:srgbClr val="FD2DFF"/>
+                </a:solidFill>
+              </a:rPr>
+              <a:t>Session</a:t>
+            </a:r>
+            <a:r>
+              <a:rPr lang="en-US" sz="1800" dirty="0"/>
+              <a:t> – per user session</a:t>
+            </a:r>
+          </a:p>
+          <a:p>
+            <a:pPr lvl="1">
+              <a:buFont typeface="+mj-lt"/>
+              <a:buAutoNum type="arabicPeriod" startAt="3"/>
+            </a:pPr>
+            <a:r>
+              <a:rPr lang="en-US" sz="1800" dirty="0">
+                <a:solidFill>
+                  <a:srgbClr val="FD2DFF"/>
+                </a:solidFill>
+              </a:rPr>
+              <a:t>Application</a:t>
+            </a:r>
+            <a:r>
+              <a:rPr lang="en-US" sz="1800" dirty="0"/>
+              <a:t> – per servlet context</a:t>
+            </a:r>
+          </a:p>
+          <a:p>
+            <a:pPr lvl="1">
+              <a:buFont typeface="+mj-lt"/>
+              <a:buAutoNum type="arabicPeriod" startAt="3"/>
+            </a:pPr>
+            <a:r>
+              <a:rPr lang="en-US" sz="1800" dirty="0">
+                <a:solidFill>
+                  <a:srgbClr val="FD2DFF"/>
+                </a:solidFill>
+              </a:rPr>
+              <a:t>WebSocket</a:t>
+            </a:r>
+            <a:r>
+              <a:rPr lang="en-US" sz="1800" dirty="0"/>
+              <a:t> - per web socket connection </a:t>
+            </a:r>
+          </a:p>
+          <a:p>
+            <a:pPr lvl="1">
+              <a:buFont typeface="+mj-lt"/>
+              <a:buAutoNum type="arabicPeriod" startAt="3"/>
+            </a:pPr>
+            <a:endParaRPr lang="he-IL" sz="1600" dirty="0"/>
+          </a:p>
+          <a:p>
+            <a:pPr lvl="1">
+              <a:buFont typeface="+mj-lt"/>
+              <a:buAutoNum type="arabicPeriod" startAt="3"/>
+            </a:pPr>
+            <a:endParaRPr lang="en-US" dirty="0"/>
+          </a:p>
+          <a:p>
+            <a:endParaRPr lang="en-IL" dirty="0"/>
+          </a:p>
+        </p:txBody>
+      </p:sp>
+    </p:spTree>
+    <p:extLst>
+      <p:ext uri="{BB962C8B-B14F-4D97-AF65-F5344CB8AC3E}">
+        <p14:creationId xmlns:p14="http://schemas.microsoft.com/office/powerpoint/2010/main" val="1909738281"/>
+      </p:ext>
+    </p:extLst>
+  </p:cSld>
+  <p:clrMapOvr>
+    <a:masterClrMapping/>
+  </p:clrMapOvr>
+  <p:timing>
+    <p:tnLst>
+      <p:par>
+        <p:cTn id="1" dur="indefinite" restart="never" nodeType="tmRoot">
+          <p:childTnLst>
+            <p:seq concurrent="1" nextAc="seek">
+              <p:cTn id="2" dur="indefinite" nodeType="mainSeq">
+                <p:childTnLst>
+                  <p:par>
+                    <p:cTn id="3" fill="hold">
+                      <p:stCondLst>
+                        <p:cond delay="indefinite"/>
+                      </p:stCondLst>
+                      <p:childTnLst>
+                        <p:par>
+                          <p:cTn id="4" fill="hold">
+                            <p:stCondLst>
+                              <p:cond delay="0"/>
+                            </p:stCondLst>
+                            <p:childTnLst>
+                              <p:par>
+                                <p:cTn id="5" presetID="1" presetClass="entr" presetSubtype="0" fill="hold" grpId="0" nodeType="clickEffect">
+                                  <p:stCondLst>
+                                    <p:cond delay="0"/>
+                                  </p:stCondLst>
+                                  <p:childTnLst>
+                                    <p:set>
+                                      <p:cBhvr>
+                                        <p:cTn id="6" dur="1" fill="hold">
+                                          <p:stCondLst>
+                                            <p:cond delay="0"/>
+                                          </p:stCondLst>
+                                        </p:cTn>
+                                        <p:tgtEl>
+                                          <p:spTgt spid="3">
+                                            <p:txEl>
+                                              <p:pRg st="0" end="0"/>
+                                            </p:txEl>
+                                          </p:spTgt>
+                                        </p:tgtEl>
+                                        <p:attrNameLst>
+                                          <p:attrName>style.visibility</p:attrName>
+                                        </p:attrNameLst>
+                                      </p:cBhvr>
+                                      <p:to>
+                                        <p:strVal val="visible"/>
+                                      </p:to>
+                                    </p:set>
+                                  </p:childTnLst>
+                                </p:cTn>
+                              </p:par>
+                            </p:childTnLst>
+                          </p:cTn>
+                        </p:par>
+                      </p:childTnLst>
+                    </p:cTn>
+                  </p:par>
+                  <p:par>
+                    <p:cTn id="7" fill="hold">
+                      <p:stCondLst>
+                        <p:cond delay="indefinite"/>
+                      </p:stCondLst>
+                      <p:childTnLst>
+                        <p:par>
+                          <p:cTn id="8" fill="hold">
+                            <p:stCondLst>
+                              <p:cond delay="0"/>
+                            </p:stCondLst>
+                            <p:childTnLst>
+                              <p:par>
+                                <p:cTn id="9" presetID="1" presetClass="entr" presetSubtype="0" fill="hold" grpId="0" nodeType="clickEffect">
+                                  <p:stCondLst>
+                                    <p:cond delay="0"/>
+                                  </p:stCondLst>
+                                  <p:childTnLst>
+                                    <p:set>
+                                      <p:cBhvr>
+                                        <p:cTn id="10" dur="1" fill="hold">
+                                          <p:stCondLst>
+                                            <p:cond delay="0"/>
+                                          </p:stCondLst>
+                                        </p:cTn>
+                                        <p:tgtEl>
+                                          <p:spTgt spid="3">
+                                            <p:txEl>
+                                              <p:pRg st="1" end="1"/>
+                                            </p:txEl>
+                                          </p:spTgt>
+                                        </p:tgtEl>
+                                        <p:attrNameLst>
+                                          <p:attrName>style.visibility</p:attrName>
+                                        </p:attrNameLst>
+                                      </p:cBhvr>
+                                      <p:to>
+                                        <p:strVal val="visible"/>
+                                      </p:to>
+                                    </p:set>
+                                  </p:childTnLst>
+                                </p:cTn>
+                              </p:par>
+                              <p:par>
+                                <p:cTn id="11" presetID="1" presetClass="entr" presetSubtype="0" fill="hold" grpId="0" nodeType="withEffect">
+                                  <p:stCondLst>
+                                    <p:cond delay="0"/>
+                                  </p:stCondLst>
+                                  <p:childTnLst>
+                                    <p:set>
+                                      <p:cBhvr>
+                                        <p:cTn id="12" dur="1" fill="hold">
+                                          <p:stCondLst>
+                                            <p:cond delay="0"/>
+                                          </p:stCondLst>
+                                        </p:cTn>
+                                        <p:tgtEl>
+                                          <p:spTgt spid="3">
+                                            <p:txEl>
+                                              <p:pRg st="2" end="2"/>
+                                            </p:txEl>
+                                          </p:spTgt>
+                                        </p:tgtEl>
+                                        <p:attrNameLst>
+                                          <p:attrName>style.visibility</p:attrName>
+                                        </p:attrNameLst>
+                                      </p:cBhvr>
+                                      <p:to>
+                                        <p:strVal val="visible"/>
+                                      </p:to>
+                                    </p:set>
+                                  </p:childTnLst>
+                                </p:cTn>
+                              </p:par>
+                              <p:par>
+                                <p:cTn id="13" presetID="1" presetClass="entr" presetSubtype="0" fill="hold" grpId="0" nodeType="withEffect">
+                                  <p:stCondLst>
+                                    <p:cond delay="0"/>
+                                  </p:stCondLst>
+                                  <p:childTnLst>
+                                    <p:set>
+                                      <p:cBhvr>
+                                        <p:cTn id="14" dur="1" fill="hold">
+                                          <p:stCondLst>
+                                            <p:cond delay="0"/>
+                                          </p:stCondLst>
+                                        </p:cTn>
+                                        <p:tgtEl>
+                                          <p:spTgt spid="3">
+                                            <p:txEl>
+                                              <p:pRg st="3" end="3"/>
+                                            </p:txEl>
+                                          </p:spTgt>
+                                        </p:tgtEl>
+                                        <p:attrNameLst>
+                                          <p:attrName>style.visibility</p:attrName>
+                                        </p:attrNameLst>
+                                      </p:cBhvr>
+                                      <p:to>
+                                        <p:strVal val="visible"/>
+                                      </p:to>
+                                    </p:set>
+                                  </p:childTnLst>
+                                </p:cTn>
+                              </p:par>
+                              <p:par>
+                                <p:cTn id="15" presetID="1" presetClass="entr" presetSubtype="0" fill="hold" grpId="0" nodeType="withEffect">
+                                  <p:stCondLst>
+                                    <p:cond delay="0"/>
+                                  </p:stCondLst>
+                                  <p:childTnLst>
+                                    <p:set>
+                                      <p:cBhvr>
+                                        <p:cTn id="16" dur="1" fill="hold">
+                                          <p:stCondLst>
+                                            <p:cond delay="0"/>
+                                          </p:stCondLst>
+                                        </p:cTn>
+                                        <p:tgtEl>
+                                          <p:spTgt spid="3">
+                                            <p:txEl>
+                                              <p:pRg st="4" end="4"/>
+                                            </p:txEl>
+                                          </p:spTgt>
+                                        </p:tgtEl>
+                                        <p:attrNameLst>
+                                          <p:attrName>style.visibility</p:attrName>
+                                        </p:attrNameLst>
+                                      </p:cBhvr>
+                                      <p:to>
+                                        <p:strVal val="visible"/>
+                                      </p:to>
+                                    </p:set>
+                                  </p:childTnLst>
+                                </p:cTn>
+                              </p:par>
+                              <p:par>
+                                <p:cTn id="17" presetID="1" presetClass="entr" presetSubtype="0" fill="hold" grpId="0" nodeType="withEffect">
+                                  <p:stCondLst>
+                                    <p:cond delay="0"/>
+                                  </p:stCondLst>
+                                  <p:childTnLst>
+                                    <p:set>
+                                      <p:cBhvr>
+                                        <p:cTn id="18" dur="1" fill="hold">
+                                          <p:stCondLst>
+                                            <p:cond delay="0"/>
+                                          </p:stCondLst>
+                                        </p:cTn>
+                                        <p:tgtEl>
+                                          <p:spTgt spid="3">
+                                            <p:txEl>
+                                              <p:pRg st="5" end="5"/>
+                                            </p:txEl>
+                                          </p:spTgt>
+                                        </p:tgtEl>
+                                        <p:attrNameLst>
+                                          <p:attrName>style.visibility</p:attrName>
+                                        </p:attrNameLst>
+                                      </p:cBhvr>
+                                      <p:to>
+                                        <p:strVal val="visible"/>
+                                      </p:to>
+                                    </p:set>
+                                  </p:childTnLst>
+                                </p:cTn>
+                              </p:par>
+                              <p:par>
+                                <p:cTn id="19" presetID="1" presetClass="entr" presetSubtype="0" fill="hold" grpId="0" nodeType="withEffect">
+                                  <p:stCondLst>
+                                    <p:cond delay="0"/>
+                                  </p:stCondLst>
+                                  <p:childTnLst>
+                                    <p:set>
+                                      <p:cBhvr>
+                                        <p:cTn id="20" dur="1" fill="hold">
+                                          <p:stCondLst>
+                                            <p:cond delay="0"/>
+                                          </p:stCondLst>
+                                        </p:cTn>
+                                        <p:tgtEl>
+                                          <p:spTgt spid="3">
+                                            <p:txEl>
+                                              <p:pRg st="6" end="6"/>
+                                            </p:txEl>
+                                          </p:spTgt>
+                                        </p:tgtEl>
+                                        <p:attrNameLst>
+                                          <p:attrName>style.visibility</p:attrName>
+                                        </p:attrNameLst>
+                                      </p:cBhvr>
+                                      <p:to>
+                                        <p:strVal val="visible"/>
+                                      </p:to>
+                                    </p:set>
+                                  </p:childTnLst>
+                                </p:cTn>
+                              </p:par>
+                              <p:par>
+                                <p:cTn id="21" presetID="1" presetClass="entr" presetSubtype="0" fill="hold" grpId="0" nodeType="withEffect">
+                                  <p:stCondLst>
+                                    <p:cond delay="0"/>
+                                  </p:stCondLst>
+                                  <p:childTnLst>
+                                    <p:set>
+                                      <p:cBhvr>
+                                        <p:cTn id="22" dur="1" fill="hold">
+                                          <p:stCondLst>
+                                            <p:cond delay="0"/>
+                                          </p:stCondLst>
+                                        </p:cTn>
+                                        <p:tgtEl>
+                                          <p:spTgt spid="3">
+                                            <p:txEl>
+                                              <p:pRg st="7" end="7"/>
+                                            </p:txEl>
+                                          </p:spTgt>
+                                        </p:tgtEl>
+                                        <p:attrNameLst>
+                                          <p:attrName>style.visibility</p:attrName>
+                                        </p:attrNameLst>
+                                      </p:cBhvr>
+                                      <p:to>
+                                        <p:strVal val="visible"/>
+                                      </p:to>
+                                    </p:set>
+                                  </p:childTnLst>
+                                </p:cTn>
+                              </p:par>
+                              <p:par>
+                                <p:cTn id="23" presetID="1" presetClass="entr" presetSubtype="0" fill="hold" grpId="0" nodeType="withEffect">
+                                  <p:stCondLst>
+                                    <p:cond delay="0"/>
+                                  </p:stCondLst>
+                                  <p:childTnLst>
+                                    <p:set>
+                                      <p:cBhvr>
+                                        <p:cTn id="24" dur="1" fill="hold">
+                                          <p:stCondLst>
+                                            <p:cond delay="0"/>
+                                          </p:stCondLst>
+                                        </p:cTn>
+                                        <p:tgtEl>
+                                          <p:spTgt spid="3">
+                                            <p:txEl>
+                                              <p:pRg st="8" end="8"/>
+                                            </p:txEl>
+                                          </p:spTgt>
+                                        </p:tgtEl>
+                                        <p:attrNameLst>
+                                          <p:attrName>style.visibility</p:attrName>
+                                        </p:attrNameLst>
+                                      </p:cBhvr>
+                                      <p:to>
+                                        <p:strVal val="visible"/>
+                                      </p:to>
+                                    </p:set>
+                                  </p:childTnLst>
+                                </p:cTn>
+                              </p:par>
+                            </p:childTnLst>
+                          </p:cTn>
+                        </p:par>
+                      </p:childTnLst>
+                    </p:cTn>
+                  </p:par>
+                </p:childTnLst>
+              </p:cTn>
+              <p:prevCondLst>
+                <p:cond evt="onPrev" delay="0">
+                  <p:tgtEl>
+                    <p:sldTgt/>
+                  </p:tgtEl>
+                </p:cond>
+              </p:prevCondLst>
+              <p:nextCondLst>
+                <p:cond evt="onNext" delay="0">
+                  <p:tgtEl>
+                    <p:sldTgt/>
+                  </p:tgtEl>
+                </p:cond>
+              </p:nextCondLst>
+            </p:seq>
+          </p:childTnLst>
+        </p:cTn>
+      </p:par>
+    </p:tnLst>
+    <p:bldLst>
+      <p:bldP spid="3" grpId="0" build="p"/>
+    </p:bldLst>
+  </p:timing>
+</p:sld>
+</file>
+
+<file path=ppt/slides/slide55.xml><?xml version="1.0" encoding="utf-8"?>
+<p:sld xmlns:a="http://schemas.openxmlformats.org/drawingml/2006/main" xmlns:r="http://schemas.openxmlformats.org/officeDocument/2006/relationships" xmlns:p="http://schemas.openxmlformats.org/presentationml/2006/main">
+  <p:cSld>
+    <p:spTree>
+      <p:nvGrpSpPr>
+        <p:cNvPr id="1" name=""/>
+        <p:cNvGrpSpPr/>
+        <p:nvPr/>
+      </p:nvGrpSpPr>
+      <p:grpSpPr>
+        <a:xfrm>
+          <a:off x="0" y="0"/>
+          <a:ext cx="0" cy="0"/>
+          <a:chOff x="0" y="0"/>
+          <a:chExt cx="0" cy="0"/>
+        </a:xfrm>
+      </p:grpSpPr>
+      <p:sp>
+        <p:nvSpPr>
+          <p:cNvPr id="2" name="Title 1">
+            <a:extLst>
+              <a:ext uri="{FF2B5EF4-FFF2-40B4-BE49-F238E27FC236}">
+                <a16:creationId xmlns:a16="http://schemas.microsoft.com/office/drawing/2014/main" id="{4E59436B-EF9C-69FD-BC5B-867134DF2496}"/>
+              </a:ext>
+            </a:extLst>
+          </p:cNvPr>
+          <p:cNvSpPr>
+            <a:spLocks noGrp="1"/>
+          </p:cNvSpPr>
+          <p:nvPr>
+            <p:ph type="title"/>
+          </p:nvPr>
+        </p:nvSpPr>
+        <p:spPr/>
+        <p:txBody>
+          <a:bodyPr/>
+          <a:lstStyle/>
+          <a:p>
+            <a:r>
+              <a:rPr lang="en-IL" dirty="0"/>
+              <a:t>Beans Scope: examples</a:t>
+            </a:r>
+          </a:p>
+        </p:txBody>
+      </p:sp>
+      <p:sp>
+        <p:nvSpPr>
+          <p:cNvPr id="3" name="Content Placeholder 2">
+            <a:extLst>
+              <a:ext uri="{FF2B5EF4-FFF2-40B4-BE49-F238E27FC236}">
+                <a16:creationId xmlns:a16="http://schemas.microsoft.com/office/drawing/2014/main" id="{A5A51A8B-51C4-BB36-10BE-555142892B5E}"/>
+              </a:ext>
+            </a:extLst>
+          </p:cNvPr>
+          <p:cNvSpPr>
+            <a:spLocks noGrp="1"/>
+          </p:cNvSpPr>
+          <p:nvPr>
+            <p:ph sz="half" idx="1"/>
+          </p:nvPr>
+        </p:nvSpPr>
+        <p:spPr>
+          <a:xfrm>
+            <a:off x="677334" y="3644537"/>
+            <a:ext cx="4184035" cy="2396823"/>
+          </a:xfrm>
+          <a:solidFill>
+            <a:schemeClr val="accent1">
+              <a:lumMod val="20000"/>
+              <a:lumOff val="80000"/>
+            </a:schemeClr>
+          </a:solidFill>
+          <a:ln>
+            <a:solidFill>
+              <a:schemeClr val="tx2">
+                <a:lumMod val="75000"/>
+              </a:schemeClr>
+            </a:solidFill>
+          </a:ln>
+        </p:spPr>
+        <p:txBody>
+          <a:bodyPr>
+            <a:normAutofit/>
+          </a:bodyPr>
+          <a:lstStyle/>
+          <a:p>
+            <a:pPr marL="0" indent="0">
+              <a:buNone/>
+            </a:pPr>
+            <a:r>
+              <a:rPr lang="en-US" sz="1600" dirty="0">
+                <a:solidFill>
+                  <a:srgbClr val="9E880D"/>
+                </a:solidFill>
+                <a:latin typeface="Courier New" panose="02070309020205020404" pitchFamily="49" charset="0"/>
+                <a:cs typeface="Courier New" panose="02070309020205020404" pitchFamily="49" charset="0"/>
+              </a:rPr>
+              <a:t>@Bean</a:t>
+            </a:r>
+          </a:p>
+          <a:p>
+            <a:pPr marL="0" indent="0">
+              <a:buNone/>
+            </a:pPr>
+            <a:r>
+              <a:rPr lang="en-US" sz="1600" b="1" dirty="0">
+                <a:solidFill>
+                  <a:srgbClr val="9E880D"/>
+                </a:solidFill>
+                <a:latin typeface="Courier New" panose="02070309020205020404" pitchFamily="49" charset="0"/>
+                <a:cs typeface="Courier New" panose="02070309020205020404" pitchFamily="49" charset="0"/>
+              </a:rPr>
+              <a:t>@Scope("singleton")</a:t>
+            </a:r>
+          </a:p>
+          <a:p>
+            <a:pPr marL="0" indent="0">
+              <a:buNone/>
+            </a:pPr>
+            <a:r>
+              <a:rPr lang="en-US" sz="1600" dirty="0">
+                <a:solidFill>
+                  <a:srgbClr val="0033B3"/>
+                </a:solidFill>
+                <a:latin typeface="Courier New" panose="02070309020205020404" pitchFamily="49" charset="0"/>
+                <a:cs typeface="Courier New" panose="02070309020205020404" pitchFamily="49" charset="0"/>
+              </a:rPr>
+              <a:t>public</a:t>
+            </a:r>
+            <a:r>
+              <a:rPr lang="en-US" sz="1600" dirty="0">
+                <a:latin typeface="Courier New" panose="02070309020205020404" pitchFamily="49" charset="0"/>
+                <a:cs typeface="Courier New" panose="02070309020205020404" pitchFamily="49" charset="0"/>
+              </a:rPr>
+              <a:t> Person </a:t>
+            </a:r>
+            <a:r>
+              <a:rPr lang="en-US" sz="1600" dirty="0" err="1">
+                <a:latin typeface="Courier New" panose="02070309020205020404" pitchFamily="49" charset="0"/>
+                <a:cs typeface="Courier New" panose="02070309020205020404" pitchFamily="49" charset="0"/>
+              </a:rPr>
+              <a:t>personSingleton</a:t>
+            </a:r>
+            <a:r>
+              <a:rPr lang="en-US" sz="1600" dirty="0">
+                <a:latin typeface="Courier New" panose="02070309020205020404" pitchFamily="49" charset="0"/>
+                <a:cs typeface="Courier New" panose="02070309020205020404" pitchFamily="49" charset="0"/>
+              </a:rPr>
+              <a:t>() {</a:t>
+            </a:r>
+          </a:p>
+          <a:p>
+            <a:pPr marL="0" indent="0">
+              <a:buNone/>
+            </a:pPr>
+            <a:r>
+              <a:rPr lang="en-US" sz="1600" dirty="0">
+                <a:latin typeface="Courier New" panose="02070309020205020404" pitchFamily="49" charset="0"/>
+                <a:cs typeface="Courier New" panose="02070309020205020404" pitchFamily="49" charset="0"/>
+              </a:rPr>
+              <a:t>    </a:t>
+            </a:r>
+            <a:r>
+              <a:rPr lang="en-US" sz="1600" dirty="0">
+                <a:solidFill>
+                  <a:srgbClr val="0033B3"/>
+                </a:solidFill>
+                <a:latin typeface="Courier New" panose="02070309020205020404" pitchFamily="49" charset="0"/>
+                <a:cs typeface="Courier New" panose="02070309020205020404" pitchFamily="49" charset="0"/>
+              </a:rPr>
+              <a:t>return</a:t>
+            </a:r>
+            <a:r>
+              <a:rPr lang="en-US" sz="1600" dirty="0">
+                <a:latin typeface="Courier New" panose="02070309020205020404" pitchFamily="49" charset="0"/>
+                <a:cs typeface="Courier New" panose="02070309020205020404" pitchFamily="49" charset="0"/>
+              </a:rPr>
+              <a:t> </a:t>
+            </a:r>
+            <a:r>
+              <a:rPr lang="en-US" sz="1600" dirty="0">
+                <a:solidFill>
+                  <a:srgbClr val="0033B3"/>
+                </a:solidFill>
+                <a:latin typeface="Courier New" panose="02070309020205020404" pitchFamily="49" charset="0"/>
+                <a:cs typeface="Courier New" panose="02070309020205020404" pitchFamily="49" charset="0"/>
+              </a:rPr>
+              <a:t>new</a:t>
+            </a:r>
+            <a:r>
+              <a:rPr lang="en-US" sz="1600" dirty="0">
+                <a:latin typeface="Courier New" panose="02070309020205020404" pitchFamily="49" charset="0"/>
+                <a:cs typeface="Courier New" panose="02070309020205020404" pitchFamily="49" charset="0"/>
+              </a:rPr>
+              <a:t> Person();</a:t>
+            </a:r>
+          </a:p>
+          <a:p>
+            <a:pPr marL="0" indent="0">
+              <a:buNone/>
+            </a:pPr>
+            <a:r>
+              <a:rPr lang="en-US" sz="1600" dirty="0">
+                <a:latin typeface="Courier New" panose="02070309020205020404" pitchFamily="49" charset="0"/>
+                <a:cs typeface="Courier New" panose="02070309020205020404" pitchFamily="49" charset="0"/>
+              </a:rPr>
+              <a:t>}</a:t>
+            </a:r>
+          </a:p>
+          <a:p>
+            <a:endParaRPr lang="en-IL" dirty="0"/>
+          </a:p>
+        </p:txBody>
+      </p:sp>
+      <p:sp>
+        <p:nvSpPr>
+          <p:cNvPr id="4" name="Content Placeholder 3">
+            <a:extLst>
+              <a:ext uri="{FF2B5EF4-FFF2-40B4-BE49-F238E27FC236}">
+                <a16:creationId xmlns:a16="http://schemas.microsoft.com/office/drawing/2014/main" id="{F96CD4F2-B702-9DE4-81BE-E1DCF38351B0}"/>
+              </a:ext>
+            </a:extLst>
+          </p:cNvPr>
+          <p:cNvSpPr>
+            <a:spLocks noGrp="1"/>
+          </p:cNvSpPr>
+          <p:nvPr>
+            <p:ph sz="half" idx="2"/>
+          </p:nvPr>
+        </p:nvSpPr>
+        <p:spPr>
+          <a:xfrm>
+            <a:off x="5089970" y="3644537"/>
+            <a:ext cx="4184034" cy="2396825"/>
+          </a:xfrm>
+          <a:solidFill>
+            <a:schemeClr val="accent1">
+              <a:lumMod val="20000"/>
+              <a:lumOff val="80000"/>
+            </a:schemeClr>
+          </a:solidFill>
+          <a:ln>
+            <a:solidFill>
+              <a:schemeClr val="tx2">
+                <a:lumMod val="75000"/>
+              </a:schemeClr>
+            </a:solidFill>
+          </a:ln>
+        </p:spPr>
+        <p:txBody>
+          <a:bodyPr>
+            <a:normAutofit/>
+          </a:bodyPr>
+          <a:lstStyle/>
+          <a:p>
+            <a:pPr marL="0" indent="0">
+              <a:buNone/>
+            </a:pPr>
+            <a:r>
+              <a:rPr lang="en-US" sz="1600" dirty="0">
+                <a:solidFill>
+                  <a:srgbClr val="9E880D"/>
+                </a:solidFill>
+                <a:latin typeface="Courier New" panose="02070309020205020404" pitchFamily="49" charset="0"/>
+                <a:cs typeface="Courier New" panose="02070309020205020404" pitchFamily="49" charset="0"/>
+              </a:rPr>
+              <a:t>@Bean</a:t>
+            </a:r>
+          </a:p>
+          <a:p>
+            <a:pPr marL="0" indent="0">
+              <a:buNone/>
+            </a:pPr>
+            <a:r>
+              <a:rPr lang="en-US" sz="1600" b="1" dirty="0">
+                <a:solidFill>
+                  <a:srgbClr val="9E880D"/>
+                </a:solidFill>
+                <a:latin typeface="Courier New" panose="02070309020205020404" pitchFamily="49" charset="0"/>
+                <a:cs typeface="Courier New" panose="02070309020205020404" pitchFamily="49" charset="0"/>
+              </a:rPr>
+              <a:t>@Scope("prototype")</a:t>
+            </a:r>
+          </a:p>
+          <a:p>
+            <a:pPr marL="0" indent="0">
+              <a:buNone/>
+            </a:pPr>
+            <a:r>
+              <a:rPr lang="en-US" sz="1600" dirty="0">
+                <a:solidFill>
+                  <a:srgbClr val="0033B3"/>
+                </a:solidFill>
+                <a:latin typeface="Courier New" panose="02070309020205020404" pitchFamily="49" charset="0"/>
+                <a:cs typeface="Courier New" panose="02070309020205020404" pitchFamily="49" charset="0"/>
+              </a:rPr>
+              <a:t>public</a:t>
+            </a:r>
+            <a:r>
+              <a:rPr lang="en-US" sz="1600" dirty="0">
+                <a:latin typeface="Courier New" panose="02070309020205020404" pitchFamily="49" charset="0"/>
+                <a:cs typeface="Courier New" panose="02070309020205020404" pitchFamily="49" charset="0"/>
+              </a:rPr>
+              <a:t> Person </a:t>
+            </a:r>
+            <a:r>
+              <a:rPr lang="en-US" sz="1600" dirty="0" err="1">
+                <a:latin typeface="Courier New" panose="02070309020205020404" pitchFamily="49" charset="0"/>
+                <a:cs typeface="Courier New" panose="02070309020205020404" pitchFamily="49" charset="0"/>
+              </a:rPr>
+              <a:t>personPrototype</a:t>
+            </a:r>
+            <a:r>
+              <a:rPr lang="en-US" sz="1600" dirty="0">
+                <a:latin typeface="Courier New" panose="02070309020205020404" pitchFamily="49" charset="0"/>
+                <a:cs typeface="Courier New" panose="02070309020205020404" pitchFamily="49" charset="0"/>
+              </a:rPr>
+              <a:t>() {</a:t>
+            </a:r>
+          </a:p>
+          <a:p>
+            <a:pPr marL="0" indent="0">
+              <a:buNone/>
+            </a:pPr>
+            <a:r>
+              <a:rPr lang="en-US" sz="1600" dirty="0">
+                <a:latin typeface="Courier New" panose="02070309020205020404" pitchFamily="49" charset="0"/>
+                <a:cs typeface="Courier New" panose="02070309020205020404" pitchFamily="49" charset="0"/>
+              </a:rPr>
+              <a:t>    </a:t>
+            </a:r>
+            <a:r>
+              <a:rPr lang="en-US" sz="1600" dirty="0">
+                <a:solidFill>
+                  <a:srgbClr val="0033B3"/>
+                </a:solidFill>
+                <a:latin typeface="Courier New" panose="02070309020205020404" pitchFamily="49" charset="0"/>
+                <a:cs typeface="Courier New" panose="02070309020205020404" pitchFamily="49" charset="0"/>
+              </a:rPr>
+              <a:t>return</a:t>
+            </a:r>
+            <a:r>
+              <a:rPr lang="en-US" sz="1600" dirty="0">
+                <a:latin typeface="Courier New" panose="02070309020205020404" pitchFamily="49" charset="0"/>
+                <a:cs typeface="Courier New" panose="02070309020205020404" pitchFamily="49" charset="0"/>
+              </a:rPr>
+              <a:t> </a:t>
+            </a:r>
+            <a:r>
+              <a:rPr lang="en-US" sz="1600" dirty="0">
+                <a:solidFill>
+                  <a:srgbClr val="0033B3"/>
+                </a:solidFill>
+                <a:latin typeface="Courier New" panose="02070309020205020404" pitchFamily="49" charset="0"/>
+                <a:cs typeface="Courier New" panose="02070309020205020404" pitchFamily="49" charset="0"/>
+              </a:rPr>
+              <a:t>new</a:t>
+            </a:r>
+            <a:r>
+              <a:rPr lang="en-US" sz="1600" dirty="0">
+                <a:latin typeface="Courier New" panose="02070309020205020404" pitchFamily="49" charset="0"/>
+                <a:cs typeface="Courier New" panose="02070309020205020404" pitchFamily="49" charset="0"/>
+              </a:rPr>
+              <a:t> Person();</a:t>
+            </a:r>
+          </a:p>
+          <a:p>
+            <a:pPr marL="0" indent="0">
+              <a:buNone/>
+            </a:pPr>
+            <a:r>
+              <a:rPr lang="en-US" sz="1600" dirty="0">
+                <a:latin typeface="Courier New" panose="02070309020205020404" pitchFamily="49" charset="0"/>
+                <a:cs typeface="Courier New" panose="02070309020205020404" pitchFamily="49" charset="0"/>
+              </a:rPr>
+              <a:t>}</a:t>
+            </a:r>
+            <a:endParaRPr lang="en-IL" sz="1600" dirty="0">
+              <a:latin typeface="Courier New" panose="02070309020205020404" pitchFamily="49" charset="0"/>
+              <a:cs typeface="Courier New" panose="02070309020205020404" pitchFamily="49" charset="0"/>
+            </a:endParaRPr>
+          </a:p>
+        </p:txBody>
+      </p:sp>
+      <p:sp>
+        <p:nvSpPr>
+          <p:cNvPr id="5" name="Content Placeholder 2">
+            <a:extLst>
+              <a:ext uri="{FF2B5EF4-FFF2-40B4-BE49-F238E27FC236}">
+                <a16:creationId xmlns:a16="http://schemas.microsoft.com/office/drawing/2014/main" id="{A12E938F-43EF-9031-0322-AFFCEE872EC8}"/>
+              </a:ext>
+            </a:extLst>
+          </p:cNvPr>
+          <p:cNvSpPr txBox="1">
+            <a:spLocks/>
+          </p:cNvSpPr>
+          <p:nvPr/>
+        </p:nvSpPr>
+        <p:spPr>
+          <a:xfrm>
+            <a:off x="2325189" y="1488614"/>
+            <a:ext cx="6723017" cy="1724850"/>
+          </a:xfrm>
+          <a:prstGeom prst="rect">
+            <a:avLst/>
+          </a:prstGeom>
+          <a:solidFill>
+            <a:schemeClr val="tx2">
+              <a:lumMod val="20000"/>
+              <a:lumOff val="80000"/>
+            </a:schemeClr>
+          </a:solidFill>
+          <a:ln>
+            <a:solidFill>
+              <a:schemeClr val="tx2">
+                <a:lumMod val="75000"/>
+              </a:schemeClr>
+            </a:solidFill>
+          </a:ln>
+        </p:spPr>
+        <p:txBody>
+          <a:bodyPr vert="horz" lIns="91440" tIns="45720" rIns="91440" bIns="45720" rtlCol="0">
+            <a:normAutofit/>
+          </a:bodyPr>
+          <a:lstStyle>
+            <a:lvl1pPr marL="342900" indent="-342900" algn="l" defTabSz="457200" rtl="0" eaLnBrk="1" latinLnBrk="0" hangingPunct="1">
+              <a:spcBef>
+                <a:spcPts val="1000"/>
+              </a:spcBef>
+              <a:spcAft>
+                <a:spcPts val="0"/>
+              </a:spcAft>
+              <a:buClr>
+                <a:schemeClr val="accent1"/>
+              </a:buClr>
+              <a:buSzPct val="80000"/>
+              <a:buFont typeface="Wingdings 3" charset="2"/>
+              <a:buChar char=""/>
+              <a:defRPr sz="1800" kern="1200">
+                <a:solidFill>
+                  <a:schemeClr val="tx1">
+                    <a:lumMod val="75000"/>
+                    <a:lumOff val="25000"/>
+                  </a:schemeClr>
+                </a:solidFill>
+                <a:latin typeface="+mn-lt"/>
+                <a:ea typeface="+mn-ea"/>
+                <a:cs typeface="+mn-cs"/>
+              </a:defRPr>
+            </a:lvl1pPr>
+            <a:lvl2pPr marL="742950" indent="-285750" algn="l" defTabSz="457200" rtl="0" eaLnBrk="1" latinLnBrk="0" hangingPunct="1">
+              <a:spcBef>
+                <a:spcPts val="1000"/>
+              </a:spcBef>
+              <a:spcAft>
+                <a:spcPts val="0"/>
+              </a:spcAft>
+              <a:buClr>
+                <a:schemeClr val="accent1"/>
+              </a:buClr>
+              <a:buSzPct val="80000"/>
+              <a:buFont typeface="Wingdings 3" charset="2"/>
+              <a:buChar char=""/>
+              <a:defRPr sz="1600" kern="1200">
+                <a:solidFill>
+                  <a:schemeClr val="tx1">
+                    <a:lumMod val="75000"/>
+                    <a:lumOff val="25000"/>
+                  </a:schemeClr>
+                </a:solidFill>
+                <a:latin typeface="+mn-lt"/>
+                <a:ea typeface="+mn-ea"/>
+                <a:cs typeface="+mn-cs"/>
+              </a:defRPr>
+            </a:lvl2pPr>
+            <a:lvl3pPr marL="1143000" indent="-228600" algn="l" defTabSz="457200" rtl="0" eaLnBrk="1" latinLnBrk="0" hangingPunct="1">
+              <a:spcBef>
+                <a:spcPts val="1000"/>
+              </a:spcBef>
+              <a:spcAft>
+                <a:spcPts val="0"/>
+              </a:spcAft>
+              <a:buClr>
+                <a:schemeClr val="accent1"/>
+              </a:buClr>
+              <a:buSzPct val="80000"/>
+              <a:buFont typeface="Wingdings 3" charset="2"/>
+              <a:buChar char=""/>
+              <a:defRPr sz="1400" kern="1200">
+                <a:solidFill>
+                  <a:schemeClr val="tx1">
+                    <a:lumMod val="75000"/>
+                    <a:lumOff val="25000"/>
+                  </a:schemeClr>
+                </a:solidFill>
+                <a:latin typeface="+mn-lt"/>
+                <a:ea typeface="+mn-ea"/>
+                <a:cs typeface="+mn-cs"/>
+              </a:defRPr>
+            </a:lvl3pPr>
+            <a:lvl4pPr marL="1600200" indent="-228600" algn="l" defTabSz="457200" rtl="0" eaLnBrk="1" latinLnBrk="0" hangingPunct="1">
+              <a:spcBef>
+                <a:spcPts val="1000"/>
+              </a:spcBef>
+              <a:spcAft>
+                <a:spcPts val="0"/>
+              </a:spcAft>
+              <a:buClr>
+                <a:schemeClr val="accent1"/>
+              </a:buClr>
+              <a:buSzPct val="80000"/>
+              <a:buFont typeface="Wingdings 3" charset="2"/>
+              <a:buChar char=""/>
+              <a:defRPr sz="1200" kern="1200">
+                <a:solidFill>
+                  <a:schemeClr val="tx1">
+                    <a:lumMod val="75000"/>
+                    <a:lumOff val="25000"/>
+                  </a:schemeClr>
+                </a:solidFill>
+                <a:latin typeface="+mn-lt"/>
+                <a:ea typeface="+mn-ea"/>
+                <a:cs typeface="+mn-cs"/>
+              </a:defRPr>
+            </a:lvl4pPr>
+            <a:lvl5pPr marL="2057400" indent="-228600" algn="l" defTabSz="457200" rtl="0" eaLnBrk="1" latinLnBrk="0" hangingPunct="1">
+              <a:spcBef>
+                <a:spcPts val="1000"/>
+              </a:spcBef>
+              <a:spcAft>
+                <a:spcPts val="0"/>
+              </a:spcAft>
+              <a:buClr>
+                <a:schemeClr val="accent1"/>
+              </a:buClr>
+              <a:buSzPct val="80000"/>
+              <a:buFont typeface="Wingdings 3" charset="2"/>
+              <a:buChar char=""/>
+              <a:defRPr sz="1200" kern="1200">
+                <a:solidFill>
+                  <a:schemeClr val="tx1">
+                    <a:lumMod val="75000"/>
+                    <a:lumOff val="25000"/>
+                  </a:schemeClr>
+                </a:solidFill>
+                <a:latin typeface="+mn-lt"/>
+                <a:ea typeface="+mn-ea"/>
+                <a:cs typeface="+mn-cs"/>
+              </a:defRPr>
+            </a:lvl5pPr>
+            <a:lvl6pPr marL="2514600" indent="-228600" algn="l" defTabSz="457200" rtl="0" eaLnBrk="1" latinLnBrk="0" hangingPunct="1">
+              <a:spcBef>
+                <a:spcPts val="1000"/>
+              </a:spcBef>
+              <a:spcAft>
+                <a:spcPts val="0"/>
+              </a:spcAft>
+              <a:buClr>
+                <a:schemeClr val="accent1"/>
+              </a:buClr>
+              <a:buSzPct val="80000"/>
+              <a:buFont typeface="Wingdings 3" charset="2"/>
+              <a:buChar char=""/>
+              <a:defRPr sz="1200" kern="1200">
+                <a:solidFill>
+                  <a:schemeClr val="tx1">
+                    <a:lumMod val="75000"/>
+                    <a:lumOff val="25000"/>
+                  </a:schemeClr>
+                </a:solidFill>
+                <a:latin typeface="+mn-lt"/>
+                <a:ea typeface="+mn-ea"/>
+                <a:cs typeface="+mn-cs"/>
+              </a:defRPr>
+            </a:lvl6pPr>
+            <a:lvl7pPr marL="2971800" indent="-228600" algn="l" defTabSz="457200" rtl="0" eaLnBrk="1" latinLnBrk="0" hangingPunct="1">
+              <a:spcBef>
+                <a:spcPts val="1000"/>
+              </a:spcBef>
+              <a:spcAft>
+                <a:spcPts val="0"/>
+              </a:spcAft>
+              <a:buClr>
+                <a:schemeClr val="accent1"/>
+              </a:buClr>
+              <a:buSzPct val="80000"/>
+              <a:buFont typeface="Wingdings 3" charset="2"/>
+              <a:buChar char=""/>
+              <a:defRPr sz="1200" kern="1200">
+                <a:solidFill>
+                  <a:schemeClr val="tx1">
+                    <a:lumMod val="75000"/>
+                    <a:lumOff val="25000"/>
+                  </a:schemeClr>
+                </a:solidFill>
+                <a:latin typeface="+mn-lt"/>
+                <a:ea typeface="+mn-ea"/>
+                <a:cs typeface="+mn-cs"/>
+              </a:defRPr>
+            </a:lvl7pPr>
+            <a:lvl8pPr marL="3429000" indent="-228600" algn="l" defTabSz="457200" rtl="0" eaLnBrk="1" latinLnBrk="0" hangingPunct="1">
+              <a:spcBef>
+                <a:spcPts val="1000"/>
+              </a:spcBef>
+              <a:spcAft>
+                <a:spcPts val="0"/>
+              </a:spcAft>
+              <a:buClr>
+                <a:schemeClr val="accent1"/>
+              </a:buClr>
+              <a:buSzPct val="80000"/>
+              <a:buFont typeface="Wingdings 3" charset="2"/>
+              <a:buChar char=""/>
+              <a:defRPr sz="1200" kern="1200">
+                <a:solidFill>
+                  <a:schemeClr val="tx1">
+                    <a:lumMod val="75000"/>
+                    <a:lumOff val="25000"/>
+                  </a:schemeClr>
+                </a:solidFill>
+                <a:latin typeface="+mn-lt"/>
+                <a:ea typeface="+mn-ea"/>
+                <a:cs typeface="+mn-cs"/>
+              </a:defRPr>
+            </a:lvl8pPr>
+            <a:lvl9pPr marL="3886200" indent="-228600" algn="l" defTabSz="457200" rtl="0" eaLnBrk="1" latinLnBrk="0" hangingPunct="1">
+              <a:spcBef>
+                <a:spcPts val="1000"/>
+              </a:spcBef>
+              <a:spcAft>
+                <a:spcPts val="0"/>
+              </a:spcAft>
+              <a:buClr>
+                <a:schemeClr val="accent1"/>
+              </a:buClr>
+              <a:buSzPct val="80000"/>
+              <a:buFont typeface="Wingdings 3" charset="2"/>
+              <a:buChar char=""/>
+              <a:defRPr sz="1200" kern="1200">
+                <a:solidFill>
+                  <a:schemeClr val="tx1">
+                    <a:lumMod val="75000"/>
+                    <a:lumOff val="25000"/>
+                  </a:schemeClr>
+                </a:solidFill>
+                <a:latin typeface="+mn-lt"/>
+                <a:ea typeface="+mn-ea"/>
+                <a:cs typeface="+mn-cs"/>
+              </a:defRPr>
+            </a:lvl9pPr>
+          </a:lstStyle>
+          <a:p>
+            <a:pPr marL="0" indent="0">
+              <a:buFont typeface="Wingdings 3" charset="2"/>
+              <a:buNone/>
+            </a:pPr>
+            <a:r>
+              <a:rPr lang="en-US" sz="1600" dirty="0">
+                <a:solidFill>
+                  <a:srgbClr val="0033B3"/>
+                </a:solidFill>
+                <a:latin typeface="Courier New" panose="02070309020205020404" pitchFamily="49" charset="0"/>
+                <a:cs typeface="Courier New" panose="02070309020205020404" pitchFamily="49" charset="0"/>
+              </a:rPr>
+              <a:t>public</a:t>
+            </a:r>
+            <a:r>
+              <a:rPr lang="en-US" sz="1600" dirty="0">
+                <a:latin typeface="Courier New" panose="02070309020205020404" pitchFamily="49" charset="0"/>
+                <a:cs typeface="Courier New" panose="02070309020205020404" pitchFamily="49" charset="0"/>
+              </a:rPr>
+              <a:t> </a:t>
+            </a:r>
+            <a:r>
+              <a:rPr lang="en-US" sz="1600" dirty="0">
+                <a:solidFill>
+                  <a:srgbClr val="0033B3"/>
+                </a:solidFill>
+                <a:latin typeface="Courier New" panose="02070309020205020404" pitchFamily="49" charset="0"/>
+                <a:cs typeface="Courier New" panose="02070309020205020404" pitchFamily="49" charset="0"/>
+              </a:rPr>
+              <a:t>class</a:t>
+            </a:r>
+            <a:r>
+              <a:rPr lang="en-US" sz="1600" dirty="0">
+                <a:latin typeface="Courier New" panose="02070309020205020404" pitchFamily="49" charset="0"/>
+                <a:cs typeface="Courier New" panose="02070309020205020404" pitchFamily="49" charset="0"/>
+              </a:rPr>
+              <a:t> </a:t>
+            </a:r>
+            <a:r>
+              <a:rPr lang="en-US" sz="1600" b="1" dirty="0">
+                <a:latin typeface="Courier New" panose="02070309020205020404" pitchFamily="49" charset="0"/>
+                <a:cs typeface="Courier New" panose="02070309020205020404" pitchFamily="49" charset="0"/>
+              </a:rPr>
+              <a:t>Person</a:t>
+            </a:r>
+            <a:r>
+              <a:rPr lang="en-US" sz="1600" dirty="0">
+                <a:latin typeface="Courier New" panose="02070309020205020404" pitchFamily="49" charset="0"/>
+                <a:cs typeface="Courier New" panose="02070309020205020404" pitchFamily="49" charset="0"/>
+              </a:rPr>
+              <a:t> {</a:t>
+            </a:r>
+          </a:p>
+          <a:p>
+            <a:pPr marL="0" indent="0">
+              <a:buFont typeface="Wingdings 3" charset="2"/>
+              <a:buNone/>
+            </a:pPr>
+            <a:r>
+              <a:rPr lang="en-US" sz="1600" dirty="0">
+                <a:latin typeface="Courier New" panose="02070309020205020404" pitchFamily="49" charset="0"/>
+                <a:cs typeface="Courier New" panose="02070309020205020404" pitchFamily="49" charset="0"/>
+              </a:rPr>
+              <a:t>    </a:t>
+            </a:r>
+            <a:r>
+              <a:rPr lang="en-US" sz="1600" dirty="0">
+                <a:solidFill>
+                  <a:srgbClr val="0033B3"/>
+                </a:solidFill>
+                <a:latin typeface="Courier New" panose="02070309020205020404" pitchFamily="49" charset="0"/>
+                <a:cs typeface="Courier New" panose="02070309020205020404" pitchFamily="49" charset="0"/>
+              </a:rPr>
+              <a:t>private</a:t>
+            </a:r>
+            <a:r>
+              <a:rPr lang="en-US" sz="1600" dirty="0">
+                <a:latin typeface="Courier New" panose="02070309020205020404" pitchFamily="49" charset="0"/>
+                <a:cs typeface="Courier New" panose="02070309020205020404" pitchFamily="49" charset="0"/>
+              </a:rPr>
+              <a:t> String name;</a:t>
+            </a:r>
+          </a:p>
+          <a:p>
+            <a:pPr marL="0" indent="0">
+              <a:buFont typeface="Wingdings 3" charset="2"/>
+              <a:buNone/>
+            </a:pPr>
+            <a:r>
+              <a:rPr lang="en-US" sz="1600" dirty="0">
+                <a:latin typeface="Courier New" panose="02070309020205020404" pitchFamily="49" charset="0"/>
+                <a:cs typeface="Courier New" panose="02070309020205020404" pitchFamily="49" charset="0"/>
+              </a:rPr>
+              <a:t>    // code</a:t>
+            </a:r>
+          </a:p>
+          <a:p>
+            <a:pPr marL="0" indent="0">
+              <a:buFont typeface="Wingdings 3" charset="2"/>
+              <a:buNone/>
+            </a:pPr>
+            <a:r>
+              <a:rPr lang="en-US" sz="1600" dirty="0">
+                <a:latin typeface="Courier New" panose="02070309020205020404" pitchFamily="49" charset="0"/>
+                <a:cs typeface="Courier New" panose="02070309020205020404" pitchFamily="49" charset="0"/>
+              </a:rPr>
+              <a:t>}</a:t>
+            </a:r>
+          </a:p>
+        </p:txBody>
+      </p:sp>
+    </p:spTree>
+    <p:extLst>
+      <p:ext uri="{BB962C8B-B14F-4D97-AF65-F5344CB8AC3E}">
+        <p14:creationId xmlns:p14="http://schemas.microsoft.com/office/powerpoint/2010/main" val="1370542685"/>
+      </p:ext>
+    </p:extLst>
+  </p:cSld>
+  <p:clrMapOvr>
+    <a:masterClrMapping/>
+  </p:clrMapOvr>
+</p:sld>
+</file>
+
+<file path=ppt/slides/slide56.xml><?xml version="1.0" encoding="utf-8"?>
+<p:sld xmlns:a="http://schemas.openxmlformats.org/drawingml/2006/main" xmlns:r="http://schemas.openxmlformats.org/officeDocument/2006/relationships" xmlns:p="http://schemas.openxmlformats.org/presentationml/2006/main">
+  <p:cSld>
+    <p:spTree>
+      <p:nvGrpSpPr>
+        <p:cNvPr id="1" name=""/>
+        <p:cNvGrpSpPr/>
+        <p:nvPr/>
+      </p:nvGrpSpPr>
+      <p:grpSpPr>
+        <a:xfrm>
+          <a:off x="0" y="0"/>
+          <a:ext cx="0" cy="0"/>
+          <a:chOff x="0" y="0"/>
+          <a:chExt cx="0" cy="0"/>
+        </a:xfrm>
+      </p:grpSpPr>
+      <p:sp>
+        <p:nvSpPr>
+          <p:cNvPr id="2" name="Title 1">
+            <a:extLst>
+              <a:ext uri="{FF2B5EF4-FFF2-40B4-BE49-F238E27FC236}">
+                <a16:creationId xmlns:a16="http://schemas.microsoft.com/office/drawing/2014/main" id="{3A484837-F5FC-7A73-CF6F-7D657EEDAE2D}"/>
+              </a:ext>
+            </a:extLst>
+          </p:cNvPr>
+          <p:cNvSpPr>
+            <a:spLocks noGrp="1"/>
+          </p:cNvSpPr>
+          <p:nvPr>
+            <p:ph type="title"/>
+          </p:nvPr>
+        </p:nvSpPr>
+        <p:spPr>
+          <a:xfrm>
+            <a:off x="677334" y="609600"/>
+            <a:ext cx="8596668" cy="1105989"/>
+          </a:xfrm>
+        </p:spPr>
+        <p:txBody>
+          <a:bodyPr/>
+          <a:lstStyle/>
+          <a:p>
+            <a:r>
+              <a:rPr lang="en-IL" dirty="0"/>
+              <a:t>Part 2: Spring Collections</a:t>
+            </a:r>
+          </a:p>
+        </p:txBody>
+      </p:sp>
+      <p:sp>
+        <p:nvSpPr>
+          <p:cNvPr id="3" name="Content Placeholder 2">
+            <a:extLst>
+              <a:ext uri="{FF2B5EF4-FFF2-40B4-BE49-F238E27FC236}">
+                <a16:creationId xmlns:a16="http://schemas.microsoft.com/office/drawing/2014/main" id="{5EA3FF13-2588-99DE-8909-AB06DBA26E77}"/>
+              </a:ext>
+            </a:extLst>
+          </p:cNvPr>
+          <p:cNvSpPr>
+            <a:spLocks noGrp="1"/>
+          </p:cNvSpPr>
+          <p:nvPr>
+            <p:ph idx="1"/>
+          </p:nvPr>
+        </p:nvSpPr>
+        <p:spPr>
+          <a:xfrm>
+            <a:off x="677334" y="2011680"/>
+            <a:ext cx="8596668" cy="4236720"/>
+          </a:xfrm>
+        </p:spPr>
+        <p:txBody>
+          <a:bodyPr/>
+          <a:lstStyle/>
+          <a:p>
+            <a:r>
+              <a:rPr lang="en-US" sz="2400" dirty="0"/>
+              <a:t>Spring supports the automatic definition of various collections:</a:t>
+            </a:r>
+          </a:p>
+          <a:p>
+            <a:pPr marL="285750" indent="-285750">
+              <a:buFont typeface="Arial" panose="020B0604020202020204" pitchFamily="34" charset="0"/>
+              <a:buChar char="•"/>
+            </a:pPr>
+            <a:r>
+              <a:rPr lang="en-US" sz="2400" dirty="0">
+                <a:solidFill>
+                  <a:srgbClr val="0000FF"/>
+                </a:solidFill>
+              </a:rPr>
+              <a:t>List</a:t>
+            </a:r>
+            <a:r>
+              <a:rPr lang="en-US" sz="2400" dirty="0"/>
+              <a:t> (concrete class: </a:t>
+            </a:r>
+            <a:r>
+              <a:rPr lang="en-US" sz="2400" dirty="0" err="1">
+                <a:solidFill>
+                  <a:srgbClr val="0000FF"/>
+                </a:solidFill>
+              </a:rPr>
+              <a:t>ArrayList</a:t>
+            </a:r>
+            <a:r>
+              <a:rPr lang="en-US" sz="2400" dirty="0"/>
+              <a:t>)</a:t>
+            </a:r>
+          </a:p>
+          <a:p>
+            <a:pPr marL="285750" indent="-285750">
+              <a:buFont typeface="Arial" panose="020B0604020202020204" pitchFamily="34" charset="0"/>
+              <a:buChar char="•"/>
+            </a:pPr>
+            <a:r>
+              <a:rPr lang="en-US" sz="2400" dirty="0">
+                <a:solidFill>
+                  <a:srgbClr val="0000FF"/>
+                </a:solidFill>
+              </a:rPr>
+              <a:t>Set</a:t>
+            </a:r>
+            <a:r>
+              <a:rPr lang="en-US" sz="2400" dirty="0"/>
+              <a:t> (concrete class: </a:t>
+            </a:r>
+            <a:r>
+              <a:rPr lang="en-US" sz="2400" dirty="0">
+                <a:solidFill>
+                  <a:srgbClr val="0000FF"/>
+                </a:solidFill>
+              </a:rPr>
+              <a:t>HashSet</a:t>
+            </a:r>
+            <a:r>
+              <a:rPr lang="en-US" sz="2400" dirty="0"/>
+              <a:t>)</a:t>
+            </a:r>
+          </a:p>
+          <a:p>
+            <a:pPr marL="285750" indent="-285750">
+              <a:buFont typeface="Arial" panose="020B0604020202020204" pitchFamily="34" charset="0"/>
+              <a:buChar char="•"/>
+            </a:pPr>
+            <a:r>
+              <a:rPr lang="en-US" sz="2400" dirty="0">
+                <a:solidFill>
+                  <a:srgbClr val="0000FF"/>
+                </a:solidFill>
+              </a:rPr>
+              <a:t>Map</a:t>
+            </a:r>
+            <a:r>
+              <a:rPr lang="en-US" sz="2400" dirty="0"/>
+              <a:t> (concrete class: </a:t>
+            </a:r>
+            <a:r>
+              <a:rPr lang="en-US" sz="2400" dirty="0" err="1">
+                <a:solidFill>
+                  <a:srgbClr val="0000FF"/>
+                </a:solidFill>
+              </a:rPr>
+              <a:t>TreeMap</a:t>
+            </a:r>
+            <a:r>
+              <a:rPr lang="en-US" sz="2400" dirty="0"/>
+              <a:t>)</a:t>
+            </a:r>
+          </a:p>
+          <a:p>
+            <a:pPr marL="285750" indent="-285750">
+              <a:buFont typeface="Arial" panose="020B0604020202020204" pitchFamily="34" charset="0"/>
+              <a:buChar char="•"/>
+            </a:pPr>
+            <a:r>
+              <a:rPr lang="en-US" sz="2400" dirty="0">
+                <a:solidFill>
+                  <a:srgbClr val="0000FF"/>
+                </a:solidFill>
+              </a:rPr>
+              <a:t>Properties</a:t>
+            </a:r>
+            <a:r>
+              <a:rPr lang="en-US" sz="2400" dirty="0"/>
+              <a:t> (concrete class: </a:t>
+            </a:r>
+            <a:r>
+              <a:rPr lang="en-US" sz="2400" dirty="0">
+                <a:solidFill>
+                  <a:srgbClr val="0000FF"/>
+                </a:solidFill>
+              </a:rPr>
+              <a:t>Properties</a:t>
+            </a:r>
+            <a:r>
+              <a:rPr lang="en-US" sz="2400" dirty="0"/>
+              <a:t>)</a:t>
+            </a:r>
+          </a:p>
+          <a:p>
+            <a:endParaRPr lang="en-IL" dirty="0"/>
+          </a:p>
+        </p:txBody>
+      </p:sp>
+    </p:spTree>
+    <p:extLst>
+      <p:ext uri="{BB962C8B-B14F-4D97-AF65-F5344CB8AC3E}">
+        <p14:creationId xmlns:p14="http://schemas.microsoft.com/office/powerpoint/2010/main" val="2644415493"/>
+      </p:ext>
+    </p:extLst>
+  </p:cSld>
+  <p:clrMapOvr>
+    <a:masterClrMapping/>
+  </p:clrMapOvr>
+</p:sld>
+</file>
+
+<file path=ppt/slides/slide57.xml><?xml version="1.0" encoding="utf-8"?>
+<p:sld xmlns:a="http://schemas.openxmlformats.org/drawingml/2006/main" xmlns:r="http://schemas.openxmlformats.org/officeDocument/2006/relationships" xmlns:p="http://schemas.openxmlformats.org/presentationml/2006/main">
+  <p:cSld>
+    <p:spTree>
+      <p:nvGrpSpPr>
+        <p:cNvPr id="1" name=""/>
+        <p:cNvGrpSpPr/>
+        <p:nvPr/>
+      </p:nvGrpSpPr>
+      <p:grpSpPr>
+        <a:xfrm>
+          <a:off x="0" y="0"/>
+          <a:ext cx="0" cy="0"/>
+          <a:chOff x="0" y="0"/>
+          <a:chExt cx="0" cy="0"/>
+        </a:xfrm>
+      </p:grpSpPr>
+      <p:sp>
+        <p:nvSpPr>
+          <p:cNvPr id="2" name="Title 1">
+            <a:extLst>
+              <a:ext uri="{FF2B5EF4-FFF2-40B4-BE49-F238E27FC236}">
+                <a16:creationId xmlns:a16="http://schemas.microsoft.com/office/drawing/2014/main" id="{736C9E29-30C0-8292-ECAB-5B9768ED0420}"/>
+              </a:ext>
+            </a:extLst>
+          </p:cNvPr>
+          <p:cNvSpPr>
+            <a:spLocks noGrp="1"/>
+          </p:cNvSpPr>
+          <p:nvPr>
+            <p:ph type="title"/>
+          </p:nvPr>
+        </p:nvSpPr>
+        <p:spPr/>
+        <p:txBody>
+          <a:bodyPr/>
+          <a:lstStyle/>
+          <a:p>
+            <a:r>
+              <a:rPr lang="en-IL" dirty="0"/>
+              <a:t>Spring collections: example</a:t>
+            </a:r>
+          </a:p>
+        </p:txBody>
+      </p:sp>
+      <p:sp>
+        <p:nvSpPr>
+          <p:cNvPr id="3" name="Content Placeholder 2">
+            <a:extLst>
+              <a:ext uri="{FF2B5EF4-FFF2-40B4-BE49-F238E27FC236}">
+                <a16:creationId xmlns:a16="http://schemas.microsoft.com/office/drawing/2014/main" id="{4D9628E9-84F2-8ED3-EBAF-E11891205BB2}"/>
+              </a:ext>
+            </a:extLst>
+          </p:cNvPr>
+          <p:cNvSpPr>
+            <a:spLocks noGrp="1"/>
+          </p:cNvSpPr>
+          <p:nvPr>
+            <p:ph idx="1"/>
+          </p:nvPr>
+        </p:nvSpPr>
+        <p:spPr>
+          <a:xfrm>
+            <a:off x="677334" y="1428207"/>
+            <a:ext cx="8596668" cy="4613156"/>
+          </a:xfrm>
+          <a:solidFill>
+            <a:schemeClr val="tx2">
+              <a:lumMod val="20000"/>
+              <a:lumOff val="80000"/>
+            </a:schemeClr>
+          </a:solidFill>
+          <a:ln>
+            <a:solidFill>
+              <a:schemeClr val="tx2">
+                <a:lumMod val="75000"/>
+              </a:schemeClr>
+            </a:solidFill>
+          </a:ln>
+        </p:spPr>
+        <p:txBody>
+          <a:bodyPr>
+            <a:normAutofit fontScale="92500" lnSpcReduction="20000"/>
+          </a:bodyPr>
+          <a:lstStyle/>
+          <a:p>
+            <a:pPr marL="0" indent="0">
+              <a:buNone/>
+            </a:pPr>
+            <a:r>
+              <a:rPr lang="en-US" dirty="0">
+                <a:solidFill>
+                  <a:srgbClr val="9E880D"/>
+                </a:solidFill>
+                <a:effectLst/>
+                <a:latin typeface="Courier New" panose="02070309020205020404" pitchFamily="49" charset="0"/>
+                <a:cs typeface="Courier New" panose="02070309020205020404" pitchFamily="49" charset="0"/>
+              </a:rPr>
+              <a:t>@Configuration</a:t>
+            </a:r>
+            <a:br>
+              <a:rPr lang="en-US" dirty="0">
+                <a:solidFill>
+                  <a:srgbClr val="9E880D"/>
+                </a:solidFill>
+                <a:effectLst/>
+                <a:latin typeface="Courier New" panose="02070309020205020404" pitchFamily="49" charset="0"/>
+                <a:cs typeface="Courier New" panose="02070309020205020404" pitchFamily="49" charset="0"/>
+              </a:rPr>
+            </a:br>
+            <a:r>
+              <a:rPr lang="en-US" dirty="0">
+                <a:solidFill>
+                  <a:srgbClr val="0033B3"/>
+                </a:solidFill>
+                <a:effectLst/>
+                <a:latin typeface="Courier New" panose="02070309020205020404" pitchFamily="49" charset="0"/>
+                <a:cs typeface="Courier New" panose="02070309020205020404" pitchFamily="49" charset="0"/>
+              </a:rPr>
+              <a:t>public class </a:t>
+            </a:r>
+            <a:r>
+              <a:rPr lang="en-US" dirty="0" err="1">
+                <a:solidFill>
+                  <a:srgbClr val="000000"/>
+                </a:solidFill>
+                <a:effectLst/>
+                <a:latin typeface="Courier New" panose="02070309020205020404" pitchFamily="49" charset="0"/>
+                <a:cs typeface="Courier New" panose="02070309020205020404" pitchFamily="49" charset="0"/>
+              </a:rPr>
+              <a:t>CollectionsConfig</a:t>
+            </a:r>
+            <a:r>
+              <a:rPr lang="en-US" dirty="0">
+                <a:solidFill>
+                  <a:srgbClr val="000000"/>
+                </a:solidFill>
+                <a:effectLst/>
+                <a:latin typeface="Courier New" panose="02070309020205020404" pitchFamily="49" charset="0"/>
+                <a:cs typeface="Courier New" panose="02070309020205020404" pitchFamily="49" charset="0"/>
+              </a:rPr>
+              <a:t> </a:t>
+            </a:r>
+            <a:r>
+              <a:rPr lang="en-US" dirty="0">
+                <a:latin typeface="Courier New" panose="02070309020205020404" pitchFamily="49" charset="0"/>
+                <a:cs typeface="Courier New" panose="02070309020205020404" pitchFamily="49" charset="0"/>
+              </a:rPr>
+              <a:t>{</a:t>
+            </a:r>
+            <a:br>
+              <a:rPr lang="en-US" dirty="0">
+                <a:latin typeface="Courier New" panose="02070309020205020404" pitchFamily="49" charset="0"/>
+                <a:cs typeface="Courier New" panose="02070309020205020404" pitchFamily="49" charset="0"/>
+              </a:rPr>
+            </a:br>
+            <a:br>
+              <a:rPr lang="en-US" dirty="0">
+                <a:latin typeface="Courier New" panose="02070309020205020404" pitchFamily="49" charset="0"/>
+                <a:cs typeface="Courier New" panose="02070309020205020404" pitchFamily="49" charset="0"/>
+              </a:rPr>
+            </a:br>
+            <a:r>
+              <a:rPr lang="en-US" dirty="0">
+                <a:latin typeface="Courier New" panose="02070309020205020404" pitchFamily="49" charset="0"/>
+                <a:cs typeface="Courier New" panose="02070309020205020404" pitchFamily="49" charset="0"/>
+              </a:rPr>
+              <a:t>    </a:t>
+            </a:r>
+            <a:r>
+              <a:rPr lang="en-US" dirty="0">
+                <a:solidFill>
+                  <a:srgbClr val="9E880D"/>
+                </a:solidFill>
+                <a:effectLst/>
+                <a:latin typeface="Courier New" panose="02070309020205020404" pitchFamily="49" charset="0"/>
+                <a:cs typeface="Courier New" panose="02070309020205020404" pitchFamily="49" charset="0"/>
+              </a:rPr>
+              <a:t>@Bean</a:t>
+            </a:r>
+            <a:br>
+              <a:rPr lang="en-US" dirty="0">
+                <a:solidFill>
+                  <a:srgbClr val="9E880D"/>
+                </a:solidFill>
+                <a:effectLst/>
+                <a:latin typeface="Courier New" panose="02070309020205020404" pitchFamily="49" charset="0"/>
+                <a:cs typeface="Courier New" panose="02070309020205020404" pitchFamily="49" charset="0"/>
+              </a:rPr>
+            </a:br>
+            <a:r>
+              <a:rPr lang="en-US" dirty="0">
+                <a:solidFill>
+                  <a:srgbClr val="9E880D"/>
+                </a:solidFill>
+                <a:effectLst/>
+                <a:latin typeface="Courier New" panose="02070309020205020404" pitchFamily="49" charset="0"/>
+                <a:cs typeface="Courier New" panose="02070309020205020404" pitchFamily="49" charset="0"/>
+              </a:rPr>
+              <a:t>    </a:t>
+            </a:r>
+            <a:r>
+              <a:rPr lang="en-US" dirty="0">
+                <a:solidFill>
+                  <a:srgbClr val="0033B3"/>
+                </a:solidFill>
+                <a:effectLst/>
+                <a:latin typeface="Courier New" panose="02070309020205020404" pitchFamily="49" charset="0"/>
+                <a:cs typeface="Courier New" panose="02070309020205020404" pitchFamily="49" charset="0"/>
+              </a:rPr>
+              <a:t>public </a:t>
+            </a:r>
+            <a:r>
+              <a:rPr lang="en-US" dirty="0">
+                <a:solidFill>
+                  <a:srgbClr val="000000"/>
+                </a:solidFill>
+                <a:effectLst/>
+                <a:latin typeface="Courier New" panose="02070309020205020404" pitchFamily="49" charset="0"/>
+                <a:cs typeface="Courier New" panose="02070309020205020404" pitchFamily="49" charset="0"/>
+              </a:rPr>
+              <a:t>List</a:t>
+            </a:r>
+            <a:r>
+              <a:rPr lang="en-US" dirty="0">
+                <a:latin typeface="Courier New" panose="02070309020205020404" pitchFamily="49" charset="0"/>
+                <a:cs typeface="Courier New" panose="02070309020205020404" pitchFamily="49" charset="0"/>
+              </a:rPr>
+              <a:t>&lt;</a:t>
+            </a:r>
+            <a:r>
+              <a:rPr lang="en-US" dirty="0" err="1">
+                <a:solidFill>
+                  <a:srgbClr val="000000"/>
+                </a:solidFill>
+                <a:effectLst/>
+                <a:latin typeface="Courier New" panose="02070309020205020404" pitchFamily="49" charset="0"/>
+                <a:cs typeface="Courier New" panose="02070309020205020404" pitchFamily="49" charset="0"/>
+              </a:rPr>
+              <a:t>MyComponent</a:t>
+            </a:r>
+            <a:r>
+              <a:rPr lang="en-US" dirty="0">
+                <a:latin typeface="Courier New" panose="02070309020205020404" pitchFamily="49" charset="0"/>
+                <a:cs typeface="Courier New" panose="02070309020205020404" pitchFamily="49" charset="0"/>
+              </a:rPr>
+              <a:t>&gt; </a:t>
+            </a:r>
+            <a:r>
+              <a:rPr lang="en-US" dirty="0" err="1">
+                <a:solidFill>
+                  <a:srgbClr val="00627A"/>
+                </a:solidFill>
+                <a:effectLst/>
+                <a:latin typeface="Courier New" panose="02070309020205020404" pitchFamily="49" charset="0"/>
+                <a:cs typeface="Courier New" panose="02070309020205020404" pitchFamily="49" charset="0"/>
+              </a:rPr>
+              <a:t>componentsList</a:t>
+            </a:r>
+            <a:r>
+              <a:rPr lang="en-US" dirty="0">
+                <a:latin typeface="Courier New" panose="02070309020205020404" pitchFamily="49" charset="0"/>
+                <a:cs typeface="Courier New" panose="02070309020205020404" pitchFamily="49" charset="0"/>
+              </a:rPr>
+              <a:t>() {</a:t>
+            </a:r>
+          </a:p>
+          <a:p>
+            <a:pPr marL="0" indent="0">
+              <a:buNone/>
+            </a:pPr>
+            <a:r>
+              <a:rPr lang="en-US" dirty="0">
+                <a:latin typeface="Courier New" panose="02070309020205020404" pitchFamily="49" charset="0"/>
+                <a:cs typeface="Courier New" panose="02070309020205020404" pitchFamily="49" charset="0"/>
+              </a:rPr>
+              <a:t>		</a:t>
+            </a:r>
+            <a:r>
+              <a:rPr lang="en-US" dirty="0">
+                <a:solidFill>
+                  <a:srgbClr val="0033B3"/>
+                </a:solidFill>
+                <a:latin typeface="Courier New" panose="02070309020205020404" pitchFamily="49" charset="0"/>
+                <a:cs typeface="Courier New" panose="02070309020205020404" pitchFamily="49" charset="0"/>
+              </a:rPr>
+              <a:t>return</a:t>
+            </a:r>
+            <a:r>
+              <a:rPr lang="en-US" dirty="0">
+                <a:latin typeface="Courier New" panose="02070309020205020404" pitchFamily="49" charset="0"/>
+                <a:cs typeface="Courier New" panose="02070309020205020404" pitchFamily="49" charset="0"/>
+              </a:rPr>
+              <a:t> </a:t>
+            </a:r>
+            <a:r>
+              <a:rPr lang="en-US" dirty="0" err="1">
+                <a:latin typeface="Courier New" panose="02070309020205020404" pitchFamily="49" charset="0"/>
+                <a:cs typeface="Courier New" panose="02070309020205020404" pitchFamily="49" charset="0"/>
+              </a:rPr>
+              <a:t>Array.asList</a:t>
+            </a:r>
+            <a:r>
+              <a:rPr lang="en-US" dirty="0">
+                <a:latin typeface="Courier New" panose="02070309020205020404" pitchFamily="49" charset="0"/>
+                <a:cs typeface="Courier New" panose="02070309020205020404" pitchFamily="49" charset="0"/>
+              </a:rPr>
+              <a:t>(</a:t>
+            </a:r>
+            <a:r>
+              <a:rPr lang="en-US" dirty="0">
+                <a:solidFill>
+                  <a:srgbClr val="0033B3"/>
+                </a:solidFill>
+                <a:latin typeface="Courier New" panose="02070309020205020404" pitchFamily="49" charset="0"/>
+                <a:cs typeface="Courier New" panose="02070309020205020404" pitchFamily="49" charset="0"/>
+              </a:rPr>
+              <a:t>new</a:t>
+            </a:r>
+            <a:r>
+              <a:rPr lang="en-US" dirty="0">
+                <a:latin typeface="Courier New" panose="02070309020205020404" pitchFamily="49" charset="0"/>
+                <a:cs typeface="Courier New" panose="02070309020205020404" pitchFamily="49" charset="0"/>
+              </a:rPr>
+              <a:t> </a:t>
+            </a:r>
+            <a:r>
+              <a:rPr lang="en-US" dirty="0" err="1">
+                <a:latin typeface="Courier New" panose="02070309020205020404" pitchFamily="49" charset="0"/>
+                <a:cs typeface="Courier New" panose="02070309020205020404" pitchFamily="49" charset="0"/>
+              </a:rPr>
+              <a:t>MyComponent</a:t>
+            </a:r>
+            <a:r>
+              <a:rPr lang="en-US" dirty="0">
+                <a:latin typeface="Courier New" panose="02070309020205020404" pitchFamily="49" charset="0"/>
+                <a:cs typeface="Courier New" panose="02070309020205020404" pitchFamily="49" charset="0"/>
+              </a:rPr>
+              <a:t>(“1”), </a:t>
+            </a:r>
+            <a:r>
+              <a:rPr lang="en-US" dirty="0">
+                <a:solidFill>
+                  <a:srgbClr val="0033B3"/>
+                </a:solidFill>
+                <a:latin typeface="Courier New" panose="02070309020205020404" pitchFamily="49" charset="0"/>
+                <a:cs typeface="Courier New" panose="02070309020205020404" pitchFamily="49" charset="0"/>
+              </a:rPr>
+              <a:t>new</a:t>
+            </a:r>
+            <a:r>
+              <a:rPr lang="en-US" dirty="0">
+                <a:latin typeface="Courier New" panose="02070309020205020404" pitchFamily="49" charset="0"/>
+                <a:cs typeface="Courier New" panose="02070309020205020404" pitchFamily="49" charset="0"/>
+              </a:rPr>
+              <a:t> </a:t>
+            </a:r>
+            <a:r>
+              <a:rPr lang="en-US" dirty="0" err="1">
+                <a:latin typeface="Courier New" panose="02070309020205020404" pitchFamily="49" charset="0"/>
+                <a:cs typeface="Courier New" panose="02070309020205020404" pitchFamily="49" charset="0"/>
+              </a:rPr>
+              <a:t>MyComponent</a:t>
+            </a:r>
+            <a:r>
+              <a:rPr lang="en-US" dirty="0">
+                <a:latin typeface="Courier New" panose="02070309020205020404" pitchFamily="49" charset="0"/>
+                <a:cs typeface="Courier New" panose="02070309020205020404" pitchFamily="49" charset="0"/>
+              </a:rPr>
+              <a:t>(“2”));</a:t>
+            </a:r>
+          </a:p>
+          <a:p>
+            <a:pPr marL="457200" lvl="1" indent="0">
+              <a:buNone/>
+            </a:pPr>
+            <a:r>
+              <a:rPr lang="en-US" dirty="0">
+                <a:latin typeface="Courier New" panose="02070309020205020404" pitchFamily="49" charset="0"/>
+                <a:cs typeface="Courier New" panose="02070309020205020404" pitchFamily="49" charset="0"/>
+              </a:rPr>
+              <a:t>}</a:t>
+            </a:r>
+          </a:p>
+          <a:p>
+            <a:pPr marL="0" indent="0">
+              <a:buNone/>
+            </a:pPr>
+            <a:r>
+              <a:rPr lang="en-US" dirty="0">
+                <a:latin typeface="Courier New" panose="02070309020205020404" pitchFamily="49" charset="0"/>
+                <a:cs typeface="Courier New" panose="02070309020205020404" pitchFamily="49" charset="0"/>
+              </a:rPr>
+              <a:t>}</a:t>
+            </a:r>
+          </a:p>
+          <a:p>
+            <a:pPr marL="0" indent="0">
+              <a:buNone/>
+            </a:pPr>
+            <a:endParaRPr lang="en-US" dirty="0">
+              <a:latin typeface="Courier New" panose="02070309020205020404" pitchFamily="49" charset="0"/>
+              <a:cs typeface="Courier New" panose="02070309020205020404" pitchFamily="49" charset="0"/>
+            </a:endParaRPr>
+          </a:p>
+          <a:p>
+            <a:pPr marL="0" indent="0">
+              <a:buNone/>
+            </a:pPr>
+            <a:r>
+              <a:rPr lang="en-US" dirty="0">
+                <a:solidFill>
+                  <a:srgbClr val="9E880D"/>
+                </a:solidFill>
+                <a:latin typeface="Courier New" panose="02070309020205020404" pitchFamily="49" charset="0"/>
+                <a:cs typeface="Courier New" panose="02070309020205020404" pitchFamily="49" charset="0"/>
+              </a:rPr>
+              <a:t>@Component</a:t>
+            </a:r>
+          </a:p>
+          <a:p>
+            <a:pPr marL="0" indent="0">
+              <a:buNone/>
+            </a:pPr>
+            <a:r>
+              <a:rPr lang="en-US" dirty="0">
+                <a:solidFill>
+                  <a:srgbClr val="0033B3"/>
+                </a:solidFill>
+                <a:effectLst/>
+                <a:latin typeface="Courier New" panose="02070309020205020404" pitchFamily="49" charset="0"/>
+                <a:cs typeface="Courier New" panose="02070309020205020404" pitchFamily="49" charset="0"/>
+              </a:rPr>
+              <a:t>public class </a:t>
+            </a:r>
+            <a:r>
+              <a:rPr lang="en-US" dirty="0" err="1">
+                <a:solidFill>
+                  <a:srgbClr val="000000"/>
+                </a:solidFill>
+                <a:effectLst/>
+                <a:latin typeface="Courier New" panose="02070309020205020404" pitchFamily="49" charset="0"/>
+                <a:cs typeface="Courier New" panose="02070309020205020404" pitchFamily="49" charset="0"/>
+              </a:rPr>
+              <a:t>ComponentsBean</a:t>
+            </a:r>
+            <a:r>
+              <a:rPr lang="en-US" dirty="0">
+                <a:solidFill>
+                  <a:srgbClr val="000000"/>
+                </a:solidFill>
+                <a:effectLst/>
+                <a:latin typeface="Courier New" panose="02070309020205020404" pitchFamily="49" charset="0"/>
+                <a:cs typeface="Courier New" panose="02070309020205020404" pitchFamily="49" charset="0"/>
+              </a:rPr>
+              <a:t> </a:t>
+            </a:r>
+            <a:r>
+              <a:rPr lang="en-US" dirty="0">
+                <a:latin typeface="Courier New" panose="02070309020205020404" pitchFamily="49" charset="0"/>
+                <a:cs typeface="Courier New" panose="02070309020205020404" pitchFamily="49" charset="0"/>
+              </a:rPr>
+              <a:t>{</a:t>
+            </a:r>
+            <a:br>
+              <a:rPr lang="en-US" dirty="0">
+                <a:latin typeface="Courier New" panose="02070309020205020404" pitchFamily="49" charset="0"/>
+                <a:cs typeface="Courier New" panose="02070309020205020404" pitchFamily="49" charset="0"/>
+              </a:rPr>
+            </a:br>
+            <a:endParaRPr lang="en-US" dirty="0">
+              <a:latin typeface="Courier New" panose="02070309020205020404" pitchFamily="49" charset="0"/>
+              <a:cs typeface="Courier New" panose="02070309020205020404" pitchFamily="49" charset="0"/>
+            </a:endParaRPr>
+          </a:p>
+          <a:p>
+            <a:pPr marL="0" indent="0">
+              <a:buNone/>
+            </a:pPr>
+            <a:r>
+              <a:rPr lang="en-US" dirty="0">
+                <a:latin typeface="Courier New" panose="02070309020205020404" pitchFamily="49" charset="0"/>
+                <a:cs typeface="Courier New" panose="02070309020205020404" pitchFamily="49" charset="0"/>
+              </a:rPr>
+              <a:t>    </a:t>
+            </a:r>
+            <a:r>
+              <a:rPr lang="en-US" dirty="0">
+                <a:solidFill>
+                  <a:srgbClr val="9E880D"/>
+                </a:solidFill>
+                <a:latin typeface="Courier New" panose="02070309020205020404" pitchFamily="49" charset="0"/>
+                <a:cs typeface="Courier New" panose="02070309020205020404" pitchFamily="49" charset="0"/>
+              </a:rPr>
+              <a:t>@</a:t>
+            </a:r>
+            <a:r>
+              <a:rPr lang="en-US" dirty="0" err="1">
+                <a:solidFill>
+                  <a:srgbClr val="9E880D"/>
+                </a:solidFill>
+                <a:latin typeface="Courier New" panose="02070309020205020404" pitchFamily="49" charset="0"/>
+                <a:cs typeface="Courier New" panose="02070309020205020404" pitchFamily="49" charset="0"/>
+              </a:rPr>
+              <a:t>Autowired</a:t>
+            </a:r>
+            <a:br>
+              <a:rPr lang="en-US" dirty="0">
+                <a:latin typeface="Courier New" panose="02070309020205020404" pitchFamily="49" charset="0"/>
+                <a:cs typeface="Courier New" panose="02070309020205020404" pitchFamily="49" charset="0"/>
+              </a:rPr>
+            </a:br>
+            <a:r>
+              <a:rPr lang="en-US" dirty="0">
+                <a:latin typeface="Courier New" panose="02070309020205020404" pitchFamily="49" charset="0"/>
+                <a:cs typeface="Courier New" panose="02070309020205020404" pitchFamily="49" charset="0"/>
+              </a:rPr>
+              <a:t>    </a:t>
+            </a:r>
+            <a:r>
+              <a:rPr lang="en-US" dirty="0">
+                <a:solidFill>
+                  <a:srgbClr val="0033B3"/>
+                </a:solidFill>
+                <a:effectLst/>
+                <a:latin typeface="Courier New" panose="02070309020205020404" pitchFamily="49" charset="0"/>
+                <a:cs typeface="Courier New" panose="02070309020205020404" pitchFamily="49" charset="0"/>
+              </a:rPr>
+              <a:t>private </a:t>
+            </a:r>
+            <a:r>
+              <a:rPr lang="en-US" dirty="0">
+                <a:solidFill>
+                  <a:srgbClr val="000000"/>
+                </a:solidFill>
+                <a:effectLst/>
+                <a:latin typeface="Courier New" panose="02070309020205020404" pitchFamily="49" charset="0"/>
+                <a:cs typeface="Courier New" panose="02070309020205020404" pitchFamily="49" charset="0"/>
+              </a:rPr>
+              <a:t>List</a:t>
+            </a:r>
+            <a:r>
+              <a:rPr lang="en-US" dirty="0">
+                <a:latin typeface="Courier New" panose="02070309020205020404" pitchFamily="49" charset="0"/>
+                <a:cs typeface="Courier New" panose="02070309020205020404" pitchFamily="49" charset="0"/>
+              </a:rPr>
+              <a:t>&lt;</a:t>
+            </a:r>
+            <a:r>
+              <a:rPr lang="en-US" dirty="0" err="1">
+                <a:solidFill>
+                  <a:srgbClr val="000000"/>
+                </a:solidFill>
+                <a:effectLst/>
+                <a:latin typeface="Courier New" panose="02070309020205020404" pitchFamily="49" charset="0"/>
+                <a:cs typeface="Courier New" panose="02070309020205020404" pitchFamily="49" charset="0"/>
+              </a:rPr>
+              <a:t>MyComponent</a:t>
+            </a:r>
+            <a:r>
+              <a:rPr lang="en-US" dirty="0">
+                <a:latin typeface="Courier New" panose="02070309020205020404" pitchFamily="49" charset="0"/>
+                <a:cs typeface="Courier New" panose="02070309020205020404" pitchFamily="49" charset="0"/>
+              </a:rPr>
+              <a:t>&gt; </a:t>
+            </a:r>
+            <a:r>
+              <a:rPr lang="en-US" dirty="0" err="1">
+                <a:solidFill>
+                  <a:srgbClr val="871094"/>
+                </a:solidFill>
+                <a:effectLst/>
+                <a:latin typeface="Courier New" panose="02070309020205020404" pitchFamily="49" charset="0"/>
+                <a:cs typeface="Courier New" panose="02070309020205020404" pitchFamily="49" charset="0"/>
+              </a:rPr>
+              <a:t>componentsList</a:t>
+            </a:r>
+            <a:r>
+              <a:rPr lang="en-US" dirty="0">
+                <a:latin typeface="Courier New" panose="02070309020205020404" pitchFamily="49" charset="0"/>
+                <a:cs typeface="Courier New" panose="02070309020205020404" pitchFamily="49" charset="0"/>
+              </a:rPr>
+              <a:t>;</a:t>
+            </a:r>
+          </a:p>
+          <a:p>
+            <a:pPr marL="0" indent="0">
+              <a:buNone/>
+            </a:pPr>
+            <a:r>
+              <a:rPr lang="en-US" dirty="0">
+                <a:latin typeface="Courier New" panose="02070309020205020404" pitchFamily="49" charset="0"/>
+                <a:cs typeface="Courier New" panose="02070309020205020404" pitchFamily="49" charset="0"/>
+              </a:rPr>
+              <a:t>}</a:t>
+            </a:r>
+            <a:endParaRPr lang="en-IL" dirty="0">
+              <a:latin typeface="Courier New" panose="02070309020205020404" pitchFamily="49" charset="0"/>
+              <a:cs typeface="Courier New" panose="02070309020205020404" pitchFamily="49" charset="0"/>
+            </a:endParaRPr>
+          </a:p>
+          <a:p>
+            <a:endParaRPr lang="en-IL" dirty="0"/>
+          </a:p>
+        </p:txBody>
+      </p:sp>
+    </p:spTree>
+    <p:extLst>
+      <p:ext uri="{BB962C8B-B14F-4D97-AF65-F5344CB8AC3E}">
+        <p14:creationId xmlns:p14="http://schemas.microsoft.com/office/powerpoint/2010/main" val="2752480883"/>
+      </p:ext>
+    </p:extLst>
+  </p:cSld>
+  <p:clrMapOvr>
+    <a:masterClrMapping/>
+  </p:clrMapOvr>
+</p:sld>
+</file>
+
+<file path=ppt/slides/slide58.xml><?xml version="1.0" encoding="utf-8"?>
+<p:sld xmlns:a="http://schemas.openxmlformats.org/drawingml/2006/main" xmlns:r="http://schemas.openxmlformats.org/officeDocument/2006/relationships" xmlns:p="http://schemas.openxmlformats.org/presentationml/2006/main">
+  <p:cSld>
+    <p:spTree>
+      <p:nvGrpSpPr>
+        <p:cNvPr id="1" name=""/>
+        <p:cNvGrpSpPr/>
+        <p:nvPr/>
+      </p:nvGrpSpPr>
+      <p:grpSpPr>
+        <a:xfrm>
+          <a:off x="0" y="0"/>
+          <a:ext cx="0" cy="0"/>
+          <a:chOff x="0" y="0"/>
+          <a:chExt cx="0" cy="0"/>
+        </a:xfrm>
+      </p:grpSpPr>
+      <p:sp>
+        <p:nvSpPr>
+          <p:cNvPr id="2" name="Title 1">
+            <a:extLst>
+              <a:ext uri="{FF2B5EF4-FFF2-40B4-BE49-F238E27FC236}">
+                <a16:creationId xmlns:a16="http://schemas.microsoft.com/office/drawing/2014/main" id="{166A529C-3D2B-E87D-075A-ADB02E777593}"/>
+              </a:ext>
+            </a:extLst>
+          </p:cNvPr>
+          <p:cNvSpPr>
+            <a:spLocks noGrp="1"/>
+          </p:cNvSpPr>
+          <p:nvPr>
+            <p:ph type="title"/>
+          </p:nvPr>
+        </p:nvSpPr>
+        <p:spPr>
+          <a:xfrm>
+            <a:off x="677334" y="609600"/>
+            <a:ext cx="8596668" cy="903514"/>
+          </a:xfrm>
+        </p:spPr>
+        <p:txBody>
+          <a:bodyPr/>
+          <a:lstStyle/>
+          <a:p>
+            <a:r>
+              <a:rPr lang="en-IL" dirty="0"/>
+              <a:t>Part 3: @PostConstruct</a:t>
+            </a:r>
+          </a:p>
+        </p:txBody>
+      </p:sp>
+      <p:sp>
+        <p:nvSpPr>
+          <p:cNvPr id="3" name="Content Placeholder 2">
+            <a:extLst>
+              <a:ext uri="{FF2B5EF4-FFF2-40B4-BE49-F238E27FC236}">
+                <a16:creationId xmlns:a16="http://schemas.microsoft.com/office/drawing/2014/main" id="{8C4F54CB-DB54-1999-480E-575944DE1E07}"/>
+              </a:ext>
+            </a:extLst>
+          </p:cNvPr>
+          <p:cNvSpPr>
+            <a:spLocks noGrp="1"/>
+          </p:cNvSpPr>
+          <p:nvPr>
+            <p:ph idx="1"/>
+          </p:nvPr>
+        </p:nvSpPr>
+        <p:spPr>
+          <a:xfrm>
+            <a:off x="677334" y="1611087"/>
+            <a:ext cx="8596668" cy="4430276"/>
+          </a:xfrm>
+        </p:spPr>
+        <p:txBody>
+          <a:bodyPr>
+            <a:normAutofit/>
+          </a:bodyPr>
+          <a:lstStyle/>
+          <a:p>
+            <a:r>
+              <a:rPr lang="en-US" sz="1800" dirty="0"/>
+              <a:t>Sometimes you may need access to the bean once it is fully created:</a:t>
+            </a:r>
+          </a:p>
+          <a:p>
+            <a:pPr marL="342900" indent="-342900">
+              <a:buFont typeface="Arial" panose="020B0604020202020204" pitchFamily="34" charset="0"/>
+              <a:buChar char="•"/>
+            </a:pPr>
+            <a:r>
+              <a:rPr lang="en-US" sz="1800" dirty="0"/>
+              <a:t>Perform some logical validation and assertions</a:t>
+            </a:r>
+          </a:p>
+          <a:p>
+            <a:pPr marL="342900" indent="-342900">
+              <a:buFont typeface="Arial" panose="020B0604020202020204" pitchFamily="34" charset="0"/>
+              <a:buChar char="•"/>
+            </a:pPr>
+            <a:r>
+              <a:rPr lang="en-US" sz="1800" dirty="0"/>
+              <a:t>Setup non-spring dependencies based on injectable beans</a:t>
+            </a:r>
+          </a:p>
+          <a:p>
+            <a:pPr marL="342900" indent="-342900">
+              <a:buFont typeface="Arial" panose="020B0604020202020204" pitchFamily="34" charset="0"/>
+              <a:buChar char="•"/>
+            </a:pPr>
+            <a:r>
+              <a:rPr lang="en-US" sz="1800" dirty="0"/>
+              <a:t>Verify </a:t>
+            </a:r>
+            <a:r>
+              <a:rPr lang="en-US" sz="1800" dirty="0" err="1"/>
+              <a:t>autowire</a:t>
+            </a:r>
+            <a:r>
+              <a:rPr lang="en-US" sz="1800" dirty="0"/>
+              <a:t> decisions</a:t>
+            </a:r>
+          </a:p>
+          <a:p>
+            <a:endParaRPr lang="en-US" sz="1800" dirty="0"/>
+          </a:p>
+          <a:p>
+            <a:r>
+              <a:rPr lang="en-US" sz="1800" dirty="0"/>
+              <a:t>How can you know when a bean is passed through the creation process? </a:t>
+            </a:r>
+          </a:p>
+          <a:p>
+            <a:pPr marL="265113" indent="-265113">
+              <a:buFont typeface="Arial" panose="020B0604020202020204" pitchFamily="34" charset="0"/>
+              <a:buChar char="•"/>
+            </a:pPr>
+            <a:r>
+              <a:rPr lang="en-US" sz="1800" dirty="0"/>
+              <a:t>In constructor – setters DI have not been set yet</a:t>
+            </a:r>
+          </a:p>
+          <a:p>
+            <a:pPr marL="265113" indent="-265113">
+              <a:buFont typeface="Arial" panose="020B0604020202020204" pitchFamily="34" charset="0"/>
+              <a:buChar char="•"/>
+            </a:pPr>
+            <a:r>
+              <a:rPr lang="en-US" sz="1800" dirty="0"/>
+              <a:t>In each setter – you can’t tell what is the status of other status</a:t>
+            </a:r>
+          </a:p>
+          <a:p>
+            <a:endParaRPr lang="en-IL" dirty="0"/>
+          </a:p>
+          <a:p>
+            <a:r>
+              <a:rPr lang="en-IL" dirty="0"/>
+              <a:t>Solution - </a:t>
+            </a:r>
+            <a:r>
+              <a:rPr lang="en-US" sz="1800" dirty="0"/>
+              <a:t>add special annotation </a:t>
+            </a:r>
+            <a:r>
+              <a:rPr lang="en-US" sz="1800" dirty="0">
+                <a:solidFill>
+                  <a:schemeClr val="tx1"/>
+                </a:solidFill>
+              </a:rPr>
+              <a:t>(</a:t>
+            </a:r>
+            <a:r>
+              <a:rPr lang="en-US" sz="1800" dirty="0">
+                <a:solidFill>
+                  <a:schemeClr val="accent1"/>
+                </a:solidFill>
+              </a:rPr>
+              <a:t>@</a:t>
+            </a:r>
+            <a:r>
+              <a:rPr lang="en-US" sz="1800" dirty="0" err="1">
+                <a:solidFill>
+                  <a:schemeClr val="accent1"/>
+                </a:solidFill>
+              </a:rPr>
+              <a:t>PostConstruct</a:t>
+            </a:r>
+            <a:r>
+              <a:rPr lang="en-US" sz="1800" dirty="0"/>
+              <a:t>) to any method you wish (JSR-250)</a:t>
+            </a:r>
+          </a:p>
+          <a:p>
+            <a:endParaRPr lang="en-IL" dirty="0"/>
+          </a:p>
+        </p:txBody>
+      </p:sp>
+    </p:spTree>
+    <p:extLst>
+      <p:ext uri="{BB962C8B-B14F-4D97-AF65-F5344CB8AC3E}">
+        <p14:creationId xmlns:p14="http://schemas.microsoft.com/office/powerpoint/2010/main" val="2724256598"/>
+      </p:ext>
+    </p:extLst>
+  </p:cSld>
+  <p:clrMapOvr>
+    <a:masterClrMapping/>
+  </p:clrMapOvr>
+  <p:timing>
+    <p:tnLst>
+      <p:par>
+        <p:cTn id="1" dur="indefinite" restart="never" nodeType="tmRoot">
+          <p:childTnLst>
+            <p:seq concurrent="1" nextAc="seek">
+              <p:cTn id="2" dur="indefinite" nodeType="mainSeq">
+                <p:childTnLst>
+                  <p:par>
+                    <p:cTn id="3" fill="hold">
+                      <p:stCondLst>
+                        <p:cond delay="indefinite"/>
+                      </p:stCondLst>
+                      <p:childTnLst>
+                        <p:par>
+                          <p:cTn id="4" fill="hold">
+                            <p:stCondLst>
+                              <p:cond delay="0"/>
+                            </p:stCondLst>
+                            <p:childTnLst>
+                              <p:par>
+                                <p:cTn id="5" presetID="1" presetClass="entr" presetSubtype="0" fill="hold" grpId="0" nodeType="clickEffect">
+                                  <p:stCondLst>
+                                    <p:cond delay="0"/>
+                                  </p:stCondLst>
+                                  <p:childTnLst>
+                                    <p:set>
+                                      <p:cBhvr>
+                                        <p:cTn id="6" dur="1" fill="hold">
+                                          <p:stCondLst>
+                                            <p:cond delay="0"/>
+                                          </p:stCondLst>
+                                        </p:cTn>
+                                        <p:tgtEl>
+                                          <p:spTgt spid="3">
+                                            <p:txEl>
+                                              <p:pRg st="0" end="0"/>
+                                            </p:txEl>
+                                          </p:spTgt>
+                                        </p:tgtEl>
+                                        <p:attrNameLst>
+                                          <p:attrName>style.visibility</p:attrName>
+                                        </p:attrNameLst>
+                                      </p:cBhvr>
+                                      <p:to>
+                                        <p:strVal val="visible"/>
+                                      </p:to>
+                                    </p:set>
+                                  </p:childTnLst>
+                                </p:cTn>
+                              </p:par>
+                            </p:childTnLst>
+                          </p:cTn>
+                        </p:par>
+                      </p:childTnLst>
+                    </p:cTn>
+                  </p:par>
+                  <p:par>
+                    <p:cTn id="7" fill="hold">
+                      <p:stCondLst>
+                        <p:cond delay="indefinite"/>
+                      </p:stCondLst>
+                      <p:childTnLst>
+                        <p:par>
+                          <p:cTn id="8" fill="hold">
+                            <p:stCondLst>
+                              <p:cond delay="0"/>
+                            </p:stCondLst>
+                            <p:childTnLst>
+                              <p:par>
+                                <p:cTn id="9" presetID="1" presetClass="entr" presetSubtype="0" fill="hold" grpId="0" nodeType="clickEffect">
+                                  <p:stCondLst>
+                                    <p:cond delay="0"/>
+                                  </p:stCondLst>
+                                  <p:childTnLst>
+                                    <p:set>
+                                      <p:cBhvr>
+                                        <p:cTn id="10" dur="1" fill="hold">
+                                          <p:stCondLst>
+                                            <p:cond delay="0"/>
+                                          </p:stCondLst>
+                                        </p:cTn>
+                                        <p:tgtEl>
+                                          <p:spTgt spid="3">
+                                            <p:txEl>
+                                              <p:pRg st="1" end="1"/>
+                                            </p:txEl>
+                                          </p:spTgt>
+                                        </p:tgtEl>
+                                        <p:attrNameLst>
+                                          <p:attrName>style.visibility</p:attrName>
+                                        </p:attrNameLst>
+                                      </p:cBhvr>
+                                      <p:to>
+                                        <p:strVal val="visible"/>
+                                      </p:to>
+                                    </p:set>
+                                  </p:childTnLst>
+                                </p:cTn>
+                              </p:par>
+                            </p:childTnLst>
+                          </p:cTn>
+                        </p:par>
+                      </p:childTnLst>
+                    </p:cTn>
+                  </p:par>
+                  <p:par>
+                    <p:cTn id="11" fill="hold">
+                      <p:stCondLst>
+                        <p:cond delay="indefinite"/>
+                      </p:stCondLst>
+                      <p:childTnLst>
+                        <p:par>
+                          <p:cTn id="12" fill="hold">
+                            <p:stCondLst>
+                              <p:cond delay="0"/>
+                            </p:stCondLst>
+                            <p:childTnLst>
+                              <p:par>
+                                <p:cTn id="13" presetID="1" presetClass="entr" presetSubtype="0" fill="hold" grpId="0" nodeType="clickEffect">
+                                  <p:stCondLst>
+                                    <p:cond delay="0"/>
+                                  </p:stCondLst>
+                                  <p:childTnLst>
+                                    <p:set>
+                                      <p:cBhvr>
+                                        <p:cTn id="14" dur="1" fill="hold">
+                                          <p:stCondLst>
+                                            <p:cond delay="0"/>
+                                          </p:stCondLst>
+                                        </p:cTn>
+                                        <p:tgtEl>
+                                          <p:spTgt spid="3">
+                                            <p:txEl>
+                                              <p:pRg st="2" end="2"/>
+                                            </p:txEl>
+                                          </p:spTgt>
+                                        </p:tgtEl>
+                                        <p:attrNameLst>
+                                          <p:attrName>style.visibility</p:attrName>
+                                        </p:attrNameLst>
+                                      </p:cBhvr>
+                                      <p:to>
+                                        <p:strVal val="visible"/>
+                                      </p:to>
+                                    </p:set>
+                                  </p:childTnLst>
+                                </p:cTn>
+                              </p:par>
+                            </p:childTnLst>
+                          </p:cTn>
+                        </p:par>
+                      </p:childTnLst>
+                    </p:cTn>
+                  </p:par>
+                  <p:par>
+                    <p:cTn id="15" fill="hold">
+                      <p:stCondLst>
+                        <p:cond delay="indefinite"/>
+                      </p:stCondLst>
+                      <p:childTnLst>
+                        <p:par>
+                          <p:cTn id="16" fill="hold">
+                            <p:stCondLst>
+                              <p:cond delay="0"/>
+                            </p:stCondLst>
+                            <p:childTnLst>
+                              <p:par>
+                                <p:cTn id="17" presetID="1" presetClass="entr" presetSubtype="0" fill="hold" grpId="0" nodeType="clickEffect">
+                                  <p:stCondLst>
+                                    <p:cond delay="0"/>
+                                  </p:stCondLst>
+                                  <p:childTnLst>
+                                    <p:set>
+                                      <p:cBhvr>
+                                        <p:cTn id="18" dur="1" fill="hold">
+                                          <p:stCondLst>
+                                            <p:cond delay="0"/>
+                                          </p:stCondLst>
+                                        </p:cTn>
+                                        <p:tgtEl>
+                                          <p:spTgt spid="3">
+                                            <p:txEl>
+                                              <p:pRg st="3" end="3"/>
+                                            </p:txEl>
+                                          </p:spTgt>
+                                        </p:tgtEl>
+                                        <p:attrNameLst>
+                                          <p:attrName>style.visibility</p:attrName>
+                                        </p:attrNameLst>
+                                      </p:cBhvr>
+                                      <p:to>
+                                        <p:strVal val="visible"/>
+                                      </p:to>
+                                    </p:set>
+                                  </p:childTnLst>
+                                </p:cTn>
+                              </p:par>
+                            </p:childTnLst>
+                          </p:cTn>
+                        </p:par>
+                      </p:childTnLst>
+                    </p:cTn>
+                  </p:par>
+                  <p:par>
+                    <p:cTn id="19" fill="hold">
+                      <p:stCondLst>
+                        <p:cond delay="indefinite"/>
+                      </p:stCondLst>
+                      <p:childTnLst>
+                        <p:par>
+                          <p:cTn id="20" fill="hold">
+                            <p:stCondLst>
+                              <p:cond delay="0"/>
+                            </p:stCondLst>
+                            <p:childTnLst>
+                              <p:par>
+                                <p:cTn id="21" presetID="1" presetClass="entr" presetSubtype="0" fill="hold" grpId="0" nodeType="clickEffect">
+                                  <p:stCondLst>
+                                    <p:cond delay="0"/>
+                                  </p:stCondLst>
+                                  <p:childTnLst>
+                                    <p:set>
+                                      <p:cBhvr>
+                                        <p:cTn id="22" dur="1" fill="hold">
+                                          <p:stCondLst>
+                                            <p:cond delay="0"/>
+                                          </p:stCondLst>
+                                        </p:cTn>
+                                        <p:tgtEl>
+                                          <p:spTgt spid="3">
+                                            <p:txEl>
+                                              <p:pRg st="5" end="5"/>
+                                            </p:txEl>
+                                          </p:spTgt>
+                                        </p:tgtEl>
+                                        <p:attrNameLst>
+                                          <p:attrName>style.visibility</p:attrName>
+                                        </p:attrNameLst>
+                                      </p:cBhvr>
+                                      <p:to>
+                                        <p:strVal val="visible"/>
+                                      </p:to>
+                                    </p:set>
+                                  </p:childTnLst>
+                                </p:cTn>
+                              </p:par>
+                            </p:childTnLst>
+                          </p:cTn>
+                        </p:par>
+                      </p:childTnLst>
+                    </p:cTn>
+                  </p:par>
+                  <p:par>
+                    <p:cTn id="23" fill="hold">
+                      <p:stCondLst>
+                        <p:cond delay="indefinite"/>
+                      </p:stCondLst>
+                      <p:childTnLst>
+                        <p:par>
+                          <p:cTn id="24" fill="hold">
+                            <p:stCondLst>
+                              <p:cond delay="0"/>
+                            </p:stCondLst>
+                            <p:childTnLst>
+                              <p:par>
+                                <p:cTn id="25" presetID="1" presetClass="entr" presetSubtype="0" fill="hold" grpId="0" nodeType="clickEffect">
+                                  <p:stCondLst>
+                                    <p:cond delay="0"/>
+                                  </p:stCondLst>
+                                  <p:childTnLst>
+                                    <p:set>
+                                      <p:cBhvr>
+                                        <p:cTn id="26" dur="1" fill="hold">
+                                          <p:stCondLst>
+                                            <p:cond delay="0"/>
+                                          </p:stCondLst>
+                                        </p:cTn>
+                                        <p:tgtEl>
+                                          <p:spTgt spid="3">
+                                            <p:txEl>
+                                              <p:pRg st="6" end="6"/>
+                                            </p:txEl>
+                                          </p:spTgt>
+                                        </p:tgtEl>
+                                        <p:attrNameLst>
+                                          <p:attrName>style.visibility</p:attrName>
+                                        </p:attrNameLst>
+                                      </p:cBhvr>
+                                      <p:to>
+                                        <p:strVal val="visible"/>
+                                      </p:to>
+                                    </p:set>
+                                  </p:childTnLst>
+                                </p:cTn>
+                              </p:par>
+                            </p:childTnLst>
+                          </p:cTn>
+                        </p:par>
+                      </p:childTnLst>
+                    </p:cTn>
+                  </p:par>
+                  <p:par>
+                    <p:cTn id="27" fill="hold">
+                      <p:stCondLst>
+                        <p:cond delay="indefinite"/>
+                      </p:stCondLst>
+                      <p:childTnLst>
+                        <p:par>
+                          <p:cTn id="28" fill="hold">
+                            <p:stCondLst>
+                              <p:cond delay="0"/>
+                            </p:stCondLst>
+                            <p:childTnLst>
+                              <p:par>
+                                <p:cTn id="29" presetID="1" presetClass="entr" presetSubtype="0" fill="hold" grpId="0" nodeType="clickEffect">
+                                  <p:stCondLst>
+                                    <p:cond delay="0"/>
+                                  </p:stCondLst>
+                                  <p:childTnLst>
+                                    <p:set>
+                                      <p:cBhvr>
+                                        <p:cTn id="30" dur="1" fill="hold">
+                                          <p:stCondLst>
+                                            <p:cond delay="0"/>
+                                          </p:stCondLst>
+                                        </p:cTn>
+                                        <p:tgtEl>
+                                          <p:spTgt spid="3">
+                                            <p:txEl>
+                                              <p:pRg st="7" end="7"/>
+                                            </p:txEl>
+                                          </p:spTgt>
+                                        </p:tgtEl>
+                                        <p:attrNameLst>
+                                          <p:attrName>style.visibility</p:attrName>
+                                        </p:attrNameLst>
+                                      </p:cBhvr>
+                                      <p:to>
+                                        <p:strVal val="visible"/>
+                                      </p:to>
+                                    </p:set>
+                                  </p:childTnLst>
+                                </p:cTn>
+                              </p:par>
+                            </p:childTnLst>
+                          </p:cTn>
+                        </p:par>
+                      </p:childTnLst>
+                    </p:cTn>
+                  </p:par>
+                  <p:par>
+                    <p:cTn id="31" fill="hold">
+                      <p:stCondLst>
+                        <p:cond delay="indefinite"/>
+                      </p:stCondLst>
+                      <p:childTnLst>
+                        <p:par>
+                          <p:cTn id="32" fill="hold">
+                            <p:stCondLst>
+                              <p:cond delay="0"/>
+                            </p:stCondLst>
+                            <p:childTnLst>
+                              <p:par>
+                                <p:cTn id="33" presetID="1" presetClass="entr" presetSubtype="0" fill="hold" grpId="0" nodeType="clickEffect">
+                                  <p:stCondLst>
+                                    <p:cond delay="0"/>
+                                  </p:stCondLst>
+                                  <p:childTnLst>
+                                    <p:set>
+                                      <p:cBhvr>
+                                        <p:cTn id="34" dur="1" fill="hold">
+                                          <p:stCondLst>
+                                            <p:cond delay="0"/>
+                                          </p:stCondLst>
+                                        </p:cTn>
+                                        <p:tgtEl>
+                                          <p:spTgt spid="3">
+                                            <p:txEl>
+                                              <p:pRg st="9" end="9"/>
+                                            </p:txEl>
+                                          </p:spTgt>
+                                        </p:tgtEl>
+                                        <p:attrNameLst>
+                                          <p:attrName>style.visibility</p:attrName>
+                                        </p:attrNameLst>
+                                      </p:cBhvr>
+                                      <p:to>
+                                        <p:strVal val="visible"/>
+                                      </p:to>
+                                    </p:set>
+                                  </p:childTnLst>
+                                </p:cTn>
+                              </p:par>
+                            </p:childTnLst>
+                          </p:cTn>
+                        </p:par>
+                      </p:childTnLst>
+                    </p:cTn>
+                  </p:par>
+                </p:childTnLst>
+              </p:cTn>
+              <p:prevCondLst>
+                <p:cond evt="onPrev" delay="0">
+                  <p:tgtEl>
+                    <p:sldTgt/>
+                  </p:tgtEl>
+                </p:cond>
+              </p:prevCondLst>
+              <p:nextCondLst>
+                <p:cond evt="onNext" delay="0">
+                  <p:tgtEl>
+                    <p:sldTgt/>
+                  </p:tgtEl>
+                </p:cond>
+              </p:nextCondLst>
+            </p:seq>
+          </p:childTnLst>
+        </p:cTn>
+      </p:par>
+    </p:tnLst>
+    <p:bldLst>
+      <p:bldP spid="3" grpId="0" build="p"/>
+    </p:bldLst>
+  </p:timing>
+</p:sld>
+</file>
+
+<file path=ppt/slides/slide59.xml><?xml version="1.0" encoding="utf-8"?>
+<p:sld xmlns:a="http://schemas.openxmlformats.org/drawingml/2006/main" xmlns:r="http://schemas.openxmlformats.org/officeDocument/2006/relationships" xmlns:p="http://schemas.openxmlformats.org/presentationml/2006/main">
+  <p:cSld>
+    <p:spTree>
+      <p:nvGrpSpPr>
+        <p:cNvPr id="1" name=""/>
+        <p:cNvGrpSpPr/>
+        <p:nvPr/>
+      </p:nvGrpSpPr>
+      <p:grpSpPr>
+        <a:xfrm>
+          <a:off x="0" y="0"/>
+          <a:ext cx="0" cy="0"/>
+          <a:chOff x="0" y="0"/>
+          <a:chExt cx="0" cy="0"/>
+        </a:xfrm>
+      </p:grpSpPr>
+      <p:sp>
+        <p:nvSpPr>
+          <p:cNvPr id="2" name="Title 1">
+            <a:extLst>
+              <a:ext uri="{FF2B5EF4-FFF2-40B4-BE49-F238E27FC236}">
+                <a16:creationId xmlns:a16="http://schemas.microsoft.com/office/drawing/2014/main" id="{27C2D1D8-EDAE-CB31-D6BC-8A46B89AA612}"/>
+              </a:ext>
+            </a:extLst>
+          </p:cNvPr>
+          <p:cNvSpPr>
+            <a:spLocks noGrp="1"/>
+          </p:cNvSpPr>
+          <p:nvPr>
+            <p:ph type="title"/>
+          </p:nvPr>
+        </p:nvSpPr>
+        <p:spPr/>
+        <p:txBody>
+          <a:bodyPr/>
+          <a:lstStyle/>
+          <a:p>
+            <a:r>
+              <a:rPr lang="en-IL" dirty="0"/>
+              <a:t>@PreDestroy</a:t>
+            </a:r>
+          </a:p>
+        </p:txBody>
+      </p:sp>
+      <p:sp>
+        <p:nvSpPr>
+          <p:cNvPr id="3" name="Content Placeholder 2">
+            <a:extLst>
+              <a:ext uri="{FF2B5EF4-FFF2-40B4-BE49-F238E27FC236}">
+                <a16:creationId xmlns:a16="http://schemas.microsoft.com/office/drawing/2014/main" id="{6C84E08B-FE3F-29F4-9C8D-534030186D45}"/>
+              </a:ext>
+            </a:extLst>
+          </p:cNvPr>
+          <p:cNvSpPr>
+            <a:spLocks noGrp="1"/>
+          </p:cNvSpPr>
+          <p:nvPr>
+            <p:ph idx="1"/>
+          </p:nvPr>
+        </p:nvSpPr>
+        <p:spPr/>
+        <p:txBody>
+          <a:bodyPr>
+            <a:normAutofit/>
+          </a:bodyPr>
+          <a:lstStyle/>
+          <a:p>
+            <a:r>
+              <a:rPr lang="en-IL" sz="2000" dirty="0"/>
+              <a:t>Similar to @PostConstruct, </a:t>
+            </a:r>
+            <a:r>
+              <a:rPr lang="en-IL" sz="2000" dirty="0">
+                <a:solidFill>
+                  <a:schemeClr val="accent1"/>
+                </a:solidFill>
+              </a:rPr>
+              <a:t>@PreDestroy </a:t>
+            </a:r>
+            <a:r>
+              <a:rPr lang="en-IL" sz="2000" dirty="0"/>
+              <a:t>can be added to a function, and it will be called before the bean is going to be destroyed. </a:t>
+            </a:r>
+          </a:p>
+          <a:p>
+            <a:r>
+              <a:rPr lang="en-IL" sz="2000" dirty="0"/>
+              <a:t>Using </a:t>
+            </a:r>
+            <a:r>
+              <a:rPr lang="en-IL" sz="2000" dirty="0">
+                <a:solidFill>
+                  <a:schemeClr val="accent1"/>
+                </a:solidFill>
+              </a:rPr>
+              <a:t>@PreDestroy</a:t>
+            </a:r>
+            <a:r>
+              <a:rPr lang="en-IL" sz="2000" dirty="0"/>
+              <a:t>, you can supply a graceful shutdown for your bean.</a:t>
+            </a:r>
+          </a:p>
+        </p:txBody>
+      </p:sp>
+    </p:spTree>
+    <p:extLst>
+      <p:ext uri="{BB962C8B-B14F-4D97-AF65-F5344CB8AC3E}">
+        <p14:creationId xmlns:p14="http://schemas.microsoft.com/office/powerpoint/2010/main" val="3317311172"/>
+      </p:ext>
+    </p:extLst>
+  </p:cSld>
+  <p:clrMapOvr>
+    <a:masterClrMapping/>
+  </p:clrMapOvr>
+</p:sld>
+</file>
+
 <file path=ppt/slides/slide6.xml><?xml version="1.0" encoding="utf-8"?>
 <p:sld xmlns:a="http://schemas.openxmlformats.org/drawingml/2006/main" xmlns:r="http://schemas.openxmlformats.org/officeDocument/2006/relationships" xmlns:p="http://schemas.openxmlformats.org/presentationml/2006/main">
   <p:cSld>
@@ -29554,6 +34959,2401 @@
     <p:extLst>
       <p:ext uri="{BB962C8B-B14F-4D97-AF65-F5344CB8AC3E}">
         <p14:creationId xmlns:p14="http://schemas.microsoft.com/office/powerpoint/2010/main" val="1332358487"/>
+      </p:ext>
+    </p:extLst>
+  </p:cSld>
+  <p:clrMapOvr>
+    <a:masterClrMapping/>
+  </p:clrMapOvr>
+</p:sld>
+</file>
+
+<file path=ppt/slides/slide60.xml><?xml version="1.0" encoding="utf-8"?>
+<p:sld xmlns:a="http://schemas.openxmlformats.org/drawingml/2006/main" xmlns:r="http://schemas.openxmlformats.org/officeDocument/2006/relationships" xmlns:p="http://schemas.openxmlformats.org/presentationml/2006/main">
+  <p:cSld>
+    <p:spTree>
+      <p:nvGrpSpPr>
+        <p:cNvPr id="1" name=""/>
+        <p:cNvGrpSpPr/>
+        <p:nvPr/>
+      </p:nvGrpSpPr>
+      <p:grpSpPr>
+        <a:xfrm>
+          <a:off x="0" y="0"/>
+          <a:ext cx="0" cy="0"/>
+          <a:chOff x="0" y="0"/>
+          <a:chExt cx="0" cy="0"/>
+        </a:xfrm>
+      </p:grpSpPr>
+      <p:sp>
+        <p:nvSpPr>
+          <p:cNvPr id="2" name="Title 1">
+            <a:extLst>
+              <a:ext uri="{FF2B5EF4-FFF2-40B4-BE49-F238E27FC236}">
+                <a16:creationId xmlns:a16="http://schemas.microsoft.com/office/drawing/2014/main" id="{890C543D-F009-3CE9-CDF7-B0B4DA91C1FF}"/>
+              </a:ext>
+            </a:extLst>
+          </p:cNvPr>
+          <p:cNvSpPr>
+            <a:spLocks noGrp="1"/>
+          </p:cNvSpPr>
+          <p:nvPr>
+            <p:ph type="title"/>
+          </p:nvPr>
+        </p:nvSpPr>
+        <p:spPr>
+          <a:xfrm>
+            <a:off x="677334" y="609600"/>
+            <a:ext cx="8596668" cy="896983"/>
+          </a:xfrm>
+        </p:spPr>
+        <p:txBody>
+          <a:bodyPr/>
+          <a:lstStyle/>
+          <a:p>
+            <a:r>
+              <a:rPr lang="en-US" dirty="0"/>
+              <a:t>@</a:t>
+            </a:r>
+            <a:r>
+              <a:rPr lang="en-US" dirty="0" err="1"/>
+              <a:t>PostConstruct</a:t>
+            </a:r>
+            <a:r>
+              <a:rPr lang="en-US" dirty="0"/>
+              <a:t> </a:t>
+            </a:r>
+            <a:r>
+              <a:rPr lang="en-US" dirty="0">
+                <a:solidFill>
+                  <a:schemeClr val="tx1"/>
+                </a:solidFill>
+              </a:rPr>
+              <a:t>and</a:t>
+            </a:r>
+            <a:r>
+              <a:rPr lang="en-US" dirty="0"/>
+              <a:t> @</a:t>
+            </a:r>
+            <a:r>
+              <a:rPr lang="en-US" dirty="0" err="1"/>
+              <a:t>PreDestroy</a:t>
+            </a:r>
+            <a:endParaRPr lang="en-IL" dirty="0"/>
+          </a:p>
+        </p:txBody>
+      </p:sp>
+      <p:sp>
+        <p:nvSpPr>
+          <p:cNvPr id="4" name="TextBox 3">
+            <a:extLst>
+              <a:ext uri="{FF2B5EF4-FFF2-40B4-BE49-F238E27FC236}">
+                <a16:creationId xmlns:a16="http://schemas.microsoft.com/office/drawing/2014/main" id="{1A1A9594-6647-F68D-B755-52004E149EB5}"/>
+              </a:ext>
+            </a:extLst>
+          </p:cNvPr>
+          <p:cNvSpPr txBox="1"/>
+          <p:nvPr/>
+        </p:nvSpPr>
+        <p:spPr>
+          <a:xfrm>
+            <a:off x="677334" y="1506583"/>
+            <a:ext cx="4748106" cy="4647426"/>
+          </a:xfrm>
+          <a:prstGeom prst="rect">
+            <a:avLst/>
+          </a:prstGeom>
+          <a:solidFill>
+            <a:schemeClr val="tx2">
+              <a:lumMod val="20000"/>
+              <a:lumOff val="80000"/>
+            </a:schemeClr>
+          </a:solidFill>
+          <a:ln>
+            <a:solidFill>
+              <a:schemeClr val="tx2">
+                <a:lumMod val="75000"/>
+              </a:schemeClr>
+            </a:solidFill>
+          </a:ln>
+        </p:spPr>
+        <p:txBody>
+          <a:bodyPr wrap="square" rtlCol="0">
+            <a:spAutoFit/>
+          </a:bodyPr>
+          <a:lstStyle/>
+          <a:p>
+            <a:r>
+              <a:rPr lang="en-US" dirty="0">
+                <a:solidFill>
+                  <a:schemeClr val="accent1"/>
+                </a:solidFill>
+              </a:rPr>
+              <a:t>Spring</a:t>
+            </a:r>
+            <a:r>
+              <a:rPr lang="en-US" dirty="0"/>
+              <a:t> calls the methods annotated with </a:t>
+            </a:r>
+            <a:r>
+              <a:rPr lang="en-US" dirty="0">
+                <a:solidFill>
+                  <a:schemeClr val="accent1"/>
+                </a:solidFill>
+              </a:rPr>
+              <a:t>@</a:t>
+            </a:r>
+            <a:r>
+              <a:rPr lang="en-US" dirty="0" err="1">
+                <a:solidFill>
+                  <a:schemeClr val="accent1"/>
+                </a:solidFill>
+              </a:rPr>
+              <a:t>PostConstruct</a:t>
+            </a:r>
+            <a:r>
+              <a:rPr lang="en-US" dirty="0">
+                <a:solidFill>
+                  <a:schemeClr val="accent1"/>
+                </a:solidFill>
+              </a:rPr>
+              <a:t> </a:t>
+            </a:r>
+            <a:r>
+              <a:rPr lang="en-US" dirty="0"/>
+              <a:t>only once, just after the initialization of bean properties.</a:t>
+            </a:r>
+            <a:endParaRPr lang="en-IL" dirty="0"/>
+          </a:p>
+          <a:p>
+            <a:endParaRPr lang="en-IL" dirty="0"/>
+          </a:p>
+          <a:p>
+            <a:r>
+              <a:rPr lang="en-US" sz="1400" dirty="0">
+                <a:solidFill>
+                  <a:srgbClr val="9E880D"/>
+                </a:solidFill>
+                <a:latin typeface="Courier New" panose="02070309020205020404" pitchFamily="49" charset="0"/>
+                <a:cs typeface="Courier New" panose="02070309020205020404" pitchFamily="49" charset="0"/>
+              </a:rPr>
+              <a:t>@Component</a:t>
+            </a:r>
+          </a:p>
+          <a:p>
+            <a:r>
+              <a:rPr lang="en-US" sz="1400" dirty="0">
+                <a:solidFill>
+                  <a:srgbClr val="0070C0"/>
+                </a:solidFill>
+                <a:latin typeface="Courier New" panose="02070309020205020404" pitchFamily="49" charset="0"/>
+                <a:cs typeface="Courier New" panose="02070309020205020404" pitchFamily="49" charset="0"/>
+              </a:rPr>
+              <a:t>public</a:t>
+            </a:r>
+            <a:r>
+              <a:rPr lang="en-US" sz="1400" dirty="0">
+                <a:latin typeface="Courier New" panose="02070309020205020404" pitchFamily="49" charset="0"/>
+                <a:cs typeface="Courier New" panose="02070309020205020404" pitchFamily="49" charset="0"/>
+              </a:rPr>
+              <a:t> </a:t>
+            </a:r>
+            <a:r>
+              <a:rPr lang="en-US" sz="1400" dirty="0">
+                <a:solidFill>
+                  <a:srgbClr val="0070C0"/>
+                </a:solidFill>
+                <a:latin typeface="Courier New" panose="02070309020205020404" pitchFamily="49" charset="0"/>
+                <a:cs typeface="Courier New" panose="02070309020205020404" pitchFamily="49" charset="0"/>
+              </a:rPr>
+              <a:t>class</a:t>
+            </a:r>
+            <a:r>
+              <a:rPr lang="en-US" sz="1400" dirty="0">
+                <a:latin typeface="Courier New" panose="02070309020205020404" pitchFamily="49" charset="0"/>
+                <a:cs typeface="Courier New" panose="02070309020205020404" pitchFamily="49" charset="0"/>
+              </a:rPr>
+              <a:t> </a:t>
+            </a:r>
+            <a:r>
+              <a:rPr lang="en-US" sz="1400" dirty="0" err="1">
+                <a:latin typeface="Courier New" panose="02070309020205020404" pitchFamily="49" charset="0"/>
+                <a:cs typeface="Courier New" panose="02070309020205020404" pitchFamily="49" charset="0"/>
+              </a:rPr>
+              <a:t>DbInit</a:t>
+            </a:r>
+            <a:r>
+              <a:rPr lang="en-US" sz="1400" dirty="0">
+                <a:latin typeface="Courier New" panose="02070309020205020404" pitchFamily="49" charset="0"/>
+                <a:cs typeface="Courier New" panose="02070309020205020404" pitchFamily="49" charset="0"/>
+              </a:rPr>
+              <a:t> {</a:t>
+            </a:r>
+          </a:p>
+          <a:p>
+            <a:endParaRPr lang="en-US" sz="1400" dirty="0">
+              <a:latin typeface="Courier New" panose="02070309020205020404" pitchFamily="49" charset="0"/>
+              <a:cs typeface="Courier New" panose="02070309020205020404" pitchFamily="49" charset="0"/>
+            </a:endParaRPr>
+          </a:p>
+          <a:p>
+            <a:r>
+              <a:rPr lang="en-US" sz="1400" dirty="0">
+                <a:latin typeface="Courier New" panose="02070309020205020404" pitchFamily="49" charset="0"/>
+                <a:cs typeface="Courier New" panose="02070309020205020404" pitchFamily="49" charset="0"/>
+              </a:rPr>
+              <a:t>    </a:t>
+            </a:r>
+            <a:r>
+              <a:rPr lang="en-US" sz="1400" dirty="0">
+                <a:solidFill>
+                  <a:srgbClr val="9E880D"/>
+                </a:solidFill>
+                <a:latin typeface="Courier New" panose="02070309020205020404" pitchFamily="49" charset="0"/>
+                <a:cs typeface="Courier New" panose="02070309020205020404" pitchFamily="49" charset="0"/>
+              </a:rPr>
+              <a:t>@</a:t>
+            </a:r>
+            <a:r>
+              <a:rPr lang="en-US" sz="1400" dirty="0" err="1">
+                <a:solidFill>
+                  <a:srgbClr val="9E880D"/>
+                </a:solidFill>
+                <a:latin typeface="Courier New" panose="02070309020205020404" pitchFamily="49" charset="0"/>
+                <a:cs typeface="Courier New" panose="02070309020205020404" pitchFamily="49" charset="0"/>
+              </a:rPr>
+              <a:t>Autowired</a:t>
+            </a:r>
+            <a:endParaRPr lang="en-US" sz="1400" dirty="0">
+              <a:solidFill>
+                <a:srgbClr val="9E880D"/>
+              </a:solidFill>
+              <a:latin typeface="Courier New" panose="02070309020205020404" pitchFamily="49" charset="0"/>
+              <a:cs typeface="Courier New" panose="02070309020205020404" pitchFamily="49" charset="0"/>
+            </a:endParaRPr>
+          </a:p>
+          <a:p>
+            <a:r>
+              <a:rPr lang="en-US" sz="1400" dirty="0">
+                <a:latin typeface="Courier New" panose="02070309020205020404" pitchFamily="49" charset="0"/>
+                <a:cs typeface="Courier New" panose="02070309020205020404" pitchFamily="49" charset="0"/>
+              </a:rPr>
+              <a:t>    </a:t>
+            </a:r>
+            <a:r>
+              <a:rPr lang="en-US" sz="1400" dirty="0">
+                <a:solidFill>
+                  <a:srgbClr val="0070C0"/>
+                </a:solidFill>
+                <a:latin typeface="Courier New" panose="02070309020205020404" pitchFamily="49" charset="0"/>
+                <a:cs typeface="Courier New" panose="02070309020205020404" pitchFamily="49" charset="0"/>
+              </a:rPr>
+              <a:t>private</a:t>
+            </a:r>
+            <a:r>
+              <a:rPr lang="en-US" sz="1400" dirty="0">
+                <a:latin typeface="Courier New" panose="02070309020205020404" pitchFamily="49" charset="0"/>
+                <a:cs typeface="Courier New" panose="02070309020205020404" pitchFamily="49" charset="0"/>
+              </a:rPr>
+              <a:t> </a:t>
+            </a:r>
+            <a:r>
+              <a:rPr lang="en-US" sz="1400" dirty="0" err="1">
+                <a:latin typeface="Courier New" panose="02070309020205020404" pitchFamily="49" charset="0"/>
+                <a:cs typeface="Courier New" panose="02070309020205020404" pitchFamily="49" charset="0"/>
+              </a:rPr>
+              <a:t>UserRepository</a:t>
+            </a:r>
+            <a:r>
+              <a:rPr lang="en-US" sz="1400" dirty="0">
+                <a:latin typeface="Courier New" panose="02070309020205020404" pitchFamily="49" charset="0"/>
+                <a:cs typeface="Courier New" panose="02070309020205020404" pitchFamily="49" charset="0"/>
+              </a:rPr>
+              <a:t> </a:t>
+            </a:r>
+            <a:r>
+              <a:rPr lang="en-US" sz="1400" dirty="0" err="1">
+                <a:latin typeface="Courier New" panose="02070309020205020404" pitchFamily="49" charset="0"/>
+                <a:cs typeface="Courier New" panose="02070309020205020404" pitchFamily="49" charset="0"/>
+              </a:rPr>
+              <a:t>userRepository</a:t>
+            </a:r>
+            <a:r>
+              <a:rPr lang="en-US" sz="1400" dirty="0">
+                <a:latin typeface="Courier New" panose="02070309020205020404" pitchFamily="49" charset="0"/>
+                <a:cs typeface="Courier New" panose="02070309020205020404" pitchFamily="49" charset="0"/>
+              </a:rPr>
+              <a:t>;</a:t>
+            </a:r>
+          </a:p>
+          <a:p>
+            <a:endParaRPr lang="en-US" sz="1400" dirty="0">
+              <a:latin typeface="Courier New" panose="02070309020205020404" pitchFamily="49" charset="0"/>
+              <a:cs typeface="Courier New" panose="02070309020205020404" pitchFamily="49" charset="0"/>
+            </a:endParaRPr>
+          </a:p>
+          <a:p>
+            <a:r>
+              <a:rPr lang="en-US" sz="1400" dirty="0">
+                <a:latin typeface="Courier New" panose="02070309020205020404" pitchFamily="49" charset="0"/>
+                <a:cs typeface="Courier New" panose="02070309020205020404" pitchFamily="49" charset="0"/>
+              </a:rPr>
+              <a:t>    </a:t>
+            </a:r>
+            <a:r>
+              <a:rPr lang="en-US" sz="1400" b="1" dirty="0">
+                <a:solidFill>
+                  <a:srgbClr val="9E880D"/>
+                </a:solidFill>
+                <a:latin typeface="Courier New" panose="02070309020205020404" pitchFamily="49" charset="0"/>
+                <a:cs typeface="Courier New" panose="02070309020205020404" pitchFamily="49" charset="0"/>
+              </a:rPr>
+              <a:t>@</a:t>
+            </a:r>
+            <a:r>
+              <a:rPr lang="en-US" sz="1400" b="1" dirty="0" err="1">
+                <a:solidFill>
+                  <a:srgbClr val="9E880D"/>
+                </a:solidFill>
+                <a:latin typeface="Courier New" panose="02070309020205020404" pitchFamily="49" charset="0"/>
+                <a:cs typeface="Courier New" panose="02070309020205020404" pitchFamily="49" charset="0"/>
+              </a:rPr>
+              <a:t>PostConstruct</a:t>
+            </a:r>
+            <a:endParaRPr lang="en-US" sz="1400" b="1" dirty="0">
+              <a:solidFill>
+                <a:srgbClr val="9E880D"/>
+              </a:solidFill>
+              <a:latin typeface="Courier New" panose="02070309020205020404" pitchFamily="49" charset="0"/>
+              <a:cs typeface="Courier New" panose="02070309020205020404" pitchFamily="49" charset="0"/>
+            </a:endParaRPr>
+          </a:p>
+          <a:p>
+            <a:r>
+              <a:rPr lang="en-US" sz="1400" dirty="0">
+                <a:latin typeface="Courier New" panose="02070309020205020404" pitchFamily="49" charset="0"/>
+                <a:cs typeface="Courier New" panose="02070309020205020404" pitchFamily="49" charset="0"/>
+              </a:rPr>
+              <a:t>    </a:t>
+            </a:r>
+            <a:r>
+              <a:rPr lang="en-US" sz="1400" dirty="0">
+                <a:solidFill>
+                  <a:srgbClr val="0070C0"/>
+                </a:solidFill>
+                <a:latin typeface="Courier New" panose="02070309020205020404" pitchFamily="49" charset="0"/>
+                <a:cs typeface="Courier New" panose="02070309020205020404" pitchFamily="49" charset="0"/>
+              </a:rPr>
+              <a:t>private</a:t>
+            </a:r>
+            <a:r>
+              <a:rPr lang="en-US" sz="1400" dirty="0">
+                <a:latin typeface="Courier New" panose="02070309020205020404" pitchFamily="49" charset="0"/>
+                <a:cs typeface="Courier New" panose="02070309020205020404" pitchFamily="49" charset="0"/>
+              </a:rPr>
+              <a:t> </a:t>
+            </a:r>
+            <a:r>
+              <a:rPr lang="en-US" sz="1400" dirty="0">
+                <a:solidFill>
+                  <a:srgbClr val="0070C0"/>
+                </a:solidFill>
+                <a:latin typeface="Courier New" panose="02070309020205020404" pitchFamily="49" charset="0"/>
+                <a:cs typeface="Courier New" panose="02070309020205020404" pitchFamily="49" charset="0"/>
+              </a:rPr>
+              <a:t>void</a:t>
+            </a:r>
+            <a:r>
+              <a:rPr lang="en-US" sz="1400" dirty="0">
+                <a:latin typeface="Courier New" panose="02070309020205020404" pitchFamily="49" charset="0"/>
+                <a:cs typeface="Courier New" panose="02070309020205020404" pitchFamily="49" charset="0"/>
+              </a:rPr>
+              <a:t> </a:t>
+            </a:r>
+            <a:r>
+              <a:rPr lang="en-US" sz="1400" dirty="0" err="1">
+                <a:latin typeface="Courier New" panose="02070309020205020404" pitchFamily="49" charset="0"/>
+                <a:cs typeface="Courier New" panose="02070309020205020404" pitchFamily="49" charset="0"/>
+              </a:rPr>
+              <a:t>postConstruct</a:t>
+            </a:r>
+            <a:r>
+              <a:rPr lang="en-US" sz="1400" dirty="0">
+                <a:latin typeface="Courier New" panose="02070309020205020404" pitchFamily="49" charset="0"/>
+                <a:cs typeface="Courier New" panose="02070309020205020404" pitchFamily="49" charset="0"/>
+              </a:rPr>
+              <a:t>() {</a:t>
+            </a:r>
+          </a:p>
+          <a:p>
+            <a:r>
+              <a:rPr lang="en-US" sz="1400" dirty="0">
+                <a:latin typeface="Courier New" panose="02070309020205020404" pitchFamily="49" charset="0"/>
+                <a:cs typeface="Courier New" panose="02070309020205020404" pitchFamily="49" charset="0"/>
+              </a:rPr>
+              <a:t>        User admin = </a:t>
+            </a:r>
+            <a:r>
+              <a:rPr lang="en-US" sz="1400" dirty="0">
+                <a:solidFill>
+                  <a:srgbClr val="0070C0"/>
+                </a:solidFill>
+                <a:latin typeface="Courier New" panose="02070309020205020404" pitchFamily="49" charset="0"/>
+                <a:cs typeface="Courier New" panose="02070309020205020404" pitchFamily="49" charset="0"/>
+              </a:rPr>
+              <a:t>new</a:t>
+            </a:r>
+            <a:r>
+              <a:rPr lang="en-US" sz="1400" dirty="0">
+                <a:latin typeface="Courier New" panose="02070309020205020404" pitchFamily="49" charset="0"/>
+                <a:cs typeface="Courier New" panose="02070309020205020404" pitchFamily="49" charset="0"/>
+              </a:rPr>
+              <a:t> User("admin", "admin password");</a:t>
+            </a:r>
+          </a:p>
+          <a:p>
+            <a:r>
+              <a:rPr lang="en-US" sz="1400" dirty="0">
+                <a:latin typeface="Courier New" panose="02070309020205020404" pitchFamily="49" charset="0"/>
+                <a:cs typeface="Courier New" panose="02070309020205020404" pitchFamily="49" charset="0"/>
+              </a:rPr>
+              <a:t>        User </a:t>
+            </a:r>
+            <a:r>
+              <a:rPr lang="en-US" sz="1400" dirty="0" err="1">
+                <a:latin typeface="Courier New" panose="02070309020205020404" pitchFamily="49" charset="0"/>
+                <a:cs typeface="Courier New" panose="02070309020205020404" pitchFamily="49" charset="0"/>
+              </a:rPr>
+              <a:t>normalUser</a:t>
+            </a:r>
+            <a:r>
+              <a:rPr lang="en-US" sz="1400" dirty="0">
+                <a:latin typeface="Courier New" panose="02070309020205020404" pitchFamily="49" charset="0"/>
+                <a:cs typeface="Courier New" panose="02070309020205020404" pitchFamily="49" charset="0"/>
+              </a:rPr>
+              <a:t> = </a:t>
+            </a:r>
+            <a:r>
+              <a:rPr lang="en-US" sz="1400" dirty="0">
+                <a:solidFill>
+                  <a:srgbClr val="0070C0"/>
+                </a:solidFill>
+                <a:latin typeface="Courier New" panose="02070309020205020404" pitchFamily="49" charset="0"/>
+                <a:cs typeface="Courier New" panose="02070309020205020404" pitchFamily="49" charset="0"/>
+              </a:rPr>
+              <a:t>new</a:t>
+            </a:r>
+            <a:r>
+              <a:rPr lang="en-US" sz="1400" dirty="0">
+                <a:latin typeface="Courier New" panose="02070309020205020404" pitchFamily="49" charset="0"/>
+                <a:cs typeface="Courier New" panose="02070309020205020404" pitchFamily="49" charset="0"/>
+              </a:rPr>
+              <a:t> User("user", "user password");</a:t>
+            </a:r>
+          </a:p>
+          <a:p>
+            <a:r>
+              <a:rPr lang="en-US" sz="1400" dirty="0">
+                <a:latin typeface="Courier New" panose="02070309020205020404" pitchFamily="49" charset="0"/>
+                <a:cs typeface="Courier New" panose="02070309020205020404" pitchFamily="49" charset="0"/>
+              </a:rPr>
+              <a:t>        </a:t>
+            </a:r>
+            <a:r>
+              <a:rPr lang="en-US" sz="1400" dirty="0" err="1">
+                <a:latin typeface="Courier New" panose="02070309020205020404" pitchFamily="49" charset="0"/>
+                <a:cs typeface="Courier New" panose="02070309020205020404" pitchFamily="49" charset="0"/>
+              </a:rPr>
+              <a:t>userRepository.save</a:t>
+            </a:r>
+            <a:r>
+              <a:rPr lang="en-US" sz="1400" dirty="0">
+                <a:latin typeface="Courier New" panose="02070309020205020404" pitchFamily="49" charset="0"/>
+                <a:cs typeface="Courier New" panose="02070309020205020404" pitchFamily="49" charset="0"/>
+              </a:rPr>
+              <a:t>(admin, </a:t>
+            </a:r>
+            <a:r>
+              <a:rPr lang="en-US" sz="1400" dirty="0" err="1">
+                <a:latin typeface="Courier New" panose="02070309020205020404" pitchFamily="49" charset="0"/>
+                <a:cs typeface="Courier New" panose="02070309020205020404" pitchFamily="49" charset="0"/>
+              </a:rPr>
+              <a:t>normalUser</a:t>
+            </a:r>
+            <a:r>
+              <a:rPr lang="en-US" sz="1400" dirty="0">
+                <a:latin typeface="Courier New" panose="02070309020205020404" pitchFamily="49" charset="0"/>
+                <a:cs typeface="Courier New" panose="02070309020205020404" pitchFamily="49" charset="0"/>
+              </a:rPr>
+              <a:t>);</a:t>
+            </a:r>
+          </a:p>
+          <a:p>
+            <a:r>
+              <a:rPr lang="en-US" sz="1400" dirty="0">
+                <a:latin typeface="Courier New" panose="02070309020205020404" pitchFamily="49" charset="0"/>
+                <a:cs typeface="Courier New" panose="02070309020205020404" pitchFamily="49" charset="0"/>
+              </a:rPr>
+              <a:t>    }</a:t>
+            </a:r>
+          </a:p>
+          <a:p>
+            <a:r>
+              <a:rPr lang="en-US" sz="1400" dirty="0">
+                <a:latin typeface="Courier New" panose="02070309020205020404" pitchFamily="49" charset="0"/>
+                <a:cs typeface="Courier New" panose="02070309020205020404" pitchFamily="49" charset="0"/>
+              </a:rPr>
+              <a:t>}</a:t>
+            </a:r>
+            <a:endParaRPr lang="en-IL" sz="1400" dirty="0">
+              <a:latin typeface="Courier New" panose="02070309020205020404" pitchFamily="49" charset="0"/>
+              <a:cs typeface="Courier New" panose="02070309020205020404" pitchFamily="49" charset="0"/>
+            </a:endParaRPr>
+          </a:p>
+        </p:txBody>
+      </p:sp>
+      <p:sp>
+        <p:nvSpPr>
+          <p:cNvPr id="5" name="TextBox 4">
+            <a:extLst>
+              <a:ext uri="{FF2B5EF4-FFF2-40B4-BE49-F238E27FC236}">
+                <a16:creationId xmlns:a16="http://schemas.microsoft.com/office/drawing/2014/main" id="{B20B83EA-5DF5-3546-FF69-E06F062B1466}"/>
+              </a:ext>
+            </a:extLst>
+          </p:cNvPr>
+          <p:cNvSpPr txBox="1"/>
+          <p:nvPr/>
+        </p:nvSpPr>
+        <p:spPr>
+          <a:xfrm>
+            <a:off x="6096000" y="1540626"/>
+            <a:ext cx="4815841" cy="3139321"/>
+          </a:xfrm>
+          <a:prstGeom prst="rect">
+            <a:avLst/>
+          </a:prstGeom>
+          <a:solidFill>
+            <a:schemeClr val="accent1">
+              <a:lumMod val="20000"/>
+              <a:lumOff val="80000"/>
+            </a:schemeClr>
+          </a:solidFill>
+          <a:ln>
+            <a:solidFill>
+              <a:schemeClr val="tx2">
+                <a:lumMod val="75000"/>
+              </a:schemeClr>
+            </a:solidFill>
+          </a:ln>
+        </p:spPr>
+        <p:txBody>
+          <a:bodyPr wrap="square" rtlCol="0">
+            <a:spAutoFit/>
+          </a:bodyPr>
+          <a:lstStyle/>
+          <a:p>
+            <a:r>
+              <a:rPr lang="en-US" dirty="0"/>
+              <a:t>A method annotated with </a:t>
+            </a:r>
+            <a:r>
+              <a:rPr lang="en-US" dirty="0">
+                <a:solidFill>
+                  <a:schemeClr val="accent1"/>
+                </a:solidFill>
+              </a:rPr>
+              <a:t>@</a:t>
+            </a:r>
+            <a:r>
+              <a:rPr lang="en-US" dirty="0" err="1">
+                <a:solidFill>
+                  <a:schemeClr val="accent1"/>
+                </a:solidFill>
+              </a:rPr>
+              <a:t>PreDestroy</a:t>
+            </a:r>
+            <a:r>
+              <a:rPr lang="en-US" dirty="0">
+                <a:solidFill>
+                  <a:schemeClr val="accent1"/>
+                </a:solidFill>
+              </a:rPr>
+              <a:t> </a:t>
+            </a:r>
+            <a:r>
+              <a:rPr lang="en-US" dirty="0"/>
+              <a:t>runs only once, just before Spring removes our bean from the application context.</a:t>
+            </a:r>
+          </a:p>
+          <a:p>
+            <a:endParaRPr lang="en-IL" dirty="0"/>
+          </a:p>
+          <a:p>
+            <a:r>
+              <a:rPr lang="en-US" sz="1400" dirty="0">
+                <a:solidFill>
+                  <a:srgbClr val="9E880D"/>
+                </a:solidFill>
+                <a:latin typeface="Courier New" panose="02070309020205020404" pitchFamily="49" charset="0"/>
+                <a:cs typeface="Courier New" panose="02070309020205020404" pitchFamily="49" charset="0"/>
+              </a:rPr>
+              <a:t>@Component</a:t>
+            </a:r>
+          </a:p>
+          <a:p>
+            <a:r>
+              <a:rPr lang="en-US" sz="1400" dirty="0">
+                <a:solidFill>
+                  <a:srgbClr val="0070C0"/>
+                </a:solidFill>
+                <a:latin typeface="Courier New" panose="02070309020205020404" pitchFamily="49" charset="0"/>
+                <a:cs typeface="Courier New" panose="02070309020205020404" pitchFamily="49" charset="0"/>
+              </a:rPr>
+              <a:t>public</a:t>
+            </a:r>
+            <a:r>
+              <a:rPr lang="en-US" sz="1400" dirty="0">
+                <a:latin typeface="Courier New" panose="02070309020205020404" pitchFamily="49" charset="0"/>
+                <a:cs typeface="Courier New" panose="02070309020205020404" pitchFamily="49" charset="0"/>
+              </a:rPr>
+              <a:t> </a:t>
+            </a:r>
+            <a:r>
+              <a:rPr lang="en-US" sz="1400" dirty="0">
+                <a:solidFill>
+                  <a:srgbClr val="0070C0"/>
+                </a:solidFill>
+                <a:latin typeface="Courier New" panose="02070309020205020404" pitchFamily="49" charset="0"/>
+                <a:cs typeface="Courier New" panose="02070309020205020404" pitchFamily="49" charset="0"/>
+              </a:rPr>
+              <a:t>class</a:t>
+            </a:r>
+            <a:r>
+              <a:rPr lang="en-US" sz="1400" dirty="0">
+                <a:latin typeface="Courier New" panose="02070309020205020404" pitchFamily="49" charset="0"/>
+                <a:cs typeface="Courier New" panose="02070309020205020404" pitchFamily="49" charset="0"/>
+              </a:rPr>
+              <a:t> </a:t>
+            </a:r>
+            <a:r>
+              <a:rPr lang="en-US" sz="1400" dirty="0" err="1">
+                <a:latin typeface="Courier New" panose="02070309020205020404" pitchFamily="49" charset="0"/>
+                <a:cs typeface="Courier New" panose="02070309020205020404" pitchFamily="49" charset="0"/>
+              </a:rPr>
+              <a:t>UserRepository</a:t>
+            </a:r>
+            <a:r>
+              <a:rPr lang="en-US" sz="1400" dirty="0">
+                <a:latin typeface="Courier New" panose="02070309020205020404" pitchFamily="49" charset="0"/>
+                <a:cs typeface="Courier New" panose="02070309020205020404" pitchFamily="49" charset="0"/>
+              </a:rPr>
+              <a:t> {</a:t>
+            </a:r>
+          </a:p>
+          <a:p>
+            <a:endParaRPr lang="en-US" sz="1400" dirty="0">
+              <a:latin typeface="Courier New" panose="02070309020205020404" pitchFamily="49" charset="0"/>
+              <a:cs typeface="Courier New" panose="02070309020205020404" pitchFamily="49" charset="0"/>
+            </a:endParaRPr>
+          </a:p>
+          <a:p>
+            <a:r>
+              <a:rPr lang="en-US" sz="1400" dirty="0">
+                <a:latin typeface="Courier New" panose="02070309020205020404" pitchFamily="49" charset="0"/>
+                <a:cs typeface="Courier New" panose="02070309020205020404" pitchFamily="49" charset="0"/>
+              </a:rPr>
+              <a:t>    </a:t>
+            </a:r>
+            <a:r>
+              <a:rPr lang="en-US" sz="1400" dirty="0">
+                <a:solidFill>
+                  <a:srgbClr val="0070C0"/>
+                </a:solidFill>
+                <a:latin typeface="Courier New" panose="02070309020205020404" pitchFamily="49" charset="0"/>
+                <a:cs typeface="Courier New" panose="02070309020205020404" pitchFamily="49" charset="0"/>
+              </a:rPr>
+              <a:t>private</a:t>
+            </a:r>
+            <a:r>
+              <a:rPr lang="en-US" sz="1400" dirty="0">
+                <a:latin typeface="Courier New" panose="02070309020205020404" pitchFamily="49" charset="0"/>
+                <a:cs typeface="Courier New" panose="02070309020205020404" pitchFamily="49" charset="0"/>
+              </a:rPr>
+              <a:t> </a:t>
+            </a:r>
+            <a:r>
+              <a:rPr lang="en-US" sz="1400" dirty="0" err="1">
+                <a:latin typeface="Courier New" panose="02070309020205020404" pitchFamily="49" charset="0"/>
+                <a:cs typeface="Courier New" panose="02070309020205020404" pitchFamily="49" charset="0"/>
+              </a:rPr>
+              <a:t>DbConnection</a:t>
+            </a:r>
+            <a:r>
+              <a:rPr lang="en-US" sz="1400" dirty="0">
+                <a:latin typeface="Courier New" panose="02070309020205020404" pitchFamily="49" charset="0"/>
+                <a:cs typeface="Courier New" panose="02070309020205020404" pitchFamily="49" charset="0"/>
+              </a:rPr>
+              <a:t> </a:t>
+            </a:r>
+            <a:r>
+              <a:rPr lang="en-US" sz="1400" dirty="0" err="1">
+                <a:latin typeface="Courier New" panose="02070309020205020404" pitchFamily="49" charset="0"/>
+                <a:cs typeface="Courier New" panose="02070309020205020404" pitchFamily="49" charset="0"/>
+              </a:rPr>
+              <a:t>dbConnection</a:t>
+            </a:r>
+            <a:r>
+              <a:rPr lang="en-US" sz="1400" dirty="0">
+                <a:latin typeface="Courier New" panose="02070309020205020404" pitchFamily="49" charset="0"/>
+                <a:cs typeface="Courier New" panose="02070309020205020404" pitchFamily="49" charset="0"/>
+              </a:rPr>
+              <a:t>;</a:t>
+            </a:r>
+          </a:p>
+          <a:p>
+            <a:r>
+              <a:rPr lang="en-US" sz="1400" dirty="0">
+                <a:latin typeface="Courier New" panose="02070309020205020404" pitchFamily="49" charset="0"/>
+                <a:cs typeface="Courier New" panose="02070309020205020404" pitchFamily="49" charset="0"/>
+              </a:rPr>
+              <a:t>    </a:t>
+            </a:r>
+            <a:r>
+              <a:rPr lang="en-US" sz="1400" b="1" dirty="0">
+                <a:solidFill>
+                  <a:srgbClr val="9E880D"/>
+                </a:solidFill>
+                <a:latin typeface="Courier New" panose="02070309020205020404" pitchFamily="49" charset="0"/>
+                <a:cs typeface="Courier New" panose="02070309020205020404" pitchFamily="49" charset="0"/>
+              </a:rPr>
+              <a:t>@</a:t>
+            </a:r>
+            <a:r>
+              <a:rPr lang="en-US" sz="1400" b="1" dirty="0" err="1">
+                <a:solidFill>
+                  <a:srgbClr val="9E880D"/>
+                </a:solidFill>
+                <a:latin typeface="Courier New" panose="02070309020205020404" pitchFamily="49" charset="0"/>
+                <a:cs typeface="Courier New" panose="02070309020205020404" pitchFamily="49" charset="0"/>
+              </a:rPr>
+              <a:t>PreDestroy</a:t>
+            </a:r>
+            <a:endParaRPr lang="en-US" sz="1400" b="1" dirty="0">
+              <a:solidFill>
+                <a:srgbClr val="9E880D"/>
+              </a:solidFill>
+              <a:latin typeface="Courier New" panose="02070309020205020404" pitchFamily="49" charset="0"/>
+              <a:cs typeface="Courier New" panose="02070309020205020404" pitchFamily="49" charset="0"/>
+            </a:endParaRPr>
+          </a:p>
+          <a:p>
+            <a:r>
+              <a:rPr lang="en-US" sz="1400" dirty="0">
+                <a:latin typeface="Courier New" panose="02070309020205020404" pitchFamily="49" charset="0"/>
+                <a:cs typeface="Courier New" panose="02070309020205020404" pitchFamily="49" charset="0"/>
+              </a:rPr>
+              <a:t>    </a:t>
+            </a:r>
+            <a:r>
+              <a:rPr lang="en-US" sz="1400" dirty="0">
+                <a:solidFill>
+                  <a:srgbClr val="0070C0"/>
+                </a:solidFill>
+                <a:latin typeface="Courier New" panose="02070309020205020404" pitchFamily="49" charset="0"/>
+                <a:cs typeface="Courier New" panose="02070309020205020404" pitchFamily="49" charset="0"/>
+              </a:rPr>
+              <a:t>public</a:t>
+            </a:r>
+            <a:r>
+              <a:rPr lang="en-US" sz="1400" dirty="0">
+                <a:latin typeface="Courier New" panose="02070309020205020404" pitchFamily="49" charset="0"/>
+                <a:cs typeface="Courier New" panose="02070309020205020404" pitchFamily="49" charset="0"/>
+              </a:rPr>
+              <a:t> </a:t>
+            </a:r>
+            <a:r>
+              <a:rPr lang="en-US" sz="1400" dirty="0">
+                <a:solidFill>
+                  <a:srgbClr val="0070C0"/>
+                </a:solidFill>
+                <a:latin typeface="Courier New" panose="02070309020205020404" pitchFamily="49" charset="0"/>
+                <a:cs typeface="Courier New" panose="02070309020205020404" pitchFamily="49" charset="0"/>
+              </a:rPr>
+              <a:t>void</a:t>
+            </a:r>
+            <a:r>
+              <a:rPr lang="en-US" sz="1400" dirty="0">
+                <a:latin typeface="Courier New" panose="02070309020205020404" pitchFamily="49" charset="0"/>
+                <a:cs typeface="Courier New" panose="02070309020205020404" pitchFamily="49" charset="0"/>
+              </a:rPr>
+              <a:t> </a:t>
+            </a:r>
+            <a:r>
+              <a:rPr lang="en-US" sz="1400" dirty="0" err="1">
+                <a:latin typeface="Courier New" panose="02070309020205020404" pitchFamily="49" charset="0"/>
+                <a:cs typeface="Courier New" panose="02070309020205020404" pitchFamily="49" charset="0"/>
+              </a:rPr>
+              <a:t>preDestroy</a:t>
+            </a:r>
+            <a:r>
+              <a:rPr lang="en-US" sz="1400" dirty="0">
+                <a:latin typeface="Courier New" panose="02070309020205020404" pitchFamily="49" charset="0"/>
+                <a:cs typeface="Courier New" panose="02070309020205020404" pitchFamily="49" charset="0"/>
+              </a:rPr>
+              <a:t>() {</a:t>
+            </a:r>
+          </a:p>
+          <a:p>
+            <a:r>
+              <a:rPr lang="en-US" sz="1400" dirty="0">
+                <a:latin typeface="Courier New" panose="02070309020205020404" pitchFamily="49" charset="0"/>
+                <a:cs typeface="Courier New" panose="02070309020205020404" pitchFamily="49" charset="0"/>
+              </a:rPr>
+              <a:t>        </a:t>
+            </a:r>
+            <a:r>
+              <a:rPr lang="en-US" sz="1400" dirty="0" err="1">
+                <a:latin typeface="Courier New" panose="02070309020205020404" pitchFamily="49" charset="0"/>
+                <a:cs typeface="Courier New" panose="02070309020205020404" pitchFamily="49" charset="0"/>
+              </a:rPr>
+              <a:t>dbConnection.close</a:t>
+            </a:r>
+            <a:r>
+              <a:rPr lang="en-US" sz="1400" dirty="0">
+                <a:latin typeface="Courier New" panose="02070309020205020404" pitchFamily="49" charset="0"/>
+                <a:cs typeface="Courier New" panose="02070309020205020404" pitchFamily="49" charset="0"/>
+              </a:rPr>
+              <a:t>();</a:t>
+            </a:r>
+          </a:p>
+          <a:p>
+            <a:r>
+              <a:rPr lang="en-US" sz="1400" dirty="0">
+                <a:latin typeface="Courier New" panose="02070309020205020404" pitchFamily="49" charset="0"/>
+                <a:cs typeface="Courier New" panose="02070309020205020404" pitchFamily="49" charset="0"/>
+              </a:rPr>
+              <a:t>    }</a:t>
+            </a:r>
+          </a:p>
+          <a:p>
+            <a:r>
+              <a:rPr lang="en-US" sz="1400" dirty="0">
+                <a:latin typeface="Courier New" panose="02070309020205020404" pitchFamily="49" charset="0"/>
+                <a:cs typeface="Courier New" panose="02070309020205020404" pitchFamily="49" charset="0"/>
+              </a:rPr>
+              <a:t>}</a:t>
+            </a:r>
+            <a:endParaRPr lang="en-IL" sz="1400" dirty="0">
+              <a:latin typeface="Courier New" panose="02070309020205020404" pitchFamily="49" charset="0"/>
+              <a:cs typeface="Courier New" panose="02070309020205020404" pitchFamily="49" charset="0"/>
+            </a:endParaRPr>
+          </a:p>
+        </p:txBody>
+      </p:sp>
+    </p:spTree>
+    <p:extLst>
+      <p:ext uri="{BB962C8B-B14F-4D97-AF65-F5344CB8AC3E}">
+        <p14:creationId xmlns:p14="http://schemas.microsoft.com/office/powerpoint/2010/main" val="3599419610"/>
+      </p:ext>
+    </p:extLst>
+  </p:cSld>
+  <p:clrMapOvr>
+    <a:masterClrMapping/>
+  </p:clrMapOvr>
+</p:sld>
+</file>
+
+<file path=ppt/slides/slide61.xml><?xml version="1.0" encoding="utf-8"?>
+<p:sld xmlns:a="http://schemas.openxmlformats.org/drawingml/2006/main" xmlns:r="http://schemas.openxmlformats.org/officeDocument/2006/relationships" xmlns:p="http://schemas.openxmlformats.org/presentationml/2006/main">
+  <p:cSld>
+    <p:spTree>
+      <p:nvGrpSpPr>
+        <p:cNvPr id="1" name=""/>
+        <p:cNvGrpSpPr/>
+        <p:nvPr/>
+      </p:nvGrpSpPr>
+      <p:grpSpPr>
+        <a:xfrm>
+          <a:off x="0" y="0"/>
+          <a:ext cx="0" cy="0"/>
+          <a:chOff x="0" y="0"/>
+          <a:chExt cx="0" cy="0"/>
+        </a:xfrm>
+      </p:grpSpPr>
+      <p:sp>
+        <p:nvSpPr>
+          <p:cNvPr id="2" name="Title 1">
+            <a:extLst>
+              <a:ext uri="{FF2B5EF4-FFF2-40B4-BE49-F238E27FC236}">
+                <a16:creationId xmlns:a16="http://schemas.microsoft.com/office/drawing/2014/main" id="{EDF922D6-DF23-BFB7-8189-723B3A899BFC}"/>
+              </a:ext>
+            </a:extLst>
+          </p:cNvPr>
+          <p:cNvSpPr>
+            <a:spLocks noGrp="1"/>
+          </p:cNvSpPr>
+          <p:nvPr>
+            <p:ph type="title"/>
+          </p:nvPr>
+        </p:nvSpPr>
+        <p:spPr/>
+        <p:txBody>
+          <a:bodyPr/>
+          <a:lstStyle/>
+          <a:p>
+            <a:r>
+              <a:rPr lang="en-IL" dirty="0"/>
+              <a:t>Part 4: Lazy initialization</a:t>
+            </a:r>
+          </a:p>
+        </p:txBody>
+      </p:sp>
+      <p:sp>
+        <p:nvSpPr>
+          <p:cNvPr id="3" name="Content Placeholder 2">
+            <a:extLst>
+              <a:ext uri="{FF2B5EF4-FFF2-40B4-BE49-F238E27FC236}">
+                <a16:creationId xmlns:a16="http://schemas.microsoft.com/office/drawing/2014/main" id="{156001EF-9E39-B87D-D8D1-88011228775D}"/>
+              </a:ext>
+            </a:extLst>
+          </p:cNvPr>
+          <p:cNvSpPr>
+            <a:spLocks noGrp="1"/>
+          </p:cNvSpPr>
+          <p:nvPr>
+            <p:ph idx="1"/>
+          </p:nvPr>
+        </p:nvSpPr>
+        <p:spPr/>
+        <p:txBody>
+          <a:bodyPr/>
+          <a:lstStyle/>
+          <a:p>
+            <a:r>
+              <a:rPr lang="en-US" sz="2400" dirty="0"/>
+              <a:t>By default, </a:t>
+            </a:r>
+            <a:r>
+              <a:rPr lang="en-US" sz="2400" dirty="0">
+                <a:solidFill>
+                  <a:schemeClr val="accent1"/>
+                </a:solidFill>
+              </a:rPr>
+              <a:t>Spring’s</a:t>
+            </a:r>
+            <a:r>
+              <a:rPr lang="en-US" sz="2400" dirty="0"/>
+              <a:t> container is created eagerly: it immediately aims to create </a:t>
+            </a:r>
+            <a:r>
+              <a:rPr lang="en-US" sz="2400" b="1" u="sng" dirty="0"/>
+              <a:t>all</a:t>
+            </a:r>
+            <a:r>
+              <a:rPr lang="en-US" sz="2400" dirty="0"/>
+              <a:t> beans along with their relationships</a:t>
+            </a:r>
+          </a:p>
+          <a:p>
+            <a:r>
+              <a:rPr lang="en-US" sz="2400" b="1" dirty="0">
+                <a:solidFill>
+                  <a:schemeClr val="tx1"/>
+                </a:solidFill>
+              </a:rPr>
+              <a:t>Pros:</a:t>
+            </a:r>
+          </a:p>
+          <a:p>
+            <a:pPr marL="685800" lvl="1">
+              <a:buFont typeface="Arial" panose="020B0604020202020204" pitchFamily="34" charset="0"/>
+              <a:buChar char="•"/>
+            </a:pPr>
+            <a:r>
+              <a:rPr lang="en-US" sz="2400" b="1" dirty="0"/>
+              <a:t>Fail fast</a:t>
+            </a:r>
+            <a:r>
+              <a:rPr lang="en-US" sz="2400" dirty="0"/>
+              <a:t>: If there are any problems with wiring – they are discovered immediately when the app comes up</a:t>
+            </a:r>
+          </a:p>
+          <a:p>
+            <a:pPr marL="685800" lvl="1">
+              <a:buFont typeface="Arial" panose="020B0604020202020204" pitchFamily="34" charset="0"/>
+              <a:buChar char="•"/>
+            </a:pPr>
+            <a:r>
+              <a:rPr lang="en-US" sz="2400" b="1" dirty="0"/>
+              <a:t>Performance</a:t>
+            </a:r>
+            <a:r>
+              <a:rPr lang="en-US" sz="2400" dirty="0"/>
+              <a:t>: all beans are up and ready to use during the application lifecycle. No time will be spent for creating a bean </a:t>
+            </a:r>
+            <a:r>
+              <a:rPr lang="en-US" sz="2400" u="sng" dirty="0"/>
+              <a:t>as part of the runtime</a:t>
+            </a:r>
+          </a:p>
+          <a:p>
+            <a:endParaRPr lang="en-IL" dirty="0"/>
+          </a:p>
+        </p:txBody>
+      </p:sp>
+    </p:spTree>
+    <p:extLst>
+      <p:ext uri="{BB962C8B-B14F-4D97-AF65-F5344CB8AC3E}">
+        <p14:creationId xmlns:p14="http://schemas.microsoft.com/office/powerpoint/2010/main" val="2465254226"/>
+      </p:ext>
+    </p:extLst>
+  </p:cSld>
+  <p:clrMapOvr>
+    <a:masterClrMapping/>
+  </p:clrMapOvr>
+  <p:timing>
+    <p:tnLst>
+      <p:par>
+        <p:cTn id="1" dur="indefinite" restart="never" nodeType="tmRoot">
+          <p:childTnLst>
+            <p:seq concurrent="1" nextAc="seek">
+              <p:cTn id="2" dur="indefinite" nodeType="mainSeq">
+                <p:childTnLst>
+                  <p:par>
+                    <p:cTn id="3" fill="hold">
+                      <p:stCondLst>
+                        <p:cond delay="indefinite"/>
+                      </p:stCondLst>
+                      <p:childTnLst>
+                        <p:par>
+                          <p:cTn id="4" fill="hold">
+                            <p:stCondLst>
+                              <p:cond delay="0"/>
+                            </p:stCondLst>
+                            <p:childTnLst>
+                              <p:par>
+                                <p:cTn id="5" presetID="1" presetClass="entr" presetSubtype="0" fill="hold" grpId="0" nodeType="clickEffect">
+                                  <p:stCondLst>
+                                    <p:cond delay="0"/>
+                                  </p:stCondLst>
+                                  <p:childTnLst>
+                                    <p:set>
+                                      <p:cBhvr>
+                                        <p:cTn id="6" dur="1" fill="hold">
+                                          <p:stCondLst>
+                                            <p:cond delay="0"/>
+                                          </p:stCondLst>
+                                        </p:cTn>
+                                        <p:tgtEl>
+                                          <p:spTgt spid="3">
+                                            <p:txEl>
+                                              <p:pRg st="0" end="0"/>
+                                            </p:txEl>
+                                          </p:spTgt>
+                                        </p:tgtEl>
+                                        <p:attrNameLst>
+                                          <p:attrName>style.visibility</p:attrName>
+                                        </p:attrNameLst>
+                                      </p:cBhvr>
+                                      <p:to>
+                                        <p:strVal val="visible"/>
+                                      </p:to>
+                                    </p:set>
+                                  </p:childTnLst>
+                                </p:cTn>
+                              </p:par>
+                            </p:childTnLst>
+                          </p:cTn>
+                        </p:par>
+                      </p:childTnLst>
+                    </p:cTn>
+                  </p:par>
+                  <p:par>
+                    <p:cTn id="7" fill="hold">
+                      <p:stCondLst>
+                        <p:cond delay="indefinite"/>
+                      </p:stCondLst>
+                      <p:childTnLst>
+                        <p:par>
+                          <p:cTn id="8" fill="hold">
+                            <p:stCondLst>
+                              <p:cond delay="0"/>
+                            </p:stCondLst>
+                            <p:childTnLst>
+                              <p:par>
+                                <p:cTn id="9" presetID="1" presetClass="entr" presetSubtype="0" fill="hold" grpId="0" nodeType="clickEffect">
+                                  <p:stCondLst>
+                                    <p:cond delay="0"/>
+                                  </p:stCondLst>
+                                  <p:childTnLst>
+                                    <p:set>
+                                      <p:cBhvr>
+                                        <p:cTn id="10" dur="1" fill="hold">
+                                          <p:stCondLst>
+                                            <p:cond delay="0"/>
+                                          </p:stCondLst>
+                                        </p:cTn>
+                                        <p:tgtEl>
+                                          <p:spTgt spid="3">
+                                            <p:txEl>
+                                              <p:pRg st="1" end="1"/>
+                                            </p:txEl>
+                                          </p:spTgt>
+                                        </p:tgtEl>
+                                        <p:attrNameLst>
+                                          <p:attrName>style.visibility</p:attrName>
+                                        </p:attrNameLst>
+                                      </p:cBhvr>
+                                      <p:to>
+                                        <p:strVal val="visible"/>
+                                      </p:to>
+                                    </p:set>
+                                  </p:childTnLst>
+                                </p:cTn>
+                              </p:par>
+                              <p:par>
+                                <p:cTn id="11" presetID="1" presetClass="entr" presetSubtype="0" fill="hold" grpId="0" nodeType="withEffect">
+                                  <p:stCondLst>
+                                    <p:cond delay="0"/>
+                                  </p:stCondLst>
+                                  <p:childTnLst>
+                                    <p:set>
+                                      <p:cBhvr>
+                                        <p:cTn id="12" dur="1" fill="hold">
+                                          <p:stCondLst>
+                                            <p:cond delay="0"/>
+                                          </p:stCondLst>
+                                        </p:cTn>
+                                        <p:tgtEl>
+                                          <p:spTgt spid="3">
+                                            <p:txEl>
+                                              <p:pRg st="2" end="2"/>
+                                            </p:txEl>
+                                          </p:spTgt>
+                                        </p:tgtEl>
+                                        <p:attrNameLst>
+                                          <p:attrName>style.visibility</p:attrName>
+                                        </p:attrNameLst>
+                                      </p:cBhvr>
+                                      <p:to>
+                                        <p:strVal val="visible"/>
+                                      </p:to>
+                                    </p:set>
+                                  </p:childTnLst>
+                                </p:cTn>
+                              </p:par>
+                              <p:par>
+                                <p:cTn id="13" presetID="1" presetClass="entr" presetSubtype="0" fill="hold" grpId="0" nodeType="withEffect">
+                                  <p:stCondLst>
+                                    <p:cond delay="0"/>
+                                  </p:stCondLst>
+                                  <p:childTnLst>
+                                    <p:set>
+                                      <p:cBhvr>
+                                        <p:cTn id="14" dur="1" fill="hold">
+                                          <p:stCondLst>
+                                            <p:cond delay="0"/>
+                                          </p:stCondLst>
+                                        </p:cTn>
+                                        <p:tgtEl>
+                                          <p:spTgt spid="3">
+                                            <p:txEl>
+                                              <p:pRg st="3" end="3"/>
+                                            </p:txEl>
+                                          </p:spTgt>
+                                        </p:tgtEl>
+                                        <p:attrNameLst>
+                                          <p:attrName>style.visibility</p:attrName>
+                                        </p:attrNameLst>
+                                      </p:cBhvr>
+                                      <p:to>
+                                        <p:strVal val="visible"/>
+                                      </p:to>
+                                    </p:set>
+                                  </p:childTnLst>
+                                </p:cTn>
+                              </p:par>
+                            </p:childTnLst>
+                          </p:cTn>
+                        </p:par>
+                      </p:childTnLst>
+                    </p:cTn>
+                  </p:par>
+                </p:childTnLst>
+              </p:cTn>
+              <p:prevCondLst>
+                <p:cond evt="onPrev" delay="0">
+                  <p:tgtEl>
+                    <p:sldTgt/>
+                  </p:tgtEl>
+                </p:cond>
+              </p:prevCondLst>
+              <p:nextCondLst>
+                <p:cond evt="onNext" delay="0">
+                  <p:tgtEl>
+                    <p:sldTgt/>
+                  </p:tgtEl>
+                </p:cond>
+              </p:nextCondLst>
+            </p:seq>
+          </p:childTnLst>
+        </p:cTn>
+      </p:par>
+    </p:tnLst>
+    <p:bldLst>
+      <p:bldP spid="3" grpId="0" build="p"/>
+    </p:bldLst>
+  </p:timing>
+</p:sld>
+</file>
+
+<file path=ppt/slides/slide62.xml><?xml version="1.0" encoding="utf-8"?>
+<p:sld xmlns:a="http://schemas.openxmlformats.org/drawingml/2006/main" xmlns:r="http://schemas.openxmlformats.org/officeDocument/2006/relationships" xmlns:p="http://schemas.openxmlformats.org/presentationml/2006/main">
+  <p:cSld>
+    <p:spTree>
+      <p:nvGrpSpPr>
+        <p:cNvPr id="1" name=""/>
+        <p:cNvGrpSpPr/>
+        <p:nvPr/>
+      </p:nvGrpSpPr>
+      <p:grpSpPr>
+        <a:xfrm>
+          <a:off x="0" y="0"/>
+          <a:ext cx="0" cy="0"/>
+          <a:chOff x="0" y="0"/>
+          <a:chExt cx="0" cy="0"/>
+        </a:xfrm>
+      </p:grpSpPr>
+      <p:sp>
+        <p:nvSpPr>
+          <p:cNvPr id="2" name="Title 1">
+            <a:extLst>
+              <a:ext uri="{FF2B5EF4-FFF2-40B4-BE49-F238E27FC236}">
+                <a16:creationId xmlns:a16="http://schemas.microsoft.com/office/drawing/2014/main" id="{3DFBF61E-60DB-6A41-F727-DD5350164F2F}"/>
+              </a:ext>
+            </a:extLst>
+          </p:cNvPr>
+          <p:cNvSpPr>
+            <a:spLocks noGrp="1"/>
+          </p:cNvSpPr>
+          <p:nvPr>
+            <p:ph type="title"/>
+          </p:nvPr>
+        </p:nvSpPr>
+        <p:spPr/>
+        <p:txBody>
+          <a:bodyPr/>
+          <a:lstStyle/>
+          <a:p>
+            <a:r>
+              <a:rPr lang="en-IL" dirty="0"/>
+              <a:t>Lazy initialization</a:t>
+            </a:r>
+          </a:p>
+        </p:txBody>
+      </p:sp>
+      <p:sp>
+        <p:nvSpPr>
+          <p:cNvPr id="3" name="Content Placeholder 2">
+            <a:extLst>
+              <a:ext uri="{FF2B5EF4-FFF2-40B4-BE49-F238E27FC236}">
+                <a16:creationId xmlns:a16="http://schemas.microsoft.com/office/drawing/2014/main" id="{4EFBAF5A-6C9A-E23A-45BF-6BEA108571A1}"/>
+              </a:ext>
+            </a:extLst>
+          </p:cNvPr>
+          <p:cNvSpPr>
+            <a:spLocks noGrp="1"/>
+          </p:cNvSpPr>
+          <p:nvPr>
+            <p:ph idx="1"/>
+          </p:nvPr>
+        </p:nvSpPr>
+        <p:spPr>
+          <a:xfrm>
+            <a:off x="677334" y="1358538"/>
+            <a:ext cx="8596668" cy="2031325"/>
+          </a:xfrm>
+        </p:spPr>
+        <p:txBody>
+          <a:bodyPr>
+            <a:normAutofit lnSpcReduction="10000"/>
+          </a:bodyPr>
+          <a:lstStyle/>
+          <a:p>
+            <a:r>
+              <a:rPr lang="en-US" sz="2400" dirty="0"/>
+              <a:t>For heavily created beans, and\or ones that are not sure to encounter during the application lifetime, </a:t>
+            </a:r>
+            <a:r>
+              <a:rPr lang="en-US" sz="2400" dirty="0">
+                <a:solidFill>
+                  <a:schemeClr val="accent1"/>
+                </a:solidFill>
+              </a:rPr>
+              <a:t>Spring</a:t>
+            </a:r>
+            <a:r>
+              <a:rPr lang="en-US" sz="2400" dirty="0">
+                <a:solidFill>
+                  <a:srgbClr val="008E40"/>
+                </a:solidFill>
+              </a:rPr>
+              <a:t> </a:t>
+            </a:r>
+            <a:r>
+              <a:rPr lang="en-US" sz="2400" dirty="0"/>
+              <a:t>offers lazy bean creation. </a:t>
+            </a:r>
+          </a:p>
+          <a:p>
+            <a:r>
+              <a:rPr lang="en-US" sz="2400" dirty="0"/>
+              <a:t>If the bean is defined as Lazy, </a:t>
+            </a:r>
+            <a:r>
+              <a:rPr lang="en-US" sz="2400" dirty="0">
+                <a:solidFill>
+                  <a:schemeClr val="accent1"/>
+                </a:solidFill>
+              </a:rPr>
+              <a:t>Spring</a:t>
+            </a:r>
+            <a:r>
+              <a:rPr lang="en-US" sz="2400" dirty="0"/>
+              <a:t> will create it only when needed.</a:t>
+            </a:r>
+          </a:p>
+          <a:p>
+            <a:endParaRPr lang="en-IL" dirty="0"/>
+          </a:p>
+        </p:txBody>
+      </p:sp>
+      <p:sp>
+        <p:nvSpPr>
+          <p:cNvPr id="4" name="TextBox 3">
+            <a:extLst>
+              <a:ext uri="{FF2B5EF4-FFF2-40B4-BE49-F238E27FC236}">
+                <a16:creationId xmlns:a16="http://schemas.microsoft.com/office/drawing/2014/main" id="{3D0F8A78-8D55-3355-188E-5B79828AEA57}"/>
+              </a:ext>
+            </a:extLst>
+          </p:cNvPr>
+          <p:cNvSpPr txBox="1"/>
+          <p:nvPr/>
+        </p:nvSpPr>
+        <p:spPr>
+          <a:xfrm>
+            <a:off x="677334" y="3758683"/>
+            <a:ext cx="8596668" cy="2031325"/>
+          </a:xfrm>
+          <a:prstGeom prst="rect">
+            <a:avLst/>
+          </a:prstGeom>
+          <a:solidFill>
+            <a:schemeClr val="tx2">
+              <a:lumMod val="20000"/>
+              <a:lumOff val="80000"/>
+            </a:schemeClr>
+          </a:solidFill>
+          <a:ln>
+            <a:solidFill>
+              <a:schemeClr val="tx2">
+                <a:lumMod val="60000"/>
+                <a:lumOff val="40000"/>
+              </a:schemeClr>
+            </a:solidFill>
+          </a:ln>
+        </p:spPr>
+        <p:txBody>
+          <a:bodyPr wrap="square" rtlCol="0">
+            <a:spAutoFit/>
+          </a:bodyPr>
+          <a:lstStyle/>
+          <a:p>
+            <a:pPr marL="0" indent="0">
+              <a:buNone/>
+            </a:pPr>
+            <a:r>
+              <a:rPr lang="en-US" sz="1400" dirty="0">
+                <a:solidFill>
+                  <a:schemeClr val="accent6"/>
+                </a:solidFill>
+                <a:latin typeface="Courier New" panose="02070309020205020404" pitchFamily="49" charset="0"/>
+                <a:cs typeface="Courier New" panose="02070309020205020404" pitchFamily="49" charset="0"/>
+              </a:rPr>
+              <a:t>@Component</a:t>
+            </a:r>
+          </a:p>
+          <a:p>
+            <a:pPr marL="0" indent="0">
+              <a:buNone/>
+            </a:pPr>
+            <a:r>
+              <a:rPr lang="en-US" sz="1400" b="1" dirty="0">
+                <a:solidFill>
+                  <a:schemeClr val="accent6"/>
+                </a:solidFill>
+                <a:latin typeface="Courier New" panose="02070309020205020404" pitchFamily="49" charset="0"/>
+                <a:cs typeface="Courier New" panose="02070309020205020404" pitchFamily="49" charset="0"/>
+              </a:rPr>
+              <a:t>@Lazy</a:t>
+            </a:r>
+          </a:p>
+          <a:p>
+            <a:pPr marL="0" indent="0">
+              <a:buNone/>
+            </a:pPr>
+            <a:r>
+              <a:rPr lang="en-US" sz="1400" dirty="0">
+                <a:latin typeface="Courier New" panose="02070309020205020404" pitchFamily="49" charset="0"/>
+                <a:cs typeface="Courier New" panose="02070309020205020404" pitchFamily="49" charset="0"/>
+              </a:rPr>
+              <a:t>public class </a:t>
+            </a:r>
+            <a:r>
+              <a:rPr lang="en-US" sz="1400" dirty="0" err="1">
+                <a:latin typeface="Courier New" panose="02070309020205020404" pitchFamily="49" charset="0"/>
+                <a:cs typeface="Courier New" panose="02070309020205020404" pitchFamily="49" charset="0"/>
+              </a:rPr>
+              <a:t>MyLazyBean</a:t>
+            </a:r>
+            <a:r>
+              <a:rPr lang="en-US" sz="1400" dirty="0">
+                <a:latin typeface="Courier New" panose="02070309020205020404" pitchFamily="49" charset="0"/>
+                <a:cs typeface="Courier New" panose="02070309020205020404" pitchFamily="49" charset="0"/>
+              </a:rPr>
+              <a:t> {</a:t>
+            </a:r>
+          </a:p>
+          <a:p>
+            <a:pPr marL="0" indent="0">
+              <a:buNone/>
+            </a:pPr>
+            <a:r>
+              <a:rPr lang="en-US" sz="1400" dirty="0">
+                <a:latin typeface="Courier New" panose="02070309020205020404" pitchFamily="49" charset="0"/>
+                <a:cs typeface="Courier New" panose="02070309020205020404" pitchFamily="49" charset="0"/>
+              </a:rPr>
+              <a:t>	//…</a:t>
+            </a:r>
+          </a:p>
+          <a:p>
+            <a:pPr marL="0" indent="0">
+              <a:buNone/>
+            </a:pPr>
+            <a:r>
+              <a:rPr lang="en-US" sz="1400" dirty="0">
+                <a:latin typeface="Courier New" panose="02070309020205020404" pitchFamily="49" charset="0"/>
+                <a:cs typeface="Courier New" panose="02070309020205020404" pitchFamily="49" charset="0"/>
+              </a:rPr>
+              <a:t>}</a:t>
+            </a:r>
+          </a:p>
+          <a:p>
+            <a:pPr marL="0" indent="0">
+              <a:buNone/>
+            </a:pPr>
+            <a:endParaRPr lang="en-US" sz="1400" dirty="0">
+              <a:latin typeface="Courier New" panose="02070309020205020404" pitchFamily="49" charset="0"/>
+              <a:cs typeface="Courier New" panose="02070309020205020404" pitchFamily="49" charset="0"/>
+            </a:endParaRPr>
+          </a:p>
+          <a:p>
+            <a:pPr marL="0" indent="0">
+              <a:buNone/>
+            </a:pPr>
+            <a:r>
+              <a:rPr lang="en-US" sz="1400" dirty="0" err="1">
+                <a:latin typeface="Courier New" panose="02070309020205020404" pitchFamily="49" charset="0"/>
+                <a:cs typeface="Courier New" panose="02070309020205020404" pitchFamily="49" charset="0"/>
+              </a:rPr>
+              <a:t>AnnotationConfigApplicationContext</a:t>
+            </a:r>
+            <a:r>
+              <a:rPr lang="en-US" sz="1400" dirty="0">
+                <a:latin typeface="Courier New" panose="02070309020205020404" pitchFamily="49" charset="0"/>
+                <a:cs typeface="Courier New" panose="02070309020205020404" pitchFamily="49" charset="0"/>
+              </a:rPr>
+              <a:t> </a:t>
+            </a:r>
+            <a:r>
+              <a:rPr lang="en-US" sz="1400" dirty="0" err="1">
+                <a:latin typeface="Courier New" panose="02070309020205020404" pitchFamily="49" charset="0"/>
+                <a:cs typeface="Courier New" panose="02070309020205020404" pitchFamily="49" charset="0"/>
+              </a:rPr>
+              <a:t>ctx</a:t>
+            </a:r>
+            <a:r>
+              <a:rPr lang="en-US" sz="1400" dirty="0">
+                <a:latin typeface="Courier New" panose="02070309020205020404" pitchFamily="49" charset="0"/>
+                <a:cs typeface="Courier New" panose="02070309020205020404" pitchFamily="49" charset="0"/>
+              </a:rPr>
+              <a:t> = new 	</a:t>
+            </a:r>
+            <a:r>
+              <a:rPr lang="en-US" sz="1400" dirty="0" err="1">
+                <a:latin typeface="Courier New" panose="02070309020205020404" pitchFamily="49" charset="0"/>
+                <a:cs typeface="Courier New" panose="02070309020205020404" pitchFamily="49" charset="0"/>
+              </a:rPr>
+              <a:t>AnnotationConfigApplicationContext</a:t>
+            </a:r>
+            <a:r>
+              <a:rPr lang="en-US" sz="1400" dirty="0">
+                <a:latin typeface="Courier New" panose="02070309020205020404" pitchFamily="49" charset="0"/>
+                <a:cs typeface="Courier New" panose="02070309020205020404" pitchFamily="49" charset="0"/>
+              </a:rPr>
+              <a:t>();</a:t>
+            </a:r>
+          </a:p>
+          <a:p>
+            <a:pPr marL="0" indent="0">
+              <a:buNone/>
+            </a:pPr>
+            <a:r>
+              <a:rPr lang="en-US" sz="1400" dirty="0" err="1">
+                <a:latin typeface="Courier New" panose="02070309020205020404" pitchFamily="49" charset="0"/>
+                <a:cs typeface="Courier New" panose="02070309020205020404" pitchFamily="49" charset="0"/>
+              </a:rPr>
+              <a:t>MyLazyBean</a:t>
+            </a:r>
+            <a:r>
+              <a:rPr lang="en-US" sz="1400" dirty="0">
+                <a:latin typeface="Courier New" panose="02070309020205020404" pitchFamily="49" charset="0"/>
+                <a:cs typeface="Courier New" panose="02070309020205020404" pitchFamily="49" charset="0"/>
+              </a:rPr>
+              <a:t> </a:t>
+            </a:r>
+            <a:r>
+              <a:rPr lang="en-US" sz="1400" dirty="0" err="1">
+                <a:latin typeface="Courier New" panose="02070309020205020404" pitchFamily="49" charset="0"/>
+                <a:cs typeface="Courier New" panose="02070309020205020404" pitchFamily="49" charset="0"/>
+              </a:rPr>
+              <a:t>theBean</a:t>
+            </a:r>
+            <a:r>
+              <a:rPr lang="en-US" sz="1400" dirty="0">
+                <a:latin typeface="Courier New" panose="02070309020205020404" pitchFamily="49" charset="0"/>
+                <a:cs typeface="Courier New" panose="02070309020205020404" pitchFamily="49" charset="0"/>
+              </a:rPr>
+              <a:t> = </a:t>
+            </a:r>
+            <a:r>
+              <a:rPr lang="en-US" sz="1400" dirty="0" err="1">
+                <a:latin typeface="Courier New" panose="02070309020205020404" pitchFamily="49" charset="0"/>
+                <a:cs typeface="Courier New" panose="02070309020205020404" pitchFamily="49" charset="0"/>
+              </a:rPr>
+              <a:t>ctx.getBean</a:t>
+            </a:r>
+            <a:r>
+              <a:rPr lang="en-US" sz="1400" dirty="0">
+                <a:latin typeface="Courier New" panose="02070309020205020404" pitchFamily="49" charset="0"/>
+                <a:cs typeface="Courier New" panose="02070309020205020404" pitchFamily="49" charset="0"/>
+              </a:rPr>
+              <a:t>(</a:t>
+            </a:r>
+            <a:r>
+              <a:rPr lang="en-US" sz="1400" dirty="0" err="1">
+                <a:latin typeface="Courier New" panose="02070309020205020404" pitchFamily="49" charset="0"/>
+                <a:cs typeface="Courier New" panose="02070309020205020404" pitchFamily="49" charset="0"/>
+              </a:rPr>
+              <a:t>MyLazyBean.class</a:t>
+            </a:r>
+            <a:r>
+              <a:rPr lang="en-US" sz="1400" dirty="0">
+                <a:latin typeface="Courier New" panose="02070309020205020404" pitchFamily="49" charset="0"/>
+                <a:cs typeface="Courier New" panose="02070309020205020404" pitchFamily="49" charset="0"/>
+              </a:rPr>
+              <a:t>);</a:t>
+            </a:r>
+            <a:endParaRPr lang="en-IL" sz="1400" dirty="0">
+              <a:latin typeface="Courier New" panose="02070309020205020404" pitchFamily="49" charset="0"/>
+              <a:cs typeface="Courier New" panose="02070309020205020404" pitchFamily="49" charset="0"/>
+            </a:endParaRPr>
+          </a:p>
+        </p:txBody>
+      </p:sp>
+      <p:sp>
+        <p:nvSpPr>
+          <p:cNvPr id="5" name="Left Arrow 4">
+            <a:extLst>
+              <a:ext uri="{FF2B5EF4-FFF2-40B4-BE49-F238E27FC236}">
+                <a16:creationId xmlns:a16="http://schemas.microsoft.com/office/drawing/2014/main" id="{2AC5AE86-EB5B-F23D-6A5C-531E113903DC}"/>
+              </a:ext>
+            </a:extLst>
+          </p:cNvPr>
+          <p:cNvSpPr/>
+          <p:nvPr/>
+        </p:nvSpPr>
+        <p:spPr>
+          <a:xfrm>
+            <a:off x="7074526" y="5499462"/>
+            <a:ext cx="775063" cy="228599"/>
+          </a:xfrm>
+          <a:prstGeom prst="leftArrow">
+            <a:avLst/>
+          </a:prstGeom>
+          <a:solidFill>
+            <a:srgbClr val="0070C0"/>
+          </a:solidFill>
+        </p:spPr>
+        <p:style>
+          <a:lnRef idx="2">
+            <a:schemeClr val="accent1">
+              <a:shade val="50000"/>
+            </a:schemeClr>
+          </a:lnRef>
+          <a:fillRef idx="1">
+            <a:schemeClr val="accent1"/>
+          </a:fillRef>
+          <a:effectRef idx="0">
+            <a:schemeClr val="accent1"/>
+          </a:effectRef>
+          <a:fontRef idx="minor">
+            <a:schemeClr val="lt1"/>
+          </a:fontRef>
+        </p:style>
+        <p:txBody>
+          <a:bodyPr rtlCol="0" anchor="ctr"/>
+          <a:lstStyle/>
+          <a:p>
+            <a:pPr algn="ctr"/>
+            <a:endParaRPr lang="en-IL">
+              <a:solidFill>
+                <a:srgbClr val="0070C0"/>
+              </a:solidFill>
+            </a:endParaRPr>
+          </a:p>
+        </p:txBody>
+      </p:sp>
+    </p:spTree>
+    <p:extLst>
+      <p:ext uri="{BB962C8B-B14F-4D97-AF65-F5344CB8AC3E}">
+        <p14:creationId xmlns:p14="http://schemas.microsoft.com/office/powerpoint/2010/main" val="3174018320"/>
+      </p:ext>
+    </p:extLst>
+  </p:cSld>
+  <p:clrMapOvr>
+    <a:masterClrMapping/>
+  </p:clrMapOvr>
+</p:sld>
+</file>
+
+<file path=ppt/slides/slide63.xml><?xml version="1.0" encoding="utf-8"?>
+<p:sld xmlns:a="http://schemas.openxmlformats.org/drawingml/2006/main" xmlns:r="http://schemas.openxmlformats.org/officeDocument/2006/relationships" xmlns:p="http://schemas.openxmlformats.org/presentationml/2006/main">
+  <p:cSld>
+    <p:spTree>
+      <p:nvGrpSpPr>
+        <p:cNvPr id="1" name=""/>
+        <p:cNvGrpSpPr/>
+        <p:nvPr/>
+      </p:nvGrpSpPr>
+      <p:grpSpPr>
+        <a:xfrm>
+          <a:off x="0" y="0"/>
+          <a:ext cx="0" cy="0"/>
+          <a:chOff x="0" y="0"/>
+          <a:chExt cx="0" cy="0"/>
+        </a:xfrm>
+      </p:grpSpPr>
+      <p:sp>
+        <p:nvSpPr>
+          <p:cNvPr id="2" name="Title 1">
+            <a:extLst>
+              <a:ext uri="{FF2B5EF4-FFF2-40B4-BE49-F238E27FC236}">
+                <a16:creationId xmlns:a16="http://schemas.microsoft.com/office/drawing/2014/main" id="{B10B06D3-67B7-5AD4-EEBB-A8EB3169FBE9}"/>
+              </a:ext>
+            </a:extLst>
+          </p:cNvPr>
+          <p:cNvSpPr>
+            <a:spLocks noGrp="1"/>
+          </p:cNvSpPr>
+          <p:nvPr>
+            <p:ph type="title"/>
+          </p:nvPr>
+        </p:nvSpPr>
+        <p:spPr>
+          <a:xfrm>
+            <a:off x="677334" y="609600"/>
+            <a:ext cx="8596668" cy="748937"/>
+          </a:xfrm>
+        </p:spPr>
+        <p:txBody>
+          <a:bodyPr/>
+          <a:lstStyle/>
+          <a:p>
+            <a:r>
+              <a:rPr lang="en-IL" dirty="0"/>
+              <a:t>Lazy initialization and @Autowired</a:t>
+            </a:r>
+          </a:p>
+        </p:txBody>
+      </p:sp>
+      <p:sp>
+        <p:nvSpPr>
+          <p:cNvPr id="4" name="Content Placeholder 3">
+            <a:extLst>
+              <a:ext uri="{FF2B5EF4-FFF2-40B4-BE49-F238E27FC236}">
+                <a16:creationId xmlns:a16="http://schemas.microsoft.com/office/drawing/2014/main" id="{080FAF15-3C01-3E8D-EC89-2D74013AA6D1}"/>
+              </a:ext>
+            </a:extLst>
+          </p:cNvPr>
+          <p:cNvSpPr>
+            <a:spLocks noGrp="1"/>
+          </p:cNvSpPr>
+          <p:nvPr>
+            <p:ph sz="half" idx="2"/>
+          </p:nvPr>
+        </p:nvSpPr>
+        <p:spPr>
+          <a:xfrm>
+            <a:off x="548641" y="1515292"/>
+            <a:ext cx="9064998" cy="4476206"/>
+          </a:xfrm>
+          <a:solidFill>
+            <a:schemeClr val="tx2">
+              <a:lumMod val="20000"/>
+              <a:lumOff val="80000"/>
+            </a:schemeClr>
+          </a:solidFill>
+          <a:ln>
+            <a:solidFill>
+              <a:schemeClr val="tx2">
+                <a:lumMod val="60000"/>
+                <a:lumOff val="40000"/>
+              </a:schemeClr>
+            </a:solidFill>
+          </a:ln>
+        </p:spPr>
+        <p:txBody>
+          <a:bodyPr>
+            <a:normAutofit fontScale="92500" lnSpcReduction="20000"/>
+          </a:bodyPr>
+          <a:lstStyle/>
+          <a:p>
+            <a:pPr marL="0" indent="0">
+              <a:buNone/>
+            </a:pPr>
+            <a:r>
+              <a:rPr lang="en-US" sz="1800" dirty="0">
+                <a:solidFill>
+                  <a:schemeClr val="accent6"/>
+                </a:solidFill>
+                <a:latin typeface="Courier New" panose="02070309020205020404" pitchFamily="49" charset="0"/>
+                <a:cs typeface="Courier New" panose="02070309020205020404" pitchFamily="49" charset="0"/>
+              </a:rPr>
+              <a:t>@Component</a:t>
+            </a:r>
+          </a:p>
+          <a:p>
+            <a:pPr marL="0" indent="0">
+              <a:spcBef>
+                <a:spcPts val="400"/>
+              </a:spcBef>
+              <a:buNone/>
+            </a:pPr>
+            <a:r>
+              <a:rPr lang="en-US" sz="1800" b="1" dirty="0">
+                <a:solidFill>
+                  <a:schemeClr val="accent6"/>
+                </a:solidFill>
+                <a:latin typeface="Courier New" panose="02070309020205020404" pitchFamily="49" charset="0"/>
+                <a:cs typeface="Courier New" panose="02070309020205020404" pitchFamily="49" charset="0"/>
+              </a:rPr>
+              <a:t>@Lazy</a:t>
+            </a:r>
+          </a:p>
+          <a:p>
+            <a:pPr marL="0" indent="0">
+              <a:spcBef>
+                <a:spcPts val="400"/>
+              </a:spcBef>
+              <a:buNone/>
+            </a:pPr>
+            <a:r>
+              <a:rPr lang="en-US" dirty="0">
+                <a:solidFill>
+                  <a:srgbClr val="0033B3"/>
+                </a:solidFill>
+                <a:latin typeface="Courier New" panose="02070309020205020404" pitchFamily="49" charset="0"/>
+                <a:cs typeface="Courier New" panose="02070309020205020404" pitchFamily="49" charset="0"/>
+              </a:rPr>
+              <a:t>public</a:t>
+            </a:r>
+            <a:r>
+              <a:rPr lang="en-US" sz="1800" dirty="0">
+                <a:latin typeface="Courier New" panose="02070309020205020404" pitchFamily="49" charset="0"/>
+                <a:cs typeface="Courier New" panose="02070309020205020404" pitchFamily="49" charset="0"/>
+              </a:rPr>
+              <a:t> </a:t>
+            </a:r>
+            <a:r>
+              <a:rPr lang="en-US" dirty="0">
+                <a:solidFill>
+                  <a:srgbClr val="0033B3"/>
+                </a:solidFill>
+                <a:latin typeface="Courier New" panose="02070309020205020404" pitchFamily="49" charset="0"/>
+                <a:cs typeface="Courier New" panose="02070309020205020404" pitchFamily="49" charset="0"/>
+              </a:rPr>
+              <a:t>class</a:t>
+            </a:r>
+            <a:r>
+              <a:rPr lang="en-US" sz="1800" dirty="0">
+                <a:latin typeface="Courier New" panose="02070309020205020404" pitchFamily="49" charset="0"/>
+                <a:cs typeface="Courier New" panose="02070309020205020404" pitchFamily="49" charset="0"/>
+              </a:rPr>
+              <a:t> </a:t>
+            </a:r>
+            <a:r>
+              <a:rPr lang="en-US" sz="1800" dirty="0" err="1">
+                <a:latin typeface="Courier New" panose="02070309020205020404" pitchFamily="49" charset="0"/>
+                <a:cs typeface="Courier New" panose="02070309020205020404" pitchFamily="49" charset="0"/>
+              </a:rPr>
+              <a:t>MyLazyBean</a:t>
+            </a:r>
+            <a:r>
+              <a:rPr lang="en-US" sz="1800" dirty="0">
+                <a:latin typeface="Courier New" panose="02070309020205020404" pitchFamily="49" charset="0"/>
+                <a:cs typeface="Courier New" panose="02070309020205020404" pitchFamily="49" charset="0"/>
+              </a:rPr>
+              <a:t> {</a:t>
+            </a:r>
+          </a:p>
+          <a:p>
+            <a:pPr marL="0" indent="0">
+              <a:spcBef>
+                <a:spcPts val="400"/>
+              </a:spcBef>
+              <a:buNone/>
+            </a:pPr>
+            <a:r>
+              <a:rPr lang="en-US" sz="1800" dirty="0">
+                <a:latin typeface="Courier New" panose="02070309020205020404" pitchFamily="49" charset="0"/>
+                <a:cs typeface="Courier New" panose="02070309020205020404" pitchFamily="49" charset="0"/>
+              </a:rPr>
+              <a:t>	//…</a:t>
+            </a:r>
+          </a:p>
+          <a:p>
+            <a:pPr marL="0" indent="0">
+              <a:spcBef>
+                <a:spcPts val="400"/>
+              </a:spcBef>
+              <a:buNone/>
+            </a:pPr>
+            <a:r>
+              <a:rPr lang="en-US" sz="1800" dirty="0">
+                <a:latin typeface="Courier New" panose="02070309020205020404" pitchFamily="49" charset="0"/>
+                <a:cs typeface="Courier New" panose="02070309020205020404" pitchFamily="49" charset="0"/>
+              </a:rPr>
+              <a:t>}</a:t>
+            </a:r>
+            <a:endParaRPr lang="en-IL" dirty="0"/>
+          </a:p>
+          <a:p>
+            <a:pPr marL="0" indent="0">
+              <a:buNone/>
+            </a:pPr>
+            <a:r>
+              <a:rPr lang="en-US" sz="1800" dirty="0">
+                <a:solidFill>
+                  <a:schemeClr val="accent6"/>
+                </a:solidFill>
+                <a:latin typeface="Courier New" panose="02070309020205020404" pitchFamily="49" charset="0"/>
+                <a:cs typeface="Courier New" panose="02070309020205020404" pitchFamily="49" charset="0"/>
+              </a:rPr>
+              <a:t>@Component</a:t>
+            </a:r>
+          </a:p>
+          <a:p>
+            <a:pPr marL="0" indent="0">
+              <a:spcBef>
+                <a:spcPts val="400"/>
+              </a:spcBef>
+              <a:buNone/>
+            </a:pPr>
+            <a:r>
+              <a:rPr lang="en-US" dirty="0">
+                <a:solidFill>
+                  <a:srgbClr val="0033B3"/>
+                </a:solidFill>
+                <a:latin typeface="Courier New" panose="02070309020205020404" pitchFamily="49" charset="0"/>
+                <a:cs typeface="Courier New" panose="02070309020205020404" pitchFamily="49" charset="0"/>
+              </a:rPr>
+              <a:t>public</a:t>
+            </a:r>
+            <a:r>
+              <a:rPr lang="en-US" sz="1800" dirty="0">
+                <a:latin typeface="Courier New" panose="02070309020205020404" pitchFamily="49" charset="0"/>
+                <a:cs typeface="Courier New" panose="02070309020205020404" pitchFamily="49" charset="0"/>
+              </a:rPr>
+              <a:t> </a:t>
+            </a:r>
+            <a:r>
+              <a:rPr lang="en-US" dirty="0">
+                <a:solidFill>
+                  <a:srgbClr val="0033B3"/>
+                </a:solidFill>
+                <a:latin typeface="Courier New" panose="02070309020205020404" pitchFamily="49" charset="0"/>
+                <a:cs typeface="Courier New" panose="02070309020205020404" pitchFamily="49" charset="0"/>
+              </a:rPr>
+              <a:t>class</a:t>
+            </a:r>
+            <a:r>
+              <a:rPr lang="en-US" sz="1800" dirty="0">
+                <a:latin typeface="Courier New" panose="02070309020205020404" pitchFamily="49" charset="0"/>
+                <a:cs typeface="Courier New" panose="02070309020205020404" pitchFamily="49" charset="0"/>
+              </a:rPr>
+              <a:t> </a:t>
+            </a:r>
+            <a:r>
+              <a:rPr lang="en-US" sz="1800" dirty="0" err="1">
+                <a:latin typeface="Courier New" panose="02070309020205020404" pitchFamily="49" charset="0"/>
+                <a:cs typeface="Courier New" panose="02070309020205020404" pitchFamily="49" charset="0"/>
+              </a:rPr>
+              <a:t>AnotherBean</a:t>
+            </a:r>
+            <a:r>
+              <a:rPr lang="en-US" sz="1800" dirty="0">
+                <a:latin typeface="Courier New" panose="02070309020205020404" pitchFamily="49" charset="0"/>
+                <a:cs typeface="Courier New" panose="02070309020205020404" pitchFamily="49" charset="0"/>
+              </a:rPr>
+              <a:t> {</a:t>
+            </a:r>
+          </a:p>
+          <a:p>
+            <a:pPr marL="0" indent="0">
+              <a:spcBef>
+                <a:spcPts val="400"/>
+              </a:spcBef>
+              <a:buNone/>
+            </a:pPr>
+            <a:r>
+              <a:rPr lang="en-US" sz="1800" dirty="0">
+                <a:latin typeface="Courier New" panose="02070309020205020404" pitchFamily="49" charset="0"/>
+                <a:cs typeface="Courier New" panose="02070309020205020404" pitchFamily="49" charset="0"/>
+              </a:rPr>
+              <a:t>	</a:t>
+            </a:r>
+            <a:r>
+              <a:rPr lang="en-US" b="1" dirty="0">
+                <a:solidFill>
+                  <a:schemeClr val="accent6"/>
+                </a:solidFill>
+                <a:latin typeface="Courier New" panose="02070309020205020404" pitchFamily="49" charset="0"/>
+                <a:cs typeface="Courier New" panose="02070309020205020404" pitchFamily="49" charset="0"/>
+              </a:rPr>
+              <a:t>@Lazy</a:t>
+            </a:r>
+          </a:p>
+          <a:p>
+            <a:pPr marL="0" indent="0">
+              <a:spcBef>
+                <a:spcPts val="400"/>
+              </a:spcBef>
+              <a:buNone/>
+            </a:pPr>
+            <a:r>
+              <a:rPr lang="en-US" dirty="0">
+                <a:latin typeface="Courier New" panose="02070309020205020404" pitchFamily="49" charset="0"/>
+                <a:cs typeface="Courier New" panose="02070309020205020404" pitchFamily="49" charset="0"/>
+              </a:rPr>
+              <a:t>	</a:t>
+            </a:r>
+            <a:r>
+              <a:rPr lang="en-US" dirty="0">
+                <a:solidFill>
+                  <a:schemeClr val="accent6"/>
+                </a:solidFill>
+                <a:latin typeface="Courier New" panose="02070309020205020404" pitchFamily="49" charset="0"/>
+                <a:cs typeface="Courier New" panose="02070309020205020404" pitchFamily="49" charset="0"/>
+              </a:rPr>
+              <a:t>@</a:t>
+            </a:r>
+            <a:r>
+              <a:rPr lang="en-US" dirty="0" err="1">
+                <a:solidFill>
+                  <a:schemeClr val="accent6"/>
+                </a:solidFill>
+                <a:latin typeface="Courier New" panose="02070309020205020404" pitchFamily="49" charset="0"/>
+                <a:cs typeface="Courier New" panose="02070309020205020404" pitchFamily="49" charset="0"/>
+              </a:rPr>
+              <a:t>Autowired</a:t>
+            </a:r>
+            <a:endParaRPr lang="en-US" dirty="0">
+              <a:solidFill>
+                <a:schemeClr val="accent6"/>
+              </a:solidFill>
+              <a:latin typeface="Courier New" panose="02070309020205020404" pitchFamily="49" charset="0"/>
+              <a:cs typeface="Courier New" panose="02070309020205020404" pitchFamily="49" charset="0"/>
+            </a:endParaRPr>
+          </a:p>
+          <a:p>
+            <a:pPr marL="0" indent="0">
+              <a:spcBef>
+                <a:spcPts val="400"/>
+              </a:spcBef>
+              <a:buNone/>
+            </a:pPr>
+            <a:r>
+              <a:rPr lang="en-US" sz="1800" dirty="0">
+                <a:latin typeface="Courier New" panose="02070309020205020404" pitchFamily="49" charset="0"/>
+                <a:cs typeface="Courier New" panose="02070309020205020404" pitchFamily="49" charset="0"/>
+              </a:rPr>
+              <a:t>	</a:t>
+            </a:r>
+            <a:r>
+              <a:rPr lang="en-US" dirty="0">
+                <a:solidFill>
+                  <a:srgbClr val="0033B3"/>
+                </a:solidFill>
+                <a:latin typeface="Courier New" panose="02070309020205020404" pitchFamily="49" charset="0"/>
+                <a:cs typeface="Courier New" panose="02070309020205020404" pitchFamily="49" charset="0"/>
+              </a:rPr>
+              <a:t>private</a:t>
+            </a:r>
+            <a:r>
+              <a:rPr lang="en-US" sz="1800" dirty="0">
+                <a:latin typeface="Courier New" panose="02070309020205020404" pitchFamily="49" charset="0"/>
+                <a:cs typeface="Courier New" panose="02070309020205020404" pitchFamily="49" charset="0"/>
+              </a:rPr>
+              <a:t> </a:t>
+            </a:r>
+            <a:r>
+              <a:rPr lang="en-US" sz="1800" dirty="0" err="1">
+                <a:latin typeface="Courier New" panose="02070309020205020404" pitchFamily="49" charset="0"/>
+                <a:cs typeface="Courier New" panose="02070309020205020404" pitchFamily="49" charset="0"/>
+              </a:rPr>
+              <a:t>MyLazyBean</a:t>
+            </a:r>
+            <a:r>
+              <a:rPr lang="en-US" sz="1800" dirty="0">
+                <a:latin typeface="Courier New" panose="02070309020205020404" pitchFamily="49" charset="0"/>
+                <a:cs typeface="Courier New" panose="02070309020205020404" pitchFamily="49" charset="0"/>
+              </a:rPr>
+              <a:t> </a:t>
+            </a:r>
+            <a:r>
+              <a:rPr lang="en-US" sz="1800" dirty="0" err="1">
+                <a:latin typeface="Courier New" panose="02070309020205020404" pitchFamily="49" charset="0"/>
+                <a:cs typeface="Courier New" panose="02070309020205020404" pitchFamily="49" charset="0"/>
+              </a:rPr>
+              <a:t>theLazyBean</a:t>
+            </a:r>
+            <a:r>
+              <a:rPr lang="en-US" sz="1800" dirty="0">
+                <a:latin typeface="Courier New" panose="02070309020205020404" pitchFamily="49" charset="0"/>
+                <a:cs typeface="Courier New" panose="02070309020205020404" pitchFamily="49" charset="0"/>
+              </a:rPr>
+              <a:t>;</a:t>
+            </a:r>
+          </a:p>
+          <a:p>
+            <a:pPr marL="0" indent="0">
+              <a:spcBef>
+                <a:spcPts val="400"/>
+              </a:spcBef>
+              <a:buNone/>
+            </a:pPr>
+            <a:r>
+              <a:rPr lang="en-US" sz="1800" dirty="0">
+                <a:latin typeface="Courier New" panose="02070309020205020404" pitchFamily="49" charset="0"/>
+                <a:cs typeface="Courier New" panose="02070309020205020404" pitchFamily="49" charset="0"/>
+              </a:rPr>
+              <a:t>	</a:t>
+            </a:r>
+          </a:p>
+          <a:p>
+            <a:pPr marL="0" indent="0">
+              <a:spcBef>
+                <a:spcPts val="400"/>
+              </a:spcBef>
+              <a:buNone/>
+            </a:pPr>
+            <a:r>
+              <a:rPr lang="en-US" sz="1800" dirty="0">
+                <a:latin typeface="Courier New" panose="02070309020205020404" pitchFamily="49" charset="0"/>
+                <a:cs typeface="Courier New" panose="02070309020205020404" pitchFamily="49" charset="0"/>
+              </a:rPr>
+              <a:t>	</a:t>
+            </a:r>
+            <a:r>
+              <a:rPr lang="en-US" dirty="0">
+                <a:solidFill>
+                  <a:srgbClr val="0033B3"/>
+                </a:solidFill>
+                <a:latin typeface="Courier New" panose="02070309020205020404" pitchFamily="49" charset="0"/>
+                <a:cs typeface="Courier New" panose="02070309020205020404" pitchFamily="49" charset="0"/>
+              </a:rPr>
+              <a:t>public</a:t>
+            </a:r>
+            <a:r>
+              <a:rPr lang="en-US" sz="1800" dirty="0">
+                <a:latin typeface="Courier New" panose="02070309020205020404" pitchFamily="49" charset="0"/>
+                <a:cs typeface="Courier New" panose="02070309020205020404" pitchFamily="49" charset="0"/>
+              </a:rPr>
+              <a:t> </a:t>
+            </a:r>
+            <a:r>
+              <a:rPr lang="en-US" sz="1800" dirty="0" err="1">
+                <a:latin typeface="Courier New" panose="02070309020205020404" pitchFamily="49" charset="0"/>
+                <a:cs typeface="Courier New" panose="02070309020205020404" pitchFamily="49" charset="0"/>
+              </a:rPr>
+              <a:t>MyLazyBean</a:t>
+            </a:r>
+            <a:r>
+              <a:rPr lang="en-US" sz="1800" dirty="0">
+                <a:latin typeface="Courier New" panose="02070309020205020404" pitchFamily="49" charset="0"/>
+                <a:cs typeface="Courier New" panose="02070309020205020404" pitchFamily="49" charset="0"/>
+              </a:rPr>
+              <a:t> </a:t>
+            </a:r>
+            <a:r>
+              <a:rPr lang="en-US" sz="1800" dirty="0" err="1">
+                <a:latin typeface="Courier New" panose="02070309020205020404" pitchFamily="49" charset="0"/>
+                <a:cs typeface="Courier New" panose="02070309020205020404" pitchFamily="49" charset="0"/>
+              </a:rPr>
+              <a:t>getLazyBean</a:t>
+            </a:r>
+            <a:r>
+              <a:rPr lang="en-US" sz="1800" dirty="0">
+                <a:latin typeface="Courier New" panose="02070309020205020404" pitchFamily="49" charset="0"/>
+                <a:cs typeface="Courier New" panose="02070309020205020404" pitchFamily="49" charset="0"/>
+              </a:rPr>
+              <a:t>() { </a:t>
+            </a:r>
+            <a:r>
+              <a:rPr lang="en-US" dirty="0">
+                <a:solidFill>
+                  <a:srgbClr val="0033B3"/>
+                </a:solidFill>
+                <a:latin typeface="Courier New" panose="02070309020205020404" pitchFamily="49" charset="0"/>
+                <a:cs typeface="Courier New" panose="02070309020205020404" pitchFamily="49" charset="0"/>
+              </a:rPr>
+              <a:t>return</a:t>
+            </a:r>
+            <a:r>
+              <a:rPr lang="en-US" sz="1800" dirty="0">
+                <a:latin typeface="Courier New" panose="02070309020205020404" pitchFamily="49" charset="0"/>
+                <a:cs typeface="Courier New" panose="02070309020205020404" pitchFamily="49" charset="0"/>
+              </a:rPr>
+              <a:t> </a:t>
+            </a:r>
+            <a:r>
+              <a:rPr lang="en-US" sz="1800" dirty="0" err="1">
+                <a:latin typeface="Courier New" panose="02070309020205020404" pitchFamily="49" charset="0"/>
+                <a:cs typeface="Courier New" panose="02070309020205020404" pitchFamily="49" charset="0"/>
+              </a:rPr>
+              <a:t>theLazyBean</a:t>
+            </a:r>
+            <a:r>
+              <a:rPr lang="en-US" sz="1800" dirty="0">
+                <a:latin typeface="Courier New" panose="02070309020205020404" pitchFamily="49" charset="0"/>
+                <a:cs typeface="Courier New" panose="02070309020205020404" pitchFamily="49" charset="0"/>
+              </a:rPr>
+              <a:t>; }</a:t>
+            </a:r>
+          </a:p>
+          <a:p>
+            <a:pPr marL="0" indent="0">
+              <a:spcBef>
+                <a:spcPts val="400"/>
+              </a:spcBef>
+              <a:buNone/>
+            </a:pPr>
+            <a:r>
+              <a:rPr lang="en-US" sz="1800" dirty="0">
+                <a:latin typeface="Courier New" panose="02070309020205020404" pitchFamily="49" charset="0"/>
+                <a:cs typeface="Courier New" panose="02070309020205020404" pitchFamily="49" charset="0"/>
+              </a:rPr>
+              <a:t>}</a:t>
+            </a:r>
+          </a:p>
+          <a:p>
+            <a:pPr marL="0" indent="0">
+              <a:spcBef>
+                <a:spcPts val="400"/>
+              </a:spcBef>
+              <a:buNone/>
+            </a:pPr>
+            <a:endParaRPr lang="en-US" sz="1800" dirty="0">
+              <a:latin typeface="Courier New" panose="02070309020205020404" pitchFamily="49" charset="0"/>
+              <a:cs typeface="Courier New" panose="02070309020205020404" pitchFamily="49" charset="0"/>
+            </a:endParaRPr>
+          </a:p>
+          <a:p>
+            <a:pPr marL="0" indent="0">
+              <a:spcBef>
+                <a:spcPts val="400"/>
+              </a:spcBef>
+              <a:buNone/>
+            </a:pPr>
+            <a:r>
+              <a:rPr lang="en-US" dirty="0" err="1">
+                <a:latin typeface="Courier New" panose="02070309020205020404" pitchFamily="49" charset="0"/>
+                <a:cs typeface="Courier New" panose="02070309020205020404" pitchFamily="49" charset="0"/>
+              </a:rPr>
+              <a:t>AnotherBean</a:t>
+            </a:r>
+            <a:r>
+              <a:rPr lang="en-US" dirty="0">
+                <a:latin typeface="Courier New" panose="02070309020205020404" pitchFamily="49" charset="0"/>
+                <a:cs typeface="Courier New" panose="02070309020205020404" pitchFamily="49" charset="0"/>
+              </a:rPr>
+              <a:t> </a:t>
+            </a:r>
+            <a:r>
+              <a:rPr lang="en-US" dirty="0" err="1">
+                <a:latin typeface="Courier New" panose="02070309020205020404" pitchFamily="49" charset="0"/>
+                <a:cs typeface="Courier New" panose="02070309020205020404" pitchFamily="49" charset="0"/>
+              </a:rPr>
+              <a:t>anotherBean</a:t>
+            </a:r>
+            <a:r>
+              <a:rPr lang="en-US" dirty="0">
+                <a:latin typeface="Courier New" panose="02070309020205020404" pitchFamily="49" charset="0"/>
+                <a:cs typeface="Courier New" panose="02070309020205020404" pitchFamily="49" charset="0"/>
+              </a:rPr>
+              <a:t> = </a:t>
+            </a:r>
+            <a:r>
+              <a:rPr lang="en-US" dirty="0" err="1">
+                <a:latin typeface="Courier New" panose="02070309020205020404" pitchFamily="49" charset="0"/>
+                <a:cs typeface="Courier New" panose="02070309020205020404" pitchFamily="49" charset="0"/>
+              </a:rPr>
+              <a:t>ctx.getBean</a:t>
+            </a:r>
+            <a:r>
+              <a:rPr lang="en-US" dirty="0">
+                <a:latin typeface="Courier New" panose="02070309020205020404" pitchFamily="49" charset="0"/>
+                <a:cs typeface="Courier New" panose="02070309020205020404" pitchFamily="49" charset="0"/>
+              </a:rPr>
+              <a:t>(</a:t>
+            </a:r>
+            <a:r>
+              <a:rPr lang="en-US" sz="1800" dirty="0" err="1">
+                <a:latin typeface="Courier New" panose="02070309020205020404" pitchFamily="49" charset="0"/>
+                <a:cs typeface="Courier New" panose="02070309020205020404" pitchFamily="49" charset="0"/>
+              </a:rPr>
+              <a:t>AnotherBean.class</a:t>
+            </a:r>
+            <a:r>
+              <a:rPr lang="en-US" sz="1800" dirty="0">
+                <a:latin typeface="Courier New" panose="02070309020205020404" pitchFamily="49" charset="0"/>
+                <a:cs typeface="Courier New" panose="02070309020205020404" pitchFamily="49" charset="0"/>
+              </a:rPr>
+              <a:t>);</a:t>
+            </a:r>
+          </a:p>
+          <a:p>
+            <a:pPr marL="0" indent="0">
+              <a:spcBef>
+                <a:spcPts val="400"/>
+              </a:spcBef>
+              <a:buNone/>
+            </a:pPr>
+            <a:r>
+              <a:rPr lang="en-US" sz="1800" dirty="0" err="1">
+                <a:latin typeface="Courier New" panose="02070309020205020404" pitchFamily="49" charset="0"/>
+                <a:cs typeface="Courier New" panose="02070309020205020404" pitchFamily="49" charset="0"/>
+              </a:rPr>
+              <a:t>anotherBean.getLazyBean</a:t>
+            </a:r>
+            <a:r>
+              <a:rPr lang="en-US" sz="1800" dirty="0">
+                <a:latin typeface="Courier New" panose="02070309020205020404" pitchFamily="49" charset="0"/>
+                <a:cs typeface="Courier New" panose="02070309020205020404" pitchFamily="49" charset="0"/>
+              </a:rPr>
+              <a:t>();</a:t>
+            </a:r>
+          </a:p>
+          <a:p>
+            <a:pPr marL="0" indent="0">
+              <a:spcBef>
+                <a:spcPts val="400"/>
+              </a:spcBef>
+              <a:buNone/>
+            </a:pPr>
+            <a:endParaRPr lang="en-US" dirty="0">
+              <a:latin typeface="Courier New" panose="02070309020205020404" pitchFamily="49" charset="0"/>
+              <a:cs typeface="Courier New" panose="02070309020205020404" pitchFamily="49" charset="0"/>
+            </a:endParaRPr>
+          </a:p>
+          <a:p>
+            <a:pPr marL="0" indent="0">
+              <a:spcBef>
+                <a:spcPts val="400"/>
+              </a:spcBef>
+              <a:buNone/>
+            </a:pPr>
+            <a:endParaRPr lang="en-US" sz="1800" dirty="0">
+              <a:latin typeface="Courier New" panose="02070309020205020404" pitchFamily="49" charset="0"/>
+              <a:cs typeface="Courier New" panose="02070309020205020404" pitchFamily="49" charset="0"/>
+            </a:endParaRPr>
+          </a:p>
+          <a:p>
+            <a:pPr marL="0" indent="0">
+              <a:buNone/>
+            </a:pPr>
+            <a:endParaRPr lang="en-IL" dirty="0"/>
+          </a:p>
+        </p:txBody>
+      </p:sp>
+      <p:sp>
+        <p:nvSpPr>
+          <p:cNvPr id="9" name="Left Arrow 8">
+            <a:extLst>
+              <a:ext uri="{FF2B5EF4-FFF2-40B4-BE49-F238E27FC236}">
+                <a16:creationId xmlns:a16="http://schemas.microsoft.com/office/drawing/2014/main" id="{C4E9DE4F-11F4-1F16-79AF-F7D1FFE58DE6}"/>
+              </a:ext>
+            </a:extLst>
+          </p:cNvPr>
+          <p:cNvSpPr/>
+          <p:nvPr/>
+        </p:nvSpPr>
+        <p:spPr>
+          <a:xfrm>
+            <a:off x="4075611" y="5512525"/>
+            <a:ext cx="775063" cy="228599"/>
+          </a:xfrm>
+          <a:prstGeom prst="leftArrow">
+            <a:avLst/>
+          </a:prstGeom>
+          <a:solidFill>
+            <a:srgbClr val="0070C0"/>
+          </a:solidFill>
+        </p:spPr>
+        <p:style>
+          <a:lnRef idx="2">
+            <a:schemeClr val="accent1">
+              <a:shade val="50000"/>
+            </a:schemeClr>
+          </a:lnRef>
+          <a:fillRef idx="1">
+            <a:schemeClr val="accent1"/>
+          </a:fillRef>
+          <a:effectRef idx="0">
+            <a:schemeClr val="accent1"/>
+          </a:effectRef>
+          <a:fontRef idx="minor">
+            <a:schemeClr val="lt1"/>
+          </a:fontRef>
+        </p:style>
+        <p:txBody>
+          <a:bodyPr rtlCol="0" anchor="ctr"/>
+          <a:lstStyle/>
+          <a:p>
+            <a:pPr algn="ctr"/>
+            <a:endParaRPr lang="en-IL">
+              <a:solidFill>
+                <a:srgbClr val="0070C0"/>
+              </a:solidFill>
+            </a:endParaRPr>
+          </a:p>
+        </p:txBody>
+      </p:sp>
+    </p:spTree>
+    <p:extLst>
+      <p:ext uri="{BB962C8B-B14F-4D97-AF65-F5344CB8AC3E}">
+        <p14:creationId xmlns:p14="http://schemas.microsoft.com/office/powerpoint/2010/main" val="2539477927"/>
       </p:ext>
     </p:extLst>
   </p:cSld>
@@ -31651,6 +39451,17 @@
 </file>
 
 <file path=customXml/item1.xml><?xml version="1.0" encoding="utf-8"?>
+<p:properties xmlns:p="http://schemas.microsoft.com/office/2006/metadata/properties" xmlns:xsi="http://www.w3.org/2001/XMLSchema-instance" xmlns:pc="http://schemas.microsoft.com/office/infopath/2007/PartnerControls">
+  <documentManagement>
+    <lcf76f155ced4ddcb4097134ff3c332f xmlns="858d5390-0f7b-4213-8bcd-0cd5cf778ba6">
+      <Terms xmlns="http://schemas.microsoft.com/office/infopath/2007/PartnerControls"/>
+    </lcf76f155ced4ddcb4097134ff3c332f>
+    <TaxCatchAll xmlns="e5f39eeb-dc9c-40bf-a733-e74d7baf73b9" xsi:nil="true"/>
+  </documentManagement>
+</p:properties>
+</file>
+
+<file path=customXml/item2.xml><?xml version="1.0" encoding="utf-8"?>
 <ct:contentTypeSchema xmlns:ct="http://schemas.microsoft.com/office/2006/metadata/contentType" xmlns:ma="http://schemas.microsoft.com/office/2006/metadata/properties/metaAttributes" ct:_="" ma:_="" ma:contentTypeName="Document" ma:contentTypeID="0x0101001980062C165A384BBE4202BE72680A0C" ma:contentTypeVersion="16" ma:contentTypeDescription="Create a new document." ma:contentTypeScope="" ma:versionID="ad4a4175eb2c3e09fcddefcd48156f8d">
   <xsd:schema xmlns:xsd="http://www.w3.org/2001/XMLSchema" xmlns:xs="http://www.w3.org/2001/XMLSchema" xmlns:p="http://schemas.microsoft.com/office/2006/metadata/properties" xmlns:ns2="858d5390-0f7b-4213-8bcd-0cd5cf778ba6" xmlns:ns3="48da0e76-8a7c-448c-bc5b-f1ed517f7411" xmlns:ns4="e5f39eeb-dc9c-40bf-a733-e74d7baf73b9" targetNamespace="http://schemas.microsoft.com/office/2006/metadata/properties" ma:root="true" ma:fieldsID="ea247dcd7b1180b70e9ff4f92c286293" ns2:_="" ns3:_="" ns4:_="">
     <xsd:import namespace="858d5390-0f7b-4213-8bcd-0cd5cf778ba6"/>
@@ -31898,7 +39709,7 @@
 </ct:contentTypeSchema>
 </file>
 
-<file path=customXml/item2.xml><?xml version="1.0" encoding="utf-8"?>
+<file path=customXml/item3.xml><?xml version="1.0" encoding="utf-8"?>
 <?mso-contentType ?>
 <FormTemplates xmlns="http://schemas.microsoft.com/sharepoint/v3/contenttype/forms">
   <Display>DocumentLibraryForm</Display>
@@ -31907,18 +39718,18 @@
 </FormTemplates>
 </file>
 
-<file path=customXml/item3.xml><?xml version="1.0" encoding="utf-8"?>
-<p:properties xmlns:p="http://schemas.microsoft.com/office/2006/metadata/properties" xmlns:xsi="http://www.w3.org/2001/XMLSchema-instance" xmlns:pc="http://schemas.microsoft.com/office/infopath/2007/PartnerControls">
-  <documentManagement>
-    <lcf76f155ced4ddcb4097134ff3c332f xmlns="858d5390-0f7b-4213-8bcd-0cd5cf778ba6">
-      <Terms xmlns="http://schemas.microsoft.com/office/infopath/2007/PartnerControls"/>
-    </lcf76f155ced4ddcb4097134ff3c332f>
-    <TaxCatchAll xmlns="e5f39eeb-dc9c-40bf-a733-e74d7baf73b9" xsi:nil="true"/>
-  </documentManagement>
-</p:properties>
+<file path=customXml/itemProps1.xml><?xml version="1.0" encoding="utf-8"?>
+<ds:datastoreItem xmlns:ds="http://schemas.openxmlformats.org/officeDocument/2006/customXml" ds:itemID="{43349A31-E13C-476A-88C6-FE88A1835AD9}">
+  <ds:schemaRefs>
+    <ds:schemaRef ds:uri="http://schemas.microsoft.com/office/2006/metadata/properties"/>
+    <ds:schemaRef ds:uri="http://schemas.microsoft.com/office/infopath/2007/PartnerControls"/>
+    <ds:schemaRef ds:uri="858d5390-0f7b-4213-8bcd-0cd5cf778ba6"/>
+    <ds:schemaRef ds:uri="e5f39eeb-dc9c-40bf-a733-e74d7baf73b9"/>
+  </ds:schemaRefs>
+</ds:datastoreItem>
 </file>
 
-<file path=customXml/itemProps1.xml><?xml version="1.0" encoding="utf-8"?>
+<file path=customXml/itemProps2.xml><?xml version="1.0" encoding="utf-8"?>
 <ds:datastoreItem xmlns:ds="http://schemas.openxmlformats.org/officeDocument/2006/customXml" ds:itemID="{95C1E331-1539-4B37-8C70-2591DCB1C6B8}">
   <ds:schemaRefs>
     <ds:schemaRef ds:uri="http://schemas.microsoft.com/office/2006/metadata/contentType"/>
@@ -31938,21 +39749,10 @@
 </ds:datastoreItem>
 </file>
 
-<file path=customXml/itemProps2.xml><?xml version="1.0" encoding="utf-8"?>
+<file path=customXml/itemProps3.xml><?xml version="1.0" encoding="utf-8"?>
 <ds:datastoreItem xmlns:ds="http://schemas.openxmlformats.org/officeDocument/2006/customXml" ds:itemID="{A1C09B18-7530-4142-9483-30D82F693FEB}">
   <ds:schemaRefs>
     <ds:schemaRef ds:uri="http://schemas.microsoft.com/sharepoint/v3/contenttype/forms"/>
   </ds:schemaRefs>
 </ds:datastoreItem>
-</file>
-
-<file path=customXml/itemProps3.xml><?xml version="1.0" encoding="utf-8"?>
-<ds:datastoreItem xmlns:ds="http://schemas.openxmlformats.org/officeDocument/2006/customXml" ds:itemID="{43349A31-E13C-476A-88C6-FE88A1835AD9}">
-  <ds:schemaRefs>
-    <ds:schemaRef ds:uri="http://schemas.microsoft.com/office/2006/metadata/properties"/>
-    <ds:schemaRef ds:uri="http://schemas.microsoft.com/office/infopath/2007/PartnerControls"/>
-    <ds:schemaRef ds:uri="858d5390-0f7b-4213-8bcd-0cd5cf778ba6"/>
-    <ds:schemaRef ds:uri="e5f39eeb-dc9c-40bf-a733-e74d7baf73b9"/>
-  </ds:schemaRefs>
-</ds:datastoreItem>
 </file>
--- a/course_data/presentations/practical_spring_boot_for_tdp_02.pptx
+++ b/course_data/presentations/practical_spring_boot_for_tdp_02.pptx
@@ -5,7 +5,7 @@
     <p:sldMasterId id="2147483648" r:id="rId4"/>
   </p:sldMasterIdLst>
   <p:notesMasterIdLst>
-    <p:notesMasterId r:id="rId46"/>
+    <p:notesMasterId r:id="rId43"/>
   </p:notesMasterIdLst>
   <p:sldIdLst>
     <p:sldId id="268" r:id="rId5"/>
@@ -30,25 +30,22 @@
     <p:sldId id="323" r:id="rId24"/>
     <p:sldId id="313" r:id="rId25"/>
     <p:sldId id="325" r:id="rId26"/>
-    <p:sldId id="309" r:id="rId27"/>
-    <p:sldId id="308" r:id="rId28"/>
-    <p:sldId id="310" r:id="rId29"/>
-    <p:sldId id="311" r:id="rId30"/>
-    <p:sldId id="287" r:id="rId31"/>
-    <p:sldId id="312" r:id="rId32"/>
-    <p:sldId id="288" r:id="rId33"/>
-    <p:sldId id="314" r:id="rId34"/>
-    <p:sldId id="284" r:id="rId35"/>
-    <p:sldId id="324" r:id="rId36"/>
-    <p:sldId id="326" r:id="rId37"/>
-    <p:sldId id="327" r:id="rId38"/>
-    <p:sldId id="328" r:id="rId39"/>
-    <p:sldId id="330" r:id="rId40"/>
-    <p:sldId id="331" r:id="rId41"/>
-    <p:sldId id="332" r:id="rId42"/>
-    <p:sldId id="333" r:id="rId43"/>
-    <p:sldId id="334" r:id="rId44"/>
-    <p:sldId id="335" r:id="rId45"/>
+    <p:sldId id="311" r:id="rId27"/>
+    <p:sldId id="287" r:id="rId28"/>
+    <p:sldId id="312" r:id="rId29"/>
+    <p:sldId id="288" r:id="rId30"/>
+    <p:sldId id="314" r:id="rId31"/>
+    <p:sldId id="284" r:id="rId32"/>
+    <p:sldId id="324" r:id="rId33"/>
+    <p:sldId id="326" r:id="rId34"/>
+    <p:sldId id="327" r:id="rId35"/>
+    <p:sldId id="328" r:id="rId36"/>
+    <p:sldId id="330" r:id="rId37"/>
+    <p:sldId id="331" r:id="rId38"/>
+    <p:sldId id="332" r:id="rId39"/>
+    <p:sldId id="333" r:id="rId40"/>
+    <p:sldId id="334" r:id="rId41"/>
+    <p:sldId id="335" r:id="rId42"/>
   </p:sldIdLst>
   <p:sldSz cx="12192000" cy="6858000"/>
   <p:notesSz cx="6858000" cy="9144000"/>
@@ -237,7 +234,7 @@
           <a:p>
             <a:fld id="{D87DD0C7-8A07-F849-88A5-0669AD1415C9}" type="datetimeFigureOut">
               <a:rPr lang="en-IL" smtClean="0"/>
-              <a:t>22/07/2024</a:t>
+              <a:t>23/07/2024</a:t>
             </a:fld>
             <a:endParaRPr lang="en-IL"/>
           </a:p>
@@ -633,7 +630,65 @@
           <a:bodyPr/>
           <a:lstStyle/>
           <a:p>
-            <a:endParaRPr lang="en-IL" dirty="0"/>
+            <a:r>
+              <a:rPr lang="en-US" sz="1200" b="1" dirty="0">
+                <a:solidFill>
+                  <a:schemeClr val="tx1"/>
+                </a:solidFill>
+              </a:rPr>
+              <a:t>Note</a:t>
+            </a:r>
+            <a:r>
+              <a:rPr lang="en-US" sz="1200" dirty="0">
+                <a:solidFill>
+                  <a:schemeClr val="tx1"/>
+                </a:solidFill>
+              </a:rPr>
+              <a:t>:</a:t>
+            </a:r>
+          </a:p>
+          <a:p>
+            <a:pPr marL="457200" indent="-457200">
+              <a:buFont typeface="Arial" panose="020B0604020202020204" pitchFamily="34" charset="0"/>
+              <a:buChar char="•"/>
+            </a:pPr>
+            <a:r>
+              <a:rPr lang="en-US" sz="1200" dirty="0"/>
+              <a:t>Default is </a:t>
+            </a:r>
+            <a:r>
+              <a:rPr lang="en-US" sz="1200" dirty="0">
+                <a:solidFill>
+                  <a:srgbClr val="00B0F0"/>
+                </a:solidFill>
+              </a:rPr>
+              <a:t>false</a:t>
+            </a:r>
+          </a:p>
+          <a:p>
+            <a:pPr marL="457200" indent="-457200">
+              <a:buFont typeface="Arial" panose="020B0604020202020204" pitchFamily="34" charset="0"/>
+              <a:buChar char="•"/>
+            </a:pPr>
+            <a:r>
+              <a:rPr lang="en-US" sz="1200" dirty="0"/>
+              <a:t>In case the bean is needed for another non-lazy bean – it will still be created eagerly…</a:t>
+            </a:r>
+          </a:p>
+          <a:p>
+            <a:pPr marL="457200" indent="-457200">
+              <a:buFont typeface="Arial" panose="020B0604020202020204" pitchFamily="34" charset="0"/>
+              <a:buChar char="•"/>
+            </a:pPr>
+            <a:r>
+              <a:rPr lang="en-US" sz="1200" b="1" dirty="0"/>
+              <a:t>Prototype</a:t>
+            </a:r>
+            <a:r>
+              <a:rPr lang="en-US" sz="1200" dirty="0"/>
+              <a:t> beans are lazy by definition…</a:t>
+            </a:r>
+            <a:endParaRPr lang="he-IL" sz="1200" dirty="0"/>
           </a:p>
         </p:txBody>
       </p:sp>
@@ -652,151 +707,9 @@
           <a:bodyPr/>
           <a:lstStyle/>
           <a:p>
-            <a:fld id="{5A54712D-AA0B-BB4E-9DB3-A62319D253AA}" type="slidenum">
-              <a:rPr lang="en-IL" smtClean="0"/>
-              <a:t>32</a:t>
-            </a:fld>
-            <a:endParaRPr lang="en-IL"/>
-          </a:p>
-        </p:txBody>
-      </p:sp>
-    </p:spTree>
-    <p:extLst>
-      <p:ext uri="{BB962C8B-B14F-4D97-AF65-F5344CB8AC3E}">
-        <p14:creationId xmlns:p14="http://schemas.microsoft.com/office/powerpoint/2010/main" val="3667767236"/>
-      </p:ext>
-    </p:extLst>
-  </p:cSld>
-  <p:clrMapOvr>
-    <a:masterClrMapping/>
-  </p:clrMapOvr>
-</p:notes>
-</file>
-
-<file path=ppt/notesSlides/notesSlide11.xml><?xml version="1.0" encoding="utf-8"?>
-<p:notes xmlns:a="http://schemas.openxmlformats.org/drawingml/2006/main" xmlns:r="http://schemas.openxmlformats.org/officeDocument/2006/relationships" xmlns:p="http://schemas.openxmlformats.org/presentationml/2006/main">
-  <p:cSld>
-    <p:spTree>
-      <p:nvGrpSpPr>
-        <p:cNvPr id="1" name=""/>
-        <p:cNvGrpSpPr/>
-        <p:nvPr/>
-      </p:nvGrpSpPr>
-      <p:grpSpPr>
-        <a:xfrm>
-          <a:off x="0" y="0"/>
-          <a:ext cx="0" cy="0"/>
-          <a:chOff x="0" y="0"/>
-          <a:chExt cx="0" cy="0"/>
-        </a:xfrm>
-      </p:grpSpPr>
-      <p:sp>
-        <p:nvSpPr>
-          <p:cNvPr id="2" name="Slide Image Placeholder 1"/>
-          <p:cNvSpPr>
-            <a:spLocks noGrp="1" noRot="1" noChangeAspect="1"/>
-          </p:cNvSpPr>
-          <p:nvPr>
-            <p:ph type="sldImg"/>
-          </p:nvPr>
-        </p:nvSpPr>
-        <p:spPr/>
-      </p:sp>
-      <p:sp>
-        <p:nvSpPr>
-          <p:cNvPr id="3" name="Notes Placeholder 2"/>
-          <p:cNvSpPr>
-            <a:spLocks noGrp="1"/>
-          </p:cNvSpPr>
-          <p:nvPr>
-            <p:ph type="body" idx="1"/>
-          </p:nvPr>
-        </p:nvSpPr>
-        <p:spPr/>
-        <p:txBody>
-          <a:bodyPr/>
-          <a:lstStyle/>
-          <a:p>
-            <a:r>
-              <a:rPr lang="en-US" sz="1200" b="1" dirty="0">
-                <a:solidFill>
-                  <a:schemeClr val="tx1"/>
-                </a:solidFill>
-              </a:rPr>
-              <a:t>Note</a:t>
-            </a:r>
-            <a:r>
-              <a:rPr lang="en-US" sz="1200" dirty="0">
-                <a:solidFill>
-                  <a:schemeClr val="tx1"/>
-                </a:solidFill>
-              </a:rPr>
-              <a:t>:</a:t>
-            </a:r>
-          </a:p>
-          <a:p>
-            <a:pPr marL="457200" indent="-457200">
-              <a:buFont typeface="Arial" panose="020B0604020202020204" pitchFamily="34" charset="0"/>
-              <a:buChar char="•"/>
-            </a:pPr>
-            <a:r>
-              <a:rPr lang="en-US" sz="1200" dirty="0"/>
-              <a:t>Default is </a:t>
-            </a:r>
-            <a:r>
-              <a:rPr lang="en-US" sz="1200" dirty="0">
-                <a:solidFill>
-                  <a:srgbClr val="00B0F0"/>
-                </a:solidFill>
-              </a:rPr>
-              <a:t>false</a:t>
-            </a:r>
-          </a:p>
-          <a:p>
-            <a:pPr marL="457200" indent="-457200">
-              <a:buFont typeface="Arial" panose="020B0604020202020204" pitchFamily="34" charset="0"/>
-              <a:buChar char="•"/>
-            </a:pPr>
-            <a:r>
-              <a:rPr lang="en-US" sz="1200" dirty="0"/>
-              <a:t>In case the bean is needed for another non-lazy bean – it will still be created eagerly…</a:t>
-            </a:r>
-          </a:p>
-          <a:p>
-            <a:pPr marL="457200" indent="-457200">
-              <a:buFont typeface="Arial" panose="020B0604020202020204" pitchFamily="34" charset="0"/>
-              <a:buChar char="•"/>
-            </a:pPr>
-            <a:r>
-              <a:rPr lang="en-US" sz="1200" b="1" dirty="0"/>
-              <a:t>Prototype</a:t>
-            </a:r>
-            <a:r>
-              <a:rPr lang="en-US" sz="1200" dirty="0"/>
-              <a:t> beans are lazy by definition…</a:t>
-            </a:r>
-            <a:endParaRPr lang="he-IL" sz="1200" dirty="0"/>
-          </a:p>
-        </p:txBody>
-      </p:sp>
-      <p:sp>
-        <p:nvSpPr>
-          <p:cNvPr id="4" name="Slide Number Placeholder 3"/>
-          <p:cNvSpPr>
-            <a:spLocks noGrp="1"/>
-          </p:cNvSpPr>
-          <p:nvPr>
-            <p:ph type="sldNum" sz="quarter" idx="5"/>
-          </p:nvPr>
-        </p:nvSpPr>
-        <p:spPr/>
-        <p:txBody>
-          <a:bodyPr/>
-          <a:lstStyle/>
-          <a:p>
             <a:fld id="{B5FEB3D3-3C4F-5E4D-9290-0C0B5A2442F8}" type="slidenum">
               <a:rPr lang="en-IL" smtClean="0"/>
-              <a:t>40</a:t>
+              <a:t>37</a:t>
             </a:fld>
             <a:endParaRPr lang="en-IL"/>
           </a:p>
@@ -1514,76 +1427,6 @@
           <a:bodyPr/>
           <a:lstStyle/>
           <a:p>
-            <a:r>
-              <a:rPr lang="en-US" dirty="0"/>
-              <a:t>The complete list of annotations: https://</a:t>
-            </a:r>
-            <a:r>
-              <a:rPr lang="en-US" dirty="0" err="1"/>
-              <a:t>javaee.github.io</a:t>
-            </a:r>
-            <a:r>
-              <a:rPr lang="en-US" dirty="0"/>
-              <a:t>/</a:t>
-            </a:r>
-            <a:r>
-              <a:rPr lang="en-US" dirty="0" err="1"/>
-              <a:t>javaee</a:t>
-            </a:r>
-            <a:r>
-              <a:rPr lang="en-US" dirty="0"/>
-              <a:t>-spec/</a:t>
-            </a:r>
-            <a:r>
-              <a:rPr lang="en-US" dirty="0" err="1"/>
-              <a:t>javadocs</a:t>
-            </a:r>
-            <a:r>
-              <a:rPr lang="en-US" dirty="0"/>
-              <a:t>/</a:t>
-            </a:r>
-            <a:r>
-              <a:rPr lang="en-US" dirty="0" err="1"/>
-              <a:t>javax</a:t>
-            </a:r>
-            <a:r>
-              <a:rPr lang="en-US" dirty="0"/>
-              <a:t>/validation/constraints/package-</a:t>
-            </a:r>
-            <a:r>
-              <a:rPr lang="en-US" dirty="0" err="1"/>
-              <a:t>summary.html</a:t>
-            </a:r>
-            <a:endParaRPr lang="en-US" dirty="0"/>
-          </a:p>
-          <a:p>
-            <a:r>
-              <a:rPr lang="en-IL" dirty="0"/>
-              <a:t>More details about the bean validation: </a:t>
-            </a:r>
-            <a:r>
-              <a:rPr lang="en-US" dirty="0"/>
-              <a:t>https://</a:t>
-            </a:r>
-            <a:r>
-              <a:rPr lang="en-US" dirty="0" err="1"/>
-              <a:t>www.baeldung.com</a:t>
-            </a:r>
-            <a:r>
-              <a:rPr lang="en-US" dirty="0"/>
-              <a:t>/</a:t>
-            </a:r>
-            <a:r>
-              <a:rPr lang="en-US" dirty="0" err="1"/>
-              <a:t>javax</a:t>
-            </a:r>
-            <a:r>
-              <a:rPr lang="en-US" dirty="0"/>
-              <a:t>-validation</a:t>
-            </a:r>
-            <a:endParaRPr lang="en-IL" dirty="0"/>
-          </a:p>
-          <a:p>
             <a:endParaRPr lang="en-IL" dirty="0"/>
           </a:p>
         </p:txBody>
@@ -1605,7 +1448,7 @@
           <a:p>
             <a:fld id="{5A54712D-AA0B-BB4E-9DB3-A62319D253AA}" type="slidenum">
               <a:rPr lang="en-IL" smtClean="0"/>
-              <a:t>24</a:t>
+              <a:t>28</a:t>
             </a:fld>
             <a:endParaRPr lang="en-IL"/>
           </a:p>
@@ -1614,7 +1457,7 @@
     </p:spTree>
     <p:extLst>
       <p:ext uri="{BB962C8B-B14F-4D97-AF65-F5344CB8AC3E}">
-        <p14:creationId xmlns:p14="http://schemas.microsoft.com/office/powerpoint/2010/main" val="4009014320"/>
+        <p14:creationId xmlns:p14="http://schemas.microsoft.com/office/powerpoint/2010/main" val="2501730751"/>
       </p:ext>
     </p:extLst>
   </p:cSld>
@@ -1689,7 +1532,7 @@
           <a:p>
             <a:fld id="{5A54712D-AA0B-BB4E-9DB3-A62319D253AA}" type="slidenum">
               <a:rPr lang="en-IL" smtClean="0"/>
-              <a:t>31</a:t>
+              <a:t>29</a:t>
             </a:fld>
             <a:endParaRPr lang="en-IL"/>
           </a:p>
@@ -1698,7 +1541,7 @@
     </p:spTree>
     <p:extLst>
       <p:ext uri="{BB962C8B-B14F-4D97-AF65-F5344CB8AC3E}">
-        <p14:creationId xmlns:p14="http://schemas.microsoft.com/office/powerpoint/2010/main" val="2501730751"/>
+        <p14:creationId xmlns:p14="http://schemas.microsoft.com/office/powerpoint/2010/main" val="3667767236"/>
       </p:ext>
     </p:extLst>
   </p:cSld>
@@ -2431,7 +2274,7 @@
             <a:fld id="{B61BEF0D-F0BB-DE4B-95CE-6DB70DBA9567}" type="datetimeFigureOut">
               <a:rPr lang="en-US" dirty="0"/>
               <a:pPr/>
-              <a:t>7/22/24</a:t>
+              <a:t>7/23/24</a:t>
             </a:fld>
             <a:endParaRPr lang="en-US" dirty="0"/>
           </a:p>
@@ -2679,7 +2522,7 @@
             <a:fld id="{B61BEF0D-F0BB-DE4B-95CE-6DB70DBA9567}" type="datetimeFigureOut">
               <a:rPr lang="en-US" dirty="0"/>
               <a:pPr/>
-              <a:t>7/22/24</a:t>
+              <a:t>7/23/24</a:t>
             </a:fld>
             <a:endParaRPr lang="en-US" dirty="0"/>
           </a:p>
@@ -2990,7 +2833,7 @@
             <a:fld id="{B61BEF0D-F0BB-DE4B-95CE-6DB70DBA9567}" type="datetimeFigureOut">
               <a:rPr lang="en-US" dirty="0"/>
               <a:pPr/>
-              <a:t>7/22/24</a:t>
+              <a:t>7/23/24</a:t>
             </a:fld>
             <a:endParaRPr lang="en-US" dirty="0"/>
           </a:p>
@@ -3328,7 +3171,7 @@
             <a:fld id="{B61BEF0D-F0BB-DE4B-95CE-6DB70DBA9567}" type="datetimeFigureOut">
               <a:rPr lang="en-US" dirty="0"/>
               <a:pPr/>
-              <a:t>7/22/24</a:t>
+              <a:t>7/23/24</a:t>
             </a:fld>
             <a:endParaRPr lang="en-US" dirty="0"/>
           </a:p>
@@ -3639,7 +3482,7 @@
             <a:fld id="{B61BEF0D-F0BB-DE4B-95CE-6DB70DBA9567}" type="datetimeFigureOut">
               <a:rPr lang="en-US" dirty="0"/>
               <a:pPr/>
-              <a:t>7/22/24</a:t>
+              <a:t>7/23/24</a:t>
             </a:fld>
             <a:endParaRPr lang="en-US" dirty="0"/>
           </a:p>
@@ -4029,7 +3872,7 @@
             <a:fld id="{B61BEF0D-F0BB-DE4B-95CE-6DB70DBA9567}" type="datetimeFigureOut">
               <a:rPr lang="en-US" dirty="0"/>
               <a:pPr/>
-              <a:t>7/22/24</a:t>
+              <a:t>7/23/24</a:t>
             </a:fld>
             <a:endParaRPr lang="en-US" dirty="0"/>
           </a:p>
@@ -4195,7 +4038,7 @@
           <a:p>
             <a:fld id="{55C6B4A9-1611-4792-9094-5F34BCA07E0B}" type="datetimeFigureOut">
               <a:rPr lang="en-US" dirty="0"/>
-              <a:t>7/22/24</a:t>
+              <a:t>7/23/24</a:t>
             </a:fld>
             <a:endParaRPr lang="en-US" dirty="0"/>
           </a:p>
@@ -4371,7 +4214,7 @@
             <a:fld id="{B61BEF0D-F0BB-DE4B-95CE-6DB70DBA9567}" type="datetimeFigureOut">
               <a:rPr lang="en-US" dirty="0"/>
               <a:pPr/>
-              <a:t>7/22/24</a:t>
+              <a:t>7/23/24</a:t>
             </a:fld>
             <a:endParaRPr lang="en-US" dirty="0"/>
           </a:p>
@@ -4544,7 +4387,7 @@
             <a:fld id="{B61BEF0D-F0BB-DE4B-95CE-6DB70DBA9567}" type="datetimeFigureOut">
               <a:rPr lang="en-US" dirty="0"/>
               <a:pPr/>
-              <a:t>7/22/24</a:t>
+              <a:t>7/23/24</a:t>
             </a:fld>
             <a:endParaRPr lang="en-US" dirty="0"/>
           </a:p>
@@ -4788,7 +4631,7 @@
             <a:fld id="{B61BEF0D-F0BB-DE4B-95CE-6DB70DBA9567}" type="datetimeFigureOut">
               <a:rPr lang="en-US" dirty="0"/>
               <a:pPr/>
-              <a:t>7/22/24</a:t>
+              <a:t>7/23/24</a:t>
             </a:fld>
             <a:endParaRPr lang="en-US" dirty="0"/>
           </a:p>
@@ -5016,7 +4859,7 @@
           <a:p>
             <a:fld id="{EB712588-04B1-427B-82EE-E8DB90309F08}" type="datetimeFigureOut">
               <a:rPr lang="en-US" dirty="0"/>
-              <a:t>7/22/24</a:t>
+              <a:t>7/23/24</a:t>
             </a:fld>
             <a:endParaRPr lang="en-US" dirty="0"/>
           </a:p>
@@ -5386,7 +5229,7 @@
             <a:fld id="{B61BEF0D-F0BB-DE4B-95CE-6DB70DBA9567}" type="datetimeFigureOut">
               <a:rPr lang="en-US" dirty="0"/>
               <a:pPr/>
-              <a:t>7/22/24</a:t>
+              <a:t>7/23/24</a:t>
             </a:fld>
             <a:endParaRPr lang="en-US" dirty="0"/>
           </a:p>
@@ -5506,7 +5349,7 @@
             <a:fld id="{B61BEF0D-F0BB-DE4B-95CE-6DB70DBA9567}" type="datetimeFigureOut">
               <a:rPr lang="en-US" dirty="0"/>
               <a:pPr/>
-              <a:t>7/22/24</a:t>
+              <a:t>7/23/24</a:t>
             </a:fld>
             <a:endParaRPr lang="en-US" dirty="0"/>
           </a:p>
@@ -5598,7 +5441,7 @@
             <a:fld id="{B61BEF0D-F0BB-DE4B-95CE-6DB70DBA9567}" type="datetimeFigureOut">
               <a:rPr lang="en-US" dirty="0"/>
               <a:pPr/>
-              <a:t>7/22/24</a:t>
+              <a:t>7/23/24</a:t>
             </a:fld>
             <a:endParaRPr lang="en-US" dirty="0"/>
           </a:p>
@@ -5849,7 +5692,7 @@
           <a:p>
             <a:fld id="{42A54C80-263E-416B-A8E0-580EDEADCBDC}" type="datetimeFigureOut">
               <a:rPr lang="en-US" dirty="0"/>
-              <a:t>7/22/24</a:t>
+              <a:t>7/23/24</a:t>
             </a:fld>
             <a:endParaRPr lang="en-US" dirty="0"/>
           </a:p>
@@ -6108,7 +5951,7 @@
             <a:fld id="{B61BEF0D-F0BB-DE4B-95CE-6DB70DBA9567}" type="datetimeFigureOut">
               <a:rPr lang="en-US" dirty="0"/>
               <a:pPr/>
-              <a:t>7/22/24</a:t>
+              <a:t>7/23/24</a:t>
             </a:fld>
             <a:endParaRPr lang="en-US" dirty="0"/>
           </a:p>
@@ -6848,7 +6691,7 @@
             <a:fld id="{B61BEF0D-F0BB-DE4B-95CE-6DB70DBA9567}" type="datetimeFigureOut">
               <a:rPr lang="en-US" dirty="0"/>
               <a:pPr/>
-              <a:t>7/22/24</a:t>
+              <a:t>7/23/24</a:t>
             </a:fld>
             <a:endParaRPr lang="en-US" dirty="0"/>
           </a:p>
@@ -15234,1068 +15077,6 @@
           <p:cNvPr id="2" name="Title 1">
             <a:extLst>
               <a:ext uri="{FF2B5EF4-FFF2-40B4-BE49-F238E27FC236}">
-                <a16:creationId xmlns:a16="http://schemas.microsoft.com/office/drawing/2014/main" id="{6E802C8F-9A03-1513-3B3C-38D88293316F}"/>
-              </a:ext>
-            </a:extLst>
-          </p:cNvPr>
-          <p:cNvSpPr>
-            <a:spLocks noGrp="1"/>
-          </p:cNvSpPr>
-          <p:nvPr>
-            <p:ph type="title"/>
-          </p:nvPr>
-        </p:nvSpPr>
-        <p:spPr>
-          <a:xfrm>
-            <a:off x="677334" y="609600"/>
-            <a:ext cx="8596668" cy="821635"/>
-          </a:xfrm>
-        </p:spPr>
-        <p:txBody>
-          <a:bodyPr/>
-          <a:lstStyle/>
-          <a:p>
-            <a:r>
-              <a:rPr lang="en-IL" dirty="0"/>
-              <a:t>Validation with Spring Boot</a:t>
-            </a:r>
-          </a:p>
-        </p:txBody>
-      </p:sp>
-      <p:sp>
-        <p:nvSpPr>
-          <p:cNvPr id="3" name="Content Placeholder 2">
-            <a:extLst>
-              <a:ext uri="{FF2B5EF4-FFF2-40B4-BE49-F238E27FC236}">
-                <a16:creationId xmlns:a16="http://schemas.microsoft.com/office/drawing/2014/main" id="{06531A9C-2619-D6E8-75B1-078E241FB3D8}"/>
-              </a:ext>
-            </a:extLst>
-          </p:cNvPr>
-          <p:cNvSpPr>
-            <a:spLocks noGrp="1"/>
-          </p:cNvSpPr>
-          <p:nvPr>
-            <p:ph idx="1"/>
-          </p:nvPr>
-        </p:nvSpPr>
-        <p:spPr>
-          <a:xfrm>
-            <a:off x="677334" y="1669774"/>
-            <a:ext cx="8596668" cy="2713384"/>
-          </a:xfrm>
-        </p:spPr>
-        <p:txBody>
-          <a:bodyPr>
-            <a:normAutofit lnSpcReduction="10000"/>
-          </a:bodyPr>
-          <a:lstStyle/>
-          <a:p>
-            <a:r>
-              <a:rPr lang="en-US" sz="2800" dirty="0"/>
-              <a:t>Java </a:t>
-            </a:r>
-            <a:r>
-              <a:rPr lang="en-US" sz="2800" dirty="0">
-                <a:solidFill>
-                  <a:srgbClr val="0070C0"/>
-                </a:solidFill>
-              </a:rPr>
-              <a:t>Bean Validation </a:t>
-            </a:r>
-            <a:r>
-              <a:rPr lang="en-US" sz="2800" dirty="0"/>
-              <a:t>is the de-facto standard for implementing validation logic in the Java ecosystem. It’s well integrated with </a:t>
-            </a:r>
-            <a:r>
-              <a:rPr lang="en-US" sz="2800" dirty="0">
-                <a:solidFill>
-                  <a:srgbClr val="92D050"/>
-                </a:solidFill>
-              </a:rPr>
-              <a:t>Spring</a:t>
-            </a:r>
-            <a:r>
-              <a:rPr lang="en-US" sz="2800" dirty="0"/>
-              <a:t> and </a:t>
-            </a:r>
-            <a:r>
-              <a:rPr lang="en-US" sz="2800" dirty="0">
-                <a:solidFill>
-                  <a:srgbClr val="92D050"/>
-                </a:solidFill>
-              </a:rPr>
-              <a:t>Spring</a:t>
-            </a:r>
-            <a:r>
-              <a:rPr lang="en-US" sz="2800" dirty="0"/>
-              <a:t> </a:t>
-            </a:r>
-            <a:r>
-              <a:rPr lang="en-US" sz="2800" dirty="0">
-                <a:solidFill>
-                  <a:srgbClr val="92D050"/>
-                </a:solidFill>
-              </a:rPr>
-              <a:t>Boot</a:t>
-            </a:r>
-            <a:r>
-              <a:rPr lang="en-US" sz="2800" dirty="0"/>
-              <a:t>.</a:t>
-            </a:r>
-          </a:p>
-          <a:p>
-            <a:r>
-              <a:rPr lang="en-US" sz="2800" dirty="0">
-                <a:solidFill>
-                  <a:srgbClr val="92D050"/>
-                </a:solidFill>
-              </a:rPr>
-              <a:t>Spring</a:t>
-            </a:r>
-            <a:r>
-              <a:rPr lang="en-US" sz="2800" dirty="0"/>
-              <a:t> </a:t>
-            </a:r>
-            <a:r>
-              <a:rPr lang="en-US" sz="2800" dirty="0">
-                <a:solidFill>
-                  <a:srgbClr val="92D050"/>
-                </a:solidFill>
-              </a:rPr>
-              <a:t>Boot’s</a:t>
-            </a:r>
-            <a:r>
-              <a:rPr lang="en-US" sz="2800" dirty="0"/>
-              <a:t> Bean Validation support comes with the validation starter:</a:t>
-            </a:r>
-          </a:p>
-          <a:p>
-            <a:endParaRPr lang="en-IL" dirty="0"/>
-          </a:p>
-        </p:txBody>
-      </p:sp>
-      <p:sp>
-        <p:nvSpPr>
-          <p:cNvPr id="4" name="TextBox 3">
-            <a:extLst>
-              <a:ext uri="{FF2B5EF4-FFF2-40B4-BE49-F238E27FC236}">
-                <a16:creationId xmlns:a16="http://schemas.microsoft.com/office/drawing/2014/main" id="{61FCE2F3-A4EB-8FF7-5B19-E42935F89F42}"/>
-              </a:ext>
-            </a:extLst>
-          </p:cNvPr>
-          <p:cNvSpPr txBox="1"/>
-          <p:nvPr/>
-        </p:nvSpPr>
-        <p:spPr>
-          <a:xfrm>
-            <a:off x="677333" y="4494074"/>
-            <a:ext cx="8596667" cy="1477328"/>
-          </a:xfrm>
-          <a:prstGeom prst="rect">
-            <a:avLst/>
-          </a:prstGeom>
-          <a:solidFill>
-            <a:schemeClr val="bg1">
-              <a:lumMod val="95000"/>
-            </a:schemeClr>
-          </a:solidFill>
-          <a:ln>
-            <a:solidFill>
-              <a:schemeClr val="accent1"/>
-            </a:solidFill>
-          </a:ln>
-        </p:spPr>
-        <p:txBody>
-          <a:bodyPr wrap="square" rtlCol="0">
-            <a:spAutoFit/>
-          </a:bodyPr>
-          <a:lstStyle/>
-          <a:p>
-            <a:pPr marL="0" indent="0">
-              <a:spcBef>
-                <a:spcPts val="400"/>
-              </a:spcBef>
-              <a:buNone/>
-            </a:pPr>
-            <a:r>
-              <a:rPr lang="en-US" dirty="0"/>
-              <a:t>&lt;dependency&gt; </a:t>
-            </a:r>
-          </a:p>
-          <a:p>
-            <a:pPr marL="0" indent="0">
-              <a:buNone/>
-            </a:pPr>
-            <a:r>
-              <a:rPr lang="en-US" dirty="0"/>
-              <a:t>    &lt;</a:t>
-            </a:r>
-            <a:r>
-              <a:rPr lang="en-US" dirty="0" err="1"/>
-              <a:t>groupId</a:t>
-            </a:r>
-            <a:r>
-              <a:rPr lang="en-US" dirty="0"/>
-              <a:t>&gt;</a:t>
-            </a:r>
-            <a:r>
-              <a:rPr lang="en-US" dirty="0" err="1"/>
-              <a:t>org.springframework.boot</a:t>
-            </a:r>
-            <a:r>
-              <a:rPr lang="en-US" dirty="0"/>
-              <a:t>&lt;/</a:t>
-            </a:r>
-            <a:r>
-              <a:rPr lang="en-US" dirty="0" err="1"/>
-              <a:t>groupId</a:t>
-            </a:r>
-            <a:r>
-              <a:rPr lang="en-US" dirty="0"/>
-              <a:t>&gt; </a:t>
-            </a:r>
-          </a:p>
-          <a:p>
-            <a:pPr marL="0" indent="0">
-              <a:buNone/>
-            </a:pPr>
-            <a:r>
-              <a:rPr lang="en-US" dirty="0"/>
-              <a:t>    &lt;</a:t>
-            </a:r>
-            <a:r>
-              <a:rPr lang="en-US" dirty="0" err="1"/>
-              <a:t>artifactId</a:t>
-            </a:r>
-            <a:r>
-              <a:rPr lang="en-US" dirty="0"/>
-              <a:t>&gt;spring-boot-starter-validation&lt;/</a:t>
-            </a:r>
-            <a:r>
-              <a:rPr lang="en-US" dirty="0" err="1"/>
-              <a:t>artifactId</a:t>
-            </a:r>
-            <a:r>
-              <a:rPr lang="en-US" dirty="0"/>
-              <a:t>&gt; </a:t>
-            </a:r>
-          </a:p>
-          <a:p>
-            <a:pPr marL="0" indent="0">
-              <a:buNone/>
-            </a:pPr>
-            <a:r>
-              <a:rPr lang="en-US" dirty="0"/>
-              <a:t>&lt;/dependency&gt;</a:t>
-            </a:r>
-            <a:endParaRPr lang="en-IL" dirty="0"/>
-          </a:p>
-          <a:p>
-            <a:endParaRPr lang="en-IL" dirty="0"/>
-          </a:p>
-        </p:txBody>
-      </p:sp>
-    </p:spTree>
-    <p:extLst>
-      <p:ext uri="{BB962C8B-B14F-4D97-AF65-F5344CB8AC3E}">
-        <p14:creationId xmlns:p14="http://schemas.microsoft.com/office/powerpoint/2010/main" val="1328381474"/>
-      </p:ext>
-    </p:extLst>
-  </p:cSld>
-  <p:clrMapOvr>
-    <a:masterClrMapping/>
-  </p:clrMapOvr>
-</p:sld>
-</file>
-
-<file path=ppt/slides/slide24.xml><?xml version="1.0" encoding="utf-8"?>
-<p:sld xmlns:a="http://schemas.openxmlformats.org/drawingml/2006/main" xmlns:r="http://schemas.openxmlformats.org/officeDocument/2006/relationships" xmlns:p="http://schemas.openxmlformats.org/presentationml/2006/main">
-  <p:cSld>
-    <p:spTree>
-      <p:nvGrpSpPr>
-        <p:cNvPr id="1" name=""/>
-        <p:cNvGrpSpPr/>
-        <p:nvPr/>
-      </p:nvGrpSpPr>
-      <p:grpSpPr>
-        <a:xfrm>
-          <a:off x="0" y="0"/>
-          <a:ext cx="0" cy="0"/>
-          <a:chOff x="0" y="0"/>
-          <a:chExt cx="0" cy="0"/>
-        </a:xfrm>
-      </p:grpSpPr>
-      <p:sp>
-        <p:nvSpPr>
-          <p:cNvPr id="2" name="Title 1">
-            <a:extLst>
-              <a:ext uri="{FF2B5EF4-FFF2-40B4-BE49-F238E27FC236}">
-                <a16:creationId xmlns:a16="http://schemas.microsoft.com/office/drawing/2014/main" id="{66035FB4-2BE3-BEEE-EC65-795AD09D9E13}"/>
-              </a:ext>
-            </a:extLst>
-          </p:cNvPr>
-          <p:cNvSpPr>
-            <a:spLocks noGrp="1"/>
-          </p:cNvSpPr>
-          <p:nvPr>
-            <p:ph type="title"/>
-          </p:nvPr>
-        </p:nvSpPr>
-        <p:spPr/>
-        <p:txBody>
-          <a:bodyPr/>
-          <a:lstStyle/>
-          <a:p>
-            <a:r>
-              <a:rPr lang="en-US" dirty="0"/>
-              <a:t>Java Bean Validation</a:t>
-            </a:r>
-            <a:br>
-              <a:rPr lang="en-US" b="0" i="0" u="none" strike="noStrike" dirty="0">
-                <a:solidFill>
-                  <a:srgbClr val="333333"/>
-                </a:solidFill>
-                <a:effectLst/>
-                <a:latin typeface="Raleway" pitchFamily="2" charset="77"/>
-              </a:rPr>
-            </a:br>
-            <a:endParaRPr lang="en-IL" dirty="0"/>
-          </a:p>
-        </p:txBody>
-      </p:sp>
-      <p:sp>
-        <p:nvSpPr>
-          <p:cNvPr id="3" name="Content Placeholder 2">
-            <a:extLst>
-              <a:ext uri="{FF2B5EF4-FFF2-40B4-BE49-F238E27FC236}">
-                <a16:creationId xmlns:a16="http://schemas.microsoft.com/office/drawing/2014/main" id="{DFEE9178-C9F9-4E5C-77D8-AD612970A079}"/>
-              </a:ext>
-            </a:extLst>
-          </p:cNvPr>
-          <p:cNvSpPr>
-            <a:spLocks noGrp="1"/>
-          </p:cNvSpPr>
-          <p:nvPr>
-            <p:ph idx="1"/>
-          </p:nvPr>
-        </p:nvSpPr>
-        <p:spPr>
-          <a:xfrm>
-            <a:off x="677334" y="1480931"/>
-            <a:ext cx="8596668" cy="4560432"/>
-          </a:xfrm>
-        </p:spPr>
-        <p:txBody>
-          <a:bodyPr>
-            <a:normAutofit/>
-          </a:bodyPr>
-          <a:lstStyle/>
-          <a:p>
-            <a:pPr marL="0" indent="0">
-              <a:buNone/>
-            </a:pPr>
-            <a:r>
-              <a:rPr lang="en-US" sz="2400" dirty="0"/>
-              <a:t>Very basically, </a:t>
-            </a:r>
-            <a:r>
-              <a:rPr lang="en-US" sz="2400" dirty="0">
-                <a:solidFill>
-                  <a:srgbClr val="0070C0"/>
-                </a:solidFill>
-              </a:rPr>
-              <a:t>Bean Validation </a:t>
-            </a:r>
-            <a:r>
-              <a:rPr lang="en-US" sz="2400" dirty="0"/>
-              <a:t>works by defining constraints to the fields of a class by annotating them with certain annotations (standard JSR-380).</a:t>
-            </a:r>
-          </a:p>
-          <a:p>
-            <a:r>
-              <a:rPr lang="en-US" b="1" i="1" u="none" strike="noStrike" dirty="0">
-                <a:solidFill>
-                  <a:srgbClr val="000000"/>
-                </a:solidFill>
-                <a:effectLst/>
-                <a:latin typeface="Raleway" pitchFamily="2" charset="77"/>
-              </a:rPr>
-              <a:t>@</a:t>
-            </a:r>
-            <a:r>
-              <a:rPr lang="en-US" b="1" i="1" u="none" strike="noStrike" dirty="0" err="1">
-                <a:solidFill>
-                  <a:srgbClr val="000000"/>
-                </a:solidFill>
-                <a:effectLst/>
-                <a:latin typeface="Raleway" pitchFamily="2" charset="77"/>
-              </a:rPr>
-              <a:t>NotNull</a:t>
-            </a:r>
-            <a:endParaRPr lang="en-US" b="1" i="1" u="none" strike="noStrike" dirty="0">
-              <a:solidFill>
-                <a:srgbClr val="000000"/>
-              </a:solidFill>
-              <a:effectLst/>
-              <a:latin typeface="Raleway" pitchFamily="2" charset="77"/>
-            </a:endParaRPr>
-          </a:p>
-          <a:p>
-            <a:r>
-              <a:rPr lang="en-US" b="1" i="1" u="none" strike="noStrike" dirty="0">
-                <a:solidFill>
-                  <a:srgbClr val="000000"/>
-                </a:solidFill>
-                <a:effectLst/>
-                <a:latin typeface="Raleway" pitchFamily="2" charset="77"/>
-              </a:rPr>
-              <a:t>@Size </a:t>
-            </a:r>
-          </a:p>
-          <a:p>
-            <a:r>
-              <a:rPr lang="en-US" b="1" i="1" u="none" strike="noStrike" dirty="0">
-                <a:solidFill>
-                  <a:srgbClr val="000000"/>
-                </a:solidFill>
-                <a:effectLst/>
-                <a:latin typeface="Raleway" pitchFamily="2" charset="77"/>
-              </a:rPr>
-              <a:t>@</a:t>
-            </a:r>
-            <a:r>
-              <a:rPr lang="en-US" b="1" i="1" u="none" strike="noStrike" dirty="0" err="1">
-                <a:solidFill>
-                  <a:srgbClr val="000000"/>
-                </a:solidFill>
-                <a:effectLst/>
-                <a:latin typeface="Raleway" pitchFamily="2" charset="77"/>
-              </a:rPr>
-              <a:t>AssertTrue</a:t>
-            </a:r>
-            <a:r>
-              <a:rPr lang="en-US" b="0" i="0" u="none" strike="noStrike" dirty="0">
-                <a:solidFill>
-                  <a:srgbClr val="000000"/>
-                </a:solidFill>
-                <a:effectLst/>
-                <a:latin typeface="Raleway" pitchFamily="2" charset="77"/>
-              </a:rPr>
-              <a:t> </a:t>
-            </a:r>
-            <a:endParaRPr lang="en-US" b="1" i="1" dirty="0">
-              <a:solidFill>
-                <a:srgbClr val="000000"/>
-              </a:solidFill>
-              <a:latin typeface="Raleway" pitchFamily="2" charset="77"/>
-            </a:endParaRPr>
-          </a:p>
-          <a:p>
-            <a:r>
-              <a:rPr lang="en-US" b="1" i="1" u="none" strike="noStrike" dirty="0">
-                <a:solidFill>
-                  <a:srgbClr val="000000"/>
-                </a:solidFill>
-                <a:effectLst/>
-                <a:latin typeface="Raleway" pitchFamily="2" charset="77"/>
-              </a:rPr>
-              <a:t>@Min and @Max</a:t>
-            </a:r>
-          </a:p>
-          <a:p>
-            <a:r>
-              <a:rPr lang="en-US" b="1" i="1" u="none" strike="noStrike" dirty="0">
-                <a:solidFill>
-                  <a:srgbClr val="000000"/>
-                </a:solidFill>
-                <a:effectLst/>
-                <a:latin typeface="Raleway" pitchFamily="2" charset="77"/>
-              </a:rPr>
-              <a:t>@</a:t>
-            </a:r>
-            <a:r>
-              <a:rPr lang="en-US" b="1" i="1" u="none" strike="noStrike" dirty="0" err="1">
-                <a:solidFill>
-                  <a:srgbClr val="000000"/>
-                </a:solidFill>
-                <a:effectLst/>
-                <a:latin typeface="Raleway" pitchFamily="2" charset="77"/>
-              </a:rPr>
-              <a:t>NotEmpty</a:t>
-            </a:r>
-            <a:r>
-              <a:rPr lang="en-US" b="1" i="1" u="none" strike="noStrike" dirty="0">
-                <a:solidFill>
-                  <a:srgbClr val="000000"/>
-                </a:solidFill>
-                <a:effectLst/>
-                <a:latin typeface="Raleway" pitchFamily="2" charset="77"/>
-              </a:rPr>
-              <a:t>, @</a:t>
-            </a:r>
-            <a:r>
-              <a:rPr lang="en-US" b="1" i="1" u="none" strike="noStrike" dirty="0" err="1">
-                <a:solidFill>
-                  <a:srgbClr val="000000"/>
-                </a:solidFill>
-                <a:effectLst/>
-                <a:latin typeface="Raleway" pitchFamily="2" charset="77"/>
-              </a:rPr>
-              <a:t>NotBlank</a:t>
-            </a:r>
-            <a:endParaRPr lang="en-US" b="1" i="1" u="none" strike="noStrike" dirty="0">
-              <a:solidFill>
-                <a:srgbClr val="000000"/>
-              </a:solidFill>
-              <a:effectLst/>
-              <a:latin typeface="Raleway" pitchFamily="2" charset="77"/>
-            </a:endParaRPr>
-          </a:p>
-          <a:p>
-            <a:r>
-              <a:rPr lang="en-US" b="1" i="1" dirty="0">
-                <a:solidFill>
-                  <a:srgbClr val="000000"/>
-                </a:solidFill>
-                <a:latin typeface="Raleway" pitchFamily="2" charset="77"/>
-              </a:rPr>
-              <a:t>@Pattern</a:t>
-            </a:r>
-          </a:p>
-          <a:p>
-            <a:r>
-              <a:rPr lang="en-US" b="1" i="1" u="none" strike="noStrike" dirty="0">
-                <a:solidFill>
-                  <a:srgbClr val="000000"/>
-                </a:solidFill>
-                <a:effectLst/>
-                <a:latin typeface="Raleway" pitchFamily="2" charset="77"/>
-              </a:rPr>
-              <a:t>@Positive, @</a:t>
-            </a:r>
-            <a:r>
-              <a:rPr lang="en-US" b="1" i="1" u="none" strike="noStrike" dirty="0" err="1">
-                <a:solidFill>
-                  <a:srgbClr val="000000"/>
-                </a:solidFill>
-                <a:effectLst/>
-                <a:latin typeface="Raleway" pitchFamily="2" charset="77"/>
-              </a:rPr>
-              <a:t>PositiveOrZero</a:t>
-            </a:r>
-            <a:r>
-              <a:rPr lang="en-US" b="1" i="1" u="none" strike="noStrike" dirty="0">
-                <a:solidFill>
-                  <a:srgbClr val="000000"/>
-                </a:solidFill>
-                <a:effectLst/>
-                <a:latin typeface="Raleway" pitchFamily="2" charset="77"/>
-              </a:rPr>
-              <a:t>, @Ne</a:t>
-            </a:r>
-            <a:r>
-              <a:rPr lang="en-US" b="1" i="1" dirty="0">
-                <a:solidFill>
-                  <a:srgbClr val="000000"/>
-                </a:solidFill>
-                <a:latin typeface="Raleway" pitchFamily="2" charset="77"/>
-              </a:rPr>
-              <a:t>gative, @</a:t>
-            </a:r>
-            <a:r>
-              <a:rPr lang="en-US" b="1" i="1" dirty="0" err="1">
-                <a:solidFill>
-                  <a:srgbClr val="000000"/>
-                </a:solidFill>
-                <a:latin typeface="Raleway" pitchFamily="2" charset="77"/>
-              </a:rPr>
-              <a:t>NegativeOrZero</a:t>
-            </a:r>
-            <a:endParaRPr lang="en-US" b="1" i="1" dirty="0">
-              <a:solidFill>
-                <a:srgbClr val="000000"/>
-              </a:solidFill>
-              <a:latin typeface="Raleway" pitchFamily="2" charset="77"/>
-            </a:endParaRPr>
-          </a:p>
-          <a:p>
-            <a:r>
-              <a:rPr lang="en-US" sz="1800" b="1" i="1" dirty="0">
-                <a:solidFill>
-                  <a:srgbClr val="000000"/>
-                </a:solidFill>
-                <a:latin typeface="Raleway" pitchFamily="2" charset="77"/>
-              </a:rPr>
-              <a:t>Etc.</a:t>
-            </a:r>
-            <a:endParaRPr lang="en-US" sz="1800" dirty="0"/>
-          </a:p>
-          <a:p>
-            <a:endParaRPr lang="en-IL" sz="1800" dirty="0"/>
-          </a:p>
-          <a:p>
-            <a:endParaRPr lang="en-IL" dirty="0"/>
-          </a:p>
-        </p:txBody>
-      </p:sp>
-    </p:spTree>
-    <p:extLst>
-      <p:ext uri="{BB962C8B-B14F-4D97-AF65-F5344CB8AC3E}">
-        <p14:creationId xmlns:p14="http://schemas.microsoft.com/office/powerpoint/2010/main" val="1744563588"/>
-      </p:ext>
-    </p:extLst>
-  </p:cSld>
-  <p:clrMapOvr>
-    <a:masterClrMapping/>
-  </p:clrMapOvr>
-</p:sld>
-</file>
-
-<file path=ppt/slides/slide25.xml><?xml version="1.0" encoding="utf-8"?>
-<p:sld xmlns:a="http://schemas.openxmlformats.org/drawingml/2006/main" xmlns:r="http://schemas.openxmlformats.org/officeDocument/2006/relationships" xmlns:p="http://schemas.openxmlformats.org/presentationml/2006/main">
-  <p:cSld>
-    <p:spTree>
-      <p:nvGrpSpPr>
-        <p:cNvPr id="1" name=""/>
-        <p:cNvGrpSpPr/>
-        <p:nvPr/>
-      </p:nvGrpSpPr>
-      <p:grpSpPr>
-        <a:xfrm>
-          <a:off x="0" y="0"/>
-          <a:ext cx="0" cy="0"/>
-          <a:chOff x="0" y="0"/>
-          <a:chExt cx="0" cy="0"/>
-        </a:xfrm>
-      </p:grpSpPr>
-      <p:sp>
-        <p:nvSpPr>
-          <p:cNvPr id="2" name="Title 1">
-            <a:extLst>
-              <a:ext uri="{FF2B5EF4-FFF2-40B4-BE49-F238E27FC236}">
-                <a16:creationId xmlns:a16="http://schemas.microsoft.com/office/drawing/2014/main" id="{1FF937B4-FF8B-6222-A8AE-7214FB8D0C1B}"/>
-              </a:ext>
-            </a:extLst>
-          </p:cNvPr>
-          <p:cNvSpPr>
-            <a:spLocks noGrp="1"/>
-          </p:cNvSpPr>
-          <p:nvPr>
-            <p:ph type="title"/>
-          </p:nvPr>
-        </p:nvSpPr>
-        <p:spPr/>
-        <p:txBody>
-          <a:bodyPr/>
-          <a:lstStyle/>
-          <a:p>
-            <a:r>
-              <a:rPr lang="en-US" dirty="0"/>
-              <a:t>Validator, @Validated and @Valid</a:t>
-            </a:r>
-            <a:endParaRPr lang="en-IL" dirty="0"/>
-          </a:p>
-        </p:txBody>
-      </p:sp>
-      <p:sp>
-        <p:nvSpPr>
-          <p:cNvPr id="3" name="Content Placeholder 2">
-            <a:extLst>
-              <a:ext uri="{FF2B5EF4-FFF2-40B4-BE49-F238E27FC236}">
-                <a16:creationId xmlns:a16="http://schemas.microsoft.com/office/drawing/2014/main" id="{6A063D1B-2488-FF6A-67CF-AF0DF19103A5}"/>
-              </a:ext>
-            </a:extLst>
-          </p:cNvPr>
-          <p:cNvSpPr>
-            <a:spLocks noGrp="1"/>
-          </p:cNvSpPr>
-          <p:nvPr>
-            <p:ph idx="1"/>
-          </p:nvPr>
-        </p:nvSpPr>
-        <p:spPr>
-          <a:xfrm>
-            <a:off x="677334" y="1718800"/>
-            <a:ext cx="8596668" cy="4435420"/>
-          </a:xfrm>
-        </p:spPr>
-        <p:txBody>
-          <a:bodyPr>
-            <a:noAutofit/>
-          </a:bodyPr>
-          <a:lstStyle/>
-          <a:p>
-            <a:r>
-              <a:rPr lang="en-US" sz="2400" dirty="0"/>
-              <a:t>Without </a:t>
-            </a:r>
-            <a:r>
-              <a:rPr lang="en-US" sz="2400" dirty="0">
-                <a:solidFill>
-                  <a:srgbClr val="92D050"/>
-                </a:solidFill>
-              </a:rPr>
-              <a:t>Spring</a:t>
-            </a:r>
-            <a:r>
-              <a:rPr lang="en-US" sz="2400" dirty="0"/>
-              <a:t> - to validate if an object is valid, we use a </a:t>
-            </a:r>
-            <a:r>
-              <a:rPr lang="en-US" sz="2400" dirty="0">
-                <a:solidFill>
-                  <a:srgbClr val="0070C0"/>
-                </a:solidFill>
-              </a:rPr>
-              <a:t>Validator</a:t>
-            </a:r>
-            <a:r>
-              <a:rPr lang="en-US" sz="2400" dirty="0"/>
-              <a:t> that checks if the constraints are met.</a:t>
-            </a:r>
-          </a:p>
-          <a:p>
-            <a:r>
-              <a:rPr lang="en-US" sz="2400" dirty="0"/>
-              <a:t>However, </a:t>
-            </a:r>
-            <a:r>
-              <a:rPr lang="en-US" sz="2400" dirty="0">
-                <a:solidFill>
-                  <a:srgbClr val="92D050"/>
-                </a:solidFill>
-              </a:rPr>
-              <a:t>Spring</a:t>
-            </a:r>
-            <a:r>
-              <a:rPr lang="en-US" sz="2400" dirty="0"/>
-              <a:t> does the validation for us. We don’t need to create a Validator. Instead, we can let Spring know that we want to have a certain object validated. This works by using the </a:t>
-            </a:r>
-            <a:r>
-              <a:rPr lang="en-US" sz="2400" dirty="0">
-                <a:solidFill>
-                  <a:srgbClr val="92D050"/>
-                </a:solidFill>
-              </a:rPr>
-              <a:t>@Validated </a:t>
-            </a:r>
-            <a:r>
-              <a:rPr lang="en-US" sz="2400" dirty="0"/>
-              <a:t>and </a:t>
-            </a:r>
-            <a:r>
-              <a:rPr lang="en-US" sz="2400" dirty="0">
-                <a:solidFill>
-                  <a:srgbClr val="92D050"/>
-                </a:solidFill>
-              </a:rPr>
-              <a:t>@Valid </a:t>
-            </a:r>
-            <a:r>
-              <a:rPr lang="en-US" sz="2400" dirty="0"/>
-              <a:t>annotations.</a:t>
-            </a:r>
-          </a:p>
-          <a:p>
-            <a:pPr lvl="1"/>
-            <a:r>
-              <a:rPr lang="en-US" sz="2000" dirty="0"/>
-              <a:t>The </a:t>
-            </a:r>
-            <a:r>
-              <a:rPr lang="en-US" sz="2000" dirty="0">
-                <a:solidFill>
-                  <a:srgbClr val="92D050"/>
-                </a:solidFill>
-              </a:rPr>
-              <a:t>@Validated </a:t>
-            </a:r>
-            <a:r>
-              <a:rPr lang="en-US" sz="2000" dirty="0"/>
-              <a:t>annotation is a </a:t>
-            </a:r>
-            <a:r>
-              <a:rPr lang="en-US" sz="2000" i="1" dirty="0"/>
-              <a:t>class-level annot</a:t>
-            </a:r>
-            <a:r>
-              <a:rPr lang="en-US" sz="2000" dirty="0"/>
-              <a:t>ation that we can use to tell Spring to validate parameters that are passed into a method of the annotated class.</a:t>
-            </a:r>
-          </a:p>
-          <a:p>
-            <a:pPr lvl="1"/>
-            <a:r>
-              <a:rPr lang="en-US" sz="2000" dirty="0"/>
-              <a:t>We can put the </a:t>
-            </a:r>
-            <a:r>
-              <a:rPr lang="en-US" sz="2000" dirty="0">
-                <a:solidFill>
-                  <a:srgbClr val="92D050"/>
-                </a:solidFill>
-              </a:rPr>
-              <a:t>@Valid </a:t>
-            </a:r>
-            <a:r>
-              <a:rPr lang="en-US" sz="2000" dirty="0"/>
-              <a:t>annotation on </a:t>
-            </a:r>
-            <a:r>
-              <a:rPr lang="en-US" sz="2000" i="1" dirty="0"/>
-              <a:t>method parameters and fields </a:t>
-            </a:r>
-            <a:r>
-              <a:rPr lang="en-US" sz="2000" dirty="0"/>
-              <a:t>to tell Spring that we want a method parameter or field to be validated.</a:t>
-            </a:r>
-            <a:endParaRPr lang="en-IL" sz="2000" dirty="0"/>
-          </a:p>
-        </p:txBody>
-      </p:sp>
-    </p:spTree>
-    <p:extLst>
-      <p:ext uri="{BB962C8B-B14F-4D97-AF65-F5344CB8AC3E}">
-        <p14:creationId xmlns:p14="http://schemas.microsoft.com/office/powerpoint/2010/main" val="4027042923"/>
-      </p:ext>
-    </p:extLst>
-  </p:cSld>
-  <p:clrMapOvr>
-    <a:masterClrMapping/>
-  </p:clrMapOvr>
-  <p:timing>
-    <p:tnLst>
-      <p:par>
-        <p:cTn id="1" dur="indefinite" restart="never" nodeType="tmRoot">
-          <p:childTnLst>
-            <p:seq concurrent="1" nextAc="seek">
-              <p:cTn id="2" dur="indefinite" nodeType="mainSeq">
-                <p:childTnLst>
-                  <p:par>
-                    <p:cTn id="3" fill="hold">
-                      <p:stCondLst>
-                        <p:cond delay="indefinite"/>
-                      </p:stCondLst>
-                      <p:childTnLst>
-                        <p:par>
-                          <p:cTn id="4" fill="hold">
-                            <p:stCondLst>
-                              <p:cond delay="0"/>
-                            </p:stCondLst>
-                            <p:childTnLst>
-                              <p:par>
-                                <p:cTn id="5" presetID="1" presetClass="entr" presetSubtype="0" fill="hold" nodeType="clickEffect">
-                                  <p:stCondLst>
-                                    <p:cond delay="0"/>
-                                  </p:stCondLst>
-                                  <p:childTnLst>
-                                    <p:set>
-                                      <p:cBhvr>
-                                        <p:cTn id="6" dur="1" fill="hold">
-                                          <p:stCondLst>
-                                            <p:cond delay="0"/>
-                                          </p:stCondLst>
-                                        </p:cTn>
-                                        <p:tgtEl>
-                                          <p:spTgt spid="3">
-                                            <p:txEl>
-                                              <p:pRg st="0" end="0"/>
-                                            </p:txEl>
-                                          </p:spTgt>
-                                        </p:tgtEl>
-                                        <p:attrNameLst>
-                                          <p:attrName>style.visibility</p:attrName>
-                                        </p:attrNameLst>
-                                      </p:cBhvr>
-                                      <p:to>
-                                        <p:strVal val="visible"/>
-                                      </p:to>
-                                    </p:set>
-                                  </p:childTnLst>
-                                </p:cTn>
-                              </p:par>
-                              <p:par>
-                                <p:cTn id="7" presetID="1" presetClass="entr" presetSubtype="0" fill="hold" nodeType="withEffect">
-                                  <p:stCondLst>
-                                    <p:cond delay="0"/>
-                                  </p:stCondLst>
-                                  <p:childTnLst>
-                                    <p:set>
-                                      <p:cBhvr>
-                                        <p:cTn id="8" dur="1" fill="hold">
-                                          <p:stCondLst>
-                                            <p:cond delay="0"/>
-                                          </p:stCondLst>
-                                        </p:cTn>
-                                        <p:tgtEl>
-                                          <p:spTgt spid="3">
-                                            <p:txEl>
-                                              <p:pRg st="1" end="1"/>
-                                            </p:txEl>
-                                          </p:spTgt>
-                                        </p:tgtEl>
-                                        <p:attrNameLst>
-                                          <p:attrName>style.visibility</p:attrName>
-                                        </p:attrNameLst>
-                                      </p:cBhvr>
-                                      <p:to>
-                                        <p:strVal val="visible"/>
-                                      </p:to>
-                                    </p:set>
-                                  </p:childTnLst>
-                                </p:cTn>
-                              </p:par>
-                            </p:childTnLst>
-                          </p:cTn>
-                        </p:par>
-                      </p:childTnLst>
-                    </p:cTn>
-                  </p:par>
-                  <p:par>
-                    <p:cTn id="9" fill="hold">
-                      <p:stCondLst>
-                        <p:cond delay="indefinite"/>
-                      </p:stCondLst>
-                      <p:childTnLst>
-                        <p:par>
-                          <p:cTn id="10" fill="hold">
-                            <p:stCondLst>
-                              <p:cond delay="0"/>
-                            </p:stCondLst>
-                            <p:childTnLst>
-                              <p:par>
-                                <p:cTn id="11" presetID="1" presetClass="entr" presetSubtype="0" fill="hold" nodeType="clickEffect">
-                                  <p:stCondLst>
-                                    <p:cond delay="0"/>
-                                  </p:stCondLst>
-                                  <p:childTnLst>
-                                    <p:set>
-                                      <p:cBhvr>
-                                        <p:cTn id="12" dur="1" fill="hold">
-                                          <p:stCondLst>
-                                            <p:cond delay="0"/>
-                                          </p:stCondLst>
-                                        </p:cTn>
-                                        <p:tgtEl>
-                                          <p:spTgt spid="3">
-                                            <p:txEl>
-                                              <p:pRg st="2" end="2"/>
-                                            </p:txEl>
-                                          </p:spTgt>
-                                        </p:tgtEl>
-                                        <p:attrNameLst>
-                                          <p:attrName>style.visibility</p:attrName>
-                                        </p:attrNameLst>
-                                      </p:cBhvr>
-                                      <p:to>
-                                        <p:strVal val="visible"/>
-                                      </p:to>
-                                    </p:set>
-                                  </p:childTnLst>
-                                </p:cTn>
-                              </p:par>
-                            </p:childTnLst>
-                          </p:cTn>
-                        </p:par>
-                      </p:childTnLst>
-                    </p:cTn>
-                  </p:par>
-                  <p:par>
-                    <p:cTn id="13" fill="hold">
-                      <p:stCondLst>
-                        <p:cond delay="indefinite"/>
-                      </p:stCondLst>
-                      <p:childTnLst>
-                        <p:par>
-                          <p:cTn id="14" fill="hold">
-                            <p:stCondLst>
-                              <p:cond delay="0"/>
-                            </p:stCondLst>
-                            <p:childTnLst>
-                              <p:par>
-                                <p:cTn id="15" presetID="1" presetClass="entr" presetSubtype="0" fill="hold" nodeType="clickEffect">
-                                  <p:stCondLst>
-                                    <p:cond delay="0"/>
-                                  </p:stCondLst>
-                                  <p:childTnLst>
-                                    <p:set>
-                                      <p:cBhvr>
-                                        <p:cTn id="16" dur="1" fill="hold">
-                                          <p:stCondLst>
-                                            <p:cond delay="0"/>
-                                          </p:stCondLst>
-                                        </p:cTn>
-                                        <p:tgtEl>
-                                          <p:spTgt spid="3">
-                                            <p:txEl>
-                                              <p:pRg st="3" end="3"/>
-                                            </p:txEl>
-                                          </p:spTgt>
-                                        </p:tgtEl>
-                                        <p:attrNameLst>
-                                          <p:attrName>style.visibility</p:attrName>
-                                        </p:attrNameLst>
-                                      </p:cBhvr>
-                                      <p:to>
-                                        <p:strVal val="visible"/>
-                                      </p:to>
-                                    </p:set>
-                                  </p:childTnLst>
-                                </p:cTn>
-                              </p:par>
-                            </p:childTnLst>
-                          </p:cTn>
-                        </p:par>
-                      </p:childTnLst>
-                    </p:cTn>
-                  </p:par>
-                </p:childTnLst>
-              </p:cTn>
-              <p:prevCondLst>
-                <p:cond evt="onPrev" delay="0">
-                  <p:tgtEl>
-                    <p:sldTgt/>
-                  </p:tgtEl>
-                </p:cond>
-              </p:prevCondLst>
-              <p:nextCondLst>
-                <p:cond evt="onNext" delay="0">
-                  <p:tgtEl>
-                    <p:sldTgt/>
-                  </p:tgtEl>
-                </p:cond>
-              </p:nextCondLst>
-            </p:seq>
-          </p:childTnLst>
-        </p:cTn>
-      </p:par>
-    </p:tnLst>
-  </p:timing>
-</p:sld>
-</file>
-
-<file path=ppt/slides/slide26.xml><?xml version="1.0" encoding="utf-8"?>
-<p:sld xmlns:a="http://schemas.openxmlformats.org/drawingml/2006/main" xmlns:r="http://schemas.openxmlformats.org/officeDocument/2006/relationships" xmlns:p="http://schemas.openxmlformats.org/presentationml/2006/main">
-  <p:cSld>
-    <p:spTree>
-      <p:nvGrpSpPr>
-        <p:cNvPr id="1" name=""/>
-        <p:cNvGrpSpPr/>
-        <p:nvPr/>
-      </p:nvGrpSpPr>
-      <p:grpSpPr>
-        <a:xfrm>
-          <a:off x="0" y="0"/>
-          <a:ext cx="0" cy="0"/>
-          <a:chOff x="0" y="0"/>
-          <a:chExt cx="0" cy="0"/>
-        </a:xfrm>
-      </p:grpSpPr>
-      <p:sp>
-        <p:nvSpPr>
-          <p:cNvPr id="2" name="Title 1">
-            <a:extLst>
-              <a:ext uri="{FF2B5EF4-FFF2-40B4-BE49-F238E27FC236}">
                 <a16:creationId xmlns:a16="http://schemas.microsoft.com/office/drawing/2014/main" id="{A8A66126-28F2-1253-E4C6-590BC8DF8138}"/>
               </a:ext>
             </a:extLst>
@@ -16415,7 +15196,7 @@
 </p:sld>
 </file>
 
-<file path=ppt/slides/slide27.xml><?xml version="1.0" encoding="utf-8"?>
+<file path=ppt/slides/slide24.xml><?xml version="1.0" encoding="utf-8"?>
 <p:sld xmlns:a="http://schemas.openxmlformats.org/drawingml/2006/main" xmlns:r="http://schemas.openxmlformats.org/officeDocument/2006/relationships" xmlns:p="http://schemas.openxmlformats.org/presentationml/2006/main">
   <p:cSld>
     <p:spTree>
@@ -17151,7 +15932,7 @@
 </p:sld>
 </file>
 
-<file path=ppt/slides/slide28.xml><?xml version="1.0" encoding="utf-8"?>
+<file path=ppt/slides/slide25.xml><?xml version="1.0" encoding="utf-8"?>
 <p:sld xmlns:a="http://schemas.openxmlformats.org/drawingml/2006/main" xmlns:r="http://schemas.openxmlformats.org/officeDocument/2006/relationships" xmlns:p="http://schemas.openxmlformats.org/presentationml/2006/main">
   <p:cSld>
     <p:spTree>
@@ -17837,7 +16618,7 @@
 </p:sld>
 </file>
 
-<file path=ppt/slides/slide29.xml><?xml version="1.0" encoding="utf-8"?>
+<file path=ppt/slides/slide26.xml><?xml version="1.0" encoding="utf-8"?>
 <p:sld xmlns:a="http://schemas.openxmlformats.org/drawingml/2006/main" xmlns:r="http://schemas.openxmlformats.org/officeDocument/2006/relationships" xmlns:p="http://schemas.openxmlformats.org/presentationml/2006/main">
   <p:cSld>
     <p:spTree>
@@ -18887,6 +17668,1218 @@
     <p:extLst>
       <p:ext uri="{BB962C8B-B14F-4D97-AF65-F5344CB8AC3E}">
         <p14:creationId xmlns:p14="http://schemas.microsoft.com/office/powerpoint/2010/main" val="1428792716"/>
+      </p:ext>
+    </p:extLst>
+  </p:cSld>
+  <p:clrMapOvr>
+    <a:masterClrMapping/>
+  </p:clrMapOvr>
+</p:sld>
+</file>
+
+<file path=ppt/slides/slide27.xml><?xml version="1.0" encoding="utf-8"?>
+<p:sld xmlns:a="http://schemas.openxmlformats.org/drawingml/2006/main" xmlns:r="http://schemas.openxmlformats.org/officeDocument/2006/relationships" xmlns:p="http://schemas.openxmlformats.org/presentationml/2006/main">
+  <p:cSld>
+    <p:spTree>
+      <p:nvGrpSpPr>
+        <p:cNvPr id="1" name=""/>
+        <p:cNvGrpSpPr/>
+        <p:nvPr/>
+      </p:nvGrpSpPr>
+      <p:grpSpPr>
+        <a:xfrm>
+          <a:off x="0" y="0"/>
+          <a:ext cx="0" cy="0"/>
+          <a:chOff x="0" y="0"/>
+          <a:chExt cx="0" cy="0"/>
+        </a:xfrm>
+      </p:grpSpPr>
+      <p:sp>
+        <p:nvSpPr>
+          <p:cNvPr id="2" name="Title 1">
+            <a:extLst>
+              <a:ext uri="{FF2B5EF4-FFF2-40B4-BE49-F238E27FC236}">
+                <a16:creationId xmlns:a16="http://schemas.microsoft.com/office/drawing/2014/main" id="{8B22B7AC-CAB2-1E68-9F0D-ECEF99753AE6}"/>
+              </a:ext>
+            </a:extLst>
+          </p:cNvPr>
+          <p:cNvSpPr>
+            <a:spLocks noGrp="1"/>
+          </p:cNvSpPr>
+          <p:nvPr>
+            <p:ph type="title"/>
+          </p:nvPr>
+        </p:nvSpPr>
+        <p:spPr/>
+        <p:txBody>
+          <a:bodyPr/>
+          <a:lstStyle/>
+          <a:p>
+            <a:r>
+              <a:rPr lang="en-IL" dirty="0"/>
+              <a:t>Validation failure handling</a:t>
+            </a:r>
+          </a:p>
+        </p:txBody>
+      </p:sp>
+      <p:sp>
+        <p:nvSpPr>
+          <p:cNvPr id="3" name="Content Placeholder 2">
+            <a:extLst>
+              <a:ext uri="{FF2B5EF4-FFF2-40B4-BE49-F238E27FC236}">
+                <a16:creationId xmlns:a16="http://schemas.microsoft.com/office/drawing/2014/main" id="{76B1C0EB-38D6-B3F9-6672-1551D9D0C002}"/>
+              </a:ext>
+            </a:extLst>
+          </p:cNvPr>
+          <p:cNvSpPr>
+            <a:spLocks noGrp="1"/>
+          </p:cNvSpPr>
+          <p:nvPr>
+            <p:ph idx="1"/>
+          </p:nvPr>
+        </p:nvSpPr>
+        <p:spPr>
+          <a:xfrm>
+            <a:off x="703710" y="1483581"/>
+            <a:ext cx="8596668" cy="3880773"/>
+          </a:xfrm>
+        </p:spPr>
+        <p:txBody>
+          <a:bodyPr/>
+          <a:lstStyle/>
+          <a:p>
+            <a:r>
+              <a:rPr lang="en-US" sz="2000" dirty="0"/>
+              <a:t>If a validation of request body fails, a </a:t>
+            </a:r>
+            <a:r>
+              <a:rPr lang="en-US" sz="2000" dirty="0" err="1">
+                <a:solidFill>
+                  <a:srgbClr val="0070C0"/>
+                </a:solidFill>
+              </a:rPr>
+              <a:t>MethodArgumentNotValidException</a:t>
+            </a:r>
+            <a:r>
+              <a:rPr lang="en-US" sz="2000" dirty="0"/>
+              <a:t> will be triggered. By default, Spring will translate this exception to a HTTP status </a:t>
+            </a:r>
+            <a:r>
+              <a:rPr lang="en-US" sz="2000" i="1" dirty="0"/>
+              <a:t>400 (Bad Request)</a:t>
+            </a:r>
+            <a:r>
+              <a:rPr lang="en-US" sz="2000" dirty="0"/>
+              <a:t>.</a:t>
+            </a:r>
+          </a:p>
+          <a:p>
+            <a:r>
+              <a:rPr lang="en-US" sz="2000" dirty="0"/>
+              <a:t>If a validation of path variables or request parameters fails, a </a:t>
+            </a:r>
+            <a:r>
+              <a:rPr lang="en-US" sz="2000" dirty="0" err="1">
+                <a:solidFill>
+                  <a:srgbClr val="0070C0"/>
+                </a:solidFill>
+              </a:rPr>
+              <a:t>ConstraintViolationException</a:t>
+            </a:r>
+            <a:r>
+              <a:rPr lang="en-US" sz="2000" dirty="0"/>
+              <a:t> will be triggered. By default, Spring will translate it to a Http status </a:t>
+            </a:r>
+            <a:r>
+              <a:rPr lang="en-US" sz="2000" i="1" dirty="0"/>
+              <a:t>500 (Internal Server Error)</a:t>
+            </a:r>
+            <a:r>
+              <a:rPr lang="en-US" sz="2000" dirty="0"/>
+              <a:t>.</a:t>
+            </a:r>
+          </a:p>
+          <a:p>
+            <a:pPr lvl="1"/>
+            <a:r>
+              <a:rPr lang="en-US" sz="1800" dirty="0"/>
+              <a:t>If we want to return a HTTP status 400 instead (which makes sense, since the client provided an invalid parameter, making it a bad request), we can add a custom exception handler.</a:t>
+            </a:r>
+            <a:br>
+              <a:rPr lang="en-US" dirty="0"/>
+            </a:br>
+            <a:endParaRPr lang="en-IL" dirty="0"/>
+          </a:p>
+        </p:txBody>
+      </p:sp>
+    </p:spTree>
+    <p:extLst>
+      <p:ext uri="{BB962C8B-B14F-4D97-AF65-F5344CB8AC3E}">
+        <p14:creationId xmlns:p14="http://schemas.microsoft.com/office/powerpoint/2010/main" val="3806335470"/>
+      </p:ext>
+    </p:extLst>
+  </p:cSld>
+  <p:clrMapOvr>
+    <a:masterClrMapping/>
+  </p:clrMapOvr>
+</p:sld>
+</file>
+
+<file path=ppt/slides/slide28.xml><?xml version="1.0" encoding="utf-8"?>
+<p:sld xmlns:a="http://schemas.openxmlformats.org/drawingml/2006/main" xmlns:r="http://schemas.openxmlformats.org/officeDocument/2006/relationships" xmlns:p="http://schemas.openxmlformats.org/presentationml/2006/main">
+  <p:cSld>
+    <p:spTree>
+      <p:nvGrpSpPr>
+        <p:cNvPr id="1" name=""/>
+        <p:cNvGrpSpPr/>
+        <p:nvPr/>
+      </p:nvGrpSpPr>
+      <p:grpSpPr>
+        <a:xfrm>
+          <a:off x="0" y="0"/>
+          <a:ext cx="0" cy="0"/>
+          <a:chOff x="0" y="0"/>
+          <a:chExt cx="0" cy="0"/>
+        </a:xfrm>
+      </p:grpSpPr>
+      <p:sp>
+        <p:nvSpPr>
+          <p:cNvPr id="2" name="Title 1">
+            <a:extLst>
+              <a:ext uri="{FF2B5EF4-FFF2-40B4-BE49-F238E27FC236}">
+                <a16:creationId xmlns:a16="http://schemas.microsoft.com/office/drawing/2014/main" id="{DDBBF276-419A-42CD-33D6-99D072643860}"/>
+              </a:ext>
+            </a:extLst>
+          </p:cNvPr>
+          <p:cNvSpPr>
+            <a:spLocks noGrp="1"/>
+          </p:cNvSpPr>
+          <p:nvPr>
+            <p:ph type="title"/>
+          </p:nvPr>
+        </p:nvSpPr>
+        <p:spPr>
+          <a:xfrm>
+            <a:off x="677334" y="609600"/>
+            <a:ext cx="8596668" cy="582706"/>
+          </a:xfrm>
+        </p:spPr>
+        <p:txBody>
+          <a:bodyPr>
+            <a:normAutofit fontScale="90000"/>
+          </a:bodyPr>
+          <a:lstStyle/>
+          <a:p>
+            <a:r>
+              <a:rPr lang="en-IL" dirty="0"/>
+              <a:t>Configuration properties validation</a:t>
+            </a:r>
+          </a:p>
+        </p:txBody>
+      </p:sp>
+      <p:sp>
+        <p:nvSpPr>
+          <p:cNvPr id="3" name="Content Placeholder 2">
+            <a:extLst>
+              <a:ext uri="{FF2B5EF4-FFF2-40B4-BE49-F238E27FC236}">
+                <a16:creationId xmlns:a16="http://schemas.microsoft.com/office/drawing/2014/main" id="{0EBF821E-54E5-BB80-B89D-9407A38A2CA2}"/>
+              </a:ext>
+            </a:extLst>
+          </p:cNvPr>
+          <p:cNvSpPr>
+            <a:spLocks noGrp="1"/>
+          </p:cNvSpPr>
+          <p:nvPr>
+            <p:ph idx="1"/>
+          </p:nvPr>
+        </p:nvSpPr>
+        <p:spPr>
+          <a:xfrm>
+            <a:off x="677334" y="1264024"/>
+            <a:ext cx="8954346" cy="5458993"/>
+          </a:xfrm>
+        </p:spPr>
+        <p:txBody>
+          <a:bodyPr>
+            <a:normAutofit/>
+          </a:bodyPr>
+          <a:lstStyle/>
+          <a:p>
+            <a:r>
+              <a:rPr lang="en-US" sz="2000" dirty="0">
+                <a:solidFill>
+                  <a:schemeClr val="accent1"/>
+                </a:solidFill>
+              </a:rPr>
+              <a:t>@</a:t>
+            </a:r>
+            <a:r>
+              <a:rPr lang="en-US" sz="2000" dirty="0" err="1">
+                <a:solidFill>
+                  <a:schemeClr val="accent1"/>
+                </a:solidFill>
+              </a:rPr>
+              <a:t>ConfigurationProperties</a:t>
+            </a:r>
+            <a:r>
+              <a:rPr lang="en-US" sz="2000" dirty="0">
+                <a:solidFill>
+                  <a:schemeClr val="accent1"/>
+                </a:solidFill>
+              </a:rPr>
+              <a:t> </a:t>
+            </a:r>
+            <a:r>
+              <a:rPr lang="en-US" sz="2000" dirty="0"/>
+              <a:t>properties also can be validated whenever they are annotated with Spring’s </a:t>
+            </a:r>
+            <a:r>
+              <a:rPr lang="en-US" sz="2000" b="1" dirty="0">
+                <a:solidFill>
+                  <a:schemeClr val="accent1"/>
+                </a:solidFill>
+              </a:rPr>
+              <a:t>@Validated </a:t>
+            </a:r>
+            <a:r>
+              <a:rPr lang="en-US" sz="2000" dirty="0"/>
+              <a:t>annotation.</a:t>
+            </a:r>
+          </a:p>
+          <a:p>
+            <a:r>
+              <a:rPr lang="en-US" sz="2000" dirty="0"/>
+              <a:t>Use </a:t>
+            </a:r>
+            <a:r>
+              <a:rPr lang="en-US" sz="2000" dirty="0">
+                <a:solidFill>
+                  <a:srgbClr val="0070C0"/>
+                </a:solidFill>
+              </a:rPr>
+              <a:t>Bean Validation </a:t>
+            </a:r>
+            <a:r>
+              <a:rPr lang="en-US" sz="2000" dirty="0"/>
+              <a:t>annotations directly on your configuration class:</a:t>
+            </a:r>
+            <a:endParaRPr lang="en-IL" sz="2000" dirty="0"/>
+          </a:p>
+        </p:txBody>
+      </p:sp>
+      <p:sp>
+        <p:nvSpPr>
+          <p:cNvPr id="4" name="Content Placeholder 5">
+            <a:extLst>
+              <a:ext uri="{FF2B5EF4-FFF2-40B4-BE49-F238E27FC236}">
+                <a16:creationId xmlns:a16="http://schemas.microsoft.com/office/drawing/2014/main" id="{753E56C0-922C-B2C2-A903-3365BE149131}"/>
+              </a:ext>
+            </a:extLst>
+          </p:cNvPr>
+          <p:cNvSpPr txBox="1">
+            <a:spLocks/>
+          </p:cNvSpPr>
+          <p:nvPr/>
+        </p:nvSpPr>
+        <p:spPr>
+          <a:xfrm>
+            <a:off x="677334" y="2599765"/>
+            <a:ext cx="6043747" cy="4194970"/>
+          </a:xfrm>
+          <a:prstGeom prst="rect">
+            <a:avLst/>
+          </a:prstGeom>
+          <a:solidFill>
+            <a:schemeClr val="bg2"/>
+          </a:solidFill>
+          <a:ln>
+            <a:solidFill>
+              <a:schemeClr val="tx2">
+                <a:lumMod val="50000"/>
+              </a:schemeClr>
+            </a:solidFill>
+          </a:ln>
+        </p:spPr>
+        <p:txBody>
+          <a:bodyPr>
+            <a:noAutofit/>
+          </a:bodyPr>
+          <a:lstStyle>
+            <a:lvl1pPr marL="342900" indent="-342900" algn="l" defTabSz="457200" rtl="0" eaLnBrk="1" latinLnBrk="0" hangingPunct="1">
+              <a:spcBef>
+                <a:spcPts val="1000"/>
+              </a:spcBef>
+              <a:spcAft>
+                <a:spcPts val="0"/>
+              </a:spcAft>
+              <a:buClr>
+                <a:schemeClr val="accent1"/>
+              </a:buClr>
+              <a:buSzPct val="80000"/>
+              <a:buFont typeface="Wingdings 3" charset="2"/>
+              <a:buChar char=""/>
+              <a:defRPr sz="1800" kern="1200">
+                <a:solidFill>
+                  <a:schemeClr val="tx1">
+                    <a:lumMod val="75000"/>
+                    <a:lumOff val="25000"/>
+                  </a:schemeClr>
+                </a:solidFill>
+                <a:latin typeface="+mn-lt"/>
+                <a:ea typeface="+mn-ea"/>
+                <a:cs typeface="+mn-cs"/>
+              </a:defRPr>
+            </a:lvl1pPr>
+            <a:lvl2pPr marL="742950" indent="-285750" algn="l" defTabSz="457200" rtl="0" eaLnBrk="1" latinLnBrk="0" hangingPunct="1">
+              <a:spcBef>
+                <a:spcPts val="1000"/>
+              </a:spcBef>
+              <a:spcAft>
+                <a:spcPts val="0"/>
+              </a:spcAft>
+              <a:buClr>
+                <a:schemeClr val="accent1"/>
+              </a:buClr>
+              <a:buSzPct val="80000"/>
+              <a:buFont typeface="Wingdings 3" charset="2"/>
+              <a:buChar char=""/>
+              <a:defRPr sz="1600" kern="1200">
+                <a:solidFill>
+                  <a:schemeClr val="tx1">
+                    <a:lumMod val="75000"/>
+                    <a:lumOff val="25000"/>
+                  </a:schemeClr>
+                </a:solidFill>
+                <a:latin typeface="+mn-lt"/>
+                <a:ea typeface="+mn-ea"/>
+                <a:cs typeface="+mn-cs"/>
+              </a:defRPr>
+            </a:lvl2pPr>
+            <a:lvl3pPr marL="1143000" indent="-228600" algn="l" defTabSz="457200" rtl="0" eaLnBrk="1" latinLnBrk="0" hangingPunct="1">
+              <a:spcBef>
+                <a:spcPts val="1000"/>
+              </a:spcBef>
+              <a:spcAft>
+                <a:spcPts val="0"/>
+              </a:spcAft>
+              <a:buClr>
+                <a:schemeClr val="accent1"/>
+              </a:buClr>
+              <a:buSzPct val="80000"/>
+              <a:buFont typeface="Wingdings 3" charset="2"/>
+              <a:buChar char=""/>
+              <a:defRPr sz="1400" kern="1200">
+                <a:solidFill>
+                  <a:schemeClr val="tx1">
+                    <a:lumMod val="75000"/>
+                    <a:lumOff val="25000"/>
+                  </a:schemeClr>
+                </a:solidFill>
+                <a:latin typeface="+mn-lt"/>
+                <a:ea typeface="+mn-ea"/>
+                <a:cs typeface="+mn-cs"/>
+              </a:defRPr>
+            </a:lvl3pPr>
+            <a:lvl4pPr marL="1600200" indent="-228600" algn="l" defTabSz="457200" rtl="0" eaLnBrk="1" latinLnBrk="0" hangingPunct="1">
+              <a:spcBef>
+                <a:spcPts val="1000"/>
+              </a:spcBef>
+              <a:spcAft>
+                <a:spcPts val="0"/>
+              </a:spcAft>
+              <a:buClr>
+                <a:schemeClr val="accent1"/>
+              </a:buClr>
+              <a:buSzPct val="80000"/>
+              <a:buFont typeface="Wingdings 3" charset="2"/>
+              <a:buChar char=""/>
+              <a:defRPr sz="1200" kern="1200">
+                <a:solidFill>
+                  <a:schemeClr val="tx1">
+                    <a:lumMod val="75000"/>
+                    <a:lumOff val="25000"/>
+                  </a:schemeClr>
+                </a:solidFill>
+                <a:latin typeface="+mn-lt"/>
+                <a:ea typeface="+mn-ea"/>
+                <a:cs typeface="+mn-cs"/>
+              </a:defRPr>
+            </a:lvl4pPr>
+            <a:lvl5pPr marL="2057400" indent="-228600" algn="l" defTabSz="457200" rtl="0" eaLnBrk="1" latinLnBrk="0" hangingPunct="1">
+              <a:spcBef>
+                <a:spcPts val="1000"/>
+              </a:spcBef>
+              <a:spcAft>
+                <a:spcPts val="0"/>
+              </a:spcAft>
+              <a:buClr>
+                <a:schemeClr val="accent1"/>
+              </a:buClr>
+              <a:buSzPct val="80000"/>
+              <a:buFont typeface="Wingdings 3" charset="2"/>
+              <a:buChar char=""/>
+              <a:defRPr sz="1200" kern="1200">
+                <a:solidFill>
+                  <a:schemeClr val="tx1">
+                    <a:lumMod val="75000"/>
+                    <a:lumOff val="25000"/>
+                  </a:schemeClr>
+                </a:solidFill>
+                <a:latin typeface="+mn-lt"/>
+                <a:ea typeface="+mn-ea"/>
+                <a:cs typeface="+mn-cs"/>
+              </a:defRPr>
+            </a:lvl5pPr>
+            <a:lvl6pPr marL="2514600" indent="-228600" algn="l" defTabSz="457200" rtl="0" eaLnBrk="1" latinLnBrk="0" hangingPunct="1">
+              <a:spcBef>
+                <a:spcPts val="1000"/>
+              </a:spcBef>
+              <a:spcAft>
+                <a:spcPts val="0"/>
+              </a:spcAft>
+              <a:buClr>
+                <a:schemeClr val="accent1"/>
+              </a:buClr>
+              <a:buSzPct val="80000"/>
+              <a:buFont typeface="Wingdings 3" charset="2"/>
+              <a:buChar char=""/>
+              <a:defRPr sz="1200" kern="1200">
+                <a:solidFill>
+                  <a:schemeClr val="tx1">
+                    <a:lumMod val="75000"/>
+                    <a:lumOff val="25000"/>
+                  </a:schemeClr>
+                </a:solidFill>
+                <a:latin typeface="+mn-lt"/>
+                <a:ea typeface="+mn-ea"/>
+                <a:cs typeface="+mn-cs"/>
+              </a:defRPr>
+            </a:lvl6pPr>
+            <a:lvl7pPr marL="2971800" indent="-228600" algn="l" defTabSz="457200" rtl="0" eaLnBrk="1" latinLnBrk="0" hangingPunct="1">
+              <a:spcBef>
+                <a:spcPts val="1000"/>
+              </a:spcBef>
+              <a:spcAft>
+                <a:spcPts val="0"/>
+              </a:spcAft>
+              <a:buClr>
+                <a:schemeClr val="accent1"/>
+              </a:buClr>
+              <a:buSzPct val="80000"/>
+              <a:buFont typeface="Wingdings 3" charset="2"/>
+              <a:buChar char=""/>
+              <a:defRPr sz="1200" kern="1200">
+                <a:solidFill>
+                  <a:schemeClr val="tx1">
+                    <a:lumMod val="75000"/>
+                    <a:lumOff val="25000"/>
+                  </a:schemeClr>
+                </a:solidFill>
+                <a:latin typeface="+mn-lt"/>
+                <a:ea typeface="+mn-ea"/>
+                <a:cs typeface="+mn-cs"/>
+              </a:defRPr>
+            </a:lvl7pPr>
+            <a:lvl8pPr marL="3429000" indent="-228600" algn="l" defTabSz="457200" rtl="0" eaLnBrk="1" latinLnBrk="0" hangingPunct="1">
+              <a:spcBef>
+                <a:spcPts val="1000"/>
+              </a:spcBef>
+              <a:spcAft>
+                <a:spcPts val="0"/>
+              </a:spcAft>
+              <a:buClr>
+                <a:schemeClr val="accent1"/>
+              </a:buClr>
+              <a:buSzPct val="80000"/>
+              <a:buFont typeface="Wingdings 3" charset="2"/>
+              <a:buChar char=""/>
+              <a:defRPr sz="1200" kern="1200">
+                <a:solidFill>
+                  <a:schemeClr val="tx1">
+                    <a:lumMod val="75000"/>
+                    <a:lumOff val="25000"/>
+                  </a:schemeClr>
+                </a:solidFill>
+                <a:latin typeface="+mn-lt"/>
+                <a:ea typeface="+mn-ea"/>
+                <a:cs typeface="+mn-cs"/>
+              </a:defRPr>
+            </a:lvl8pPr>
+            <a:lvl9pPr marL="3886200" indent="-228600" algn="l" defTabSz="457200" rtl="0" eaLnBrk="1" latinLnBrk="0" hangingPunct="1">
+              <a:spcBef>
+                <a:spcPts val="1000"/>
+              </a:spcBef>
+              <a:spcAft>
+                <a:spcPts val="0"/>
+              </a:spcAft>
+              <a:buClr>
+                <a:schemeClr val="accent1"/>
+              </a:buClr>
+              <a:buSzPct val="80000"/>
+              <a:buFont typeface="Wingdings 3" charset="2"/>
+              <a:buChar char=""/>
+              <a:defRPr sz="1200" kern="1200">
+                <a:solidFill>
+                  <a:schemeClr val="tx1">
+                    <a:lumMod val="75000"/>
+                    <a:lumOff val="25000"/>
+                  </a:schemeClr>
+                </a:solidFill>
+                <a:latin typeface="+mn-lt"/>
+                <a:ea typeface="+mn-ea"/>
+                <a:cs typeface="+mn-cs"/>
+              </a:defRPr>
+            </a:lvl9pPr>
+          </a:lstStyle>
+          <a:p>
+            <a:pPr marL="0" indent="0">
+              <a:buFont typeface="Wingdings 3" charset="2"/>
+              <a:buNone/>
+            </a:pPr>
+            <a:r>
+              <a:rPr lang="en-US" sz="1200" dirty="0">
+                <a:solidFill>
+                  <a:srgbClr val="0033B3"/>
+                </a:solidFill>
+                <a:effectLst/>
+              </a:rPr>
+              <a:t>import </a:t>
+            </a:r>
+            <a:r>
+              <a:rPr lang="en-US" sz="1200" b="1" dirty="0" err="1">
+                <a:solidFill>
+                  <a:srgbClr val="000000"/>
+                </a:solidFill>
+                <a:effectLst/>
+              </a:rPr>
+              <a:t>javax.validation.constraints</a:t>
+            </a:r>
+            <a:r>
+              <a:rPr lang="en-US" sz="1200" dirty="0" err="1">
+                <a:solidFill>
+                  <a:srgbClr val="000000"/>
+                </a:solidFill>
+                <a:effectLst/>
+              </a:rPr>
+              <a:t>.</a:t>
+            </a:r>
+            <a:r>
+              <a:rPr lang="en-US" sz="1200" dirty="0" err="1">
+                <a:solidFill>
+                  <a:srgbClr val="9E880D"/>
+                </a:solidFill>
+                <a:effectLst/>
+              </a:rPr>
+              <a:t>NotNull</a:t>
+            </a:r>
+            <a:r>
+              <a:rPr lang="en-US" sz="1200" dirty="0"/>
+              <a:t>;</a:t>
+            </a:r>
+          </a:p>
+          <a:p>
+            <a:pPr marL="0" indent="0">
+              <a:buFont typeface="Wingdings 3" charset="2"/>
+              <a:buNone/>
+            </a:pPr>
+            <a:r>
+              <a:rPr lang="en-US" sz="1200" dirty="0">
+                <a:solidFill>
+                  <a:srgbClr val="0033B3"/>
+                </a:solidFill>
+                <a:effectLst/>
+              </a:rPr>
+              <a:t>import </a:t>
+            </a:r>
+            <a:r>
+              <a:rPr lang="en-US" sz="1200" b="1" dirty="0" err="1">
+                <a:solidFill>
+                  <a:srgbClr val="000000"/>
+                </a:solidFill>
+                <a:effectLst/>
+              </a:rPr>
+              <a:t>javax.validation.constraints</a:t>
+            </a:r>
+            <a:r>
+              <a:rPr lang="en-US" sz="1200" dirty="0" err="1">
+                <a:solidFill>
+                  <a:srgbClr val="000000"/>
+                </a:solidFill>
+                <a:effectLst/>
+              </a:rPr>
+              <a:t>.</a:t>
+            </a:r>
+            <a:r>
+              <a:rPr lang="en-US" sz="1200" dirty="0" err="1">
+                <a:solidFill>
+                  <a:srgbClr val="9E880D"/>
+                </a:solidFill>
+                <a:effectLst/>
+              </a:rPr>
+              <a:t>NotEmpty</a:t>
+            </a:r>
+            <a:r>
+              <a:rPr lang="en-US" sz="1200" dirty="0"/>
+              <a:t>;</a:t>
+            </a:r>
+            <a:endParaRPr lang="en-US" sz="1200" b="1" dirty="0">
+              <a:solidFill>
+                <a:srgbClr val="0070C0"/>
+              </a:solidFill>
+            </a:endParaRPr>
+          </a:p>
+          <a:p>
+            <a:pPr marL="0" indent="0">
+              <a:buFont typeface="Wingdings 3" charset="2"/>
+              <a:buNone/>
+            </a:pPr>
+            <a:r>
+              <a:rPr lang="en-US" sz="1200" dirty="0">
+                <a:solidFill>
+                  <a:srgbClr val="9E880D"/>
+                </a:solidFill>
+              </a:rPr>
+              <a:t>@</a:t>
+            </a:r>
+            <a:r>
+              <a:rPr lang="en-US" sz="1200" dirty="0" err="1">
+                <a:solidFill>
+                  <a:srgbClr val="9E880D"/>
+                </a:solidFill>
+              </a:rPr>
+              <a:t>ConfigurationProperties</a:t>
+            </a:r>
+            <a:r>
+              <a:rPr lang="en-US" sz="1200" dirty="0">
+                <a:solidFill>
+                  <a:schemeClr val="tx2"/>
+                </a:solidFill>
+              </a:rPr>
+              <a:t>(</a:t>
+            </a:r>
+            <a:r>
+              <a:rPr lang="en-US" sz="1200" dirty="0">
+                <a:solidFill>
+                  <a:srgbClr val="92D050"/>
+                </a:solidFill>
+              </a:rPr>
+              <a:t>“server”</a:t>
+            </a:r>
+            <a:r>
+              <a:rPr lang="en-US" sz="1200" dirty="0">
+                <a:solidFill>
+                  <a:schemeClr val="tx2"/>
+                </a:solidFill>
+              </a:rPr>
+              <a:t>)</a:t>
+            </a:r>
+          </a:p>
+          <a:p>
+            <a:pPr marL="0" indent="0">
+              <a:buFont typeface="Wingdings 3" charset="2"/>
+              <a:buNone/>
+            </a:pPr>
+            <a:r>
+              <a:rPr lang="en-US" sz="1200" b="1" dirty="0">
+                <a:solidFill>
+                  <a:srgbClr val="9E880D"/>
+                </a:solidFill>
+              </a:rPr>
+              <a:t>@Validated</a:t>
+            </a:r>
+          </a:p>
+          <a:p>
+            <a:pPr marL="0" indent="0">
+              <a:buFont typeface="Wingdings 3" charset="2"/>
+              <a:buNone/>
+            </a:pPr>
+            <a:r>
+              <a:rPr lang="en-US" sz="1200" dirty="0">
+                <a:solidFill>
+                  <a:srgbClr val="0033B3"/>
+                </a:solidFill>
+              </a:rPr>
+              <a:t>p</a:t>
+            </a:r>
+            <a:r>
+              <a:rPr lang="en-IL" sz="1200" dirty="0">
+                <a:solidFill>
+                  <a:srgbClr val="0033B3"/>
+                </a:solidFill>
+              </a:rPr>
+              <a:t>ublic class</a:t>
+            </a:r>
+            <a:r>
+              <a:rPr lang="en-IL" sz="1200" dirty="0"/>
+              <a:t> ServerConfiguration {</a:t>
+            </a:r>
+          </a:p>
+          <a:p>
+            <a:pPr marL="0" indent="0">
+              <a:buFont typeface="Wingdings 3" charset="2"/>
+              <a:buNone/>
+            </a:pPr>
+            <a:r>
+              <a:rPr lang="en-IL" sz="1200" dirty="0"/>
+              <a:t>    </a:t>
+            </a:r>
+            <a:r>
+              <a:rPr lang="en-IL" sz="1200" dirty="0">
+                <a:solidFill>
+                  <a:srgbClr val="9E880D"/>
+                </a:solidFill>
+              </a:rPr>
+              <a:t>@NotNull</a:t>
+            </a:r>
+          </a:p>
+          <a:p>
+            <a:pPr marL="0" indent="0">
+              <a:buFont typeface="Wingdings 3" charset="2"/>
+              <a:buNone/>
+            </a:pPr>
+            <a:r>
+              <a:rPr lang="en-IL" sz="1200" dirty="0"/>
+              <a:t>    </a:t>
+            </a:r>
+            <a:r>
+              <a:rPr lang="en-IL" sz="1200" dirty="0">
+                <a:solidFill>
+                  <a:srgbClr val="0033B3"/>
+                </a:solidFill>
+              </a:rPr>
+              <a:t>private</a:t>
+            </a:r>
+            <a:r>
+              <a:rPr lang="en-IL" sz="1200" dirty="0"/>
+              <a:t> </a:t>
+            </a:r>
+            <a:r>
+              <a:rPr lang="en-US" sz="1200" dirty="0" err="1"/>
+              <a:t>InetAddress</a:t>
+            </a:r>
+            <a:r>
+              <a:rPr lang="en-IL" sz="1200" dirty="0"/>
+              <a:t> address;</a:t>
+            </a:r>
+          </a:p>
+          <a:p>
+            <a:pPr marL="0" indent="0">
+              <a:buFont typeface="Wingdings 3" charset="2"/>
+              <a:buNone/>
+            </a:pPr>
+            <a:r>
+              <a:rPr lang="en-IL" sz="1200" dirty="0"/>
+              <a:t>    </a:t>
+            </a:r>
+            <a:r>
+              <a:rPr lang="en-IL" sz="1200" dirty="0">
+                <a:solidFill>
+                  <a:srgbClr val="0033B3"/>
+                </a:solidFill>
+              </a:rPr>
+              <a:t>private</a:t>
+            </a:r>
+            <a:r>
+              <a:rPr lang="en-IL" sz="1200" dirty="0">
+                <a:solidFill>
+                  <a:schemeClr val="accent5">
+                    <a:lumMod val="75000"/>
+                  </a:schemeClr>
+                </a:solidFill>
+              </a:rPr>
+              <a:t> </a:t>
+            </a:r>
+            <a:r>
+              <a:rPr lang="en-IL" sz="1200" dirty="0">
+                <a:solidFill>
+                  <a:srgbClr val="0033B3"/>
+                </a:solidFill>
+              </a:rPr>
+              <a:t>int</a:t>
+            </a:r>
+            <a:r>
+              <a:rPr lang="en-IL" sz="1200" dirty="0"/>
+              <a:t> port;</a:t>
+            </a:r>
+          </a:p>
+          <a:p>
+            <a:pPr marL="0" indent="0">
+              <a:buFont typeface="Wingdings 3" charset="2"/>
+              <a:buNone/>
+            </a:pPr>
+            <a:r>
+              <a:rPr lang="en-IL" sz="1200" dirty="0"/>
+              <a:t>    </a:t>
+            </a:r>
+            <a:r>
+              <a:rPr lang="en-IL" sz="1200" dirty="0">
+                <a:solidFill>
+                  <a:srgbClr val="9E880D"/>
+                </a:solidFill>
+              </a:rPr>
+              <a:t>@Valid</a:t>
+            </a:r>
+          </a:p>
+          <a:p>
+            <a:pPr marL="0" indent="0">
+              <a:buFont typeface="Wingdings 3" charset="2"/>
+              <a:buNone/>
+            </a:pPr>
+            <a:r>
+              <a:rPr lang="en-IL" sz="1200" dirty="0">
+                <a:solidFill>
+                  <a:schemeClr val="accent5">
+                    <a:lumMod val="75000"/>
+                  </a:schemeClr>
+                </a:solidFill>
+              </a:rPr>
+              <a:t>    </a:t>
+            </a:r>
+            <a:r>
+              <a:rPr lang="en-IL" sz="1200" dirty="0">
+                <a:solidFill>
+                  <a:srgbClr val="0033B3"/>
+                </a:solidFill>
+              </a:rPr>
+              <a:t>private</a:t>
+            </a:r>
+            <a:r>
+              <a:rPr lang="en-IL" sz="1200" dirty="0"/>
+              <a:t> </a:t>
+            </a:r>
+            <a:r>
+              <a:rPr lang="en-IL" sz="1200" dirty="0">
+                <a:solidFill>
+                  <a:srgbClr val="0033B3"/>
+                </a:solidFill>
+              </a:rPr>
+              <a:t>final</a:t>
+            </a:r>
+            <a:r>
+              <a:rPr lang="en-IL" sz="1200" dirty="0"/>
+              <a:t> Security security = </a:t>
+            </a:r>
+            <a:r>
+              <a:rPr lang="en-IL" sz="1200" dirty="0">
+                <a:solidFill>
+                  <a:srgbClr val="0033B3"/>
+                </a:solidFill>
+              </a:rPr>
+              <a:t>new</a:t>
+            </a:r>
+            <a:r>
+              <a:rPr lang="en-IL" sz="1200" dirty="0"/>
+              <a:t> Security();</a:t>
+            </a:r>
+          </a:p>
+          <a:p>
+            <a:pPr marL="0" indent="0">
+              <a:buFont typeface="Wingdings 3" charset="2"/>
+              <a:buNone/>
+            </a:pPr>
+            <a:r>
+              <a:rPr lang="en-IL" sz="1200" dirty="0"/>
+              <a:t>    </a:t>
+            </a:r>
+            <a:r>
+              <a:rPr lang="en-IL" sz="1200" dirty="0">
+                <a:solidFill>
+                  <a:srgbClr val="0033B3"/>
+                </a:solidFill>
+              </a:rPr>
+              <a:t>public</a:t>
+            </a:r>
+            <a:r>
+              <a:rPr lang="en-IL" sz="1200" dirty="0">
+                <a:solidFill>
+                  <a:schemeClr val="accent5">
+                    <a:lumMod val="75000"/>
+                  </a:schemeClr>
+                </a:solidFill>
+              </a:rPr>
+              <a:t> </a:t>
+            </a:r>
+            <a:r>
+              <a:rPr lang="en-IL" sz="1200" dirty="0">
+                <a:solidFill>
+                  <a:srgbClr val="0033B3"/>
+                </a:solidFill>
+              </a:rPr>
+              <a:t>static</a:t>
+            </a:r>
+            <a:r>
+              <a:rPr lang="en-IL" sz="1200" dirty="0">
+                <a:solidFill>
+                  <a:schemeClr val="accent5">
+                    <a:lumMod val="75000"/>
+                  </a:schemeClr>
+                </a:solidFill>
+              </a:rPr>
+              <a:t> </a:t>
+            </a:r>
+            <a:r>
+              <a:rPr lang="en-IL" sz="1200" dirty="0">
+                <a:solidFill>
+                  <a:srgbClr val="0033B3"/>
+                </a:solidFill>
+              </a:rPr>
+              <a:t>class</a:t>
+            </a:r>
+            <a:r>
+              <a:rPr lang="en-IL" sz="1200" dirty="0">
+                <a:solidFill>
+                  <a:schemeClr val="accent5">
+                    <a:lumMod val="75000"/>
+                  </a:schemeClr>
+                </a:solidFill>
+              </a:rPr>
+              <a:t> </a:t>
+            </a:r>
+            <a:r>
+              <a:rPr lang="en-IL" sz="1200" dirty="0"/>
+              <a:t>Security {</a:t>
+            </a:r>
+          </a:p>
+          <a:p>
+            <a:pPr marL="0" indent="0">
+              <a:buFont typeface="Wingdings 3" charset="2"/>
+              <a:buNone/>
+            </a:pPr>
+            <a:r>
+              <a:rPr lang="en-US" sz="1200" i="1" dirty="0">
+                <a:solidFill>
+                  <a:srgbClr val="808080"/>
+                </a:solidFill>
+                <a:effectLst/>
+              </a:rPr>
+              <a:t> </a:t>
+            </a:r>
+            <a:r>
+              <a:rPr lang="en-US" sz="1200" i="1" dirty="0">
+                <a:solidFill>
+                  <a:srgbClr val="808080"/>
+                </a:solidFill>
+              </a:rPr>
+              <a:t>         </a:t>
+            </a:r>
+            <a:r>
+              <a:rPr lang="en-US" sz="1200" dirty="0">
+                <a:solidFill>
+                  <a:srgbClr val="9E880D"/>
+                </a:solidFill>
+              </a:rPr>
+              <a:t>@</a:t>
+            </a:r>
+            <a:r>
+              <a:rPr lang="en-US" sz="1200" dirty="0" err="1">
+                <a:solidFill>
+                  <a:srgbClr val="9E880D"/>
+                </a:solidFill>
+              </a:rPr>
+              <a:t>NotEmpty</a:t>
+            </a:r>
+            <a:r>
+              <a:rPr lang="en-US" sz="1200" dirty="0">
+                <a:solidFill>
+                  <a:srgbClr val="9E880D"/>
+                </a:solidFill>
+              </a:rPr>
+              <a:t> </a:t>
+            </a:r>
+          </a:p>
+          <a:p>
+            <a:pPr marL="0" indent="0">
+              <a:buFont typeface="Wingdings 3" charset="2"/>
+              <a:buNone/>
+            </a:pPr>
+            <a:r>
+              <a:rPr lang="en-US" sz="1200" b="1" dirty="0">
+                <a:solidFill>
+                  <a:srgbClr val="7F0055"/>
+                </a:solidFill>
+                <a:effectLst/>
+              </a:rPr>
+              <a:t>           </a:t>
+            </a:r>
+            <a:r>
+              <a:rPr lang="en-US" sz="1200" dirty="0">
+                <a:solidFill>
+                  <a:srgbClr val="0033B3"/>
+                </a:solidFill>
+              </a:rPr>
+              <a:t>public</a:t>
+            </a:r>
+            <a:r>
+              <a:rPr lang="en-US" sz="1200" dirty="0"/>
+              <a:t> String username;</a:t>
+            </a:r>
+            <a:r>
+              <a:rPr lang="en-IL" sz="1200" dirty="0"/>
+              <a:t>    }</a:t>
+            </a:r>
+          </a:p>
+          <a:p>
+            <a:pPr marL="0" indent="0">
+              <a:buFont typeface="Wingdings 3" charset="2"/>
+              <a:buNone/>
+            </a:pPr>
+            <a:r>
+              <a:rPr lang="en-IL" sz="1200" dirty="0"/>
+              <a:t>}</a:t>
+            </a:r>
+          </a:p>
+        </p:txBody>
+      </p:sp>
+    </p:spTree>
+    <p:extLst>
+      <p:ext uri="{BB962C8B-B14F-4D97-AF65-F5344CB8AC3E}">
+        <p14:creationId xmlns:p14="http://schemas.microsoft.com/office/powerpoint/2010/main" val="1952942223"/>
+      </p:ext>
+    </p:extLst>
+  </p:cSld>
+  <p:clrMapOvr>
+    <a:masterClrMapping/>
+  </p:clrMapOvr>
+</p:sld>
+</file>
+
+<file path=ppt/slides/slide29.xml><?xml version="1.0" encoding="utf-8"?>
+<p:sld xmlns:a="http://schemas.openxmlformats.org/drawingml/2006/main" xmlns:r="http://schemas.openxmlformats.org/officeDocument/2006/relationships" xmlns:p="http://schemas.openxmlformats.org/presentationml/2006/main">
+  <p:cSld>
+    <p:spTree>
+      <p:nvGrpSpPr>
+        <p:cNvPr id="1" name=""/>
+        <p:cNvGrpSpPr/>
+        <p:nvPr/>
+      </p:nvGrpSpPr>
+      <p:grpSpPr>
+        <a:xfrm>
+          <a:off x="0" y="0"/>
+          <a:ext cx="0" cy="0"/>
+          <a:chOff x="0" y="0"/>
+          <a:chExt cx="0" cy="0"/>
+        </a:xfrm>
+      </p:grpSpPr>
+      <p:sp>
+        <p:nvSpPr>
+          <p:cNvPr id="2" name="Title 1">
+            <a:extLst>
+              <a:ext uri="{FF2B5EF4-FFF2-40B4-BE49-F238E27FC236}">
+                <a16:creationId xmlns:a16="http://schemas.microsoft.com/office/drawing/2014/main" id="{3A0F5AEF-6658-E1F7-C0FD-0CD4476CEB57}"/>
+              </a:ext>
+            </a:extLst>
+          </p:cNvPr>
+          <p:cNvSpPr>
+            <a:spLocks noGrp="1"/>
+          </p:cNvSpPr>
+          <p:nvPr>
+            <p:ph type="title"/>
+          </p:nvPr>
+        </p:nvSpPr>
+        <p:spPr/>
+        <p:txBody>
+          <a:bodyPr/>
+          <a:lstStyle/>
+          <a:p>
+            <a:r>
+              <a:rPr lang="en-IL" dirty="0"/>
+              <a:t>Hands-On – Validation</a:t>
+            </a:r>
+          </a:p>
+        </p:txBody>
+      </p:sp>
+      <p:sp>
+        <p:nvSpPr>
+          <p:cNvPr id="3" name="Content Placeholder 2">
+            <a:extLst>
+              <a:ext uri="{FF2B5EF4-FFF2-40B4-BE49-F238E27FC236}">
+                <a16:creationId xmlns:a16="http://schemas.microsoft.com/office/drawing/2014/main" id="{B994E086-3A55-F67F-4A78-804A38B92CA5}"/>
+              </a:ext>
+            </a:extLst>
+          </p:cNvPr>
+          <p:cNvSpPr>
+            <a:spLocks noGrp="1"/>
+          </p:cNvSpPr>
+          <p:nvPr>
+            <p:ph idx="1"/>
+          </p:nvPr>
+        </p:nvSpPr>
+        <p:spPr>
+          <a:xfrm>
+            <a:off x="677334" y="1560443"/>
+            <a:ext cx="8596668" cy="4480919"/>
+          </a:xfrm>
+        </p:spPr>
+        <p:txBody>
+          <a:bodyPr>
+            <a:normAutofit lnSpcReduction="10000"/>
+          </a:bodyPr>
+          <a:lstStyle/>
+          <a:p>
+            <a:r>
+              <a:rPr lang="en-IL" sz="2400" dirty="0"/>
+              <a:t>Add validation for all endpoints: input parametes must be numbers and in the range from 1 to 100. </a:t>
+            </a:r>
+          </a:p>
+          <a:p>
+            <a:r>
+              <a:rPr lang="en-IL" sz="2400" dirty="0"/>
+              <a:t>Add error handling for all endpoints: if the numbers are not specified or not in the range, the service should return </a:t>
+            </a:r>
+            <a:r>
+              <a:rPr lang="en-IL" sz="2400" i="1" dirty="0"/>
+              <a:t>400 Bad Request </a:t>
+            </a:r>
+            <a:r>
+              <a:rPr lang="en-IL" sz="2400" dirty="0"/>
+              <a:t>and error message “</a:t>
+            </a:r>
+            <a:r>
+              <a:rPr lang="en-US" sz="2400" i="1" dirty="0"/>
+              <a:t>Input validation failed: &lt;error reason&gt;</a:t>
+            </a:r>
+            <a:r>
+              <a:rPr lang="en-US" sz="2400" dirty="0"/>
+              <a:t>”.</a:t>
+            </a:r>
+          </a:p>
+          <a:p>
+            <a:r>
+              <a:rPr lang="en-IL" sz="2400" dirty="0"/>
+              <a:t>Add tests validating proper handling of validation errors. (At least two tests for every endpoint).</a:t>
+            </a:r>
+          </a:p>
+          <a:p>
+            <a:r>
+              <a:rPr lang="en-IL" sz="2400" dirty="0"/>
+              <a:t>Add configuration validation for </a:t>
+            </a:r>
+            <a:r>
+              <a:rPr lang="en-IL" sz="2400" i="1" dirty="0"/>
+              <a:t>app.universal-add: </a:t>
+            </a:r>
+            <a:r>
+              <a:rPr lang="en-IL" sz="2400" dirty="0"/>
+              <a:t>all properties should be </a:t>
+            </a:r>
+            <a:r>
+              <a:rPr lang="en-US" sz="2400" dirty="0"/>
+              <a:t>specified;</a:t>
+            </a:r>
+            <a:r>
+              <a:rPr lang="en-IL" sz="2400" dirty="0"/>
+              <a:t> min and max values should be positive numbers.</a:t>
+            </a:r>
+          </a:p>
+          <a:p>
+            <a:endParaRPr lang="en-IL" sz="2400" dirty="0"/>
+          </a:p>
+        </p:txBody>
+      </p:sp>
+    </p:spTree>
+    <p:extLst>
+      <p:ext uri="{BB962C8B-B14F-4D97-AF65-F5344CB8AC3E}">
+        <p14:creationId xmlns:p14="http://schemas.microsoft.com/office/powerpoint/2010/main" val="1365778353"/>
       </p:ext>
     </p:extLst>
   </p:cSld>
@@ -19277,1218 +19270,6 @@
 </file>
 
 <file path=ppt/slides/slide30.xml><?xml version="1.0" encoding="utf-8"?>
-<p:sld xmlns:a="http://schemas.openxmlformats.org/drawingml/2006/main" xmlns:r="http://schemas.openxmlformats.org/officeDocument/2006/relationships" xmlns:p="http://schemas.openxmlformats.org/presentationml/2006/main">
-  <p:cSld>
-    <p:spTree>
-      <p:nvGrpSpPr>
-        <p:cNvPr id="1" name=""/>
-        <p:cNvGrpSpPr/>
-        <p:nvPr/>
-      </p:nvGrpSpPr>
-      <p:grpSpPr>
-        <a:xfrm>
-          <a:off x="0" y="0"/>
-          <a:ext cx="0" cy="0"/>
-          <a:chOff x="0" y="0"/>
-          <a:chExt cx="0" cy="0"/>
-        </a:xfrm>
-      </p:grpSpPr>
-      <p:sp>
-        <p:nvSpPr>
-          <p:cNvPr id="2" name="Title 1">
-            <a:extLst>
-              <a:ext uri="{FF2B5EF4-FFF2-40B4-BE49-F238E27FC236}">
-                <a16:creationId xmlns:a16="http://schemas.microsoft.com/office/drawing/2014/main" id="{8B22B7AC-CAB2-1E68-9F0D-ECEF99753AE6}"/>
-              </a:ext>
-            </a:extLst>
-          </p:cNvPr>
-          <p:cNvSpPr>
-            <a:spLocks noGrp="1"/>
-          </p:cNvSpPr>
-          <p:nvPr>
-            <p:ph type="title"/>
-          </p:nvPr>
-        </p:nvSpPr>
-        <p:spPr/>
-        <p:txBody>
-          <a:bodyPr/>
-          <a:lstStyle/>
-          <a:p>
-            <a:r>
-              <a:rPr lang="en-IL" dirty="0"/>
-              <a:t>Validation failure handling</a:t>
-            </a:r>
-          </a:p>
-        </p:txBody>
-      </p:sp>
-      <p:sp>
-        <p:nvSpPr>
-          <p:cNvPr id="3" name="Content Placeholder 2">
-            <a:extLst>
-              <a:ext uri="{FF2B5EF4-FFF2-40B4-BE49-F238E27FC236}">
-                <a16:creationId xmlns:a16="http://schemas.microsoft.com/office/drawing/2014/main" id="{76B1C0EB-38D6-B3F9-6672-1551D9D0C002}"/>
-              </a:ext>
-            </a:extLst>
-          </p:cNvPr>
-          <p:cNvSpPr>
-            <a:spLocks noGrp="1"/>
-          </p:cNvSpPr>
-          <p:nvPr>
-            <p:ph idx="1"/>
-          </p:nvPr>
-        </p:nvSpPr>
-        <p:spPr>
-          <a:xfrm>
-            <a:off x="703710" y="1483581"/>
-            <a:ext cx="8596668" cy="3880773"/>
-          </a:xfrm>
-        </p:spPr>
-        <p:txBody>
-          <a:bodyPr/>
-          <a:lstStyle/>
-          <a:p>
-            <a:r>
-              <a:rPr lang="en-US" sz="2000" dirty="0"/>
-              <a:t>If a validation of request body fails, a </a:t>
-            </a:r>
-            <a:r>
-              <a:rPr lang="en-US" sz="2000" dirty="0" err="1">
-                <a:solidFill>
-                  <a:srgbClr val="0070C0"/>
-                </a:solidFill>
-              </a:rPr>
-              <a:t>MethodArgumentNotValidException</a:t>
-            </a:r>
-            <a:r>
-              <a:rPr lang="en-US" sz="2000" dirty="0"/>
-              <a:t> will be triggered. By default, Spring will translate this exception to a HTTP status </a:t>
-            </a:r>
-            <a:r>
-              <a:rPr lang="en-US" sz="2000" i="1" dirty="0"/>
-              <a:t>400 (Bad Request)</a:t>
-            </a:r>
-            <a:r>
-              <a:rPr lang="en-US" sz="2000" dirty="0"/>
-              <a:t>.</a:t>
-            </a:r>
-          </a:p>
-          <a:p>
-            <a:r>
-              <a:rPr lang="en-US" sz="2000" dirty="0"/>
-              <a:t>If a validation of path variables or request parameters fails, a </a:t>
-            </a:r>
-            <a:r>
-              <a:rPr lang="en-US" sz="2000" dirty="0" err="1">
-                <a:solidFill>
-                  <a:srgbClr val="0070C0"/>
-                </a:solidFill>
-              </a:rPr>
-              <a:t>ConstraintViolationException</a:t>
-            </a:r>
-            <a:r>
-              <a:rPr lang="en-US" sz="2000" dirty="0"/>
-              <a:t> will be triggered. By default, Spring will translate it to a Http status </a:t>
-            </a:r>
-            <a:r>
-              <a:rPr lang="en-US" sz="2000" i="1" dirty="0"/>
-              <a:t>500 (Internal Server Error)</a:t>
-            </a:r>
-            <a:r>
-              <a:rPr lang="en-US" sz="2000" dirty="0"/>
-              <a:t>.</a:t>
-            </a:r>
-          </a:p>
-          <a:p>
-            <a:pPr lvl="1"/>
-            <a:r>
-              <a:rPr lang="en-US" sz="1800" dirty="0"/>
-              <a:t>If we want to return a HTTP status 400 instead (which makes sense, since the client provided an invalid parameter, making it a bad request), we can add a custom exception handler.</a:t>
-            </a:r>
-            <a:br>
-              <a:rPr lang="en-US" dirty="0"/>
-            </a:br>
-            <a:endParaRPr lang="en-IL" dirty="0"/>
-          </a:p>
-        </p:txBody>
-      </p:sp>
-    </p:spTree>
-    <p:extLst>
-      <p:ext uri="{BB962C8B-B14F-4D97-AF65-F5344CB8AC3E}">
-        <p14:creationId xmlns:p14="http://schemas.microsoft.com/office/powerpoint/2010/main" val="3806335470"/>
-      </p:ext>
-    </p:extLst>
-  </p:cSld>
-  <p:clrMapOvr>
-    <a:masterClrMapping/>
-  </p:clrMapOvr>
-</p:sld>
-</file>
-
-<file path=ppt/slides/slide31.xml><?xml version="1.0" encoding="utf-8"?>
-<p:sld xmlns:a="http://schemas.openxmlformats.org/drawingml/2006/main" xmlns:r="http://schemas.openxmlformats.org/officeDocument/2006/relationships" xmlns:p="http://schemas.openxmlformats.org/presentationml/2006/main">
-  <p:cSld>
-    <p:spTree>
-      <p:nvGrpSpPr>
-        <p:cNvPr id="1" name=""/>
-        <p:cNvGrpSpPr/>
-        <p:nvPr/>
-      </p:nvGrpSpPr>
-      <p:grpSpPr>
-        <a:xfrm>
-          <a:off x="0" y="0"/>
-          <a:ext cx="0" cy="0"/>
-          <a:chOff x="0" y="0"/>
-          <a:chExt cx="0" cy="0"/>
-        </a:xfrm>
-      </p:grpSpPr>
-      <p:sp>
-        <p:nvSpPr>
-          <p:cNvPr id="2" name="Title 1">
-            <a:extLst>
-              <a:ext uri="{FF2B5EF4-FFF2-40B4-BE49-F238E27FC236}">
-                <a16:creationId xmlns:a16="http://schemas.microsoft.com/office/drawing/2014/main" id="{DDBBF276-419A-42CD-33D6-99D072643860}"/>
-              </a:ext>
-            </a:extLst>
-          </p:cNvPr>
-          <p:cNvSpPr>
-            <a:spLocks noGrp="1"/>
-          </p:cNvSpPr>
-          <p:nvPr>
-            <p:ph type="title"/>
-          </p:nvPr>
-        </p:nvSpPr>
-        <p:spPr>
-          <a:xfrm>
-            <a:off x="677334" y="609600"/>
-            <a:ext cx="8596668" cy="582706"/>
-          </a:xfrm>
-        </p:spPr>
-        <p:txBody>
-          <a:bodyPr>
-            <a:normAutofit fontScale="90000"/>
-          </a:bodyPr>
-          <a:lstStyle/>
-          <a:p>
-            <a:r>
-              <a:rPr lang="en-IL" dirty="0"/>
-              <a:t>Configuration properties validation</a:t>
-            </a:r>
-          </a:p>
-        </p:txBody>
-      </p:sp>
-      <p:sp>
-        <p:nvSpPr>
-          <p:cNvPr id="3" name="Content Placeholder 2">
-            <a:extLst>
-              <a:ext uri="{FF2B5EF4-FFF2-40B4-BE49-F238E27FC236}">
-                <a16:creationId xmlns:a16="http://schemas.microsoft.com/office/drawing/2014/main" id="{0EBF821E-54E5-BB80-B89D-9407A38A2CA2}"/>
-              </a:ext>
-            </a:extLst>
-          </p:cNvPr>
-          <p:cNvSpPr>
-            <a:spLocks noGrp="1"/>
-          </p:cNvSpPr>
-          <p:nvPr>
-            <p:ph idx="1"/>
-          </p:nvPr>
-        </p:nvSpPr>
-        <p:spPr>
-          <a:xfrm>
-            <a:off x="677334" y="1264024"/>
-            <a:ext cx="8954346" cy="5458993"/>
-          </a:xfrm>
-        </p:spPr>
-        <p:txBody>
-          <a:bodyPr>
-            <a:normAutofit/>
-          </a:bodyPr>
-          <a:lstStyle/>
-          <a:p>
-            <a:r>
-              <a:rPr lang="en-US" sz="2000" dirty="0">
-                <a:solidFill>
-                  <a:schemeClr val="accent1"/>
-                </a:solidFill>
-              </a:rPr>
-              <a:t>@</a:t>
-            </a:r>
-            <a:r>
-              <a:rPr lang="en-US" sz="2000" dirty="0" err="1">
-                <a:solidFill>
-                  <a:schemeClr val="accent1"/>
-                </a:solidFill>
-              </a:rPr>
-              <a:t>ConfigurationProperties</a:t>
-            </a:r>
-            <a:r>
-              <a:rPr lang="en-US" sz="2000" dirty="0">
-                <a:solidFill>
-                  <a:schemeClr val="accent1"/>
-                </a:solidFill>
-              </a:rPr>
-              <a:t> </a:t>
-            </a:r>
-            <a:r>
-              <a:rPr lang="en-US" sz="2000" dirty="0"/>
-              <a:t>properties also can be validated whenever they are annotated with Spring’s </a:t>
-            </a:r>
-            <a:r>
-              <a:rPr lang="en-US" sz="2000" b="1" dirty="0">
-                <a:solidFill>
-                  <a:schemeClr val="accent1"/>
-                </a:solidFill>
-              </a:rPr>
-              <a:t>@Validated </a:t>
-            </a:r>
-            <a:r>
-              <a:rPr lang="en-US" sz="2000" dirty="0"/>
-              <a:t>annotation.</a:t>
-            </a:r>
-          </a:p>
-          <a:p>
-            <a:r>
-              <a:rPr lang="en-US" sz="2000" dirty="0"/>
-              <a:t>Use </a:t>
-            </a:r>
-            <a:r>
-              <a:rPr lang="en-US" sz="2000" dirty="0">
-                <a:solidFill>
-                  <a:srgbClr val="0070C0"/>
-                </a:solidFill>
-              </a:rPr>
-              <a:t>Bean Validation </a:t>
-            </a:r>
-            <a:r>
-              <a:rPr lang="en-US" sz="2000" dirty="0"/>
-              <a:t>annotations directly on your configuration class:</a:t>
-            </a:r>
-            <a:endParaRPr lang="en-IL" sz="2000" dirty="0"/>
-          </a:p>
-        </p:txBody>
-      </p:sp>
-      <p:sp>
-        <p:nvSpPr>
-          <p:cNvPr id="4" name="Content Placeholder 5">
-            <a:extLst>
-              <a:ext uri="{FF2B5EF4-FFF2-40B4-BE49-F238E27FC236}">
-                <a16:creationId xmlns:a16="http://schemas.microsoft.com/office/drawing/2014/main" id="{753E56C0-922C-B2C2-A903-3365BE149131}"/>
-              </a:ext>
-            </a:extLst>
-          </p:cNvPr>
-          <p:cNvSpPr txBox="1">
-            <a:spLocks/>
-          </p:cNvSpPr>
-          <p:nvPr/>
-        </p:nvSpPr>
-        <p:spPr>
-          <a:xfrm>
-            <a:off x="677334" y="2599765"/>
-            <a:ext cx="6043747" cy="4194970"/>
-          </a:xfrm>
-          <a:prstGeom prst="rect">
-            <a:avLst/>
-          </a:prstGeom>
-          <a:solidFill>
-            <a:schemeClr val="bg2"/>
-          </a:solidFill>
-          <a:ln>
-            <a:solidFill>
-              <a:schemeClr val="tx2">
-                <a:lumMod val="50000"/>
-              </a:schemeClr>
-            </a:solidFill>
-          </a:ln>
-        </p:spPr>
-        <p:txBody>
-          <a:bodyPr>
-            <a:noAutofit/>
-          </a:bodyPr>
-          <a:lstStyle>
-            <a:lvl1pPr marL="342900" indent="-342900" algn="l" defTabSz="457200" rtl="0" eaLnBrk="1" latinLnBrk="0" hangingPunct="1">
-              <a:spcBef>
-                <a:spcPts val="1000"/>
-              </a:spcBef>
-              <a:spcAft>
-                <a:spcPts val="0"/>
-              </a:spcAft>
-              <a:buClr>
-                <a:schemeClr val="accent1"/>
-              </a:buClr>
-              <a:buSzPct val="80000"/>
-              <a:buFont typeface="Wingdings 3" charset="2"/>
-              <a:buChar char=""/>
-              <a:defRPr sz="1800" kern="1200">
-                <a:solidFill>
-                  <a:schemeClr val="tx1">
-                    <a:lumMod val="75000"/>
-                    <a:lumOff val="25000"/>
-                  </a:schemeClr>
-                </a:solidFill>
-                <a:latin typeface="+mn-lt"/>
-                <a:ea typeface="+mn-ea"/>
-                <a:cs typeface="+mn-cs"/>
-              </a:defRPr>
-            </a:lvl1pPr>
-            <a:lvl2pPr marL="742950" indent="-285750" algn="l" defTabSz="457200" rtl="0" eaLnBrk="1" latinLnBrk="0" hangingPunct="1">
-              <a:spcBef>
-                <a:spcPts val="1000"/>
-              </a:spcBef>
-              <a:spcAft>
-                <a:spcPts val="0"/>
-              </a:spcAft>
-              <a:buClr>
-                <a:schemeClr val="accent1"/>
-              </a:buClr>
-              <a:buSzPct val="80000"/>
-              <a:buFont typeface="Wingdings 3" charset="2"/>
-              <a:buChar char=""/>
-              <a:defRPr sz="1600" kern="1200">
-                <a:solidFill>
-                  <a:schemeClr val="tx1">
-                    <a:lumMod val="75000"/>
-                    <a:lumOff val="25000"/>
-                  </a:schemeClr>
-                </a:solidFill>
-                <a:latin typeface="+mn-lt"/>
-                <a:ea typeface="+mn-ea"/>
-                <a:cs typeface="+mn-cs"/>
-              </a:defRPr>
-            </a:lvl2pPr>
-            <a:lvl3pPr marL="1143000" indent="-228600" algn="l" defTabSz="457200" rtl="0" eaLnBrk="1" latinLnBrk="0" hangingPunct="1">
-              <a:spcBef>
-                <a:spcPts val="1000"/>
-              </a:spcBef>
-              <a:spcAft>
-                <a:spcPts val="0"/>
-              </a:spcAft>
-              <a:buClr>
-                <a:schemeClr val="accent1"/>
-              </a:buClr>
-              <a:buSzPct val="80000"/>
-              <a:buFont typeface="Wingdings 3" charset="2"/>
-              <a:buChar char=""/>
-              <a:defRPr sz="1400" kern="1200">
-                <a:solidFill>
-                  <a:schemeClr val="tx1">
-                    <a:lumMod val="75000"/>
-                    <a:lumOff val="25000"/>
-                  </a:schemeClr>
-                </a:solidFill>
-                <a:latin typeface="+mn-lt"/>
-                <a:ea typeface="+mn-ea"/>
-                <a:cs typeface="+mn-cs"/>
-              </a:defRPr>
-            </a:lvl3pPr>
-            <a:lvl4pPr marL="1600200" indent="-228600" algn="l" defTabSz="457200" rtl="0" eaLnBrk="1" latinLnBrk="0" hangingPunct="1">
-              <a:spcBef>
-                <a:spcPts val="1000"/>
-              </a:spcBef>
-              <a:spcAft>
-                <a:spcPts val="0"/>
-              </a:spcAft>
-              <a:buClr>
-                <a:schemeClr val="accent1"/>
-              </a:buClr>
-              <a:buSzPct val="80000"/>
-              <a:buFont typeface="Wingdings 3" charset="2"/>
-              <a:buChar char=""/>
-              <a:defRPr sz="1200" kern="1200">
-                <a:solidFill>
-                  <a:schemeClr val="tx1">
-                    <a:lumMod val="75000"/>
-                    <a:lumOff val="25000"/>
-                  </a:schemeClr>
-                </a:solidFill>
-                <a:latin typeface="+mn-lt"/>
-                <a:ea typeface="+mn-ea"/>
-                <a:cs typeface="+mn-cs"/>
-              </a:defRPr>
-            </a:lvl4pPr>
-            <a:lvl5pPr marL="2057400" indent="-228600" algn="l" defTabSz="457200" rtl="0" eaLnBrk="1" latinLnBrk="0" hangingPunct="1">
-              <a:spcBef>
-                <a:spcPts val="1000"/>
-              </a:spcBef>
-              <a:spcAft>
-                <a:spcPts val="0"/>
-              </a:spcAft>
-              <a:buClr>
-                <a:schemeClr val="accent1"/>
-              </a:buClr>
-              <a:buSzPct val="80000"/>
-              <a:buFont typeface="Wingdings 3" charset="2"/>
-              <a:buChar char=""/>
-              <a:defRPr sz="1200" kern="1200">
-                <a:solidFill>
-                  <a:schemeClr val="tx1">
-                    <a:lumMod val="75000"/>
-                    <a:lumOff val="25000"/>
-                  </a:schemeClr>
-                </a:solidFill>
-                <a:latin typeface="+mn-lt"/>
-                <a:ea typeface="+mn-ea"/>
-                <a:cs typeface="+mn-cs"/>
-              </a:defRPr>
-            </a:lvl5pPr>
-            <a:lvl6pPr marL="2514600" indent="-228600" algn="l" defTabSz="457200" rtl="0" eaLnBrk="1" latinLnBrk="0" hangingPunct="1">
-              <a:spcBef>
-                <a:spcPts val="1000"/>
-              </a:spcBef>
-              <a:spcAft>
-                <a:spcPts val="0"/>
-              </a:spcAft>
-              <a:buClr>
-                <a:schemeClr val="accent1"/>
-              </a:buClr>
-              <a:buSzPct val="80000"/>
-              <a:buFont typeface="Wingdings 3" charset="2"/>
-              <a:buChar char=""/>
-              <a:defRPr sz="1200" kern="1200">
-                <a:solidFill>
-                  <a:schemeClr val="tx1">
-                    <a:lumMod val="75000"/>
-                    <a:lumOff val="25000"/>
-                  </a:schemeClr>
-                </a:solidFill>
-                <a:latin typeface="+mn-lt"/>
-                <a:ea typeface="+mn-ea"/>
-                <a:cs typeface="+mn-cs"/>
-              </a:defRPr>
-            </a:lvl6pPr>
-            <a:lvl7pPr marL="2971800" indent="-228600" algn="l" defTabSz="457200" rtl="0" eaLnBrk="1" latinLnBrk="0" hangingPunct="1">
-              <a:spcBef>
-                <a:spcPts val="1000"/>
-              </a:spcBef>
-              <a:spcAft>
-                <a:spcPts val="0"/>
-              </a:spcAft>
-              <a:buClr>
-                <a:schemeClr val="accent1"/>
-              </a:buClr>
-              <a:buSzPct val="80000"/>
-              <a:buFont typeface="Wingdings 3" charset="2"/>
-              <a:buChar char=""/>
-              <a:defRPr sz="1200" kern="1200">
-                <a:solidFill>
-                  <a:schemeClr val="tx1">
-                    <a:lumMod val="75000"/>
-                    <a:lumOff val="25000"/>
-                  </a:schemeClr>
-                </a:solidFill>
-                <a:latin typeface="+mn-lt"/>
-                <a:ea typeface="+mn-ea"/>
-                <a:cs typeface="+mn-cs"/>
-              </a:defRPr>
-            </a:lvl7pPr>
-            <a:lvl8pPr marL="3429000" indent="-228600" algn="l" defTabSz="457200" rtl="0" eaLnBrk="1" latinLnBrk="0" hangingPunct="1">
-              <a:spcBef>
-                <a:spcPts val="1000"/>
-              </a:spcBef>
-              <a:spcAft>
-                <a:spcPts val="0"/>
-              </a:spcAft>
-              <a:buClr>
-                <a:schemeClr val="accent1"/>
-              </a:buClr>
-              <a:buSzPct val="80000"/>
-              <a:buFont typeface="Wingdings 3" charset="2"/>
-              <a:buChar char=""/>
-              <a:defRPr sz="1200" kern="1200">
-                <a:solidFill>
-                  <a:schemeClr val="tx1">
-                    <a:lumMod val="75000"/>
-                    <a:lumOff val="25000"/>
-                  </a:schemeClr>
-                </a:solidFill>
-                <a:latin typeface="+mn-lt"/>
-                <a:ea typeface="+mn-ea"/>
-                <a:cs typeface="+mn-cs"/>
-              </a:defRPr>
-            </a:lvl8pPr>
-            <a:lvl9pPr marL="3886200" indent="-228600" algn="l" defTabSz="457200" rtl="0" eaLnBrk="1" latinLnBrk="0" hangingPunct="1">
-              <a:spcBef>
-                <a:spcPts val="1000"/>
-              </a:spcBef>
-              <a:spcAft>
-                <a:spcPts val="0"/>
-              </a:spcAft>
-              <a:buClr>
-                <a:schemeClr val="accent1"/>
-              </a:buClr>
-              <a:buSzPct val="80000"/>
-              <a:buFont typeface="Wingdings 3" charset="2"/>
-              <a:buChar char=""/>
-              <a:defRPr sz="1200" kern="1200">
-                <a:solidFill>
-                  <a:schemeClr val="tx1">
-                    <a:lumMod val="75000"/>
-                    <a:lumOff val="25000"/>
-                  </a:schemeClr>
-                </a:solidFill>
-                <a:latin typeface="+mn-lt"/>
-                <a:ea typeface="+mn-ea"/>
-                <a:cs typeface="+mn-cs"/>
-              </a:defRPr>
-            </a:lvl9pPr>
-          </a:lstStyle>
-          <a:p>
-            <a:pPr marL="0" indent="0">
-              <a:buFont typeface="Wingdings 3" charset="2"/>
-              <a:buNone/>
-            </a:pPr>
-            <a:r>
-              <a:rPr lang="en-US" sz="1200" dirty="0">
-                <a:solidFill>
-                  <a:srgbClr val="0033B3"/>
-                </a:solidFill>
-                <a:effectLst/>
-              </a:rPr>
-              <a:t>import </a:t>
-            </a:r>
-            <a:r>
-              <a:rPr lang="en-US" sz="1200" b="1" dirty="0" err="1">
-                <a:solidFill>
-                  <a:srgbClr val="000000"/>
-                </a:solidFill>
-                <a:effectLst/>
-              </a:rPr>
-              <a:t>javax.validation.constraints</a:t>
-            </a:r>
-            <a:r>
-              <a:rPr lang="en-US" sz="1200" dirty="0" err="1">
-                <a:solidFill>
-                  <a:srgbClr val="000000"/>
-                </a:solidFill>
-                <a:effectLst/>
-              </a:rPr>
-              <a:t>.</a:t>
-            </a:r>
-            <a:r>
-              <a:rPr lang="en-US" sz="1200" dirty="0" err="1">
-                <a:solidFill>
-                  <a:srgbClr val="9E880D"/>
-                </a:solidFill>
-                <a:effectLst/>
-              </a:rPr>
-              <a:t>NotNull</a:t>
-            </a:r>
-            <a:r>
-              <a:rPr lang="en-US" sz="1200" dirty="0"/>
-              <a:t>;</a:t>
-            </a:r>
-          </a:p>
-          <a:p>
-            <a:pPr marL="0" indent="0">
-              <a:buFont typeface="Wingdings 3" charset="2"/>
-              <a:buNone/>
-            </a:pPr>
-            <a:r>
-              <a:rPr lang="en-US" sz="1200" dirty="0">
-                <a:solidFill>
-                  <a:srgbClr val="0033B3"/>
-                </a:solidFill>
-                <a:effectLst/>
-              </a:rPr>
-              <a:t>import </a:t>
-            </a:r>
-            <a:r>
-              <a:rPr lang="en-US" sz="1200" b="1" dirty="0" err="1">
-                <a:solidFill>
-                  <a:srgbClr val="000000"/>
-                </a:solidFill>
-                <a:effectLst/>
-              </a:rPr>
-              <a:t>javax.validation.constraints</a:t>
-            </a:r>
-            <a:r>
-              <a:rPr lang="en-US" sz="1200" dirty="0" err="1">
-                <a:solidFill>
-                  <a:srgbClr val="000000"/>
-                </a:solidFill>
-                <a:effectLst/>
-              </a:rPr>
-              <a:t>.</a:t>
-            </a:r>
-            <a:r>
-              <a:rPr lang="en-US" sz="1200" dirty="0" err="1">
-                <a:solidFill>
-                  <a:srgbClr val="9E880D"/>
-                </a:solidFill>
-                <a:effectLst/>
-              </a:rPr>
-              <a:t>NotEmpty</a:t>
-            </a:r>
-            <a:r>
-              <a:rPr lang="en-US" sz="1200" dirty="0"/>
-              <a:t>;</a:t>
-            </a:r>
-            <a:endParaRPr lang="en-US" sz="1200" b="1" dirty="0">
-              <a:solidFill>
-                <a:srgbClr val="0070C0"/>
-              </a:solidFill>
-            </a:endParaRPr>
-          </a:p>
-          <a:p>
-            <a:pPr marL="0" indent="0">
-              <a:buFont typeface="Wingdings 3" charset="2"/>
-              <a:buNone/>
-            </a:pPr>
-            <a:r>
-              <a:rPr lang="en-US" sz="1200" dirty="0">
-                <a:solidFill>
-                  <a:srgbClr val="9E880D"/>
-                </a:solidFill>
-              </a:rPr>
-              <a:t>@</a:t>
-            </a:r>
-            <a:r>
-              <a:rPr lang="en-US" sz="1200" dirty="0" err="1">
-                <a:solidFill>
-                  <a:srgbClr val="9E880D"/>
-                </a:solidFill>
-              </a:rPr>
-              <a:t>ConfigurationProperties</a:t>
-            </a:r>
-            <a:r>
-              <a:rPr lang="en-US" sz="1200" dirty="0">
-                <a:solidFill>
-                  <a:schemeClr val="tx2"/>
-                </a:solidFill>
-              </a:rPr>
-              <a:t>(</a:t>
-            </a:r>
-            <a:r>
-              <a:rPr lang="en-US" sz="1200" dirty="0">
-                <a:solidFill>
-                  <a:srgbClr val="92D050"/>
-                </a:solidFill>
-              </a:rPr>
-              <a:t>“server”</a:t>
-            </a:r>
-            <a:r>
-              <a:rPr lang="en-US" sz="1200" dirty="0">
-                <a:solidFill>
-                  <a:schemeClr val="tx2"/>
-                </a:solidFill>
-              </a:rPr>
-              <a:t>)</a:t>
-            </a:r>
-          </a:p>
-          <a:p>
-            <a:pPr marL="0" indent="0">
-              <a:buFont typeface="Wingdings 3" charset="2"/>
-              <a:buNone/>
-            </a:pPr>
-            <a:r>
-              <a:rPr lang="en-US" sz="1200" b="1" dirty="0">
-                <a:solidFill>
-                  <a:srgbClr val="9E880D"/>
-                </a:solidFill>
-              </a:rPr>
-              <a:t>@Validated</a:t>
-            </a:r>
-          </a:p>
-          <a:p>
-            <a:pPr marL="0" indent="0">
-              <a:buFont typeface="Wingdings 3" charset="2"/>
-              <a:buNone/>
-            </a:pPr>
-            <a:r>
-              <a:rPr lang="en-US" sz="1200" dirty="0">
-                <a:solidFill>
-                  <a:srgbClr val="0033B3"/>
-                </a:solidFill>
-              </a:rPr>
-              <a:t>p</a:t>
-            </a:r>
-            <a:r>
-              <a:rPr lang="en-IL" sz="1200" dirty="0">
-                <a:solidFill>
-                  <a:srgbClr val="0033B3"/>
-                </a:solidFill>
-              </a:rPr>
-              <a:t>ublic class</a:t>
-            </a:r>
-            <a:r>
-              <a:rPr lang="en-IL" sz="1200" dirty="0"/>
-              <a:t> ServerConfiguration {</a:t>
-            </a:r>
-          </a:p>
-          <a:p>
-            <a:pPr marL="0" indent="0">
-              <a:buFont typeface="Wingdings 3" charset="2"/>
-              <a:buNone/>
-            </a:pPr>
-            <a:r>
-              <a:rPr lang="en-IL" sz="1200" dirty="0"/>
-              <a:t>    </a:t>
-            </a:r>
-            <a:r>
-              <a:rPr lang="en-IL" sz="1200" dirty="0">
-                <a:solidFill>
-                  <a:srgbClr val="9E880D"/>
-                </a:solidFill>
-              </a:rPr>
-              <a:t>@NotNull</a:t>
-            </a:r>
-          </a:p>
-          <a:p>
-            <a:pPr marL="0" indent="0">
-              <a:buFont typeface="Wingdings 3" charset="2"/>
-              <a:buNone/>
-            </a:pPr>
-            <a:r>
-              <a:rPr lang="en-IL" sz="1200" dirty="0"/>
-              <a:t>    </a:t>
-            </a:r>
-            <a:r>
-              <a:rPr lang="en-IL" sz="1200" dirty="0">
-                <a:solidFill>
-                  <a:srgbClr val="0033B3"/>
-                </a:solidFill>
-              </a:rPr>
-              <a:t>private</a:t>
-            </a:r>
-            <a:r>
-              <a:rPr lang="en-IL" sz="1200" dirty="0"/>
-              <a:t> </a:t>
-            </a:r>
-            <a:r>
-              <a:rPr lang="en-US" sz="1200" dirty="0" err="1"/>
-              <a:t>InetAddress</a:t>
-            </a:r>
-            <a:r>
-              <a:rPr lang="en-IL" sz="1200" dirty="0"/>
-              <a:t> address;</a:t>
-            </a:r>
-          </a:p>
-          <a:p>
-            <a:pPr marL="0" indent="0">
-              <a:buFont typeface="Wingdings 3" charset="2"/>
-              <a:buNone/>
-            </a:pPr>
-            <a:r>
-              <a:rPr lang="en-IL" sz="1200" dirty="0"/>
-              <a:t>    </a:t>
-            </a:r>
-            <a:r>
-              <a:rPr lang="en-IL" sz="1200" dirty="0">
-                <a:solidFill>
-                  <a:srgbClr val="0033B3"/>
-                </a:solidFill>
-              </a:rPr>
-              <a:t>private</a:t>
-            </a:r>
-            <a:r>
-              <a:rPr lang="en-IL" sz="1200" dirty="0">
-                <a:solidFill>
-                  <a:schemeClr val="accent5">
-                    <a:lumMod val="75000"/>
-                  </a:schemeClr>
-                </a:solidFill>
-              </a:rPr>
-              <a:t> </a:t>
-            </a:r>
-            <a:r>
-              <a:rPr lang="en-IL" sz="1200" dirty="0">
-                <a:solidFill>
-                  <a:srgbClr val="0033B3"/>
-                </a:solidFill>
-              </a:rPr>
-              <a:t>int</a:t>
-            </a:r>
-            <a:r>
-              <a:rPr lang="en-IL" sz="1200" dirty="0"/>
-              <a:t> port;</a:t>
-            </a:r>
-          </a:p>
-          <a:p>
-            <a:pPr marL="0" indent="0">
-              <a:buFont typeface="Wingdings 3" charset="2"/>
-              <a:buNone/>
-            </a:pPr>
-            <a:r>
-              <a:rPr lang="en-IL" sz="1200" dirty="0"/>
-              <a:t>    </a:t>
-            </a:r>
-            <a:r>
-              <a:rPr lang="en-IL" sz="1200" dirty="0">
-                <a:solidFill>
-                  <a:srgbClr val="9E880D"/>
-                </a:solidFill>
-              </a:rPr>
-              <a:t>@Valid</a:t>
-            </a:r>
-          </a:p>
-          <a:p>
-            <a:pPr marL="0" indent="0">
-              <a:buFont typeface="Wingdings 3" charset="2"/>
-              <a:buNone/>
-            </a:pPr>
-            <a:r>
-              <a:rPr lang="en-IL" sz="1200" dirty="0">
-                <a:solidFill>
-                  <a:schemeClr val="accent5">
-                    <a:lumMod val="75000"/>
-                  </a:schemeClr>
-                </a:solidFill>
-              </a:rPr>
-              <a:t>    </a:t>
-            </a:r>
-            <a:r>
-              <a:rPr lang="en-IL" sz="1200" dirty="0">
-                <a:solidFill>
-                  <a:srgbClr val="0033B3"/>
-                </a:solidFill>
-              </a:rPr>
-              <a:t>private</a:t>
-            </a:r>
-            <a:r>
-              <a:rPr lang="en-IL" sz="1200" dirty="0"/>
-              <a:t> </a:t>
-            </a:r>
-            <a:r>
-              <a:rPr lang="en-IL" sz="1200" dirty="0">
-                <a:solidFill>
-                  <a:srgbClr val="0033B3"/>
-                </a:solidFill>
-              </a:rPr>
-              <a:t>final</a:t>
-            </a:r>
-            <a:r>
-              <a:rPr lang="en-IL" sz="1200" dirty="0"/>
-              <a:t> Security security = </a:t>
-            </a:r>
-            <a:r>
-              <a:rPr lang="en-IL" sz="1200" dirty="0">
-                <a:solidFill>
-                  <a:srgbClr val="0033B3"/>
-                </a:solidFill>
-              </a:rPr>
-              <a:t>new</a:t>
-            </a:r>
-            <a:r>
-              <a:rPr lang="en-IL" sz="1200" dirty="0"/>
-              <a:t> Security();</a:t>
-            </a:r>
-          </a:p>
-          <a:p>
-            <a:pPr marL="0" indent="0">
-              <a:buFont typeface="Wingdings 3" charset="2"/>
-              <a:buNone/>
-            </a:pPr>
-            <a:r>
-              <a:rPr lang="en-IL" sz="1200" dirty="0"/>
-              <a:t>    </a:t>
-            </a:r>
-            <a:r>
-              <a:rPr lang="en-IL" sz="1200" dirty="0">
-                <a:solidFill>
-                  <a:srgbClr val="0033B3"/>
-                </a:solidFill>
-              </a:rPr>
-              <a:t>public</a:t>
-            </a:r>
-            <a:r>
-              <a:rPr lang="en-IL" sz="1200" dirty="0">
-                <a:solidFill>
-                  <a:schemeClr val="accent5">
-                    <a:lumMod val="75000"/>
-                  </a:schemeClr>
-                </a:solidFill>
-              </a:rPr>
-              <a:t> </a:t>
-            </a:r>
-            <a:r>
-              <a:rPr lang="en-IL" sz="1200" dirty="0">
-                <a:solidFill>
-                  <a:srgbClr val="0033B3"/>
-                </a:solidFill>
-              </a:rPr>
-              <a:t>static</a:t>
-            </a:r>
-            <a:r>
-              <a:rPr lang="en-IL" sz="1200" dirty="0">
-                <a:solidFill>
-                  <a:schemeClr val="accent5">
-                    <a:lumMod val="75000"/>
-                  </a:schemeClr>
-                </a:solidFill>
-              </a:rPr>
-              <a:t> </a:t>
-            </a:r>
-            <a:r>
-              <a:rPr lang="en-IL" sz="1200" dirty="0">
-                <a:solidFill>
-                  <a:srgbClr val="0033B3"/>
-                </a:solidFill>
-              </a:rPr>
-              <a:t>class</a:t>
-            </a:r>
-            <a:r>
-              <a:rPr lang="en-IL" sz="1200" dirty="0">
-                <a:solidFill>
-                  <a:schemeClr val="accent5">
-                    <a:lumMod val="75000"/>
-                  </a:schemeClr>
-                </a:solidFill>
-              </a:rPr>
-              <a:t> </a:t>
-            </a:r>
-            <a:r>
-              <a:rPr lang="en-IL" sz="1200" dirty="0"/>
-              <a:t>Security {</a:t>
-            </a:r>
-          </a:p>
-          <a:p>
-            <a:pPr marL="0" indent="0">
-              <a:buFont typeface="Wingdings 3" charset="2"/>
-              <a:buNone/>
-            </a:pPr>
-            <a:r>
-              <a:rPr lang="en-US" sz="1200" i="1" dirty="0">
-                <a:solidFill>
-                  <a:srgbClr val="808080"/>
-                </a:solidFill>
-                <a:effectLst/>
-              </a:rPr>
-              <a:t> </a:t>
-            </a:r>
-            <a:r>
-              <a:rPr lang="en-US" sz="1200" i="1" dirty="0">
-                <a:solidFill>
-                  <a:srgbClr val="808080"/>
-                </a:solidFill>
-              </a:rPr>
-              <a:t>         </a:t>
-            </a:r>
-            <a:r>
-              <a:rPr lang="en-US" sz="1200" dirty="0">
-                <a:solidFill>
-                  <a:srgbClr val="9E880D"/>
-                </a:solidFill>
-              </a:rPr>
-              <a:t>@</a:t>
-            </a:r>
-            <a:r>
-              <a:rPr lang="en-US" sz="1200" dirty="0" err="1">
-                <a:solidFill>
-                  <a:srgbClr val="9E880D"/>
-                </a:solidFill>
-              </a:rPr>
-              <a:t>NotEmpty</a:t>
-            </a:r>
-            <a:r>
-              <a:rPr lang="en-US" sz="1200" dirty="0">
-                <a:solidFill>
-                  <a:srgbClr val="9E880D"/>
-                </a:solidFill>
-              </a:rPr>
-              <a:t> </a:t>
-            </a:r>
-          </a:p>
-          <a:p>
-            <a:pPr marL="0" indent="0">
-              <a:buFont typeface="Wingdings 3" charset="2"/>
-              <a:buNone/>
-            </a:pPr>
-            <a:r>
-              <a:rPr lang="en-US" sz="1200" b="1" dirty="0">
-                <a:solidFill>
-                  <a:srgbClr val="7F0055"/>
-                </a:solidFill>
-                <a:effectLst/>
-              </a:rPr>
-              <a:t>           </a:t>
-            </a:r>
-            <a:r>
-              <a:rPr lang="en-US" sz="1200" dirty="0">
-                <a:solidFill>
-                  <a:srgbClr val="0033B3"/>
-                </a:solidFill>
-              </a:rPr>
-              <a:t>public</a:t>
-            </a:r>
-            <a:r>
-              <a:rPr lang="en-US" sz="1200" dirty="0"/>
-              <a:t> String username;</a:t>
-            </a:r>
-            <a:r>
-              <a:rPr lang="en-IL" sz="1200" dirty="0"/>
-              <a:t>    }</a:t>
-            </a:r>
-          </a:p>
-          <a:p>
-            <a:pPr marL="0" indent="0">
-              <a:buFont typeface="Wingdings 3" charset="2"/>
-              <a:buNone/>
-            </a:pPr>
-            <a:r>
-              <a:rPr lang="en-IL" sz="1200" dirty="0"/>
-              <a:t>}</a:t>
-            </a:r>
-          </a:p>
-        </p:txBody>
-      </p:sp>
-    </p:spTree>
-    <p:extLst>
-      <p:ext uri="{BB962C8B-B14F-4D97-AF65-F5344CB8AC3E}">
-        <p14:creationId xmlns:p14="http://schemas.microsoft.com/office/powerpoint/2010/main" val="1952942223"/>
-      </p:ext>
-    </p:extLst>
-  </p:cSld>
-  <p:clrMapOvr>
-    <a:masterClrMapping/>
-  </p:clrMapOvr>
-</p:sld>
-</file>
-
-<file path=ppt/slides/slide32.xml><?xml version="1.0" encoding="utf-8"?>
-<p:sld xmlns:a="http://schemas.openxmlformats.org/drawingml/2006/main" xmlns:r="http://schemas.openxmlformats.org/officeDocument/2006/relationships" xmlns:p="http://schemas.openxmlformats.org/presentationml/2006/main">
-  <p:cSld>
-    <p:spTree>
-      <p:nvGrpSpPr>
-        <p:cNvPr id="1" name=""/>
-        <p:cNvGrpSpPr/>
-        <p:nvPr/>
-      </p:nvGrpSpPr>
-      <p:grpSpPr>
-        <a:xfrm>
-          <a:off x="0" y="0"/>
-          <a:ext cx="0" cy="0"/>
-          <a:chOff x="0" y="0"/>
-          <a:chExt cx="0" cy="0"/>
-        </a:xfrm>
-      </p:grpSpPr>
-      <p:sp>
-        <p:nvSpPr>
-          <p:cNvPr id="2" name="Title 1">
-            <a:extLst>
-              <a:ext uri="{FF2B5EF4-FFF2-40B4-BE49-F238E27FC236}">
-                <a16:creationId xmlns:a16="http://schemas.microsoft.com/office/drawing/2014/main" id="{3A0F5AEF-6658-E1F7-C0FD-0CD4476CEB57}"/>
-              </a:ext>
-            </a:extLst>
-          </p:cNvPr>
-          <p:cNvSpPr>
-            <a:spLocks noGrp="1"/>
-          </p:cNvSpPr>
-          <p:nvPr>
-            <p:ph type="title"/>
-          </p:nvPr>
-        </p:nvSpPr>
-        <p:spPr/>
-        <p:txBody>
-          <a:bodyPr/>
-          <a:lstStyle/>
-          <a:p>
-            <a:r>
-              <a:rPr lang="en-IL" dirty="0"/>
-              <a:t>Hands-On – Validation</a:t>
-            </a:r>
-          </a:p>
-        </p:txBody>
-      </p:sp>
-      <p:sp>
-        <p:nvSpPr>
-          <p:cNvPr id="3" name="Content Placeholder 2">
-            <a:extLst>
-              <a:ext uri="{FF2B5EF4-FFF2-40B4-BE49-F238E27FC236}">
-                <a16:creationId xmlns:a16="http://schemas.microsoft.com/office/drawing/2014/main" id="{B994E086-3A55-F67F-4A78-804A38B92CA5}"/>
-              </a:ext>
-            </a:extLst>
-          </p:cNvPr>
-          <p:cNvSpPr>
-            <a:spLocks noGrp="1"/>
-          </p:cNvSpPr>
-          <p:nvPr>
-            <p:ph idx="1"/>
-          </p:nvPr>
-        </p:nvSpPr>
-        <p:spPr>
-          <a:xfrm>
-            <a:off x="677334" y="1560443"/>
-            <a:ext cx="8596668" cy="4480919"/>
-          </a:xfrm>
-        </p:spPr>
-        <p:txBody>
-          <a:bodyPr>
-            <a:normAutofit lnSpcReduction="10000"/>
-          </a:bodyPr>
-          <a:lstStyle/>
-          <a:p>
-            <a:r>
-              <a:rPr lang="en-IL" sz="2400" dirty="0"/>
-              <a:t>Add validation for all endpoints: input parametes must be numbers and in the range from 1 to 100. </a:t>
-            </a:r>
-          </a:p>
-          <a:p>
-            <a:r>
-              <a:rPr lang="en-IL" sz="2400" dirty="0"/>
-              <a:t>Add error handling for all endpoints: if the numbers are not specified or not in the range, the service should return </a:t>
-            </a:r>
-            <a:r>
-              <a:rPr lang="en-IL" sz="2400" i="1" dirty="0"/>
-              <a:t>400 Bad Request </a:t>
-            </a:r>
-            <a:r>
-              <a:rPr lang="en-IL" sz="2400" dirty="0"/>
-              <a:t>and error message “</a:t>
-            </a:r>
-            <a:r>
-              <a:rPr lang="en-US" sz="2400" i="1" dirty="0"/>
-              <a:t>Input validation failed: &lt;error reason&gt;</a:t>
-            </a:r>
-            <a:r>
-              <a:rPr lang="en-US" sz="2400" dirty="0"/>
-              <a:t>”.</a:t>
-            </a:r>
-          </a:p>
-          <a:p>
-            <a:r>
-              <a:rPr lang="en-IL" sz="2400" dirty="0"/>
-              <a:t>Add tests validating proper handling of validation errors. (At least two tests for every endpoint).</a:t>
-            </a:r>
-          </a:p>
-          <a:p>
-            <a:r>
-              <a:rPr lang="en-IL" sz="2400" dirty="0"/>
-              <a:t>Add configuration validation for </a:t>
-            </a:r>
-            <a:r>
-              <a:rPr lang="en-IL" sz="2400" i="1" dirty="0"/>
-              <a:t>app.universal-add: </a:t>
-            </a:r>
-            <a:r>
-              <a:rPr lang="en-IL" sz="2400" dirty="0"/>
-              <a:t>all properties should be </a:t>
-            </a:r>
-            <a:r>
-              <a:rPr lang="en-US" sz="2400" dirty="0"/>
-              <a:t>specified;</a:t>
-            </a:r>
-            <a:r>
-              <a:rPr lang="en-IL" sz="2400" dirty="0"/>
-              <a:t> min and max values should be positive numbers.</a:t>
-            </a:r>
-          </a:p>
-          <a:p>
-            <a:endParaRPr lang="en-IL" sz="2400" dirty="0"/>
-          </a:p>
-        </p:txBody>
-      </p:sp>
-    </p:spTree>
-    <p:extLst>
-      <p:ext uri="{BB962C8B-B14F-4D97-AF65-F5344CB8AC3E}">
-        <p14:creationId xmlns:p14="http://schemas.microsoft.com/office/powerpoint/2010/main" val="1365778353"/>
-      </p:ext>
-    </p:extLst>
-  </p:cSld>
-  <p:clrMapOvr>
-    <a:masterClrMapping/>
-  </p:clrMapOvr>
-</p:sld>
-</file>
-
-<file path=ppt/slides/slide33.xml><?xml version="1.0" encoding="utf-8"?>
 <p:sld xmlns:a="http://schemas.openxmlformats.org/drawingml/2006/main" xmlns:r="http://schemas.openxmlformats.org/officeDocument/2006/relationships" xmlns:p="http://schemas.openxmlformats.org/presentationml/2006/main">
   <p:cSld>
     <p:spTree>
@@ -22635,7 +21416,7 @@
 </p:sld>
 </file>
 
-<file path=ppt/slides/slide34.xml><?xml version="1.0" encoding="utf-8"?>
+<file path=ppt/slides/slide31.xml><?xml version="1.0" encoding="utf-8"?>
 <p:sld xmlns:a="http://schemas.openxmlformats.org/drawingml/2006/main" xmlns:r="http://schemas.openxmlformats.org/officeDocument/2006/relationships" xmlns:p="http://schemas.openxmlformats.org/presentationml/2006/main">
   <p:cSld>
     <p:spTree>
@@ -23249,7 +22030,7 @@
 </p:sld>
 </file>
 
-<file path=ppt/slides/slide35.xml><?xml version="1.0" encoding="utf-8"?>
+<file path=ppt/slides/slide32.xml><?xml version="1.0" encoding="utf-8"?>
 <p:sld xmlns:a="http://schemas.openxmlformats.org/drawingml/2006/main" xmlns:r="http://schemas.openxmlformats.org/officeDocument/2006/relationships" xmlns:p="http://schemas.openxmlformats.org/presentationml/2006/main">
   <p:cSld>
     <p:spTree>
@@ -24025,7 +22806,7 @@
 </p:sld>
 </file>
 
-<file path=ppt/slides/slide36.xml><?xml version="1.0" encoding="utf-8"?>
+<file path=ppt/slides/slide33.xml><?xml version="1.0" encoding="utf-8"?>
 <p:sld xmlns:a="http://schemas.openxmlformats.org/drawingml/2006/main" xmlns:r="http://schemas.openxmlformats.org/officeDocument/2006/relationships" xmlns:p="http://schemas.openxmlformats.org/presentationml/2006/main">
   <p:cSld>
     <p:spTree>
@@ -24659,7 +23440,7 @@
 </p:sld>
 </file>
 
-<file path=ppt/slides/slide37.xml><?xml version="1.0" encoding="utf-8"?>
+<file path=ppt/slides/slide34.xml><?xml version="1.0" encoding="utf-8"?>
 <p:sld xmlns:a="http://schemas.openxmlformats.org/drawingml/2006/main" xmlns:r="http://schemas.openxmlformats.org/officeDocument/2006/relationships" xmlns:p="http://schemas.openxmlformats.org/presentationml/2006/main">
   <p:cSld>
     <p:spTree>
@@ -24782,7 +23563,7 @@
 </p:sld>
 </file>
 
-<file path=ppt/slides/slide38.xml><?xml version="1.0" encoding="utf-8"?>
+<file path=ppt/slides/slide35.xml><?xml version="1.0" encoding="utf-8"?>
 <p:sld xmlns:a="http://schemas.openxmlformats.org/drawingml/2006/main" xmlns:r="http://schemas.openxmlformats.org/officeDocument/2006/relationships" xmlns:p="http://schemas.openxmlformats.org/presentationml/2006/main">
   <p:cSld>
     <p:spTree>
@@ -25677,7 +24458,7 @@
 </p:sld>
 </file>
 
-<file path=ppt/slides/slide39.xml><?xml version="1.0" encoding="utf-8"?>
+<file path=ppt/slides/slide36.xml><?xml version="1.0" encoding="utf-8"?>
 <p:sld xmlns:a="http://schemas.openxmlformats.org/drawingml/2006/main" xmlns:r="http://schemas.openxmlformats.org/officeDocument/2006/relationships" xmlns:p="http://schemas.openxmlformats.org/presentationml/2006/main">
   <p:cSld>
     <p:spTree>
@@ -26026,1144 +24807,7 @@
 </p:sld>
 </file>
 
-<file path=ppt/slides/slide4.xml><?xml version="1.0" encoding="utf-8"?>
-<p:sld xmlns:a="http://schemas.openxmlformats.org/drawingml/2006/main" xmlns:r="http://schemas.openxmlformats.org/officeDocument/2006/relationships" xmlns:p="http://schemas.openxmlformats.org/presentationml/2006/main">
-  <p:cSld>
-    <p:spTree>
-      <p:nvGrpSpPr>
-        <p:cNvPr id="1" name=""/>
-        <p:cNvGrpSpPr/>
-        <p:nvPr/>
-      </p:nvGrpSpPr>
-      <p:grpSpPr>
-        <a:xfrm>
-          <a:off x="0" y="0"/>
-          <a:ext cx="0" cy="0"/>
-          <a:chOff x="0" y="0"/>
-          <a:chExt cx="0" cy="0"/>
-        </a:xfrm>
-      </p:grpSpPr>
-      <p:sp>
-        <p:nvSpPr>
-          <p:cNvPr id="2" name="Title 1">
-            <a:extLst>
-              <a:ext uri="{FF2B5EF4-FFF2-40B4-BE49-F238E27FC236}">
-                <a16:creationId xmlns:a16="http://schemas.microsoft.com/office/drawing/2014/main" id="{1A56CFF7-4C9B-CC4B-6518-695E5341FC2E}"/>
-              </a:ext>
-            </a:extLst>
-          </p:cNvPr>
-          <p:cNvSpPr>
-            <a:spLocks noGrp="1"/>
-          </p:cNvSpPr>
-          <p:nvPr>
-            <p:ph type="title"/>
-          </p:nvPr>
-        </p:nvSpPr>
-        <p:spPr/>
-        <p:txBody>
-          <a:bodyPr/>
-          <a:lstStyle/>
-          <a:p>
-            <a:r>
-              <a:rPr lang="en-US" dirty="0"/>
-              <a:t>Testing With a Mock Environment</a:t>
-            </a:r>
-            <a:endParaRPr lang="en-IL" dirty="0"/>
-          </a:p>
-        </p:txBody>
-      </p:sp>
-      <p:sp>
-        <p:nvSpPr>
-          <p:cNvPr id="3" name="Content Placeholder 2">
-            <a:extLst>
-              <a:ext uri="{FF2B5EF4-FFF2-40B4-BE49-F238E27FC236}">
-                <a16:creationId xmlns:a16="http://schemas.microsoft.com/office/drawing/2014/main" id="{AFA351A3-0C03-3ECE-D689-6C09ACD1C0CA}"/>
-              </a:ext>
-            </a:extLst>
-          </p:cNvPr>
-          <p:cNvSpPr>
-            <a:spLocks noGrp="1"/>
-          </p:cNvSpPr>
-          <p:nvPr>
-            <p:ph sz="half" idx="1"/>
-          </p:nvPr>
-        </p:nvSpPr>
-        <p:spPr>
-          <a:xfrm>
-            <a:off x="677334" y="1488614"/>
-            <a:ext cx="8859858" cy="1199722"/>
-          </a:xfrm>
-        </p:spPr>
-        <p:txBody>
-          <a:bodyPr>
-            <a:normAutofit fontScale="77500" lnSpcReduction="20000"/>
-          </a:bodyPr>
-          <a:lstStyle/>
-          <a:p>
-            <a:r>
-              <a:rPr lang="en-US" sz="2100" dirty="0"/>
-              <a:t>By default, </a:t>
-            </a:r>
-            <a:r>
-              <a:rPr lang="en-US" sz="2100" dirty="0">
-                <a:solidFill>
-                  <a:srgbClr val="92D050"/>
-                </a:solidFill>
-              </a:rPr>
-              <a:t>@</a:t>
-            </a:r>
-            <a:r>
-              <a:rPr lang="en-US" sz="2100" dirty="0" err="1">
-                <a:solidFill>
-                  <a:srgbClr val="92D050"/>
-                </a:solidFill>
-              </a:rPr>
-              <a:t>SpringBootTest</a:t>
-            </a:r>
-            <a:r>
-              <a:rPr lang="en-US" sz="2100" dirty="0">
-                <a:solidFill>
-                  <a:srgbClr val="92D050"/>
-                </a:solidFill>
-              </a:rPr>
-              <a:t> </a:t>
-            </a:r>
-            <a:r>
-              <a:rPr lang="en-US" sz="2100" dirty="0"/>
-              <a:t>does not start the server but instead sets up a mock environment for testing web endpoints.</a:t>
-            </a:r>
-          </a:p>
-          <a:p>
-            <a:r>
-              <a:rPr lang="en-US" sz="2100" dirty="0"/>
-              <a:t>With Spring, we can query our web endpoints using class </a:t>
-            </a:r>
-            <a:r>
-              <a:rPr lang="en-US" sz="2100" dirty="0" err="1">
-                <a:solidFill>
-                  <a:srgbClr val="00B0F0"/>
-                </a:solidFill>
-              </a:rPr>
-              <a:t>MockMvc</a:t>
-            </a:r>
-            <a:r>
-              <a:rPr lang="en-US" sz="2100" dirty="0"/>
-              <a:t>, as shown in the following example:</a:t>
-            </a:r>
-          </a:p>
-          <a:p>
-            <a:endParaRPr lang="en-IL" dirty="0"/>
-          </a:p>
-        </p:txBody>
-      </p:sp>
-      <p:sp>
-        <p:nvSpPr>
-          <p:cNvPr id="4" name="Content Placeholder 3">
-            <a:extLst>
-              <a:ext uri="{FF2B5EF4-FFF2-40B4-BE49-F238E27FC236}">
-                <a16:creationId xmlns:a16="http://schemas.microsoft.com/office/drawing/2014/main" id="{036C3B75-FE70-9F98-9C36-99C14FEB460D}"/>
-              </a:ext>
-            </a:extLst>
-          </p:cNvPr>
-          <p:cNvSpPr>
-            <a:spLocks noGrp="1"/>
-          </p:cNvSpPr>
-          <p:nvPr>
-            <p:ph sz="half" idx="2"/>
-          </p:nvPr>
-        </p:nvSpPr>
-        <p:spPr>
-          <a:xfrm>
-            <a:off x="884583" y="2688336"/>
-            <a:ext cx="4222680" cy="3560064"/>
-          </a:xfrm>
-          <a:noFill/>
-        </p:spPr>
-        <p:txBody>
-          <a:bodyPr>
-            <a:normAutofit fontScale="77500" lnSpcReduction="20000"/>
-          </a:bodyPr>
-          <a:lstStyle/>
-          <a:p>
-            <a:pPr marL="0" indent="0">
-              <a:buNone/>
-            </a:pPr>
-            <a:r>
-              <a:rPr lang="en-US" b="1" dirty="0">
-                <a:solidFill>
-                  <a:srgbClr val="9E880D"/>
-                </a:solidFill>
-                <a:effectLst/>
-                <a:latin typeface="JetBrains Mono"/>
-              </a:rPr>
-              <a:t>@</a:t>
-            </a:r>
-            <a:r>
-              <a:rPr lang="en-US" b="1" dirty="0" err="1">
-                <a:solidFill>
-                  <a:srgbClr val="9E880D"/>
-                </a:solidFill>
-                <a:effectLst/>
-                <a:latin typeface="JetBrains Mono"/>
-              </a:rPr>
-              <a:t>AutoConfigureMockMvc</a:t>
-            </a:r>
-            <a:br>
-              <a:rPr lang="en-US" b="1" dirty="0">
-                <a:solidFill>
-                  <a:srgbClr val="9E880D"/>
-                </a:solidFill>
-                <a:effectLst/>
-                <a:latin typeface="JetBrains Mono"/>
-              </a:rPr>
-            </a:br>
-            <a:r>
-              <a:rPr lang="en-US" b="1" dirty="0">
-                <a:solidFill>
-                  <a:srgbClr val="9E880D"/>
-                </a:solidFill>
-                <a:effectLst/>
-                <a:latin typeface="JetBrains Mono"/>
-              </a:rPr>
-              <a:t>@</a:t>
-            </a:r>
-            <a:r>
-              <a:rPr lang="en-US" b="1" dirty="0" err="1">
-                <a:solidFill>
-                  <a:srgbClr val="9E880D"/>
-                </a:solidFill>
-                <a:effectLst/>
-                <a:latin typeface="JetBrains Mono"/>
-              </a:rPr>
-              <a:t>SpringBootTest</a:t>
-            </a:r>
-            <a:br>
-              <a:rPr lang="en-US" dirty="0">
-                <a:solidFill>
-                  <a:srgbClr val="9E880D"/>
-                </a:solidFill>
-                <a:effectLst/>
-                <a:latin typeface="JetBrains Mono"/>
-              </a:rPr>
-            </a:br>
-            <a:r>
-              <a:rPr lang="en-US" dirty="0">
-                <a:solidFill>
-                  <a:srgbClr val="0033B3"/>
-                </a:solidFill>
-                <a:effectLst/>
-                <a:latin typeface="JetBrains Mono"/>
-              </a:rPr>
-              <a:t>class </a:t>
-            </a:r>
-            <a:r>
-              <a:rPr lang="en-US" dirty="0" err="1">
-                <a:solidFill>
-                  <a:srgbClr val="000000"/>
-                </a:solidFill>
-                <a:effectLst/>
-                <a:latin typeface="JetBrains Mono"/>
-              </a:rPr>
-              <a:t>SpringMicroserviceDemoApplicationTests</a:t>
-            </a:r>
-            <a:r>
-              <a:rPr lang="en-US" dirty="0">
-                <a:solidFill>
-                  <a:srgbClr val="000000"/>
-                </a:solidFill>
-                <a:effectLst/>
-                <a:latin typeface="JetBrains Mono"/>
-              </a:rPr>
-              <a:t> </a:t>
-            </a:r>
-            <a:r>
-              <a:rPr lang="en-US" dirty="0">
-                <a:solidFill>
-                  <a:srgbClr val="080808"/>
-                </a:solidFill>
-                <a:effectLst/>
-                <a:latin typeface="JetBrains Mono"/>
-              </a:rPr>
-              <a:t>{</a:t>
-            </a:r>
-            <a:br>
-              <a:rPr lang="en-US" dirty="0">
-                <a:solidFill>
-                  <a:srgbClr val="080808"/>
-                </a:solidFill>
-                <a:effectLst/>
-                <a:latin typeface="JetBrains Mono"/>
-              </a:rPr>
-            </a:br>
-            <a:br>
-              <a:rPr lang="en-US" dirty="0">
-                <a:solidFill>
-                  <a:srgbClr val="080808"/>
-                </a:solidFill>
-                <a:effectLst/>
-                <a:latin typeface="JetBrains Mono"/>
-              </a:rPr>
-            </a:br>
-            <a:r>
-              <a:rPr lang="en-US" dirty="0">
-                <a:solidFill>
-                  <a:srgbClr val="080808"/>
-                </a:solidFill>
-                <a:effectLst/>
-                <a:latin typeface="JetBrains Mono"/>
-              </a:rPr>
-              <a:t>    </a:t>
-            </a:r>
-            <a:r>
-              <a:rPr lang="en-US" dirty="0">
-                <a:solidFill>
-                  <a:srgbClr val="9E880D"/>
-                </a:solidFill>
-                <a:effectLst/>
-                <a:latin typeface="JetBrains Mono"/>
-              </a:rPr>
-              <a:t>@</a:t>
-            </a:r>
-            <a:r>
-              <a:rPr lang="en-US" dirty="0" err="1">
-                <a:solidFill>
-                  <a:srgbClr val="9E880D"/>
-                </a:solidFill>
-                <a:effectLst/>
-                <a:latin typeface="JetBrains Mono"/>
-              </a:rPr>
-              <a:t>Autowired</a:t>
-            </a:r>
-            <a:br>
-              <a:rPr lang="en-US" dirty="0">
-                <a:solidFill>
-                  <a:srgbClr val="9E880D"/>
-                </a:solidFill>
-                <a:effectLst/>
-                <a:latin typeface="JetBrains Mono"/>
-              </a:rPr>
-            </a:br>
-            <a:r>
-              <a:rPr lang="en-US" dirty="0">
-                <a:solidFill>
-                  <a:srgbClr val="9E880D"/>
-                </a:solidFill>
-                <a:effectLst/>
-                <a:latin typeface="JetBrains Mono"/>
-              </a:rPr>
-              <a:t>    </a:t>
-            </a:r>
-            <a:r>
-              <a:rPr lang="en-US" b="1" dirty="0" err="1">
-                <a:solidFill>
-                  <a:srgbClr val="000000"/>
-                </a:solidFill>
-                <a:effectLst/>
-                <a:latin typeface="JetBrains Mono"/>
-              </a:rPr>
-              <a:t>MockMvc</a:t>
-            </a:r>
-            <a:r>
-              <a:rPr lang="en-US" b="1" dirty="0">
-                <a:solidFill>
-                  <a:srgbClr val="000000"/>
-                </a:solidFill>
-                <a:effectLst/>
-                <a:latin typeface="JetBrains Mono"/>
-              </a:rPr>
-              <a:t> </a:t>
-            </a:r>
-            <a:r>
-              <a:rPr lang="en-US" b="1" dirty="0" err="1">
-                <a:solidFill>
-                  <a:srgbClr val="871094"/>
-                </a:solidFill>
-                <a:effectLst/>
-                <a:latin typeface="JetBrains Mono"/>
-              </a:rPr>
-              <a:t>mockMvc</a:t>
-            </a:r>
-            <a:r>
-              <a:rPr lang="en-US" b="1" dirty="0">
-                <a:solidFill>
-                  <a:srgbClr val="080808"/>
-                </a:solidFill>
-                <a:effectLst/>
-                <a:latin typeface="JetBrains Mono"/>
-              </a:rPr>
-              <a:t>;</a:t>
-            </a:r>
-            <a:br>
-              <a:rPr lang="en-US" dirty="0">
-                <a:solidFill>
-                  <a:srgbClr val="080808"/>
-                </a:solidFill>
-                <a:effectLst/>
-                <a:latin typeface="JetBrains Mono"/>
-              </a:rPr>
-            </a:br>
-            <a:br>
-              <a:rPr lang="en-US" dirty="0">
-                <a:solidFill>
-                  <a:srgbClr val="080808"/>
-                </a:solidFill>
-                <a:effectLst/>
-                <a:latin typeface="JetBrains Mono"/>
-              </a:rPr>
-            </a:br>
-            <a:r>
-              <a:rPr lang="en-US" dirty="0">
-                <a:solidFill>
-                  <a:srgbClr val="080808"/>
-                </a:solidFill>
-                <a:effectLst/>
-                <a:latin typeface="JetBrains Mono"/>
-              </a:rPr>
-              <a:t>   </a:t>
-            </a:r>
-            <a:r>
-              <a:rPr lang="en-US" dirty="0">
-                <a:solidFill>
-                  <a:srgbClr val="9E880D"/>
-                </a:solidFill>
-                <a:effectLst/>
-                <a:latin typeface="JetBrains Mono"/>
-              </a:rPr>
-              <a:t>@Test</a:t>
-            </a:r>
-            <a:br>
-              <a:rPr lang="en-US" dirty="0">
-                <a:solidFill>
-                  <a:srgbClr val="9E880D"/>
-                </a:solidFill>
-                <a:effectLst/>
-                <a:latin typeface="JetBrains Mono"/>
-              </a:rPr>
-            </a:br>
-            <a:r>
-              <a:rPr lang="en-US" dirty="0">
-                <a:solidFill>
-                  <a:srgbClr val="9E880D"/>
-                </a:solidFill>
-                <a:effectLst/>
-                <a:latin typeface="JetBrains Mono"/>
-              </a:rPr>
-              <a:t>    </a:t>
-            </a:r>
-            <a:r>
-              <a:rPr lang="en-US" dirty="0">
-                <a:solidFill>
-                  <a:srgbClr val="0033B3"/>
-                </a:solidFill>
-                <a:effectLst/>
-                <a:latin typeface="JetBrains Mono"/>
-              </a:rPr>
-              <a:t>void </a:t>
-            </a:r>
-            <a:r>
-              <a:rPr lang="en-US" dirty="0" err="1">
-                <a:solidFill>
-                  <a:srgbClr val="00627A"/>
-                </a:solidFill>
-                <a:effectLst/>
-                <a:latin typeface="JetBrains Mono"/>
-              </a:rPr>
-              <a:t>testWithMockMvc</a:t>
-            </a:r>
-            <a:r>
-              <a:rPr lang="en-US" dirty="0">
-                <a:solidFill>
-                  <a:srgbClr val="080808"/>
-                </a:solidFill>
-                <a:effectLst/>
-                <a:latin typeface="JetBrains Mono"/>
-              </a:rPr>
-              <a:t>() </a:t>
-            </a:r>
-            <a:r>
-              <a:rPr lang="en-US" dirty="0">
-                <a:solidFill>
-                  <a:srgbClr val="0033B3"/>
-                </a:solidFill>
-                <a:effectLst/>
-                <a:latin typeface="JetBrains Mono"/>
-              </a:rPr>
-              <a:t>throws </a:t>
-            </a:r>
-            <a:r>
-              <a:rPr lang="en-US" dirty="0">
-                <a:solidFill>
-                  <a:srgbClr val="000000"/>
-                </a:solidFill>
-                <a:effectLst/>
-                <a:latin typeface="JetBrains Mono"/>
-              </a:rPr>
-              <a:t>Exception </a:t>
-            </a:r>
-            <a:r>
-              <a:rPr lang="en-US" dirty="0">
-                <a:solidFill>
-                  <a:srgbClr val="080808"/>
-                </a:solidFill>
-                <a:effectLst/>
-                <a:latin typeface="JetBrains Mono"/>
-              </a:rPr>
-              <a:t>{</a:t>
-            </a:r>
-            <a:br>
-              <a:rPr lang="en-US" dirty="0">
-                <a:solidFill>
-                  <a:srgbClr val="080808"/>
-                </a:solidFill>
-                <a:effectLst/>
-                <a:latin typeface="JetBrains Mono"/>
-              </a:rPr>
-            </a:br>
-            <a:r>
-              <a:rPr lang="en-US" dirty="0">
-                <a:solidFill>
-                  <a:srgbClr val="080808"/>
-                </a:solidFill>
-                <a:effectLst/>
-                <a:latin typeface="JetBrains Mono"/>
-              </a:rPr>
-              <a:t>      </a:t>
-            </a:r>
-            <a:r>
-              <a:rPr lang="en-US" dirty="0">
-                <a:solidFill>
-                  <a:srgbClr val="0033B3"/>
-                </a:solidFill>
-                <a:effectLst/>
-                <a:latin typeface="JetBrains Mono"/>
-              </a:rPr>
-              <a:t>var </a:t>
-            </a:r>
-            <a:r>
-              <a:rPr lang="en-US" dirty="0">
-                <a:solidFill>
-                  <a:srgbClr val="000000"/>
-                </a:solidFill>
-                <a:effectLst/>
-                <a:latin typeface="JetBrains Mono"/>
-              </a:rPr>
-              <a:t>result </a:t>
-            </a:r>
-            <a:r>
-              <a:rPr lang="en-US" dirty="0">
-                <a:solidFill>
-                  <a:srgbClr val="080808"/>
-                </a:solidFill>
-                <a:effectLst/>
-                <a:latin typeface="JetBrains Mono"/>
-              </a:rPr>
-              <a:t>= </a:t>
-            </a:r>
-            <a:r>
-              <a:rPr lang="en-US" dirty="0" err="1">
-                <a:solidFill>
-                  <a:srgbClr val="871094"/>
-                </a:solidFill>
-                <a:effectLst/>
-                <a:latin typeface="JetBrains Mono"/>
-              </a:rPr>
-              <a:t>mockMvc</a:t>
-            </a:r>
-            <a:r>
-              <a:rPr lang="en-US" dirty="0" err="1">
-                <a:solidFill>
-                  <a:srgbClr val="080808"/>
-                </a:solidFill>
-                <a:effectLst/>
-                <a:latin typeface="JetBrains Mono"/>
-              </a:rPr>
-              <a:t>.perform</a:t>
-            </a:r>
-            <a:r>
-              <a:rPr lang="en-US" dirty="0">
-                <a:solidFill>
-                  <a:srgbClr val="080808"/>
-                </a:solidFill>
-                <a:effectLst/>
-                <a:latin typeface="JetBrains Mono"/>
-              </a:rPr>
-              <a:t>(</a:t>
-            </a:r>
-            <a:r>
-              <a:rPr lang="en-US" i="1" dirty="0">
-                <a:solidFill>
-                  <a:srgbClr val="080808"/>
-                </a:solidFill>
-                <a:effectLst/>
-                <a:latin typeface="JetBrains Mono"/>
-              </a:rPr>
-              <a:t>get</a:t>
-            </a:r>
-            <a:r>
-              <a:rPr lang="en-US" dirty="0">
-                <a:solidFill>
-                  <a:srgbClr val="080808"/>
-                </a:solidFill>
-                <a:effectLst/>
-                <a:latin typeface="JetBrains Mono"/>
-              </a:rPr>
-              <a:t>(</a:t>
-            </a:r>
-            <a:r>
-              <a:rPr lang="en-US" dirty="0">
-                <a:solidFill>
-                  <a:srgbClr val="067D17"/>
-                </a:solidFill>
-                <a:effectLst/>
-                <a:latin typeface="JetBrains Mono"/>
-              </a:rPr>
-              <a:t>"/hello/index"</a:t>
-            </a:r>
-            <a:r>
-              <a:rPr lang="en-US" dirty="0">
-                <a:solidFill>
-                  <a:srgbClr val="080808"/>
-                </a:solidFill>
-                <a:effectLst/>
-                <a:latin typeface="JetBrains Mono"/>
-              </a:rPr>
-              <a:t>))</a:t>
-            </a:r>
-            <a:br>
-              <a:rPr lang="en-US" dirty="0">
-                <a:solidFill>
-                  <a:srgbClr val="080808"/>
-                </a:solidFill>
-                <a:effectLst/>
-                <a:latin typeface="JetBrains Mono"/>
-              </a:rPr>
-            </a:br>
-            <a:r>
-              <a:rPr lang="en-US" dirty="0">
-                <a:solidFill>
-                  <a:srgbClr val="080808"/>
-                </a:solidFill>
-                <a:effectLst/>
-                <a:latin typeface="JetBrains Mono"/>
-              </a:rPr>
-              <a:t>        .</a:t>
-            </a:r>
-            <a:r>
-              <a:rPr lang="en-US" dirty="0" err="1">
-                <a:solidFill>
-                  <a:srgbClr val="080808"/>
-                </a:solidFill>
-                <a:effectLst/>
-                <a:latin typeface="JetBrains Mono"/>
-              </a:rPr>
-              <a:t>andExpect</a:t>
-            </a:r>
-            <a:r>
-              <a:rPr lang="en-US" dirty="0">
-                <a:solidFill>
-                  <a:srgbClr val="080808"/>
-                </a:solidFill>
-                <a:effectLst/>
-                <a:latin typeface="JetBrains Mono"/>
-              </a:rPr>
-              <a:t>(</a:t>
-            </a:r>
-            <a:r>
-              <a:rPr lang="en-US" i="1" dirty="0">
-                <a:solidFill>
-                  <a:srgbClr val="080808"/>
-                </a:solidFill>
-                <a:effectLst/>
-                <a:latin typeface="JetBrains Mono"/>
-              </a:rPr>
-              <a:t>status</a:t>
-            </a:r>
-            <a:r>
-              <a:rPr lang="en-US" dirty="0">
-                <a:solidFill>
-                  <a:srgbClr val="080808"/>
-                </a:solidFill>
-                <a:effectLst/>
-                <a:latin typeface="JetBrains Mono"/>
-              </a:rPr>
-              <a:t>().</a:t>
-            </a:r>
-            <a:r>
-              <a:rPr lang="en-US" dirty="0" err="1">
-                <a:solidFill>
-                  <a:srgbClr val="080808"/>
-                </a:solidFill>
-                <a:effectLst/>
-                <a:latin typeface="JetBrains Mono"/>
-              </a:rPr>
-              <a:t>isOk</a:t>
-            </a:r>
-            <a:r>
-              <a:rPr lang="en-US" dirty="0">
-                <a:solidFill>
-                  <a:srgbClr val="080808"/>
-                </a:solidFill>
-                <a:effectLst/>
-                <a:latin typeface="JetBrains Mono"/>
-              </a:rPr>
-              <a:t>())</a:t>
-            </a:r>
-            <a:br>
-              <a:rPr lang="en-US" dirty="0">
-                <a:solidFill>
-                  <a:srgbClr val="080808"/>
-                </a:solidFill>
-                <a:effectLst/>
-                <a:latin typeface="JetBrains Mono"/>
-              </a:rPr>
-            </a:br>
-            <a:r>
-              <a:rPr lang="en-US" dirty="0">
-                <a:solidFill>
-                  <a:srgbClr val="080808"/>
-                </a:solidFill>
-                <a:effectLst/>
-                <a:latin typeface="JetBrains Mono"/>
-              </a:rPr>
-              <a:t>        .</a:t>
-            </a:r>
-            <a:r>
-              <a:rPr lang="en-US" dirty="0" err="1">
-                <a:solidFill>
-                  <a:srgbClr val="080808"/>
-                </a:solidFill>
-                <a:effectLst/>
-                <a:latin typeface="JetBrains Mono"/>
-              </a:rPr>
-              <a:t>andReturn</a:t>
-            </a:r>
-            <a:r>
-              <a:rPr lang="en-US" dirty="0">
-                <a:solidFill>
-                  <a:srgbClr val="080808"/>
-                </a:solidFill>
-                <a:effectLst/>
-                <a:latin typeface="JetBrains Mono"/>
-              </a:rPr>
-              <a:t>()</a:t>
-            </a:r>
-            <a:br>
-              <a:rPr lang="en-US" dirty="0">
-                <a:solidFill>
-                  <a:srgbClr val="080808"/>
-                </a:solidFill>
-                <a:effectLst/>
-                <a:latin typeface="JetBrains Mono"/>
-              </a:rPr>
-            </a:br>
-            <a:r>
-              <a:rPr lang="en-US" dirty="0">
-                <a:solidFill>
-                  <a:srgbClr val="080808"/>
-                </a:solidFill>
-                <a:effectLst/>
-                <a:latin typeface="JetBrains Mono"/>
-              </a:rPr>
-              <a:t>        .</a:t>
-            </a:r>
-            <a:r>
-              <a:rPr lang="en-US" dirty="0" err="1">
-                <a:solidFill>
-                  <a:srgbClr val="080808"/>
-                </a:solidFill>
-                <a:effectLst/>
-                <a:latin typeface="JetBrains Mono"/>
-              </a:rPr>
-              <a:t>getResponse</a:t>
-            </a:r>
-            <a:r>
-              <a:rPr lang="en-US" dirty="0">
-                <a:solidFill>
-                  <a:srgbClr val="080808"/>
-                </a:solidFill>
-                <a:effectLst/>
-                <a:latin typeface="JetBrains Mono"/>
-              </a:rPr>
-              <a:t>()</a:t>
-            </a:r>
-            <a:br>
-              <a:rPr lang="en-US" dirty="0">
-                <a:solidFill>
-                  <a:srgbClr val="080808"/>
-                </a:solidFill>
-                <a:effectLst/>
-                <a:latin typeface="JetBrains Mono"/>
-              </a:rPr>
-            </a:br>
-            <a:r>
-              <a:rPr lang="en-US" dirty="0">
-                <a:solidFill>
-                  <a:srgbClr val="080808"/>
-                </a:solidFill>
-                <a:effectLst/>
-                <a:latin typeface="JetBrains Mono"/>
-              </a:rPr>
-              <a:t>        .</a:t>
-            </a:r>
-            <a:r>
-              <a:rPr lang="en-US" dirty="0" err="1">
-                <a:solidFill>
-                  <a:srgbClr val="080808"/>
-                </a:solidFill>
-                <a:effectLst/>
-                <a:latin typeface="JetBrains Mono"/>
-              </a:rPr>
-              <a:t>getContentAsString</a:t>
-            </a:r>
-            <a:r>
-              <a:rPr lang="en-US" dirty="0">
-                <a:solidFill>
-                  <a:srgbClr val="080808"/>
-                </a:solidFill>
-                <a:effectLst/>
-                <a:latin typeface="JetBrains Mono"/>
-              </a:rPr>
-              <a:t>();</a:t>
-            </a:r>
-            <a:br>
-              <a:rPr lang="en-US" dirty="0">
-                <a:solidFill>
-                  <a:srgbClr val="080808"/>
-                </a:solidFill>
-                <a:effectLst/>
-                <a:latin typeface="JetBrains Mono"/>
-              </a:rPr>
-            </a:br>
-            <a:br>
-              <a:rPr lang="en-US" dirty="0">
-                <a:solidFill>
-                  <a:srgbClr val="080808"/>
-                </a:solidFill>
-                <a:effectLst/>
-                <a:latin typeface="JetBrains Mono"/>
-              </a:rPr>
-            </a:br>
-            <a:r>
-              <a:rPr lang="en-US" dirty="0">
-                <a:solidFill>
-                  <a:srgbClr val="080808"/>
-                </a:solidFill>
-                <a:effectLst/>
-                <a:latin typeface="JetBrains Mono"/>
-              </a:rPr>
-              <a:t>     </a:t>
-            </a:r>
-            <a:r>
-              <a:rPr lang="en-US" i="1" dirty="0" err="1">
-                <a:solidFill>
-                  <a:srgbClr val="080808"/>
-                </a:solidFill>
-                <a:effectLst/>
-                <a:latin typeface="JetBrains Mono"/>
-              </a:rPr>
-              <a:t>assertThat</a:t>
-            </a:r>
-            <a:r>
-              <a:rPr lang="en-US" dirty="0">
-                <a:solidFill>
-                  <a:srgbClr val="080808"/>
-                </a:solidFill>
-                <a:effectLst/>
-                <a:latin typeface="JetBrains Mono"/>
-              </a:rPr>
-              <a:t>(</a:t>
-            </a:r>
-            <a:r>
-              <a:rPr lang="en-US" dirty="0">
-                <a:solidFill>
-                  <a:srgbClr val="000000"/>
-                </a:solidFill>
-                <a:effectLst/>
-                <a:latin typeface="JetBrains Mono"/>
-              </a:rPr>
-              <a:t>result</a:t>
-            </a:r>
-            <a:r>
-              <a:rPr lang="en-US" dirty="0">
-                <a:solidFill>
-                  <a:srgbClr val="080808"/>
-                </a:solidFill>
-                <a:effectLst/>
-                <a:latin typeface="JetBrains Mono"/>
-              </a:rPr>
-              <a:t>, </a:t>
-            </a:r>
-            <a:r>
-              <a:rPr lang="en-US" i="1" dirty="0">
-                <a:solidFill>
-                  <a:srgbClr val="080808"/>
-                </a:solidFill>
-                <a:effectLst/>
-                <a:latin typeface="JetBrains Mono"/>
-              </a:rPr>
-              <a:t>is</a:t>
-            </a:r>
-            <a:r>
-              <a:rPr lang="en-US" dirty="0">
-                <a:solidFill>
-                  <a:srgbClr val="080808"/>
-                </a:solidFill>
-                <a:effectLst/>
-                <a:latin typeface="JetBrains Mono"/>
-              </a:rPr>
-              <a:t>(</a:t>
-            </a:r>
-            <a:r>
-              <a:rPr lang="en-US" i="1" dirty="0" err="1">
-                <a:solidFill>
-                  <a:srgbClr val="080808"/>
-                </a:solidFill>
-                <a:effectLst/>
-                <a:latin typeface="JetBrains Mono"/>
-              </a:rPr>
-              <a:t>equalTo</a:t>
-            </a:r>
-            <a:r>
-              <a:rPr lang="en-US" dirty="0">
-                <a:solidFill>
-                  <a:srgbClr val="080808"/>
-                </a:solidFill>
-                <a:effectLst/>
-                <a:latin typeface="JetBrains Mono"/>
-              </a:rPr>
-              <a:t>(</a:t>
-            </a:r>
-            <a:r>
-              <a:rPr lang="en-US" dirty="0">
-                <a:solidFill>
-                  <a:srgbClr val="067D17"/>
-                </a:solidFill>
-                <a:effectLst/>
-                <a:latin typeface="JetBrains Mono"/>
-              </a:rPr>
-              <a:t>"Hello, world"</a:t>
-            </a:r>
-            <a:r>
-              <a:rPr lang="en-US" dirty="0">
-                <a:solidFill>
-                  <a:srgbClr val="080808"/>
-                </a:solidFill>
-                <a:effectLst/>
-                <a:latin typeface="JetBrains Mono"/>
-              </a:rPr>
-              <a:t>)));</a:t>
-            </a:r>
-          </a:p>
-          <a:p>
-            <a:pPr marL="0" indent="0">
-              <a:spcBef>
-                <a:spcPts val="0"/>
-              </a:spcBef>
-              <a:buNone/>
-            </a:pPr>
-            <a:br>
-              <a:rPr lang="en-US" dirty="0">
-                <a:solidFill>
-                  <a:srgbClr val="080808"/>
-                </a:solidFill>
-                <a:effectLst/>
-                <a:latin typeface="JetBrains Mono"/>
-              </a:rPr>
-            </a:br>
-            <a:r>
-              <a:rPr lang="en-US" dirty="0">
-                <a:solidFill>
-                  <a:srgbClr val="080808"/>
-                </a:solidFill>
-                <a:effectLst/>
-                <a:latin typeface="JetBrains Mono"/>
-              </a:rPr>
-              <a:t>    }</a:t>
-            </a:r>
-            <a:br>
-              <a:rPr lang="en-US" dirty="0">
-                <a:solidFill>
-                  <a:srgbClr val="080808"/>
-                </a:solidFill>
-                <a:effectLst/>
-                <a:latin typeface="JetBrains Mono"/>
-              </a:rPr>
-            </a:br>
-            <a:r>
-              <a:rPr lang="en-US" dirty="0">
-                <a:solidFill>
-                  <a:srgbClr val="080808"/>
-                </a:solidFill>
-                <a:effectLst/>
-                <a:latin typeface="JetBrains Mono"/>
-              </a:rPr>
-              <a:t>}</a:t>
-            </a:r>
-          </a:p>
-        </p:txBody>
-      </p:sp>
-      <p:sp>
-        <p:nvSpPr>
-          <p:cNvPr id="7" name="TextBox 6">
-            <a:extLst>
-              <a:ext uri="{FF2B5EF4-FFF2-40B4-BE49-F238E27FC236}">
-                <a16:creationId xmlns:a16="http://schemas.microsoft.com/office/drawing/2014/main" id="{EB3FAB8B-3153-F694-14D4-C1BE519A29B2}"/>
-              </a:ext>
-            </a:extLst>
-          </p:cNvPr>
-          <p:cNvSpPr txBox="1"/>
-          <p:nvPr/>
-        </p:nvSpPr>
-        <p:spPr>
-          <a:xfrm>
-            <a:off x="5991306" y="4199835"/>
-            <a:ext cx="3081528" cy="1169551"/>
-          </a:xfrm>
-          <a:prstGeom prst="rect">
-            <a:avLst/>
-          </a:prstGeom>
-          <a:solidFill>
-            <a:schemeClr val="accent1">
-              <a:lumMod val="20000"/>
-              <a:lumOff val="80000"/>
-            </a:schemeClr>
-          </a:solidFill>
-          <a:ln w="6350">
-            <a:solidFill>
-              <a:schemeClr val="accent1"/>
-            </a:solidFill>
-          </a:ln>
-        </p:spPr>
-        <p:txBody>
-          <a:bodyPr wrap="square" rtlCol="0">
-            <a:spAutoFit/>
-          </a:bodyPr>
-          <a:lstStyle/>
-          <a:p>
-            <a:r>
-              <a:rPr lang="en-IL" sz="1400" i="1" dirty="0"/>
-              <a:t>In this test </a:t>
-            </a:r>
-            <a:r>
-              <a:rPr lang="en-IL" sz="1400" b="1" i="1" dirty="0">
-                <a:solidFill>
-                  <a:srgbClr val="00B0F0"/>
-                </a:solidFill>
-              </a:rPr>
-              <a:t>mockMvc</a:t>
-            </a:r>
-            <a:r>
-              <a:rPr lang="en-IL" sz="1400" i="1" dirty="0"/>
-              <a:t> calls endPoint (“/hello/index”), implemented in the tested application, and verifies that it returns HTTP 200 OK and body “Hello World”. </a:t>
-            </a:r>
-          </a:p>
-        </p:txBody>
-      </p:sp>
-      <p:sp>
-        <p:nvSpPr>
-          <p:cNvPr id="8" name="TextBox 7">
-            <a:extLst>
-              <a:ext uri="{FF2B5EF4-FFF2-40B4-BE49-F238E27FC236}">
-                <a16:creationId xmlns:a16="http://schemas.microsoft.com/office/drawing/2014/main" id="{760AA868-9532-D9EE-2774-198CFB55336F}"/>
-              </a:ext>
-            </a:extLst>
-          </p:cNvPr>
-          <p:cNvSpPr txBox="1"/>
-          <p:nvPr/>
-        </p:nvSpPr>
-        <p:spPr>
-          <a:xfrm>
-            <a:off x="5991306" y="2923251"/>
-            <a:ext cx="3282696" cy="738664"/>
-          </a:xfrm>
-          <a:prstGeom prst="rect">
-            <a:avLst/>
-          </a:prstGeom>
-          <a:solidFill>
-            <a:schemeClr val="accent1">
-              <a:lumMod val="20000"/>
-              <a:lumOff val="80000"/>
-            </a:schemeClr>
-          </a:solidFill>
-          <a:ln>
-            <a:solidFill>
-              <a:schemeClr val="accent1"/>
-            </a:solidFill>
-          </a:ln>
-        </p:spPr>
-        <p:txBody>
-          <a:bodyPr wrap="square" rtlCol="0">
-            <a:spAutoFit/>
-          </a:bodyPr>
-          <a:lstStyle/>
-          <a:p>
-            <a:r>
-              <a:rPr lang="en-IL" sz="1400" dirty="0"/>
-              <a:t>Use annotation </a:t>
-            </a:r>
-            <a:r>
-              <a:rPr lang="en-US" sz="1400" b="1" dirty="0">
-                <a:solidFill>
-                  <a:srgbClr val="9E880D"/>
-                </a:solidFill>
-                <a:effectLst/>
-                <a:latin typeface="JetBrains Mono"/>
-              </a:rPr>
-              <a:t>@</a:t>
-            </a:r>
-            <a:r>
-              <a:rPr lang="en-US" sz="1400" b="1" dirty="0" err="1">
-                <a:solidFill>
-                  <a:srgbClr val="9E880D"/>
-                </a:solidFill>
-                <a:effectLst/>
-                <a:latin typeface="JetBrains Mono"/>
-              </a:rPr>
-              <a:t>AutoConfigureMockMvc</a:t>
-            </a:r>
-            <a:r>
-              <a:rPr lang="en-US" sz="1400" b="1" dirty="0">
-                <a:solidFill>
-                  <a:srgbClr val="9E880D"/>
-                </a:solidFill>
-                <a:effectLst/>
-                <a:latin typeface="JetBrains Mono"/>
-              </a:rPr>
-              <a:t> </a:t>
-            </a:r>
-            <a:r>
-              <a:rPr lang="en-US" sz="1400" dirty="0"/>
-              <a:t>for operations with </a:t>
-            </a:r>
-            <a:r>
-              <a:rPr lang="en-US" sz="1400" b="1" dirty="0" err="1">
-                <a:solidFill>
-                  <a:srgbClr val="00B0F0"/>
-                </a:solidFill>
-              </a:rPr>
-              <a:t>MockMvc</a:t>
-            </a:r>
-            <a:r>
-              <a:rPr lang="en-IL" sz="1400" dirty="0"/>
-              <a:t> </a:t>
-            </a:r>
-          </a:p>
-        </p:txBody>
-      </p:sp>
-    </p:spTree>
-    <p:extLst>
-      <p:ext uri="{BB962C8B-B14F-4D97-AF65-F5344CB8AC3E}">
-        <p14:creationId xmlns:p14="http://schemas.microsoft.com/office/powerpoint/2010/main" val="3183854287"/>
-      </p:ext>
-    </p:extLst>
-  </p:cSld>
-  <p:clrMapOvr>
-    <a:masterClrMapping/>
-  </p:clrMapOvr>
-</p:sld>
-</file>
-
-<file path=ppt/slides/slide40.xml><?xml version="1.0" encoding="utf-8"?>
+<file path=ppt/slides/slide37.xml><?xml version="1.0" encoding="utf-8"?>
 <p:sld xmlns:a="http://schemas.openxmlformats.org/drawingml/2006/main" xmlns:r="http://schemas.openxmlformats.org/officeDocument/2006/relationships" xmlns:p="http://schemas.openxmlformats.org/presentationml/2006/main">
   <p:cSld>
     <p:spTree>
@@ -27593,7 +25237,7 @@
 </p:sld>
 </file>
 
-<file path=ppt/slides/slide41.xml><?xml version="1.0" encoding="utf-8"?>
+<file path=ppt/slides/slide38.xml><?xml version="1.0" encoding="utf-8"?>
 <p:sld xmlns:a="http://schemas.openxmlformats.org/drawingml/2006/main" xmlns:r="http://schemas.openxmlformats.org/officeDocument/2006/relationships" xmlns:p="http://schemas.openxmlformats.org/presentationml/2006/main">
   <p:cSld>
     <p:spTree>
@@ -28310,6 +25954,1143 @@
     <p:extLst>
       <p:ext uri="{BB962C8B-B14F-4D97-AF65-F5344CB8AC3E}">
         <p14:creationId xmlns:p14="http://schemas.microsoft.com/office/powerpoint/2010/main" val="2539477927"/>
+      </p:ext>
+    </p:extLst>
+  </p:cSld>
+  <p:clrMapOvr>
+    <a:masterClrMapping/>
+  </p:clrMapOvr>
+</p:sld>
+</file>
+
+<file path=ppt/slides/slide4.xml><?xml version="1.0" encoding="utf-8"?>
+<p:sld xmlns:a="http://schemas.openxmlformats.org/drawingml/2006/main" xmlns:r="http://schemas.openxmlformats.org/officeDocument/2006/relationships" xmlns:p="http://schemas.openxmlformats.org/presentationml/2006/main">
+  <p:cSld>
+    <p:spTree>
+      <p:nvGrpSpPr>
+        <p:cNvPr id="1" name=""/>
+        <p:cNvGrpSpPr/>
+        <p:nvPr/>
+      </p:nvGrpSpPr>
+      <p:grpSpPr>
+        <a:xfrm>
+          <a:off x="0" y="0"/>
+          <a:ext cx="0" cy="0"/>
+          <a:chOff x="0" y="0"/>
+          <a:chExt cx="0" cy="0"/>
+        </a:xfrm>
+      </p:grpSpPr>
+      <p:sp>
+        <p:nvSpPr>
+          <p:cNvPr id="2" name="Title 1">
+            <a:extLst>
+              <a:ext uri="{FF2B5EF4-FFF2-40B4-BE49-F238E27FC236}">
+                <a16:creationId xmlns:a16="http://schemas.microsoft.com/office/drawing/2014/main" id="{1A56CFF7-4C9B-CC4B-6518-695E5341FC2E}"/>
+              </a:ext>
+            </a:extLst>
+          </p:cNvPr>
+          <p:cNvSpPr>
+            <a:spLocks noGrp="1"/>
+          </p:cNvSpPr>
+          <p:nvPr>
+            <p:ph type="title"/>
+          </p:nvPr>
+        </p:nvSpPr>
+        <p:spPr/>
+        <p:txBody>
+          <a:bodyPr/>
+          <a:lstStyle/>
+          <a:p>
+            <a:r>
+              <a:rPr lang="en-US" dirty="0"/>
+              <a:t>Testing With a Mock Environment</a:t>
+            </a:r>
+            <a:endParaRPr lang="en-IL" dirty="0"/>
+          </a:p>
+        </p:txBody>
+      </p:sp>
+      <p:sp>
+        <p:nvSpPr>
+          <p:cNvPr id="3" name="Content Placeholder 2">
+            <a:extLst>
+              <a:ext uri="{FF2B5EF4-FFF2-40B4-BE49-F238E27FC236}">
+                <a16:creationId xmlns:a16="http://schemas.microsoft.com/office/drawing/2014/main" id="{AFA351A3-0C03-3ECE-D689-6C09ACD1C0CA}"/>
+              </a:ext>
+            </a:extLst>
+          </p:cNvPr>
+          <p:cNvSpPr>
+            <a:spLocks noGrp="1"/>
+          </p:cNvSpPr>
+          <p:nvPr>
+            <p:ph sz="half" idx="1"/>
+          </p:nvPr>
+        </p:nvSpPr>
+        <p:spPr>
+          <a:xfrm>
+            <a:off x="677334" y="1488614"/>
+            <a:ext cx="8859858" cy="1199722"/>
+          </a:xfrm>
+        </p:spPr>
+        <p:txBody>
+          <a:bodyPr>
+            <a:normAutofit fontScale="77500" lnSpcReduction="20000"/>
+          </a:bodyPr>
+          <a:lstStyle/>
+          <a:p>
+            <a:r>
+              <a:rPr lang="en-US" sz="2100" dirty="0"/>
+              <a:t>By default, </a:t>
+            </a:r>
+            <a:r>
+              <a:rPr lang="en-US" sz="2100" dirty="0">
+                <a:solidFill>
+                  <a:srgbClr val="92D050"/>
+                </a:solidFill>
+              </a:rPr>
+              <a:t>@</a:t>
+            </a:r>
+            <a:r>
+              <a:rPr lang="en-US" sz="2100" dirty="0" err="1">
+                <a:solidFill>
+                  <a:srgbClr val="92D050"/>
+                </a:solidFill>
+              </a:rPr>
+              <a:t>SpringBootTest</a:t>
+            </a:r>
+            <a:r>
+              <a:rPr lang="en-US" sz="2100" dirty="0">
+                <a:solidFill>
+                  <a:srgbClr val="92D050"/>
+                </a:solidFill>
+              </a:rPr>
+              <a:t> </a:t>
+            </a:r>
+            <a:r>
+              <a:rPr lang="en-US" sz="2100" dirty="0"/>
+              <a:t>does not start the server but instead sets up a mock environment for testing web endpoints.</a:t>
+            </a:r>
+          </a:p>
+          <a:p>
+            <a:r>
+              <a:rPr lang="en-US" sz="2100" dirty="0"/>
+              <a:t>With Spring, we can query our web endpoints using class </a:t>
+            </a:r>
+            <a:r>
+              <a:rPr lang="en-US" sz="2100" dirty="0" err="1">
+                <a:solidFill>
+                  <a:srgbClr val="00B0F0"/>
+                </a:solidFill>
+              </a:rPr>
+              <a:t>MockMvc</a:t>
+            </a:r>
+            <a:r>
+              <a:rPr lang="en-US" sz="2100" dirty="0"/>
+              <a:t>, as shown in the following example:</a:t>
+            </a:r>
+          </a:p>
+          <a:p>
+            <a:endParaRPr lang="en-IL" dirty="0"/>
+          </a:p>
+        </p:txBody>
+      </p:sp>
+      <p:sp>
+        <p:nvSpPr>
+          <p:cNvPr id="4" name="Content Placeholder 3">
+            <a:extLst>
+              <a:ext uri="{FF2B5EF4-FFF2-40B4-BE49-F238E27FC236}">
+                <a16:creationId xmlns:a16="http://schemas.microsoft.com/office/drawing/2014/main" id="{036C3B75-FE70-9F98-9C36-99C14FEB460D}"/>
+              </a:ext>
+            </a:extLst>
+          </p:cNvPr>
+          <p:cNvSpPr>
+            <a:spLocks noGrp="1"/>
+          </p:cNvSpPr>
+          <p:nvPr>
+            <p:ph sz="half" idx="2"/>
+          </p:nvPr>
+        </p:nvSpPr>
+        <p:spPr>
+          <a:xfrm>
+            <a:off x="884583" y="2688336"/>
+            <a:ext cx="4222680" cy="3560064"/>
+          </a:xfrm>
+          <a:noFill/>
+        </p:spPr>
+        <p:txBody>
+          <a:bodyPr>
+            <a:normAutofit fontScale="77500" lnSpcReduction="20000"/>
+          </a:bodyPr>
+          <a:lstStyle/>
+          <a:p>
+            <a:pPr marL="0" indent="0">
+              <a:buNone/>
+            </a:pPr>
+            <a:r>
+              <a:rPr lang="en-US" b="1" dirty="0">
+                <a:solidFill>
+                  <a:srgbClr val="9E880D"/>
+                </a:solidFill>
+                <a:effectLst/>
+                <a:latin typeface="JetBrains Mono"/>
+              </a:rPr>
+              <a:t>@</a:t>
+            </a:r>
+            <a:r>
+              <a:rPr lang="en-US" b="1" dirty="0" err="1">
+                <a:solidFill>
+                  <a:srgbClr val="9E880D"/>
+                </a:solidFill>
+                <a:effectLst/>
+                <a:latin typeface="JetBrains Mono"/>
+              </a:rPr>
+              <a:t>AutoConfigureMockMvc</a:t>
+            </a:r>
+            <a:br>
+              <a:rPr lang="en-US" b="1" dirty="0">
+                <a:solidFill>
+                  <a:srgbClr val="9E880D"/>
+                </a:solidFill>
+                <a:effectLst/>
+                <a:latin typeface="JetBrains Mono"/>
+              </a:rPr>
+            </a:br>
+            <a:r>
+              <a:rPr lang="en-US" b="1" dirty="0">
+                <a:solidFill>
+                  <a:srgbClr val="9E880D"/>
+                </a:solidFill>
+                <a:effectLst/>
+                <a:latin typeface="JetBrains Mono"/>
+              </a:rPr>
+              <a:t>@</a:t>
+            </a:r>
+            <a:r>
+              <a:rPr lang="en-US" b="1" dirty="0" err="1">
+                <a:solidFill>
+                  <a:srgbClr val="9E880D"/>
+                </a:solidFill>
+                <a:effectLst/>
+                <a:latin typeface="JetBrains Mono"/>
+              </a:rPr>
+              <a:t>SpringBootTest</a:t>
+            </a:r>
+            <a:br>
+              <a:rPr lang="en-US" dirty="0">
+                <a:solidFill>
+                  <a:srgbClr val="9E880D"/>
+                </a:solidFill>
+                <a:effectLst/>
+                <a:latin typeface="JetBrains Mono"/>
+              </a:rPr>
+            </a:br>
+            <a:r>
+              <a:rPr lang="en-US" dirty="0">
+                <a:solidFill>
+                  <a:srgbClr val="0033B3"/>
+                </a:solidFill>
+                <a:effectLst/>
+                <a:latin typeface="JetBrains Mono"/>
+              </a:rPr>
+              <a:t>class </a:t>
+            </a:r>
+            <a:r>
+              <a:rPr lang="en-US" dirty="0" err="1">
+                <a:solidFill>
+                  <a:srgbClr val="000000"/>
+                </a:solidFill>
+                <a:effectLst/>
+                <a:latin typeface="JetBrains Mono"/>
+              </a:rPr>
+              <a:t>SpringMicroserviceDemoApplicationTests</a:t>
+            </a:r>
+            <a:r>
+              <a:rPr lang="en-US" dirty="0">
+                <a:solidFill>
+                  <a:srgbClr val="000000"/>
+                </a:solidFill>
+                <a:effectLst/>
+                <a:latin typeface="JetBrains Mono"/>
+              </a:rPr>
+              <a:t> </a:t>
+            </a:r>
+            <a:r>
+              <a:rPr lang="en-US" dirty="0">
+                <a:solidFill>
+                  <a:srgbClr val="080808"/>
+                </a:solidFill>
+                <a:effectLst/>
+                <a:latin typeface="JetBrains Mono"/>
+              </a:rPr>
+              <a:t>{</a:t>
+            </a:r>
+            <a:br>
+              <a:rPr lang="en-US" dirty="0">
+                <a:solidFill>
+                  <a:srgbClr val="080808"/>
+                </a:solidFill>
+                <a:effectLst/>
+                <a:latin typeface="JetBrains Mono"/>
+              </a:rPr>
+            </a:br>
+            <a:br>
+              <a:rPr lang="en-US" dirty="0">
+                <a:solidFill>
+                  <a:srgbClr val="080808"/>
+                </a:solidFill>
+                <a:effectLst/>
+                <a:latin typeface="JetBrains Mono"/>
+              </a:rPr>
+            </a:br>
+            <a:r>
+              <a:rPr lang="en-US" dirty="0">
+                <a:solidFill>
+                  <a:srgbClr val="080808"/>
+                </a:solidFill>
+                <a:effectLst/>
+                <a:latin typeface="JetBrains Mono"/>
+              </a:rPr>
+              <a:t>    </a:t>
+            </a:r>
+            <a:r>
+              <a:rPr lang="en-US" dirty="0">
+                <a:solidFill>
+                  <a:srgbClr val="9E880D"/>
+                </a:solidFill>
+                <a:effectLst/>
+                <a:latin typeface="JetBrains Mono"/>
+              </a:rPr>
+              <a:t>@</a:t>
+            </a:r>
+            <a:r>
+              <a:rPr lang="en-US" dirty="0" err="1">
+                <a:solidFill>
+                  <a:srgbClr val="9E880D"/>
+                </a:solidFill>
+                <a:effectLst/>
+                <a:latin typeface="JetBrains Mono"/>
+              </a:rPr>
+              <a:t>Autowired</a:t>
+            </a:r>
+            <a:br>
+              <a:rPr lang="en-US" dirty="0">
+                <a:solidFill>
+                  <a:srgbClr val="9E880D"/>
+                </a:solidFill>
+                <a:effectLst/>
+                <a:latin typeface="JetBrains Mono"/>
+              </a:rPr>
+            </a:br>
+            <a:r>
+              <a:rPr lang="en-US" dirty="0">
+                <a:solidFill>
+                  <a:srgbClr val="9E880D"/>
+                </a:solidFill>
+                <a:effectLst/>
+                <a:latin typeface="JetBrains Mono"/>
+              </a:rPr>
+              <a:t>    </a:t>
+            </a:r>
+            <a:r>
+              <a:rPr lang="en-US" b="1" dirty="0" err="1">
+                <a:solidFill>
+                  <a:srgbClr val="000000"/>
+                </a:solidFill>
+                <a:effectLst/>
+                <a:latin typeface="JetBrains Mono"/>
+              </a:rPr>
+              <a:t>MockMvc</a:t>
+            </a:r>
+            <a:r>
+              <a:rPr lang="en-US" b="1" dirty="0">
+                <a:solidFill>
+                  <a:srgbClr val="000000"/>
+                </a:solidFill>
+                <a:effectLst/>
+                <a:latin typeface="JetBrains Mono"/>
+              </a:rPr>
+              <a:t> </a:t>
+            </a:r>
+            <a:r>
+              <a:rPr lang="en-US" b="1" dirty="0" err="1">
+                <a:solidFill>
+                  <a:srgbClr val="871094"/>
+                </a:solidFill>
+                <a:effectLst/>
+                <a:latin typeface="JetBrains Mono"/>
+              </a:rPr>
+              <a:t>mockMvc</a:t>
+            </a:r>
+            <a:r>
+              <a:rPr lang="en-US" b="1" dirty="0">
+                <a:solidFill>
+                  <a:srgbClr val="080808"/>
+                </a:solidFill>
+                <a:effectLst/>
+                <a:latin typeface="JetBrains Mono"/>
+              </a:rPr>
+              <a:t>;</a:t>
+            </a:r>
+            <a:br>
+              <a:rPr lang="en-US" dirty="0">
+                <a:solidFill>
+                  <a:srgbClr val="080808"/>
+                </a:solidFill>
+                <a:effectLst/>
+                <a:latin typeface="JetBrains Mono"/>
+              </a:rPr>
+            </a:br>
+            <a:br>
+              <a:rPr lang="en-US" dirty="0">
+                <a:solidFill>
+                  <a:srgbClr val="080808"/>
+                </a:solidFill>
+                <a:effectLst/>
+                <a:latin typeface="JetBrains Mono"/>
+              </a:rPr>
+            </a:br>
+            <a:r>
+              <a:rPr lang="en-US" dirty="0">
+                <a:solidFill>
+                  <a:srgbClr val="080808"/>
+                </a:solidFill>
+                <a:effectLst/>
+                <a:latin typeface="JetBrains Mono"/>
+              </a:rPr>
+              <a:t>   </a:t>
+            </a:r>
+            <a:r>
+              <a:rPr lang="en-US" dirty="0">
+                <a:solidFill>
+                  <a:srgbClr val="9E880D"/>
+                </a:solidFill>
+                <a:effectLst/>
+                <a:latin typeface="JetBrains Mono"/>
+              </a:rPr>
+              <a:t>@Test</a:t>
+            </a:r>
+            <a:br>
+              <a:rPr lang="en-US" dirty="0">
+                <a:solidFill>
+                  <a:srgbClr val="9E880D"/>
+                </a:solidFill>
+                <a:effectLst/>
+                <a:latin typeface="JetBrains Mono"/>
+              </a:rPr>
+            </a:br>
+            <a:r>
+              <a:rPr lang="en-US" dirty="0">
+                <a:solidFill>
+                  <a:srgbClr val="9E880D"/>
+                </a:solidFill>
+                <a:effectLst/>
+                <a:latin typeface="JetBrains Mono"/>
+              </a:rPr>
+              <a:t>    </a:t>
+            </a:r>
+            <a:r>
+              <a:rPr lang="en-US" dirty="0">
+                <a:solidFill>
+                  <a:srgbClr val="0033B3"/>
+                </a:solidFill>
+                <a:effectLst/>
+                <a:latin typeface="JetBrains Mono"/>
+              </a:rPr>
+              <a:t>void </a:t>
+            </a:r>
+            <a:r>
+              <a:rPr lang="en-US" dirty="0" err="1">
+                <a:solidFill>
+                  <a:srgbClr val="00627A"/>
+                </a:solidFill>
+                <a:effectLst/>
+                <a:latin typeface="JetBrains Mono"/>
+              </a:rPr>
+              <a:t>testWithMockMvc</a:t>
+            </a:r>
+            <a:r>
+              <a:rPr lang="en-US" dirty="0">
+                <a:solidFill>
+                  <a:srgbClr val="080808"/>
+                </a:solidFill>
+                <a:effectLst/>
+                <a:latin typeface="JetBrains Mono"/>
+              </a:rPr>
+              <a:t>() </a:t>
+            </a:r>
+            <a:r>
+              <a:rPr lang="en-US" dirty="0">
+                <a:solidFill>
+                  <a:srgbClr val="0033B3"/>
+                </a:solidFill>
+                <a:effectLst/>
+                <a:latin typeface="JetBrains Mono"/>
+              </a:rPr>
+              <a:t>throws </a:t>
+            </a:r>
+            <a:r>
+              <a:rPr lang="en-US" dirty="0">
+                <a:solidFill>
+                  <a:srgbClr val="000000"/>
+                </a:solidFill>
+                <a:effectLst/>
+                <a:latin typeface="JetBrains Mono"/>
+              </a:rPr>
+              <a:t>Exception </a:t>
+            </a:r>
+            <a:r>
+              <a:rPr lang="en-US" dirty="0">
+                <a:solidFill>
+                  <a:srgbClr val="080808"/>
+                </a:solidFill>
+                <a:effectLst/>
+                <a:latin typeface="JetBrains Mono"/>
+              </a:rPr>
+              <a:t>{</a:t>
+            </a:r>
+            <a:br>
+              <a:rPr lang="en-US" dirty="0">
+                <a:solidFill>
+                  <a:srgbClr val="080808"/>
+                </a:solidFill>
+                <a:effectLst/>
+                <a:latin typeface="JetBrains Mono"/>
+              </a:rPr>
+            </a:br>
+            <a:r>
+              <a:rPr lang="en-US" dirty="0">
+                <a:solidFill>
+                  <a:srgbClr val="080808"/>
+                </a:solidFill>
+                <a:effectLst/>
+                <a:latin typeface="JetBrains Mono"/>
+              </a:rPr>
+              <a:t>      </a:t>
+            </a:r>
+            <a:r>
+              <a:rPr lang="en-US" dirty="0">
+                <a:solidFill>
+                  <a:srgbClr val="0033B3"/>
+                </a:solidFill>
+                <a:effectLst/>
+                <a:latin typeface="JetBrains Mono"/>
+              </a:rPr>
+              <a:t>var </a:t>
+            </a:r>
+            <a:r>
+              <a:rPr lang="en-US" dirty="0">
+                <a:solidFill>
+                  <a:srgbClr val="000000"/>
+                </a:solidFill>
+                <a:effectLst/>
+                <a:latin typeface="JetBrains Mono"/>
+              </a:rPr>
+              <a:t>result </a:t>
+            </a:r>
+            <a:r>
+              <a:rPr lang="en-US" dirty="0">
+                <a:solidFill>
+                  <a:srgbClr val="080808"/>
+                </a:solidFill>
+                <a:effectLst/>
+                <a:latin typeface="JetBrains Mono"/>
+              </a:rPr>
+              <a:t>= </a:t>
+            </a:r>
+            <a:r>
+              <a:rPr lang="en-US" dirty="0" err="1">
+                <a:solidFill>
+                  <a:srgbClr val="871094"/>
+                </a:solidFill>
+                <a:effectLst/>
+                <a:latin typeface="JetBrains Mono"/>
+              </a:rPr>
+              <a:t>mockMvc</a:t>
+            </a:r>
+            <a:r>
+              <a:rPr lang="en-US" dirty="0" err="1">
+                <a:solidFill>
+                  <a:srgbClr val="080808"/>
+                </a:solidFill>
+                <a:effectLst/>
+                <a:latin typeface="JetBrains Mono"/>
+              </a:rPr>
+              <a:t>.perform</a:t>
+            </a:r>
+            <a:r>
+              <a:rPr lang="en-US" dirty="0">
+                <a:solidFill>
+                  <a:srgbClr val="080808"/>
+                </a:solidFill>
+                <a:effectLst/>
+                <a:latin typeface="JetBrains Mono"/>
+              </a:rPr>
+              <a:t>(</a:t>
+            </a:r>
+            <a:r>
+              <a:rPr lang="en-US" i="1" dirty="0">
+                <a:solidFill>
+                  <a:srgbClr val="080808"/>
+                </a:solidFill>
+                <a:effectLst/>
+                <a:latin typeface="JetBrains Mono"/>
+              </a:rPr>
+              <a:t>get</a:t>
+            </a:r>
+            <a:r>
+              <a:rPr lang="en-US" dirty="0">
+                <a:solidFill>
+                  <a:srgbClr val="080808"/>
+                </a:solidFill>
+                <a:effectLst/>
+                <a:latin typeface="JetBrains Mono"/>
+              </a:rPr>
+              <a:t>(</a:t>
+            </a:r>
+            <a:r>
+              <a:rPr lang="en-US" dirty="0">
+                <a:solidFill>
+                  <a:srgbClr val="067D17"/>
+                </a:solidFill>
+                <a:effectLst/>
+                <a:latin typeface="JetBrains Mono"/>
+              </a:rPr>
+              <a:t>"/hello/index"</a:t>
+            </a:r>
+            <a:r>
+              <a:rPr lang="en-US" dirty="0">
+                <a:solidFill>
+                  <a:srgbClr val="080808"/>
+                </a:solidFill>
+                <a:effectLst/>
+                <a:latin typeface="JetBrains Mono"/>
+              </a:rPr>
+              <a:t>))</a:t>
+            </a:r>
+            <a:br>
+              <a:rPr lang="en-US" dirty="0">
+                <a:solidFill>
+                  <a:srgbClr val="080808"/>
+                </a:solidFill>
+                <a:effectLst/>
+                <a:latin typeface="JetBrains Mono"/>
+              </a:rPr>
+            </a:br>
+            <a:r>
+              <a:rPr lang="en-US" dirty="0">
+                <a:solidFill>
+                  <a:srgbClr val="080808"/>
+                </a:solidFill>
+                <a:effectLst/>
+                <a:latin typeface="JetBrains Mono"/>
+              </a:rPr>
+              <a:t>        .</a:t>
+            </a:r>
+            <a:r>
+              <a:rPr lang="en-US" dirty="0" err="1">
+                <a:solidFill>
+                  <a:srgbClr val="080808"/>
+                </a:solidFill>
+                <a:effectLst/>
+                <a:latin typeface="JetBrains Mono"/>
+              </a:rPr>
+              <a:t>andExpect</a:t>
+            </a:r>
+            <a:r>
+              <a:rPr lang="en-US" dirty="0">
+                <a:solidFill>
+                  <a:srgbClr val="080808"/>
+                </a:solidFill>
+                <a:effectLst/>
+                <a:latin typeface="JetBrains Mono"/>
+              </a:rPr>
+              <a:t>(</a:t>
+            </a:r>
+            <a:r>
+              <a:rPr lang="en-US" i="1" dirty="0">
+                <a:solidFill>
+                  <a:srgbClr val="080808"/>
+                </a:solidFill>
+                <a:effectLst/>
+                <a:latin typeface="JetBrains Mono"/>
+              </a:rPr>
+              <a:t>status</a:t>
+            </a:r>
+            <a:r>
+              <a:rPr lang="en-US" dirty="0">
+                <a:solidFill>
+                  <a:srgbClr val="080808"/>
+                </a:solidFill>
+                <a:effectLst/>
+                <a:latin typeface="JetBrains Mono"/>
+              </a:rPr>
+              <a:t>().</a:t>
+            </a:r>
+            <a:r>
+              <a:rPr lang="en-US" dirty="0" err="1">
+                <a:solidFill>
+                  <a:srgbClr val="080808"/>
+                </a:solidFill>
+                <a:effectLst/>
+                <a:latin typeface="JetBrains Mono"/>
+              </a:rPr>
+              <a:t>isOk</a:t>
+            </a:r>
+            <a:r>
+              <a:rPr lang="en-US" dirty="0">
+                <a:solidFill>
+                  <a:srgbClr val="080808"/>
+                </a:solidFill>
+                <a:effectLst/>
+                <a:latin typeface="JetBrains Mono"/>
+              </a:rPr>
+              <a:t>())</a:t>
+            </a:r>
+            <a:br>
+              <a:rPr lang="en-US" dirty="0">
+                <a:solidFill>
+                  <a:srgbClr val="080808"/>
+                </a:solidFill>
+                <a:effectLst/>
+                <a:latin typeface="JetBrains Mono"/>
+              </a:rPr>
+            </a:br>
+            <a:r>
+              <a:rPr lang="en-US" dirty="0">
+                <a:solidFill>
+                  <a:srgbClr val="080808"/>
+                </a:solidFill>
+                <a:effectLst/>
+                <a:latin typeface="JetBrains Mono"/>
+              </a:rPr>
+              <a:t>        .</a:t>
+            </a:r>
+            <a:r>
+              <a:rPr lang="en-US" dirty="0" err="1">
+                <a:solidFill>
+                  <a:srgbClr val="080808"/>
+                </a:solidFill>
+                <a:effectLst/>
+                <a:latin typeface="JetBrains Mono"/>
+              </a:rPr>
+              <a:t>andReturn</a:t>
+            </a:r>
+            <a:r>
+              <a:rPr lang="en-US" dirty="0">
+                <a:solidFill>
+                  <a:srgbClr val="080808"/>
+                </a:solidFill>
+                <a:effectLst/>
+                <a:latin typeface="JetBrains Mono"/>
+              </a:rPr>
+              <a:t>()</a:t>
+            </a:r>
+            <a:br>
+              <a:rPr lang="en-US" dirty="0">
+                <a:solidFill>
+                  <a:srgbClr val="080808"/>
+                </a:solidFill>
+                <a:effectLst/>
+                <a:latin typeface="JetBrains Mono"/>
+              </a:rPr>
+            </a:br>
+            <a:r>
+              <a:rPr lang="en-US" dirty="0">
+                <a:solidFill>
+                  <a:srgbClr val="080808"/>
+                </a:solidFill>
+                <a:effectLst/>
+                <a:latin typeface="JetBrains Mono"/>
+              </a:rPr>
+              <a:t>        .</a:t>
+            </a:r>
+            <a:r>
+              <a:rPr lang="en-US" dirty="0" err="1">
+                <a:solidFill>
+                  <a:srgbClr val="080808"/>
+                </a:solidFill>
+                <a:effectLst/>
+                <a:latin typeface="JetBrains Mono"/>
+              </a:rPr>
+              <a:t>getResponse</a:t>
+            </a:r>
+            <a:r>
+              <a:rPr lang="en-US" dirty="0">
+                <a:solidFill>
+                  <a:srgbClr val="080808"/>
+                </a:solidFill>
+                <a:effectLst/>
+                <a:latin typeface="JetBrains Mono"/>
+              </a:rPr>
+              <a:t>()</a:t>
+            </a:r>
+            <a:br>
+              <a:rPr lang="en-US" dirty="0">
+                <a:solidFill>
+                  <a:srgbClr val="080808"/>
+                </a:solidFill>
+                <a:effectLst/>
+                <a:latin typeface="JetBrains Mono"/>
+              </a:rPr>
+            </a:br>
+            <a:r>
+              <a:rPr lang="en-US" dirty="0">
+                <a:solidFill>
+                  <a:srgbClr val="080808"/>
+                </a:solidFill>
+                <a:effectLst/>
+                <a:latin typeface="JetBrains Mono"/>
+              </a:rPr>
+              <a:t>        .</a:t>
+            </a:r>
+            <a:r>
+              <a:rPr lang="en-US" dirty="0" err="1">
+                <a:solidFill>
+                  <a:srgbClr val="080808"/>
+                </a:solidFill>
+                <a:effectLst/>
+                <a:latin typeface="JetBrains Mono"/>
+              </a:rPr>
+              <a:t>getContentAsString</a:t>
+            </a:r>
+            <a:r>
+              <a:rPr lang="en-US" dirty="0">
+                <a:solidFill>
+                  <a:srgbClr val="080808"/>
+                </a:solidFill>
+                <a:effectLst/>
+                <a:latin typeface="JetBrains Mono"/>
+              </a:rPr>
+              <a:t>();</a:t>
+            </a:r>
+            <a:br>
+              <a:rPr lang="en-US" dirty="0">
+                <a:solidFill>
+                  <a:srgbClr val="080808"/>
+                </a:solidFill>
+                <a:effectLst/>
+                <a:latin typeface="JetBrains Mono"/>
+              </a:rPr>
+            </a:br>
+            <a:br>
+              <a:rPr lang="en-US" dirty="0">
+                <a:solidFill>
+                  <a:srgbClr val="080808"/>
+                </a:solidFill>
+                <a:effectLst/>
+                <a:latin typeface="JetBrains Mono"/>
+              </a:rPr>
+            </a:br>
+            <a:r>
+              <a:rPr lang="en-US" dirty="0">
+                <a:solidFill>
+                  <a:srgbClr val="080808"/>
+                </a:solidFill>
+                <a:effectLst/>
+                <a:latin typeface="JetBrains Mono"/>
+              </a:rPr>
+              <a:t>     </a:t>
+            </a:r>
+            <a:r>
+              <a:rPr lang="en-US" i="1" dirty="0" err="1">
+                <a:solidFill>
+                  <a:srgbClr val="080808"/>
+                </a:solidFill>
+                <a:effectLst/>
+                <a:latin typeface="JetBrains Mono"/>
+              </a:rPr>
+              <a:t>assertThat</a:t>
+            </a:r>
+            <a:r>
+              <a:rPr lang="en-US" dirty="0">
+                <a:solidFill>
+                  <a:srgbClr val="080808"/>
+                </a:solidFill>
+                <a:effectLst/>
+                <a:latin typeface="JetBrains Mono"/>
+              </a:rPr>
+              <a:t>(</a:t>
+            </a:r>
+            <a:r>
+              <a:rPr lang="en-US" dirty="0">
+                <a:solidFill>
+                  <a:srgbClr val="000000"/>
+                </a:solidFill>
+                <a:effectLst/>
+                <a:latin typeface="JetBrains Mono"/>
+              </a:rPr>
+              <a:t>result</a:t>
+            </a:r>
+            <a:r>
+              <a:rPr lang="en-US" dirty="0">
+                <a:solidFill>
+                  <a:srgbClr val="080808"/>
+                </a:solidFill>
+                <a:effectLst/>
+                <a:latin typeface="JetBrains Mono"/>
+              </a:rPr>
+              <a:t>, </a:t>
+            </a:r>
+            <a:r>
+              <a:rPr lang="en-US" i="1" dirty="0">
+                <a:solidFill>
+                  <a:srgbClr val="080808"/>
+                </a:solidFill>
+                <a:effectLst/>
+                <a:latin typeface="JetBrains Mono"/>
+              </a:rPr>
+              <a:t>is</a:t>
+            </a:r>
+            <a:r>
+              <a:rPr lang="en-US" dirty="0">
+                <a:solidFill>
+                  <a:srgbClr val="080808"/>
+                </a:solidFill>
+                <a:effectLst/>
+                <a:latin typeface="JetBrains Mono"/>
+              </a:rPr>
+              <a:t>(</a:t>
+            </a:r>
+            <a:r>
+              <a:rPr lang="en-US" i="1" dirty="0" err="1">
+                <a:solidFill>
+                  <a:srgbClr val="080808"/>
+                </a:solidFill>
+                <a:effectLst/>
+                <a:latin typeface="JetBrains Mono"/>
+              </a:rPr>
+              <a:t>equalTo</a:t>
+            </a:r>
+            <a:r>
+              <a:rPr lang="en-US" dirty="0">
+                <a:solidFill>
+                  <a:srgbClr val="080808"/>
+                </a:solidFill>
+                <a:effectLst/>
+                <a:latin typeface="JetBrains Mono"/>
+              </a:rPr>
+              <a:t>(</a:t>
+            </a:r>
+            <a:r>
+              <a:rPr lang="en-US" dirty="0">
+                <a:solidFill>
+                  <a:srgbClr val="067D17"/>
+                </a:solidFill>
+                <a:effectLst/>
+                <a:latin typeface="JetBrains Mono"/>
+              </a:rPr>
+              <a:t>"Hello, world"</a:t>
+            </a:r>
+            <a:r>
+              <a:rPr lang="en-US" dirty="0">
+                <a:solidFill>
+                  <a:srgbClr val="080808"/>
+                </a:solidFill>
+                <a:effectLst/>
+                <a:latin typeface="JetBrains Mono"/>
+              </a:rPr>
+              <a:t>)));</a:t>
+            </a:r>
+          </a:p>
+          <a:p>
+            <a:pPr marL="0" indent="0">
+              <a:spcBef>
+                <a:spcPts val="0"/>
+              </a:spcBef>
+              <a:buNone/>
+            </a:pPr>
+            <a:br>
+              <a:rPr lang="en-US" dirty="0">
+                <a:solidFill>
+                  <a:srgbClr val="080808"/>
+                </a:solidFill>
+                <a:effectLst/>
+                <a:latin typeface="JetBrains Mono"/>
+              </a:rPr>
+            </a:br>
+            <a:r>
+              <a:rPr lang="en-US" dirty="0">
+                <a:solidFill>
+                  <a:srgbClr val="080808"/>
+                </a:solidFill>
+                <a:effectLst/>
+                <a:latin typeface="JetBrains Mono"/>
+              </a:rPr>
+              <a:t>    }</a:t>
+            </a:r>
+            <a:br>
+              <a:rPr lang="en-US" dirty="0">
+                <a:solidFill>
+                  <a:srgbClr val="080808"/>
+                </a:solidFill>
+                <a:effectLst/>
+                <a:latin typeface="JetBrains Mono"/>
+              </a:rPr>
+            </a:br>
+            <a:r>
+              <a:rPr lang="en-US" dirty="0">
+                <a:solidFill>
+                  <a:srgbClr val="080808"/>
+                </a:solidFill>
+                <a:effectLst/>
+                <a:latin typeface="JetBrains Mono"/>
+              </a:rPr>
+              <a:t>}</a:t>
+            </a:r>
+          </a:p>
+        </p:txBody>
+      </p:sp>
+      <p:sp>
+        <p:nvSpPr>
+          <p:cNvPr id="7" name="TextBox 6">
+            <a:extLst>
+              <a:ext uri="{FF2B5EF4-FFF2-40B4-BE49-F238E27FC236}">
+                <a16:creationId xmlns:a16="http://schemas.microsoft.com/office/drawing/2014/main" id="{EB3FAB8B-3153-F694-14D4-C1BE519A29B2}"/>
+              </a:ext>
+            </a:extLst>
+          </p:cNvPr>
+          <p:cNvSpPr txBox="1"/>
+          <p:nvPr/>
+        </p:nvSpPr>
+        <p:spPr>
+          <a:xfrm>
+            <a:off x="5991306" y="4199835"/>
+            <a:ext cx="3081528" cy="1169551"/>
+          </a:xfrm>
+          <a:prstGeom prst="rect">
+            <a:avLst/>
+          </a:prstGeom>
+          <a:solidFill>
+            <a:schemeClr val="accent1">
+              <a:lumMod val="20000"/>
+              <a:lumOff val="80000"/>
+            </a:schemeClr>
+          </a:solidFill>
+          <a:ln w="6350">
+            <a:solidFill>
+              <a:schemeClr val="accent1"/>
+            </a:solidFill>
+          </a:ln>
+        </p:spPr>
+        <p:txBody>
+          <a:bodyPr wrap="square" rtlCol="0">
+            <a:spAutoFit/>
+          </a:bodyPr>
+          <a:lstStyle/>
+          <a:p>
+            <a:r>
+              <a:rPr lang="en-IL" sz="1400" i="1" dirty="0"/>
+              <a:t>In this test </a:t>
+            </a:r>
+            <a:r>
+              <a:rPr lang="en-IL" sz="1400" b="1" i="1" dirty="0">
+                <a:solidFill>
+                  <a:srgbClr val="00B0F0"/>
+                </a:solidFill>
+              </a:rPr>
+              <a:t>mockMvc</a:t>
+            </a:r>
+            <a:r>
+              <a:rPr lang="en-IL" sz="1400" i="1" dirty="0"/>
+              <a:t> calls endPoint (“/hello/index”), implemented in the tested application, and verifies that it returns HTTP 200 OK and body “Hello World”. </a:t>
+            </a:r>
+          </a:p>
+        </p:txBody>
+      </p:sp>
+      <p:sp>
+        <p:nvSpPr>
+          <p:cNvPr id="8" name="TextBox 7">
+            <a:extLst>
+              <a:ext uri="{FF2B5EF4-FFF2-40B4-BE49-F238E27FC236}">
+                <a16:creationId xmlns:a16="http://schemas.microsoft.com/office/drawing/2014/main" id="{760AA868-9532-D9EE-2774-198CFB55336F}"/>
+              </a:ext>
+            </a:extLst>
+          </p:cNvPr>
+          <p:cNvSpPr txBox="1"/>
+          <p:nvPr/>
+        </p:nvSpPr>
+        <p:spPr>
+          <a:xfrm>
+            <a:off x="5991306" y="2923251"/>
+            <a:ext cx="3282696" cy="738664"/>
+          </a:xfrm>
+          <a:prstGeom prst="rect">
+            <a:avLst/>
+          </a:prstGeom>
+          <a:solidFill>
+            <a:schemeClr val="accent1">
+              <a:lumMod val="20000"/>
+              <a:lumOff val="80000"/>
+            </a:schemeClr>
+          </a:solidFill>
+          <a:ln>
+            <a:solidFill>
+              <a:schemeClr val="accent1"/>
+            </a:solidFill>
+          </a:ln>
+        </p:spPr>
+        <p:txBody>
+          <a:bodyPr wrap="square" rtlCol="0">
+            <a:spAutoFit/>
+          </a:bodyPr>
+          <a:lstStyle/>
+          <a:p>
+            <a:r>
+              <a:rPr lang="en-IL" sz="1400" dirty="0"/>
+              <a:t>Use annotation </a:t>
+            </a:r>
+            <a:r>
+              <a:rPr lang="en-US" sz="1400" b="1" dirty="0">
+                <a:solidFill>
+                  <a:srgbClr val="9E880D"/>
+                </a:solidFill>
+                <a:effectLst/>
+                <a:latin typeface="JetBrains Mono"/>
+              </a:rPr>
+              <a:t>@</a:t>
+            </a:r>
+            <a:r>
+              <a:rPr lang="en-US" sz="1400" b="1" dirty="0" err="1">
+                <a:solidFill>
+                  <a:srgbClr val="9E880D"/>
+                </a:solidFill>
+                <a:effectLst/>
+                <a:latin typeface="JetBrains Mono"/>
+              </a:rPr>
+              <a:t>AutoConfigureMockMvc</a:t>
+            </a:r>
+            <a:r>
+              <a:rPr lang="en-US" sz="1400" b="1" dirty="0">
+                <a:solidFill>
+                  <a:srgbClr val="9E880D"/>
+                </a:solidFill>
+                <a:effectLst/>
+                <a:latin typeface="JetBrains Mono"/>
+              </a:rPr>
+              <a:t> </a:t>
+            </a:r>
+            <a:r>
+              <a:rPr lang="en-US" sz="1400" dirty="0"/>
+              <a:t>for operations with </a:t>
+            </a:r>
+            <a:r>
+              <a:rPr lang="en-US" sz="1400" b="1" dirty="0" err="1">
+                <a:solidFill>
+                  <a:srgbClr val="00B0F0"/>
+                </a:solidFill>
+              </a:rPr>
+              <a:t>MockMvc</a:t>
+            </a:r>
+            <a:r>
+              <a:rPr lang="en-IL" sz="1400" dirty="0"/>
+              <a:t> </a:t>
+            </a:r>
+          </a:p>
+        </p:txBody>
+      </p:sp>
+    </p:spTree>
+    <p:extLst>
+      <p:ext uri="{BB962C8B-B14F-4D97-AF65-F5344CB8AC3E}">
+        <p14:creationId xmlns:p14="http://schemas.microsoft.com/office/powerpoint/2010/main" val="3183854287"/>
       </p:ext>
     </p:extLst>
   </p:cSld>
@@ -30270,6 +29051,17 @@
 </file>
 
 <file path=customXml/item1.xml><?xml version="1.0" encoding="utf-8"?>
+<p:properties xmlns:p="http://schemas.microsoft.com/office/2006/metadata/properties" xmlns:xsi="http://www.w3.org/2001/XMLSchema-instance" xmlns:pc="http://schemas.microsoft.com/office/infopath/2007/PartnerControls">
+  <documentManagement>
+    <lcf76f155ced4ddcb4097134ff3c332f xmlns="858d5390-0f7b-4213-8bcd-0cd5cf778ba6">
+      <Terms xmlns="http://schemas.microsoft.com/office/infopath/2007/PartnerControls"/>
+    </lcf76f155ced4ddcb4097134ff3c332f>
+    <TaxCatchAll xmlns="e5f39eeb-dc9c-40bf-a733-e74d7baf73b9" xsi:nil="true"/>
+  </documentManagement>
+</p:properties>
+</file>
+
+<file path=customXml/item2.xml><?xml version="1.0" encoding="utf-8"?>
 <ct:contentTypeSchema xmlns:ct="http://schemas.microsoft.com/office/2006/metadata/contentType" xmlns:ma="http://schemas.microsoft.com/office/2006/metadata/properties/metaAttributes" ct:_="" ma:_="" ma:contentTypeName="Document" ma:contentTypeID="0x0101001980062C165A384BBE4202BE72680A0C" ma:contentTypeVersion="16" ma:contentTypeDescription="Create a new document." ma:contentTypeScope="" ma:versionID="ad4a4175eb2c3e09fcddefcd48156f8d">
   <xsd:schema xmlns:xsd="http://www.w3.org/2001/XMLSchema" xmlns:xs="http://www.w3.org/2001/XMLSchema" xmlns:p="http://schemas.microsoft.com/office/2006/metadata/properties" xmlns:ns2="858d5390-0f7b-4213-8bcd-0cd5cf778ba6" xmlns:ns3="48da0e76-8a7c-448c-bc5b-f1ed517f7411" xmlns:ns4="e5f39eeb-dc9c-40bf-a733-e74d7baf73b9" targetNamespace="http://schemas.microsoft.com/office/2006/metadata/properties" ma:root="true" ma:fieldsID="ea247dcd7b1180b70e9ff4f92c286293" ns2:_="" ns3:_="" ns4:_="">
     <xsd:import namespace="858d5390-0f7b-4213-8bcd-0cd5cf778ba6"/>
@@ -30517,7 +29309,7 @@
 </ct:contentTypeSchema>
 </file>
 
-<file path=customXml/item2.xml><?xml version="1.0" encoding="utf-8"?>
+<file path=customXml/item3.xml><?xml version="1.0" encoding="utf-8"?>
 <?mso-contentType ?>
 <FormTemplates xmlns="http://schemas.microsoft.com/sharepoint/v3/contenttype/forms">
   <Display>DocumentLibraryForm</Display>
@@ -30526,18 +29318,18 @@
 </FormTemplates>
 </file>
 
-<file path=customXml/item3.xml><?xml version="1.0" encoding="utf-8"?>
-<p:properties xmlns:p="http://schemas.microsoft.com/office/2006/metadata/properties" xmlns:xsi="http://www.w3.org/2001/XMLSchema-instance" xmlns:pc="http://schemas.microsoft.com/office/infopath/2007/PartnerControls">
-  <documentManagement>
-    <lcf76f155ced4ddcb4097134ff3c332f xmlns="858d5390-0f7b-4213-8bcd-0cd5cf778ba6">
-      <Terms xmlns="http://schemas.microsoft.com/office/infopath/2007/PartnerControls"/>
-    </lcf76f155ced4ddcb4097134ff3c332f>
-    <TaxCatchAll xmlns="e5f39eeb-dc9c-40bf-a733-e74d7baf73b9" xsi:nil="true"/>
-  </documentManagement>
-</p:properties>
+<file path=customXml/itemProps1.xml><?xml version="1.0" encoding="utf-8"?>
+<ds:datastoreItem xmlns:ds="http://schemas.openxmlformats.org/officeDocument/2006/customXml" ds:itemID="{43349A31-E13C-476A-88C6-FE88A1835AD9}">
+  <ds:schemaRefs>
+    <ds:schemaRef ds:uri="http://schemas.microsoft.com/office/2006/metadata/properties"/>
+    <ds:schemaRef ds:uri="http://schemas.microsoft.com/office/infopath/2007/PartnerControls"/>
+    <ds:schemaRef ds:uri="858d5390-0f7b-4213-8bcd-0cd5cf778ba6"/>
+    <ds:schemaRef ds:uri="e5f39eeb-dc9c-40bf-a733-e74d7baf73b9"/>
+  </ds:schemaRefs>
+</ds:datastoreItem>
 </file>
 
-<file path=customXml/itemProps1.xml><?xml version="1.0" encoding="utf-8"?>
+<file path=customXml/itemProps2.xml><?xml version="1.0" encoding="utf-8"?>
 <ds:datastoreItem xmlns:ds="http://schemas.openxmlformats.org/officeDocument/2006/customXml" ds:itemID="{95C1E331-1539-4B37-8C70-2591DCB1C6B8}">
   <ds:schemaRefs>
     <ds:schemaRef ds:uri="http://schemas.microsoft.com/office/2006/metadata/contentType"/>
@@ -30557,21 +29349,10 @@
 </ds:datastoreItem>
 </file>
 
-<file path=customXml/itemProps2.xml><?xml version="1.0" encoding="utf-8"?>
+<file path=customXml/itemProps3.xml><?xml version="1.0" encoding="utf-8"?>
 <ds:datastoreItem xmlns:ds="http://schemas.openxmlformats.org/officeDocument/2006/customXml" ds:itemID="{A1C09B18-7530-4142-9483-30D82F693FEB}">
   <ds:schemaRefs>
     <ds:schemaRef ds:uri="http://schemas.microsoft.com/sharepoint/v3/contenttype/forms"/>
   </ds:schemaRefs>
 </ds:datastoreItem>
-</file>
-
-<file path=customXml/itemProps3.xml><?xml version="1.0" encoding="utf-8"?>
-<ds:datastoreItem xmlns:ds="http://schemas.openxmlformats.org/officeDocument/2006/customXml" ds:itemID="{43349A31-E13C-476A-88C6-FE88A1835AD9}">
-  <ds:schemaRefs>
-    <ds:schemaRef ds:uri="http://schemas.microsoft.com/office/2006/metadata/properties"/>
-    <ds:schemaRef ds:uri="http://schemas.microsoft.com/office/infopath/2007/PartnerControls"/>
-    <ds:schemaRef ds:uri="858d5390-0f7b-4213-8bcd-0cd5cf778ba6"/>
-    <ds:schemaRef ds:uri="e5f39eeb-dc9c-40bf-a733-e74d7baf73b9"/>
-  </ds:schemaRefs>
-</ds:datastoreItem>
 </file>
--- a/course_data/presentations/practical_spring_boot_for_tdp_02.pptx
+++ b/course_data/presentations/practical_spring_boot_for_tdp_02.pptx
@@ -5,7 +5,7 @@
     <p:sldMasterId id="2147483648" r:id="rId4"/>
   </p:sldMasterIdLst>
   <p:notesMasterIdLst>
-    <p:notesMasterId r:id="rId43"/>
+    <p:notesMasterId r:id="rId38"/>
   </p:notesMasterIdLst>
   <p:sldIdLst>
     <p:sldId id="268" r:id="rId5"/>
@@ -15,37 +15,32 @@
     <p:sldId id="296" r:id="rId9"/>
     <p:sldId id="300" r:id="rId10"/>
     <p:sldId id="291" r:id="rId11"/>
-    <p:sldId id="262" r:id="rId12"/>
-    <p:sldId id="307" r:id="rId13"/>
-    <p:sldId id="320" r:id="rId14"/>
-    <p:sldId id="322" r:id="rId15"/>
-    <p:sldId id="257" r:id="rId16"/>
-    <p:sldId id="259" r:id="rId17"/>
-    <p:sldId id="261" r:id="rId18"/>
-    <p:sldId id="306" r:id="rId19"/>
-    <p:sldId id="281" r:id="rId20"/>
-    <p:sldId id="282" r:id="rId21"/>
-    <p:sldId id="283" r:id="rId22"/>
-    <p:sldId id="285" r:id="rId23"/>
-    <p:sldId id="323" r:id="rId24"/>
-    <p:sldId id="313" r:id="rId25"/>
-    <p:sldId id="325" r:id="rId26"/>
-    <p:sldId id="311" r:id="rId27"/>
-    <p:sldId id="287" r:id="rId28"/>
-    <p:sldId id="312" r:id="rId29"/>
-    <p:sldId id="288" r:id="rId30"/>
-    <p:sldId id="314" r:id="rId31"/>
-    <p:sldId id="284" r:id="rId32"/>
-    <p:sldId id="324" r:id="rId33"/>
-    <p:sldId id="326" r:id="rId34"/>
-    <p:sldId id="327" r:id="rId35"/>
-    <p:sldId id="328" r:id="rId36"/>
-    <p:sldId id="330" r:id="rId37"/>
-    <p:sldId id="331" r:id="rId38"/>
-    <p:sldId id="332" r:id="rId39"/>
-    <p:sldId id="333" r:id="rId40"/>
-    <p:sldId id="334" r:id="rId41"/>
-    <p:sldId id="335" r:id="rId42"/>
+    <p:sldId id="259" r:id="rId12"/>
+    <p:sldId id="261" r:id="rId13"/>
+    <p:sldId id="306" r:id="rId14"/>
+    <p:sldId id="281" r:id="rId15"/>
+    <p:sldId id="282" r:id="rId16"/>
+    <p:sldId id="283" r:id="rId17"/>
+    <p:sldId id="285" r:id="rId18"/>
+    <p:sldId id="323" r:id="rId19"/>
+    <p:sldId id="313" r:id="rId20"/>
+    <p:sldId id="325" r:id="rId21"/>
+    <p:sldId id="311" r:id="rId22"/>
+    <p:sldId id="287" r:id="rId23"/>
+    <p:sldId id="312" r:id="rId24"/>
+    <p:sldId id="288" r:id="rId25"/>
+    <p:sldId id="314" r:id="rId26"/>
+    <p:sldId id="284" r:id="rId27"/>
+    <p:sldId id="324" r:id="rId28"/>
+    <p:sldId id="326" r:id="rId29"/>
+    <p:sldId id="327" r:id="rId30"/>
+    <p:sldId id="328" r:id="rId31"/>
+    <p:sldId id="330" r:id="rId32"/>
+    <p:sldId id="331" r:id="rId33"/>
+    <p:sldId id="332" r:id="rId34"/>
+    <p:sldId id="333" r:id="rId35"/>
+    <p:sldId id="334" r:id="rId36"/>
+    <p:sldId id="335" r:id="rId37"/>
   </p:sldIdLst>
   <p:sldSz cx="12192000" cy="6858000"/>
   <p:notesSz cx="6858000" cy="9144000"/>
@@ -234,7 +229,7 @@
           <a:p>
             <a:fld id="{D87DD0C7-8A07-F849-88A5-0669AD1415C9}" type="datetimeFigureOut">
               <a:rPr lang="en-IL" smtClean="0"/>
-              <a:t>23/07/2024</a:t>
+              <a:t>24/07/2024</a:t>
             </a:fld>
             <a:endParaRPr lang="en-IL"/>
           </a:p>
@@ -586,148 +581,6 @@
 </p:notes>
 </file>
 
-<file path=ppt/notesSlides/notesSlide10.xml><?xml version="1.0" encoding="utf-8"?>
-<p:notes xmlns:a="http://schemas.openxmlformats.org/drawingml/2006/main" xmlns:r="http://schemas.openxmlformats.org/officeDocument/2006/relationships" xmlns:p="http://schemas.openxmlformats.org/presentationml/2006/main">
-  <p:cSld>
-    <p:spTree>
-      <p:nvGrpSpPr>
-        <p:cNvPr id="1" name=""/>
-        <p:cNvGrpSpPr/>
-        <p:nvPr/>
-      </p:nvGrpSpPr>
-      <p:grpSpPr>
-        <a:xfrm>
-          <a:off x="0" y="0"/>
-          <a:ext cx="0" cy="0"/>
-          <a:chOff x="0" y="0"/>
-          <a:chExt cx="0" cy="0"/>
-        </a:xfrm>
-      </p:grpSpPr>
-      <p:sp>
-        <p:nvSpPr>
-          <p:cNvPr id="2" name="Slide Image Placeholder 1"/>
-          <p:cNvSpPr>
-            <a:spLocks noGrp="1" noRot="1" noChangeAspect="1"/>
-          </p:cNvSpPr>
-          <p:nvPr>
-            <p:ph type="sldImg"/>
-          </p:nvPr>
-        </p:nvSpPr>
-        <p:spPr/>
-      </p:sp>
-      <p:sp>
-        <p:nvSpPr>
-          <p:cNvPr id="3" name="Notes Placeholder 2"/>
-          <p:cNvSpPr>
-            <a:spLocks noGrp="1"/>
-          </p:cNvSpPr>
-          <p:nvPr>
-            <p:ph type="body" idx="1"/>
-          </p:nvPr>
-        </p:nvSpPr>
-        <p:spPr/>
-        <p:txBody>
-          <a:bodyPr/>
-          <a:lstStyle/>
-          <a:p>
-            <a:r>
-              <a:rPr lang="en-US" sz="1200" b="1" dirty="0">
-                <a:solidFill>
-                  <a:schemeClr val="tx1"/>
-                </a:solidFill>
-              </a:rPr>
-              <a:t>Note</a:t>
-            </a:r>
-            <a:r>
-              <a:rPr lang="en-US" sz="1200" dirty="0">
-                <a:solidFill>
-                  <a:schemeClr val="tx1"/>
-                </a:solidFill>
-              </a:rPr>
-              <a:t>:</a:t>
-            </a:r>
-          </a:p>
-          <a:p>
-            <a:pPr marL="457200" indent="-457200">
-              <a:buFont typeface="Arial" panose="020B0604020202020204" pitchFamily="34" charset="0"/>
-              <a:buChar char="•"/>
-            </a:pPr>
-            <a:r>
-              <a:rPr lang="en-US" sz="1200" dirty="0"/>
-              <a:t>Default is </a:t>
-            </a:r>
-            <a:r>
-              <a:rPr lang="en-US" sz="1200" dirty="0">
-                <a:solidFill>
-                  <a:srgbClr val="00B0F0"/>
-                </a:solidFill>
-              </a:rPr>
-              <a:t>false</a:t>
-            </a:r>
-          </a:p>
-          <a:p>
-            <a:pPr marL="457200" indent="-457200">
-              <a:buFont typeface="Arial" panose="020B0604020202020204" pitchFamily="34" charset="0"/>
-              <a:buChar char="•"/>
-            </a:pPr>
-            <a:r>
-              <a:rPr lang="en-US" sz="1200" dirty="0"/>
-              <a:t>In case the bean is needed for another non-lazy bean – it will still be created eagerly…</a:t>
-            </a:r>
-          </a:p>
-          <a:p>
-            <a:pPr marL="457200" indent="-457200">
-              <a:buFont typeface="Arial" panose="020B0604020202020204" pitchFamily="34" charset="0"/>
-              <a:buChar char="•"/>
-            </a:pPr>
-            <a:r>
-              <a:rPr lang="en-US" sz="1200" b="1" dirty="0"/>
-              <a:t>Prototype</a:t>
-            </a:r>
-            <a:r>
-              <a:rPr lang="en-US" sz="1200" dirty="0"/>
-              <a:t> beans are lazy by definition…</a:t>
-            </a:r>
-            <a:endParaRPr lang="he-IL" sz="1200" dirty="0"/>
-          </a:p>
-        </p:txBody>
-      </p:sp>
-      <p:sp>
-        <p:nvSpPr>
-          <p:cNvPr id="4" name="Slide Number Placeholder 3"/>
-          <p:cNvSpPr>
-            <a:spLocks noGrp="1"/>
-          </p:cNvSpPr>
-          <p:nvPr>
-            <p:ph type="sldNum" sz="quarter" idx="5"/>
-          </p:nvPr>
-        </p:nvSpPr>
-        <p:spPr/>
-        <p:txBody>
-          <a:bodyPr/>
-          <a:lstStyle/>
-          <a:p>
-            <a:fld id="{B5FEB3D3-3C4F-5E4D-9290-0C0B5A2442F8}" type="slidenum">
-              <a:rPr lang="en-IL" smtClean="0"/>
-              <a:t>37</a:t>
-            </a:fld>
-            <a:endParaRPr lang="en-IL"/>
-          </a:p>
-        </p:txBody>
-      </p:sp>
-    </p:spTree>
-    <p:extLst>
-      <p:ext uri="{BB962C8B-B14F-4D97-AF65-F5344CB8AC3E}">
-        <p14:creationId xmlns:p14="http://schemas.microsoft.com/office/powerpoint/2010/main" val="2335832351"/>
-      </p:ext>
-    </p:extLst>
-  </p:cSld>
-  <p:clrMapOvr>
-    <a:masterClrMapping/>
-  </p:clrMapOvr>
-</p:notes>
-</file>
-
 <file path=ppt/notesSlides/notesSlide2.xml><?xml version="1.0" encoding="utf-8"?>
 <p:notes xmlns:a="http://schemas.openxmlformats.org/drawingml/2006/main" xmlns:r="http://schemas.openxmlformats.org/officeDocument/2006/relationships" xmlns:p="http://schemas.openxmlformats.org/presentationml/2006/main">
   <p:cSld>
@@ -996,27 +849,48 @@
           <a:bodyPr/>
           <a:lstStyle/>
           <a:p>
-            <a:r>
-              <a:rPr lang="en-IL" dirty="0"/>
-              <a:t>List of Spring Boot application properties: </a:t>
-            </a:r>
-            <a:r>
-              <a:rPr lang="en-US" dirty="0"/>
-              <a:t>https://</a:t>
-            </a:r>
-            <a:r>
-              <a:rPr lang="en-US" dirty="0" err="1"/>
-              <a:t>docs.spring.io</a:t>
-            </a:r>
-            <a:r>
-              <a:rPr lang="en-US" dirty="0"/>
-              <a:t>/spring-boot/docs/current/reference/html/application-</a:t>
-            </a:r>
-            <a:r>
-              <a:rPr lang="en-US" dirty="0" err="1"/>
-              <a:t>properties.html</a:t>
-            </a:r>
-            <a:endParaRPr lang="en-US" dirty="0"/>
+            <a:pPr marL="0" marR="0" lvl="0" indent="0" algn="l" defTabSz="914400" rtl="0" eaLnBrk="1" fontAlgn="auto" latinLnBrk="0" hangingPunct="1">
+              <a:lnSpc>
+                <a:spcPct val="100000"/>
+              </a:lnSpc>
+              <a:spcBef>
+                <a:spcPts val="0"/>
+              </a:spcBef>
+              <a:spcAft>
+                <a:spcPts val="0"/>
+              </a:spcAft>
+              <a:buClrTx/>
+              <a:buSzTx/>
+              <a:buFontTx/>
+              <a:buNone/>
+              <a:tabLst/>
+              <a:defRPr/>
+            </a:pPr>
+            <a:r>
+              <a:rPr lang="en-IL" sz="1200" dirty="0">
+                <a:solidFill>
+                  <a:schemeClr val="accent1"/>
+                </a:solidFill>
+              </a:rPr>
+              <a:t>@ConfigurationPropertiesScan </a:t>
+            </a:r>
+            <a:r>
+              <a:rPr lang="en-US" sz="1200" dirty="0"/>
+              <a:t>c</a:t>
+            </a:r>
+            <a:r>
+              <a:rPr lang="en-IL" sz="1200" dirty="0"/>
+              <a:t>an be used to scan custom locations for configuration properties classes, for example, </a:t>
+            </a:r>
+            <a:r>
+              <a:rPr lang="en-IL" sz="1200" dirty="0">
+                <a:solidFill>
+                  <a:schemeClr val="accent1"/>
+                </a:solidFill>
+              </a:rPr>
+              <a:t>@ConfigurationPropertiesScan(“server.security”)</a:t>
+            </a:r>
+            <a:endParaRPr lang="en-IL" sz="1200" dirty="0"/>
           </a:p>
           <a:p>
             <a:endParaRPr lang="en-IL" dirty="0"/>
@@ -1040,7 +914,7 @@
           <a:p>
             <a:fld id="{5A54712D-AA0B-BB4E-9DB3-A62319D253AA}" type="slidenum">
               <a:rPr lang="en-IL" smtClean="0"/>
-              <a:t>10</a:t>
+              <a:t>11</a:t>
             </a:fld>
             <a:endParaRPr lang="en-IL"/>
           </a:p>
@@ -1049,7 +923,7 @@
     </p:spTree>
     <p:extLst>
       <p:ext uri="{BB962C8B-B14F-4D97-AF65-F5344CB8AC3E}">
-        <p14:creationId xmlns:p14="http://schemas.microsoft.com/office/powerpoint/2010/main" val="3751834041"/>
+        <p14:creationId xmlns:p14="http://schemas.microsoft.com/office/powerpoint/2010/main" val="2713929153"/>
       </p:ext>
     </p:extLst>
   </p:cSld>
@@ -1103,50 +977,6 @@
           <a:bodyPr/>
           <a:lstStyle/>
           <a:p>
-            <a:pPr marL="0" marR="0" lvl="0" indent="0" algn="l" defTabSz="914400" rtl="0" eaLnBrk="1" fontAlgn="auto" latinLnBrk="0" hangingPunct="1">
-              <a:lnSpc>
-                <a:spcPct val="100000"/>
-              </a:lnSpc>
-              <a:spcBef>
-                <a:spcPts val="0"/>
-              </a:spcBef>
-              <a:spcAft>
-                <a:spcPts val="0"/>
-              </a:spcAft>
-              <a:buClrTx/>
-              <a:buSzTx/>
-              <a:buFontTx/>
-              <a:buNone/>
-              <a:tabLst/>
-              <a:defRPr/>
-            </a:pPr>
-            <a:r>
-              <a:rPr lang="en-IL" sz="1200" dirty="0">
-                <a:solidFill>
-                  <a:schemeClr val="accent1"/>
-                </a:solidFill>
-              </a:rPr>
-              <a:t>@ConfigurationPropertiesScan </a:t>
-            </a:r>
-            <a:r>
-              <a:rPr lang="en-US" sz="1200" dirty="0"/>
-              <a:t>c</a:t>
-            </a:r>
-            <a:r>
-              <a:rPr lang="en-IL" sz="1200" dirty="0"/>
-              <a:t>an be used to scan custom locations for configuration properties classes, for example, </a:t>
-            </a:r>
-            <a:r>
-              <a:rPr lang="en-IL" sz="1200" dirty="0">
-                <a:solidFill>
-                  <a:schemeClr val="accent1"/>
-                </a:solidFill>
-              </a:rPr>
-              <a:t>@ConfigurationPropertiesScan(“server.security”)</a:t>
-            </a:r>
-            <a:endParaRPr lang="en-IL" sz="1200" dirty="0"/>
-          </a:p>
-          <a:p>
             <a:endParaRPr lang="en-IL" dirty="0"/>
           </a:p>
         </p:txBody>
@@ -1177,7 +1007,7 @@
     </p:spTree>
     <p:extLst>
       <p:ext uri="{BB962C8B-B14F-4D97-AF65-F5344CB8AC3E}">
-        <p14:creationId xmlns:p14="http://schemas.microsoft.com/office/powerpoint/2010/main" val="2713929153"/>
+        <p14:creationId xmlns:p14="http://schemas.microsoft.com/office/powerpoint/2010/main" val="4264935331"/>
       </p:ext>
     </p:extLst>
   </p:cSld>
@@ -1231,6 +1061,34 @@
           <a:bodyPr/>
           <a:lstStyle/>
           <a:p>
+            <a:r>
+              <a:rPr lang="en-US" dirty="0"/>
+              <a:t>https://</a:t>
+            </a:r>
+            <a:r>
+              <a:rPr lang="en-US" dirty="0" err="1"/>
+              <a:t>docs.spring.io</a:t>
+            </a:r>
+            <a:r>
+              <a:rPr lang="en-US" dirty="0"/>
+              <a:t>/spring-boot/docs/current/reference/html/application-properties.html#appendix.application-properties.actuator</a:t>
+            </a:r>
+          </a:p>
+          <a:p>
+            <a:r>
+              <a:rPr lang="en-US" dirty="0"/>
+              <a:t>https://</a:t>
+            </a:r>
+            <a:r>
+              <a:rPr lang="en-US" dirty="0" err="1"/>
+              <a:t>www.baeldung.com</a:t>
+            </a:r>
+            <a:r>
+              <a:rPr lang="en-US" dirty="0"/>
+              <a:t>/spring-boot-actuators</a:t>
+            </a:r>
+          </a:p>
+          <a:p>
             <a:endParaRPr lang="en-IL" dirty="0"/>
           </a:p>
         </p:txBody>
@@ -1252,7 +1110,7 @@
           <a:p>
             <a:fld id="{5A54712D-AA0B-BB4E-9DB3-A62319D253AA}" type="slidenum">
               <a:rPr lang="en-IL" smtClean="0"/>
-              <a:t>21</a:t>
+              <a:t>17</a:t>
             </a:fld>
             <a:endParaRPr lang="en-IL"/>
           </a:p>
@@ -1261,7 +1119,7 @@
     </p:spTree>
     <p:extLst>
       <p:ext uri="{BB962C8B-B14F-4D97-AF65-F5344CB8AC3E}">
-        <p14:creationId xmlns:p14="http://schemas.microsoft.com/office/powerpoint/2010/main" val="4264935331"/>
+        <p14:creationId xmlns:p14="http://schemas.microsoft.com/office/powerpoint/2010/main" val="3754527576"/>
       </p:ext>
     </p:extLst>
   </p:cSld>
@@ -1315,34 +1173,6 @@
           <a:bodyPr/>
           <a:lstStyle/>
           <a:p>
-            <a:r>
-              <a:rPr lang="en-US" dirty="0"/>
-              <a:t>https://</a:t>
-            </a:r>
-            <a:r>
-              <a:rPr lang="en-US" dirty="0" err="1"/>
-              <a:t>docs.spring.io</a:t>
-            </a:r>
-            <a:r>
-              <a:rPr lang="en-US" dirty="0"/>
-              <a:t>/spring-boot/docs/current/reference/html/application-properties.html#appendix.application-properties.actuator</a:t>
-            </a:r>
-          </a:p>
-          <a:p>
-            <a:r>
-              <a:rPr lang="en-US" dirty="0"/>
-              <a:t>https://</a:t>
-            </a:r>
-            <a:r>
-              <a:rPr lang="en-US" dirty="0" err="1"/>
-              <a:t>www.baeldung.com</a:t>
-            </a:r>
-            <a:r>
-              <a:rPr lang="en-US" dirty="0"/>
-              <a:t>/spring-boot-actuators</a:t>
-            </a:r>
-          </a:p>
-          <a:p>
             <a:endParaRPr lang="en-IL" dirty="0"/>
           </a:p>
         </p:txBody>
@@ -1364,7 +1194,7 @@
           <a:p>
             <a:fld id="{5A54712D-AA0B-BB4E-9DB3-A62319D253AA}" type="slidenum">
               <a:rPr lang="en-IL" smtClean="0"/>
-              <a:t>22</a:t>
+              <a:t>23</a:t>
             </a:fld>
             <a:endParaRPr lang="en-IL"/>
           </a:p>
@@ -1373,7 +1203,7 @@
     </p:spTree>
     <p:extLst>
       <p:ext uri="{BB962C8B-B14F-4D97-AF65-F5344CB8AC3E}">
-        <p14:creationId xmlns:p14="http://schemas.microsoft.com/office/powerpoint/2010/main" val="3754527576"/>
+        <p14:creationId xmlns:p14="http://schemas.microsoft.com/office/powerpoint/2010/main" val="2501730751"/>
       </p:ext>
     </p:extLst>
   </p:cSld>
@@ -1448,7 +1278,7 @@
           <a:p>
             <a:fld id="{5A54712D-AA0B-BB4E-9DB3-A62319D253AA}" type="slidenum">
               <a:rPr lang="en-IL" smtClean="0"/>
-              <a:t>28</a:t>
+              <a:t>24</a:t>
             </a:fld>
             <a:endParaRPr lang="en-IL"/>
           </a:p>
@@ -1457,7 +1287,7 @@
     </p:spTree>
     <p:extLst>
       <p:ext uri="{BB962C8B-B14F-4D97-AF65-F5344CB8AC3E}">
-        <p14:creationId xmlns:p14="http://schemas.microsoft.com/office/powerpoint/2010/main" val="2501730751"/>
+        <p14:creationId xmlns:p14="http://schemas.microsoft.com/office/powerpoint/2010/main" val="3667767236"/>
       </p:ext>
     </p:extLst>
   </p:cSld>
@@ -1511,7 +1341,65 @@
           <a:bodyPr/>
           <a:lstStyle/>
           <a:p>
-            <a:endParaRPr lang="en-IL" dirty="0"/>
+            <a:r>
+              <a:rPr lang="en-US" sz="1200" b="1" dirty="0">
+                <a:solidFill>
+                  <a:schemeClr val="tx1"/>
+                </a:solidFill>
+              </a:rPr>
+              <a:t>Note</a:t>
+            </a:r>
+            <a:r>
+              <a:rPr lang="en-US" sz="1200" dirty="0">
+                <a:solidFill>
+                  <a:schemeClr val="tx1"/>
+                </a:solidFill>
+              </a:rPr>
+              <a:t>:</a:t>
+            </a:r>
+          </a:p>
+          <a:p>
+            <a:pPr marL="457200" indent="-457200">
+              <a:buFont typeface="Arial" panose="020B0604020202020204" pitchFamily="34" charset="0"/>
+              <a:buChar char="•"/>
+            </a:pPr>
+            <a:r>
+              <a:rPr lang="en-US" sz="1200" dirty="0"/>
+              <a:t>Default is </a:t>
+            </a:r>
+            <a:r>
+              <a:rPr lang="en-US" sz="1200" dirty="0">
+                <a:solidFill>
+                  <a:srgbClr val="00B0F0"/>
+                </a:solidFill>
+              </a:rPr>
+              <a:t>false</a:t>
+            </a:r>
+          </a:p>
+          <a:p>
+            <a:pPr marL="457200" indent="-457200">
+              <a:buFont typeface="Arial" panose="020B0604020202020204" pitchFamily="34" charset="0"/>
+              <a:buChar char="•"/>
+            </a:pPr>
+            <a:r>
+              <a:rPr lang="en-US" sz="1200" dirty="0"/>
+              <a:t>In case the bean is needed for another non-lazy bean – it will still be created eagerly…</a:t>
+            </a:r>
+          </a:p>
+          <a:p>
+            <a:pPr marL="457200" indent="-457200">
+              <a:buFont typeface="Arial" panose="020B0604020202020204" pitchFamily="34" charset="0"/>
+              <a:buChar char="•"/>
+            </a:pPr>
+            <a:r>
+              <a:rPr lang="en-US" sz="1200" b="1" dirty="0"/>
+              <a:t>Prototype</a:t>
+            </a:r>
+            <a:r>
+              <a:rPr lang="en-US" sz="1200" dirty="0"/>
+              <a:t> beans are lazy by definition…</a:t>
+            </a:r>
+            <a:endParaRPr lang="he-IL" sz="1200" dirty="0"/>
           </a:p>
         </p:txBody>
       </p:sp>
@@ -1530,9 +1418,9 @@
           <a:bodyPr/>
           <a:lstStyle/>
           <a:p>
-            <a:fld id="{5A54712D-AA0B-BB4E-9DB3-A62319D253AA}" type="slidenum">
+            <a:fld id="{B5FEB3D3-3C4F-5E4D-9290-0C0B5A2442F8}" type="slidenum">
               <a:rPr lang="en-IL" smtClean="0"/>
-              <a:t>29</a:t>
+              <a:t>32</a:t>
             </a:fld>
             <a:endParaRPr lang="en-IL"/>
           </a:p>
@@ -1541,7 +1429,7 @@
     </p:spTree>
     <p:extLst>
       <p:ext uri="{BB962C8B-B14F-4D97-AF65-F5344CB8AC3E}">
-        <p14:creationId xmlns:p14="http://schemas.microsoft.com/office/powerpoint/2010/main" val="3667767236"/>
+        <p14:creationId xmlns:p14="http://schemas.microsoft.com/office/powerpoint/2010/main" val="2335832351"/>
       </p:ext>
     </p:extLst>
   </p:cSld>
@@ -2274,7 +2162,7 @@
             <a:fld id="{B61BEF0D-F0BB-DE4B-95CE-6DB70DBA9567}" type="datetimeFigureOut">
               <a:rPr lang="en-US" dirty="0"/>
               <a:pPr/>
-              <a:t>7/23/24</a:t>
+              <a:t>7/24/24</a:t>
             </a:fld>
             <a:endParaRPr lang="en-US" dirty="0"/>
           </a:p>
@@ -2522,7 +2410,7 @@
             <a:fld id="{B61BEF0D-F0BB-DE4B-95CE-6DB70DBA9567}" type="datetimeFigureOut">
               <a:rPr lang="en-US" dirty="0"/>
               <a:pPr/>
-              <a:t>7/23/24</a:t>
+              <a:t>7/24/24</a:t>
             </a:fld>
             <a:endParaRPr lang="en-US" dirty="0"/>
           </a:p>
@@ -2833,7 +2721,7 @@
             <a:fld id="{B61BEF0D-F0BB-DE4B-95CE-6DB70DBA9567}" type="datetimeFigureOut">
               <a:rPr lang="en-US" dirty="0"/>
               <a:pPr/>
-              <a:t>7/23/24</a:t>
+              <a:t>7/24/24</a:t>
             </a:fld>
             <a:endParaRPr lang="en-US" dirty="0"/>
           </a:p>
@@ -3171,7 +3059,7 @@
             <a:fld id="{B61BEF0D-F0BB-DE4B-95CE-6DB70DBA9567}" type="datetimeFigureOut">
               <a:rPr lang="en-US" dirty="0"/>
               <a:pPr/>
-              <a:t>7/23/24</a:t>
+              <a:t>7/24/24</a:t>
             </a:fld>
             <a:endParaRPr lang="en-US" dirty="0"/>
           </a:p>
@@ -3482,7 +3370,7 @@
             <a:fld id="{B61BEF0D-F0BB-DE4B-95CE-6DB70DBA9567}" type="datetimeFigureOut">
               <a:rPr lang="en-US" dirty="0"/>
               <a:pPr/>
-              <a:t>7/23/24</a:t>
+              <a:t>7/24/24</a:t>
             </a:fld>
             <a:endParaRPr lang="en-US" dirty="0"/>
           </a:p>
@@ -3872,7 +3760,7 @@
             <a:fld id="{B61BEF0D-F0BB-DE4B-95CE-6DB70DBA9567}" type="datetimeFigureOut">
               <a:rPr lang="en-US" dirty="0"/>
               <a:pPr/>
-              <a:t>7/23/24</a:t>
+              <a:t>7/24/24</a:t>
             </a:fld>
             <a:endParaRPr lang="en-US" dirty="0"/>
           </a:p>
@@ -4038,7 +3926,7 @@
           <a:p>
             <a:fld id="{55C6B4A9-1611-4792-9094-5F34BCA07E0B}" type="datetimeFigureOut">
               <a:rPr lang="en-US" dirty="0"/>
-              <a:t>7/23/24</a:t>
+              <a:t>7/24/24</a:t>
             </a:fld>
             <a:endParaRPr lang="en-US" dirty="0"/>
           </a:p>
@@ -4214,7 +4102,7 @@
             <a:fld id="{B61BEF0D-F0BB-DE4B-95CE-6DB70DBA9567}" type="datetimeFigureOut">
               <a:rPr lang="en-US" dirty="0"/>
               <a:pPr/>
-              <a:t>7/23/24</a:t>
+              <a:t>7/24/24</a:t>
             </a:fld>
             <a:endParaRPr lang="en-US" dirty="0"/>
           </a:p>
@@ -4387,7 +4275,7 @@
             <a:fld id="{B61BEF0D-F0BB-DE4B-95CE-6DB70DBA9567}" type="datetimeFigureOut">
               <a:rPr lang="en-US" dirty="0"/>
               <a:pPr/>
-              <a:t>7/23/24</a:t>
+              <a:t>7/24/24</a:t>
             </a:fld>
             <a:endParaRPr lang="en-US" dirty="0"/>
           </a:p>
@@ -4631,7 +4519,7 @@
             <a:fld id="{B61BEF0D-F0BB-DE4B-95CE-6DB70DBA9567}" type="datetimeFigureOut">
               <a:rPr lang="en-US" dirty="0"/>
               <a:pPr/>
-              <a:t>7/23/24</a:t>
+              <a:t>7/24/24</a:t>
             </a:fld>
             <a:endParaRPr lang="en-US" dirty="0"/>
           </a:p>
@@ -4859,7 +4747,7 @@
           <a:p>
             <a:fld id="{EB712588-04B1-427B-82EE-E8DB90309F08}" type="datetimeFigureOut">
               <a:rPr lang="en-US" dirty="0"/>
-              <a:t>7/23/24</a:t>
+              <a:t>7/24/24</a:t>
             </a:fld>
             <a:endParaRPr lang="en-US" dirty="0"/>
           </a:p>
@@ -5229,7 +5117,7 @@
             <a:fld id="{B61BEF0D-F0BB-DE4B-95CE-6DB70DBA9567}" type="datetimeFigureOut">
               <a:rPr lang="en-US" dirty="0"/>
               <a:pPr/>
-              <a:t>7/23/24</a:t>
+              <a:t>7/24/24</a:t>
             </a:fld>
             <a:endParaRPr lang="en-US" dirty="0"/>
           </a:p>
@@ -5349,7 +5237,7 @@
             <a:fld id="{B61BEF0D-F0BB-DE4B-95CE-6DB70DBA9567}" type="datetimeFigureOut">
               <a:rPr lang="en-US" dirty="0"/>
               <a:pPr/>
-              <a:t>7/23/24</a:t>
+              <a:t>7/24/24</a:t>
             </a:fld>
             <a:endParaRPr lang="en-US" dirty="0"/>
           </a:p>
@@ -5441,7 +5329,7 @@
             <a:fld id="{B61BEF0D-F0BB-DE4B-95CE-6DB70DBA9567}" type="datetimeFigureOut">
               <a:rPr lang="en-US" dirty="0"/>
               <a:pPr/>
-              <a:t>7/23/24</a:t>
+              <a:t>7/24/24</a:t>
             </a:fld>
             <a:endParaRPr lang="en-US" dirty="0"/>
           </a:p>
@@ -5692,7 +5580,7 @@
           <a:p>
             <a:fld id="{42A54C80-263E-416B-A8E0-580EDEADCBDC}" type="datetimeFigureOut">
               <a:rPr lang="en-US" dirty="0"/>
-              <a:t>7/23/24</a:t>
+              <a:t>7/24/24</a:t>
             </a:fld>
             <a:endParaRPr lang="en-US" dirty="0"/>
           </a:p>
@@ -5951,7 +5839,7 @@
             <a:fld id="{B61BEF0D-F0BB-DE4B-95CE-6DB70DBA9567}" type="datetimeFigureOut">
               <a:rPr lang="en-US" dirty="0"/>
               <a:pPr/>
-              <a:t>7/23/24</a:t>
+              <a:t>7/24/24</a:t>
             </a:fld>
             <a:endParaRPr lang="en-US" dirty="0"/>
           </a:p>
@@ -6691,7 +6579,7 @@
             <a:fld id="{B61BEF0D-F0BB-DE4B-95CE-6DB70DBA9567}" type="datetimeFigureOut">
               <a:rPr lang="en-US" dirty="0"/>
               <a:pPr/>
-              <a:t>7/23/24</a:t>
+              <a:t>7/24/24</a:t>
             </a:fld>
             <a:endParaRPr lang="en-US" dirty="0"/>
           </a:p>
@@ -7667,2495 +7555,6 @@
           <p:cNvPr id="2" name="Title 1">
             <a:extLst>
               <a:ext uri="{FF2B5EF4-FFF2-40B4-BE49-F238E27FC236}">
-                <a16:creationId xmlns:a16="http://schemas.microsoft.com/office/drawing/2014/main" id="{11406D87-1F56-E591-D2B8-FFE39B4D9F3A}"/>
-              </a:ext>
-            </a:extLst>
-          </p:cNvPr>
-          <p:cNvSpPr>
-            <a:spLocks noGrp="1"/>
-          </p:cNvSpPr>
-          <p:nvPr>
-            <p:ph type="title"/>
-          </p:nvPr>
-        </p:nvSpPr>
-        <p:spPr/>
-        <p:txBody>
-          <a:bodyPr/>
-          <a:lstStyle/>
-          <a:p>
-            <a:r>
-              <a:rPr lang="en-IL" dirty="0"/>
-              <a:t>Spring Boot – externalized configuration</a:t>
-            </a:r>
-          </a:p>
-        </p:txBody>
-      </p:sp>
-      <p:sp>
-        <p:nvSpPr>
-          <p:cNvPr id="3" name="Content Placeholder 2">
-            <a:extLst>
-              <a:ext uri="{FF2B5EF4-FFF2-40B4-BE49-F238E27FC236}">
-                <a16:creationId xmlns:a16="http://schemas.microsoft.com/office/drawing/2014/main" id="{D0900F33-36CF-901D-49C4-F87A147F28BB}"/>
-              </a:ext>
-            </a:extLst>
-          </p:cNvPr>
-          <p:cNvSpPr>
-            <a:spLocks noGrp="1"/>
-          </p:cNvSpPr>
-          <p:nvPr>
-            <p:ph idx="1"/>
-          </p:nvPr>
-        </p:nvSpPr>
-        <p:spPr>
-          <a:xfrm>
-            <a:off x="677334" y="1590261"/>
-            <a:ext cx="8596668" cy="4451101"/>
-          </a:xfrm>
-        </p:spPr>
-        <p:txBody>
-          <a:bodyPr>
-            <a:normAutofit/>
-          </a:bodyPr>
-          <a:lstStyle/>
-          <a:p>
-            <a:r>
-              <a:rPr lang="en-IL" sz="3200" dirty="0">
-                <a:solidFill>
-                  <a:schemeClr val="accent1"/>
-                </a:solidFill>
-              </a:rPr>
-              <a:t>Spring Boot </a:t>
-            </a:r>
-            <a:r>
-              <a:rPr lang="en-US" sz="3200" dirty="0"/>
-              <a:t>loads all these properties, they can be easily injected into a managed bean.</a:t>
-            </a:r>
-          </a:p>
-          <a:p>
-            <a:r>
-              <a:rPr lang="en-IL" sz="3200" dirty="0">
-                <a:solidFill>
-                  <a:schemeClr val="accent1"/>
-                </a:solidFill>
-              </a:rPr>
-              <a:t>Spring Boot </a:t>
-            </a:r>
-            <a:r>
-              <a:rPr lang="en-IL" sz="3200" dirty="0"/>
-              <a:t>loads the properties in a very particular order:</a:t>
-            </a:r>
-            <a:endParaRPr lang="en-US" sz="3200" dirty="0"/>
-          </a:p>
-          <a:p>
-            <a:pPr marL="0" indent="0">
-              <a:buNone/>
-            </a:pPr>
-            <a:r>
-              <a:rPr lang="en-US" sz="3200" dirty="0">
-                <a:hlinkClick r:id="rId3"/>
-              </a:rPr>
-              <a:t>https://docs.spring.io/spring-boot/docs/2.1.13.RELEASE/reference/html/boot-features-external-config.html</a:t>
-            </a:r>
-            <a:endParaRPr lang="en-IL" sz="3200" dirty="0"/>
-          </a:p>
-          <a:p>
-            <a:endParaRPr lang="en-IL" dirty="0"/>
-          </a:p>
-        </p:txBody>
-      </p:sp>
-    </p:spTree>
-    <p:extLst>
-      <p:ext uri="{BB962C8B-B14F-4D97-AF65-F5344CB8AC3E}">
-        <p14:creationId xmlns:p14="http://schemas.microsoft.com/office/powerpoint/2010/main" val="3705696338"/>
-      </p:ext>
-    </p:extLst>
-  </p:cSld>
-  <p:clrMapOvr>
-    <a:masterClrMapping/>
-  </p:clrMapOvr>
-</p:sld>
-</file>
-
-<file path=ppt/slides/slide11.xml><?xml version="1.0" encoding="utf-8"?>
-<p:sld xmlns:a="http://schemas.openxmlformats.org/drawingml/2006/main" xmlns:r="http://schemas.openxmlformats.org/officeDocument/2006/relationships" xmlns:p="http://schemas.openxmlformats.org/presentationml/2006/main">
-  <p:cSld>
-    <p:spTree>
-      <p:nvGrpSpPr>
-        <p:cNvPr id="1" name=""/>
-        <p:cNvGrpSpPr/>
-        <p:nvPr/>
-      </p:nvGrpSpPr>
-      <p:grpSpPr>
-        <a:xfrm>
-          <a:off x="0" y="0"/>
-          <a:ext cx="0" cy="0"/>
-          <a:chOff x="0" y="0"/>
-          <a:chExt cx="0" cy="0"/>
-        </a:xfrm>
-      </p:grpSpPr>
-      <p:sp>
-        <p:nvSpPr>
-          <p:cNvPr id="2" name="Title 1">
-            <a:extLst>
-              <a:ext uri="{FF2B5EF4-FFF2-40B4-BE49-F238E27FC236}">
-                <a16:creationId xmlns:a16="http://schemas.microsoft.com/office/drawing/2014/main" id="{14700197-C973-B930-E0FA-B03C27830B6C}"/>
-              </a:ext>
-            </a:extLst>
-          </p:cNvPr>
-          <p:cNvSpPr>
-            <a:spLocks noGrp="1"/>
-          </p:cNvSpPr>
-          <p:nvPr>
-            <p:ph type="title"/>
-          </p:nvPr>
-        </p:nvSpPr>
-        <p:spPr>
-          <a:xfrm>
-            <a:off x="1938867" y="2700867"/>
-            <a:ext cx="6529272" cy="1826581"/>
-          </a:xfrm>
-        </p:spPr>
-        <p:txBody>
-          <a:bodyPr/>
-          <a:lstStyle/>
-          <a:p>
-            <a:r>
-              <a:rPr lang="en-IL" dirty="0"/>
-              <a:t>Spring Boot Configuration - Demo</a:t>
-            </a:r>
-          </a:p>
-        </p:txBody>
-      </p:sp>
-    </p:spTree>
-    <p:extLst>
-      <p:ext uri="{BB962C8B-B14F-4D97-AF65-F5344CB8AC3E}">
-        <p14:creationId xmlns:p14="http://schemas.microsoft.com/office/powerpoint/2010/main" val="3489755187"/>
-      </p:ext>
-    </p:extLst>
-  </p:cSld>
-  <p:clrMapOvr>
-    <a:masterClrMapping/>
-  </p:clrMapOvr>
-</p:sld>
-</file>
-
-<file path=ppt/slides/slide12.xml><?xml version="1.0" encoding="utf-8"?>
-<p:sld xmlns:a="http://schemas.openxmlformats.org/drawingml/2006/main" xmlns:r="http://schemas.openxmlformats.org/officeDocument/2006/relationships" xmlns:p="http://schemas.openxmlformats.org/presentationml/2006/main">
-  <p:cSld>
-    <p:spTree>
-      <p:nvGrpSpPr>
-        <p:cNvPr id="1" name=""/>
-        <p:cNvGrpSpPr/>
-        <p:nvPr/>
-      </p:nvGrpSpPr>
-      <p:grpSpPr>
-        <a:xfrm>
-          <a:off x="0" y="0"/>
-          <a:ext cx="0" cy="0"/>
-          <a:chOff x="0" y="0"/>
-          <a:chExt cx="0" cy="0"/>
-        </a:xfrm>
-      </p:grpSpPr>
-      <p:sp>
-        <p:nvSpPr>
-          <p:cNvPr id="2" name="Title 1">
-            <a:extLst>
-              <a:ext uri="{FF2B5EF4-FFF2-40B4-BE49-F238E27FC236}">
-                <a16:creationId xmlns:a16="http://schemas.microsoft.com/office/drawing/2014/main" id="{1087CE08-EA66-DD65-35D7-4AF271B1B669}"/>
-              </a:ext>
-            </a:extLst>
-          </p:cNvPr>
-          <p:cNvSpPr>
-            <a:spLocks noGrp="1"/>
-          </p:cNvSpPr>
-          <p:nvPr>
-            <p:ph type="title"/>
-          </p:nvPr>
-        </p:nvSpPr>
-        <p:spPr>
-          <a:xfrm>
-            <a:off x="677334" y="609600"/>
-            <a:ext cx="8596668" cy="982894"/>
-          </a:xfrm>
-        </p:spPr>
-        <p:txBody>
-          <a:bodyPr/>
-          <a:lstStyle/>
-          <a:p>
-            <a:r>
-              <a:rPr lang="en-IL" dirty="0"/>
-              <a:t>Configuration in Spring Boot applications</a:t>
-            </a:r>
-          </a:p>
-        </p:txBody>
-      </p:sp>
-      <p:sp>
-        <p:nvSpPr>
-          <p:cNvPr id="3" name="Content Placeholder 2">
-            <a:extLst>
-              <a:ext uri="{FF2B5EF4-FFF2-40B4-BE49-F238E27FC236}">
-                <a16:creationId xmlns:a16="http://schemas.microsoft.com/office/drawing/2014/main" id="{A5250B5C-215A-A41D-87D4-DB0279D55A96}"/>
-              </a:ext>
-            </a:extLst>
-          </p:cNvPr>
-          <p:cNvSpPr>
-            <a:spLocks noGrp="1"/>
-          </p:cNvSpPr>
-          <p:nvPr>
-            <p:ph idx="1"/>
-          </p:nvPr>
-        </p:nvSpPr>
-        <p:spPr>
-          <a:xfrm>
-            <a:off x="677334" y="1520575"/>
-            <a:ext cx="8596668" cy="4520787"/>
-          </a:xfrm>
-        </p:spPr>
-        <p:txBody>
-          <a:bodyPr>
-            <a:normAutofit/>
-          </a:bodyPr>
-          <a:lstStyle/>
-          <a:p>
-            <a:r>
-              <a:rPr lang="en-US" sz="3200" dirty="0"/>
-              <a:t>Property values can be injected directly into the application’s beans using the </a:t>
-            </a:r>
-            <a:r>
-              <a:rPr lang="en-US" sz="3200" dirty="0">
-                <a:solidFill>
-                  <a:srgbClr val="0070C0"/>
-                </a:solidFill>
-              </a:rPr>
-              <a:t>@Value </a:t>
-            </a:r>
-            <a:r>
-              <a:rPr lang="en-US" sz="3200" dirty="0"/>
-              <a:t>annotation</a:t>
-            </a:r>
-          </a:p>
-          <a:p>
-            <a:r>
-              <a:rPr lang="en-US" sz="3200" dirty="0"/>
-              <a:t>Bound to structured objects through </a:t>
-            </a:r>
-            <a:r>
-              <a:rPr lang="en-US" sz="3200" dirty="0">
-                <a:solidFill>
-                  <a:srgbClr val="0070C0"/>
-                </a:solidFill>
-              </a:rPr>
-              <a:t>@</a:t>
-            </a:r>
-            <a:r>
-              <a:rPr lang="en-US" sz="3200" dirty="0" err="1">
-                <a:solidFill>
-                  <a:srgbClr val="0070C0"/>
-                </a:solidFill>
-              </a:rPr>
-              <a:t>ConfigurationProperties</a:t>
-            </a:r>
-            <a:endParaRPr lang="en-US" sz="3200" dirty="0"/>
-          </a:p>
-          <a:p>
-            <a:r>
-              <a:rPr lang="en-US" sz="3200" dirty="0"/>
-              <a:t>Accessed through Spring’s </a:t>
-            </a:r>
-            <a:r>
-              <a:rPr lang="en-US" sz="3200" dirty="0">
-                <a:solidFill>
-                  <a:srgbClr val="0070C0"/>
-                </a:solidFill>
-              </a:rPr>
-              <a:t>Environment</a:t>
-            </a:r>
-            <a:r>
-              <a:rPr lang="en-US" sz="3200" dirty="0"/>
-              <a:t> abstraction</a:t>
-            </a:r>
-          </a:p>
-          <a:p>
-            <a:endParaRPr lang="en-US" sz="3200" dirty="0"/>
-          </a:p>
-        </p:txBody>
-      </p:sp>
-    </p:spTree>
-    <p:extLst>
-      <p:ext uri="{BB962C8B-B14F-4D97-AF65-F5344CB8AC3E}">
-        <p14:creationId xmlns:p14="http://schemas.microsoft.com/office/powerpoint/2010/main" val="2446164885"/>
-      </p:ext>
-    </p:extLst>
-  </p:cSld>
-  <p:clrMapOvr>
-    <a:masterClrMapping/>
-  </p:clrMapOvr>
-  <p:timing>
-    <p:tnLst>
-      <p:par>
-        <p:cTn id="1" dur="indefinite" restart="never" nodeType="tmRoot">
-          <p:childTnLst>
-            <p:seq concurrent="1" nextAc="seek">
-              <p:cTn id="2" dur="indefinite" nodeType="mainSeq">
-                <p:childTnLst>
-                  <p:par>
-                    <p:cTn id="3" fill="hold">
-                      <p:stCondLst>
-                        <p:cond delay="indefinite"/>
-                      </p:stCondLst>
-                      <p:childTnLst>
-                        <p:par>
-                          <p:cTn id="4" fill="hold">
-                            <p:stCondLst>
-                              <p:cond delay="0"/>
-                            </p:stCondLst>
-                            <p:childTnLst>
-                              <p:par>
-                                <p:cTn id="5" presetID="1" presetClass="entr" presetSubtype="0" fill="hold" grpId="0" nodeType="clickEffect">
-                                  <p:stCondLst>
-                                    <p:cond delay="0"/>
-                                  </p:stCondLst>
-                                  <p:childTnLst>
-                                    <p:set>
-                                      <p:cBhvr>
-                                        <p:cTn id="6" dur="1" fill="hold">
-                                          <p:stCondLst>
-                                            <p:cond delay="0"/>
-                                          </p:stCondLst>
-                                        </p:cTn>
-                                        <p:tgtEl>
-                                          <p:spTgt spid="3">
-                                            <p:txEl>
-                                              <p:pRg st="0" end="0"/>
-                                            </p:txEl>
-                                          </p:spTgt>
-                                        </p:tgtEl>
-                                        <p:attrNameLst>
-                                          <p:attrName>style.visibility</p:attrName>
-                                        </p:attrNameLst>
-                                      </p:cBhvr>
-                                      <p:to>
-                                        <p:strVal val="visible"/>
-                                      </p:to>
-                                    </p:set>
-                                  </p:childTnLst>
-                                </p:cTn>
-                              </p:par>
-                            </p:childTnLst>
-                          </p:cTn>
-                        </p:par>
-                      </p:childTnLst>
-                    </p:cTn>
-                  </p:par>
-                  <p:par>
-                    <p:cTn id="7" fill="hold">
-                      <p:stCondLst>
-                        <p:cond delay="indefinite"/>
-                      </p:stCondLst>
-                      <p:childTnLst>
-                        <p:par>
-                          <p:cTn id="8" fill="hold">
-                            <p:stCondLst>
-                              <p:cond delay="0"/>
-                            </p:stCondLst>
-                            <p:childTnLst>
-                              <p:par>
-                                <p:cTn id="9" presetID="1" presetClass="entr" presetSubtype="0" fill="hold" grpId="0" nodeType="clickEffect">
-                                  <p:stCondLst>
-                                    <p:cond delay="0"/>
-                                  </p:stCondLst>
-                                  <p:childTnLst>
-                                    <p:set>
-                                      <p:cBhvr>
-                                        <p:cTn id="10" dur="1" fill="hold">
-                                          <p:stCondLst>
-                                            <p:cond delay="0"/>
-                                          </p:stCondLst>
-                                        </p:cTn>
-                                        <p:tgtEl>
-                                          <p:spTgt spid="3">
-                                            <p:txEl>
-                                              <p:pRg st="1" end="1"/>
-                                            </p:txEl>
-                                          </p:spTgt>
-                                        </p:tgtEl>
-                                        <p:attrNameLst>
-                                          <p:attrName>style.visibility</p:attrName>
-                                        </p:attrNameLst>
-                                      </p:cBhvr>
-                                      <p:to>
-                                        <p:strVal val="visible"/>
-                                      </p:to>
-                                    </p:set>
-                                  </p:childTnLst>
-                                </p:cTn>
-                              </p:par>
-                            </p:childTnLst>
-                          </p:cTn>
-                        </p:par>
-                      </p:childTnLst>
-                    </p:cTn>
-                  </p:par>
-                  <p:par>
-                    <p:cTn id="11" fill="hold">
-                      <p:stCondLst>
-                        <p:cond delay="indefinite"/>
-                      </p:stCondLst>
-                      <p:childTnLst>
-                        <p:par>
-                          <p:cTn id="12" fill="hold">
-                            <p:stCondLst>
-                              <p:cond delay="0"/>
-                            </p:stCondLst>
-                            <p:childTnLst>
-                              <p:par>
-                                <p:cTn id="13" presetID="1" presetClass="entr" presetSubtype="0" fill="hold" grpId="0" nodeType="clickEffect">
-                                  <p:stCondLst>
-                                    <p:cond delay="0"/>
-                                  </p:stCondLst>
-                                  <p:childTnLst>
-                                    <p:set>
-                                      <p:cBhvr>
-                                        <p:cTn id="14" dur="1" fill="hold">
-                                          <p:stCondLst>
-                                            <p:cond delay="0"/>
-                                          </p:stCondLst>
-                                        </p:cTn>
-                                        <p:tgtEl>
-                                          <p:spTgt spid="3">
-                                            <p:txEl>
-                                              <p:pRg st="2" end="2"/>
-                                            </p:txEl>
-                                          </p:spTgt>
-                                        </p:tgtEl>
-                                        <p:attrNameLst>
-                                          <p:attrName>style.visibility</p:attrName>
-                                        </p:attrNameLst>
-                                      </p:cBhvr>
-                                      <p:to>
-                                        <p:strVal val="visible"/>
-                                      </p:to>
-                                    </p:set>
-                                  </p:childTnLst>
-                                </p:cTn>
-                              </p:par>
-                            </p:childTnLst>
-                          </p:cTn>
-                        </p:par>
-                      </p:childTnLst>
-                    </p:cTn>
-                  </p:par>
-                </p:childTnLst>
-              </p:cTn>
-              <p:prevCondLst>
-                <p:cond evt="onPrev" delay="0">
-                  <p:tgtEl>
-                    <p:sldTgt/>
-                  </p:tgtEl>
-                </p:cond>
-              </p:prevCondLst>
-              <p:nextCondLst>
-                <p:cond evt="onNext" delay="0">
-                  <p:tgtEl>
-                    <p:sldTgt/>
-                  </p:tgtEl>
-                </p:cond>
-              </p:nextCondLst>
-            </p:seq>
-          </p:childTnLst>
-        </p:cTn>
-      </p:par>
-    </p:tnLst>
-    <p:bldLst>
-      <p:bldP spid="3" grpId="0" build="p"/>
-    </p:bldLst>
-  </p:timing>
-</p:sld>
-</file>
-
-<file path=ppt/slides/slide13.xml><?xml version="1.0" encoding="utf-8"?>
-<p:sld xmlns:a="http://schemas.openxmlformats.org/drawingml/2006/main" xmlns:r="http://schemas.openxmlformats.org/officeDocument/2006/relationships" xmlns:p="http://schemas.openxmlformats.org/presentationml/2006/main">
-  <p:cSld>
-    <p:spTree>
-      <p:nvGrpSpPr>
-        <p:cNvPr id="1" name=""/>
-        <p:cNvGrpSpPr/>
-        <p:nvPr/>
-      </p:nvGrpSpPr>
-      <p:grpSpPr>
-        <a:xfrm>
-          <a:off x="0" y="0"/>
-          <a:ext cx="0" cy="0"/>
-          <a:chOff x="0" y="0"/>
-          <a:chExt cx="0" cy="0"/>
-        </a:xfrm>
-      </p:grpSpPr>
-      <p:sp>
-        <p:nvSpPr>
-          <p:cNvPr id="4" name="Rectangle 3">
-            <a:extLst>
-              <a:ext uri="{FF2B5EF4-FFF2-40B4-BE49-F238E27FC236}">
-                <a16:creationId xmlns:a16="http://schemas.microsoft.com/office/drawing/2014/main" id="{FE9B8E49-6699-A7A9-425A-5EB251E66F5D}"/>
-              </a:ext>
-            </a:extLst>
-          </p:cNvPr>
-          <p:cNvSpPr/>
-          <p:nvPr/>
-        </p:nvSpPr>
-        <p:spPr>
-          <a:xfrm>
-            <a:off x="677332" y="2924189"/>
-            <a:ext cx="8353455" cy="3610175"/>
-          </a:xfrm>
-          <a:prstGeom prst="rect">
-            <a:avLst/>
-          </a:prstGeom>
-          <a:solidFill>
-            <a:schemeClr val="tx2">
-              <a:lumMod val="20000"/>
-              <a:lumOff val="80000"/>
-            </a:schemeClr>
-          </a:solidFill>
-        </p:spPr>
-        <p:style>
-          <a:lnRef idx="2">
-            <a:schemeClr val="accent1">
-              <a:shade val="50000"/>
-            </a:schemeClr>
-          </a:lnRef>
-          <a:fillRef idx="1">
-            <a:schemeClr val="accent1"/>
-          </a:fillRef>
-          <a:effectRef idx="0">
-            <a:schemeClr val="accent1"/>
-          </a:effectRef>
-          <a:fontRef idx="minor">
-            <a:schemeClr val="lt1"/>
-          </a:fontRef>
-        </p:style>
-        <p:txBody>
-          <a:bodyPr rtlCol="0" anchor="ctr"/>
-          <a:lstStyle/>
-          <a:p>
-            <a:pPr algn="ctr"/>
-            <a:endParaRPr lang="en-IL"/>
-          </a:p>
-        </p:txBody>
-      </p:sp>
-      <p:sp>
-        <p:nvSpPr>
-          <p:cNvPr id="3" name="Content Placeholder 2">
-            <a:extLst>
-              <a:ext uri="{FF2B5EF4-FFF2-40B4-BE49-F238E27FC236}">
-                <a16:creationId xmlns:a16="http://schemas.microsoft.com/office/drawing/2014/main" id="{B3A3C616-E58C-386B-EB03-88C0FD7794EA}"/>
-              </a:ext>
-            </a:extLst>
-          </p:cNvPr>
-          <p:cNvSpPr>
-            <a:spLocks noGrp="1"/>
-          </p:cNvSpPr>
-          <p:nvPr>
-            <p:ph idx="1"/>
-          </p:nvPr>
-        </p:nvSpPr>
-        <p:spPr>
-          <a:xfrm>
-            <a:off x="677334" y="1776549"/>
-            <a:ext cx="8596668" cy="4757815"/>
-          </a:xfrm>
-        </p:spPr>
-        <p:txBody>
-          <a:bodyPr>
-            <a:normAutofit fontScale="77500" lnSpcReduction="20000"/>
-          </a:bodyPr>
-          <a:lstStyle/>
-          <a:p>
-            <a:endParaRPr lang="en-IL" dirty="0"/>
-          </a:p>
-          <a:p>
-            <a:endParaRPr lang="en-IL" dirty="0"/>
-          </a:p>
-          <a:p>
-            <a:endParaRPr lang="en-IL" dirty="0"/>
-          </a:p>
-          <a:p>
-            <a:pPr marL="0" indent="0">
-              <a:buNone/>
-            </a:pPr>
-            <a:endParaRPr lang="en-US" b="1" i="1" dirty="0">
-              <a:solidFill>
-                <a:srgbClr val="808080"/>
-              </a:solidFill>
-              <a:effectLst/>
-            </a:endParaRPr>
-          </a:p>
-          <a:p>
-            <a:pPr marL="0" indent="0">
-              <a:buNone/>
-            </a:pPr>
-            <a:r>
-              <a:rPr lang="en-US" b="1" i="1" dirty="0">
-                <a:solidFill>
-                  <a:schemeClr val="accent3">
-                    <a:lumMod val="75000"/>
-                  </a:schemeClr>
-                </a:solidFill>
-                <a:effectLst/>
-              </a:rPr>
-              <a:t>@Component</a:t>
-            </a:r>
-            <a:r>
-              <a:rPr lang="en-US" b="1" dirty="0">
-                <a:solidFill>
-                  <a:schemeClr val="accent3">
-                    <a:lumMod val="75000"/>
-                  </a:schemeClr>
-                </a:solidFill>
-              </a:rPr>
-              <a:t> </a:t>
-            </a:r>
-          </a:p>
-          <a:p>
-            <a:pPr marL="0" indent="0">
-              <a:buNone/>
-            </a:pPr>
-            <a:r>
-              <a:rPr lang="en-US" b="1" dirty="0">
-                <a:solidFill>
-                  <a:srgbClr val="0070C0"/>
-                </a:solidFill>
-                <a:effectLst/>
-              </a:rPr>
-              <a:t>public</a:t>
-            </a:r>
-            <a:r>
-              <a:rPr lang="en-US" dirty="0"/>
-              <a:t> </a:t>
-            </a:r>
-            <a:r>
-              <a:rPr lang="en-US" b="1" dirty="0">
-                <a:solidFill>
-                  <a:srgbClr val="0070C0"/>
-                </a:solidFill>
-              </a:rPr>
-              <a:t>class</a:t>
-            </a:r>
-            <a:r>
-              <a:rPr lang="en-US" dirty="0"/>
-              <a:t> </a:t>
-            </a:r>
-            <a:r>
-              <a:rPr lang="en-US" dirty="0" err="1"/>
-              <a:t>MyBean</a:t>
-            </a:r>
-            <a:r>
-              <a:rPr lang="en-US" dirty="0"/>
-              <a:t> {</a:t>
-            </a:r>
-          </a:p>
-          <a:p>
-            <a:pPr marL="0" indent="0">
-              <a:buNone/>
-            </a:pPr>
-            <a:r>
-              <a:rPr lang="en-US" i="1" dirty="0">
-                <a:solidFill>
-                  <a:srgbClr val="808080"/>
-                </a:solidFill>
-                <a:effectLst/>
-              </a:rPr>
-              <a:t>	</a:t>
-            </a:r>
-            <a:r>
-              <a:rPr lang="en-US" b="1" i="1" dirty="0">
-                <a:solidFill>
-                  <a:schemeClr val="accent3">
-                    <a:lumMod val="75000"/>
-                  </a:schemeClr>
-                </a:solidFill>
-              </a:rPr>
-              <a:t>@Value</a:t>
-            </a:r>
-            <a:r>
-              <a:rPr lang="en-US" dirty="0"/>
-              <a:t>(</a:t>
-            </a:r>
-            <a:r>
-              <a:rPr lang="en-US" b="1" i="1" dirty="0">
-                <a:solidFill>
-                  <a:schemeClr val="accent2"/>
-                </a:solidFill>
-                <a:effectLst/>
-              </a:rPr>
-              <a:t>"</a:t>
-            </a:r>
-            <a:r>
-              <a:rPr lang="en-US" dirty="0">
-                <a:solidFill>
-                  <a:schemeClr val="accent2"/>
-                </a:solidFill>
-              </a:rPr>
-              <a:t>${</a:t>
-            </a:r>
-            <a:r>
-              <a:rPr lang="en-US" dirty="0" err="1">
-                <a:solidFill>
-                  <a:schemeClr val="accent2"/>
-                </a:solidFill>
-              </a:rPr>
-              <a:t>server.address</a:t>
-            </a:r>
-            <a:r>
-              <a:rPr lang="en-US" dirty="0">
-                <a:solidFill>
-                  <a:schemeClr val="accent2"/>
-                </a:solidFill>
-              </a:rPr>
-              <a:t>}"</a:t>
-            </a:r>
-            <a:r>
-              <a:rPr lang="en-US" dirty="0"/>
-              <a:t>) </a:t>
-            </a:r>
-          </a:p>
-          <a:p>
-            <a:pPr marL="0" indent="0">
-              <a:buNone/>
-            </a:pPr>
-            <a:r>
-              <a:rPr lang="en-US" b="1" dirty="0">
-                <a:solidFill>
-                  <a:srgbClr val="7F0055"/>
-                </a:solidFill>
-                <a:effectLst/>
-              </a:rPr>
-              <a:t>	</a:t>
-            </a:r>
-            <a:r>
-              <a:rPr lang="en-US" b="1" dirty="0">
-                <a:solidFill>
-                  <a:srgbClr val="0070C0"/>
-                </a:solidFill>
-              </a:rPr>
-              <a:t>private</a:t>
-            </a:r>
-            <a:r>
-              <a:rPr lang="en-US" dirty="0"/>
-              <a:t> </a:t>
-            </a:r>
-            <a:r>
-              <a:rPr lang="en-US" dirty="0" err="1">
-                <a:solidFill>
-                  <a:srgbClr val="000000"/>
-                </a:solidFill>
-                <a:effectLst/>
-              </a:rPr>
-              <a:t>InetAddress</a:t>
-            </a:r>
-            <a:r>
-              <a:rPr lang="en-US" dirty="0"/>
-              <a:t> </a:t>
-            </a:r>
-            <a:r>
-              <a:rPr lang="en-US" dirty="0" err="1">
-                <a:solidFill>
-                  <a:srgbClr val="871094"/>
-                </a:solidFill>
-                <a:latin typeface="+mj-lt"/>
-              </a:rPr>
-              <a:t>serverAddr</a:t>
-            </a:r>
-            <a:r>
-              <a:rPr lang="en-US" dirty="0"/>
-              <a:t>; </a:t>
-            </a:r>
-          </a:p>
-          <a:p>
-            <a:pPr marL="0" indent="0">
-              <a:buNone/>
-            </a:pPr>
-            <a:r>
-              <a:rPr lang="en-US" i="1" dirty="0">
-                <a:solidFill>
-                  <a:srgbClr val="808080"/>
-                </a:solidFill>
-                <a:effectLst/>
-              </a:rPr>
-              <a:t>	</a:t>
-            </a:r>
-            <a:r>
-              <a:rPr lang="en-US" b="1" i="1" dirty="0">
-                <a:solidFill>
-                  <a:schemeClr val="accent3">
-                    <a:lumMod val="75000"/>
-                  </a:schemeClr>
-                </a:solidFill>
-              </a:rPr>
-              <a:t>@Value</a:t>
-            </a:r>
-            <a:r>
-              <a:rPr lang="en-US" dirty="0"/>
-              <a:t>(</a:t>
-            </a:r>
-            <a:r>
-              <a:rPr lang="en-US" b="1" i="1" dirty="0">
-                <a:solidFill>
-                  <a:schemeClr val="accent2"/>
-                </a:solidFill>
-                <a:effectLst/>
-              </a:rPr>
-              <a:t>"</a:t>
-            </a:r>
-            <a:r>
-              <a:rPr lang="en-US" dirty="0">
-                <a:solidFill>
-                  <a:schemeClr val="accent2"/>
-                </a:solidFill>
-              </a:rPr>
-              <a:t>${server.port:8080}"</a:t>
-            </a:r>
-            <a:r>
-              <a:rPr lang="en-US" dirty="0"/>
-              <a:t>)            </a:t>
-            </a:r>
-            <a:r>
-              <a:rPr lang="en-US" b="1" dirty="0"/>
-              <a:t>here we defined the variable default value - 8080</a:t>
-            </a:r>
-          </a:p>
-          <a:p>
-            <a:pPr marL="0" indent="0">
-              <a:buNone/>
-            </a:pPr>
-            <a:r>
-              <a:rPr lang="en-US" b="1" dirty="0">
-                <a:solidFill>
-                  <a:srgbClr val="7F0055"/>
-                </a:solidFill>
-                <a:effectLst/>
-              </a:rPr>
-              <a:t>	</a:t>
-            </a:r>
-            <a:r>
-              <a:rPr lang="en-US" b="1" dirty="0">
-                <a:solidFill>
-                  <a:srgbClr val="0070C0"/>
-                </a:solidFill>
-              </a:rPr>
-              <a:t>private</a:t>
-            </a:r>
-            <a:r>
-              <a:rPr lang="en-US" dirty="0"/>
-              <a:t> </a:t>
-            </a:r>
-            <a:r>
-              <a:rPr lang="en-US" b="1" dirty="0">
-                <a:solidFill>
-                  <a:srgbClr val="0070C0"/>
-                </a:solidFill>
-              </a:rPr>
-              <a:t>int</a:t>
-            </a:r>
-            <a:r>
-              <a:rPr lang="en-US" dirty="0"/>
-              <a:t> </a:t>
-            </a:r>
-            <a:r>
-              <a:rPr lang="en-US" dirty="0" err="1">
-                <a:solidFill>
-                  <a:srgbClr val="871094"/>
-                </a:solidFill>
-                <a:latin typeface="+mj-lt"/>
-              </a:rPr>
-              <a:t>serverPort</a:t>
-            </a:r>
-            <a:r>
-              <a:rPr lang="en-US" dirty="0"/>
-              <a:t>; </a:t>
-            </a:r>
-          </a:p>
-          <a:p>
-            <a:pPr marL="0" indent="0">
-              <a:buNone/>
-            </a:pPr>
-            <a:r>
-              <a:rPr lang="en-US" i="1" dirty="0">
-                <a:solidFill>
-                  <a:srgbClr val="3F5F5F"/>
-                </a:solidFill>
-              </a:rPr>
-              <a:t>	</a:t>
-            </a:r>
-            <a:r>
-              <a:rPr lang="en-US" b="1" i="1" dirty="0">
-                <a:solidFill>
-                  <a:schemeClr val="accent3">
-                    <a:lumMod val="75000"/>
-                  </a:schemeClr>
-                </a:solidFill>
-              </a:rPr>
-              <a:t>@Value</a:t>
-            </a:r>
-            <a:r>
-              <a:rPr lang="en-US" dirty="0"/>
-              <a:t>(</a:t>
-            </a:r>
-            <a:r>
-              <a:rPr lang="en-US" b="1" i="1" dirty="0">
-                <a:solidFill>
-                  <a:schemeClr val="accent2"/>
-                </a:solidFill>
-              </a:rPr>
-              <a:t>“$</a:t>
-            </a:r>
-            <a:r>
-              <a:rPr lang="en-US" dirty="0">
-                <a:solidFill>
-                  <a:schemeClr val="accent2"/>
-                </a:solidFill>
-              </a:rPr>
-              <a:t>{HOME}”</a:t>
-            </a:r>
-            <a:r>
-              <a:rPr lang="en-US" dirty="0"/>
-              <a:t>)</a:t>
-            </a:r>
-          </a:p>
-          <a:p>
-            <a:pPr marL="0" indent="0">
-              <a:buNone/>
-            </a:pPr>
-            <a:r>
-              <a:rPr lang="en-US" i="1" dirty="0">
-                <a:solidFill>
-                  <a:srgbClr val="3F5F5F"/>
-                </a:solidFill>
-                <a:effectLst/>
-              </a:rPr>
-              <a:t>         </a:t>
-            </a:r>
-            <a:r>
-              <a:rPr lang="en-US" b="1" dirty="0">
-                <a:solidFill>
-                  <a:srgbClr val="0070C0"/>
-                </a:solidFill>
-              </a:rPr>
-              <a:t>private</a:t>
-            </a:r>
-            <a:r>
-              <a:rPr lang="en-US" i="1" dirty="0">
-                <a:solidFill>
-                  <a:srgbClr val="3F5F5F"/>
-                </a:solidFill>
-                <a:effectLst/>
-              </a:rPr>
-              <a:t> </a:t>
-            </a:r>
-            <a:r>
-              <a:rPr lang="en-US" dirty="0"/>
-              <a:t>String </a:t>
-            </a:r>
-            <a:r>
-              <a:rPr lang="en-US" dirty="0" err="1">
-                <a:solidFill>
-                  <a:srgbClr val="871094"/>
-                </a:solidFill>
-                <a:latin typeface="+mj-lt"/>
-              </a:rPr>
-              <a:t>homeDir</a:t>
-            </a:r>
-            <a:r>
-              <a:rPr lang="en-US" dirty="0"/>
-              <a:t>;</a:t>
-            </a:r>
-          </a:p>
-          <a:p>
-            <a:pPr marL="0" indent="0">
-              <a:buNone/>
-            </a:pPr>
-            <a:r>
-              <a:rPr lang="en-US" dirty="0"/>
-              <a:t> </a:t>
-            </a:r>
-            <a:r>
-              <a:rPr lang="en-US" i="1" dirty="0">
-                <a:solidFill>
-                  <a:srgbClr val="3F5F5F"/>
-                </a:solidFill>
-              </a:rPr>
-              <a:t>	</a:t>
-            </a:r>
-            <a:r>
-              <a:rPr lang="en-US" b="1" i="1" dirty="0">
-                <a:solidFill>
-                  <a:schemeClr val="accent3">
-                    <a:lumMod val="75000"/>
-                  </a:schemeClr>
-                </a:solidFill>
-              </a:rPr>
-              <a:t>@Value</a:t>
-            </a:r>
-            <a:r>
-              <a:rPr lang="en-US" dirty="0"/>
-              <a:t>(</a:t>
-            </a:r>
-            <a:r>
-              <a:rPr lang="en-US" dirty="0">
-                <a:solidFill>
-                  <a:schemeClr val="accent2"/>
-                </a:solidFill>
-              </a:rPr>
-              <a:t>“${</a:t>
-            </a:r>
-            <a:r>
-              <a:rPr lang="en-US" dirty="0" err="1">
-                <a:solidFill>
-                  <a:schemeClr val="accent2"/>
-                </a:solidFill>
-              </a:rPr>
-              <a:t>demo.course</a:t>
-            </a:r>
-            <a:r>
-              <a:rPr lang="en-US" dirty="0">
-                <a:solidFill>
-                  <a:schemeClr val="accent2"/>
-                </a:solidFill>
-              </a:rPr>
-              <a:t>}”</a:t>
-            </a:r>
-            <a:r>
-              <a:rPr lang="en-US" dirty="0"/>
-              <a:t>)</a:t>
-            </a:r>
-          </a:p>
-          <a:p>
-            <a:pPr marL="0" indent="0">
-              <a:buNone/>
-            </a:pPr>
-            <a:r>
-              <a:rPr lang="en-US" i="1" dirty="0">
-                <a:solidFill>
-                  <a:srgbClr val="3F5F5F"/>
-                </a:solidFill>
-                <a:effectLst/>
-              </a:rPr>
-              <a:t>          </a:t>
-            </a:r>
-            <a:r>
-              <a:rPr lang="en-US" b="1" dirty="0">
-                <a:solidFill>
-                  <a:srgbClr val="0070C0"/>
-                </a:solidFill>
-              </a:rPr>
-              <a:t>private</a:t>
-            </a:r>
-            <a:r>
-              <a:rPr lang="en-US" i="1" dirty="0">
-                <a:solidFill>
-                  <a:srgbClr val="3F5F5F"/>
-                </a:solidFill>
-                <a:effectLst/>
-              </a:rPr>
-              <a:t> </a:t>
-            </a:r>
-            <a:r>
-              <a:rPr lang="en-US" dirty="0"/>
-              <a:t>String </a:t>
-            </a:r>
-            <a:r>
-              <a:rPr lang="en-US" dirty="0" err="1">
-                <a:solidFill>
-                  <a:srgbClr val="871094"/>
-                </a:solidFill>
-                <a:latin typeface="+mj-lt"/>
-              </a:rPr>
-              <a:t>courseNum</a:t>
-            </a:r>
-            <a:r>
-              <a:rPr lang="en-US" dirty="0"/>
-              <a:t>;</a:t>
-            </a:r>
-          </a:p>
-          <a:p>
-            <a:pPr marL="0" indent="0">
-              <a:buNone/>
-            </a:pPr>
-            <a:r>
-              <a:rPr lang="en-US" i="1" dirty="0">
-                <a:solidFill>
-                  <a:srgbClr val="3F5F5F"/>
-                </a:solidFill>
-                <a:effectLst/>
-              </a:rPr>
-              <a:t>	...</a:t>
-            </a:r>
-            <a:r>
-              <a:rPr lang="en-US" dirty="0"/>
-              <a:t> </a:t>
-            </a:r>
-          </a:p>
-          <a:p>
-            <a:pPr marL="0" indent="0">
-              <a:buNone/>
-            </a:pPr>
-            <a:r>
-              <a:rPr lang="en-US" dirty="0"/>
-              <a:t>}</a:t>
-            </a:r>
-            <a:endParaRPr lang="en-IL" dirty="0"/>
-          </a:p>
-        </p:txBody>
-      </p:sp>
-      <p:sp>
-        <p:nvSpPr>
-          <p:cNvPr id="2" name="Title 1">
-            <a:extLst>
-              <a:ext uri="{FF2B5EF4-FFF2-40B4-BE49-F238E27FC236}">
-                <a16:creationId xmlns:a16="http://schemas.microsoft.com/office/drawing/2014/main" id="{031901DC-E139-2EC9-569B-202344B30931}"/>
-              </a:ext>
-            </a:extLst>
-          </p:cNvPr>
-          <p:cNvSpPr>
-            <a:spLocks noGrp="1"/>
-          </p:cNvSpPr>
-          <p:nvPr>
-            <p:ph type="title"/>
-          </p:nvPr>
-        </p:nvSpPr>
-        <p:spPr/>
-        <p:txBody>
-          <a:bodyPr/>
-          <a:lstStyle/>
-          <a:p>
-            <a:r>
-              <a:rPr lang="en-IL" dirty="0"/>
-              <a:t>Load configuration values in the code: @Value</a:t>
-            </a:r>
-          </a:p>
-        </p:txBody>
-      </p:sp>
-      <p:graphicFrame>
-        <p:nvGraphicFramePr>
-          <p:cNvPr id="7" name="Table 7">
-            <a:extLst>
-              <a:ext uri="{FF2B5EF4-FFF2-40B4-BE49-F238E27FC236}">
-                <a16:creationId xmlns:a16="http://schemas.microsoft.com/office/drawing/2014/main" id="{AF19DFB6-4C85-1E2D-589F-8FF1659B1A1E}"/>
-              </a:ext>
-            </a:extLst>
-          </p:cNvPr>
-          <p:cNvGraphicFramePr>
-            <a:graphicFrameLocks noGrp="1"/>
-          </p:cNvGraphicFramePr>
-          <p:nvPr/>
-        </p:nvGraphicFramePr>
-        <p:xfrm>
-          <a:off x="677332" y="1776549"/>
-          <a:ext cx="8353455" cy="1005840"/>
-        </p:xfrm>
-        <a:graphic>
-          <a:graphicData uri="http://schemas.openxmlformats.org/drawingml/2006/table">
-            <a:tbl>
-              <a:tblPr firstRow="1" bandRow="1">
-                <a:tableStyleId>{5C22544A-7EE6-4342-B048-85BDC9FD1C3A}</a:tableStyleId>
-              </a:tblPr>
-              <a:tblGrid>
-                <a:gridCol w="3089784">
-                  <a:extLst>
-                    <a:ext uri="{9D8B030D-6E8A-4147-A177-3AD203B41FA5}">
-                      <a16:colId xmlns:a16="http://schemas.microsoft.com/office/drawing/2014/main" val="1815690530"/>
-                    </a:ext>
-                  </a:extLst>
-                </a:gridCol>
-                <a:gridCol w="2479186">
-                  <a:extLst>
-                    <a:ext uri="{9D8B030D-6E8A-4147-A177-3AD203B41FA5}">
-                      <a16:colId xmlns:a16="http://schemas.microsoft.com/office/drawing/2014/main" val="3367717155"/>
-                    </a:ext>
-                  </a:extLst>
-                </a:gridCol>
-                <a:gridCol w="2784485">
-                  <a:extLst>
-                    <a:ext uri="{9D8B030D-6E8A-4147-A177-3AD203B41FA5}">
-                      <a16:colId xmlns:a16="http://schemas.microsoft.com/office/drawing/2014/main" val="1586312912"/>
-                    </a:ext>
-                  </a:extLst>
-                </a:gridCol>
-              </a:tblGrid>
-              <a:tr h="362718">
-                <a:tc>
-                  <a:txBody>
-                    <a:bodyPr/>
-                    <a:lstStyle/>
-                    <a:p>
-                      <a:r>
-                        <a:rPr lang="en-IL" dirty="0"/>
-                        <a:t>Configuration file:</a:t>
-                      </a:r>
-                    </a:p>
-                  </a:txBody>
-                  <a:tcPr/>
-                </a:tc>
-                <a:tc>
-                  <a:txBody>
-                    <a:bodyPr/>
-                    <a:lstStyle/>
-                    <a:p>
-                      <a:r>
-                        <a:rPr lang="en-IL" dirty="0"/>
-                        <a:t>Environment:</a:t>
-                      </a:r>
-                    </a:p>
-                  </a:txBody>
-                  <a:tcPr/>
-                </a:tc>
-                <a:tc>
-                  <a:txBody>
-                    <a:bodyPr/>
-                    <a:lstStyle/>
-                    <a:p>
-                      <a:r>
-                        <a:rPr lang="en-IL" dirty="0"/>
-                        <a:t>System properties:</a:t>
-                      </a:r>
-                    </a:p>
-                  </a:txBody>
-                  <a:tcPr/>
-                </a:tc>
-                <a:extLst>
-                  <a:ext uri="{0D108BD9-81ED-4DB2-BD59-A6C34878D82A}">
-                    <a16:rowId xmlns:a16="http://schemas.microsoft.com/office/drawing/2014/main" val="2094724661"/>
-                  </a:ext>
-                </a:extLst>
-              </a:tr>
-              <a:tr h="634755">
-                <a:tc>
-                  <a:txBody>
-                    <a:bodyPr/>
-                    <a:lstStyle/>
-                    <a:p>
-                      <a:pPr marL="0" marR="0" lvl="0" indent="0" algn="l" defTabSz="457200" rtl="0" eaLnBrk="1" fontAlgn="auto" latinLnBrk="0" hangingPunct="1">
-                        <a:lnSpc>
-                          <a:spcPct val="100000"/>
-                        </a:lnSpc>
-                        <a:spcBef>
-                          <a:spcPts val="0"/>
-                        </a:spcBef>
-                        <a:spcAft>
-                          <a:spcPts val="0"/>
-                        </a:spcAft>
-                        <a:buClrTx/>
-                        <a:buSzTx/>
-                        <a:buFontTx/>
-                        <a:buNone/>
-                        <a:tabLst/>
-                        <a:defRPr/>
-                      </a:pPr>
-                      <a:r>
-                        <a:rPr lang="en-US" sz="1800" kern="1200" dirty="0" err="1">
-                          <a:solidFill>
-                            <a:schemeClr val="dk1"/>
-                          </a:solidFill>
-                          <a:effectLst/>
-                          <a:latin typeface="+mn-lt"/>
-                          <a:ea typeface="+mn-ea"/>
-                          <a:cs typeface="+mn-cs"/>
-                        </a:rPr>
-                        <a:t>server.address</a:t>
-                      </a:r>
-                      <a:r>
-                        <a:rPr lang="en-US" dirty="0"/>
-                        <a:t>=</a:t>
-                      </a:r>
-                      <a:r>
-                        <a:rPr lang="en-US" sz="1800" kern="1200" dirty="0">
-                          <a:solidFill>
-                            <a:schemeClr val="dk1"/>
-                          </a:solidFill>
-                          <a:effectLst/>
-                          <a:latin typeface="+mn-lt"/>
-                          <a:ea typeface="+mn-ea"/>
-                          <a:cs typeface="+mn-cs"/>
-                        </a:rPr>
-                        <a:t>127.0.0.1</a:t>
-                      </a:r>
-                      <a:br>
-                        <a:rPr lang="en-US" sz="1800" kern="1200" dirty="0">
-                          <a:solidFill>
-                            <a:schemeClr val="dk1"/>
-                          </a:solidFill>
-                          <a:effectLst/>
-                          <a:latin typeface="+mn-lt"/>
-                          <a:ea typeface="+mn-ea"/>
-                          <a:cs typeface="+mn-cs"/>
-                        </a:rPr>
-                      </a:br>
-                      <a:r>
-                        <a:rPr lang="en-US" sz="1800" kern="1200" dirty="0" err="1">
-                          <a:solidFill>
-                            <a:schemeClr val="dk1"/>
-                          </a:solidFill>
-                          <a:effectLst/>
-                          <a:latin typeface="+mn-lt"/>
-                          <a:ea typeface="+mn-ea"/>
-                          <a:cs typeface="+mn-cs"/>
-                        </a:rPr>
-                        <a:t>server.port</a:t>
-                      </a:r>
-                      <a:r>
-                        <a:rPr lang="en-US" dirty="0"/>
-                        <a:t>=</a:t>
-                      </a:r>
-                      <a:r>
-                        <a:rPr lang="en-US" sz="1800" kern="1200" dirty="0">
-                          <a:solidFill>
-                            <a:schemeClr val="dk1"/>
-                          </a:solidFill>
-                          <a:effectLst/>
-                          <a:latin typeface="+mn-lt"/>
-                          <a:ea typeface="+mn-ea"/>
-                          <a:cs typeface="+mn-cs"/>
-                        </a:rPr>
-                        <a:t>8080</a:t>
-                      </a:r>
-                      <a:endParaRPr lang="en-IL" dirty="0"/>
-                    </a:p>
-                  </a:txBody>
-                  <a:tcPr/>
-                </a:tc>
-                <a:tc>
-                  <a:txBody>
-                    <a:bodyPr/>
-                    <a:lstStyle/>
-                    <a:p>
-                      <a:r>
-                        <a:rPr lang="en-IL" dirty="0"/>
-                        <a:t>HOME=/Users/yb444b</a:t>
-                      </a:r>
-                    </a:p>
-                  </a:txBody>
-                  <a:tcPr/>
-                </a:tc>
-                <a:tc>
-                  <a:txBody>
-                    <a:bodyPr/>
-                    <a:lstStyle/>
-                    <a:p>
-                      <a:r>
-                        <a:rPr lang="en-US" dirty="0" err="1"/>
-                        <a:t>demo.course</a:t>
-                      </a:r>
-                      <a:r>
-                        <a:rPr lang="en-US" dirty="0"/>
-                        <a:t>=1.0</a:t>
-                      </a:r>
-                      <a:endParaRPr lang="en-IL" dirty="0"/>
-                    </a:p>
-                  </a:txBody>
-                  <a:tcPr/>
-                </a:tc>
-                <a:extLst>
-                  <a:ext uri="{0D108BD9-81ED-4DB2-BD59-A6C34878D82A}">
-                    <a16:rowId xmlns:a16="http://schemas.microsoft.com/office/drawing/2014/main" val="705258796"/>
-                  </a:ext>
-                </a:extLst>
-              </a:tr>
-            </a:tbl>
-          </a:graphicData>
-        </a:graphic>
-      </p:graphicFrame>
-      <p:sp>
-        <p:nvSpPr>
-          <p:cNvPr id="5" name="Left Arrow 4">
-            <a:extLst>
-              <a:ext uri="{FF2B5EF4-FFF2-40B4-BE49-F238E27FC236}">
-                <a16:creationId xmlns:a16="http://schemas.microsoft.com/office/drawing/2014/main" id="{B3D144FA-0182-13D0-66C9-06B9DE893DA5}"/>
-              </a:ext>
-            </a:extLst>
-          </p:cNvPr>
-          <p:cNvSpPr/>
-          <p:nvPr/>
-        </p:nvSpPr>
-        <p:spPr>
-          <a:xfrm>
-            <a:off x="3723489" y="4155456"/>
-            <a:ext cx="427382" cy="168965"/>
-          </a:xfrm>
-          <a:prstGeom prst="leftArrow">
-            <a:avLst/>
-          </a:prstGeom>
-        </p:spPr>
-        <p:style>
-          <a:lnRef idx="2">
-            <a:schemeClr val="accent1">
-              <a:shade val="50000"/>
-            </a:schemeClr>
-          </a:lnRef>
-          <a:fillRef idx="1">
-            <a:schemeClr val="accent1"/>
-          </a:fillRef>
-          <a:effectRef idx="0">
-            <a:schemeClr val="accent1"/>
-          </a:effectRef>
-          <a:fontRef idx="minor">
-            <a:schemeClr val="lt1"/>
-          </a:fontRef>
-        </p:style>
-        <p:txBody>
-          <a:bodyPr rtlCol="0" anchor="ctr"/>
-          <a:lstStyle/>
-          <a:p>
-            <a:pPr algn="ctr"/>
-            <a:endParaRPr lang="en-IL"/>
-          </a:p>
-        </p:txBody>
-      </p:sp>
-    </p:spTree>
-    <p:extLst>
-      <p:ext uri="{BB962C8B-B14F-4D97-AF65-F5344CB8AC3E}">
-        <p14:creationId xmlns:p14="http://schemas.microsoft.com/office/powerpoint/2010/main" val="1924144910"/>
-      </p:ext>
-    </p:extLst>
-  </p:cSld>
-  <p:clrMapOvr>
-    <a:masterClrMapping/>
-  </p:clrMapOvr>
-</p:sld>
-</file>
-
-<file path=ppt/slides/slide14.xml><?xml version="1.0" encoding="utf-8"?>
-<p:sld xmlns:a="http://schemas.openxmlformats.org/drawingml/2006/main" xmlns:r="http://schemas.openxmlformats.org/officeDocument/2006/relationships" xmlns:p="http://schemas.openxmlformats.org/presentationml/2006/main">
-  <p:cSld>
-    <p:spTree>
-      <p:nvGrpSpPr>
-        <p:cNvPr id="1" name=""/>
-        <p:cNvGrpSpPr/>
-        <p:nvPr/>
-      </p:nvGrpSpPr>
-      <p:grpSpPr>
-        <a:xfrm>
-          <a:off x="0" y="0"/>
-          <a:ext cx="0" cy="0"/>
-          <a:chOff x="0" y="0"/>
-          <a:chExt cx="0" cy="0"/>
-        </a:xfrm>
-      </p:grpSpPr>
-      <p:sp>
-        <p:nvSpPr>
-          <p:cNvPr id="2" name="Title 1">
-            <a:extLst>
-              <a:ext uri="{FF2B5EF4-FFF2-40B4-BE49-F238E27FC236}">
-                <a16:creationId xmlns:a16="http://schemas.microsoft.com/office/drawing/2014/main" id="{05CC5BE0-0023-19B1-C157-CCB698FCC209}"/>
-              </a:ext>
-            </a:extLst>
-          </p:cNvPr>
-          <p:cNvSpPr>
-            <a:spLocks noGrp="1"/>
-          </p:cNvSpPr>
-          <p:nvPr>
-            <p:ph type="title"/>
-          </p:nvPr>
-        </p:nvSpPr>
-        <p:spPr/>
-        <p:txBody>
-          <a:bodyPr/>
-          <a:lstStyle/>
-          <a:p>
-            <a:r>
-              <a:rPr lang="en-IL" dirty="0"/>
-              <a:t>Load configuration values in the code: @ConfigurationProperties</a:t>
-            </a:r>
-          </a:p>
-        </p:txBody>
-      </p:sp>
-      <p:sp>
-        <p:nvSpPr>
-          <p:cNvPr id="3" name="Text Placeholder 2">
-            <a:extLst>
-              <a:ext uri="{FF2B5EF4-FFF2-40B4-BE49-F238E27FC236}">
-                <a16:creationId xmlns:a16="http://schemas.microsoft.com/office/drawing/2014/main" id="{38505742-509F-381A-E922-B38A59261DF7}"/>
-              </a:ext>
-            </a:extLst>
-          </p:cNvPr>
-          <p:cNvSpPr>
-            <a:spLocks noGrp="1"/>
-          </p:cNvSpPr>
-          <p:nvPr>
-            <p:ph type="body" idx="1"/>
-          </p:nvPr>
-        </p:nvSpPr>
-        <p:spPr>
-          <a:xfrm>
-            <a:off x="675746" y="1930400"/>
-            <a:ext cx="3034106" cy="385417"/>
-          </a:xfrm>
-        </p:spPr>
-        <p:txBody>
-          <a:bodyPr/>
-          <a:lstStyle/>
-          <a:p>
-            <a:r>
-              <a:rPr lang="en-IL" sz="1800" dirty="0"/>
-              <a:t>Configuration file:</a:t>
-            </a:r>
-          </a:p>
-        </p:txBody>
-      </p:sp>
-      <p:sp>
-        <p:nvSpPr>
-          <p:cNvPr id="4" name="Content Placeholder 3">
-            <a:extLst>
-              <a:ext uri="{FF2B5EF4-FFF2-40B4-BE49-F238E27FC236}">
-                <a16:creationId xmlns:a16="http://schemas.microsoft.com/office/drawing/2014/main" id="{40F13A66-DCB4-7280-9F03-4B4EC86AF7AD}"/>
-              </a:ext>
-            </a:extLst>
-          </p:cNvPr>
-          <p:cNvSpPr>
-            <a:spLocks noGrp="1"/>
-          </p:cNvSpPr>
-          <p:nvPr>
-            <p:ph sz="half" idx="2"/>
-          </p:nvPr>
-        </p:nvSpPr>
-        <p:spPr>
-          <a:xfrm>
-            <a:off x="675746" y="2315817"/>
-            <a:ext cx="3906193" cy="2030152"/>
-          </a:xfrm>
-          <a:solidFill>
-            <a:schemeClr val="accent1">
-              <a:lumMod val="20000"/>
-              <a:lumOff val="80000"/>
-            </a:schemeClr>
-          </a:solidFill>
-          <a:ln>
-            <a:solidFill>
-              <a:schemeClr val="accent2">
-                <a:lumMod val="50000"/>
-              </a:schemeClr>
-            </a:solidFill>
-          </a:ln>
-        </p:spPr>
-        <p:txBody>
-          <a:bodyPr>
-            <a:normAutofit/>
-          </a:bodyPr>
-          <a:lstStyle/>
-          <a:p>
-            <a:pPr marL="0" indent="0">
-              <a:buNone/>
-            </a:pPr>
-            <a:r>
-              <a:rPr lang="en-US" sz="1600" dirty="0">
-                <a:solidFill>
-                  <a:srgbClr val="002060"/>
-                </a:solidFill>
-              </a:rPr>
-              <a:t>s</a:t>
-            </a:r>
-            <a:r>
-              <a:rPr lang="en-IL" sz="1600" dirty="0">
-                <a:solidFill>
-                  <a:srgbClr val="002060"/>
-                </a:solidFill>
-              </a:rPr>
-              <a:t>erver.address</a:t>
-            </a:r>
-            <a:r>
-              <a:rPr lang="en-IL" sz="1600" dirty="0"/>
-              <a:t>=</a:t>
-            </a:r>
-            <a:r>
-              <a:rPr lang="en-IL" sz="1600" dirty="0">
-                <a:solidFill>
-                  <a:srgbClr val="067D17"/>
-                </a:solidFill>
-              </a:rPr>
-              <a:t>127.0.0.1</a:t>
-            </a:r>
-          </a:p>
-          <a:p>
-            <a:pPr marL="0" indent="0">
-              <a:buNone/>
-            </a:pPr>
-            <a:r>
-              <a:rPr lang="en-US" sz="1600" dirty="0">
-                <a:solidFill>
-                  <a:srgbClr val="002060"/>
-                </a:solidFill>
-              </a:rPr>
-              <a:t>s</a:t>
-            </a:r>
-            <a:r>
-              <a:rPr lang="en-IL" sz="1600" dirty="0">
-                <a:solidFill>
-                  <a:srgbClr val="002060"/>
-                </a:solidFill>
-              </a:rPr>
-              <a:t>erver.port</a:t>
-            </a:r>
-            <a:r>
-              <a:rPr lang="en-IL" sz="1600" dirty="0"/>
-              <a:t>=</a:t>
-            </a:r>
-            <a:r>
-              <a:rPr lang="en-IL" sz="1600" dirty="0">
-                <a:solidFill>
-                  <a:srgbClr val="00B0F0"/>
-                </a:solidFill>
-              </a:rPr>
-              <a:t>8080</a:t>
-            </a:r>
-          </a:p>
-          <a:p>
-            <a:pPr marL="0" indent="0">
-              <a:buNone/>
-            </a:pPr>
-            <a:r>
-              <a:rPr lang="en-US" sz="1600" dirty="0" err="1">
-                <a:solidFill>
-                  <a:srgbClr val="002060"/>
-                </a:solidFill>
-              </a:rPr>
-              <a:t>server.compression.mime</a:t>
-            </a:r>
-            <a:r>
-              <a:rPr lang="en-US" sz="1600" dirty="0">
-                <a:solidFill>
-                  <a:srgbClr val="002060"/>
-                </a:solidFill>
-              </a:rPr>
-              <a:t>-type</a:t>
-            </a:r>
-            <a:r>
-              <a:rPr lang="en-US" sz="1600" dirty="0"/>
-              <a:t>=</a:t>
-            </a:r>
-            <a:r>
-              <a:rPr lang="en-US" sz="1600" dirty="0">
-                <a:solidFill>
-                  <a:srgbClr val="067D17"/>
-                </a:solidFill>
-                <a:effectLst/>
-              </a:rPr>
-              <a:t> application/</a:t>
-            </a:r>
-            <a:r>
-              <a:rPr lang="en-US" sz="1600" dirty="0" err="1">
-                <a:solidFill>
-                  <a:srgbClr val="067D17"/>
-                </a:solidFill>
-                <a:effectLst/>
-              </a:rPr>
-              <a:t>json</a:t>
-            </a:r>
-            <a:r>
-              <a:rPr lang="en-US" sz="1600" dirty="0">
-                <a:solidFill>
-                  <a:srgbClr val="067D17"/>
-                </a:solidFill>
-                <a:effectLst/>
-              </a:rPr>
-              <a:t>, application/xml</a:t>
-            </a:r>
-            <a:endParaRPr lang="en-IL" sz="1600" dirty="0"/>
-          </a:p>
-          <a:p>
-            <a:pPr marL="0" indent="0">
-              <a:buNone/>
-            </a:pPr>
-            <a:r>
-              <a:rPr lang="en-US" sz="1600" dirty="0">
-                <a:solidFill>
-                  <a:srgbClr val="002060"/>
-                </a:solidFill>
-              </a:rPr>
-              <a:t>s</a:t>
-            </a:r>
-            <a:r>
-              <a:rPr lang="en-IL" sz="1600" dirty="0">
-                <a:solidFill>
-                  <a:srgbClr val="002060"/>
-                </a:solidFill>
-              </a:rPr>
-              <a:t>erver.max-http-header-size</a:t>
-            </a:r>
-            <a:r>
-              <a:rPr lang="en-IL" sz="1600" dirty="0"/>
-              <a:t>=</a:t>
-            </a:r>
-            <a:r>
-              <a:rPr lang="en-IL" sz="1600" dirty="0">
-                <a:solidFill>
-                  <a:srgbClr val="067D17"/>
-                </a:solidFill>
-              </a:rPr>
-              <a:t>8KB</a:t>
-            </a:r>
-            <a:endParaRPr lang="en-IL" sz="1600" dirty="0">
-              <a:solidFill>
-                <a:srgbClr val="00B0F0"/>
-              </a:solidFill>
-            </a:endParaRPr>
-          </a:p>
-        </p:txBody>
-      </p:sp>
-      <p:sp>
-        <p:nvSpPr>
-          <p:cNvPr id="5" name="Text Placeholder 4">
-            <a:extLst>
-              <a:ext uri="{FF2B5EF4-FFF2-40B4-BE49-F238E27FC236}">
-                <a16:creationId xmlns:a16="http://schemas.microsoft.com/office/drawing/2014/main" id="{37DF7256-0FD3-D66D-3001-E02FC798084C}"/>
-              </a:ext>
-            </a:extLst>
-          </p:cNvPr>
-          <p:cNvSpPr>
-            <a:spLocks noGrp="1"/>
-          </p:cNvSpPr>
-          <p:nvPr>
-            <p:ph type="body" sz="quarter" idx="3"/>
-          </p:nvPr>
-        </p:nvSpPr>
-        <p:spPr>
-          <a:xfrm>
-            <a:off x="4738409" y="1930400"/>
-            <a:ext cx="4535592" cy="385417"/>
-          </a:xfrm>
-        </p:spPr>
-        <p:txBody>
-          <a:bodyPr/>
-          <a:lstStyle/>
-          <a:p>
-            <a:r>
-              <a:rPr lang="en-IL" sz="1800" dirty="0"/>
-              <a:t>Code:</a:t>
-            </a:r>
-          </a:p>
-        </p:txBody>
-      </p:sp>
-      <p:sp>
-        <p:nvSpPr>
-          <p:cNvPr id="6" name="Content Placeholder 5">
-            <a:extLst>
-              <a:ext uri="{FF2B5EF4-FFF2-40B4-BE49-F238E27FC236}">
-                <a16:creationId xmlns:a16="http://schemas.microsoft.com/office/drawing/2014/main" id="{09F75FFB-F5CB-D6EF-7A3D-EA3766B5CDE1}"/>
-              </a:ext>
-            </a:extLst>
-          </p:cNvPr>
-          <p:cNvSpPr>
-            <a:spLocks noGrp="1"/>
-          </p:cNvSpPr>
-          <p:nvPr>
-            <p:ph sz="quarter" idx="4"/>
-          </p:nvPr>
-        </p:nvSpPr>
-        <p:spPr>
-          <a:xfrm>
-            <a:off x="4738409" y="2315818"/>
-            <a:ext cx="5250321" cy="4204252"/>
-          </a:xfrm>
-          <a:solidFill>
-            <a:schemeClr val="tx2">
-              <a:lumMod val="20000"/>
-              <a:lumOff val="80000"/>
-            </a:schemeClr>
-          </a:solidFill>
-          <a:ln>
-            <a:solidFill>
-              <a:schemeClr val="tx2">
-                <a:lumMod val="50000"/>
-              </a:schemeClr>
-            </a:solidFill>
-          </a:ln>
-        </p:spPr>
-        <p:txBody>
-          <a:bodyPr>
-            <a:noAutofit/>
-          </a:bodyPr>
-          <a:lstStyle/>
-          <a:p>
-            <a:pPr marL="0" indent="0">
-              <a:buNone/>
-            </a:pPr>
-            <a:r>
-              <a:rPr lang="en-US" sz="1600" b="1" dirty="0">
-                <a:solidFill>
-                  <a:schemeClr val="accent3">
-                    <a:lumMod val="75000"/>
-                  </a:schemeClr>
-                </a:solidFill>
-                <a:highlight>
-                  <a:srgbClr val="FFFF00"/>
-                </a:highlight>
-                <a:latin typeface="+mj-lt"/>
-              </a:rPr>
-              <a:t>@</a:t>
-            </a:r>
-            <a:r>
-              <a:rPr lang="en-US" sz="1600" b="1" dirty="0" err="1">
-                <a:solidFill>
-                  <a:schemeClr val="accent3">
-                    <a:lumMod val="75000"/>
-                  </a:schemeClr>
-                </a:solidFill>
-                <a:highlight>
-                  <a:srgbClr val="FFFF00"/>
-                </a:highlight>
-                <a:latin typeface="+mj-lt"/>
-              </a:rPr>
-              <a:t>ConfigurationProperties</a:t>
-            </a:r>
-            <a:r>
-              <a:rPr lang="en-US" sz="1600" b="1" dirty="0">
-                <a:solidFill>
-                  <a:schemeClr val="tx1">
-                    <a:lumMod val="95000"/>
-                    <a:lumOff val="5000"/>
-                  </a:schemeClr>
-                </a:solidFill>
-                <a:highlight>
-                  <a:srgbClr val="FFFF00"/>
-                </a:highlight>
-                <a:latin typeface="+mj-lt"/>
-              </a:rPr>
-              <a:t>(</a:t>
-            </a:r>
-            <a:r>
-              <a:rPr lang="en-US" sz="1600" b="1" dirty="0">
-                <a:solidFill>
-                  <a:schemeClr val="accent2"/>
-                </a:solidFill>
-                <a:highlight>
-                  <a:srgbClr val="FFFF00"/>
-                </a:highlight>
-                <a:latin typeface="+mj-lt"/>
-              </a:rPr>
-              <a:t>“server”</a:t>
-            </a:r>
-            <a:r>
-              <a:rPr lang="en-US" sz="1600" b="1" dirty="0">
-                <a:solidFill>
-                  <a:schemeClr val="tx1">
-                    <a:lumMod val="95000"/>
-                    <a:lumOff val="5000"/>
-                  </a:schemeClr>
-                </a:solidFill>
-                <a:highlight>
-                  <a:srgbClr val="FFFF00"/>
-                </a:highlight>
-                <a:latin typeface="+mj-lt"/>
-              </a:rPr>
-              <a:t>)</a:t>
-            </a:r>
-          </a:p>
-          <a:p>
-            <a:pPr marL="0" indent="0">
-              <a:buNone/>
-            </a:pPr>
-            <a:r>
-              <a:rPr lang="en-US" sz="1600" dirty="0">
-                <a:solidFill>
-                  <a:srgbClr val="0033B3"/>
-                </a:solidFill>
-                <a:latin typeface="+mj-lt"/>
-              </a:rPr>
-              <a:t>p</a:t>
-            </a:r>
-            <a:r>
-              <a:rPr lang="en-IL" sz="1600" dirty="0">
-                <a:solidFill>
-                  <a:srgbClr val="0033B3"/>
-                </a:solidFill>
-                <a:latin typeface="+mj-lt"/>
-              </a:rPr>
-              <a:t>ublic class </a:t>
-            </a:r>
-            <a:r>
-              <a:rPr lang="en-IL" sz="1600" dirty="0">
-                <a:latin typeface="+mj-lt"/>
-              </a:rPr>
-              <a:t>ServerConfiguration {</a:t>
-            </a:r>
-          </a:p>
-          <a:p>
-            <a:pPr marL="0" indent="0">
-              <a:buNone/>
-            </a:pPr>
-            <a:r>
-              <a:rPr lang="en-IL" sz="1600" dirty="0">
-                <a:latin typeface="+mj-lt"/>
-              </a:rPr>
-              <a:t>    </a:t>
-            </a:r>
-            <a:r>
-              <a:rPr lang="en-IL" sz="1600" dirty="0">
-                <a:solidFill>
-                  <a:srgbClr val="0033B3"/>
-                </a:solidFill>
-                <a:latin typeface="+mj-lt"/>
-              </a:rPr>
-              <a:t>private</a:t>
-            </a:r>
-            <a:r>
-              <a:rPr lang="en-IL" sz="1600" dirty="0">
-                <a:latin typeface="+mj-lt"/>
-              </a:rPr>
-              <a:t> </a:t>
-            </a:r>
-            <a:r>
-              <a:rPr lang="en-US" sz="1600" dirty="0" err="1">
-                <a:latin typeface="+mj-lt"/>
-              </a:rPr>
-              <a:t>InetAddress</a:t>
-            </a:r>
-            <a:r>
-              <a:rPr lang="en-IL" sz="1600" dirty="0">
-                <a:latin typeface="+mj-lt"/>
-              </a:rPr>
-              <a:t> </a:t>
-            </a:r>
-            <a:r>
-              <a:rPr lang="en-IL" sz="1600" dirty="0">
-                <a:solidFill>
-                  <a:srgbClr val="871094"/>
-                </a:solidFill>
-                <a:latin typeface="+mj-lt"/>
-              </a:rPr>
-              <a:t>address</a:t>
-            </a:r>
-            <a:r>
-              <a:rPr lang="en-IL" sz="1600" dirty="0">
-                <a:latin typeface="+mj-lt"/>
-              </a:rPr>
-              <a:t>;</a:t>
-            </a:r>
-          </a:p>
-          <a:p>
-            <a:pPr marL="0" indent="0">
-              <a:buNone/>
-            </a:pPr>
-            <a:r>
-              <a:rPr lang="en-IL" sz="1600" dirty="0">
-                <a:latin typeface="+mj-lt"/>
-              </a:rPr>
-              <a:t>    </a:t>
-            </a:r>
-            <a:r>
-              <a:rPr lang="en-IL" sz="1600" dirty="0">
-                <a:solidFill>
-                  <a:srgbClr val="0033B3"/>
-                </a:solidFill>
-                <a:latin typeface="+mj-lt"/>
-              </a:rPr>
-              <a:t>private</a:t>
-            </a:r>
-            <a:r>
-              <a:rPr lang="en-IL" sz="1600" dirty="0">
-                <a:solidFill>
-                  <a:schemeClr val="accent5">
-                    <a:lumMod val="75000"/>
-                  </a:schemeClr>
-                </a:solidFill>
-                <a:latin typeface="+mj-lt"/>
-              </a:rPr>
-              <a:t> </a:t>
-            </a:r>
-            <a:r>
-              <a:rPr lang="en-IL" sz="1600" dirty="0">
-                <a:solidFill>
-                  <a:srgbClr val="0033B3"/>
-                </a:solidFill>
-                <a:latin typeface="+mj-lt"/>
-              </a:rPr>
-              <a:t>int</a:t>
-            </a:r>
-            <a:r>
-              <a:rPr lang="en-IL" sz="1600" dirty="0">
-                <a:latin typeface="+mj-lt"/>
-              </a:rPr>
-              <a:t> </a:t>
-            </a:r>
-            <a:r>
-              <a:rPr lang="en-IL" sz="1600" dirty="0">
-                <a:solidFill>
-                  <a:srgbClr val="871094"/>
-                </a:solidFill>
-                <a:latin typeface="+mj-lt"/>
-              </a:rPr>
-              <a:t>port</a:t>
-            </a:r>
-            <a:r>
-              <a:rPr lang="en-IL" sz="1600" dirty="0">
-                <a:latin typeface="+mj-lt"/>
-              </a:rPr>
-              <a:t>;</a:t>
-            </a:r>
-          </a:p>
-          <a:p>
-            <a:pPr marL="0" indent="0">
-              <a:buNone/>
-            </a:pPr>
-            <a:r>
-              <a:rPr lang="en-IL" sz="1600" dirty="0">
-                <a:latin typeface="+mj-lt"/>
-              </a:rPr>
-              <a:t>    </a:t>
-            </a:r>
-            <a:r>
-              <a:rPr lang="en-IL" sz="1600" dirty="0">
-                <a:solidFill>
-                  <a:srgbClr val="0033B3"/>
-                </a:solidFill>
-                <a:latin typeface="+mj-lt"/>
-              </a:rPr>
-              <a:t>private</a:t>
-            </a:r>
-            <a:r>
-              <a:rPr lang="en-IL" sz="1600" dirty="0">
-                <a:solidFill>
-                  <a:schemeClr val="accent5">
-                    <a:lumMod val="75000"/>
-                  </a:schemeClr>
-                </a:solidFill>
-                <a:latin typeface="+mj-lt"/>
-              </a:rPr>
-              <a:t> </a:t>
-            </a:r>
-            <a:r>
-              <a:rPr lang="en-IL" sz="1600" dirty="0">
-                <a:latin typeface="+mj-lt"/>
-              </a:rPr>
-              <a:t>DataSize </a:t>
-            </a:r>
-            <a:r>
-              <a:rPr lang="en-IL" sz="1600" dirty="0">
-                <a:solidFill>
-                  <a:srgbClr val="871094"/>
-                </a:solidFill>
-                <a:latin typeface="+mj-lt"/>
-              </a:rPr>
-              <a:t>maxHttpHeaderSize</a:t>
-            </a:r>
-            <a:r>
-              <a:rPr lang="en-IL" sz="1600" dirty="0">
-                <a:latin typeface="+mj-lt"/>
-              </a:rPr>
-              <a:t>;</a:t>
-            </a:r>
-          </a:p>
-          <a:p>
-            <a:pPr marL="0" indent="0">
-              <a:buNone/>
-            </a:pPr>
-            <a:r>
-              <a:rPr lang="en-US" sz="1600" dirty="0">
-                <a:latin typeface="+mj-lt"/>
-              </a:rPr>
-              <a:t>    </a:t>
-            </a:r>
-            <a:r>
-              <a:rPr lang="en-US" sz="1600" dirty="0">
-                <a:solidFill>
-                  <a:srgbClr val="0033B3"/>
-                </a:solidFill>
-                <a:latin typeface="+mj-lt"/>
-              </a:rPr>
-              <a:t>private</a:t>
-            </a:r>
-            <a:r>
-              <a:rPr lang="en-US" sz="1600" dirty="0">
-                <a:latin typeface="+mj-lt"/>
-              </a:rPr>
-              <a:t> </a:t>
-            </a:r>
-            <a:r>
-              <a:rPr lang="en-US" sz="1600" dirty="0">
-                <a:solidFill>
-                  <a:srgbClr val="0033B3"/>
-                </a:solidFill>
-                <a:latin typeface="+mj-lt"/>
-              </a:rPr>
-              <a:t>final</a:t>
-            </a:r>
-            <a:r>
-              <a:rPr lang="en-US" sz="1600" dirty="0">
-                <a:latin typeface="+mj-lt"/>
-              </a:rPr>
-              <a:t> Compression compression = </a:t>
-            </a:r>
-            <a:r>
-              <a:rPr lang="en-US" sz="1600" dirty="0">
-                <a:solidFill>
-                  <a:srgbClr val="0033B3"/>
-                </a:solidFill>
-                <a:latin typeface="+mj-lt"/>
-              </a:rPr>
-              <a:t>new</a:t>
-            </a:r>
-            <a:r>
-              <a:rPr lang="en-US" sz="1600" dirty="0">
-                <a:latin typeface="+mj-lt"/>
-              </a:rPr>
-              <a:t> Compression();</a:t>
-            </a:r>
-          </a:p>
-          <a:p>
-            <a:pPr marL="0" indent="0">
-              <a:buNone/>
-            </a:pPr>
-            <a:r>
-              <a:rPr lang="en-IL" sz="1600" dirty="0">
-                <a:latin typeface="+mj-lt"/>
-              </a:rPr>
-              <a:t>    </a:t>
-            </a:r>
-            <a:r>
-              <a:rPr lang="en-IL" sz="1600" dirty="0">
-                <a:solidFill>
-                  <a:srgbClr val="0033B3"/>
-                </a:solidFill>
-                <a:latin typeface="+mj-lt"/>
-              </a:rPr>
-              <a:t>public</a:t>
-            </a:r>
-            <a:r>
-              <a:rPr lang="en-IL" sz="1600" dirty="0">
-                <a:solidFill>
-                  <a:schemeClr val="accent5">
-                    <a:lumMod val="75000"/>
-                  </a:schemeClr>
-                </a:solidFill>
-                <a:latin typeface="+mj-lt"/>
-              </a:rPr>
-              <a:t> </a:t>
-            </a:r>
-            <a:r>
-              <a:rPr lang="en-IL" sz="1600" dirty="0">
-                <a:solidFill>
-                  <a:srgbClr val="0033B3"/>
-                </a:solidFill>
-                <a:latin typeface="+mj-lt"/>
-              </a:rPr>
-              <a:t>static</a:t>
-            </a:r>
-            <a:r>
-              <a:rPr lang="en-IL" sz="1600" dirty="0">
-                <a:solidFill>
-                  <a:schemeClr val="accent5">
-                    <a:lumMod val="75000"/>
-                  </a:schemeClr>
-                </a:solidFill>
-                <a:latin typeface="+mj-lt"/>
-              </a:rPr>
-              <a:t> </a:t>
-            </a:r>
-            <a:r>
-              <a:rPr lang="en-IL" sz="1600" dirty="0">
-                <a:solidFill>
-                  <a:srgbClr val="0033B3"/>
-                </a:solidFill>
-                <a:latin typeface="+mj-lt"/>
-              </a:rPr>
-              <a:t>class</a:t>
-            </a:r>
-            <a:r>
-              <a:rPr lang="en-IL" sz="1600" dirty="0">
-                <a:solidFill>
-                  <a:schemeClr val="accent5">
-                    <a:lumMod val="75000"/>
-                  </a:schemeClr>
-                </a:solidFill>
-                <a:latin typeface="+mj-lt"/>
-              </a:rPr>
-              <a:t> </a:t>
-            </a:r>
-            <a:r>
-              <a:rPr lang="en-IL" sz="1600" dirty="0">
-                <a:latin typeface="+mj-lt"/>
-              </a:rPr>
-              <a:t>Compression {</a:t>
-            </a:r>
-          </a:p>
-          <a:p>
-            <a:pPr marL="0" indent="0">
-              <a:buNone/>
-            </a:pPr>
-            <a:r>
-              <a:rPr lang="en-IL" sz="1600" dirty="0">
-                <a:latin typeface="+mj-lt"/>
-              </a:rPr>
-              <a:t>        </a:t>
-            </a:r>
-            <a:r>
-              <a:rPr lang="en-IL" sz="1600" dirty="0">
-                <a:solidFill>
-                  <a:srgbClr val="0033B3"/>
-                </a:solidFill>
-                <a:latin typeface="+mj-lt"/>
-              </a:rPr>
-              <a:t>private</a:t>
-            </a:r>
-            <a:r>
-              <a:rPr lang="en-IL" sz="1600" dirty="0">
-                <a:solidFill>
-                  <a:schemeClr val="accent5">
-                    <a:lumMod val="75000"/>
-                  </a:schemeClr>
-                </a:solidFill>
-                <a:latin typeface="+mj-lt"/>
-              </a:rPr>
-              <a:t> </a:t>
-            </a:r>
-            <a:r>
-              <a:rPr lang="en-IL" sz="1600" dirty="0">
-                <a:latin typeface="+mj-lt"/>
-              </a:rPr>
-              <a:t>List&lt;String&gt; </a:t>
-            </a:r>
-            <a:r>
-              <a:rPr lang="en-IL" sz="1600" dirty="0">
-                <a:solidFill>
-                  <a:srgbClr val="871094"/>
-                </a:solidFill>
-                <a:latin typeface="+mj-lt"/>
-              </a:rPr>
-              <a:t>mimeTypes = </a:t>
-            </a:r>
-            <a:r>
-              <a:rPr lang="en-IL" sz="1600" dirty="0">
-                <a:solidFill>
-                  <a:srgbClr val="0033B3"/>
-                </a:solidFill>
-                <a:latin typeface="+mj-lt"/>
-              </a:rPr>
-              <a:t>new</a:t>
-            </a:r>
-            <a:r>
-              <a:rPr lang="en-IL" sz="1600" dirty="0">
-                <a:solidFill>
-                  <a:srgbClr val="871094"/>
-                </a:solidFill>
-                <a:latin typeface="+mj-lt"/>
-              </a:rPr>
-              <a:t> </a:t>
-            </a:r>
-            <a:r>
-              <a:rPr lang="en-IL" sz="1600" dirty="0">
-                <a:latin typeface="+mj-lt"/>
-              </a:rPr>
-              <a:t>Array&lt;&gt;();</a:t>
-            </a:r>
-          </a:p>
-          <a:p>
-            <a:pPr marL="0" indent="0">
-              <a:buNone/>
-            </a:pPr>
-            <a:r>
-              <a:rPr lang="en-IL" sz="1600" dirty="0">
-                <a:latin typeface="+mj-lt"/>
-              </a:rPr>
-              <a:t>    }</a:t>
-            </a:r>
-          </a:p>
-          <a:p>
-            <a:pPr marL="0" indent="0">
-              <a:buNone/>
-            </a:pPr>
-            <a:r>
-              <a:rPr lang="en-IL" sz="1600" dirty="0">
-                <a:latin typeface="+mj-lt"/>
-              </a:rPr>
-              <a:t>}</a:t>
-            </a:r>
-          </a:p>
-        </p:txBody>
-      </p:sp>
-      <p:sp>
-        <p:nvSpPr>
-          <p:cNvPr id="7" name="TextBox 6">
-            <a:extLst>
-              <a:ext uri="{FF2B5EF4-FFF2-40B4-BE49-F238E27FC236}">
-                <a16:creationId xmlns:a16="http://schemas.microsoft.com/office/drawing/2014/main" id="{9E9A15BB-49F0-A0F4-7EE0-4AA5029BF462}"/>
-              </a:ext>
-            </a:extLst>
-          </p:cNvPr>
-          <p:cNvSpPr txBox="1"/>
-          <p:nvPr/>
-        </p:nvSpPr>
-        <p:spPr>
-          <a:xfrm>
-            <a:off x="8566472" y="1438197"/>
-            <a:ext cx="3505664" cy="1077218"/>
-          </a:xfrm>
-          <a:prstGeom prst="rect">
-            <a:avLst/>
-          </a:prstGeom>
-          <a:solidFill>
-            <a:schemeClr val="accent3">
-              <a:lumMod val="20000"/>
-              <a:lumOff val="80000"/>
-            </a:schemeClr>
-          </a:solidFill>
-          <a:ln w="12700">
-            <a:solidFill>
-              <a:schemeClr val="accent1"/>
-            </a:solidFill>
-          </a:ln>
-        </p:spPr>
-        <p:txBody>
-          <a:bodyPr wrap="square" rtlCol="0">
-            <a:spAutoFit/>
-          </a:bodyPr>
-          <a:lstStyle/>
-          <a:p>
-            <a:r>
-              <a:rPr lang="en-IL" sz="1600" dirty="0">
-                <a:solidFill>
-                  <a:schemeClr val="accent1"/>
-                </a:solidFill>
-              </a:rPr>
-              <a:t>@ConfigurationProperties </a:t>
-            </a:r>
-            <a:r>
-              <a:rPr lang="en-IL" sz="1600" dirty="0"/>
-              <a:t>annotation allows isolating a </a:t>
-            </a:r>
-            <a:r>
-              <a:rPr lang="en-IL" sz="1600" b="1" dirty="0"/>
-              <a:t>section of properties </a:t>
-            </a:r>
-            <a:r>
-              <a:rPr lang="en-IL" sz="1600" dirty="0"/>
-              <a:t>(with the same prefix) into separate POJO. </a:t>
-            </a:r>
-          </a:p>
-        </p:txBody>
-      </p:sp>
-      <p:sp>
-        <p:nvSpPr>
-          <p:cNvPr id="8" name="TextBox 7">
-            <a:extLst>
-              <a:ext uri="{FF2B5EF4-FFF2-40B4-BE49-F238E27FC236}">
-                <a16:creationId xmlns:a16="http://schemas.microsoft.com/office/drawing/2014/main" id="{58F3CFF4-DCB8-A703-AB2A-C6FC9923965F}"/>
-              </a:ext>
-            </a:extLst>
-          </p:cNvPr>
-          <p:cNvSpPr txBox="1"/>
-          <p:nvPr/>
-        </p:nvSpPr>
-        <p:spPr>
-          <a:xfrm>
-            <a:off x="1133544" y="5442852"/>
-            <a:ext cx="2576308" cy="1077218"/>
-          </a:xfrm>
-          <a:prstGeom prst="rect">
-            <a:avLst/>
-          </a:prstGeom>
-          <a:solidFill>
-            <a:schemeClr val="accent3">
-              <a:lumMod val="20000"/>
-              <a:lumOff val="80000"/>
-            </a:schemeClr>
-          </a:solidFill>
-          <a:ln>
-            <a:solidFill>
-              <a:schemeClr val="accent1"/>
-            </a:solidFill>
-          </a:ln>
-        </p:spPr>
-        <p:txBody>
-          <a:bodyPr wrap="square" rtlCol="0">
-            <a:spAutoFit/>
-          </a:bodyPr>
-          <a:lstStyle/>
-          <a:p>
-            <a:r>
-              <a:rPr lang="en-IL" sz="1600" dirty="0"/>
-              <a:t>Note: setters are mandatory in the @ConfigurationProperties class!</a:t>
-            </a:r>
-          </a:p>
-        </p:txBody>
-      </p:sp>
-      <p:sp>
-        <p:nvSpPr>
-          <p:cNvPr id="9" name="Right Arrow 8">
-            <a:extLst>
-              <a:ext uri="{FF2B5EF4-FFF2-40B4-BE49-F238E27FC236}">
-                <a16:creationId xmlns:a16="http://schemas.microsoft.com/office/drawing/2014/main" id="{35E48F68-E8ED-04FE-FD96-39B37B18A4C5}"/>
-              </a:ext>
-            </a:extLst>
-          </p:cNvPr>
-          <p:cNvSpPr/>
-          <p:nvPr/>
-        </p:nvSpPr>
-        <p:spPr>
-          <a:xfrm>
-            <a:off x="3709852" y="5808295"/>
-            <a:ext cx="969405" cy="147717"/>
-          </a:xfrm>
-          <a:prstGeom prst="rightArrow">
-            <a:avLst/>
-          </a:prstGeom>
-        </p:spPr>
-        <p:style>
-          <a:lnRef idx="2">
-            <a:schemeClr val="accent1">
-              <a:shade val="15000"/>
-            </a:schemeClr>
-          </a:lnRef>
-          <a:fillRef idx="1">
-            <a:schemeClr val="accent1"/>
-          </a:fillRef>
-          <a:effectRef idx="0">
-            <a:schemeClr val="accent1"/>
-          </a:effectRef>
-          <a:fontRef idx="minor">
-            <a:schemeClr val="lt1"/>
-          </a:fontRef>
-        </p:style>
-        <p:txBody>
-          <a:bodyPr rtlCol="0" anchor="ctr"/>
-          <a:lstStyle/>
-          <a:p>
-            <a:pPr algn="ctr"/>
-            <a:endParaRPr lang="en-IL"/>
-          </a:p>
-        </p:txBody>
-      </p:sp>
-    </p:spTree>
-    <p:extLst>
-      <p:ext uri="{BB962C8B-B14F-4D97-AF65-F5344CB8AC3E}">
-        <p14:creationId xmlns:p14="http://schemas.microsoft.com/office/powerpoint/2010/main" val="442822381"/>
-      </p:ext>
-    </p:extLst>
-  </p:cSld>
-  <p:clrMapOvr>
-    <a:masterClrMapping/>
-  </p:clrMapOvr>
-</p:sld>
-</file>
-
-<file path=ppt/slides/slide15.xml><?xml version="1.0" encoding="utf-8"?>
-<p:sld xmlns:a="http://schemas.openxmlformats.org/drawingml/2006/main" xmlns:r="http://schemas.openxmlformats.org/officeDocument/2006/relationships" xmlns:p="http://schemas.openxmlformats.org/presentationml/2006/main">
-  <p:cSld>
-    <p:spTree>
-      <p:nvGrpSpPr>
-        <p:cNvPr id="1" name=""/>
-        <p:cNvGrpSpPr/>
-        <p:nvPr/>
-      </p:nvGrpSpPr>
-      <p:grpSpPr>
-        <a:xfrm>
-          <a:off x="0" y="0"/>
-          <a:ext cx="0" cy="0"/>
-          <a:chOff x="0" y="0"/>
-          <a:chExt cx="0" cy="0"/>
-        </a:xfrm>
-      </p:grpSpPr>
-      <p:sp>
-        <p:nvSpPr>
-          <p:cNvPr id="2" name="Title 1">
-            <a:extLst>
-              <a:ext uri="{FF2B5EF4-FFF2-40B4-BE49-F238E27FC236}">
                 <a16:creationId xmlns:a16="http://schemas.microsoft.com/office/drawing/2014/main" id="{05CC5BE0-0023-19B1-C157-CCB698FCC209}"/>
               </a:ext>
             </a:extLst>
@@ -10987,7 +8386,7 @@
 </p:sld>
 </file>
 
-<file path=ppt/slides/slide16.xml><?xml version="1.0" encoding="utf-8"?>
+<file path=ppt/slides/slide11.xml><?xml version="1.0" encoding="utf-8"?>
 <p:sld xmlns:a="http://schemas.openxmlformats.org/drawingml/2006/main" xmlns:r="http://schemas.openxmlformats.org/officeDocument/2006/relationships" xmlns:p="http://schemas.openxmlformats.org/presentationml/2006/main">
   <p:cSld>
     <p:spTree>
@@ -11447,7 +8846,7 @@
 </p:sld>
 </file>
 
-<file path=ppt/slides/slide17.xml><?xml version="1.0" encoding="utf-8"?>
+<file path=ppt/slides/slide12.xml><?xml version="1.0" encoding="utf-8"?>
 <p:sld xmlns:a="http://schemas.openxmlformats.org/drawingml/2006/main" xmlns:r="http://schemas.openxmlformats.org/officeDocument/2006/relationships" xmlns:p="http://schemas.openxmlformats.org/presentationml/2006/main">
   <p:cSld>
     <p:spTree>
@@ -12719,7 +10118,7 @@
 </p:sld>
 </file>
 
-<file path=ppt/slides/slide18.xml><?xml version="1.0" encoding="utf-8"?>
+<file path=ppt/slides/slide13.xml><?xml version="1.0" encoding="utf-8"?>
 <p:sld xmlns:a="http://schemas.openxmlformats.org/drawingml/2006/main" xmlns:r="http://schemas.openxmlformats.org/officeDocument/2006/relationships" xmlns:p="http://schemas.openxmlformats.org/presentationml/2006/main">
   <p:cSld>
     <p:spTree>
@@ -13263,7 +10662,7 @@
 </p:sld>
 </file>
 
-<file path=ppt/slides/slide19.xml><?xml version="1.0" encoding="utf-8"?>
+<file path=ppt/slides/slide14.xml><?xml version="1.0" encoding="utf-8"?>
 <p:sld xmlns:a="http://schemas.openxmlformats.org/drawingml/2006/main" xmlns:r="http://schemas.openxmlformats.org/officeDocument/2006/relationships" xmlns:p="http://schemas.openxmlformats.org/presentationml/2006/main">
   <p:cSld>
     <p:spTree>
@@ -13769,6 +11168,1282 @@
     <p:extLst>
       <p:ext uri="{BB962C8B-B14F-4D97-AF65-F5344CB8AC3E}">
         <p14:creationId xmlns:p14="http://schemas.microsoft.com/office/powerpoint/2010/main" val="2671389858"/>
+      </p:ext>
+    </p:extLst>
+  </p:cSld>
+  <p:clrMapOvr>
+    <a:masterClrMapping/>
+  </p:clrMapOvr>
+</p:sld>
+</file>
+
+<file path=ppt/slides/slide15.xml><?xml version="1.0" encoding="utf-8"?>
+<p:sld xmlns:a="http://schemas.openxmlformats.org/drawingml/2006/main" xmlns:r="http://schemas.openxmlformats.org/officeDocument/2006/relationships" xmlns:p="http://schemas.openxmlformats.org/presentationml/2006/main">
+  <p:cSld>
+    <p:spTree>
+      <p:nvGrpSpPr>
+        <p:cNvPr id="1" name=""/>
+        <p:cNvGrpSpPr/>
+        <p:nvPr/>
+      </p:nvGrpSpPr>
+      <p:grpSpPr>
+        <a:xfrm>
+          <a:off x="0" y="0"/>
+          <a:ext cx="0" cy="0"/>
+          <a:chOff x="0" y="0"/>
+          <a:chExt cx="0" cy="0"/>
+        </a:xfrm>
+      </p:grpSpPr>
+      <p:sp>
+        <p:nvSpPr>
+          <p:cNvPr id="2" name="Title 1">
+            <a:extLst>
+              <a:ext uri="{FF2B5EF4-FFF2-40B4-BE49-F238E27FC236}">
+                <a16:creationId xmlns:a16="http://schemas.microsoft.com/office/drawing/2014/main" id="{14700197-C973-B930-E0FA-B03C27830B6C}"/>
+              </a:ext>
+            </a:extLst>
+          </p:cNvPr>
+          <p:cNvSpPr>
+            <a:spLocks noGrp="1"/>
+          </p:cNvSpPr>
+          <p:nvPr>
+            <p:ph type="title"/>
+          </p:nvPr>
+        </p:nvSpPr>
+        <p:spPr>
+          <a:xfrm>
+            <a:off x="1938867" y="2700867"/>
+            <a:ext cx="6529272" cy="1826581"/>
+          </a:xfrm>
+        </p:spPr>
+        <p:txBody>
+          <a:bodyPr>
+            <a:normAutofit fontScale="90000"/>
+          </a:bodyPr>
+          <a:lstStyle/>
+          <a:p>
+            <a:r>
+              <a:rPr lang="en-IL" dirty="0"/>
+              <a:t>Spring Boot Configuration – Using/Injecting Properties - Demo</a:t>
+            </a:r>
+          </a:p>
+        </p:txBody>
+      </p:sp>
+    </p:spTree>
+    <p:extLst>
+      <p:ext uri="{BB962C8B-B14F-4D97-AF65-F5344CB8AC3E}">
+        <p14:creationId xmlns:p14="http://schemas.microsoft.com/office/powerpoint/2010/main" val="2636314928"/>
+      </p:ext>
+    </p:extLst>
+  </p:cSld>
+  <p:clrMapOvr>
+    <a:masterClrMapping/>
+  </p:clrMapOvr>
+</p:sld>
+</file>
+
+<file path=ppt/slides/slide16.xml><?xml version="1.0" encoding="utf-8"?>
+<p:sld xmlns:a="http://schemas.openxmlformats.org/drawingml/2006/main" xmlns:r="http://schemas.openxmlformats.org/officeDocument/2006/relationships" xmlns:p="http://schemas.openxmlformats.org/presentationml/2006/main">
+  <p:cSld>
+    <p:spTree>
+      <p:nvGrpSpPr>
+        <p:cNvPr id="1" name=""/>
+        <p:cNvGrpSpPr/>
+        <p:nvPr/>
+      </p:nvGrpSpPr>
+      <p:grpSpPr>
+        <a:xfrm>
+          <a:off x="0" y="0"/>
+          <a:ext cx="0" cy="0"/>
+          <a:chOff x="0" y="0"/>
+          <a:chExt cx="0" cy="0"/>
+        </a:xfrm>
+      </p:grpSpPr>
+      <p:sp>
+        <p:nvSpPr>
+          <p:cNvPr id="2" name="Title 1">
+            <a:extLst>
+              <a:ext uri="{FF2B5EF4-FFF2-40B4-BE49-F238E27FC236}">
+                <a16:creationId xmlns:a16="http://schemas.microsoft.com/office/drawing/2014/main" id="{3A0F5AEF-6658-E1F7-C0FD-0CD4476CEB57}"/>
+              </a:ext>
+            </a:extLst>
+          </p:cNvPr>
+          <p:cNvSpPr>
+            <a:spLocks noGrp="1"/>
+          </p:cNvSpPr>
+          <p:nvPr>
+            <p:ph type="title"/>
+          </p:nvPr>
+        </p:nvSpPr>
+        <p:spPr/>
+        <p:txBody>
+          <a:bodyPr/>
+          <a:lstStyle/>
+          <a:p>
+            <a:r>
+              <a:rPr lang="en-IL" dirty="0"/>
+              <a:t>Hands-On – Configuration</a:t>
+            </a:r>
+          </a:p>
+        </p:txBody>
+      </p:sp>
+      <p:sp>
+        <p:nvSpPr>
+          <p:cNvPr id="3" name="Content Placeholder 2">
+            <a:extLst>
+              <a:ext uri="{FF2B5EF4-FFF2-40B4-BE49-F238E27FC236}">
+                <a16:creationId xmlns:a16="http://schemas.microsoft.com/office/drawing/2014/main" id="{B994E086-3A55-F67F-4A78-804A38B92CA5}"/>
+              </a:ext>
+            </a:extLst>
+          </p:cNvPr>
+          <p:cNvSpPr>
+            <a:spLocks noGrp="1"/>
+          </p:cNvSpPr>
+          <p:nvPr>
+            <p:ph idx="1"/>
+          </p:nvPr>
+        </p:nvSpPr>
+        <p:spPr/>
+        <p:txBody>
+          <a:bodyPr>
+            <a:normAutofit fontScale="92500" lnSpcReduction="10000"/>
+          </a:bodyPr>
+          <a:lstStyle/>
+          <a:p>
+            <a:r>
+              <a:rPr lang="en-IL" sz="2400" dirty="0"/>
+              <a:t>Configure if the function </a:t>
+            </a:r>
+            <a:r>
+              <a:rPr lang="en-IL" sz="2400" i="1" dirty="0"/>
+              <a:t>universalAdd</a:t>
+            </a:r>
+            <a:r>
+              <a:rPr lang="en-IL" sz="2400" dirty="0"/>
+              <a:t> is available or not. If </a:t>
+            </a:r>
+            <a:r>
+              <a:rPr lang="en-IL" sz="2400" i="1" dirty="0"/>
+              <a:t>universalAdd</a:t>
+            </a:r>
+            <a:r>
+              <a:rPr lang="en-IL" sz="2400" dirty="0"/>
+              <a:t> is not available, and the endpoint is being called, return error </a:t>
+            </a:r>
+            <a:r>
+              <a:rPr lang="en-IL" sz="2400" i="1" dirty="0"/>
+              <a:t>400 B</a:t>
+            </a:r>
+            <a:r>
+              <a:rPr lang="en-US" sz="2400" i="1" dirty="0"/>
+              <a:t>a</a:t>
+            </a:r>
+            <a:r>
+              <a:rPr lang="en-IL" sz="2400" i="1" dirty="0"/>
+              <a:t>d Request </a:t>
+            </a:r>
+            <a:r>
+              <a:rPr lang="en-IL" sz="2400" dirty="0"/>
+              <a:t>and a message “</a:t>
+            </a:r>
+            <a:r>
+              <a:rPr lang="en-IL" sz="2400" i="1" dirty="0"/>
+              <a:t>The feature is not available</a:t>
+            </a:r>
+            <a:r>
+              <a:rPr lang="en-IL" sz="2400" dirty="0"/>
+              <a:t>”.</a:t>
+            </a:r>
+          </a:p>
+          <a:p>
+            <a:r>
+              <a:rPr lang="en-IL" sz="2400" dirty="0"/>
+              <a:t>Configure minimal and maximal limits of numbers in </a:t>
+            </a:r>
+            <a:r>
+              <a:rPr lang="en-US" sz="2400" i="1" dirty="0" err="1"/>
+              <a:t>UniversalCalculateRequest</a:t>
+            </a:r>
+            <a:r>
+              <a:rPr lang="en-IL" sz="2400" dirty="0"/>
+              <a:t>. </a:t>
+            </a:r>
+            <a:r>
+              <a:rPr lang="en-US" sz="2400" dirty="0"/>
+              <a:t>If a number that is not in the range </a:t>
+            </a:r>
+            <a:r>
+              <a:rPr lang="en-IL" sz="2400" dirty="0"/>
+              <a:t>was received, return error 400 and a message “</a:t>
+            </a:r>
+            <a:r>
+              <a:rPr lang="en-IL" sz="2400" i="1" dirty="0"/>
+              <a:t>B</a:t>
+            </a:r>
+            <a:r>
+              <a:rPr lang="en-US" sz="2400" i="1" dirty="0"/>
+              <a:t>a</a:t>
+            </a:r>
+            <a:r>
+              <a:rPr lang="en-IL" sz="2400" i="1" dirty="0"/>
+              <a:t>d request: The parameter {num1} must be in the range from {min} to {max}</a:t>
+            </a:r>
+            <a:r>
+              <a:rPr lang="en-IL" sz="2400" dirty="0"/>
+              <a:t>”.</a:t>
+            </a:r>
+          </a:p>
+          <a:p>
+            <a:pPr lvl="1"/>
+            <a:r>
+              <a:rPr lang="en-IL" sz="2200" dirty="0"/>
+              <a:t>Note: for all these properties, create a section with the same prefix </a:t>
+            </a:r>
+            <a:r>
+              <a:rPr lang="en-IL" sz="2200" i="1" dirty="0"/>
+              <a:t>app.universal-add.&lt;&gt;</a:t>
+            </a:r>
+            <a:r>
+              <a:rPr lang="en-IL" sz="2200" dirty="0"/>
+              <a:t>; use @ConfigurationProperties </a:t>
+            </a:r>
+          </a:p>
+        </p:txBody>
+      </p:sp>
+    </p:spTree>
+    <p:extLst>
+      <p:ext uri="{BB962C8B-B14F-4D97-AF65-F5344CB8AC3E}">
+        <p14:creationId xmlns:p14="http://schemas.microsoft.com/office/powerpoint/2010/main" val="2984827132"/>
+      </p:ext>
+    </p:extLst>
+  </p:cSld>
+  <p:clrMapOvr>
+    <a:masterClrMapping/>
+  </p:clrMapOvr>
+</p:sld>
+</file>
+
+<file path=ppt/slides/slide17.xml><?xml version="1.0" encoding="utf-8"?>
+<p:sld xmlns:a="http://schemas.openxmlformats.org/drawingml/2006/main" xmlns:r="http://schemas.openxmlformats.org/officeDocument/2006/relationships" xmlns:p="http://schemas.openxmlformats.org/presentationml/2006/main">
+  <p:cSld>
+    <p:spTree>
+      <p:nvGrpSpPr>
+        <p:cNvPr id="1" name=""/>
+        <p:cNvGrpSpPr/>
+        <p:nvPr/>
+      </p:nvGrpSpPr>
+      <p:grpSpPr>
+        <a:xfrm>
+          <a:off x="0" y="0"/>
+          <a:ext cx="0" cy="0"/>
+          <a:chOff x="0" y="0"/>
+          <a:chExt cx="0" cy="0"/>
+        </a:xfrm>
+      </p:grpSpPr>
+      <p:sp>
+        <p:nvSpPr>
+          <p:cNvPr id="2" name="Title 1">
+            <a:extLst>
+              <a:ext uri="{FF2B5EF4-FFF2-40B4-BE49-F238E27FC236}">
+                <a16:creationId xmlns:a16="http://schemas.microsoft.com/office/drawing/2014/main" id="{A6018CEB-B3D6-2CE4-A303-020F70AF96C7}"/>
+              </a:ext>
+            </a:extLst>
+          </p:cNvPr>
+          <p:cNvSpPr>
+            <a:spLocks noGrp="1"/>
+          </p:cNvSpPr>
+          <p:nvPr>
+            <p:ph type="title"/>
+          </p:nvPr>
+        </p:nvSpPr>
+        <p:spPr/>
+        <p:txBody>
+          <a:bodyPr/>
+          <a:lstStyle/>
+          <a:p>
+            <a:r>
+              <a:rPr lang="en-IL" dirty="0"/>
+              <a:t>Hands On - Configuration (cont.)</a:t>
+            </a:r>
+          </a:p>
+        </p:txBody>
+      </p:sp>
+      <p:sp>
+        <p:nvSpPr>
+          <p:cNvPr id="3" name="Content Placeholder 2">
+            <a:extLst>
+              <a:ext uri="{FF2B5EF4-FFF2-40B4-BE49-F238E27FC236}">
+                <a16:creationId xmlns:a16="http://schemas.microsoft.com/office/drawing/2014/main" id="{7BD55491-17D4-D9A9-0D25-58FF46BD8393}"/>
+              </a:ext>
+            </a:extLst>
+          </p:cNvPr>
+          <p:cNvSpPr>
+            <a:spLocks noGrp="1"/>
+          </p:cNvSpPr>
+          <p:nvPr>
+            <p:ph idx="1"/>
+          </p:nvPr>
+        </p:nvSpPr>
+        <p:spPr/>
+        <p:txBody>
+          <a:bodyPr>
+            <a:normAutofit/>
+          </a:bodyPr>
+          <a:lstStyle/>
+          <a:p>
+            <a:r>
+              <a:rPr lang="en-IL" sz="2400" dirty="0"/>
+              <a:t>Add Spring Actuator to your service (page 7). Check how it works.</a:t>
+            </a:r>
+          </a:p>
+          <a:p>
+            <a:r>
+              <a:rPr lang="en-IL" sz="2400" dirty="0"/>
+              <a:t>Try to expose other Actuator endponts using the configuration </a:t>
+            </a:r>
+            <a:r>
+              <a:rPr lang="en-US" sz="1800" dirty="0" err="1">
+                <a:solidFill>
+                  <a:srgbClr val="083080"/>
+                </a:solidFill>
+                <a:effectLst/>
+                <a:latin typeface="JetBrains Mono"/>
+              </a:rPr>
+              <a:t>management.endpoints.web.exposure.include</a:t>
+            </a:r>
+            <a:r>
+              <a:rPr lang="en-US" sz="1800" dirty="0">
+                <a:solidFill>
+                  <a:srgbClr val="080808"/>
+                </a:solidFill>
+                <a:effectLst/>
+                <a:latin typeface="JetBrains Mono"/>
+              </a:rPr>
+              <a:t>=</a:t>
+            </a:r>
+            <a:r>
+              <a:rPr lang="en-US" sz="1800" dirty="0">
+                <a:solidFill>
+                  <a:srgbClr val="067D17"/>
+                </a:solidFill>
+                <a:effectLst/>
+                <a:latin typeface="JetBrains Mono"/>
+              </a:rPr>
+              <a:t>*</a:t>
+            </a:r>
+            <a:endParaRPr lang="en-US" sz="1800" dirty="0">
+              <a:solidFill>
+                <a:srgbClr val="080808"/>
+              </a:solidFill>
+              <a:effectLst/>
+              <a:latin typeface="JetBrains Mono"/>
+            </a:endParaRPr>
+          </a:p>
+          <a:p>
+            <a:r>
+              <a:rPr lang="en-IL" sz="2400" dirty="0"/>
+              <a:t>Check the endpoint /actuator/health, </a:t>
+            </a:r>
+            <a:r>
+              <a:rPr lang="en-IL" sz="2400" i="1" dirty="0"/>
+              <a:t>/actuator/env,</a:t>
+            </a:r>
+            <a:r>
+              <a:rPr lang="en-IL" sz="2400" dirty="0"/>
+              <a:t> </a:t>
+            </a:r>
+            <a:r>
+              <a:rPr lang="en-IL" sz="2400" i="1" dirty="0"/>
+              <a:t>/actuator/beans</a:t>
+            </a:r>
+            <a:r>
+              <a:rPr lang="en-IL" sz="2400" dirty="0"/>
+              <a:t>…</a:t>
+            </a:r>
+          </a:p>
+        </p:txBody>
+      </p:sp>
+    </p:spTree>
+    <p:extLst>
+      <p:ext uri="{BB962C8B-B14F-4D97-AF65-F5344CB8AC3E}">
+        <p14:creationId xmlns:p14="http://schemas.microsoft.com/office/powerpoint/2010/main" val="753770479"/>
+      </p:ext>
+    </p:extLst>
+  </p:cSld>
+  <p:clrMapOvr>
+    <a:masterClrMapping/>
+  </p:clrMapOvr>
+</p:sld>
+</file>
+
+<file path=ppt/slides/slide18.xml><?xml version="1.0" encoding="utf-8"?>
+<p:sld xmlns:a="http://schemas.openxmlformats.org/drawingml/2006/main" xmlns:r="http://schemas.openxmlformats.org/officeDocument/2006/relationships" xmlns:p="http://schemas.openxmlformats.org/presentationml/2006/main">
+  <p:cSld>
+    <p:spTree>
+      <p:nvGrpSpPr>
+        <p:cNvPr id="1" name=""/>
+        <p:cNvGrpSpPr/>
+        <p:nvPr/>
+      </p:nvGrpSpPr>
+      <p:grpSpPr>
+        <a:xfrm>
+          <a:off x="0" y="0"/>
+          <a:ext cx="0" cy="0"/>
+          <a:chOff x="0" y="0"/>
+          <a:chExt cx="0" cy="0"/>
+        </a:xfrm>
+      </p:grpSpPr>
+      <p:sp>
+        <p:nvSpPr>
+          <p:cNvPr id="2" name="Title 1">
+            <a:extLst>
+              <a:ext uri="{FF2B5EF4-FFF2-40B4-BE49-F238E27FC236}">
+                <a16:creationId xmlns:a16="http://schemas.microsoft.com/office/drawing/2014/main" id="{A8A66126-28F2-1253-E4C6-590BC8DF8138}"/>
+              </a:ext>
+            </a:extLst>
+          </p:cNvPr>
+          <p:cNvSpPr>
+            <a:spLocks noGrp="1"/>
+          </p:cNvSpPr>
+          <p:nvPr>
+            <p:ph type="title"/>
+          </p:nvPr>
+        </p:nvSpPr>
+        <p:spPr>
+          <a:xfrm>
+            <a:off x="677334" y="609600"/>
+            <a:ext cx="8596668" cy="1003443"/>
+          </a:xfrm>
+        </p:spPr>
+        <p:txBody>
+          <a:bodyPr/>
+          <a:lstStyle/>
+          <a:p>
+            <a:r>
+              <a:rPr lang="en-IL" dirty="0"/>
+              <a:t>@RestController validation</a:t>
+            </a:r>
+          </a:p>
+        </p:txBody>
+      </p:sp>
+      <p:sp>
+        <p:nvSpPr>
+          <p:cNvPr id="3" name="Content Placeholder 2">
+            <a:extLst>
+              <a:ext uri="{FF2B5EF4-FFF2-40B4-BE49-F238E27FC236}">
+                <a16:creationId xmlns:a16="http://schemas.microsoft.com/office/drawing/2014/main" id="{39E7475A-9CA7-D6E6-17A7-F423B9843B1E}"/>
+              </a:ext>
+            </a:extLst>
+          </p:cNvPr>
+          <p:cNvSpPr>
+            <a:spLocks noGrp="1"/>
+          </p:cNvSpPr>
+          <p:nvPr>
+            <p:ph idx="1"/>
+          </p:nvPr>
+        </p:nvSpPr>
+        <p:spPr>
+          <a:xfrm>
+            <a:off x="677334" y="1613043"/>
+            <a:ext cx="8596668" cy="4428319"/>
+          </a:xfrm>
+        </p:spPr>
+        <p:txBody>
+          <a:bodyPr/>
+          <a:lstStyle/>
+          <a:p>
+            <a:r>
+              <a:rPr lang="en-US" sz="2800" dirty="0"/>
+              <a:t>In this way, we can validate a </a:t>
+            </a:r>
+            <a:r>
+              <a:rPr lang="en-US" sz="2800" dirty="0" err="1">
+                <a:solidFill>
+                  <a:srgbClr val="0070C0"/>
+                </a:solidFill>
+              </a:rPr>
+              <a:t>RestController</a:t>
+            </a:r>
+            <a:r>
+              <a:rPr lang="en-US" sz="2800" dirty="0"/>
+              <a:t> user input.</a:t>
+            </a:r>
+          </a:p>
+          <a:p>
+            <a:r>
+              <a:rPr lang="en-US" sz="2800" dirty="0"/>
+              <a:t>There are three things we can validate for any incoming HTTP request:</a:t>
+            </a:r>
+          </a:p>
+          <a:p>
+            <a:pPr lvl="1"/>
+            <a:r>
+              <a:rPr lang="en-US" sz="2400" dirty="0"/>
+              <a:t>Request body,</a:t>
+            </a:r>
+          </a:p>
+          <a:p>
+            <a:pPr lvl="1"/>
+            <a:r>
+              <a:rPr lang="en-US" sz="2400" dirty="0"/>
+              <a:t>Path variables,</a:t>
+            </a:r>
+          </a:p>
+          <a:p>
+            <a:pPr lvl="1"/>
+            <a:r>
+              <a:rPr lang="en-US" sz="2400" dirty="0"/>
+              <a:t>Query parameters.</a:t>
+            </a:r>
+          </a:p>
+          <a:p>
+            <a:endParaRPr lang="en-US" sz="1800" dirty="0"/>
+          </a:p>
+          <a:p>
+            <a:endParaRPr lang="en-IL" dirty="0"/>
+          </a:p>
+        </p:txBody>
+      </p:sp>
+    </p:spTree>
+    <p:extLst>
+      <p:ext uri="{BB962C8B-B14F-4D97-AF65-F5344CB8AC3E}">
+        <p14:creationId xmlns:p14="http://schemas.microsoft.com/office/powerpoint/2010/main" val="785731289"/>
+      </p:ext>
+    </p:extLst>
+  </p:cSld>
+  <p:clrMapOvr>
+    <a:masterClrMapping/>
+  </p:clrMapOvr>
+</p:sld>
+</file>
+
+<file path=ppt/slides/slide19.xml><?xml version="1.0" encoding="utf-8"?>
+<p:sld xmlns:a="http://schemas.openxmlformats.org/drawingml/2006/main" xmlns:r="http://schemas.openxmlformats.org/officeDocument/2006/relationships" xmlns:p="http://schemas.openxmlformats.org/presentationml/2006/main">
+  <p:cSld>
+    <p:spTree>
+      <p:nvGrpSpPr>
+        <p:cNvPr id="1" name=""/>
+        <p:cNvGrpSpPr/>
+        <p:nvPr/>
+      </p:nvGrpSpPr>
+      <p:grpSpPr>
+        <a:xfrm>
+          <a:off x="0" y="0"/>
+          <a:ext cx="0" cy="0"/>
+          <a:chOff x="0" y="0"/>
+          <a:chExt cx="0" cy="0"/>
+        </a:xfrm>
+      </p:grpSpPr>
+      <p:sp>
+        <p:nvSpPr>
+          <p:cNvPr id="2" name="Title 1">
+            <a:extLst>
+              <a:ext uri="{FF2B5EF4-FFF2-40B4-BE49-F238E27FC236}">
+                <a16:creationId xmlns:a16="http://schemas.microsoft.com/office/drawing/2014/main" id="{2505082F-A24F-2485-0A39-F6BC234BF5D5}"/>
+              </a:ext>
+            </a:extLst>
+          </p:cNvPr>
+          <p:cNvSpPr>
+            <a:spLocks noGrp="1"/>
+          </p:cNvSpPr>
+          <p:nvPr>
+            <p:ph type="title"/>
+          </p:nvPr>
+        </p:nvSpPr>
+        <p:spPr/>
+        <p:txBody>
+          <a:bodyPr/>
+          <a:lstStyle/>
+          <a:p>
+            <a:r>
+              <a:rPr lang="en-IL" dirty="0"/>
+              <a:t>@RestController validation: validate path variables</a:t>
+            </a:r>
+          </a:p>
+        </p:txBody>
+      </p:sp>
+      <p:sp>
+        <p:nvSpPr>
+          <p:cNvPr id="3" name="Content Placeholder 2">
+            <a:extLst>
+              <a:ext uri="{FF2B5EF4-FFF2-40B4-BE49-F238E27FC236}">
+                <a16:creationId xmlns:a16="http://schemas.microsoft.com/office/drawing/2014/main" id="{784F62B5-6B08-9205-9D5E-F87BB774C949}"/>
+              </a:ext>
+            </a:extLst>
+          </p:cNvPr>
+          <p:cNvSpPr>
+            <a:spLocks noGrp="1"/>
+          </p:cNvSpPr>
+          <p:nvPr>
+            <p:ph idx="1"/>
+          </p:nvPr>
+        </p:nvSpPr>
+        <p:spPr/>
+        <p:txBody>
+          <a:bodyPr>
+            <a:normAutofit fontScale="92500" lnSpcReduction="10000"/>
+          </a:bodyPr>
+          <a:lstStyle/>
+          <a:p>
+            <a:pPr marL="0" indent="0">
+              <a:buNone/>
+            </a:pPr>
+            <a:r>
+              <a:rPr lang="en-US" dirty="0">
+                <a:solidFill>
+                  <a:srgbClr val="0033B3"/>
+                </a:solidFill>
+                <a:effectLst/>
+              </a:rPr>
+              <a:t>import </a:t>
+            </a:r>
+            <a:r>
+              <a:rPr lang="en-US" dirty="0" err="1">
+                <a:solidFill>
+                  <a:srgbClr val="000000"/>
+                </a:solidFill>
+                <a:effectLst/>
+              </a:rPr>
+              <a:t>org.springframework.validation.annotation.</a:t>
+            </a:r>
+            <a:r>
+              <a:rPr lang="en-US" dirty="0" err="1">
+                <a:solidFill>
+                  <a:srgbClr val="9E880D"/>
+                </a:solidFill>
+                <a:effectLst/>
+              </a:rPr>
+              <a:t>Validated</a:t>
+            </a:r>
+            <a:r>
+              <a:rPr lang="en-US" dirty="0"/>
+              <a:t>;</a:t>
+            </a:r>
+            <a:endParaRPr lang="en-US" dirty="0">
+              <a:solidFill>
+                <a:srgbClr val="0033B3"/>
+              </a:solidFill>
+              <a:effectLst/>
+            </a:endParaRPr>
+          </a:p>
+          <a:p>
+            <a:pPr marL="0" indent="0">
+              <a:spcBef>
+                <a:spcPts val="0"/>
+              </a:spcBef>
+              <a:buNone/>
+            </a:pPr>
+            <a:r>
+              <a:rPr lang="en-US" dirty="0">
+                <a:solidFill>
+                  <a:srgbClr val="0033B3"/>
+                </a:solidFill>
+                <a:effectLst/>
+              </a:rPr>
+              <a:t>import </a:t>
+            </a:r>
+            <a:r>
+              <a:rPr lang="en-US" dirty="0" err="1">
+                <a:solidFill>
+                  <a:srgbClr val="000000"/>
+                </a:solidFill>
+                <a:effectLst/>
+              </a:rPr>
+              <a:t>javax.validation.constraints.</a:t>
+            </a:r>
+            <a:r>
+              <a:rPr lang="en-US" dirty="0" err="1">
+                <a:solidFill>
+                  <a:srgbClr val="9E880D"/>
+                </a:solidFill>
+                <a:effectLst/>
+              </a:rPr>
+              <a:t>Min</a:t>
+            </a:r>
+            <a:r>
+              <a:rPr lang="en-US" dirty="0"/>
+              <a:t>;</a:t>
+            </a:r>
+            <a:br>
+              <a:rPr lang="en-US" dirty="0"/>
+            </a:br>
+            <a:endParaRPr lang="en-US" dirty="0">
+              <a:solidFill>
+                <a:srgbClr val="9E880D"/>
+              </a:solidFill>
+              <a:effectLst/>
+            </a:endParaRPr>
+          </a:p>
+          <a:p>
+            <a:pPr marL="0" indent="0">
+              <a:buNone/>
+            </a:pPr>
+            <a:r>
+              <a:rPr lang="en-US" dirty="0">
+                <a:solidFill>
+                  <a:srgbClr val="9E880D"/>
+                </a:solidFill>
+                <a:effectLst/>
+              </a:rPr>
+              <a:t>@</a:t>
+            </a:r>
+            <a:r>
+              <a:rPr lang="en-US" dirty="0" err="1">
+                <a:solidFill>
+                  <a:srgbClr val="9E880D"/>
+                </a:solidFill>
+                <a:effectLst/>
+              </a:rPr>
+              <a:t>RestController</a:t>
+            </a:r>
+            <a:br>
+              <a:rPr lang="en-US" dirty="0">
+                <a:solidFill>
+                  <a:srgbClr val="9E880D"/>
+                </a:solidFill>
+                <a:effectLst/>
+              </a:rPr>
+            </a:br>
+            <a:r>
+              <a:rPr lang="en-US" dirty="0">
+                <a:solidFill>
+                  <a:srgbClr val="9E880D"/>
+                </a:solidFill>
+                <a:effectLst/>
+              </a:rPr>
+              <a:t>@</a:t>
+            </a:r>
+            <a:r>
+              <a:rPr lang="en-US" dirty="0" err="1">
+                <a:solidFill>
+                  <a:srgbClr val="9E880D"/>
+                </a:solidFill>
+                <a:effectLst/>
+              </a:rPr>
+              <a:t>RequestMapping</a:t>
+            </a:r>
+            <a:r>
+              <a:rPr lang="en-US" dirty="0"/>
+              <a:t>(</a:t>
+            </a:r>
+            <a:r>
+              <a:rPr lang="en-US" dirty="0">
+                <a:solidFill>
+                  <a:srgbClr val="067D17"/>
+                </a:solidFill>
+                <a:effectLst/>
+              </a:rPr>
+              <a:t>"calculate"</a:t>
+            </a:r>
+            <a:r>
+              <a:rPr lang="en-US" dirty="0"/>
+              <a:t>)</a:t>
+            </a:r>
+            <a:br>
+              <a:rPr lang="en-US" dirty="0"/>
+            </a:br>
+            <a:r>
+              <a:rPr lang="en-US" b="1" dirty="0">
+                <a:solidFill>
+                  <a:srgbClr val="9E880D"/>
+                </a:solidFill>
+                <a:effectLst/>
+              </a:rPr>
+              <a:t>@Validated   </a:t>
+            </a:r>
+            <a:br>
+              <a:rPr lang="en-US" dirty="0">
+                <a:solidFill>
+                  <a:srgbClr val="9E880D"/>
+                </a:solidFill>
+                <a:effectLst/>
+              </a:rPr>
+            </a:br>
+            <a:r>
+              <a:rPr lang="en-US" dirty="0">
+                <a:solidFill>
+                  <a:srgbClr val="0033B3"/>
+                </a:solidFill>
+                <a:effectLst/>
+              </a:rPr>
+              <a:t>public class </a:t>
+            </a:r>
+            <a:r>
+              <a:rPr lang="en-US" dirty="0" err="1">
+                <a:solidFill>
+                  <a:srgbClr val="000000"/>
+                </a:solidFill>
+                <a:effectLst/>
+              </a:rPr>
+              <a:t>CalculateController</a:t>
+            </a:r>
+            <a:r>
+              <a:rPr lang="en-US" dirty="0">
+                <a:solidFill>
+                  <a:srgbClr val="000000"/>
+                </a:solidFill>
+                <a:effectLst/>
+              </a:rPr>
+              <a:t> </a:t>
+            </a:r>
+            <a:r>
+              <a:rPr lang="en-US" dirty="0"/>
+              <a:t>{</a:t>
+            </a:r>
+            <a:br>
+              <a:rPr lang="en-US" dirty="0"/>
+            </a:br>
+            <a:br>
+              <a:rPr lang="en-US" dirty="0"/>
+            </a:br>
+            <a:r>
+              <a:rPr lang="en-US" dirty="0"/>
+              <a:t>    </a:t>
+            </a:r>
+            <a:r>
+              <a:rPr lang="en-US" dirty="0">
+                <a:solidFill>
+                  <a:srgbClr val="9E880D"/>
+                </a:solidFill>
+                <a:effectLst/>
+              </a:rPr>
+              <a:t>@</a:t>
+            </a:r>
+            <a:r>
+              <a:rPr lang="en-US" dirty="0" err="1">
+                <a:solidFill>
+                  <a:srgbClr val="9E880D"/>
+                </a:solidFill>
+              </a:rPr>
+              <a:t>Get</a:t>
+            </a:r>
+            <a:r>
+              <a:rPr lang="en-US" dirty="0" err="1">
+                <a:solidFill>
+                  <a:srgbClr val="9E880D"/>
+                </a:solidFill>
+                <a:effectLst/>
+              </a:rPr>
+              <a:t>Mapping</a:t>
+            </a:r>
+            <a:r>
+              <a:rPr lang="en-US" dirty="0"/>
+              <a:t>(</a:t>
+            </a:r>
+            <a:r>
+              <a:rPr lang="en-US" dirty="0">
+                <a:solidFill>
+                  <a:srgbClr val="067D17"/>
+                </a:solidFill>
+                <a:effectLst/>
+              </a:rPr>
+              <a:t>"/add/{num1}/{num2}"</a:t>
+            </a:r>
+            <a:r>
+              <a:rPr lang="en-US" dirty="0"/>
+              <a:t>)</a:t>
+            </a:r>
+            <a:br>
+              <a:rPr lang="en-US" i="1" dirty="0">
+                <a:solidFill>
+                  <a:srgbClr val="8C8C8C"/>
+                </a:solidFill>
+                <a:effectLst/>
+              </a:rPr>
+            </a:br>
+            <a:r>
+              <a:rPr lang="en-US" i="1" dirty="0">
+                <a:solidFill>
+                  <a:srgbClr val="8C8C8C"/>
+                </a:solidFill>
+                <a:effectLst/>
+              </a:rPr>
+              <a:t>    </a:t>
+            </a:r>
+            <a:r>
+              <a:rPr lang="en-US" dirty="0">
+                <a:solidFill>
+                  <a:srgbClr val="0033B3"/>
+                </a:solidFill>
+                <a:effectLst/>
+              </a:rPr>
+              <a:t>int </a:t>
+            </a:r>
+            <a:r>
+              <a:rPr lang="en-US" dirty="0">
+                <a:solidFill>
+                  <a:srgbClr val="00627A"/>
+                </a:solidFill>
+                <a:effectLst/>
+              </a:rPr>
+              <a:t>add1</a:t>
+            </a:r>
+            <a:r>
+              <a:rPr lang="en-US" dirty="0"/>
+              <a:t>(</a:t>
+            </a:r>
+            <a:r>
+              <a:rPr lang="en-US" dirty="0">
+                <a:solidFill>
+                  <a:srgbClr val="9E880D"/>
+                </a:solidFill>
+                <a:effectLst/>
+              </a:rPr>
+              <a:t>@</a:t>
+            </a:r>
+            <a:r>
+              <a:rPr lang="en-US" dirty="0" err="1">
+                <a:solidFill>
+                  <a:srgbClr val="9E880D"/>
+                </a:solidFill>
+                <a:effectLst/>
+              </a:rPr>
+              <a:t>PathVariable</a:t>
+            </a:r>
+            <a:r>
+              <a:rPr lang="en-US" dirty="0">
+                <a:solidFill>
+                  <a:srgbClr val="9E880D"/>
+                </a:solidFill>
+                <a:effectLst/>
+              </a:rPr>
+              <a:t> </a:t>
+            </a:r>
+            <a:r>
+              <a:rPr lang="en-US" b="1" dirty="0">
+                <a:solidFill>
+                  <a:srgbClr val="9E880D"/>
+                </a:solidFill>
+                <a:effectLst/>
+              </a:rPr>
+              <a:t>@Min</a:t>
+            </a:r>
+            <a:r>
+              <a:rPr lang="en-US" b="1" dirty="0"/>
+              <a:t>(</a:t>
+            </a:r>
+            <a:r>
+              <a:rPr lang="en-US" b="1" dirty="0">
+                <a:solidFill>
+                  <a:srgbClr val="1750EB"/>
+                </a:solidFill>
+                <a:effectLst/>
+              </a:rPr>
+              <a:t>1</a:t>
+            </a:r>
+            <a:r>
+              <a:rPr lang="en-US" b="1" dirty="0"/>
+              <a:t>) </a:t>
+            </a:r>
+            <a:r>
+              <a:rPr lang="en-US" dirty="0">
+                <a:solidFill>
+                  <a:srgbClr val="0033B3"/>
+                </a:solidFill>
+                <a:effectLst/>
+              </a:rPr>
+              <a:t>int </a:t>
+            </a:r>
+            <a:r>
+              <a:rPr lang="en-US" dirty="0"/>
+              <a:t>num1, </a:t>
+            </a:r>
+          </a:p>
+          <a:p>
+            <a:pPr marL="0" indent="0">
+              <a:buNone/>
+            </a:pPr>
+            <a:r>
+              <a:rPr lang="en-US" dirty="0">
+                <a:solidFill>
+                  <a:srgbClr val="9E880D"/>
+                </a:solidFill>
+                <a:effectLst/>
+              </a:rPr>
+              <a:t>                  @</a:t>
+            </a:r>
+            <a:r>
+              <a:rPr lang="en-US" dirty="0" err="1">
+                <a:solidFill>
+                  <a:srgbClr val="9E880D"/>
+                </a:solidFill>
+                <a:effectLst/>
+              </a:rPr>
+              <a:t>PathVariable</a:t>
+            </a:r>
+            <a:r>
+              <a:rPr lang="en-US" dirty="0">
+                <a:solidFill>
+                  <a:srgbClr val="9E880D"/>
+                </a:solidFill>
+                <a:effectLst/>
+              </a:rPr>
+              <a:t> </a:t>
+            </a:r>
+            <a:r>
+              <a:rPr lang="en-US" dirty="0">
+                <a:solidFill>
+                  <a:srgbClr val="0033B3"/>
+                </a:solidFill>
+                <a:effectLst/>
+              </a:rPr>
+              <a:t>int </a:t>
+            </a:r>
+            <a:r>
+              <a:rPr lang="en-US" dirty="0"/>
+              <a:t>num2) {</a:t>
+            </a:r>
+            <a:br>
+              <a:rPr lang="en-US" dirty="0"/>
+            </a:br>
+            <a:r>
+              <a:rPr lang="en-US" dirty="0"/>
+              <a:t>        </a:t>
+            </a:r>
+            <a:r>
+              <a:rPr lang="en-US" dirty="0">
+                <a:solidFill>
+                  <a:srgbClr val="0033B3"/>
+                </a:solidFill>
+                <a:effectLst/>
+              </a:rPr>
+              <a:t>return </a:t>
+            </a:r>
+            <a:r>
+              <a:rPr lang="en-US" dirty="0"/>
+              <a:t>num1 + num2;</a:t>
+            </a:r>
+            <a:br>
+              <a:rPr lang="en-US" dirty="0"/>
+            </a:br>
+            <a:r>
+              <a:rPr lang="en-US" dirty="0"/>
+              <a:t>    }</a:t>
+            </a:r>
+          </a:p>
+          <a:p>
+            <a:pPr marL="0" indent="0">
+              <a:buNone/>
+            </a:pPr>
+            <a:r>
+              <a:rPr lang="en-US" dirty="0"/>
+              <a:t>}</a:t>
+            </a:r>
+            <a:endParaRPr lang="en-IL" dirty="0"/>
+          </a:p>
+        </p:txBody>
+      </p:sp>
+      <p:sp>
+        <p:nvSpPr>
+          <p:cNvPr id="4" name="TextBox 3">
+            <a:extLst>
+              <a:ext uri="{FF2B5EF4-FFF2-40B4-BE49-F238E27FC236}">
+                <a16:creationId xmlns:a16="http://schemas.microsoft.com/office/drawing/2014/main" id="{DBC30773-A1B8-4677-36EE-2208DB85B34E}"/>
+              </a:ext>
+            </a:extLst>
+          </p:cNvPr>
+          <p:cNvSpPr txBox="1"/>
+          <p:nvPr/>
+        </p:nvSpPr>
+        <p:spPr>
+          <a:xfrm>
+            <a:off x="4099525" y="3489361"/>
+            <a:ext cx="3094950" cy="307777"/>
+          </a:xfrm>
+          <a:prstGeom prst="rect">
+            <a:avLst/>
+          </a:prstGeom>
+          <a:solidFill>
+            <a:schemeClr val="accent3">
+              <a:lumMod val="20000"/>
+              <a:lumOff val="80000"/>
+            </a:schemeClr>
+          </a:solidFill>
+          <a:ln>
+            <a:solidFill>
+              <a:schemeClr val="accent1"/>
+            </a:solidFill>
+          </a:ln>
+        </p:spPr>
+        <p:txBody>
+          <a:bodyPr wrap="none" rtlCol="0">
+            <a:spAutoFit/>
+          </a:bodyPr>
+          <a:lstStyle/>
+          <a:p>
+            <a:r>
+              <a:rPr lang="en-US" sz="1400" i="1" dirty="0"/>
+              <a:t> a</a:t>
+            </a:r>
+            <a:r>
+              <a:rPr lang="en-IL" sz="1400" i="1" dirty="0"/>
+              <a:t>pply @Validated on the class level</a:t>
+            </a:r>
+          </a:p>
+        </p:txBody>
+      </p:sp>
+      <p:sp>
+        <p:nvSpPr>
+          <p:cNvPr id="5" name="Left Arrow 4">
+            <a:extLst>
+              <a:ext uri="{FF2B5EF4-FFF2-40B4-BE49-F238E27FC236}">
+                <a16:creationId xmlns:a16="http://schemas.microsoft.com/office/drawing/2014/main" id="{7D7CE892-7B97-67D0-2801-1AA483764050}"/>
+              </a:ext>
+            </a:extLst>
+          </p:cNvPr>
+          <p:cNvSpPr/>
+          <p:nvPr/>
+        </p:nvSpPr>
+        <p:spPr>
+          <a:xfrm>
+            <a:off x="3408500" y="3557687"/>
+            <a:ext cx="691025" cy="171124"/>
+          </a:xfrm>
+          <a:prstGeom prst="leftArrow">
+            <a:avLst/>
+          </a:prstGeom>
+        </p:spPr>
+        <p:style>
+          <a:lnRef idx="2">
+            <a:schemeClr val="accent1">
+              <a:shade val="50000"/>
+            </a:schemeClr>
+          </a:lnRef>
+          <a:fillRef idx="1">
+            <a:schemeClr val="accent1"/>
+          </a:fillRef>
+          <a:effectRef idx="0">
+            <a:schemeClr val="accent1"/>
+          </a:effectRef>
+          <a:fontRef idx="minor">
+            <a:schemeClr val="lt1"/>
+          </a:fontRef>
+        </p:style>
+        <p:txBody>
+          <a:bodyPr rtlCol="0" anchor="ctr"/>
+          <a:lstStyle/>
+          <a:p>
+            <a:pPr algn="ctr"/>
+            <a:endParaRPr lang="en-IL"/>
+          </a:p>
+        </p:txBody>
+      </p:sp>
+      <p:sp>
+        <p:nvSpPr>
+          <p:cNvPr id="6" name="TextBox 5">
+            <a:extLst>
+              <a:ext uri="{FF2B5EF4-FFF2-40B4-BE49-F238E27FC236}">
+                <a16:creationId xmlns:a16="http://schemas.microsoft.com/office/drawing/2014/main" id="{5E15D723-8650-2F37-3BA2-904992C466BD}"/>
+              </a:ext>
+            </a:extLst>
+          </p:cNvPr>
+          <p:cNvSpPr txBox="1"/>
+          <p:nvPr/>
+        </p:nvSpPr>
+        <p:spPr>
+          <a:xfrm rot="10800000" flipV="1">
+            <a:off x="5819757" y="4539354"/>
+            <a:ext cx="4355184" cy="307777"/>
+          </a:xfrm>
+          <a:prstGeom prst="rect">
+            <a:avLst/>
+          </a:prstGeom>
+          <a:solidFill>
+            <a:schemeClr val="accent3">
+              <a:lumMod val="20000"/>
+              <a:lumOff val="80000"/>
+            </a:schemeClr>
+          </a:solidFill>
+          <a:ln>
+            <a:solidFill>
+              <a:schemeClr val="accent1"/>
+            </a:solidFill>
+          </a:ln>
+        </p:spPr>
+        <p:txBody>
+          <a:bodyPr wrap="square" rtlCol="0">
+            <a:spAutoFit/>
+          </a:bodyPr>
+          <a:lstStyle/>
+          <a:p>
+            <a:r>
+              <a:rPr lang="en-US" sz="1400" b="0" i="1" u="none" strike="noStrike" dirty="0">
+                <a:solidFill>
+                  <a:srgbClr val="212529"/>
+                </a:solidFill>
+                <a:effectLst/>
+                <a:latin typeface="system-ui"/>
+              </a:rPr>
+              <a:t>add the </a:t>
+            </a:r>
+            <a:r>
+              <a:rPr lang="en-US" sz="1400" i="1" dirty="0"/>
+              <a:t>Beans Validation</a:t>
+            </a:r>
+            <a:r>
+              <a:rPr lang="en-US" sz="1400" b="0" i="1" u="none" strike="noStrike" dirty="0">
+                <a:solidFill>
+                  <a:srgbClr val="212529"/>
+                </a:solidFill>
+                <a:effectLst/>
+                <a:latin typeface="system-ui"/>
+              </a:rPr>
+              <a:t> annotations on path variables</a:t>
+            </a:r>
+            <a:endParaRPr lang="en-IL" sz="1400" i="1" dirty="0"/>
+          </a:p>
+        </p:txBody>
+      </p:sp>
+      <p:sp>
+        <p:nvSpPr>
+          <p:cNvPr id="7" name="Left Arrow 6">
+            <a:extLst>
+              <a:ext uri="{FF2B5EF4-FFF2-40B4-BE49-F238E27FC236}">
+                <a16:creationId xmlns:a16="http://schemas.microsoft.com/office/drawing/2014/main" id="{9A529C00-F8C1-CFB0-FAC8-382AE3495BD5}"/>
+              </a:ext>
+            </a:extLst>
+          </p:cNvPr>
+          <p:cNvSpPr/>
+          <p:nvPr/>
+        </p:nvSpPr>
+        <p:spPr>
+          <a:xfrm>
+            <a:off x="5301487" y="4603269"/>
+            <a:ext cx="518270" cy="243863"/>
+          </a:xfrm>
+          <a:prstGeom prst="leftArrow">
+            <a:avLst/>
+          </a:prstGeom>
+        </p:spPr>
+        <p:style>
+          <a:lnRef idx="2">
+            <a:schemeClr val="accent1">
+              <a:shade val="50000"/>
+            </a:schemeClr>
+          </a:lnRef>
+          <a:fillRef idx="1">
+            <a:schemeClr val="accent1"/>
+          </a:fillRef>
+          <a:effectRef idx="0">
+            <a:schemeClr val="accent1"/>
+          </a:effectRef>
+          <a:fontRef idx="minor">
+            <a:schemeClr val="lt1"/>
+          </a:fontRef>
+        </p:style>
+        <p:txBody>
+          <a:bodyPr rtlCol="0" anchor="ctr"/>
+          <a:lstStyle/>
+          <a:p>
+            <a:pPr algn="ctr"/>
+            <a:endParaRPr lang="en-IL"/>
+          </a:p>
+        </p:txBody>
+      </p:sp>
+    </p:spTree>
+    <p:extLst>
+      <p:ext uri="{BB962C8B-B14F-4D97-AF65-F5344CB8AC3E}">
+        <p14:creationId xmlns:p14="http://schemas.microsoft.com/office/powerpoint/2010/main" val="2591518627"/>
       </p:ext>
     </p:extLst>
   </p:cSld>
@@ -14678,546 +13353,6 @@
           <p:cNvPr id="2" name="Title 1">
             <a:extLst>
               <a:ext uri="{FF2B5EF4-FFF2-40B4-BE49-F238E27FC236}">
-                <a16:creationId xmlns:a16="http://schemas.microsoft.com/office/drawing/2014/main" id="{14700197-C973-B930-E0FA-B03C27830B6C}"/>
-              </a:ext>
-            </a:extLst>
-          </p:cNvPr>
-          <p:cNvSpPr>
-            <a:spLocks noGrp="1"/>
-          </p:cNvSpPr>
-          <p:nvPr>
-            <p:ph type="title"/>
-          </p:nvPr>
-        </p:nvSpPr>
-        <p:spPr>
-          <a:xfrm>
-            <a:off x="1938867" y="2700867"/>
-            <a:ext cx="6529272" cy="1826581"/>
-          </a:xfrm>
-        </p:spPr>
-        <p:txBody>
-          <a:bodyPr>
-            <a:normAutofit fontScale="90000"/>
-          </a:bodyPr>
-          <a:lstStyle/>
-          <a:p>
-            <a:r>
-              <a:rPr lang="en-IL" dirty="0"/>
-              <a:t>Spring Boot Configuration – Using/Injecting Properties - Demo</a:t>
-            </a:r>
-          </a:p>
-        </p:txBody>
-      </p:sp>
-    </p:spTree>
-    <p:extLst>
-      <p:ext uri="{BB962C8B-B14F-4D97-AF65-F5344CB8AC3E}">
-        <p14:creationId xmlns:p14="http://schemas.microsoft.com/office/powerpoint/2010/main" val="2636314928"/>
-      </p:ext>
-    </p:extLst>
-  </p:cSld>
-  <p:clrMapOvr>
-    <a:masterClrMapping/>
-  </p:clrMapOvr>
-</p:sld>
-</file>
-
-<file path=ppt/slides/slide21.xml><?xml version="1.0" encoding="utf-8"?>
-<p:sld xmlns:a="http://schemas.openxmlformats.org/drawingml/2006/main" xmlns:r="http://schemas.openxmlformats.org/officeDocument/2006/relationships" xmlns:p="http://schemas.openxmlformats.org/presentationml/2006/main">
-  <p:cSld>
-    <p:spTree>
-      <p:nvGrpSpPr>
-        <p:cNvPr id="1" name=""/>
-        <p:cNvGrpSpPr/>
-        <p:nvPr/>
-      </p:nvGrpSpPr>
-      <p:grpSpPr>
-        <a:xfrm>
-          <a:off x="0" y="0"/>
-          <a:ext cx="0" cy="0"/>
-          <a:chOff x="0" y="0"/>
-          <a:chExt cx="0" cy="0"/>
-        </a:xfrm>
-      </p:grpSpPr>
-      <p:sp>
-        <p:nvSpPr>
-          <p:cNvPr id="2" name="Title 1">
-            <a:extLst>
-              <a:ext uri="{FF2B5EF4-FFF2-40B4-BE49-F238E27FC236}">
-                <a16:creationId xmlns:a16="http://schemas.microsoft.com/office/drawing/2014/main" id="{3A0F5AEF-6658-E1F7-C0FD-0CD4476CEB57}"/>
-              </a:ext>
-            </a:extLst>
-          </p:cNvPr>
-          <p:cNvSpPr>
-            <a:spLocks noGrp="1"/>
-          </p:cNvSpPr>
-          <p:nvPr>
-            <p:ph type="title"/>
-          </p:nvPr>
-        </p:nvSpPr>
-        <p:spPr/>
-        <p:txBody>
-          <a:bodyPr/>
-          <a:lstStyle/>
-          <a:p>
-            <a:r>
-              <a:rPr lang="en-IL" dirty="0"/>
-              <a:t>Hands-On – Configuration</a:t>
-            </a:r>
-          </a:p>
-        </p:txBody>
-      </p:sp>
-      <p:sp>
-        <p:nvSpPr>
-          <p:cNvPr id="3" name="Content Placeholder 2">
-            <a:extLst>
-              <a:ext uri="{FF2B5EF4-FFF2-40B4-BE49-F238E27FC236}">
-                <a16:creationId xmlns:a16="http://schemas.microsoft.com/office/drawing/2014/main" id="{B994E086-3A55-F67F-4A78-804A38B92CA5}"/>
-              </a:ext>
-            </a:extLst>
-          </p:cNvPr>
-          <p:cNvSpPr>
-            <a:spLocks noGrp="1"/>
-          </p:cNvSpPr>
-          <p:nvPr>
-            <p:ph idx="1"/>
-          </p:nvPr>
-        </p:nvSpPr>
-        <p:spPr/>
-        <p:txBody>
-          <a:bodyPr>
-            <a:normAutofit fontScale="92500" lnSpcReduction="10000"/>
-          </a:bodyPr>
-          <a:lstStyle/>
-          <a:p>
-            <a:r>
-              <a:rPr lang="en-IL" sz="2400" dirty="0"/>
-              <a:t>Configure if the function </a:t>
-            </a:r>
-            <a:r>
-              <a:rPr lang="en-IL" sz="2400" i="1" dirty="0"/>
-              <a:t>universalAdd</a:t>
-            </a:r>
-            <a:r>
-              <a:rPr lang="en-IL" sz="2400" dirty="0"/>
-              <a:t> is available or not. If </a:t>
-            </a:r>
-            <a:r>
-              <a:rPr lang="en-IL" sz="2400" i="1" dirty="0"/>
-              <a:t>universalAdd</a:t>
-            </a:r>
-            <a:r>
-              <a:rPr lang="en-IL" sz="2400" dirty="0"/>
-              <a:t> is not available, and the endpoint is being called, return error </a:t>
-            </a:r>
-            <a:r>
-              <a:rPr lang="en-IL" sz="2400" i="1" dirty="0"/>
-              <a:t>400 B</a:t>
-            </a:r>
-            <a:r>
-              <a:rPr lang="en-US" sz="2400" i="1" dirty="0"/>
-              <a:t>a</a:t>
-            </a:r>
-            <a:r>
-              <a:rPr lang="en-IL" sz="2400" i="1" dirty="0"/>
-              <a:t>d Request </a:t>
-            </a:r>
-            <a:r>
-              <a:rPr lang="en-IL" sz="2400" dirty="0"/>
-              <a:t>and a message “</a:t>
-            </a:r>
-            <a:r>
-              <a:rPr lang="en-IL" sz="2400" i="1" dirty="0"/>
-              <a:t>The feature is not available</a:t>
-            </a:r>
-            <a:r>
-              <a:rPr lang="en-IL" sz="2400" dirty="0"/>
-              <a:t>”.</a:t>
-            </a:r>
-          </a:p>
-          <a:p>
-            <a:r>
-              <a:rPr lang="en-IL" sz="2400" dirty="0"/>
-              <a:t>Configure minimal and maximal limits of numbers in </a:t>
-            </a:r>
-            <a:r>
-              <a:rPr lang="en-US" sz="2400" i="1" dirty="0" err="1"/>
-              <a:t>UniversalCalculateRequest</a:t>
-            </a:r>
-            <a:r>
-              <a:rPr lang="en-IL" sz="2400" dirty="0"/>
-              <a:t>. </a:t>
-            </a:r>
-            <a:r>
-              <a:rPr lang="en-US" sz="2400" dirty="0"/>
-              <a:t>If a number that is not in the range </a:t>
-            </a:r>
-            <a:r>
-              <a:rPr lang="en-IL" sz="2400" dirty="0"/>
-              <a:t>was received, return error 400 and a message “</a:t>
-            </a:r>
-            <a:r>
-              <a:rPr lang="en-IL" sz="2400" i="1" dirty="0"/>
-              <a:t>B</a:t>
-            </a:r>
-            <a:r>
-              <a:rPr lang="en-US" sz="2400" i="1" dirty="0"/>
-              <a:t>a</a:t>
-            </a:r>
-            <a:r>
-              <a:rPr lang="en-IL" sz="2400" i="1" dirty="0"/>
-              <a:t>d request: The parameter {num1} must be in the range from {min} to {max}</a:t>
-            </a:r>
-            <a:r>
-              <a:rPr lang="en-IL" sz="2400" dirty="0"/>
-              <a:t>”.</a:t>
-            </a:r>
-          </a:p>
-          <a:p>
-            <a:pPr lvl="1"/>
-            <a:r>
-              <a:rPr lang="en-IL" sz="2200" dirty="0"/>
-              <a:t>Note: for all these properties, create a section with the same prefix </a:t>
-            </a:r>
-            <a:r>
-              <a:rPr lang="en-IL" sz="2200" i="1" dirty="0"/>
-              <a:t>app.universal-add.&lt;&gt;</a:t>
-            </a:r>
-            <a:r>
-              <a:rPr lang="en-IL" sz="2200" dirty="0"/>
-              <a:t>; use @ConfigurationProperties </a:t>
-            </a:r>
-          </a:p>
-        </p:txBody>
-      </p:sp>
-    </p:spTree>
-    <p:extLst>
-      <p:ext uri="{BB962C8B-B14F-4D97-AF65-F5344CB8AC3E}">
-        <p14:creationId xmlns:p14="http://schemas.microsoft.com/office/powerpoint/2010/main" val="2984827132"/>
-      </p:ext>
-    </p:extLst>
-  </p:cSld>
-  <p:clrMapOvr>
-    <a:masterClrMapping/>
-  </p:clrMapOvr>
-</p:sld>
-</file>
-
-<file path=ppt/slides/slide22.xml><?xml version="1.0" encoding="utf-8"?>
-<p:sld xmlns:a="http://schemas.openxmlformats.org/drawingml/2006/main" xmlns:r="http://schemas.openxmlformats.org/officeDocument/2006/relationships" xmlns:p="http://schemas.openxmlformats.org/presentationml/2006/main">
-  <p:cSld>
-    <p:spTree>
-      <p:nvGrpSpPr>
-        <p:cNvPr id="1" name=""/>
-        <p:cNvGrpSpPr/>
-        <p:nvPr/>
-      </p:nvGrpSpPr>
-      <p:grpSpPr>
-        <a:xfrm>
-          <a:off x="0" y="0"/>
-          <a:ext cx="0" cy="0"/>
-          <a:chOff x="0" y="0"/>
-          <a:chExt cx="0" cy="0"/>
-        </a:xfrm>
-      </p:grpSpPr>
-      <p:sp>
-        <p:nvSpPr>
-          <p:cNvPr id="2" name="Title 1">
-            <a:extLst>
-              <a:ext uri="{FF2B5EF4-FFF2-40B4-BE49-F238E27FC236}">
-                <a16:creationId xmlns:a16="http://schemas.microsoft.com/office/drawing/2014/main" id="{A6018CEB-B3D6-2CE4-A303-020F70AF96C7}"/>
-              </a:ext>
-            </a:extLst>
-          </p:cNvPr>
-          <p:cNvSpPr>
-            <a:spLocks noGrp="1"/>
-          </p:cNvSpPr>
-          <p:nvPr>
-            <p:ph type="title"/>
-          </p:nvPr>
-        </p:nvSpPr>
-        <p:spPr/>
-        <p:txBody>
-          <a:bodyPr/>
-          <a:lstStyle/>
-          <a:p>
-            <a:r>
-              <a:rPr lang="en-IL" dirty="0"/>
-              <a:t>Hands On - Configuration (cont.)</a:t>
-            </a:r>
-          </a:p>
-        </p:txBody>
-      </p:sp>
-      <p:sp>
-        <p:nvSpPr>
-          <p:cNvPr id="3" name="Content Placeholder 2">
-            <a:extLst>
-              <a:ext uri="{FF2B5EF4-FFF2-40B4-BE49-F238E27FC236}">
-                <a16:creationId xmlns:a16="http://schemas.microsoft.com/office/drawing/2014/main" id="{7BD55491-17D4-D9A9-0D25-58FF46BD8393}"/>
-              </a:ext>
-            </a:extLst>
-          </p:cNvPr>
-          <p:cNvSpPr>
-            <a:spLocks noGrp="1"/>
-          </p:cNvSpPr>
-          <p:nvPr>
-            <p:ph idx="1"/>
-          </p:nvPr>
-        </p:nvSpPr>
-        <p:spPr/>
-        <p:txBody>
-          <a:bodyPr>
-            <a:normAutofit/>
-          </a:bodyPr>
-          <a:lstStyle/>
-          <a:p>
-            <a:r>
-              <a:rPr lang="en-IL" sz="2400" dirty="0"/>
-              <a:t>Add Spring Actuator to your service (page 7). Check how it works.</a:t>
-            </a:r>
-          </a:p>
-          <a:p>
-            <a:r>
-              <a:rPr lang="en-IL" sz="2400" dirty="0"/>
-              <a:t>Try to expose other Actuator endponts using the configuration </a:t>
-            </a:r>
-            <a:r>
-              <a:rPr lang="en-US" sz="1800" dirty="0" err="1">
-                <a:solidFill>
-                  <a:srgbClr val="083080"/>
-                </a:solidFill>
-                <a:effectLst/>
-                <a:latin typeface="JetBrains Mono"/>
-              </a:rPr>
-              <a:t>management.endpoints.web.exposure.include</a:t>
-            </a:r>
-            <a:r>
-              <a:rPr lang="en-US" sz="1800" dirty="0">
-                <a:solidFill>
-                  <a:srgbClr val="080808"/>
-                </a:solidFill>
-                <a:effectLst/>
-                <a:latin typeface="JetBrains Mono"/>
-              </a:rPr>
-              <a:t>=</a:t>
-            </a:r>
-            <a:r>
-              <a:rPr lang="en-US" sz="1800" dirty="0">
-                <a:solidFill>
-                  <a:srgbClr val="067D17"/>
-                </a:solidFill>
-                <a:effectLst/>
-                <a:latin typeface="JetBrains Mono"/>
-              </a:rPr>
-              <a:t>*</a:t>
-            </a:r>
-            <a:endParaRPr lang="en-US" sz="1800" dirty="0">
-              <a:solidFill>
-                <a:srgbClr val="080808"/>
-              </a:solidFill>
-              <a:effectLst/>
-              <a:latin typeface="JetBrains Mono"/>
-            </a:endParaRPr>
-          </a:p>
-          <a:p>
-            <a:r>
-              <a:rPr lang="en-IL" sz="2400" dirty="0"/>
-              <a:t>Check the endpoint /actuator/health, </a:t>
-            </a:r>
-            <a:r>
-              <a:rPr lang="en-IL" sz="2400" i="1" dirty="0"/>
-              <a:t>/actuator/env,</a:t>
-            </a:r>
-            <a:r>
-              <a:rPr lang="en-IL" sz="2400" dirty="0"/>
-              <a:t> </a:t>
-            </a:r>
-            <a:r>
-              <a:rPr lang="en-IL" sz="2400" i="1" dirty="0"/>
-              <a:t>/actuator/beans</a:t>
-            </a:r>
-            <a:r>
-              <a:rPr lang="en-IL" sz="2400" dirty="0"/>
-              <a:t>…</a:t>
-            </a:r>
-          </a:p>
-        </p:txBody>
-      </p:sp>
-    </p:spTree>
-    <p:extLst>
-      <p:ext uri="{BB962C8B-B14F-4D97-AF65-F5344CB8AC3E}">
-        <p14:creationId xmlns:p14="http://schemas.microsoft.com/office/powerpoint/2010/main" val="753770479"/>
-      </p:ext>
-    </p:extLst>
-  </p:cSld>
-  <p:clrMapOvr>
-    <a:masterClrMapping/>
-  </p:clrMapOvr>
-</p:sld>
-</file>
-
-<file path=ppt/slides/slide23.xml><?xml version="1.0" encoding="utf-8"?>
-<p:sld xmlns:a="http://schemas.openxmlformats.org/drawingml/2006/main" xmlns:r="http://schemas.openxmlformats.org/officeDocument/2006/relationships" xmlns:p="http://schemas.openxmlformats.org/presentationml/2006/main">
-  <p:cSld>
-    <p:spTree>
-      <p:nvGrpSpPr>
-        <p:cNvPr id="1" name=""/>
-        <p:cNvGrpSpPr/>
-        <p:nvPr/>
-      </p:nvGrpSpPr>
-      <p:grpSpPr>
-        <a:xfrm>
-          <a:off x="0" y="0"/>
-          <a:ext cx="0" cy="0"/>
-          <a:chOff x="0" y="0"/>
-          <a:chExt cx="0" cy="0"/>
-        </a:xfrm>
-      </p:grpSpPr>
-      <p:sp>
-        <p:nvSpPr>
-          <p:cNvPr id="2" name="Title 1">
-            <a:extLst>
-              <a:ext uri="{FF2B5EF4-FFF2-40B4-BE49-F238E27FC236}">
-                <a16:creationId xmlns:a16="http://schemas.microsoft.com/office/drawing/2014/main" id="{A8A66126-28F2-1253-E4C6-590BC8DF8138}"/>
-              </a:ext>
-            </a:extLst>
-          </p:cNvPr>
-          <p:cNvSpPr>
-            <a:spLocks noGrp="1"/>
-          </p:cNvSpPr>
-          <p:nvPr>
-            <p:ph type="title"/>
-          </p:nvPr>
-        </p:nvSpPr>
-        <p:spPr>
-          <a:xfrm>
-            <a:off x="677334" y="609600"/>
-            <a:ext cx="8596668" cy="1003443"/>
-          </a:xfrm>
-        </p:spPr>
-        <p:txBody>
-          <a:bodyPr/>
-          <a:lstStyle/>
-          <a:p>
-            <a:r>
-              <a:rPr lang="en-IL" dirty="0"/>
-              <a:t>@RestController validation</a:t>
-            </a:r>
-          </a:p>
-        </p:txBody>
-      </p:sp>
-      <p:sp>
-        <p:nvSpPr>
-          <p:cNvPr id="3" name="Content Placeholder 2">
-            <a:extLst>
-              <a:ext uri="{FF2B5EF4-FFF2-40B4-BE49-F238E27FC236}">
-                <a16:creationId xmlns:a16="http://schemas.microsoft.com/office/drawing/2014/main" id="{39E7475A-9CA7-D6E6-17A7-F423B9843B1E}"/>
-              </a:ext>
-            </a:extLst>
-          </p:cNvPr>
-          <p:cNvSpPr>
-            <a:spLocks noGrp="1"/>
-          </p:cNvSpPr>
-          <p:nvPr>
-            <p:ph idx="1"/>
-          </p:nvPr>
-        </p:nvSpPr>
-        <p:spPr>
-          <a:xfrm>
-            <a:off x="677334" y="1613043"/>
-            <a:ext cx="8596668" cy="4428319"/>
-          </a:xfrm>
-        </p:spPr>
-        <p:txBody>
-          <a:bodyPr/>
-          <a:lstStyle/>
-          <a:p>
-            <a:r>
-              <a:rPr lang="en-US" sz="2800" dirty="0"/>
-              <a:t>In this way, we can validate a </a:t>
-            </a:r>
-            <a:r>
-              <a:rPr lang="en-US" sz="2800" dirty="0" err="1">
-                <a:solidFill>
-                  <a:srgbClr val="0070C0"/>
-                </a:solidFill>
-              </a:rPr>
-              <a:t>RestController</a:t>
-            </a:r>
-            <a:r>
-              <a:rPr lang="en-US" sz="2800" dirty="0"/>
-              <a:t> user input.</a:t>
-            </a:r>
-          </a:p>
-          <a:p>
-            <a:r>
-              <a:rPr lang="en-US" sz="2800" dirty="0"/>
-              <a:t>There are three things we can validate for any incoming HTTP request:</a:t>
-            </a:r>
-          </a:p>
-          <a:p>
-            <a:pPr lvl="1"/>
-            <a:r>
-              <a:rPr lang="en-US" sz="2400" dirty="0"/>
-              <a:t>Request body,</a:t>
-            </a:r>
-          </a:p>
-          <a:p>
-            <a:pPr lvl="1"/>
-            <a:r>
-              <a:rPr lang="en-US" sz="2400" dirty="0"/>
-              <a:t>Path variables,</a:t>
-            </a:r>
-          </a:p>
-          <a:p>
-            <a:pPr lvl="1"/>
-            <a:r>
-              <a:rPr lang="en-US" sz="2400" dirty="0"/>
-              <a:t>Query parameters.</a:t>
-            </a:r>
-          </a:p>
-          <a:p>
-            <a:endParaRPr lang="en-US" sz="1800" dirty="0"/>
-          </a:p>
-          <a:p>
-            <a:endParaRPr lang="en-IL" dirty="0"/>
-          </a:p>
-        </p:txBody>
-      </p:sp>
-    </p:spTree>
-    <p:extLst>
-      <p:ext uri="{BB962C8B-B14F-4D97-AF65-F5344CB8AC3E}">
-        <p14:creationId xmlns:p14="http://schemas.microsoft.com/office/powerpoint/2010/main" val="785731289"/>
-      </p:ext>
-    </p:extLst>
-  </p:cSld>
-  <p:clrMapOvr>
-    <a:masterClrMapping/>
-  </p:clrMapOvr>
-</p:sld>
-</file>
-
-<file path=ppt/slides/slide24.xml><?xml version="1.0" encoding="utf-8"?>
-<p:sld xmlns:a="http://schemas.openxmlformats.org/drawingml/2006/main" xmlns:r="http://schemas.openxmlformats.org/officeDocument/2006/relationships" xmlns:p="http://schemas.openxmlformats.org/presentationml/2006/main">
-  <p:cSld>
-    <p:spTree>
-      <p:nvGrpSpPr>
-        <p:cNvPr id="1" name=""/>
-        <p:cNvGrpSpPr/>
-        <p:nvPr/>
-      </p:nvGrpSpPr>
-      <p:grpSpPr>
-        <a:xfrm>
-          <a:off x="0" y="0"/>
-          <a:ext cx="0" cy="0"/>
-          <a:chOff x="0" y="0"/>
-          <a:chExt cx="0" cy="0"/>
-        </a:xfrm>
-      </p:grpSpPr>
-      <p:sp>
-        <p:nvSpPr>
-          <p:cNvPr id="2" name="Title 1">
-            <a:extLst>
-              <a:ext uri="{FF2B5EF4-FFF2-40B4-BE49-F238E27FC236}">
                 <a16:creationId xmlns:a16="http://schemas.microsoft.com/office/drawing/2014/main" id="{2505082F-A24F-2485-0A39-F6BC234BF5D5}"/>
               </a:ext>
             </a:extLst>
@@ -15236,7 +13371,7 @@
           <a:p>
             <a:r>
               <a:rPr lang="en-IL" dirty="0"/>
-              <a:t>@RestController validation: validate path variables</a:t>
+              <a:t>@RestController validation: validate request parameters</a:t>
             </a:r>
           </a:p>
         </p:txBody>
@@ -15260,7 +13395,7 @@
         <p:spPr/>
         <p:txBody>
           <a:bodyPr>
-            <a:normAutofit fontScale="92500" lnSpcReduction="10000"/>
+            <a:normAutofit lnSpcReduction="10000"/>
           </a:bodyPr>
           <a:lstStyle/>
           <a:p>
@@ -15516,7 +13651,7 @@
                 </a:solidFill>
                 <a:effectLst/>
               </a:rPr>
-              <a:t>"/add/{num1}/{num2}"</a:t>
+              <a:t>"/add"</a:t>
             </a:r>
             <a:r>
               <a:rPr lang="en-US" dirty="0"/>
@@ -15566,7 +13701,6 @@
                 <a:solidFill>
                   <a:srgbClr val="9E880D"/>
                 </a:solidFill>
-                <a:effectLst/>
               </a:rPr>
               <a:t>@</a:t>
             </a:r>
@@ -15575,16 +13709,14 @@
                 <a:solidFill>
                   <a:srgbClr val="9E880D"/>
                 </a:solidFill>
-                <a:effectLst/>
-              </a:rPr>
-              <a:t>PathVariable</a:t>
+              </a:rPr>
+              <a:t>RequestParam</a:t>
             </a:r>
             <a:r>
               <a:rPr lang="en-US" dirty="0">
                 <a:solidFill>
                   <a:srgbClr val="9E880D"/>
                 </a:solidFill>
-                <a:effectLst/>
               </a:rPr>
               <a:t> </a:t>
             </a:r>
@@ -15595,7 +13727,7 @@
                 </a:solidFill>
                 <a:effectLst/>
               </a:rPr>
-              <a:t>@Min</a:t>
+              <a:t>@Max</a:t>
             </a:r>
             <a:r>
               <a:rPr lang="en-US" b="1" dirty="0"/>
@@ -15608,7 +13740,7 @@
                 </a:solidFill>
                 <a:effectLst/>
               </a:rPr>
-              <a:t>1</a:t>
+              <a:t>100</a:t>
             </a:r>
             <a:r>
               <a:rPr lang="en-US" b="1" dirty="0"/>
@@ -15625,52 +13757,7 @@
             </a:r>
             <a:r>
               <a:rPr lang="en-US" dirty="0"/>
-              <a:t>num1, </a:t>
-            </a:r>
-          </a:p>
-          <a:p>
-            <a:pPr marL="0" indent="0">
-              <a:buNone/>
-            </a:pPr>
-            <a:r>
-              <a:rPr lang="en-US" dirty="0">
-                <a:solidFill>
-                  <a:srgbClr val="9E880D"/>
-                </a:solidFill>
-                <a:effectLst/>
-              </a:rPr>
-              <a:t>                  @</a:t>
-            </a:r>
-            <a:r>
-              <a:rPr lang="en-US" dirty="0" err="1">
-                <a:solidFill>
-                  <a:srgbClr val="9E880D"/>
-                </a:solidFill>
-                <a:effectLst/>
-              </a:rPr>
-              <a:t>PathVariable</a:t>
-            </a:r>
-            <a:r>
-              <a:rPr lang="en-US" dirty="0">
-                <a:solidFill>
-                  <a:srgbClr val="9E880D"/>
-                </a:solidFill>
-                <a:effectLst/>
-              </a:rPr>
-              <a:t> </a:t>
-            </a:r>
-            <a:r>
-              <a:rPr lang="en-US" dirty="0">
-                <a:solidFill>
-                  <a:srgbClr val="0033B3"/>
-                </a:solidFill>
-                <a:effectLst/>
-              </a:rPr>
-              <a:t>int </a:t>
-            </a:r>
-            <a:r>
-              <a:rPr lang="en-US" dirty="0"/>
-              <a:t>num2) {</a:t>
+              <a:t>num) {</a:t>
             </a:r>
             <a:br>
               <a:rPr lang="en-US" dirty="0"/>
@@ -15682,15 +13769,13 @@
             <a:r>
               <a:rPr lang="en-US" dirty="0">
                 <a:solidFill>
-                  <a:srgbClr val="0033B3"/>
-                </a:solidFill>
-                <a:effectLst/>
-              </a:rPr>
-              <a:t>return </a:t>
-            </a:r>
-            <a:r>
-              <a:rPr lang="en-US" dirty="0"/>
-              <a:t>num1 + num2;</a:t>
+                  <a:schemeClr val="accent1">
+                    <a:lumMod val="60000"/>
+                    <a:lumOff val="40000"/>
+                  </a:schemeClr>
+                </a:solidFill>
+              </a:rPr>
+              <a:t>//…</a:t>
             </a:r>
             <a:br>
               <a:rPr lang="en-US" dirty="0"/>
@@ -15821,692 +13906,6 @@
         </p:nvSpPr>
         <p:spPr>
           <a:xfrm rot="10800000" flipV="1">
-            <a:off x="5819757" y="4539354"/>
-            <a:ext cx="4355184" cy="307777"/>
-          </a:xfrm>
-          <a:prstGeom prst="rect">
-            <a:avLst/>
-          </a:prstGeom>
-          <a:solidFill>
-            <a:schemeClr val="accent3">
-              <a:lumMod val="20000"/>
-              <a:lumOff val="80000"/>
-            </a:schemeClr>
-          </a:solidFill>
-          <a:ln>
-            <a:solidFill>
-              <a:schemeClr val="accent1"/>
-            </a:solidFill>
-          </a:ln>
-        </p:spPr>
-        <p:txBody>
-          <a:bodyPr wrap="square" rtlCol="0">
-            <a:spAutoFit/>
-          </a:bodyPr>
-          <a:lstStyle/>
-          <a:p>
-            <a:r>
-              <a:rPr lang="en-US" sz="1400" b="0" i="1" u="none" strike="noStrike" dirty="0">
-                <a:solidFill>
-                  <a:srgbClr val="212529"/>
-                </a:solidFill>
-                <a:effectLst/>
-                <a:latin typeface="system-ui"/>
-              </a:rPr>
-              <a:t>add the </a:t>
-            </a:r>
-            <a:r>
-              <a:rPr lang="en-US" sz="1400" i="1" dirty="0"/>
-              <a:t>Beans Validation</a:t>
-            </a:r>
-            <a:r>
-              <a:rPr lang="en-US" sz="1400" b="0" i="1" u="none" strike="noStrike" dirty="0">
-                <a:solidFill>
-                  <a:srgbClr val="212529"/>
-                </a:solidFill>
-                <a:effectLst/>
-                <a:latin typeface="system-ui"/>
-              </a:rPr>
-              <a:t> annotations on path variables</a:t>
-            </a:r>
-            <a:endParaRPr lang="en-IL" sz="1400" i="1" dirty="0"/>
-          </a:p>
-        </p:txBody>
-      </p:sp>
-      <p:sp>
-        <p:nvSpPr>
-          <p:cNvPr id="7" name="Left Arrow 6">
-            <a:extLst>
-              <a:ext uri="{FF2B5EF4-FFF2-40B4-BE49-F238E27FC236}">
-                <a16:creationId xmlns:a16="http://schemas.microsoft.com/office/drawing/2014/main" id="{9A529C00-F8C1-CFB0-FAC8-382AE3495BD5}"/>
-              </a:ext>
-            </a:extLst>
-          </p:cNvPr>
-          <p:cNvSpPr/>
-          <p:nvPr/>
-        </p:nvSpPr>
-        <p:spPr>
-          <a:xfrm>
-            <a:off x="5301487" y="4603269"/>
-            <a:ext cx="518270" cy="243863"/>
-          </a:xfrm>
-          <a:prstGeom prst="leftArrow">
-            <a:avLst/>
-          </a:prstGeom>
-        </p:spPr>
-        <p:style>
-          <a:lnRef idx="2">
-            <a:schemeClr val="accent1">
-              <a:shade val="50000"/>
-            </a:schemeClr>
-          </a:lnRef>
-          <a:fillRef idx="1">
-            <a:schemeClr val="accent1"/>
-          </a:fillRef>
-          <a:effectRef idx="0">
-            <a:schemeClr val="accent1"/>
-          </a:effectRef>
-          <a:fontRef idx="minor">
-            <a:schemeClr val="lt1"/>
-          </a:fontRef>
-        </p:style>
-        <p:txBody>
-          <a:bodyPr rtlCol="0" anchor="ctr"/>
-          <a:lstStyle/>
-          <a:p>
-            <a:pPr algn="ctr"/>
-            <a:endParaRPr lang="en-IL"/>
-          </a:p>
-        </p:txBody>
-      </p:sp>
-    </p:spTree>
-    <p:extLst>
-      <p:ext uri="{BB962C8B-B14F-4D97-AF65-F5344CB8AC3E}">
-        <p14:creationId xmlns:p14="http://schemas.microsoft.com/office/powerpoint/2010/main" val="2591518627"/>
-      </p:ext>
-    </p:extLst>
-  </p:cSld>
-  <p:clrMapOvr>
-    <a:masterClrMapping/>
-  </p:clrMapOvr>
-</p:sld>
-</file>
-
-<file path=ppt/slides/slide25.xml><?xml version="1.0" encoding="utf-8"?>
-<p:sld xmlns:a="http://schemas.openxmlformats.org/drawingml/2006/main" xmlns:r="http://schemas.openxmlformats.org/officeDocument/2006/relationships" xmlns:p="http://schemas.openxmlformats.org/presentationml/2006/main">
-  <p:cSld>
-    <p:spTree>
-      <p:nvGrpSpPr>
-        <p:cNvPr id="1" name=""/>
-        <p:cNvGrpSpPr/>
-        <p:nvPr/>
-      </p:nvGrpSpPr>
-      <p:grpSpPr>
-        <a:xfrm>
-          <a:off x="0" y="0"/>
-          <a:ext cx="0" cy="0"/>
-          <a:chOff x="0" y="0"/>
-          <a:chExt cx="0" cy="0"/>
-        </a:xfrm>
-      </p:grpSpPr>
-      <p:sp>
-        <p:nvSpPr>
-          <p:cNvPr id="2" name="Title 1">
-            <a:extLst>
-              <a:ext uri="{FF2B5EF4-FFF2-40B4-BE49-F238E27FC236}">
-                <a16:creationId xmlns:a16="http://schemas.microsoft.com/office/drawing/2014/main" id="{2505082F-A24F-2485-0A39-F6BC234BF5D5}"/>
-              </a:ext>
-            </a:extLst>
-          </p:cNvPr>
-          <p:cNvSpPr>
-            <a:spLocks noGrp="1"/>
-          </p:cNvSpPr>
-          <p:nvPr>
-            <p:ph type="title"/>
-          </p:nvPr>
-        </p:nvSpPr>
-        <p:spPr/>
-        <p:txBody>
-          <a:bodyPr/>
-          <a:lstStyle/>
-          <a:p>
-            <a:r>
-              <a:rPr lang="en-IL" dirty="0"/>
-              <a:t>@RestController validation: validate request parameters</a:t>
-            </a:r>
-          </a:p>
-        </p:txBody>
-      </p:sp>
-      <p:sp>
-        <p:nvSpPr>
-          <p:cNvPr id="3" name="Content Placeholder 2">
-            <a:extLst>
-              <a:ext uri="{FF2B5EF4-FFF2-40B4-BE49-F238E27FC236}">
-                <a16:creationId xmlns:a16="http://schemas.microsoft.com/office/drawing/2014/main" id="{784F62B5-6B08-9205-9D5E-F87BB774C949}"/>
-              </a:ext>
-            </a:extLst>
-          </p:cNvPr>
-          <p:cNvSpPr>
-            <a:spLocks noGrp="1"/>
-          </p:cNvSpPr>
-          <p:nvPr>
-            <p:ph idx="1"/>
-          </p:nvPr>
-        </p:nvSpPr>
-        <p:spPr/>
-        <p:txBody>
-          <a:bodyPr>
-            <a:normAutofit lnSpcReduction="10000"/>
-          </a:bodyPr>
-          <a:lstStyle/>
-          <a:p>
-            <a:pPr marL="0" indent="0">
-              <a:buNone/>
-            </a:pPr>
-            <a:r>
-              <a:rPr lang="en-US" dirty="0">
-                <a:solidFill>
-                  <a:srgbClr val="0033B3"/>
-                </a:solidFill>
-                <a:effectLst/>
-              </a:rPr>
-              <a:t>import </a:t>
-            </a:r>
-            <a:r>
-              <a:rPr lang="en-US" dirty="0" err="1">
-                <a:solidFill>
-                  <a:srgbClr val="000000"/>
-                </a:solidFill>
-                <a:effectLst/>
-              </a:rPr>
-              <a:t>org.springframework.validation.annotation.</a:t>
-            </a:r>
-            <a:r>
-              <a:rPr lang="en-US" dirty="0" err="1">
-                <a:solidFill>
-                  <a:srgbClr val="9E880D"/>
-                </a:solidFill>
-                <a:effectLst/>
-              </a:rPr>
-              <a:t>Validated</a:t>
-            </a:r>
-            <a:r>
-              <a:rPr lang="en-US" dirty="0"/>
-              <a:t>;</a:t>
-            </a:r>
-            <a:endParaRPr lang="en-US" dirty="0">
-              <a:solidFill>
-                <a:srgbClr val="0033B3"/>
-              </a:solidFill>
-              <a:effectLst/>
-            </a:endParaRPr>
-          </a:p>
-          <a:p>
-            <a:pPr marL="0" indent="0">
-              <a:spcBef>
-                <a:spcPts val="0"/>
-              </a:spcBef>
-              <a:buNone/>
-            </a:pPr>
-            <a:r>
-              <a:rPr lang="en-US" dirty="0">
-                <a:solidFill>
-                  <a:srgbClr val="0033B3"/>
-                </a:solidFill>
-                <a:effectLst/>
-              </a:rPr>
-              <a:t>import </a:t>
-            </a:r>
-            <a:r>
-              <a:rPr lang="en-US" dirty="0" err="1">
-                <a:solidFill>
-                  <a:srgbClr val="000000"/>
-                </a:solidFill>
-                <a:effectLst/>
-              </a:rPr>
-              <a:t>javax.validation.constraints.</a:t>
-            </a:r>
-            <a:r>
-              <a:rPr lang="en-US" dirty="0" err="1">
-                <a:solidFill>
-                  <a:srgbClr val="9E880D"/>
-                </a:solidFill>
-                <a:effectLst/>
-              </a:rPr>
-              <a:t>Min</a:t>
-            </a:r>
-            <a:r>
-              <a:rPr lang="en-US" dirty="0"/>
-              <a:t>;</a:t>
-            </a:r>
-            <a:br>
-              <a:rPr lang="en-US" dirty="0"/>
-            </a:br>
-            <a:endParaRPr lang="en-US" dirty="0">
-              <a:solidFill>
-                <a:srgbClr val="9E880D"/>
-              </a:solidFill>
-              <a:effectLst/>
-            </a:endParaRPr>
-          </a:p>
-          <a:p>
-            <a:pPr marL="0" indent="0">
-              <a:buNone/>
-            </a:pPr>
-            <a:r>
-              <a:rPr lang="en-US" dirty="0">
-                <a:solidFill>
-                  <a:srgbClr val="9E880D"/>
-                </a:solidFill>
-                <a:effectLst/>
-              </a:rPr>
-              <a:t>@</a:t>
-            </a:r>
-            <a:r>
-              <a:rPr lang="en-US" dirty="0" err="1">
-                <a:solidFill>
-                  <a:srgbClr val="9E880D"/>
-                </a:solidFill>
-                <a:effectLst/>
-              </a:rPr>
-              <a:t>RestController</a:t>
-            </a:r>
-            <a:br>
-              <a:rPr lang="en-US" dirty="0">
-                <a:solidFill>
-                  <a:srgbClr val="9E880D"/>
-                </a:solidFill>
-                <a:effectLst/>
-              </a:rPr>
-            </a:br>
-            <a:r>
-              <a:rPr lang="en-US" dirty="0">
-                <a:solidFill>
-                  <a:srgbClr val="9E880D"/>
-                </a:solidFill>
-                <a:effectLst/>
-              </a:rPr>
-              <a:t>@</a:t>
-            </a:r>
-            <a:r>
-              <a:rPr lang="en-US" dirty="0" err="1">
-                <a:solidFill>
-                  <a:srgbClr val="9E880D"/>
-                </a:solidFill>
-                <a:effectLst/>
-              </a:rPr>
-              <a:t>RequestMapping</a:t>
-            </a:r>
-            <a:r>
-              <a:rPr lang="en-US" dirty="0"/>
-              <a:t>(</a:t>
-            </a:r>
-            <a:r>
-              <a:rPr lang="en-US" dirty="0">
-                <a:solidFill>
-                  <a:srgbClr val="067D17"/>
-                </a:solidFill>
-                <a:effectLst/>
-              </a:rPr>
-              <a:t>"calculate"</a:t>
-            </a:r>
-            <a:r>
-              <a:rPr lang="en-US" dirty="0"/>
-              <a:t>)</a:t>
-            </a:r>
-            <a:br>
-              <a:rPr lang="en-US" dirty="0"/>
-            </a:br>
-            <a:r>
-              <a:rPr lang="en-US" b="1" dirty="0">
-                <a:solidFill>
-                  <a:srgbClr val="9E880D"/>
-                </a:solidFill>
-                <a:effectLst/>
-              </a:rPr>
-              <a:t>@Validated   </a:t>
-            </a:r>
-            <a:br>
-              <a:rPr lang="en-US" dirty="0">
-                <a:solidFill>
-                  <a:srgbClr val="9E880D"/>
-                </a:solidFill>
-                <a:effectLst/>
-              </a:rPr>
-            </a:br>
-            <a:r>
-              <a:rPr lang="en-US" dirty="0">
-                <a:solidFill>
-                  <a:srgbClr val="0033B3"/>
-                </a:solidFill>
-                <a:effectLst/>
-              </a:rPr>
-              <a:t>public class </a:t>
-            </a:r>
-            <a:r>
-              <a:rPr lang="en-US" dirty="0" err="1">
-                <a:solidFill>
-                  <a:srgbClr val="000000"/>
-                </a:solidFill>
-                <a:effectLst/>
-              </a:rPr>
-              <a:t>CalculateController</a:t>
-            </a:r>
-            <a:r>
-              <a:rPr lang="en-US" dirty="0">
-                <a:solidFill>
-                  <a:srgbClr val="000000"/>
-                </a:solidFill>
-                <a:effectLst/>
-              </a:rPr>
-              <a:t> </a:t>
-            </a:r>
-            <a:r>
-              <a:rPr lang="en-US" dirty="0"/>
-              <a:t>{</a:t>
-            </a:r>
-            <a:br>
-              <a:rPr lang="en-US" dirty="0"/>
-            </a:br>
-            <a:br>
-              <a:rPr lang="en-US" dirty="0"/>
-            </a:br>
-            <a:r>
-              <a:rPr lang="en-US" dirty="0"/>
-              <a:t>    </a:t>
-            </a:r>
-            <a:r>
-              <a:rPr lang="en-US" dirty="0">
-                <a:solidFill>
-                  <a:srgbClr val="9E880D"/>
-                </a:solidFill>
-                <a:effectLst/>
-              </a:rPr>
-              <a:t>@</a:t>
-            </a:r>
-            <a:r>
-              <a:rPr lang="en-US" dirty="0" err="1">
-                <a:solidFill>
-                  <a:srgbClr val="9E880D"/>
-                </a:solidFill>
-              </a:rPr>
-              <a:t>Get</a:t>
-            </a:r>
-            <a:r>
-              <a:rPr lang="en-US" dirty="0" err="1">
-                <a:solidFill>
-                  <a:srgbClr val="9E880D"/>
-                </a:solidFill>
-                <a:effectLst/>
-              </a:rPr>
-              <a:t>Mapping</a:t>
-            </a:r>
-            <a:r>
-              <a:rPr lang="en-US" dirty="0"/>
-              <a:t>(</a:t>
-            </a:r>
-            <a:r>
-              <a:rPr lang="en-US" dirty="0">
-                <a:solidFill>
-                  <a:srgbClr val="067D17"/>
-                </a:solidFill>
-                <a:effectLst/>
-              </a:rPr>
-              <a:t>"/add"</a:t>
-            </a:r>
-            <a:r>
-              <a:rPr lang="en-US" dirty="0"/>
-              <a:t>)</a:t>
-            </a:r>
-            <a:br>
-              <a:rPr lang="en-US" i="1" dirty="0">
-                <a:solidFill>
-                  <a:srgbClr val="8C8C8C"/>
-                </a:solidFill>
-                <a:effectLst/>
-              </a:rPr>
-            </a:br>
-            <a:r>
-              <a:rPr lang="en-US" i="1" dirty="0">
-                <a:solidFill>
-                  <a:srgbClr val="8C8C8C"/>
-                </a:solidFill>
-                <a:effectLst/>
-              </a:rPr>
-              <a:t>    </a:t>
-            </a:r>
-            <a:r>
-              <a:rPr lang="en-US" dirty="0">
-                <a:solidFill>
-                  <a:srgbClr val="0033B3"/>
-                </a:solidFill>
-                <a:effectLst/>
-              </a:rPr>
-              <a:t>int </a:t>
-            </a:r>
-            <a:r>
-              <a:rPr lang="en-US" dirty="0">
-                <a:solidFill>
-                  <a:srgbClr val="00627A"/>
-                </a:solidFill>
-                <a:effectLst/>
-              </a:rPr>
-              <a:t>add1</a:t>
-            </a:r>
-            <a:r>
-              <a:rPr lang="en-US" dirty="0"/>
-              <a:t>(</a:t>
-            </a:r>
-            <a:r>
-              <a:rPr lang="en-US" dirty="0">
-                <a:solidFill>
-                  <a:srgbClr val="9E880D"/>
-                </a:solidFill>
-              </a:rPr>
-              <a:t>@</a:t>
-            </a:r>
-            <a:r>
-              <a:rPr lang="en-US" dirty="0" err="1">
-                <a:solidFill>
-                  <a:srgbClr val="9E880D"/>
-                </a:solidFill>
-              </a:rPr>
-              <a:t>RequestParam</a:t>
-            </a:r>
-            <a:r>
-              <a:rPr lang="en-US" dirty="0">
-                <a:solidFill>
-                  <a:srgbClr val="9E880D"/>
-                </a:solidFill>
-              </a:rPr>
-              <a:t> </a:t>
-            </a:r>
-            <a:r>
-              <a:rPr lang="en-US" b="1" dirty="0">
-                <a:solidFill>
-                  <a:srgbClr val="9E880D"/>
-                </a:solidFill>
-                <a:effectLst/>
-              </a:rPr>
-              <a:t>@Max</a:t>
-            </a:r>
-            <a:r>
-              <a:rPr lang="en-US" b="1" dirty="0"/>
-              <a:t>(</a:t>
-            </a:r>
-            <a:r>
-              <a:rPr lang="en-US" b="1" dirty="0">
-                <a:solidFill>
-                  <a:srgbClr val="1750EB"/>
-                </a:solidFill>
-                <a:effectLst/>
-              </a:rPr>
-              <a:t>100</a:t>
-            </a:r>
-            <a:r>
-              <a:rPr lang="en-US" b="1" dirty="0"/>
-              <a:t>) </a:t>
-            </a:r>
-            <a:r>
-              <a:rPr lang="en-US" dirty="0">
-                <a:solidFill>
-                  <a:srgbClr val="0033B3"/>
-                </a:solidFill>
-                <a:effectLst/>
-              </a:rPr>
-              <a:t>int </a:t>
-            </a:r>
-            <a:r>
-              <a:rPr lang="en-US" dirty="0"/>
-              <a:t>num) {</a:t>
-            </a:r>
-            <a:br>
-              <a:rPr lang="en-US" dirty="0"/>
-            </a:br>
-            <a:r>
-              <a:rPr lang="en-US" dirty="0"/>
-              <a:t>        </a:t>
-            </a:r>
-            <a:r>
-              <a:rPr lang="en-US" dirty="0">
-                <a:solidFill>
-                  <a:schemeClr val="accent1">
-                    <a:lumMod val="60000"/>
-                    <a:lumOff val="40000"/>
-                  </a:schemeClr>
-                </a:solidFill>
-              </a:rPr>
-              <a:t>//…</a:t>
-            </a:r>
-            <a:br>
-              <a:rPr lang="en-US" dirty="0"/>
-            </a:br>
-            <a:r>
-              <a:rPr lang="en-US" dirty="0"/>
-              <a:t>    }</a:t>
-            </a:r>
-          </a:p>
-          <a:p>
-            <a:pPr marL="0" indent="0">
-              <a:buNone/>
-            </a:pPr>
-            <a:r>
-              <a:rPr lang="en-US" dirty="0"/>
-              <a:t>}</a:t>
-            </a:r>
-            <a:endParaRPr lang="en-IL" dirty="0"/>
-          </a:p>
-        </p:txBody>
-      </p:sp>
-      <p:sp>
-        <p:nvSpPr>
-          <p:cNvPr id="4" name="TextBox 3">
-            <a:extLst>
-              <a:ext uri="{FF2B5EF4-FFF2-40B4-BE49-F238E27FC236}">
-                <a16:creationId xmlns:a16="http://schemas.microsoft.com/office/drawing/2014/main" id="{DBC30773-A1B8-4677-36EE-2208DB85B34E}"/>
-              </a:ext>
-            </a:extLst>
-          </p:cNvPr>
-          <p:cNvSpPr txBox="1"/>
-          <p:nvPr/>
-        </p:nvSpPr>
-        <p:spPr>
-          <a:xfrm>
-            <a:off x="4099525" y="3489361"/>
-            <a:ext cx="3094950" cy="307777"/>
-          </a:xfrm>
-          <a:prstGeom prst="rect">
-            <a:avLst/>
-          </a:prstGeom>
-          <a:solidFill>
-            <a:schemeClr val="accent3">
-              <a:lumMod val="20000"/>
-              <a:lumOff val="80000"/>
-            </a:schemeClr>
-          </a:solidFill>
-          <a:ln>
-            <a:solidFill>
-              <a:schemeClr val="accent1"/>
-            </a:solidFill>
-          </a:ln>
-        </p:spPr>
-        <p:txBody>
-          <a:bodyPr wrap="none" rtlCol="0">
-            <a:spAutoFit/>
-          </a:bodyPr>
-          <a:lstStyle/>
-          <a:p>
-            <a:r>
-              <a:rPr lang="en-US" sz="1400" i="1" dirty="0"/>
-              <a:t> a</a:t>
-            </a:r>
-            <a:r>
-              <a:rPr lang="en-IL" sz="1400" i="1" dirty="0"/>
-              <a:t>pply @Validated on the class level</a:t>
-            </a:r>
-          </a:p>
-        </p:txBody>
-      </p:sp>
-      <p:sp>
-        <p:nvSpPr>
-          <p:cNvPr id="5" name="Left Arrow 4">
-            <a:extLst>
-              <a:ext uri="{FF2B5EF4-FFF2-40B4-BE49-F238E27FC236}">
-                <a16:creationId xmlns:a16="http://schemas.microsoft.com/office/drawing/2014/main" id="{7D7CE892-7B97-67D0-2801-1AA483764050}"/>
-              </a:ext>
-            </a:extLst>
-          </p:cNvPr>
-          <p:cNvSpPr/>
-          <p:nvPr/>
-        </p:nvSpPr>
-        <p:spPr>
-          <a:xfrm>
-            <a:off x="3408500" y="3557687"/>
-            <a:ext cx="691025" cy="171124"/>
-          </a:xfrm>
-          <a:prstGeom prst="leftArrow">
-            <a:avLst/>
-          </a:prstGeom>
-        </p:spPr>
-        <p:style>
-          <a:lnRef idx="2">
-            <a:schemeClr val="accent1">
-              <a:shade val="50000"/>
-            </a:schemeClr>
-          </a:lnRef>
-          <a:fillRef idx="1">
-            <a:schemeClr val="accent1"/>
-          </a:fillRef>
-          <a:effectRef idx="0">
-            <a:schemeClr val="accent1"/>
-          </a:effectRef>
-          <a:fontRef idx="minor">
-            <a:schemeClr val="lt1"/>
-          </a:fontRef>
-        </p:style>
-        <p:txBody>
-          <a:bodyPr rtlCol="0" anchor="ctr"/>
-          <a:lstStyle/>
-          <a:p>
-            <a:pPr algn="ctr"/>
-            <a:endParaRPr lang="en-IL"/>
-          </a:p>
-        </p:txBody>
-      </p:sp>
-      <p:sp>
-        <p:nvSpPr>
-          <p:cNvPr id="6" name="TextBox 5">
-            <a:extLst>
-              <a:ext uri="{FF2B5EF4-FFF2-40B4-BE49-F238E27FC236}">
-                <a16:creationId xmlns:a16="http://schemas.microsoft.com/office/drawing/2014/main" id="{5E15D723-8650-2F37-3BA2-904992C466BD}"/>
-              </a:ext>
-            </a:extLst>
-          </p:cNvPr>
-          <p:cNvSpPr txBox="1"/>
-          <p:nvPr/>
-        </p:nvSpPr>
-        <p:spPr>
-          <a:xfrm rot="10800000" flipV="1">
             <a:off x="6505557" y="4457584"/>
             <a:ext cx="4355184" cy="307777"/>
           </a:xfrm>
@@ -16618,7 +14017,7 @@
 </p:sld>
 </file>
 
-<file path=ppt/slides/slide26.xml><?xml version="1.0" encoding="utf-8"?>
+<file path=ppt/slides/slide21.xml><?xml version="1.0" encoding="utf-8"?>
 <p:sld xmlns:a="http://schemas.openxmlformats.org/drawingml/2006/main" xmlns:r="http://schemas.openxmlformats.org/officeDocument/2006/relationships" xmlns:p="http://schemas.openxmlformats.org/presentationml/2006/main">
   <p:cSld>
     <p:spTree>
@@ -17677,7 +15076,7 @@
 </p:sld>
 </file>
 
-<file path=ppt/slides/slide27.xml><?xml version="1.0" encoding="utf-8"?>
+<file path=ppt/slides/slide22.xml><?xml version="1.0" encoding="utf-8"?>
 <p:sld xmlns:a="http://schemas.openxmlformats.org/drawingml/2006/main" xmlns:r="http://schemas.openxmlformats.org/officeDocument/2006/relationships" xmlns:p="http://schemas.openxmlformats.org/presentationml/2006/main">
   <p:cSld>
     <p:spTree>
@@ -17825,7 +15224,7 @@
 </p:sld>
 </file>
 
-<file path=ppt/slides/slide28.xml><?xml version="1.0" encoding="utf-8"?>
+<file path=ppt/slides/slide23.xml><?xml version="1.0" encoding="utf-8"?>
 <p:sld xmlns:a="http://schemas.openxmlformats.org/drawingml/2006/main" xmlns:r="http://schemas.openxmlformats.org/officeDocument/2006/relationships" xmlns:p="http://schemas.openxmlformats.org/presentationml/2006/main">
   <p:cSld>
     <p:spTree>
@@ -18743,7 +16142,7 @@
 </p:sld>
 </file>
 
-<file path=ppt/slides/slide29.xml><?xml version="1.0" encoding="utf-8"?>
+<file path=ppt/slides/slide24.xml><?xml version="1.0" encoding="utf-8"?>
 <p:sld xmlns:a="http://schemas.openxmlformats.org/drawingml/2006/main" xmlns:r="http://schemas.openxmlformats.org/officeDocument/2006/relationships" xmlns:p="http://schemas.openxmlformats.org/presentationml/2006/main">
   <p:cSld>
     <p:spTree>
@@ -18889,387 +16288,7 @@
 </p:sld>
 </file>
 
-<file path=ppt/slides/slide3.xml><?xml version="1.0" encoding="utf-8"?>
-<p:sld xmlns:a="http://schemas.openxmlformats.org/drawingml/2006/main" xmlns:r="http://schemas.openxmlformats.org/officeDocument/2006/relationships" xmlns:p="http://schemas.openxmlformats.org/presentationml/2006/main">
-  <p:cSld>
-    <p:spTree>
-      <p:nvGrpSpPr>
-        <p:cNvPr id="1" name=""/>
-        <p:cNvGrpSpPr/>
-        <p:nvPr/>
-      </p:nvGrpSpPr>
-      <p:grpSpPr>
-        <a:xfrm>
-          <a:off x="0" y="0"/>
-          <a:ext cx="0" cy="0"/>
-          <a:chOff x="0" y="0"/>
-          <a:chExt cx="0" cy="0"/>
-        </a:xfrm>
-      </p:grpSpPr>
-      <p:sp>
-        <p:nvSpPr>
-          <p:cNvPr id="2" name="Title 1">
-            <a:extLst>
-              <a:ext uri="{FF2B5EF4-FFF2-40B4-BE49-F238E27FC236}">
-                <a16:creationId xmlns:a16="http://schemas.microsoft.com/office/drawing/2014/main" id="{5B5D60C3-15A9-CBE7-D0C3-A830B2DAD700}"/>
-              </a:ext>
-            </a:extLst>
-          </p:cNvPr>
-          <p:cNvSpPr>
-            <a:spLocks noGrp="1"/>
-          </p:cNvSpPr>
-          <p:nvPr>
-            <p:ph type="title"/>
-          </p:nvPr>
-        </p:nvSpPr>
-        <p:spPr/>
-        <p:txBody>
-          <a:bodyPr/>
-          <a:lstStyle/>
-          <a:p>
-            <a:r>
-              <a:rPr lang="en-IL" dirty="0"/>
-              <a:t>Testing with </a:t>
-            </a:r>
-            <a:r>
-              <a:rPr lang="en-US" sz="3600" dirty="0">
-                <a:solidFill>
-                  <a:schemeClr val="accent1"/>
-                </a:solidFill>
-              </a:rPr>
-              <a:t>@</a:t>
-            </a:r>
-            <a:r>
-              <a:rPr lang="en-US" sz="3600" dirty="0" err="1">
-                <a:solidFill>
-                  <a:schemeClr val="accent1"/>
-                </a:solidFill>
-              </a:rPr>
-              <a:t>SpringBootTest</a:t>
-            </a:r>
-            <a:r>
-              <a:rPr lang="en-US" sz="3600" dirty="0">
-                <a:solidFill>
-                  <a:schemeClr val="accent1"/>
-                </a:solidFill>
-              </a:rPr>
-              <a:t> </a:t>
-            </a:r>
-            <a:endParaRPr lang="en-IL" dirty="0"/>
-          </a:p>
-        </p:txBody>
-      </p:sp>
-      <p:sp>
-        <p:nvSpPr>
-          <p:cNvPr id="3" name="Content Placeholder 2">
-            <a:extLst>
-              <a:ext uri="{FF2B5EF4-FFF2-40B4-BE49-F238E27FC236}">
-                <a16:creationId xmlns:a16="http://schemas.microsoft.com/office/drawing/2014/main" id="{7695F3AC-07A0-6B46-6A24-05ABC310C07C}"/>
-              </a:ext>
-            </a:extLst>
-          </p:cNvPr>
-          <p:cNvSpPr>
-            <a:spLocks noGrp="1"/>
-          </p:cNvSpPr>
-          <p:nvPr>
-            <p:ph idx="1"/>
-          </p:nvPr>
-        </p:nvSpPr>
-        <p:spPr>
-          <a:xfrm>
-            <a:off x="677334" y="1798321"/>
-            <a:ext cx="8596668" cy="4243042"/>
-          </a:xfrm>
-        </p:spPr>
-        <p:txBody>
-          <a:bodyPr>
-            <a:normAutofit/>
-          </a:bodyPr>
-          <a:lstStyle/>
-          <a:p>
-            <a:r>
-              <a:rPr lang="en-US" sz="2800" dirty="0">
-                <a:solidFill>
-                  <a:schemeClr val="tx1"/>
-                </a:solidFill>
-              </a:rPr>
-              <a:t>The </a:t>
-            </a:r>
-            <a:r>
-              <a:rPr lang="en-US" sz="2800" dirty="0">
-                <a:solidFill>
-                  <a:srgbClr val="92D050"/>
-                </a:solidFill>
-              </a:rPr>
-              <a:t>@</a:t>
-            </a:r>
-            <a:r>
-              <a:rPr lang="en-US" sz="2800" dirty="0" err="1">
-                <a:solidFill>
-                  <a:srgbClr val="92D050"/>
-                </a:solidFill>
-              </a:rPr>
-              <a:t>SpringBootTest</a:t>
-            </a:r>
-            <a:r>
-              <a:rPr lang="en-US" sz="2800" dirty="0">
-                <a:solidFill>
-                  <a:srgbClr val="92D050"/>
-                </a:solidFill>
-              </a:rPr>
-              <a:t> </a:t>
-            </a:r>
-            <a:r>
-              <a:rPr lang="en-US" sz="2800" dirty="0">
-                <a:solidFill>
-                  <a:schemeClr val="tx1"/>
-                </a:solidFill>
-              </a:rPr>
-              <a:t>annotation is useful when we need to bootstrap the entire Spring application container. </a:t>
-            </a:r>
-          </a:p>
-          <a:p>
-            <a:r>
-              <a:rPr lang="en-US" sz="2800" dirty="0"/>
-              <a:t>This annotation creates an application context and loads all beans of the application. It means we can </a:t>
-            </a:r>
-            <a:r>
-              <a:rPr lang="en-US" sz="2800" dirty="0">
-                <a:solidFill>
-                  <a:srgbClr val="92D050"/>
-                </a:solidFill>
-              </a:rPr>
-              <a:t>@</a:t>
-            </a:r>
-            <a:r>
-              <a:rPr lang="en-US" sz="2800" dirty="0" err="1">
-                <a:solidFill>
-                  <a:srgbClr val="92D050"/>
-                </a:solidFill>
-              </a:rPr>
-              <a:t>Autowire</a:t>
-            </a:r>
-            <a:r>
-              <a:rPr lang="en-US" sz="2800" dirty="0">
-                <a:solidFill>
-                  <a:srgbClr val="92D050"/>
-                </a:solidFill>
-              </a:rPr>
-              <a:t> </a:t>
-            </a:r>
-            <a:r>
-              <a:rPr lang="en-US" sz="2800" dirty="0"/>
-              <a:t>any bean that's picked up by component scanning into our test.</a:t>
-            </a:r>
-          </a:p>
-          <a:p>
-            <a:r>
-              <a:rPr lang="en-US" sz="2800" dirty="0">
-                <a:solidFill>
-                  <a:srgbClr val="92D050"/>
-                </a:solidFill>
-              </a:rPr>
-              <a:t>@</a:t>
-            </a:r>
-            <a:r>
-              <a:rPr lang="en-US" sz="2800" dirty="0" err="1">
-                <a:solidFill>
-                  <a:srgbClr val="92D050"/>
-                </a:solidFill>
-              </a:rPr>
-              <a:t>SpringBootTest</a:t>
-            </a:r>
-            <a:r>
-              <a:rPr lang="en-US" sz="2800" dirty="0">
-                <a:solidFill>
-                  <a:srgbClr val="92D050"/>
-                </a:solidFill>
-              </a:rPr>
-              <a:t> </a:t>
-            </a:r>
-            <a:r>
-              <a:rPr lang="en-US" sz="2800" dirty="0"/>
-              <a:t>starts the embedded server and creates a web environment. </a:t>
-            </a:r>
-          </a:p>
-          <a:p>
-            <a:endParaRPr lang="en-IL" dirty="0"/>
-          </a:p>
-        </p:txBody>
-      </p:sp>
-    </p:spTree>
-    <p:extLst>
-      <p:ext uri="{BB962C8B-B14F-4D97-AF65-F5344CB8AC3E}">
-        <p14:creationId xmlns:p14="http://schemas.microsoft.com/office/powerpoint/2010/main" val="3935365845"/>
-      </p:ext>
-    </p:extLst>
-  </p:cSld>
-  <p:clrMapOvr>
-    <a:masterClrMapping/>
-  </p:clrMapOvr>
-  <p:timing>
-    <p:tnLst>
-      <p:par>
-        <p:cTn id="1" dur="indefinite" restart="never" nodeType="tmRoot">
-          <p:childTnLst>
-            <p:seq concurrent="1" nextAc="seek">
-              <p:cTn id="2" dur="indefinite" nodeType="mainSeq">
-                <p:childTnLst>
-                  <p:par>
-                    <p:cTn id="3" fill="hold">
-                      <p:stCondLst>
-                        <p:cond delay="indefinite"/>
-                      </p:stCondLst>
-                      <p:childTnLst>
-                        <p:par>
-                          <p:cTn id="4" fill="hold">
-                            <p:stCondLst>
-                              <p:cond delay="0"/>
-                            </p:stCondLst>
-                            <p:childTnLst>
-                              <p:par>
-                                <p:cTn id="5" presetID="1" presetClass="entr" presetSubtype="0" fill="hold" nodeType="clickEffect">
-                                  <p:stCondLst>
-                                    <p:cond delay="0"/>
-                                  </p:stCondLst>
-                                  <p:childTnLst>
-                                    <p:set>
-                                      <p:cBhvr>
-                                        <p:cTn id="6" dur="1" fill="hold">
-                                          <p:stCondLst>
-                                            <p:cond delay="0"/>
-                                          </p:stCondLst>
-                                        </p:cTn>
-                                        <p:tgtEl>
-                                          <p:spTgt spid="3">
-                                            <p:txEl>
-                                              <p:pRg st="0" end="0"/>
-                                            </p:txEl>
-                                          </p:spTgt>
-                                        </p:tgtEl>
-                                        <p:attrNameLst>
-                                          <p:attrName>style.visibility</p:attrName>
-                                        </p:attrNameLst>
-                                      </p:cBhvr>
-                                      <p:to>
-                                        <p:strVal val="visible"/>
-                                      </p:to>
-                                    </p:set>
-                                  </p:childTnLst>
-                                </p:cTn>
-                              </p:par>
-                              <p:par>
-                                <p:cTn id="7" presetID="1" presetClass="entr" presetSubtype="0" fill="hold" nodeType="withEffect">
-                                  <p:stCondLst>
-                                    <p:cond delay="0"/>
-                                  </p:stCondLst>
-                                  <p:childTnLst>
-                                    <p:set>
-                                      <p:cBhvr>
-                                        <p:cTn id="8" dur="1" fill="hold">
-                                          <p:stCondLst>
-                                            <p:cond delay="0"/>
-                                          </p:stCondLst>
-                                        </p:cTn>
-                                        <p:tgtEl>
-                                          <p:spTgt spid="3">
-                                            <p:txEl>
-                                              <p:pRg st="1" end="1"/>
-                                            </p:txEl>
-                                          </p:spTgt>
-                                        </p:tgtEl>
-                                        <p:attrNameLst>
-                                          <p:attrName>style.visibility</p:attrName>
-                                        </p:attrNameLst>
-                                      </p:cBhvr>
-                                      <p:to>
-                                        <p:strVal val="visible"/>
-                                      </p:to>
-                                    </p:set>
-                                  </p:childTnLst>
-                                </p:cTn>
-                              </p:par>
-                            </p:childTnLst>
-                          </p:cTn>
-                        </p:par>
-                      </p:childTnLst>
-                    </p:cTn>
-                  </p:par>
-                  <p:par>
-                    <p:cTn id="9" fill="hold">
-                      <p:stCondLst>
-                        <p:cond delay="indefinite"/>
-                      </p:stCondLst>
-                      <p:childTnLst>
-                        <p:par>
-                          <p:cTn id="10" fill="hold">
-                            <p:stCondLst>
-                              <p:cond delay="0"/>
-                            </p:stCondLst>
-                            <p:childTnLst>
-                              <p:par>
-                                <p:cTn id="11" presetID="1" presetClass="entr" presetSubtype="0" fill="hold" nodeType="clickEffect">
-                                  <p:stCondLst>
-                                    <p:cond delay="0"/>
-                                  </p:stCondLst>
-                                  <p:childTnLst>
-                                    <p:set>
-                                      <p:cBhvr>
-                                        <p:cTn id="12" dur="1" fill="hold">
-                                          <p:stCondLst>
-                                            <p:cond delay="0"/>
-                                          </p:stCondLst>
-                                        </p:cTn>
-                                        <p:tgtEl>
-                                          <p:spTgt spid="3">
-                                            <p:txEl>
-                                              <p:pRg st="2" end="2"/>
-                                            </p:txEl>
-                                          </p:spTgt>
-                                        </p:tgtEl>
-                                        <p:attrNameLst>
-                                          <p:attrName>style.visibility</p:attrName>
-                                        </p:attrNameLst>
-                                      </p:cBhvr>
-                                      <p:to>
-                                        <p:strVal val="visible"/>
-                                      </p:to>
-                                    </p:set>
-                                  </p:childTnLst>
-                                </p:cTn>
-                              </p:par>
-                            </p:childTnLst>
-                          </p:cTn>
-                        </p:par>
-                      </p:childTnLst>
-                    </p:cTn>
-                  </p:par>
-                </p:childTnLst>
-              </p:cTn>
-              <p:prevCondLst>
-                <p:cond evt="onPrev" delay="0">
-                  <p:tgtEl>
-                    <p:sldTgt/>
-                  </p:tgtEl>
-                </p:cond>
-              </p:prevCondLst>
-              <p:nextCondLst>
-                <p:cond evt="onNext" delay="0">
-                  <p:tgtEl>
-                    <p:sldTgt/>
-                  </p:tgtEl>
-                </p:cond>
-              </p:nextCondLst>
-            </p:seq>
-          </p:childTnLst>
-        </p:cTn>
-      </p:par>
-    </p:tnLst>
-  </p:timing>
-</p:sld>
-</file>
-
-<file path=ppt/slides/slide30.xml><?xml version="1.0" encoding="utf-8"?>
+<file path=ppt/slides/slide25.xml><?xml version="1.0" encoding="utf-8"?>
 <p:sld xmlns:a="http://schemas.openxmlformats.org/drawingml/2006/main" xmlns:r="http://schemas.openxmlformats.org/officeDocument/2006/relationships" xmlns:p="http://schemas.openxmlformats.org/presentationml/2006/main">
   <p:cSld>
     <p:spTree>
@@ -21416,7 +18435,7 @@
 </p:sld>
 </file>
 
-<file path=ppt/slides/slide31.xml><?xml version="1.0" encoding="utf-8"?>
+<file path=ppt/slides/slide26.xml><?xml version="1.0" encoding="utf-8"?>
 <p:sld xmlns:a="http://schemas.openxmlformats.org/drawingml/2006/main" xmlns:r="http://schemas.openxmlformats.org/officeDocument/2006/relationships" xmlns:p="http://schemas.openxmlformats.org/presentationml/2006/main">
   <p:cSld>
     <p:spTree>
@@ -22030,7 +19049,7 @@
 </p:sld>
 </file>
 
-<file path=ppt/slides/slide32.xml><?xml version="1.0" encoding="utf-8"?>
+<file path=ppt/slides/slide27.xml><?xml version="1.0" encoding="utf-8"?>
 <p:sld xmlns:a="http://schemas.openxmlformats.org/drawingml/2006/main" xmlns:r="http://schemas.openxmlformats.org/officeDocument/2006/relationships" xmlns:p="http://schemas.openxmlformats.org/presentationml/2006/main">
   <p:cSld>
     <p:spTree>
@@ -22806,7 +19825,7 @@
 </p:sld>
 </file>
 
-<file path=ppt/slides/slide33.xml><?xml version="1.0" encoding="utf-8"?>
+<file path=ppt/slides/slide28.xml><?xml version="1.0" encoding="utf-8"?>
 <p:sld xmlns:a="http://schemas.openxmlformats.org/drawingml/2006/main" xmlns:r="http://schemas.openxmlformats.org/officeDocument/2006/relationships" xmlns:p="http://schemas.openxmlformats.org/presentationml/2006/main">
   <p:cSld>
     <p:spTree>
@@ -23440,7 +20459,7 @@
 </p:sld>
 </file>
 
-<file path=ppt/slides/slide34.xml><?xml version="1.0" encoding="utf-8"?>
+<file path=ppt/slides/slide29.xml><?xml version="1.0" encoding="utf-8"?>
 <p:sld xmlns:a="http://schemas.openxmlformats.org/drawingml/2006/main" xmlns:r="http://schemas.openxmlformats.org/officeDocument/2006/relationships" xmlns:p="http://schemas.openxmlformats.org/presentationml/2006/main">
   <p:cSld>
     <p:spTree>
@@ -23563,7 +20582,387 @@
 </p:sld>
 </file>
 
-<file path=ppt/slides/slide35.xml><?xml version="1.0" encoding="utf-8"?>
+<file path=ppt/slides/slide3.xml><?xml version="1.0" encoding="utf-8"?>
+<p:sld xmlns:a="http://schemas.openxmlformats.org/drawingml/2006/main" xmlns:r="http://schemas.openxmlformats.org/officeDocument/2006/relationships" xmlns:p="http://schemas.openxmlformats.org/presentationml/2006/main">
+  <p:cSld>
+    <p:spTree>
+      <p:nvGrpSpPr>
+        <p:cNvPr id="1" name=""/>
+        <p:cNvGrpSpPr/>
+        <p:nvPr/>
+      </p:nvGrpSpPr>
+      <p:grpSpPr>
+        <a:xfrm>
+          <a:off x="0" y="0"/>
+          <a:ext cx="0" cy="0"/>
+          <a:chOff x="0" y="0"/>
+          <a:chExt cx="0" cy="0"/>
+        </a:xfrm>
+      </p:grpSpPr>
+      <p:sp>
+        <p:nvSpPr>
+          <p:cNvPr id="2" name="Title 1">
+            <a:extLst>
+              <a:ext uri="{FF2B5EF4-FFF2-40B4-BE49-F238E27FC236}">
+                <a16:creationId xmlns:a16="http://schemas.microsoft.com/office/drawing/2014/main" id="{5B5D60C3-15A9-CBE7-D0C3-A830B2DAD700}"/>
+              </a:ext>
+            </a:extLst>
+          </p:cNvPr>
+          <p:cNvSpPr>
+            <a:spLocks noGrp="1"/>
+          </p:cNvSpPr>
+          <p:nvPr>
+            <p:ph type="title"/>
+          </p:nvPr>
+        </p:nvSpPr>
+        <p:spPr/>
+        <p:txBody>
+          <a:bodyPr/>
+          <a:lstStyle/>
+          <a:p>
+            <a:r>
+              <a:rPr lang="en-IL" dirty="0"/>
+              <a:t>Testing with </a:t>
+            </a:r>
+            <a:r>
+              <a:rPr lang="en-US" sz="3600" dirty="0">
+                <a:solidFill>
+                  <a:schemeClr val="accent1"/>
+                </a:solidFill>
+              </a:rPr>
+              <a:t>@</a:t>
+            </a:r>
+            <a:r>
+              <a:rPr lang="en-US" sz="3600" dirty="0" err="1">
+                <a:solidFill>
+                  <a:schemeClr val="accent1"/>
+                </a:solidFill>
+              </a:rPr>
+              <a:t>SpringBootTest</a:t>
+            </a:r>
+            <a:r>
+              <a:rPr lang="en-US" sz="3600" dirty="0">
+                <a:solidFill>
+                  <a:schemeClr val="accent1"/>
+                </a:solidFill>
+              </a:rPr>
+              <a:t> </a:t>
+            </a:r>
+            <a:endParaRPr lang="en-IL" dirty="0"/>
+          </a:p>
+        </p:txBody>
+      </p:sp>
+      <p:sp>
+        <p:nvSpPr>
+          <p:cNvPr id="3" name="Content Placeholder 2">
+            <a:extLst>
+              <a:ext uri="{FF2B5EF4-FFF2-40B4-BE49-F238E27FC236}">
+                <a16:creationId xmlns:a16="http://schemas.microsoft.com/office/drawing/2014/main" id="{7695F3AC-07A0-6B46-6A24-05ABC310C07C}"/>
+              </a:ext>
+            </a:extLst>
+          </p:cNvPr>
+          <p:cNvSpPr>
+            <a:spLocks noGrp="1"/>
+          </p:cNvSpPr>
+          <p:nvPr>
+            <p:ph idx="1"/>
+          </p:nvPr>
+        </p:nvSpPr>
+        <p:spPr>
+          <a:xfrm>
+            <a:off x="677334" y="1798321"/>
+            <a:ext cx="8596668" cy="4243042"/>
+          </a:xfrm>
+        </p:spPr>
+        <p:txBody>
+          <a:bodyPr>
+            <a:normAutofit/>
+          </a:bodyPr>
+          <a:lstStyle/>
+          <a:p>
+            <a:r>
+              <a:rPr lang="en-US" sz="2800" dirty="0">
+                <a:solidFill>
+                  <a:schemeClr val="tx1"/>
+                </a:solidFill>
+              </a:rPr>
+              <a:t>The </a:t>
+            </a:r>
+            <a:r>
+              <a:rPr lang="en-US" sz="2800" dirty="0">
+                <a:solidFill>
+                  <a:srgbClr val="92D050"/>
+                </a:solidFill>
+              </a:rPr>
+              <a:t>@</a:t>
+            </a:r>
+            <a:r>
+              <a:rPr lang="en-US" sz="2800" dirty="0" err="1">
+                <a:solidFill>
+                  <a:srgbClr val="92D050"/>
+                </a:solidFill>
+              </a:rPr>
+              <a:t>SpringBootTest</a:t>
+            </a:r>
+            <a:r>
+              <a:rPr lang="en-US" sz="2800" dirty="0">
+                <a:solidFill>
+                  <a:srgbClr val="92D050"/>
+                </a:solidFill>
+              </a:rPr>
+              <a:t> </a:t>
+            </a:r>
+            <a:r>
+              <a:rPr lang="en-US" sz="2800" dirty="0">
+                <a:solidFill>
+                  <a:schemeClr val="tx1"/>
+                </a:solidFill>
+              </a:rPr>
+              <a:t>annotation is useful when we need to bootstrap the entire Spring application container. </a:t>
+            </a:r>
+          </a:p>
+          <a:p>
+            <a:r>
+              <a:rPr lang="en-US" sz="2800" dirty="0"/>
+              <a:t>This annotation creates an application context and loads all beans of the application. It means we can </a:t>
+            </a:r>
+            <a:r>
+              <a:rPr lang="en-US" sz="2800" dirty="0">
+                <a:solidFill>
+                  <a:srgbClr val="92D050"/>
+                </a:solidFill>
+              </a:rPr>
+              <a:t>@</a:t>
+            </a:r>
+            <a:r>
+              <a:rPr lang="en-US" sz="2800" dirty="0" err="1">
+                <a:solidFill>
+                  <a:srgbClr val="92D050"/>
+                </a:solidFill>
+              </a:rPr>
+              <a:t>Autowire</a:t>
+            </a:r>
+            <a:r>
+              <a:rPr lang="en-US" sz="2800" dirty="0">
+                <a:solidFill>
+                  <a:srgbClr val="92D050"/>
+                </a:solidFill>
+              </a:rPr>
+              <a:t> </a:t>
+            </a:r>
+            <a:r>
+              <a:rPr lang="en-US" sz="2800" dirty="0"/>
+              <a:t>any bean that's picked up by component scanning into our test.</a:t>
+            </a:r>
+          </a:p>
+          <a:p>
+            <a:r>
+              <a:rPr lang="en-US" sz="2800" dirty="0">
+                <a:solidFill>
+                  <a:srgbClr val="92D050"/>
+                </a:solidFill>
+              </a:rPr>
+              <a:t>@</a:t>
+            </a:r>
+            <a:r>
+              <a:rPr lang="en-US" sz="2800" dirty="0" err="1">
+                <a:solidFill>
+                  <a:srgbClr val="92D050"/>
+                </a:solidFill>
+              </a:rPr>
+              <a:t>SpringBootTest</a:t>
+            </a:r>
+            <a:r>
+              <a:rPr lang="en-US" sz="2800" dirty="0">
+                <a:solidFill>
+                  <a:srgbClr val="92D050"/>
+                </a:solidFill>
+              </a:rPr>
+              <a:t> </a:t>
+            </a:r>
+            <a:r>
+              <a:rPr lang="en-US" sz="2800" dirty="0"/>
+              <a:t>starts the embedded server and creates a web environment. </a:t>
+            </a:r>
+          </a:p>
+          <a:p>
+            <a:endParaRPr lang="en-IL" dirty="0"/>
+          </a:p>
+        </p:txBody>
+      </p:sp>
+    </p:spTree>
+    <p:extLst>
+      <p:ext uri="{BB962C8B-B14F-4D97-AF65-F5344CB8AC3E}">
+        <p14:creationId xmlns:p14="http://schemas.microsoft.com/office/powerpoint/2010/main" val="3935365845"/>
+      </p:ext>
+    </p:extLst>
+  </p:cSld>
+  <p:clrMapOvr>
+    <a:masterClrMapping/>
+  </p:clrMapOvr>
+  <p:timing>
+    <p:tnLst>
+      <p:par>
+        <p:cTn id="1" dur="indefinite" restart="never" nodeType="tmRoot">
+          <p:childTnLst>
+            <p:seq concurrent="1" nextAc="seek">
+              <p:cTn id="2" dur="indefinite" nodeType="mainSeq">
+                <p:childTnLst>
+                  <p:par>
+                    <p:cTn id="3" fill="hold">
+                      <p:stCondLst>
+                        <p:cond delay="indefinite"/>
+                      </p:stCondLst>
+                      <p:childTnLst>
+                        <p:par>
+                          <p:cTn id="4" fill="hold">
+                            <p:stCondLst>
+                              <p:cond delay="0"/>
+                            </p:stCondLst>
+                            <p:childTnLst>
+                              <p:par>
+                                <p:cTn id="5" presetID="1" presetClass="entr" presetSubtype="0" fill="hold" nodeType="clickEffect">
+                                  <p:stCondLst>
+                                    <p:cond delay="0"/>
+                                  </p:stCondLst>
+                                  <p:childTnLst>
+                                    <p:set>
+                                      <p:cBhvr>
+                                        <p:cTn id="6" dur="1" fill="hold">
+                                          <p:stCondLst>
+                                            <p:cond delay="0"/>
+                                          </p:stCondLst>
+                                        </p:cTn>
+                                        <p:tgtEl>
+                                          <p:spTgt spid="3">
+                                            <p:txEl>
+                                              <p:pRg st="0" end="0"/>
+                                            </p:txEl>
+                                          </p:spTgt>
+                                        </p:tgtEl>
+                                        <p:attrNameLst>
+                                          <p:attrName>style.visibility</p:attrName>
+                                        </p:attrNameLst>
+                                      </p:cBhvr>
+                                      <p:to>
+                                        <p:strVal val="visible"/>
+                                      </p:to>
+                                    </p:set>
+                                  </p:childTnLst>
+                                </p:cTn>
+                              </p:par>
+                              <p:par>
+                                <p:cTn id="7" presetID="1" presetClass="entr" presetSubtype="0" fill="hold" nodeType="withEffect">
+                                  <p:stCondLst>
+                                    <p:cond delay="0"/>
+                                  </p:stCondLst>
+                                  <p:childTnLst>
+                                    <p:set>
+                                      <p:cBhvr>
+                                        <p:cTn id="8" dur="1" fill="hold">
+                                          <p:stCondLst>
+                                            <p:cond delay="0"/>
+                                          </p:stCondLst>
+                                        </p:cTn>
+                                        <p:tgtEl>
+                                          <p:spTgt spid="3">
+                                            <p:txEl>
+                                              <p:pRg st="1" end="1"/>
+                                            </p:txEl>
+                                          </p:spTgt>
+                                        </p:tgtEl>
+                                        <p:attrNameLst>
+                                          <p:attrName>style.visibility</p:attrName>
+                                        </p:attrNameLst>
+                                      </p:cBhvr>
+                                      <p:to>
+                                        <p:strVal val="visible"/>
+                                      </p:to>
+                                    </p:set>
+                                  </p:childTnLst>
+                                </p:cTn>
+                              </p:par>
+                            </p:childTnLst>
+                          </p:cTn>
+                        </p:par>
+                      </p:childTnLst>
+                    </p:cTn>
+                  </p:par>
+                  <p:par>
+                    <p:cTn id="9" fill="hold">
+                      <p:stCondLst>
+                        <p:cond delay="indefinite"/>
+                      </p:stCondLst>
+                      <p:childTnLst>
+                        <p:par>
+                          <p:cTn id="10" fill="hold">
+                            <p:stCondLst>
+                              <p:cond delay="0"/>
+                            </p:stCondLst>
+                            <p:childTnLst>
+                              <p:par>
+                                <p:cTn id="11" presetID="1" presetClass="entr" presetSubtype="0" fill="hold" nodeType="clickEffect">
+                                  <p:stCondLst>
+                                    <p:cond delay="0"/>
+                                  </p:stCondLst>
+                                  <p:childTnLst>
+                                    <p:set>
+                                      <p:cBhvr>
+                                        <p:cTn id="12" dur="1" fill="hold">
+                                          <p:stCondLst>
+                                            <p:cond delay="0"/>
+                                          </p:stCondLst>
+                                        </p:cTn>
+                                        <p:tgtEl>
+                                          <p:spTgt spid="3">
+                                            <p:txEl>
+                                              <p:pRg st="2" end="2"/>
+                                            </p:txEl>
+                                          </p:spTgt>
+                                        </p:tgtEl>
+                                        <p:attrNameLst>
+                                          <p:attrName>style.visibility</p:attrName>
+                                        </p:attrNameLst>
+                                      </p:cBhvr>
+                                      <p:to>
+                                        <p:strVal val="visible"/>
+                                      </p:to>
+                                    </p:set>
+                                  </p:childTnLst>
+                                </p:cTn>
+                              </p:par>
+                            </p:childTnLst>
+                          </p:cTn>
+                        </p:par>
+                      </p:childTnLst>
+                    </p:cTn>
+                  </p:par>
+                </p:childTnLst>
+              </p:cTn>
+              <p:prevCondLst>
+                <p:cond evt="onPrev" delay="0">
+                  <p:tgtEl>
+                    <p:sldTgt/>
+                  </p:tgtEl>
+                </p:cond>
+              </p:prevCondLst>
+              <p:nextCondLst>
+                <p:cond evt="onNext" delay="0">
+                  <p:tgtEl>
+                    <p:sldTgt/>
+                  </p:tgtEl>
+                </p:cond>
+              </p:nextCondLst>
+            </p:seq>
+          </p:childTnLst>
+        </p:cTn>
+      </p:par>
+    </p:tnLst>
+  </p:timing>
+</p:sld>
+</file>
+
+<file path=ppt/slides/slide30.xml><?xml version="1.0" encoding="utf-8"?>
 <p:sld xmlns:a="http://schemas.openxmlformats.org/drawingml/2006/main" xmlns:r="http://schemas.openxmlformats.org/officeDocument/2006/relationships" xmlns:p="http://schemas.openxmlformats.org/presentationml/2006/main">
   <p:cSld>
     <p:spTree>
@@ -24458,7 +21857,7 @@
 </p:sld>
 </file>
 
-<file path=ppt/slides/slide36.xml><?xml version="1.0" encoding="utf-8"?>
+<file path=ppt/slides/slide31.xml><?xml version="1.0" encoding="utf-8"?>
 <p:sld xmlns:a="http://schemas.openxmlformats.org/drawingml/2006/main" xmlns:r="http://schemas.openxmlformats.org/officeDocument/2006/relationships" xmlns:p="http://schemas.openxmlformats.org/presentationml/2006/main">
   <p:cSld>
     <p:spTree>
@@ -24807,7 +22206,7 @@
 </p:sld>
 </file>
 
-<file path=ppt/slides/slide37.xml><?xml version="1.0" encoding="utf-8"?>
+<file path=ppt/slides/slide32.xml><?xml version="1.0" encoding="utf-8"?>
 <p:sld xmlns:a="http://schemas.openxmlformats.org/drawingml/2006/main" xmlns:r="http://schemas.openxmlformats.org/officeDocument/2006/relationships" xmlns:p="http://schemas.openxmlformats.org/presentationml/2006/main">
   <p:cSld>
     <p:spTree>
@@ -25237,7 +22636,7 @@
 </p:sld>
 </file>
 
-<file path=ppt/slides/slide38.xml><?xml version="1.0" encoding="utf-8"?>
+<file path=ppt/slides/slide33.xml><?xml version="1.0" encoding="utf-8"?>
 <p:sld xmlns:a="http://schemas.openxmlformats.org/drawingml/2006/main" xmlns:r="http://schemas.openxmlformats.org/officeDocument/2006/relationships" xmlns:p="http://schemas.openxmlformats.org/presentationml/2006/main">
   <p:cSld>
     <p:spTree>
@@ -28210,10 +25609,626 @@
       </p:grpSpPr>
       <p:sp>
         <p:nvSpPr>
+          <p:cNvPr id="4" name="Rectangle 3">
+            <a:extLst>
+              <a:ext uri="{FF2B5EF4-FFF2-40B4-BE49-F238E27FC236}">
+                <a16:creationId xmlns:a16="http://schemas.microsoft.com/office/drawing/2014/main" id="{FE9B8E49-6699-A7A9-425A-5EB251E66F5D}"/>
+              </a:ext>
+            </a:extLst>
+          </p:cNvPr>
+          <p:cNvSpPr/>
+          <p:nvPr/>
+        </p:nvSpPr>
+        <p:spPr>
+          <a:xfrm>
+            <a:off x="677332" y="2924189"/>
+            <a:ext cx="8353455" cy="3610175"/>
+          </a:xfrm>
+          <a:prstGeom prst="rect">
+            <a:avLst/>
+          </a:prstGeom>
+          <a:solidFill>
+            <a:schemeClr val="tx2">
+              <a:lumMod val="20000"/>
+              <a:lumOff val="80000"/>
+            </a:schemeClr>
+          </a:solidFill>
+        </p:spPr>
+        <p:style>
+          <a:lnRef idx="2">
+            <a:schemeClr val="accent1">
+              <a:shade val="50000"/>
+            </a:schemeClr>
+          </a:lnRef>
+          <a:fillRef idx="1">
+            <a:schemeClr val="accent1"/>
+          </a:fillRef>
+          <a:effectRef idx="0">
+            <a:schemeClr val="accent1"/>
+          </a:effectRef>
+          <a:fontRef idx="minor">
+            <a:schemeClr val="lt1"/>
+          </a:fontRef>
+        </p:style>
+        <p:txBody>
+          <a:bodyPr rtlCol="0" anchor="ctr"/>
+          <a:lstStyle/>
+          <a:p>
+            <a:pPr algn="ctr"/>
+            <a:endParaRPr lang="en-IL"/>
+          </a:p>
+        </p:txBody>
+      </p:sp>
+      <p:sp>
+        <p:nvSpPr>
+          <p:cNvPr id="3" name="Content Placeholder 2">
+            <a:extLst>
+              <a:ext uri="{FF2B5EF4-FFF2-40B4-BE49-F238E27FC236}">
+                <a16:creationId xmlns:a16="http://schemas.microsoft.com/office/drawing/2014/main" id="{B3A3C616-E58C-386B-EB03-88C0FD7794EA}"/>
+              </a:ext>
+            </a:extLst>
+          </p:cNvPr>
+          <p:cNvSpPr>
+            <a:spLocks noGrp="1"/>
+          </p:cNvSpPr>
+          <p:nvPr>
+            <p:ph idx="1"/>
+          </p:nvPr>
+        </p:nvSpPr>
+        <p:spPr>
+          <a:xfrm>
+            <a:off x="677334" y="1776549"/>
+            <a:ext cx="8596668" cy="4757815"/>
+          </a:xfrm>
+        </p:spPr>
+        <p:txBody>
+          <a:bodyPr>
+            <a:normAutofit fontScale="77500" lnSpcReduction="20000"/>
+          </a:bodyPr>
+          <a:lstStyle/>
+          <a:p>
+            <a:endParaRPr lang="en-IL" dirty="0"/>
+          </a:p>
+          <a:p>
+            <a:endParaRPr lang="en-IL" dirty="0"/>
+          </a:p>
+          <a:p>
+            <a:endParaRPr lang="en-IL" dirty="0"/>
+          </a:p>
+          <a:p>
+            <a:pPr marL="0" indent="0">
+              <a:buNone/>
+            </a:pPr>
+            <a:endParaRPr lang="en-US" b="1" i="1" dirty="0">
+              <a:solidFill>
+                <a:srgbClr val="808080"/>
+              </a:solidFill>
+              <a:effectLst/>
+            </a:endParaRPr>
+          </a:p>
+          <a:p>
+            <a:pPr marL="0" indent="0">
+              <a:buNone/>
+            </a:pPr>
+            <a:r>
+              <a:rPr lang="en-US" b="1" i="1" dirty="0">
+                <a:solidFill>
+                  <a:schemeClr val="accent3">
+                    <a:lumMod val="75000"/>
+                  </a:schemeClr>
+                </a:solidFill>
+                <a:effectLst/>
+              </a:rPr>
+              <a:t>@Component</a:t>
+            </a:r>
+            <a:r>
+              <a:rPr lang="en-US" b="1" dirty="0">
+                <a:solidFill>
+                  <a:schemeClr val="accent3">
+                    <a:lumMod val="75000"/>
+                  </a:schemeClr>
+                </a:solidFill>
+              </a:rPr>
+              <a:t> </a:t>
+            </a:r>
+          </a:p>
+          <a:p>
+            <a:pPr marL="0" indent="0">
+              <a:buNone/>
+            </a:pPr>
+            <a:r>
+              <a:rPr lang="en-US" b="1" dirty="0">
+                <a:solidFill>
+                  <a:srgbClr val="0070C0"/>
+                </a:solidFill>
+                <a:effectLst/>
+              </a:rPr>
+              <a:t>public</a:t>
+            </a:r>
+            <a:r>
+              <a:rPr lang="en-US" dirty="0"/>
+              <a:t> </a:t>
+            </a:r>
+            <a:r>
+              <a:rPr lang="en-US" b="1" dirty="0">
+                <a:solidFill>
+                  <a:srgbClr val="0070C0"/>
+                </a:solidFill>
+              </a:rPr>
+              <a:t>class</a:t>
+            </a:r>
+            <a:r>
+              <a:rPr lang="en-US" dirty="0"/>
+              <a:t> </a:t>
+            </a:r>
+            <a:r>
+              <a:rPr lang="en-US" dirty="0" err="1"/>
+              <a:t>MyBean</a:t>
+            </a:r>
+            <a:r>
+              <a:rPr lang="en-US" dirty="0"/>
+              <a:t> {</a:t>
+            </a:r>
+          </a:p>
+          <a:p>
+            <a:pPr marL="0" indent="0">
+              <a:buNone/>
+            </a:pPr>
+            <a:r>
+              <a:rPr lang="en-US" i="1" dirty="0">
+                <a:solidFill>
+                  <a:srgbClr val="808080"/>
+                </a:solidFill>
+                <a:effectLst/>
+              </a:rPr>
+              <a:t>	</a:t>
+            </a:r>
+            <a:r>
+              <a:rPr lang="en-US" b="1" i="1" dirty="0">
+                <a:solidFill>
+                  <a:schemeClr val="accent3">
+                    <a:lumMod val="75000"/>
+                  </a:schemeClr>
+                </a:solidFill>
+              </a:rPr>
+              <a:t>@Value</a:t>
+            </a:r>
+            <a:r>
+              <a:rPr lang="en-US" dirty="0"/>
+              <a:t>(</a:t>
+            </a:r>
+            <a:r>
+              <a:rPr lang="en-US" b="1" i="1" dirty="0">
+                <a:solidFill>
+                  <a:schemeClr val="accent2"/>
+                </a:solidFill>
+                <a:effectLst/>
+              </a:rPr>
+              <a:t>"</a:t>
+            </a:r>
+            <a:r>
+              <a:rPr lang="en-US" dirty="0">
+                <a:solidFill>
+                  <a:schemeClr val="accent2"/>
+                </a:solidFill>
+              </a:rPr>
+              <a:t>${</a:t>
+            </a:r>
+            <a:r>
+              <a:rPr lang="en-US" dirty="0" err="1">
+                <a:solidFill>
+                  <a:schemeClr val="accent2"/>
+                </a:solidFill>
+              </a:rPr>
+              <a:t>server.address</a:t>
+            </a:r>
+            <a:r>
+              <a:rPr lang="en-US" dirty="0">
+                <a:solidFill>
+                  <a:schemeClr val="accent2"/>
+                </a:solidFill>
+              </a:rPr>
+              <a:t>}"</a:t>
+            </a:r>
+            <a:r>
+              <a:rPr lang="en-US" dirty="0"/>
+              <a:t>) </a:t>
+            </a:r>
+          </a:p>
+          <a:p>
+            <a:pPr marL="0" indent="0">
+              <a:buNone/>
+            </a:pPr>
+            <a:r>
+              <a:rPr lang="en-US" b="1" dirty="0">
+                <a:solidFill>
+                  <a:srgbClr val="7F0055"/>
+                </a:solidFill>
+                <a:effectLst/>
+              </a:rPr>
+              <a:t>	</a:t>
+            </a:r>
+            <a:r>
+              <a:rPr lang="en-US" b="1" dirty="0">
+                <a:solidFill>
+                  <a:srgbClr val="0070C0"/>
+                </a:solidFill>
+              </a:rPr>
+              <a:t>private</a:t>
+            </a:r>
+            <a:r>
+              <a:rPr lang="en-US" dirty="0"/>
+              <a:t> </a:t>
+            </a:r>
+            <a:r>
+              <a:rPr lang="en-US" dirty="0" err="1">
+                <a:solidFill>
+                  <a:srgbClr val="000000"/>
+                </a:solidFill>
+                <a:effectLst/>
+              </a:rPr>
+              <a:t>InetAddress</a:t>
+            </a:r>
+            <a:r>
+              <a:rPr lang="en-US" dirty="0"/>
+              <a:t> </a:t>
+            </a:r>
+            <a:r>
+              <a:rPr lang="en-US" dirty="0" err="1">
+                <a:solidFill>
+                  <a:srgbClr val="871094"/>
+                </a:solidFill>
+                <a:latin typeface="+mj-lt"/>
+              </a:rPr>
+              <a:t>serverAddr</a:t>
+            </a:r>
+            <a:r>
+              <a:rPr lang="en-US" dirty="0"/>
+              <a:t>; </a:t>
+            </a:r>
+          </a:p>
+          <a:p>
+            <a:pPr marL="0" indent="0">
+              <a:buNone/>
+            </a:pPr>
+            <a:r>
+              <a:rPr lang="en-US" i="1" dirty="0">
+                <a:solidFill>
+                  <a:srgbClr val="808080"/>
+                </a:solidFill>
+                <a:effectLst/>
+              </a:rPr>
+              <a:t>	</a:t>
+            </a:r>
+            <a:r>
+              <a:rPr lang="en-US" b="1" i="1" dirty="0">
+                <a:solidFill>
+                  <a:schemeClr val="accent3">
+                    <a:lumMod val="75000"/>
+                  </a:schemeClr>
+                </a:solidFill>
+              </a:rPr>
+              <a:t>@Value</a:t>
+            </a:r>
+            <a:r>
+              <a:rPr lang="en-US" dirty="0"/>
+              <a:t>(</a:t>
+            </a:r>
+            <a:r>
+              <a:rPr lang="en-US" b="1" i="1" dirty="0">
+                <a:solidFill>
+                  <a:schemeClr val="accent2"/>
+                </a:solidFill>
+                <a:effectLst/>
+              </a:rPr>
+              <a:t>"</a:t>
+            </a:r>
+            <a:r>
+              <a:rPr lang="en-US" dirty="0">
+                <a:solidFill>
+                  <a:schemeClr val="accent2"/>
+                </a:solidFill>
+              </a:rPr>
+              <a:t>${server.port:8080}"</a:t>
+            </a:r>
+            <a:r>
+              <a:rPr lang="en-US" dirty="0"/>
+              <a:t>)            </a:t>
+            </a:r>
+            <a:r>
+              <a:rPr lang="en-US" b="1" dirty="0"/>
+              <a:t>here we defined the variable default value - 8080</a:t>
+            </a:r>
+          </a:p>
+          <a:p>
+            <a:pPr marL="0" indent="0">
+              <a:buNone/>
+            </a:pPr>
+            <a:r>
+              <a:rPr lang="en-US" b="1" dirty="0">
+                <a:solidFill>
+                  <a:srgbClr val="7F0055"/>
+                </a:solidFill>
+                <a:effectLst/>
+              </a:rPr>
+              <a:t>	</a:t>
+            </a:r>
+            <a:r>
+              <a:rPr lang="en-US" b="1" dirty="0">
+                <a:solidFill>
+                  <a:srgbClr val="0070C0"/>
+                </a:solidFill>
+              </a:rPr>
+              <a:t>private</a:t>
+            </a:r>
+            <a:r>
+              <a:rPr lang="en-US" dirty="0"/>
+              <a:t> </a:t>
+            </a:r>
+            <a:r>
+              <a:rPr lang="en-US" b="1" dirty="0">
+                <a:solidFill>
+                  <a:srgbClr val="0070C0"/>
+                </a:solidFill>
+              </a:rPr>
+              <a:t>int</a:t>
+            </a:r>
+            <a:r>
+              <a:rPr lang="en-US" dirty="0"/>
+              <a:t> </a:t>
+            </a:r>
+            <a:r>
+              <a:rPr lang="en-US" dirty="0" err="1">
+                <a:solidFill>
+                  <a:srgbClr val="871094"/>
+                </a:solidFill>
+                <a:latin typeface="+mj-lt"/>
+              </a:rPr>
+              <a:t>serverPort</a:t>
+            </a:r>
+            <a:r>
+              <a:rPr lang="en-US" dirty="0"/>
+              <a:t>; </a:t>
+            </a:r>
+          </a:p>
+          <a:p>
+            <a:pPr marL="0" indent="0">
+              <a:buNone/>
+            </a:pPr>
+            <a:r>
+              <a:rPr lang="en-US" i="1" dirty="0">
+                <a:solidFill>
+                  <a:srgbClr val="3F5F5F"/>
+                </a:solidFill>
+              </a:rPr>
+              <a:t>	</a:t>
+            </a:r>
+            <a:r>
+              <a:rPr lang="en-US" b="1" i="1" dirty="0">
+                <a:solidFill>
+                  <a:schemeClr val="accent3">
+                    <a:lumMod val="75000"/>
+                  </a:schemeClr>
+                </a:solidFill>
+              </a:rPr>
+              <a:t>@Value</a:t>
+            </a:r>
+            <a:r>
+              <a:rPr lang="en-US" dirty="0"/>
+              <a:t>(</a:t>
+            </a:r>
+            <a:r>
+              <a:rPr lang="en-US" b="1" i="1" dirty="0">
+                <a:solidFill>
+                  <a:schemeClr val="accent2"/>
+                </a:solidFill>
+              </a:rPr>
+              <a:t>“$</a:t>
+            </a:r>
+            <a:r>
+              <a:rPr lang="en-US" dirty="0">
+                <a:solidFill>
+                  <a:schemeClr val="accent2"/>
+                </a:solidFill>
+              </a:rPr>
+              <a:t>{HOME}”</a:t>
+            </a:r>
+            <a:r>
+              <a:rPr lang="en-US" dirty="0"/>
+              <a:t>)</a:t>
+            </a:r>
+          </a:p>
+          <a:p>
+            <a:pPr marL="0" indent="0">
+              <a:buNone/>
+            </a:pPr>
+            <a:r>
+              <a:rPr lang="en-US" i="1" dirty="0">
+                <a:solidFill>
+                  <a:srgbClr val="3F5F5F"/>
+                </a:solidFill>
+                <a:effectLst/>
+              </a:rPr>
+              <a:t>         </a:t>
+            </a:r>
+            <a:r>
+              <a:rPr lang="en-US" b="1" dirty="0">
+                <a:solidFill>
+                  <a:srgbClr val="0070C0"/>
+                </a:solidFill>
+              </a:rPr>
+              <a:t>private</a:t>
+            </a:r>
+            <a:r>
+              <a:rPr lang="en-US" i="1" dirty="0">
+                <a:solidFill>
+                  <a:srgbClr val="3F5F5F"/>
+                </a:solidFill>
+                <a:effectLst/>
+              </a:rPr>
+              <a:t> </a:t>
+            </a:r>
+            <a:r>
+              <a:rPr lang="en-US" dirty="0"/>
+              <a:t>String </a:t>
+            </a:r>
+            <a:r>
+              <a:rPr lang="en-US" dirty="0" err="1">
+                <a:solidFill>
+                  <a:srgbClr val="871094"/>
+                </a:solidFill>
+                <a:latin typeface="+mj-lt"/>
+              </a:rPr>
+              <a:t>homeDir</a:t>
+            </a:r>
+            <a:r>
+              <a:rPr lang="en-US" dirty="0"/>
+              <a:t>;</a:t>
+            </a:r>
+          </a:p>
+          <a:p>
+            <a:pPr marL="0" indent="0">
+              <a:buNone/>
+            </a:pPr>
+            <a:r>
+              <a:rPr lang="en-US" dirty="0"/>
+              <a:t> </a:t>
+            </a:r>
+            <a:r>
+              <a:rPr lang="en-US" i="1" dirty="0">
+                <a:solidFill>
+                  <a:srgbClr val="3F5F5F"/>
+                </a:solidFill>
+              </a:rPr>
+              <a:t>	</a:t>
+            </a:r>
+            <a:r>
+              <a:rPr lang="en-US" b="1" i="1" dirty="0">
+                <a:solidFill>
+                  <a:schemeClr val="accent3">
+                    <a:lumMod val="75000"/>
+                  </a:schemeClr>
+                </a:solidFill>
+              </a:rPr>
+              <a:t>@Value</a:t>
+            </a:r>
+            <a:r>
+              <a:rPr lang="en-US" dirty="0"/>
+              <a:t>(</a:t>
+            </a:r>
+            <a:r>
+              <a:rPr lang="en-US" dirty="0">
+                <a:solidFill>
+                  <a:schemeClr val="accent2"/>
+                </a:solidFill>
+              </a:rPr>
+              <a:t>“${</a:t>
+            </a:r>
+            <a:r>
+              <a:rPr lang="en-US" dirty="0" err="1">
+                <a:solidFill>
+                  <a:schemeClr val="accent2"/>
+                </a:solidFill>
+              </a:rPr>
+              <a:t>demo.course</a:t>
+            </a:r>
+            <a:r>
+              <a:rPr lang="en-US" dirty="0">
+                <a:solidFill>
+                  <a:schemeClr val="accent2"/>
+                </a:solidFill>
+              </a:rPr>
+              <a:t>}”</a:t>
+            </a:r>
+            <a:r>
+              <a:rPr lang="en-US" dirty="0"/>
+              <a:t>)</a:t>
+            </a:r>
+          </a:p>
+          <a:p>
+            <a:pPr marL="0" indent="0">
+              <a:buNone/>
+            </a:pPr>
+            <a:r>
+              <a:rPr lang="en-US" i="1" dirty="0">
+                <a:solidFill>
+                  <a:srgbClr val="3F5F5F"/>
+                </a:solidFill>
+                <a:effectLst/>
+              </a:rPr>
+              <a:t>          </a:t>
+            </a:r>
+            <a:r>
+              <a:rPr lang="en-US" b="1" dirty="0">
+                <a:solidFill>
+                  <a:srgbClr val="0070C0"/>
+                </a:solidFill>
+              </a:rPr>
+              <a:t>private</a:t>
+            </a:r>
+            <a:r>
+              <a:rPr lang="en-US" i="1" dirty="0">
+                <a:solidFill>
+                  <a:srgbClr val="3F5F5F"/>
+                </a:solidFill>
+                <a:effectLst/>
+              </a:rPr>
+              <a:t> </a:t>
+            </a:r>
+            <a:r>
+              <a:rPr lang="en-US" dirty="0"/>
+              <a:t>String </a:t>
+            </a:r>
+            <a:r>
+              <a:rPr lang="en-US" dirty="0" err="1">
+                <a:solidFill>
+                  <a:srgbClr val="871094"/>
+                </a:solidFill>
+                <a:latin typeface="+mj-lt"/>
+              </a:rPr>
+              <a:t>courseNum</a:t>
+            </a:r>
+            <a:r>
+              <a:rPr lang="en-US" dirty="0"/>
+              <a:t>;</a:t>
+            </a:r>
+          </a:p>
+          <a:p>
+            <a:pPr marL="0" indent="0">
+              <a:buNone/>
+            </a:pPr>
+            <a:r>
+              <a:rPr lang="en-US" i="1" dirty="0">
+                <a:solidFill>
+                  <a:srgbClr val="3F5F5F"/>
+                </a:solidFill>
+                <a:effectLst/>
+              </a:rPr>
+              <a:t>	...</a:t>
+            </a:r>
+            <a:r>
+              <a:rPr lang="en-US" dirty="0"/>
+              <a:t> </a:t>
+            </a:r>
+          </a:p>
+          <a:p>
+            <a:pPr marL="0" indent="0">
+              <a:buNone/>
+            </a:pPr>
+            <a:r>
+              <a:rPr lang="en-US" dirty="0"/>
+              <a:t>}</a:t>
+            </a:r>
+            <a:endParaRPr lang="en-IL" dirty="0"/>
+          </a:p>
+        </p:txBody>
+      </p:sp>
+      <p:sp>
+        <p:nvSpPr>
           <p:cNvPr id="2" name="Title 1">
             <a:extLst>
               <a:ext uri="{FF2B5EF4-FFF2-40B4-BE49-F238E27FC236}">
-                <a16:creationId xmlns:a16="http://schemas.microsoft.com/office/drawing/2014/main" id="{5B584C35-055C-A152-4C19-AF6EC23814D9}"/>
+                <a16:creationId xmlns:a16="http://schemas.microsoft.com/office/drawing/2014/main" id="{031901DC-E139-2EC9-569B-202344B30931}"/>
               </a:ext>
             </a:extLst>
           </p:cNvPr>
@@ -28231,115 +26246,290 @@
           <a:p>
             <a:r>
               <a:rPr lang="en-IL" dirty="0"/>
-              <a:t>Configuration in Spring Boot applications</a:t>
+              <a:t>Load configuration values in the code: @Value</a:t>
             </a:r>
           </a:p>
         </p:txBody>
       </p:sp>
-      <p:sp>
-        <p:nvSpPr>
-          <p:cNvPr id="3" name="Content Placeholder 2">
+      <p:graphicFrame>
+        <p:nvGraphicFramePr>
+          <p:cNvPr id="7" name="Table 7">
             <a:extLst>
               <a:ext uri="{FF2B5EF4-FFF2-40B4-BE49-F238E27FC236}">
-                <a16:creationId xmlns:a16="http://schemas.microsoft.com/office/drawing/2014/main" id="{D170671A-FEBE-04D6-C606-A323FA811135}"/>
+                <a16:creationId xmlns:a16="http://schemas.microsoft.com/office/drawing/2014/main" id="{AF19DFB6-4C85-1E2D-589F-8FF1659B1A1E}"/>
               </a:ext>
             </a:extLst>
           </p:cNvPr>
-          <p:cNvSpPr>
-            <a:spLocks noGrp="1"/>
-          </p:cNvSpPr>
-          <p:nvPr>
-            <p:ph idx="1"/>
-          </p:nvPr>
+          <p:cNvGraphicFramePr>
+            <a:graphicFrameLocks noGrp="1"/>
+          </p:cNvGraphicFramePr>
+          <p:nvPr/>
+        </p:nvGraphicFramePr>
+        <p:xfrm>
+          <a:off x="677332" y="1776549"/>
+          <a:ext cx="8353455" cy="1005840"/>
+        </p:xfrm>
+        <a:graphic>
+          <a:graphicData uri="http://schemas.openxmlformats.org/drawingml/2006/table">
+            <a:tbl>
+              <a:tblPr firstRow="1" bandRow="1">
+                <a:tableStyleId>{5C22544A-7EE6-4342-B048-85BDC9FD1C3A}</a:tableStyleId>
+              </a:tblPr>
+              <a:tblGrid>
+                <a:gridCol w="3089784">
+                  <a:extLst>
+                    <a:ext uri="{9D8B030D-6E8A-4147-A177-3AD203B41FA5}">
+                      <a16:colId xmlns:a16="http://schemas.microsoft.com/office/drawing/2014/main" val="1815690530"/>
+                    </a:ext>
+                  </a:extLst>
+                </a:gridCol>
+                <a:gridCol w="2479186">
+                  <a:extLst>
+                    <a:ext uri="{9D8B030D-6E8A-4147-A177-3AD203B41FA5}">
+                      <a16:colId xmlns:a16="http://schemas.microsoft.com/office/drawing/2014/main" val="3367717155"/>
+                    </a:ext>
+                  </a:extLst>
+                </a:gridCol>
+                <a:gridCol w="2784485">
+                  <a:extLst>
+                    <a:ext uri="{9D8B030D-6E8A-4147-A177-3AD203B41FA5}">
+                      <a16:colId xmlns:a16="http://schemas.microsoft.com/office/drawing/2014/main" val="1586312912"/>
+                    </a:ext>
+                  </a:extLst>
+                </a:gridCol>
+              </a:tblGrid>
+              <a:tr h="362718">
+                <a:tc>
+                  <a:txBody>
+                    <a:bodyPr/>
+                    <a:lstStyle/>
+                    <a:p>
+                      <a:r>
+                        <a:rPr lang="en-IL" dirty="0"/>
+                        <a:t>Configuration file:</a:t>
+                      </a:r>
+                    </a:p>
+                  </a:txBody>
+                  <a:tcPr/>
+                </a:tc>
+                <a:tc>
+                  <a:txBody>
+                    <a:bodyPr/>
+                    <a:lstStyle/>
+                    <a:p>
+                      <a:r>
+                        <a:rPr lang="en-IL" dirty="0"/>
+                        <a:t>Environment:</a:t>
+                      </a:r>
+                    </a:p>
+                  </a:txBody>
+                  <a:tcPr/>
+                </a:tc>
+                <a:tc>
+                  <a:txBody>
+                    <a:bodyPr/>
+                    <a:lstStyle/>
+                    <a:p>
+                      <a:r>
+                        <a:rPr lang="en-IL" dirty="0"/>
+                        <a:t>System properties:</a:t>
+                      </a:r>
+                    </a:p>
+                  </a:txBody>
+                  <a:tcPr/>
+                </a:tc>
+                <a:extLst>
+                  <a:ext uri="{0D108BD9-81ED-4DB2-BD59-A6C34878D82A}">
+                    <a16:rowId xmlns:a16="http://schemas.microsoft.com/office/drawing/2014/main" val="2094724661"/>
+                  </a:ext>
+                </a:extLst>
+              </a:tr>
+              <a:tr h="634755">
+                <a:tc>
+                  <a:txBody>
+                    <a:bodyPr/>
+                    <a:lstStyle/>
+                    <a:p>
+                      <a:pPr marL="0" marR="0" lvl="0" indent="0" algn="l" defTabSz="457200" rtl="0" eaLnBrk="1" fontAlgn="auto" latinLnBrk="0" hangingPunct="1">
+                        <a:lnSpc>
+                          <a:spcPct val="100000"/>
+                        </a:lnSpc>
+                        <a:spcBef>
+                          <a:spcPts val="0"/>
+                        </a:spcBef>
+                        <a:spcAft>
+                          <a:spcPts val="0"/>
+                        </a:spcAft>
+                        <a:buClrTx/>
+                        <a:buSzTx/>
+                        <a:buFontTx/>
+                        <a:buNone/>
+                        <a:tabLst/>
+                        <a:defRPr/>
+                      </a:pPr>
+                      <a:r>
+                        <a:rPr lang="en-US" sz="1800" kern="1200" dirty="0" err="1">
+                          <a:solidFill>
+                            <a:schemeClr val="dk1"/>
+                          </a:solidFill>
+                          <a:effectLst/>
+                          <a:latin typeface="+mn-lt"/>
+                          <a:ea typeface="+mn-ea"/>
+                          <a:cs typeface="+mn-cs"/>
+                        </a:rPr>
+                        <a:t>server.address</a:t>
+                      </a:r>
+                      <a:r>
+                        <a:rPr lang="en-US" dirty="0"/>
+                        <a:t>=</a:t>
+                      </a:r>
+                      <a:r>
+                        <a:rPr lang="en-US" sz="1800" kern="1200" dirty="0">
+                          <a:solidFill>
+                            <a:schemeClr val="dk1"/>
+                          </a:solidFill>
+                          <a:effectLst/>
+                          <a:latin typeface="+mn-lt"/>
+                          <a:ea typeface="+mn-ea"/>
+                          <a:cs typeface="+mn-cs"/>
+                        </a:rPr>
+                        <a:t>127.0.0.1</a:t>
+                      </a:r>
+                      <a:br>
+                        <a:rPr lang="en-US" sz="1800" kern="1200" dirty="0">
+                          <a:solidFill>
+                            <a:schemeClr val="dk1"/>
+                          </a:solidFill>
+                          <a:effectLst/>
+                          <a:latin typeface="+mn-lt"/>
+                          <a:ea typeface="+mn-ea"/>
+                          <a:cs typeface="+mn-cs"/>
+                        </a:rPr>
+                      </a:br>
+                      <a:r>
+                        <a:rPr lang="en-US" sz="1800" kern="1200" dirty="0" err="1">
+                          <a:solidFill>
+                            <a:schemeClr val="dk1"/>
+                          </a:solidFill>
+                          <a:effectLst/>
+                          <a:latin typeface="+mn-lt"/>
+                          <a:ea typeface="+mn-ea"/>
+                          <a:cs typeface="+mn-cs"/>
+                        </a:rPr>
+                        <a:t>server.port</a:t>
+                      </a:r>
+                      <a:r>
+                        <a:rPr lang="en-US" dirty="0"/>
+                        <a:t>=</a:t>
+                      </a:r>
+                      <a:r>
+                        <a:rPr lang="en-US" sz="1800" kern="1200" dirty="0">
+                          <a:solidFill>
+                            <a:schemeClr val="dk1"/>
+                          </a:solidFill>
+                          <a:effectLst/>
+                          <a:latin typeface="+mn-lt"/>
+                          <a:ea typeface="+mn-ea"/>
+                          <a:cs typeface="+mn-cs"/>
+                        </a:rPr>
+                        <a:t>8080</a:t>
+                      </a:r>
+                      <a:endParaRPr lang="en-IL" dirty="0"/>
+                    </a:p>
+                  </a:txBody>
+                  <a:tcPr/>
+                </a:tc>
+                <a:tc>
+                  <a:txBody>
+                    <a:bodyPr/>
+                    <a:lstStyle/>
+                    <a:p>
+                      <a:r>
+                        <a:rPr lang="en-IL" dirty="0"/>
+                        <a:t>HOME=/Users/yb444b</a:t>
+                      </a:r>
+                    </a:p>
+                  </a:txBody>
+                  <a:tcPr/>
+                </a:tc>
+                <a:tc>
+                  <a:txBody>
+                    <a:bodyPr/>
+                    <a:lstStyle/>
+                    <a:p>
+                      <a:r>
+                        <a:rPr lang="en-US" dirty="0" err="1"/>
+                        <a:t>demo.course</a:t>
+                      </a:r>
+                      <a:r>
+                        <a:rPr lang="en-US" dirty="0"/>
+                        <a:t>=1.0</a:t>
+                      </a:r>
+                      <a:endParaRPr lang="en-IL" dirty="0"/>
+                    </a:p>
+                  </a:txBody>
+                  <a:tcPr/>
+                </a:tc>
+                <a:extLst>
+                  <a:ext uri="{0D108BD9-81ED-4DB2-BD59-A6C34878D82A}">
+                    <a16:rowId xmlns:a16="http://schemas.microsoft.com/office/drawing/2014/main" val="705258796"/>
+                  </a:ext>
+                </a:extLst>
+              </a:tr>
+            </a:tbl>
+          </a:graphicData>
+        </a:graphic>
+      </p:graphicFrame>
+      <p:sp>
+        <p:nvSpPr>
+          <p:cNvPr id="5" name="Left Arrow 4">
+            <a:extLst>
+              <a:ext uri="{FF2B5EF4-FFF2-40B4-BE49-F238E27FC236}">
+                <a16:creationId xmlns:a16="http://schemas.microsoft.com/office/drawing/2014/main" id="{B3D144FA-0182-13D0-66C9-06B9DE893DA5}"/>
+              </a:ext>
+            </a:extLst>
+          </p:cNvPr>
+          <p:cNvSpPr/>
+          <p:nvPr/>
         </p:nvSpPr>
         <p:spPr>
           <a:xfrm>
-            <a:off x="677334" y="1589089"/>
-            <a:ext cx="8596668" cy="3880773"/>
+            <a:off x="3723489" y="4155456"/>
+            <a:ext cx="427382" cy="168965"/>
           </a:xfrm>
+          <a:prstGeom prst="leftArrow">
+            <a:avLst/>
+          </a:prstGeom>
         </p:spPr>
+        <p:style>
+          <a:lnRef idx="2">
+            <a:schemeClr val="accent1">
+              <a:shade val="50000"/>
+            </a:schemeClr>
+          </a:lnRef>
+          <a:fillRef idx="1">
+            <a:schemeClr val="accent1"/>
+          </a:fillRef>
+          <a:effectRef idx="0">
+            <a:schemeClr val="accent1"/>
+          </a:effectRef>
+          <a:fontRef idx="minor">
+            <a:schemeClr val="lt1"/>
+          </a:fontRef>
+        </p:style>
         <p:txBody>
-          <a:bodyPr>
-            <a:normAutofit/>
-          </a:bodyPr>
+          <a:bodyPr rtlCol="0" anchor="ctr"/>
           <a:lstStyle/>
           <a:p>
-            <a:pPr marL="0" indent="0">
-              <a:buNone/>
-            </a:pPr>
-            <a:r>
-              <a:rPr lang="en-IL" sz="2800" dirty="0">
-                <a:latin typeface="+mj-lt"/>
-              </a:rPr>
-              <a:t>Agenda</a:t>
-            </a:r>
-            <a:r>
-              <a:rPr lang="en-IL" sz="2800" dirty="0"/>
-              <a:t>:</a:t>
-            </a:r>
-          </a:p>
-          <a:p>
-            <a:r>
-              <a:rPr lang="en-IL" sz="2800" dirty="0"/>
-              <a:t>Properties in Java and Spring Boot applications</a:t>
-            </a:r>
-          </a:p>
-          <a:p>
-            <a:r>
-              <a:rPr lang="en-IL" sz="2800" dirty="0"/>
-              <a:t>Load configuration in Spring Boot</a:t>
-            </a:r>
-          </a:p>
-          <a:p>
-            <a:pPr lvl="1"/>
-            <a:r>
-              <a:rPr lang="en-IL" sz="2000" dirty="0">
-                <a:solidFill>
-                  <a:schemeClr val="accent2"/>
-                </a:solidFill>
-              </a:rPr>
-              <a:t>@Value</a:t>
-            </a:r>
-          </a:p>
-          <a:p>
-            <a:pPr lvl="1"/>
-            <a:r>
-              <a:rPr lang="en-IL" sz="2000" dirty="0">
-                <a:solidFill>
-                  <a:schemeClr val="accent2"/>
-                </a:solidFill>
-              </a:rPr>
-              <a:t>@C</a:t>
-            </a:r>
-            <a:r>
-              <a:rPr lang="en-US" sz="2000" dirty="0">
-                <a:solidFill>
-                  <a:schemeClr val="accent2"/>
-                </a:solidFill>
-              </a:rPr>
-              <a:t>o</a:t>
-            </a:r>
-            <a:r>
-              <a:rPr lang="en-IL" sz="2000" dirty="0">
-                <a:solidFill>
-                  <a:schemeClr val="accent2"/>
-                </a:solidFill>
-              </a:rPr>
-              <a:t>nfigurationProperties</a:t>
-            </a:r>
-          </a:p>
-          <a:p>
-            <a:r>
-              <a:rPr lang="en-IL" sz="2800" dirty="0"/>
-              <a:t>Environment bean</a:t>
-            </a:r>
+            <a:pPr algn="ctr"/>
+            <a:endParaRPr lang="en-IL"/>
           </a:p>
         </p:txBody>
       </p:sp>
     </p:spTree>
     <p:extLst>
       <p:ext uri="{BB962C8B-B14F-4D97-AF65-F5344CB8AC3E}">
-        <p14:creationId xmlns:p14="http://schemas.microsoft.com/office/powerpoint/2010/main" val="2538794876"/>
+        <p14:creationId xmlns:p14="http://schemas.microsoft.com/office/powerpoint/2010/main" val="1924144910"/>
       </p:ext>
     </p:extLst>
   </p:cSld>
@@ -28371,7 +26561,7 @@
           <p:cNvPr id="2" name="Title 1">
             <a:extLst>
               <a:ext uri="{FF2B5EF4-FFF2-40B4-BE49-F238E27FC236}">
-                <a16:creationId xmlns:a16="http://schemas.microsoft.com/office/drawing/2014/main" id="{2CAA3E67-97DC-1480-01F2-3FF269381867}"/>
+                <a16:creationId xmlns:a16="http://schemas.microsoft.com/office/drawing/2014/main" id="{05CC5BE0-0023-19B1-C157-CCB698FCC209}"/>
               </a:ext>
             </a:extLst>
           </p:cNvPr>
@@ -28389,17 +26579,17 @@
           <a:p>
             <a:r>
               <a:rPr lang="en-IL" dirty="0"/>
-              <a:t>Spring Boot – properties sources</a:t>
+              <a:t>Load configuration values in the code: @ConfigurationProperties</a:t>
             </a:r>
           </a:p>
         </p:txBody>
       </p:sp>
       <p:sp>
         <p:nvSpPr>
-          <p:cNvPr id="3" name="Content Placeholder 2">
+          <p:cNvPr id="3" name="Text Placeholder 2">
             <a:extLst>
               <a:ext uri="{FF2B5EF4-FFF2-40B4-BE49-F238E27FC236}">
-                <a16:creationId xmlns:a16="http://schemas.microsoft.com/office/drawing/2014/main" id="{B30E003C-9BE3-9C5C-F571-D34DCE80AFF3}"/>
+                <a16:creationId xmlns:a16="http://schemas.microsoft.com/office/drawing/2014/main" id="{38505742-509F-381A-E922-B38A59261DF7}"/>
               </a:ext>
             </a:extLst>
           </p:cNvPr>
@@ -28407,88 +26597,951 @@
             <a:spLocks noGrp="1"/>
           </p:cNvSpPr>
           <p:nvPr>
-            <p:ph idx="1"/>
+            <p:ph type="body" idx="1"/>
           </p:nvPr>
         </p:nvSpPr>
         <p:spPr>
           <a:xfrm>
-            <a:off x="666183" y="1536121"/>
-            <a:ext cx="8596668" cy="3880773"/>
+            <a:off x="675746" y="1930400"/>
+            <a:ext cx="3034106" cy="385417"/>
           </a:xfrm>
         </p:spPr>
         <p:txBody>
           <a:bodyPr/>
           <a:lstStyle/>
           <a:p>
+            <a:r>
+              <a:rPr lang="en-IL" sz="1800" dirty="0"/>
+              <a:t>Configuration file:</a:t>
+            </a:r>
+          </a:p>
+        </p:txBody>
+      </p:sp>
+      <p:sp>
+        <p:nvSpPr>
+          <p:cNvPr id="4" name="Content Placeholder 3">
+            <a:extLst>
+              <a:ext uri="{FF2B5EF4-FFF2-40B4-BE49-F238E27FC236}">
+                <a16:creationId xmlns:a16="http://schemas.microsoft.com/office/drawing/2014/main" id="{40F13A66-DCB4-7280-9F03-4B4EC86AF7AD}"/>
+              </a:ext>
+            </a:extLst>
+          </p:cNvPr>
+          <p:cNvSpPr>
+            <a:spLocks noGrp="1"/>
+          </p:cNvSpPr>
+          <p:nvPr>
+            <p:ph sz="half" idx="2"/>
+          </p:nvPr>
+        </p:nvSpPr>
+        <p:spPr>
+          <a:xfrm>
+            <a:off x="675746" y="2315817"/>
+            <a:ext cx="3906193" cy="2030152"/>
+          </a:xfrm>
+          <a:solidFill>
+            <a:schemeClr val="accent1">
+              <a:lumMod val="20000"/>
+              <a:lumOff val="80000"/>
+            </a:schemeClr>
+          </a:solidFill>
+          <a:ln>
+            <a:solidFill>
+              <a:schemeClr val="accent2">
+                <a:lumMod val="50000"/>
+              </a:schemeClr>
+            </a:solidFill>
+          </a:ln>
+        </p:spPr>
+        <p:txBody>
+          <a:bodyPr>
+            <a:normAutofit/>
+          </a:bodyPr>
+          <a:lstStyle/>
+          <a:p>
             <a:pPr marL="0" indent="0">
               <a:buNone/>
             </a:pPr>
             <a:r>
-              <a:rPr lang="en-US" sz="2800" dirty="0"/>
-              <a:t>There are different options to store or apply configuration in </a:t>
-            </a:r>
-            <a:r>
-              <a:rPr lang="en-US" sz="2800" dirty="0">
+              <a:rPr lang="en-US" sz="1600" dirty="0">
+                <a:solidFill>
+                  <a:srgbClr val="002060"/>
+                </a:solidFill>
+              </a:rPr>
+              <a:t>s</a:t>
+            </a:r>
+            <a:r>
+              <a:rPr lang="en-IL" sz="1600" dirty="0">
+                <a:solidFill>
+                  <a:srgbClr val="002060"/>
+                </a:solidFill>
+              </a:rPr>
+              <a:t>erver.address</a:t>
+            </a:r>
+            <a:r>
+              <a:rPr lang="en-IL" sz="1600" dirty="0"/>
+              <a:t>=</a:t>
+            </a:r>
+            <a:r>
+              <a:rPr lang="en-IL" sz="1600" dirty="0">
+                <a:solidFill>
+                  <a:srgbClr val="067D17"/>
+                </a:solidFill>
+              </a:rPr>
+              <a:t>127.0.0.1</a:t>
+            </a:r>
+          </a:p>
+          <a:p>
+            <a:pPr marL="0" indent="0">
+              <a:buNone/>
+            </a:pPr>
+            <a:r>
+              <a:rPr lang="en-US" sz="1600" dirty="0">
+                <a:solidFill>
+                  <a:srgbClr val="002060"/>
+                </a:solidFill>
+              </a:rPr>
+              <a:t>s</a:t>
+            </a:r>
+            <a:r>
+              <a:rPr lang="en-IL" sz="1600" dirty="0">
+                <a:solidFill>
+                  <a:srgbClr val="002060"/>
+                </a:solidFill>
+              </a:rPr>
+              <a:t>erver.port</a:t>
+            </a:r>
+            <a:r>
+              <a:rPr lang="en-IL" sz="1600" dirty="0"/>
+              <a:t>=</a:t>
+            </a:r>
+            <a:r>
+              <a:rPr lang="en-IL" sz="1600" dirty="0">
+                <a:solidFill>
+                  <a:srgbClr val="00B0F0"/>
+                </a:solidFill>
+              </a:rPr>
+              <a:t>8080</a:t>
+            </a:r>
+          </a:p>
+          <a:p>
+            <a:pPr marL="0" indent="0">
+              <a:buNone/>
+            </a:pPr>
+            <a:r>
+              <a:rPr lang="en-US" sz="1600" dirty="0" err="1">
+                <a:solidFill>
+                  <a:srgbClr val="002060"/>
+                </a:solidFill>
+              </a:rPr>
+              <a:t>server.compression.mime</a:t>
+            </a:r>
+            <a:r>
+              <a:rPr lang="en-US" sz="1600" dirty="0">
+                <a:solidFill>
+                  <a:srgbClr val="002060"/>
+                </a:solidFill>
+              </a:rPr>
+              <a:t>-type</a:t>
+            </a:r>
+            <a:r>
+              <a:rPr lang="en-US" sz="1600" dirty="0"/>
+              <a:t>=</a:t>
+            </a:r>
+            <a:r>
+              <a:rPr lang="en-US" sz="1600" dirty="0">
+                <a:solidFill>
+                  <a:srgbClr val="067D17"/>
+                </a:solidFill>
+                <a:effectLst/>
+              </a:rPr>
+              <a:t> application/</a:t>
+            </a:r>
+            <a:r>
+              <a:rPr lang="en-US" sz="1600" dirty="0" err="1">
+                <a:solidFill>
+                  <a:srgbClr val="067D17"/>
+                </a:solidFill>
+                <a:effectLst/>
+              </a:rPr>
+              <a:t>json</a:t>
+            </a:r>
+            <a:r>
+              <a:rPr lang="en-US" sz="1600" dirty="0">
+                <a:solidFill>
+                  <a:srgbClr val="067D17"/>
+                </a:solidFill>
+                <a:effectLst/>
+              </a:rPr>
+              <a:t>, application/xml</a:t>
+            </a:r>
+            <a:endParaRPr lang="en-IL" sz="1600" dirty="0"/>
+          </a:p>
+          <a:p>
+            <a:pPr marL="0" indent="0">
+              <a:buNone/>
+            </a:pPr>
+            <a:r>
+              <a:rPr lang="en-US" sz="1600" dirty="0">
+                <a:solidFill>
+                  <a:srgbClr val="002060"/>
+                </a:solidFill>
+              </a:rPr>
+              <a:t>s</a:t>
+            </a:r>
+            <a:r>
+              <a:rPr lang="en-IL" sz="1600" dirty="0">
+                <a:solidFill>
+                  <a:srgbClr val="002060"/>
+                </a:solidFill>
+              </a:rPr>
+              <a:t>erver.max-http-header-size</a:t>
+            </a:r>
+            <a:r>
+              <a:rPr lang="en-IL" sz="1600" dirty="0"/>
+              <a:t>=</a:t>
+            </a:r>
+            <a:r>
+              <a:rPr lang="en-IL" sz="1600" dirty="0">
+                <a:solidFill>
+                  <a:srgbClr val="067D17"/>
+                </a:solidFill>
+              </a:rPr>
+              <a:t>8KB</a:t>
+            </a:r>
+            <a:endParaRPr lang="en-IL" sz="1600" dirty="0">
+              <a:solidFill>
+                <a:srgbClr val="00B0F0"/>
+              </a:solidFill>
+            </a:endParaRPr>
+          </a:p>
+        </p:txBody>
+      </p:sp>
+      <p:sp>
+        <p:nvSpPr>
+          <p:cNvPr id="5" name="Text Placeholder 4">
+            <a:extLst>
+              <a:ext uri="{FF2B5EF4-FFF2-40B4-BE49-F238E27FC236}">
+                <a16:creationId xmlns:a16="http://schemas.microsoft.com/office/drawing/2014/main" id="{37DF7256-0FD3-D66D-3001-E02FC798084C}"/>
+              </a:ext>
+            </a:extLst>
+          </p:cNvPr>
+          <p:cNvSpPr>
+            <a:spLocks noGrp="1"/>
+          </p:cNvSpPr>
+          <p:nvPr>
+            <p:ph type="body" sz="quarter" idx="3"/>
+          </p:nvPr>
+        </p:nvSpPr>
+        <p:spPr>
+          <a:xfrm>
+            <a:off x="4738409" y="1930400"/>
+            <a:ext cx="4535592" cy="385417"/>
+          </a:xfrm>
+        </p:spPr>
+        <p:txBody>
+          <a:bodyPr/>
+          <a:lstStyle/>
+          <a:p>
+            <a:r>
+              <a:rPr lang="en-IL" sz="1800" dirty="0"/>
+              <a:t>Code:</a:t>
+            </a:r>
+          </a:p>
+        </p:txBody>
+      </p:sp>
+      <p:sp>
+        <p:nvSpPr>
+          <p:cNvPr id="6" name="Content Placeholder 5">
+            <a:extLst>
+              <a:ext uri="{FF2B5EF4-FFF2-40B4-BE49-F238E27FC236}">
+                <a16:creationId xmlns:a16="http://schemas.microsoft.com/office/drawing/2014/main" id="{09F75FFB-F5CB-D6EF-7A3D-EA3766B5CDE1}"/>
+              </a:ext>
+            </a:extLst>
+          </p:cNvPr>
+          <p:cNvSpPr>
+            <a:spLocks noGrp="1"/>
+          </p:cNvSpPr>
+          <p:nvPr>
+            <p:ph sz="quarter" idx="4"/>
+          </p:nvPr>
+        </p:nvSpPr>
+        <p:spPr>
+          <a:xfrm>
+            <a:off x="4738409" y="2315818"/>
+            <a:ext cx="5250321" cy="4204252"/>
+          </a:xfrm>
+          <a:solidFill>
+            <a:schemeClr val="tx2">
+              <a:lumMod val="20000"/>
+              <a:lumOff val="80000"/>
+            </a:schemeClr>
+          </a:solidFill>
+          <a:ln>
+            <a:solidFill>
+              <a:schemeClr val="tx2">
+                <a:lumMod val="50000"/>
+              </a:schemeClr>
+            </a:solidFill>
+          </a:ln>
+        </p:spPr>
+        <p:txBody>
+          <a:bodyPr>
+            <a:noAutofit/>
+          </a:bodyPr>
+          <a:lstStyle/>
+          <a:p>
+            <a:pPr marL="0" indent="0">
+              <a:buNone/>
+            </a:pPr>
+            <a:r>
+              <a:rPr lang="en-US" sz="1600" b="1" dirty="0">
+                <a:solidFill>
+                  <a:schemeClr val="accent3">
+                    <a:lumMod val="75000"/>
+                  </a:schemeClr>
+                </a:solidFill>
+                <a:highlight>
+                  <a:srgbClr val="FFFF00"/>
+                </a:highlight>
+                <a:latin typeface="+mj-lt"/>
+              </a:rPr>
+              <a:t>@</a:t>
+            </a:r>
+            <a:r>
+              <a:rPr lang="en-US" sz="1600" b="1" dirty="0" err="1">
+                <a:solidFill>
+                  <a:schemeClr val="accent3">
+                    <a:lumMod val="75000"/>
+                  </a:schemeClr>
+                </a:solidFill>
+                <a:highlight>
+                  <a:srgbClr val="FFFF00"/>
+                </a:highlight>
+                <a:latin typeface="+mj-lt"/>
+              </a:rPr>
+              <a:t>ConfigurationProperties</a:t>
+            </a:r>
+            <a:r>
+              <a:rPr lang="en-US" sz="1600" b="1" dirty="0">
+                <a:solidFill>
+                  <a:schemeClr val="tx1">
+                    <a:lumMod val="95000"/>
+                    <a:lumOff val="5000"/>
+                  </a:schemeClr>
+                </a:solidFill>
+                <a:highlight>
+                  <a:srgbClr val="FFFF00"/>
+                </a:highlight>
+                <a:latin typeface="+mj-lt"/>
+              </a:rPr>
+              <a:t>(</a:t>
+            </a:r>
+            <a:r>
+              <a:rPr lang="en-US" sz="1600" b="1" dirty="0">
+                <a:solidFill>
+                  <a:schemeClr val="accent2"/>
+                </a:solidFill>
+                <a:highlight>
+                  <a:srgbClr val="FFFF00"/>
+                </a:highlight>
+                <a:latin typeface="+mj-lt"/>
+              </a:rPr>
+              <a:t>“server”</a:t>
+            </a:r>
+            <a:r>
+              <a:rPr lang="en-US" sz="1600" b="1" dirty="0">
+                <a:solidFill>
+                  <a:schemeClr val="tx1">
+                    <a:lumMod val="95000"/>
+                    <a:lumOff val="5000"/>
+                  </a:schemeClr>
+                </a:solidFill>
+                <a:highlight>
+                  <a:srgbClr val="FFFF00"/>
+                </a:highlight>
+                <a:latin typeface="+mj-lt"/>
+              </a:rPr>
+              <a:t>)</a:t>
+            </a:r>
+          </a:p>
+          <a:p>
+            <a:pPr marL="0" indent="0">
+              <a:buNone/>
+            </a:pPr>
+            <a:r>
+              <a:rPr lang="en-US" sz="1600" dirty="0">
+                <a:solidFill>
+                  <a:srgbClr val="0033B3"/>
+                </a:solidFill>
+                <a:latin typeface="+mj-lt"/>
+              </a:rPr>
+              <a:t>p</a:t>
+            </a:r>
+            <a:r>
+              <a:rPr lang="en-IL" sz="1600" dirty="0">
+                <a:solidFill>
+                  <a:srgbClr val="0033B3"/>
+                </a:solidFill>
+                <a:latin typeface="+mj-lt"/>
+              </a:rPr>
+              <a:t>ublic class </a:t>
+            </a:r>
+            <a:r>
+              <a:rPr lang="en-IL" sz="1600" dirty="0">
+                <a:latin typeface="+mj-lt"/>
+              </a:rPr>
+              <a:t>ServerConfiguration {</a:t>
+            </a:r>
+          </a:p>
+          <a:p>
+            <a:pPr marL="0" indent="0">
+              <a:buNone/>
+            </a:pPr>
+            <a:r>
+              <a:rPr lang="en-IL" sz="1600" dirty="0">
+                <a:latin typeface="+mj-lt"/>
+              </a:rPr>
+              <a:t>    </a:t>
+            </a:r>
+            <a:r>
+              <a:rPr lang="en-IL" sz="1600" dirty="0">
+                <a:solidFill>
+                  <a:srgbClr val="0033B3"/>
+                </a:solidFill>
+                <a:latin typeface="+mj-lt"/>
+              </a:rPr>
+              <a:t>private</a:t>
+            </a:r>
+            <a:r>
+              <a:rPr lang="en-IL" sz="1600" dirty="0">
+                <a:latin typeface="+mj-lt"/>
+              </a:rPr>
+              <a:t> </a:t>
+            </a:r>
+            <a:r>
+              <a:rPr lang="en-US" sz="1600" dirty="0" err="1">
+                <a:latin typeface="+mj-lt"/>
+              </a:rPr>
+              <a:t>InetAddress</a:t>
+            </a:r>
+            <a:r>
+              <a:rPr lang="en-IL" sz="1600" dirty="0">
+                <a:latin typeface="+mj-lt"/>
+              </a:rPr>
+              <a:t> </a:t>
+            </a:r>
+            <a:r>
+              <a:rPr lang="en-IL" sz="1600" dirty="0">
+                <a:solidFill>
+                  <a:srgbClr val="871094"/>
+                </a:solidFill>
+                <a:latin typeface="+mj-lt"/>
+              </a:rPr>
+              <a:t>address</a:t>
+            </a:r>
+            <a:r>
+              <a:rPr lang="en-IL" sz="1600" dirty="0">
+                <a:latin typeface="+mj-lt"/>
+              </a:rPr>
+              <a:t>;</a:t>
+            </a:r>
+          </a:p>
+          <a:p>
+            <a:pPr marL="0" indent="0">
+              <a:buNone/>
+            </a:pPr>
+            <a:r>
+              <a:rPr lang="en-IL" sz="1600" dirty="0">
+                <a:latin typeface="+mj-lt"/>
+              </a:rPr>
+              <a:t>    </a:t>
+            </a:r>
+            <a:r>
+              <a:rPr lang="en-IL" sz="1600" dirty="0">
+                <a:solidFill>
+                  <a:srgbClr val="0033B3"/>
+                </a:solidFill>
+                <a:latin typeface="+mj-lt"/>
+              </a:rPr>
+              <a:t>private</a:t>
+            </a:r>
+            <a:r>
+              <a:rPr lang="en-IL" sz="1600" dirty="0">
+                <a:solidFill>
+                  <a:schemeClr val="accent5">
+                    <a:lumMod val="75000"/>
+                  </a:schemeClr>
+                </a:solidFill>
+                <a:latin typeface="+mj-lt"/>
+              </a:rPr>
+              <a:t> </a:t>
+            </a:r>
+            <a:r>
+              <a:rPr lang="en-IL" sz="1600" dirty="0">
+                <a:solidFill>
+                  <a:srgbClr val="0033B3"/>
+                </a:solidFill>
+                <a:latin typeface="+mj-lt"/>
+              </a:rPr>
+              <a:t>int</a:t>
+            </a:r>
+            <a:r>
+              <a:rPr lang="en-IL" sz="1600" dirty="0">
+                <a:latin typeface="+mj-lt"/>
+              </a:rPr>
+              <a:t> </a:t>
+            </a:r>
+            <a:r>
+              <a:rPr lang="en-IL" sz="1600" dirty="0">
+                <a:solidFill>
+                  <a:srgbClr val="871094"/>
+                </a:solidFill>
+                <a:latin typeface="+mj-lt"/>
+              </a:rPr>
+              <a:t>port</a:t>
+            </a:r>
+            <a:r>
+              <a:rPr lang="en-IL" sz="1600" dirty="0">
+                <a:latin typeface="+mj-lt"/>
+              </a:rPr>
+              <a:t>;</a:t>
+            </a:r>
+          </a:p>
+          <a:p>
+            <a:pPr marL="0" indent="0">
+              <a:buNone/>
+            </a:pPr>
+            <a:r>
+              <a:rPr lang="en-IL" sz="1600" dirty="0">
+                <a:latin typeface="+mj-lt"/>
+              </a:rPr>
+              <a:t>    </a:t>
+            </a:r>
+            <a:r>
+              <a:rPr lang="en-IL" sz="1600" dirty="0">
+                <a:solidFill>
+                  <a:srgbClr val="0033B3"/>
+                </a:solidFill>
+                <a:latin typeface="+mj-lt"/>
+              </a:rPr>
+              <a:t>private</a:t>
+            </a:r>
+            <a:r>
+              <a:rPr lang="en-IL" sz="1600" dirty="0">
+                <a:solidFill>
+                  <a:schemeClr val="accent5">
+                    <a:lumMod val="75000"/>
+                  </a:schemeClr>
+                </a:solidFill>
+                <a:latin typeface="+mj-lt"/>
+              </a:rPr>
+              <a:t> </a:t>
+            </a:r>
+            <a:r>
+              <a:rPr lang="en-IL" sz="1600" dirty="0">
+                <a:latin typeface="+mj-lt"/>
+              </a:rPr>
+              <a:t>DataSize </a:t>
+            </a:r>
+            <a:r>
+              <a:rPr lang="en-IL" sz="1600" dirty="0">
+                <a:solidFill>
+                  <a:srgbClr val="871094"/>
+                </a:solidFill>
+                <a:latin typeface="+mj-lt"/>
+              </a:rPr>
+              <a:t>maxHttpHeaderSize</a:t>
+            </a:r>
+            <a:r>
+              <a:rPr lang="en-IL" sz="1600" dirty="0">
+                <a:latin typeface="+mj-lt"/>
+              </a:rPr>
+              <a:t>;</a:t>
+            </a:r>
+          </a:p>
+          <a:p>
+            <a:pPr marL="0" indent="0">
+              <a:buNone/>
+            </a:pPr>
+            <a:r>
+              <a:rPr lang="en-US" sz="1600" dirty="0">
+                <a:latin typeface="+mj-lt"/>
+              </a:rPr>
+              <a:t>    </a:t>
+            </a:r>
+            <a:r>
+              <a:rPr lang="en-US" sz="1600" dirty="0">
+                <a:solidFill>
+                  <a:srgbClr val="0033B3"/>
+                </a:solidFill>
+                <a:latin typeface="+mj-lt"/>
+              </a:rPr>
+              <a:t>private</a:t>
+            </a:r>
+            <a:r>
+              <a:rPr lang="en-US" sz="1600" dirty="0">
+                <a:latin typeface="+mj-lt"/>
+              </a:rPr>
+              <a:t> </a:t>
+            </a:r>
+            <a:r>
+              <a:rPr lang="en-US" sz="1600" dirty="0">
+                <a:solidFill>
+                  <a:srgbClr val="0033B3"/>
+                </a:solidFill>
+                <a:latin typeface="+mj-lt"/>
+              </a:rPr>
+              <a:t>final</a:t>
+            </a:r>
+            <a:r>
+              <a:rPr lang="en-US" sz="1600" dirty="0">
+                <a:latin typeface="+mj-lt"/>
+              </a:rPr>
+              <a:t> Compression compression = </a:t>
+            </a:r>
+            <a:r>
+              <a:rPr lang="en-US" sz="1600" dirty="0">
+                <a:solidFill>
+                  <a:srgbClr val="0033B3"/>
+                </a:solidFill>
+                <a:latin typeface="+mj-lt"/>
+              </a:rPr>
+              <a:t>new</a:t>
+            </a:r>
+            <a:r>
+              <a:rPr lang="en-US" sz="1600" dirty="0">
+                <a:latin typeface="+mj-lt"/>
+              </a:rPr>
+              <a:t> Compression();</a:t>
+            </a:r>
+          </a:p>
+          <a:p>
+            <a:pPr marL="0" indent="0">
+              <a:buNone/>
+            </a:pPr>
+            <a:r>
+              <a:rPr lang="en-IL" sz="1600" dirty="0">
+                <a:latin typeface="+mj-lt"/>
+              </a:rPr>
+              <a:t>    </a:t>
+            </a:r>
+            <a:r>
+              <a:rPr lang="en-IL" sz="1600" dirty="0">
+                <a:solidFill>
+                  <a:srgbClr val="0033B3"/>
+                </a:solidFill>
+                <a:latin typeface="+mj-lt"/>
+              </a:rPr>
+              <a:t>public</a:t>
+            </a:r>
+            <a:r>
+              <a:rPr lang="en-IL" sz="1600" dirty="0">
+                <a:solidFill>
+                  <a:schemeClr val="accent5">
+                    <a:lumMod val="75000"/>
+                  </a:schemeClr>
+                </a:solidFill>
+                <a:latin typeface="+mj-lt"/>
+              </a:rPr>
+              <a:t> </a:t>
+            </a:r>
+            <a:r>
+              <a:rPr lang="en-IL" sz="1600" dirty="0">
+                <a:solidFill>
+                  <a:srgbClr val="0033B3"/>
+                </a:solidFill>
+                <a:latin typeface="+mj-lt"/>
+              </a:rPr>
+              <a:t>static</a:t>
+            </a:r>
+            <a:r>
+              <a:rPr lang="en-IL" sz="1600" dirty="0">
+                <a:solidFill>
+                  <a:schemeClr val="accent5">
+                    <a:lumMod val="75000"/>
+                  </a:schemeClr>
+                </a:solidFill>
+                <a:latin typeface="+mj-lt"/>
+              </a:rPr>
+              <a:t> </a:t>
+            </a:r>
+            <a:r>
+              <a:rPr lang="en-IL" sz="1600" dirty="0">
+                <a:solidFill>
+                  <a:srgbClr val="0033B3"/>
+                </a:solidFill>
+                <a:latin typeface="+mj-lt"/>
+              </a:rPr>
+              <a:t>class</a:t>
+            </a:r>
+            <a:r>
+              <a:rPr lang="en-IL" sz="1600" dirty="0">
+                <a:solidFill>
+                  <a:schemeClr val="accent5">
+                    <a:lumMod val="75000"/>
+                  </a:schemeClr>
+                </a:solidFill>
+                <a:latin typeface="+mj-lt"/>
+              </a:rPr>
+              <a:t> </a:t>
+            </a:r>
+            <a:r>
+              <a:rPr lang="en-IL" sz="1600" dirty="0">
+                <a:latin typeface="+mj-lt"/>
+              </a:rPr>
+              <a:t>Compression {</a:t>
+            </a:r>
+          </a:p>
+          <a:p>
+            <a:pPr marL="0" indent="0">
+              <a:buNone/>
+            </a:pPr>
+            <a:r>
+              <a:rPr lang="en-IL" sz="1600" dirty="0">
+                <a:latin typeface="+mj-lt"/>
+              </a:rPr>
+              <a:t>        </a:t>
+            </a:r>
+            <a:r>
+              <a:rPr lang="en-IL" sz="1600" dirty="0">
+                <a:solidFill>
+                  <a:srgbClr val="0033B3"/>
+                </a:solidFill>
+                <a:latin typeface="+mj-lt"/>
+              </a:rPr>
+              <a:t>private</a:t>
+            </a:r>
+            <a:r>
+              <a:rPr lang="en-IL" sz="1600" dirty="0">
+                <a:solidFill>
+                  <a:schemeClr val="accent5">
+                    <a:lumMod val="75000"/>
+                  </a:schemeClr>
+                </a:solidFill>
+                <a:latin typeface="+mj-lt"/>
+              </a:rPr>
+              <a:t> </a:t>
+            </a:r>
+            <a:r>
+              <a:rPr lang="en-IL" sz="1600" dirty="0">
+                <a:latin typeface="+mj-lt"/>
+              </a:rPr>
+              <a:t>List&lt;String&gt; </a:t>
+            </a:r>
+            <a:r>
+              <a:rPr lang="en-IL" sz="1600" dirty="0">
+                <a:solidFill>
+                  <a:srgbClr val="871094"/>
+                </a:solidFill>
+                <a:latin typeface="+mj-lt"/>
+              </a:rPr>
+              <a:t>mimeTypes = </a:t>
+            </a:r>
+            <a:r>
+              <a:rPr lang="en-IL" sz="1600" dirty="0">
+                <a:solidFill>
+                  <a:srgbClr val="0033B3"/>
+                </a:solidFill>
+                <a:latin typeface="+mj-lt"/>
+              </a:rPr>
+              <a:t>new</a:t>
+            </a:r>
+            <a:r>
+              <a:rPr lang="en-IL" sz="1600" dirty="0">
+                <a:solidFill>
+                  <a:srgbClr val="871094"/>
+                </a:solidFill>
+                <a:latin typeface="+mj-lt"/>
+              </a:rPr>
+              <a:t> </a:t>
+            </a:r>
+            <a:r>
+              <a:rPr lang="en-IL" sz="1600" dirty="0">
+                <a:latin typeface="+mj-lt"/>
+              </a:rPr>
+              <a:t>Array&lt;&gt;();</a:t>
+            </a:r>
+          </a:p>
+          <a:p>
+            <a:pPr marL="0" indent="0">
+              <a:buNone/>
+            </a:pPr>
+            <a:r>
+              <a:rPr lang="en-IL" sz="1600" dirty="0">
+                <a:latin typeface="+mj-lt"/>
+              </a:rPr>
+              <a:t>    }</a:t>
+            </a:r>
+          </a:p>
+          <a:p>
+            <a:pPr marL="0" indent="0">
+              <a:buNone/>
+            </a:pPr>
+            <a:r>
+              <a:rPr lang="en-IL" sz="1600" dirty="0">
+                <a:latin typeface="+mj-lt"/>
+              </a:rPr>
+              <a:t>}</a:t>
+            </a:r>
+          </a:p>
+        </p:txBody>
+      </p:sp>
+      <p:sp>
+        <p:nvSpPr>
+          <p:cNvPr id="7" name="TextBox 6">
+            <a:extLst>
+              <a:ext uri="{FF2B5EF4-FFF2-40B4-BE49-F238E27FC236}">
+                <a16:creationId xmlns:a16="http://schemas.microsoft.com/office/drawing/2014/main" id="{9E9A15BB-49F0-A0F4-7EE0-4AA5029BF462}"/>
+              </a:ext>
+            </a:extLst>
+          </p:cNvPr>
+          <p:cNvSpPr txBox="1"/>
+          <p:nvPr/>
+        </p:nvSpPr>
+        <p:spPr>
+          <a:xfrm>
+            <a:off x="8566472" y="1438197"/>
+            <a:ext cx="3505664" cy="1077218"/>
+          </a:xfrm>
+          <a:prstGeom prst="rect">
+            <a:avLst/>
+          </a:prstGeom>
+          <a:solidFill>
+            <a:schemeClr val="accent3">
+              <a:lumMod val="20000"/>
+              <a:lumOff val="80000"/>
+            </a:schemeClr>
+          </a:solidFill>
+          <a:ln w="12700">
+            <a:solidFill>
+              <a:schemeClr val="accent1"/>
+            </a:solidFill>
+          </a:ln>
+        </p:spPr>
+        <p:txBody>
+          <a:bodyPr wrap="square" rtlCol="0">
+            <a:spAutoFit/>
+          </a:bodyPr>
+          <a:lstStyle/>
+          <a:p>
+            <a:r>
+              <a:rPr lang="en-IL" sz="1600" dirty="0">
                 <a:solidFill>
                   <a:schemeClr val="accent1"/>
                 </a:solidFill>
               </a:rPr>
-              <a:t>Spring Boot</a:t>
-            </a:r>
-            <a:r>
-              <a:rPr lang="en-US" sz="2800" dirty="0">
-                <a:solidFill>
-                  <a:schemeClr val="tx1"/>
-                </a:solidFill>
-              </a:rPr>
-              <a:t>,</a:t>
-            </a:r>
-            <a:r>
-              <a:rPr lang="en-US" sz="2800" dirty="0">
-                <a:solidFill>
-                  <a:schemeClr val="accent1"/>
-                </a:solidFill>
-              </a:rPr>
-              <a:t> </a:t>
-            </a:r>
-            <a:r>
-              <a:rPr lang="en-US" sz="2800" dirty="0"/>
-              <a:t>including:</a:t>
-            </a:r>
-          </a:p>
-          <a:p>
-            <a:r>
-              <a:rPr lang="en-US" sz="2800" dirty="0"/>
-              <a:t>Java properties files</a:t>
-            </a:r>
-          </a:p>
-          <a:p>
-            <a:r>
-              <a:rPr lang="en-US" sz="2800" dirty="0"/>
-              <a:t>YAML files</a:t>
-            </a:r>
-          </a:p>
-          <a:p>
-            <a:r>
-              <a:rPr lang="en-US" sz="2800" dirty="0"/>
-              <a:t>Environment variables </a:t>
-            </a:r>
-          </a:p>
-          <a:p>
-            <a:r>
-              <a:rPr lang="en-US" sz="2800" dirty="0"/>
-              <a:t>Command-line arguments</a:t>
-            </a:r>
-          </a:p>
-          <a:p>
-            <a:endParaRPr lang="en-IL" dirty="0"/>
+              <a:t>@ConfigurationProperties </a:t>
+            </a:r>
+            <a:r>
+              <a:rPr lang="en-IL" sz="1600" dirty="0"/>
+              <a:t>annotation allows isolating a </a:t>
+            </a:r>
+            <a:r>
+              <a:rPr lang="en-IL" sz="1600" b="1" dirty="0"/>
+              <a:t>section of properties </a:t>
+            </a:r>
+            <a:r>
+              <a:rPr lang="en-IL" sz="1600" dirty="0"/>
+              <a:t>(with the same prefix) into separate POJO. </a:t>
+            </a:r>
+          </a:p>
+        </p:txBody>
+      </p:sp>
+      <p:sp>
+        <p:nvSpPr>
+          <p:cNvPr id="8" name="TextBox 7">
+            <a:extLst>
+              <a:ext uri="{FF2B5EF4-FFF2-40B4-BE49-F238E27FC236}">
+                <a16:creationId xmlns:a16="http://schemas.microsoft.com/office/drawing/2014/main" id="{58F3CFF4-DCB8-A703-AB2A-C6FC9923965F}"/>
+              </a:ext>
+            </a:extLst>
+          </p:cNvPr>
+          <p:cNvSpPr txBox="1"/>
+          <p:nvPr/>
+        </p:nvSpPr>
+        <p:spPr>
+          <a:xfrm>
+            <a:off x="1133544" y="5442852"/>
+            <a:ext cx="2576308" cy="1077218"/>
+          </a:xfrm>
+          <a:prstGeom prst="rect">
+            <a:avLst/>
+          </a:prstGeom>
+          <a:solidFill>
+            <a:schemeClr val="accent3">
+              <a:lumMod val="20000"/>
+              <a:lumOff val="80000"/>
+            </a:schemeClr>
+          </a:solidFill>
+          <a:ln>
+            <a:solidFill>
+              <a:schemeClr val="accent1"/>
+            </a:solidFill>
+          </a:ln>
+        </p:spPr>
+        <p:txBody>
+          <a:bodyPr wrap="square" rtlCol="0">
+            <a:spAutoFit/>
+          </a:bodyPr>
+          <a:lstStyle/>
+          <a:p>
+            <a:r>
+              <a:rPr lang="en-IL" sz="1600" dirty="0"/>
+              <a:t>Note: setters are mandatory in the @ConfigurationProperties class!</a:t>
+            </a:r>
+          </a:p>
+        </p:txBody>
+      </p:sp>
+      <p:sp>
+        <p:nvSpPr>
+          <p:cNvPr id="9" name="Right Arrow 8">
+            <a:extLst>
+              <a:ext uri="{FF2B5EF4-FFF2-40B4-BE49-F238E27FC236}">
+                <a16:creationId xmlns:a16="http://schemas.microsoft.com/office/drawing/2014/main" id="{35E48F68-E8ED-04FE-FD96-39B37B18A4C5}"/>
+              </a:ext>
+            </a:extLst>
+          </p:cNvPr>
+          <p:cNvSpPr/>
+          <p:nvPr/>
+        </p:nvSpPr>
+        <p:spPr>
+          <a:xfrm>
+            <a:off x="3709852" y="5808295"/>
+            <a:ext cx="969405" cy="147717"/>
+          </a:xfrm>
+          <a:prstGeom prst="rightArrow">
+            <a:avLst/>
+          </a:prstGeom>
+        </p:spPr>
+        <p:style>
+          <a:lnRef idx="2">
+            <a:schemeClr val="accent1">
+              <a:shade val="15000"/>
+            </a:schemeClr>
+          </a:lnRef>
+          <a:fillRef idx="1">
+            <a:schemeClr val="accent1"/>
+          </a:fillRef>
+          <a:effectRef idx="0">
+            <a:schemeClr val="accent1"/>
+          </a:effectRef>
+          <a:fontRef idx="minor">
+            <a:schemeClr val="lt1"/>
+          </a:fontRef>
+        </p:style>
+        <p:txBody>
+          <a:bodyPr rtlCol="0" anchor="ctr"/>
+          <a:lstStyle/>
+          <a:p>
+            <a:pPr algn="ctr"/>
+            <a:endParaRPr lang="en-IL"/>
           </a:p>
         </p:txBody>
       </p:sp>
     </p:spTree>
     <p:extLst>
       <p:ext uri="{BB962C8B-B14F-4D97-AF65-F5344CB8AC3E}">
-        <p14:creationId xmlns:p14="http://schemas.microsoft.com/office/powerpoint/2010/main" val="4124338861"/>
+        <p14:creationId xmlns:p14="http://schemas.microsoft.com/office/powerpoint/2010/main" val="442822381"/>
       </p:ext>
     </p:extLst>
   </p:cSld>
@@ -29051,17 +28104,6 @@
 </file>
 
 <file path=customXml/item1.xml><?xml version="1.0" encoding="utf-8"?>
-<p:properties xmlns:p="http://schemas.microsoft.com/office/2006/metadata/properties" xmlns:xsi="http://www.w3.org/2001/XMLSchema-instance" xmlns:pc="http://schemas.microsoft.com/office/infopath/2007/PartnerControls">
-  <documentManagement>
-    <lcf76f155ced4ddcb4097134ff3c332f xmlns="858d5390-0f7b-4213-8bcd-0cd5cf778ba6">
-      <Terms xmlns="http://schemas.microsoft.com/office/infopath/2007/PartnerControls"/>
-    </lcf76f155ced4ddcb4097134ff3c332f>
-    <TaxCatchAll xmlns="e5f39eeb-dc9c-40bf-a733-e74d7baf73b9" xsi:nil="true"/>
-  </documentManagement>
-</p:properties>
-</file>
-
-<file path=customXml/item2.xml><?xml version="1.0" encoding="utf-8"?>
 <ct:contentTypeSchema xmlns:ct="http://schemas.microsoft.com/office/2006/metadata/contentType" xmlns:ma="http://schemas.microsoft.com/office/2006/metadata/properties/metaAttributes" ct:_="" ma:_="" ma:contentTypeName="Document" ma:contentTypeID="0x0101001980062C165A384BBE4202BE72680A0C" ma:contentTypeVersion="16" ma:contentTypeDescription="Create a new document." ma:contentTypeScope="" ma:versionID="ad4a4175eb2c3e09fcddefcd48156f8d">
   <xsd:schema xmlns:xsd="http://www.w3.org/2001/XMLSchema" xmlns:xs="http://www.w3.org/2001/XMLSchema" xmlns:p="http://schemas.microsoft.com/office/2006/metadata/properties" xmlns:ns2="858d5390-0f7b-4213-8bcd-0cd5cf778ba6" xmlns:ns3="48da0e76-8a7c-448c-bc5b-f1ed517f7411" xmlns:ns4="e5f39eeb-dc9c-40bf-a733-e74d7baf73b9" targetNamespace="http://schemas.microsoft.com/office/2006/metadata/properties" ma:root="true" ma:fieldsID="ea247dcd7b1180b70e9ff4f92c286293" ns2:_="" ns3:_="" ns4:_="">
     <xsd:import namespace="858d5390-0f7b-4213-8bcd-0cd5cf778ba6"/>
@@ -29309,6 +28351,17 @@
 </ct:contentTypeSchema>
 </file>
 
+<file path=customXml/item2.xml><?xml version="1.0" encoding="utf-8"?>
+<p:properties xmlns:p="http://schemas.microsoft.com/office/2006/metadata/properties" xmlns:xsi="http://www.w3.org/2001/XMLSchema-instance" xmlns:pc="http://schemas.microsoft.com/office/infopath/2007/PartnerControls">
+  <documentManagement>
+    <lcf76f155ced4ddcb4097134ff3c332f xmlns="858d5390-0f7b-4213-8bcd-0cd5cf778ba6">
+      <Terms xmlns="http://schemas.microsoft.com/office/infopath/2007/PartnerControls"/>
+    </lcf76f155ced4ddcb4097134ff3c332f>
+    <TaxCatchAll xmlns="e5f39eeb-dc9c-40bf-a733-e74d7baf73b9" xsi:nil="true"/>
+  </documentManagement>
+</p:properties>
+</file>
+
 <file path=customXml/item3.xml><?xml version="1.0" encoding="utf-8"?>
 <?mso-contentType ?>
 <FormTemplates xmlns="http://schemas.microsoft.com/sharepoint/v3/contenttype/forms">
@@ -29319,17 +28372,6 @@
 </file>
 
 <file path=customXml/itemProps1.xml><?xml version="1.0" encoding="utf-8"?>
-<ds:datastoreItem xmlns:ds="http://schemas.openxmlformats.org/officeDocument/2006/customXml" ds:itemID="{43349A31-E13C-476A-88C6-FE88A1835AD9}">
-  <ds:schemaRefs>
-    <ds:schemaRef ds:uri="http://schemas.microsoft.com/office/2006/metadata/properties"/>
-    <ds:schemaRef ds:uri="http://schemas.microsoft.com/office/infopath/2007/PartnerControls"/>
-    <ds:schemaRef ds:uri="858d5390-0f7b-4213-8bcd-0cd5cf778ba6"/>
-    <ds:schemaRef ds:uri="e5f39eeb-dc9c-40bf-a733-e74d7baf73b9"/>
-  </ds:schemaRefs>
-</ds:datastoreItem>
-</file>
-
-<file path=customXml/itemProps2.xml><?xml version="1.0" encoding="utf-8"?>
 <ds:datastoreItem xmlns:ds="http://schemas.openxmlformats.org/officeDocument/2006/customXml" ds:itemID="{95C1E331-1539-4B37-8C70-2591DCB1C6B8}">
   <ds:schemaRefs>
     <ds:schemaRef ds:uri="http://schemas.microsoft.com/office/2006/metadata/contentType"/>
@@ -29349,6 +28391,17 @@
 </ds:datastoreItem>
 </file>
 
+<file path=customXml/itemProps2.xml><?xml version="1.0" encoding="utf-8"?>
+<ds:datastoreItem xmlns:ds="http://schemas.openxmlformats.org/officeDocument/2006/customXml" ds:itemID="{43349A31-E13C-476A-88C6-FE88A1835AD9}">
+  <ds:schemaRefs>
+    <ds:schemaRef ds:uri="http://schemas.microsoft.com/office/2006/metadata/properties"/>
+    <ds:schemaRef ds:uri="http://schemas.microsoft.com/office/infopath/2007/PartnerControls"/>
+    <ds:schemaRef ds:uri="858d5390-0f7b-4213-8bcd-0cd5cf778ba6"/>
+    <ds:schemaRef ds:uri="e5f39eeb-dc9c-40bf-a733-e74d7baf73b9"/>
+  </ds:schemaRefs>
+</ds:datastoreItem>
+</file>
+
 <file path=customXml/itemProps3.xml><?xml version="1.0" encoding="utf-8"?>
 <ds:datastoreItem xmlns:ds="http://schemas.openxmlformats.org/officeDocument/2006/customXml" ds:itemID="{A1C09B18-7530-4142-9483-30D82F693FEB}">
   <ds:schemaRefs>
